--- a/deep-recurrent-survival-analysis.pptx
+++ b/deep-recurrent-survival-analysis.pptx
@@ -35,7 +35,8 @@
     <p:sldId id="283" r:id="rId29"/>
     <p:sldId id="284" r:id="rId30"/>
     <p:sldId id="285" r:id="rId31"/>
-    <p:sldId id="286" r:id="rId32"/>
+    <p:sldId id="287" r:id="rId32"/>
+    <p:sldId id="286" r:id="rId33"/>
   </p:sldIdLst>
   <p:sldSz cx="9144000" cy="6858000" type="screen4x3"/>
   <p:notesSz cx="6858000" cy="9144000"/>
@@ -275,7 +276,7 @@
           <a:p>
             <a:fld id="{28FA76F6-06BC-405D-ABEC-4A7F79F52191}" type="datetimeFigureOut">
               <a:rPr lang="en-US" smtClean="0"/>
-              <a:t>11/9/18</a:t>
+              <a:t>11/13/18</a:t>
             </a:fld>
             <a:endParaRPr lang="en-US"/>
           </a:p>
@@ -577,7 +578,7 @@
           <a:p>
             <a:fld id="{28FA76F6-06BC-405D-ABEC-4A7F79F52191}" type="datetimeFigureOut">
               <a:rPr lang="en-US" smtClean="0"/>
-              <a:t>11/9/18</a:t>
+              <a:t>11/13/18</a:t>
             </a:fld>
             <a:endParaRPr lang="en-US"/>
           </a:p>
@@ -846,7 +847,7 @@
           <a:p>
             <a:fld id="{28FA76F6-06BC-405D-ABEC-4A7F79F52191}" type="datetimeFigureOut">
               <a:rPr lang="en-US" smtClean="0"/>
-              <a:t>11/9/18</a:t>
+              <a:t>11/13/18</a:t>
             </a:fld>
             <a:endParaRPr lang="en-US"/>
           </a:p>
@@ -1082,7 +1083,7 @@
           <a:p>
             <a:fld id="{28FA76F6-06BC-405D-ABEC-4A7F79F52191}" type="datetimeFigureOut">
               <a:rPr lang="en-US" smtClean="0"/>
-              <a:t>11/9/18</a:t>
+              <a:t>11/13/18</a:t>
             </a:fld>
             <a:endParaRPr lang="en-US"/>
           </a:p>
@@ -1474,7 +1475,7 @@
           <a:p>
             <a:fld id="{28FA76F6-06BC-405D-ABEC-4A7F79F52191}" type="datetimeFigureOut">
               <a:rPr lang="en-US" smtClean="0"/>
-              <a:t>11/9/18</a:t>
+              <a:t>11/13/18</a:t>
             </a:fld>
             <a:endParaRPr lang="en-US"/>
           </a:p>
@@ -1617,7 +1618,7 @@
           <a:p>
             <a:fld id="{28FA76F6-06BC-405D-ABEC-4A7F79F52191}" type="datetimeFigureOut">
               <a:rPr lang="en-US" smtClean="0"/>
-              <a:t>11/9/18</a:t>
+              <a:t>11/13/18</a:t>
             </a:fld>
             <a:endParaRPr lang="en-US"/>
           </a:p>
@@ -1733,7 +1734,7 @@
           <a:p>
             <a:fld id="{28FA76F6-06BC-405D-ABEC-4A7F79F52191}" type="datetimeFigureOut">
               <a:rPr lang="en-US" smtClean="0"/>
-              <a:t>11/9/18</a:t>
+              <a:t>11/13/18</a:t>
             </a:fld>
             <a:endParaRPr lang="en-US"/>
           </a:p>
@@ -2031,7 +2032,7 @@
           <a:p>
             <a:fld id="{28FA76F6-06BC-405D-ABEC-4A7F79F52191}" type="datetimeFigureOut">
               <a:rPr lang="en-US" smtClean="0"/>
-              <a:t>11/9/18</a:t>
+              <a:t>11/13/18</a:t>
             </a:fld>
             <a:endParaRPr lang="en-US"/>
           </a:p>
@@ -2361,7 +2362,7 @@
             <a:fld id="{28FA76F6-06BC-405D-ABEC-4A7F79F52191}" type="datetimeFigureOut">
               <a:rPr lang="en-US" smtClean="0"/>
               <a:pPr/>
-              <a:t>11/9/18</a:t>
+              <a:t>11/13/18</a:t>
             </a:fld>
             <a:endParaRPr lang="en-US"/>
           </a:p>
@@ -3084,8 +3085,8 @@
           </a:p>
         </p:txBody>
       </p:sp>
-      <mc:AlternateContent xmlns:mc="http://schemas.openxmlformats.org/markup-compatibility/2006">
-        <mc:Choice xmlns:a14="http://schemas.microsoft.com/office/drawing/2010/main" Requires="a14">
+      <mc:AlternateContent xmlns:mc="http://schemas.openxmlformats.org/markup-compatibility/2006" xmlns:a14="http://schemas.microsoft.com/office/drawing/2010/main">
+        <mc:Choice Requires="a14">
           <p:sp>
             <p:nvSpPr>
               <p:cNvPr id="3" name="内容占位符 2">
@@ -3320,7 +3321,7 @@
             </p:txBody>
           </p:sp>
         </mc:Choice>
-        <mc:Fallback>
+        <mc:Fallback xmlns="">
           <p:sp>
             <p:nvSpPr>
               <p:cNvPr id="3" name="内容占位符 2">
@@ -3570,8 +3571,8 @@
           </a:p>
         </p:txBody>
       </p:sp>
-      <mc:AlternateContent xmlns:mc="http://schemas.openxmlformats.org/markup-compatibility/2006">
-        <mc:Choice xmlns:a14="http://schemas.microsoft.com/office/drawing/2010/main" Requires="a14">
+      <mc:AlternateContent xmlns:mc="http://schemas.openxmlformats.org/markup-compatibility/2006" xmlns:a14="http://schemas.microsoft.com/office/drawing/2010/main">
+        <mc:Choice Requires="a14">
           <p:sp>
             <p:nvSpPr>
               <p:cNvPr id="3" name="内容占位符 2">
@@ -3762,7 +3763,7 @@
             </p:txBody>
           </p:sp>
         </mc:Choice>
-        <mc:Fallback>
+        <mc:Fallback xmlns="">
           <p:sp>
             <p:nvSpPr>
               <p:cNvPr id="3" name="内容占位符 2">
@@ -4461,8 +4462,8 @@
           </a:p>
         </p:txBody>
       </p:sp>
-      <mc:AlternateContent xmlns:mc="http://schemas.openxmlformats.org/markup-compatibility/2006">
-        <mc:Choice xmlns:a14="http://schemas.microsoft.com/office/drawing/2010/main" Requires="a14">
+      <mc:AlternateContent xmlns:mc="http://schemas.openxmlformats.org/markup-compatibility/2006" xmlns:a14="http://schemas.microsoft.com/office/drawing/2010/main">
+        <mc:Choice Requires="a14">
           <p:sp>
             <p:nvSpPr>
               <p:cNvPr id="3" name="内容占位符 2">
@@ -5120,7 +5121,7 @@
             </p:txBody>
           </p:sp>
         </mc:Choice>
-        <mc:Fallback>
+        <mc:Fallback xmlns="">
           <p:sp>
             <p:nvSpPr>
               <p:cNvPr id="3" name="内容占位符 2">
@@ -5349,8 +5350,8 @@
           </a:prstGeom>
         </p:spPr>
       </p:pic>
-      <mc:AlternateContent xmlns:mc="http://schemas.openxmlformats.org/markup-compatibility/2006">
-        <mc:Choice xmlns:a14="http://schemas.microsoft.com/office/drawing/2010/main" Requires="a14">
+      <mc:AlternateContent xmlns:mc="http://schemas.openxmlformats.org/markup-compatibility/2006" xmlns:a14="http://schemas.microsoft.com/office/drawing/2010/main">
+        <mc:Choice Requires="a14">
           <p:sp>
             <p:nvSpPr>
               <p:cNvPr id="7" name="文本框 6">
@@ -5405,6 +5406,7 @@
                 </a:r>
               </a:p>
               <a:p>
+                <a:pPr/>
                 <a14:m>
                   <m:oMathPara xmlns:m="http://schemas.openxmlformats.org/officeDocument/2006/math">
                     <m:oMathParaPr>
@@ -5865,7 +5867,7 @@
             </p:txBody>
           </p:sp>
         </mc:Choice>
-        <mc:Fallback>
+        <mc:Fallback xmlns="">
           <p:sp>
             <p:nvSpPr>
               <p:cNvPr id="7" name="文本框 6">
@@ -6113,8 +6115,8 @@
           </a:p>
         </p:txBody>
       </p:sp>
-      <mc:AlternateContent xmlns:mc="http://schemas.openxmlformats.org/markup-compatibility/2006">
-        <mc:Choice xmlns:a14="http://schemas.microsoft.com/office/drawing/2010/main" Requires="a14">
+      <mc:AlternateContent xmlns:mc="http://schemas.openxmlformats.org/markup-compatibility/2006" xmlns:a14="http://schemas.microsoft.com/office/drawing/2010/main">
+        <mc:Choice Requires="a14">
           <p:sp>
             <p:nvSpPr>
               <p:cNvPr id="3" name="内容占位符 2">
@@ -6162,7 +6164,7 @@
             </p:txBody>
           </p:sp>
         </mc:Choice>
-        <mc:Fallback>
+        <mc:Fallback xmlns="">
           <p:sp>
             <p:nvSpPr>
               <p:cNvPr id="3" name="内容占位符 2">
@@ -6405,8 +6407,8 @@
           </a:p>
         </p:txBody>
       </p:sp>
-      <mc:AlternateContent xmlns:mc="http://schemas.openxmlformats.org/markup-compatibility/2006">
-        <mc:Choice xmlns:a14="http://schemas.microsoft.com/office/drawing/2010/main" Requires="a14">
+      <mc:AlternateContent xmlns:mc="http://schemas.openxmlformats.org/markup-compatibility/2006" xmlns:a14="http://schemas.microsoft.com/office/drawing/2010/main">
+        <mc:Choice Requires="a14">
           <p:sp>
             <p:nvSpPr>
               <p:cNvPr id="3" name="内容占位符 2">
@@ -6454,7 +6456,7 @@
             </p:txBody>
           </p:sp>
         </mc:Choice>
-        <mc:Fallback>
+        <mc:Fallback xmlns="">
           <p:sp>
             <p:nvSpPr>
               <p:cNvPr id="3" name="内容占位符 2">
@@ -6583,8 +6585,8 @@
           </a:p>
         </p:txBody>
       </p:sp>
-      <mc:AlternateContent xmlns:mc="http://schemas.openxmlformats.org/markup-compatibility/2006">
-        <mc:Choice xmlns:a14="http://schemas.microsoft.com/office/drawing/2010/main" Requires="a14">
+      <mc:AlternateContent xmlns:mc="http://schemas.openxmlformats.org/markup-compatibility/2006" xmlns:a14="http://schemas.microsoft.com/office/drawing/2010/main">
+        <mc:Choice Requires="a14">
           <p:sp>
             <p:nvSpPr>
               <p:cNvPr id="3" name="内容占位符 2">
@@ -6691,7 +6693,7 @@
             </p:txBody>
           </p:sp>
         </mc:Choice>
-        <mc:Fallback>
+        <mc:Fallback xmlns="">
           <p:sp>
             <p:nvSpPr>
               <p:cNvPr id="3" name="内容占位符 2">
@@ -6791,8 +6793,8 @@
           <a:chExt cx="0" cy="0"/>
         </a:xfrm>
       </p:grpSpPr>
-      <mc:AlternateContent xmlns:mc="http://schemas.openxmlformats.org/markup-compatibility/2006">
-        <mc:Choice xmlns:a14="http://schemas.microsoft.com/office/drawing/2010/main" Requires="a14">
+      <mc:AlternateContent xmlns:mc="http://schemas.openxmlformats.org/markup-compatibility/2006" xmlns:a14="http://schemas.microsoft.com/office/drawing/2010/main">
+        <mc:Choice Requires="a14">
           <p:sp>
             <p:nvSpPr>
               <p:cNvPr id="2" name="标题 1">
@@ -6856,7 +6858,7 @@
             </p:txBody>
           </p:sp>
         </mc:Choice>
-        <mc:Fallback>
+        <mc:Fallback xmlns="">
           <p:sp>
             <p:nvSpPr>
               <p:cNvPr id="2" name="标题 1">
@@ -6896,8 +6898,8 @@
           </p:sp>
         </mc:Fallback>
       </mc:AlternateContent>
-      <mc:AlternateContent xmlns:mc="http://schemas.openxmlformats.org/markup-compatibility/2006">
-        <mc:Choice xmlns:a14="http://schemas.microsoft.com/office/drawing/2010/main" Requires="a14">
+      <mc:AlternateContent xmlns:mc="http://schemas.openxmlformats.org/markup-compatibility/2006" xmlns:a14="http://schemas.microsoft.com/office/drawing/2010/main">
+        <mc:Choice Requires="a14">
           <p:sp>
             <p:nvSpPr>
               <p:cNvPr id="3" name="内容占位符 2">
@@ -7269,7 +7271,7 @@
             </p:txBody>
           </p:sp>
         </mc:Choice>
-        <mc:Fallback>
+        <mc:Fallback xmlns="">
           <p:sp>
             <p:nvSpPr>
               <p:cNvPr id="3" name="内容占位符 2">
@@ -7339,8 +7341,8 @@
           <a:chExt cx="0" cy="0"/>
         </a:xfrm>
       </p:grpSpPr>
-      <mc:AlternateContent xmlns:mc="http://schemas.openxmlformats.org/markup-compatibility/2006">
-        <mc:Choice xmlns:a14="http://schemas.microsoft.com/office/drawing/2010/main" Requires="a14">
+      <mc:AlternateContent xmlns:mc="http://schemas.openxmlformats.org/markup-compatibility/2006" xmlns:a14="http://schemas.microsoft.com/office/drawing/2010/main">
+        <mc:Choice Requires="a14">
           <p:sp>
             <p:nvSpPr>
               <p:cNvPr id="2" name="标题 1">
@@ -7404,7 +7406,7 @@
             </p:txBody>
           </p:sp>
         </mc:Choice>
-        <mc:Fallback>
+        <mc:Fallback xmlns="">
           <p:sp>
             <p:nvSpPr>
               <p:cNvPr id="2" name="标题 1">
@@ -7444,8 +7446,8 @@
           </p:sp>
         </mc:Fallback>
       </mc:AlternateContent>
-      <mc:AlternateContent xmlns:mc="http://schemas.openxmlformats.org/markup-compatibility/2006">
-        <mc:Choice xmlns:a14="http://schemas.microsoft.com/office/drawing/2010/main" Requires="a14">
+      <mc:AlternateContent xmlns:mc="http://schemas.openxmlformats.org/markup-compatibility/2006" xmlns:a14="http://schemas.microsoft.com/office/drawing/2010/main">
+        <mc:Choice Requires="a14">
           <p:sp>
             <p:nvSpPr>
               <p:cNvPr id="3" name="内容占位符 2">
@@ -7612,7 +7614,7 @@
             </p:txBody>
           </p:sp>
         </mc:Choice>
-        <mc:Fallback>
+        <mc:Fallback xmlns="">
           <p:sp>
             <p:nvSpPr>
               <p:cNvPr id="3" name="内容占位符 2">
@@ -7682,8 +7684,8 @@
           <a:chExt cx="0" cy="0"/>
         </a:xfrm>
       </p:grpSpPr>
-      <mc:AlternateContent xmlns:mc="http://schemas.openxmlformats.org/markup-compatibility/2006">
-        <mc:Choice xmlns:a14="http://schemas.microsoft.com/office/drawing/2010/main" Requires="a14">
+      <mc:AlternateContent xmlns:mc="http://schemas.openxmlformats.org/markup-compatibility/2006" xmlns:a14="http://schemas.microsoft.com/office/drawing/2010/main">
+        <mc:Choice Requires="a14">
           <p:sp>
             <p:nvSpPr>
               <p:cNvPr id="2" name="标题 1">
@@ -7747,7 +7749,7 @@
             </p:txBody>
           </p:sp>
         </mc:Choice>
-        <mc:Fallback>
+        <mc:Fallback xmlns="">
           <p:sp>
             <p:nvSpPr>
               <p:cNvPr id="2" name="标题 1">
@@ -7787,8 +7789,8 @@
           </p:sp>
         </mc:Fallback>
       </mc:AlternateContent>
-      <mc:AlternateContent xmlns:mc="http://schemas.openxmlformats.org/markup-compatibility/2006">
-        <mc:Choice xmlns:a14="http://schemas.microsoft.com/office/drawing/2010/main" Requires="a14">
+      <mc:AlternateContent xmlns:mc="http://schemas.openxmlformats.org/markup-compatibility/2006" xmlns:a14="http://schemas.microsoft.com/office/drawing/2010/main">
+        <mc:Choice Requires="a14">
           <p:sp>
             <p:nvSpPr>
               <p:cNvPr id="3" name="内容占位符 2">
@@ -7901,7 +7903,7 @@
             </p:txBody>
           </p:sp>
         </mc:Choice>
-        <mc:Fallback>
+        <mc:Fallback xmlns="">
           <p:sp>
             <p:nvSpPr>
               <p:cNvPr id="3" name="内容占位符 2">
@@ -8325,8 +8327,8 @@
           </a:p>
         </p:txBody>
       </p:sp>
-      <mc:AlternateContent xmlns:mc="http://schemas.openxmlformats.org/markup-compatibility/2006">
-        <mc:Choice xmlns:a14="http://schemas.microsoft.com/office/drawing/2010/main" Requires="a14">
+      <mc:AlternateContent xmlns:mc="http://schemas.openxmlformats.org/markup-compatibility/2006" xmlns:a14="http://schemas.microsoft.com/office/drawing/2010/main">
+        <mc:Choice Requires="a14">
           <p:sp>
             <p:nvSpPr>
               <p:cNvPr id="3" name="内容占位符 2">
@@ -8404,7 +8406,7 @@
             </p:txBody>
           </p:sp>
         </mc:Choice>
-        <mc:Fallback>
+        <mc:Fallback xmlns="">
           <p:sp>
             <p:nvSpPr>
               <p:cNvPr id="3" name="内容占位符 2">
@@ -9293,6 +9295,97 @@
           <p:cNvPr id="2" name="标题 1">
             <a:extLst>
               <a:ext uri="{FF2B5EF4-FFF2-40B4-BE49-F238E27FC236}">
+                <a16:creationId xmlns:a16="http://schemas.microsoft.com/office/drawing/2014/main" id="{3BB671D5-3333-E846-97A7-41BC7E00DC6B}"/>
+              </a:ext>
+            </a:extLst>
+          </p:cNvPr>
+          <p:cNvSpPr>
+            <a:spLocks noGrp="1"/>
+          </p:cNvSpPr>
+          <p:nvPr>
+            <p:ph type="title"/>
+          </p:nvPr>
+        </p:nvSpPr>
+        <p:spPr/>
+        <p:txBody>
+          <a:bodyPr/>
+          <a:lstStyle/>
+          <a:p>
+            <a:r>
+              <a:rPr kumimoji="1" lang="en-US" altLang="zh-CN" dirty="0"/>
+              <a:t>Ablation Study</a:t>
+            </a:r>
+            <a:endParaRPr kumimoji="1" lang="zh-CN" altLang="en-US" dirty="0"/>
+          </a:p>
+        </p:txBody>
+      </p:sp>
+      <p:pic>
+        <p:nvPicPr>
+          <p:cNvPr id="4" name="内容占位符 3">
+            <a:extLst>
+              <a:ext uri="{FF2B5EF4-FFF2-40B4-BE49-F238E27FC236}">
+                <a16:creationId xmlns:a16="http://schemas.microsoft.com/office/drawing/2014/main" id="{2B559B32-641D-4E4B-8025-79B1B9D254C8}"/>
+              </a:ext>
+            </a:extLst>
+          </p:cNvPr>
+          <p:cNvPicPr>
+            <a:picLocks noGrp="1" noChangeAspect="1"/>
+          </p:cNvPicPr>
+          <p:nvPr>
+            <p:ph idx="1"/>
+          </p:nvPr>
+        </p:nvPicPr>
+        <p:blipFill>
+          <a:blip r:embed="rId2"/>
+          <a:stretch>
+            <a:fillRect/>
+          </a:stretch>
+        </p:blipFill>
+        <p:spPr>
+          <a:xfrm>
+            <a:off x="628650" y="2873647"/>
+            <a:ext cx="7886700" cy="1948907"/>
+          </a:xfrm>
+          <a:prstGeom prst="rect">
+            <a:avLst/>
+          </a:prstGeom>
+        </p:spPr>
+      </p:pic>
+    </p:spTree>
+    <p:extLst>
+      <p:ext uri="{BB962C8B-B14F-4D97-AF65-F5344CB8AC3E}">
+        <p14:creationId xmlns:p14="http://schemas.microsoft.com/office/powerpoint/2010/main" val="2257849749"/>
+      </p:ext>
+    </p:extLst>
+  </p:cSld>
+  <p:clrMapOvr>
+    <a:masterClrMapping/>
+  </p:clrMapOvr>
+</p:sld>
+</file>
+
+<file path=ppt/slides/slide32.xml><?xml version="1.0" encoding="utf-8"?>
+<p:sld xmlns:a="http://schemas.openxmlformats.org/drawingml/2006/main" xmlns:r="http://schemas.openxmlformats.org/officeDocument/2006/relationships" xmlns:p="http://schemas.openxmlformats.org/presentationml/2006/main">
+  <p:cSld>
+    <p:spTree>
+      <p:nvGrpSpPr>
+        <p:cNvPr id="1" name=""/>
+        <p:cNvGrpSpPr/>
+        <p:nvPr/>
+      </p:nvGrpSpPr>
+      <p:grpSpPr>
+        <a:xfrm>
+          <a:off x="0" y="0"/>
+          <a:ext cx="0" cy="0"/>
+          <a:chOff x="0" y="0"/>
+          <a:chExt cx="0" cy="0"/>
+        </a:xfrm>
+      </p:grpSpPr>
+      <p:sp>
+        <p:nvSpPr>
+          <p:cNvPr id="2" name="标题 1">
+            <a:extLst>
+              <a:ext uri="{FF2B5EF4-FFF2-40B4-BE49-F238E27FC236}">
                 <a16:creationId xmlns:a16="http://schemas.microsoft.com/office/drawing/2014/main" id="{AC95EB4B-640F-4D4A-809F-06E8DA4EBC04}"/>
               </a:ext>
             </a:extLst>
@@ -9338,9 +9431,18 @@
             <p:spPr/>
             <p:txBody>
               <a:bodyPr>
-                <a:normAutofit fontScale="92500" lnSpcReduction="10000"/>
+                <a:normAutofit fontScale="85000" lnSpcReduction="20000"/>
               </a:bodyPr>
               <a:lstStyle/>
+              <a:p>
+                <a:r>
+                  <a:rPr kumimoji="1" lang="en-US" altLang="zh-CN" dirty="0"/>
+                  <a:t>Thank you for attention!</a:t>
+                </a:r>
+              </a:p>
+              <a:p>
+                <a:endParaRPr kumimoji="1" lang="en-US" altLang="zh-CN" dirty="0"/>
+              </a:p>
               <a:p>
                 <a:r>
                   <a:rPr kumimoji="1" lang="en-US" altLang="zh-CN" dirty="0"/>
@@ -9412,7 +9514,15 @@
                 <a:pPr lvl="1"/>
                 <a:r>
                   <a:rPr kumimoji="1" lang="en-US" altLang="zh-CN" dirty="0"/>
-                  <a:t>First work using auto-regressive model for survival analysis.</a:t>
+                  <a:t>1</a:t>
+                </a:r>
+                <a:r>
+                  <a:rPr kumimoji="1" lang="en-US" altLang="zh-CN" baseline="30000" dirty="0"/>
+                  <a:t>st</a:t>
+                </a:r>
+                <a:r>
+                  <a:rPr kumimoji="1" lang="en-US" altLang="zh-CN" dirty="0"/>
+                  <a:t> work using auto-regressive model for survival analysis.</a:t>
                 </a:r>
               </a:p>
               <a:p>
@@ -9439,15 +9549,7 @@
                 <a:pPr lvl="1"/>
                 <a:r>
                   <a:rPr kumimoji="1" lang="en-US" altLang="zh-CN" dirty="0"/>
-                  <a:t>Utilizes recurrent neural </a:t>
-                </a:r>
-                <a:r>
-                  <a:rPr kumimoji="1" lang="en-US" altLang="zh-CN"/>
-                  <a:t>cell predicting </a:t>
-                </a:r>
-                <a:r>
-                  <a:rPr kumimoji="1" lang="en-US" altLang="zh-CN" dirty="0"/>
-                  <a:t>the conditional hazard rate;</a:t>
+                  <a:t>Utilizes recurrent neural cell predicting the conditional hazard rate;</a:t>
                 </a:r>
               </a:p>
               <a:p>
@@ -9492,7 +9594,7 @@
               <a:blipFill>
                 <a:blip r:embed="rId3"/>
                 <a:stretch>
-                  <a:fillRect l="-1286" t="-3279" r="-965" b="-1366"/>
+                  <a:fillRect l="-965" t="-3552" b="-1913"/>
                 </a:stretch>
               </a:blipFill>
             </p:spPr>
@@ -9809,8 +9911,8 @@
           </a:p>
         </p:txBody>
       </p:sp>
-      <mc:AlternateContent xmlns:mc="http://schemas.openxmlformats.org/markup-compatibility/2006">
-        <mc:Choice xmlns:a14="http://schemas.microsoft.com/office/drawing/2010/main" Requires="a14">
+      <mc:AlternateContent xmlns:mc="http://schemas.openxmlformats.org/markup-compatibility/2006" xmlns:a14="http://schemas.microsoft.com/office/drawing/2010/main">
+        <mc:Choice Requires="a14">
           <p:sp>
             <p:nvSpPr>
               <p:cNvPr id="3" name="内容占位符 2">
@@ -10257,7 +10359,7 @@
             </p:txBody>
           </p:sp>
         </mc:Choice>
-        <mc:Fallback>
+        <mc:Fallback xmlns="">
           <p:sp>
             <p:nvSpPr>
               <p:cNvPr id="3" name="内容占位符 2">
@@ -10642,8 +10744,8 @@
           </a:p>
         </p:txBody>
       </p:sp>
-      <mc:AlternateContent xmlns:mc="http://schemas.openxmlformats.org/markup-compatibility/2006">
-        <mc:Choice xmlns:a14="http://schemas.microsoft.com/office/drawing/2010/main" Requires="a14">
+      <mc:AlternateContent xmlns:mc="http://schemas.openxmlformats.org/markup-compatibility/2006" xmlns:a14="http://schemas.microsoft.com/office/drawing/2010/main">
+        <mc:Choice Requires="a14">
           <p:sp>
             <p:nvSpPr>
               <p:cNvPr id="3" name="内容占位符 2">
@@ -10896,7 +10998,7 @@
             </p:txBody>
           </p:sp>
         </mc:Choice>
-        <mc:Fallback>
+        <mc:Fallback xmlns="">
           <p:sp>
             <p:nvSpPr>
               <p:cNvPr id="3" name="内容占位符 2">
@@ -11159,8 +11261,8 @@
           </a:p>
         </p:txBody>
       </p:sp>
-      <mc:AlternateContent xmlns:mc="http://schemas.openxmlformats.org/markup-compatibility/2006">
-        <mc:Choice xmlns:a14="http://schemas.microsoft.com/office/drawing/2010/main" Requires="a14">
+      <mc:AlternateContent xmlns:mc="http://schemas.openxmlformats.org/markup-compatibility/2006" xmlns:a14="http://schemas.microsoft.com/office/drawing/2010/main">
+        <mc:Choice Requires="a14">
           <p:sp>
             <p:nvSpPr>
               <p:cNvPr id="3" name="内容占位符 2">
@@ -11471,7 +11573,7 @@
             </p:txBody>
           </p:sp>
         </mc:Choice>
-        <mc:Fallback>
+        <mc:Fallback xmlns="">
           <p:sp>
             <p:nvSpPr>
               <p:cNvPr id="3" name="内容占位符 2">

--- a/deep-recurrent-survival-analysis.pptx
+++ b/deep-recurrent-survival-analysis.pptx
@@ -27,16 +27,17 @@
     <p:sldId id="275" r:id="rId21"/>
     <p:sldId id="276" r:id="rId22"/>
     <p:sldId id="277" r:id="rId23"/>
-    <p:sldId id="278" r:id="rId24"/>
-    <p:sldId id="279" r:id="rId25"/>
-    <p:sldId id="280" r:id="rId26"/>
-    <p:sldId id="282" r:id="rId27"/>
-    <p:sldId id="281" r:id="rId28"/>
-    <p:sldId id="283" r:id="rId29"/>
-    <p:sldId id="284" r:id="rId30"/>
-    <p:sldId id="285" r:id="rId31"/>
-    <p:sldId id="287" r:id="rId32"/>
-    <p:sldId id="286" r:id="rId33"/>
+    <p:sldId id="288" r:id="rId24"/>
+    <p:sldId id="278" r:id="rId25"/>
+    <p:sldId id="279" r:id="rId26"/>
+    <p:sldId id="280" r:id="rId27"/>
+    <p:sldId id="282" r:id="rId28"/>
+    <p:sldId id="281" r:id="rId29"/>
+    <p:sldId id="283" r:id="rId30"/>
+    <p:sldId id="284" r:id="rId31"/>
+    <p:sldId id="285" r:id="rId32"/>
+    <p:sldId id="287" r:id="rId33"/>
+    <p:sldId id="286" r:id="rId34"/>
   </p:sldIdLst>
   <p:sldSz cx="9144000" cy="6858000" type="screen4x3"/>
   <p:notesSz cx="6858000" cy="9144000"/>
@@ -276,7 +277,7 @@
           <a:p>
             <a:fld id="{28FA76F6-06BC-405D-ABEC-4A7F79F52191}" type="datetimeFigureOut">
               <a:rPr lang="en-US" smtClean="0"/>
-              <a:t>11/13/18</a:t>
+              <a:t>12/19/18</a:t>
             </a:fld>
             <a:endParaRPr lang="en-US"/>
           </a:p>
@@ -578,7 +579,7 @@
           <a:p>
             <a:fld id="{28FA76F6-06BC-405D-ABEC-4A7F79F52191}" type="datetimeFigureOut">
               <a:rPr lang="en-US" smtClean="0"/>
-              <a:t>11/13/18</a:t>
+              <a:t>12/19/18</a:t>
             </a:fld>
             <a:endParaRPr lang="en-US"/>
           </a:p>
@@ -847,7 +848,7 @@
           <a:p>
             <a:fld id="{28FA76F6-06BC-405D-ABEC-4A7F79F52191}" type="datetimeFigureOut">
               <a:rPr lang="en-US" smtClean="0"/>
-              <a:t>11/13/18</a:t>
+              <a:t>12/19/18</a:t>
             </a:fld>
             <a:endParaRPr lang="en-US"/>
           </a:p>
@@ -1083,7 +1084,7 @@
           <a:p>
             <a:fld id="{28FA76F6-06BC-405D-ABEC-4A7F79F52191}" type="datetimeFigureOut">
               <a:rPr lang="en-US" smtClean="0"/>
-              <a:t>11/13/18</a:t>
+              <a:t>12/19/18</a:t>
             </a:fld>
             <a:endParaRPr lang="en-US"/>
           </a:p>
@@ -1475,7 +1476,7 @@
           <a:p>
             <a:fld id="{28FA76F6-06BC-405D-ABEC-4A7F79F52191}" type="datetimeFigureOut">
               <a:rPr lang="en-US" smtClean="0"/>
-              <a:t>11/13/18</a:t>
+              <a:t>12/19/18</a:t>
             </a:fld>
             <a:endParaRPr lang="en-US"/>
           </a:p>
@@ -1618,7 +1619,7 @@
           <a:p>
             <a:fld id="{28FA76F6-06BC-405D-ABEC-4A7F79F52191}" type="datetimeFigureOut">
               <a:rPr lang="en-US" smtClean="0"/>
-              <a:t>11/13/18</a:t>
+              <a:t>12/19/18</a:t>
             </a:fld>
             <a:endParaRPr lang="en-US"/>
           </a:p>
@@ -1734,7 +1735,7 @@
           <a:p>
             <a:fld id="{28FA76F6-06BC-405D-ABEC-4A7F79F52191}" type="datetimeFigureOut">
               <a:rPr lang="en-US" smtClean="0"/>
-              <a:t>11/13/18</a:t>
+              <a:t>12/19/18</a:t>
             </a:fld>
             <a:endParaRPr lang="en-US"/>
           </a:p>
@@ -2032,7 +2033,7 @@
           <a:p>
             <a:fld id="{28FA76F6-06BC-405D-ABEC-4A7F79F52191}" type="datetimeFigureOut">
               <a:rPr lang="en-US" smtClean="0"/>
-              <a:t>11/13/18</a:t>
+              <a:t>12/19/18</a:t>
             </a:fld>
             <a:endParaRPr lang="en-US"/>
           </a:p>
@@ -2362,7 +2363,7 @@
             <a:fld id="{28FA76F6-06BC-405D-ABEC-4A7F79F52191}" type="datetimeFigureOut">
               <a:rPr lang="en-US" smtClean="0"/>
               <a:pPr/>
-              <a:t>11/13/18</a:t>
+              <a:t>12/19/18</a:t>
             </a:fld>
             <a:endParaRPr lang="en-US"/>
           </a:p>
@@ -6898,8 +6899,8 @@
           </p:sp>
         </mc:Fallback>
       </mc:AlternateContent>
-      <mc:AlternateContent xmlns:mc="http://schemas.openxmlformats.org/markup-compatibility/2006" xmlns:a14="http://schemas.microsoft.com/office/drawing/2010/main">
-        <mc:Choice Requires="a14">
+      <mc:AlternateContent xmlns:mc="http://schemas.openxmlformats.org/markup-compatibility/2006">
+        <mc:Choice xmlns:a14="http://schemas.microsoft.com/office/drawing/2010/main" Requires="a14">
           <p:sp>
             <p:nvSpPr>
               <p:cNvPr id="3" name="内容占位符 2">
@@ -7046,24 +7047,47 @@
               </a:p>
               <a:p>
                 <a:r>
-                  <a:rPr kumimoji="1" lang="en-US" altLang="zh-CN" dirty="0"/>
-                  <a:t>We need</a:t>
+                  <a:rPr kumimoji="1" lang="en-US" altLang="zh-CN" dirty="0">
+                    <a:solidFill>
+                      <a:schemeClr val="bg1">
+                        <a:lumMod val="75000"/>
+                      </a:schemeClr>
+                    </a:solidFill>
+                  </a:rPr>
+                  <a:t>We need to</a:t>
                 </a:r>
               </a:p>
               <a:p>
                 <a:pPr lvl="1"/>
                 <a:r>
-                  <a:rPr kumimoji="1" lang="en-US" altLang="zh-CN" dirty="0"/>
+                  <a:rPr kumimoji="1" lang="en-US" altLang="zh-CN" dirty="0">
+                    <a:solidFill>
+                      <a:schemeClr val="bg1">
+                        <a:lumMod val="75000"/>
+                      </a:schemeClr>
+                    </a:solidFill>
+                  </a:rPr>
                   <a:t>Push down</a:t>
                 </a:r>
                 <a:r>
-                  <a:rPr kumimoji="1" lang="zh-CN" altLang="en-US" dirty="0"/>
+                  <a:rPr kumimoji="1" lang="zh-CN" altLang="en-US" dirty="0">
+                    <a:solidFill>
+                      <a:schemeClr val="bg1">
+                        <a:lumMod val="75000"/>
+                      </a:schemeClr>
+                    </a:solidFill>
+                  </a:rPr>
                   <a:t> </a:t>
                 </a:r>
                 <a14:m>
                   <m:oMath xmlns:m="http://schemas.openxmlformats.org/officeDocument/2006/math">
                     <m:r>
                       <a:rPr kumimoji="1" lang="en-US" altLang="zh-CN" i="1" smtClean="0">
+                        <a:solidFill>
+                          <a:schemeClr val="bg1">
+                            <a:lumMod val="75000"/>
+                          </a:schemeClr>
+                        </a:solidFill>
                         <a:latin typeface="Cambria Math" panose="02040503050406030204" pitchFamily="18" charset="0"/>
                         <a:ea typeface="Cambria Math" panose="02040503050406030204" pitchFamily="18" charset="0"/>
                       </a:rPr>
@@ -7072,31 +7096,57 @@
                   </m:oMath>
                 </a14:m>
                 <a:r>
-                  <a:rPr kumimoji="1" lang="en-US" altLang="zh-CN" dirty="0"/>
+                  <a:rPr kumimoji="1" lang="en-US" altLang="zh-CN" dirty="0">
+                    <a:solidFill>
+                      <a:schemeClr val="bg1">
+                        <a:lumMod val="75000"/>
+                      </a:schemeClr>
+                    </a:solidFill>
+                  </a:rPr>
                   <a:t> the survival curve </a:t>
                 </a:r>
                 <a14:m>
                   <m:oMath xmlns:m="http://schemas.openxmlformats.org/officeDocument/2006/math">
                     <m:r>
                       <a:rPr kumimoji="1" lang="en-US" altLang="zh-CN" b="0" i="1" smtClean="0">
+                        <a:solidFill>
+                          <a:schemeClr val="bg1">
+                            <a:lumMod val="75000"/>
+                          </a:schemeClr>
+                        </a:solidFill>
                         <a:latin typeface="Cambria Math" panose="02040503050406030204" pitchFamily="18" charset="0"/>
                       </a:rPr>
                       <m:t>𝑆</m:t>
                     </m:r>
                     <m:r>
                       <a:rPr kumimoji="1" lang="en-US" altLang="zh-CN" b="0" i="1" smtClean="0">
+                        <a:solidFill>
+                          <a:schemeClr val="bg1">
+                            <a:lumMod val="75000"/>
+                          </a:schemeClr>
+                        </a:solidFill>
                         <a:latin typeface="Cambria Math" panose="02040503050406030204" pitchFamily="18" charset="0"/>
                       </a:rPr>
                       <m:t>(</m:t>
                     </m:r>
                     <m:r>
                       <a:rPr kumimoji="1" lang="en-US" altLang="zh-CN" b="0" i="1" smtClean="0">
+                        <a:solidFill>
+                          <a:schemeClr val="bg1">
+                            <a:lumMod val="75000"/>
+                          </a:schemeClr>
+                        </a:solidFill>
                         <a:latin typeface="Cambria Math" panose="02040503050406030204" pitchFamily="18" charset="0"/>
                       </a:rPr>
                       <m:t>𝑡</m:t>
                     </m:r>
                     <m:r>
                       <a:rPr kumimoji="1" lang="en-US" altLang="zh-CN" b="0" i="1" smtClean="0">
+                        <a:solidFill>
+                          <a:schemeClr val="bg1">
+                            <a:lumMod val="75000"/>
+                          </a:schemeClr>
+                        </a:solidFill>
                         <a:latin typeface="Cambria Math" panose="02040503050406030204" pitchFamily="18" charset="0"/>
                       </a:rPr>
                       <m:t>)</m:t>
@@ -7104,20 +7154,37 @@
                   </m:oMath>
                 </a14:m>
                 <a:r>
-                  <a:rPr kumimoji="1" lang="en-US" altLang="zh-CN" dirty="0"/>
+                  <a:rPr kumimoji="1" lang="en-US" altLang="zh-CN" dirty="0">
+                    <a:solidFill>
+                      <a:schemeClr val="bg1">
+                        <a:lumMod val="75000"/>
+                      </a:schemeClr>
+                    </a:solidFill>
+                  </a:rPr>
                   <a:t> when</a:t>
                 </a:r>
               </a:p>
               <a:p>
                 <a:pPr lvl="2"/>
                 <a:r>
-                  <a:rPr kumimoji="1" lang="en-US" altLang="zh-CN" dirty="0"/>
+                  <a:rPr kumimoji="1" lang="en-US" altLang="zh-CN" dirty="0">
+                    <a:solidFill>
+                      <a:schemeClr val="bg1">
+                        <a:lumMod val="75000"/>
+                      </a:schemeClr>
+                    </a:solidFill>
+                  </a:rPr>
                   <a:t>event occurred before </a:t>
                 </a:r>
                 <a14:m>
                   <m:oMath xmlns:m="http://schemas.openxmlformats.org/officeDocument/2006/math">
                     <m:r>
                       <a:rPr kumimoji="1" lang="en-US" altLang="zh-CN" b="0" i="1" smtClean="0">
+                        <a:solidFill>
+                          <a:schemeClr val="bg1">
+                            <a:lumMod val="75000"/>
+                          </a:schemeClr>
+                        </a:solidFill>
                         <a:latin typeface="Cambria Math" panose="02040503050406030204" pitchFamily="18" charset="0"/>
                       </a:rPr>
                       <m:t>𝑡</m:t>
@@ -7125,7 +7192,13 @@
                   </m:oMath>
                 </a14:m>
                 <a:r>
-                  <a:rPr kumimoji="1" lang="en-US" altLang="zh-CN" dirty="0"/>
+                  <a:rPr kumimoji="1" lang="en-US" altLang="zh-CN" dirty="0">
+                    <a:solidFill>
+                      <a:schemeClr val="bg1">
+                        <a:lumMod val="75000"/>
+                      </a:schemeClr>
+                    </a:solidFill>
+                  </a:rPr>
                   <a:t>, i.e., </a:t>
                 </a:r>
                 <a14:m>
@@ -7135,18 +7208,33 @@
                         <m:sty m:val="p"/>
                       </m:rPr>
                       <a:rPr kumimoji="1" lang="en-US" altLang="zh-CN" b="0" i="0" smtClean="0">
+                        <a:solidFill>
+                          <a:schemeClr val="bg1">
+                            <a:lumMod val="75000"/>
+                          </a:schemeClr>
+                        </a:solidFill>
                         <a:latin typeface="Cambria Math" panose="02040503050406030204" pitchFamily="18" charset="0"/>
                       </a:rPr>
                       <m:t>z</m:t>
                     </m:r>
                     <m:r>
                       <a:rPr kumimoji="1" lang="en-US" altLang="zh-CN" b="0" i="0" smtClean="0">
+                        <a:solidFill>
+                          <a:schemeClr val="bg1">
+                            <a:lumMod val="75000"/>
+                          </a:schemeClr>
+                        </a:solidFill>
                         <a:latin typeface="Cambria Math" panose="02040503050406030204" pitchFamily="18" charset="0"/>
                       </a:rPr>
                       <m:t>&lt;</m:t>
                     </m:r>
                     <m:r>
                       <a:rPr kumimoji="1" lang="en-US" altLang="zh-CN" i="1">
+                        <a:solidFill>
+                          <a:schemeClr val="bg1">
+                            <a:lumMod val="75000"/>
+                          </a:schemeClr>
+                        </a:solidFill>
                         <a:latin typeface="Cambria Math" panose="02040503050406030204" pitchFamily="18" charset="0"/>
                       </a:rPr>
                       <m:t>𝑡</m:t>
@@ -7154,19 +7242,480 @@
                   </m:oMath>
                 </a14:m>
                 <a:r>
-                  <a:rPr kumimoji="1" lang="en-US" altLang="zh-CN" dirty="0"/>
+                  <a:rPr kumimoji="1" lang="en-US" altLang="zh-CN" dirty="0">
+                    <a:solidFill>
+                      <a:schemeClr val="bg1">
+                        <a:lumMod val="75000"/>
+                      </a:schemeClr>
+                    </a:solidFill>
+                  </a:rPr>
                   <a:t> for uncensored data.</a:t>
                 </a:r>
               </a:p>
               <a:p>
                 <a:pPr lvl="1"/>
                 <a:r>
-                  <a:rPr kumimoji="1" lang="en-US" altLang="zh-CN" dirty="0"/>
+                  <a:rPr kumimoji="1" lang="en-US" altLang="zh-CN" dirty="0">
+                    <a:solidFill>
+                      <a:schemeClr val="bg1">
+                        <a:lumMod val="75000"/>
+                      </a:schemeClr>
+                    </a:solidFill>
+                  </a:rPr>
                   <a:t>Pull up</a:t>
                 </a:r>
                 <a:r>
                   <a:rPr kumimoji="1" lang="en-US" altLang="zh-CN" dirty="0">
+                    <a:solidFill>
+                      <a:schemeClr val="bg1">
+                        <a:lumMod val="75000"/>
+                      </a:schemeClr>
+                    </a:solidFill>
                     <a:ea typeface="Cambria Math" panose="02040503050406030204" pitchFamily="18" charset="0"/>
+                  </a:rPr>
+                  <a:t> </a:t>
+                </a:r>
+                <a14:m>
+                  <m:oMath xmlns:m="http://schemas.openxmlformats.org/officeDocument/2006/math">
+                    <m:r>
+                      <a:rPr kumimoji="1" lang="en-US" altLang="zh-CN" i="1">
+                        <a:solidFill>
+                          <a:schemeClr val="bg1">
+                            <a:lumMod val="75000"/>
+                          </a:schemeClr>
+                        </a:solidFill>
+                        <a:latin typeface="Cambria Math" panose="02040503050406030204" pitchFamily="18" charset="0"/>
+                        <a:ea typeface="Cambria Math" panose="02040503050406030204" pitchFamily="18" charset="0"/>
+                      </a:rPr>
+                      <m:t>↑</m:t>
+                    </m:r>
+                  </m:oMath>
+                </a14:m>
+                <a:r>
+                  <a:rPr kumimoji="1" lang="en-US" altLang="zh-CN" dirty="0">
+                    <a:solidFill>
+                      <a:schemeClr val="bg1">
+                        <a:lumMod val="75000"/>
+                      </a:schemeClr>
+                    </a:solidFill>
+                  </a:rPr>
+                  <a:t> the survival curve </a:t>
+                </a:r>
+                <a14:m>
+                  <m:oMath xmlns:m="http://schemas.openxmlformats.org/officeDocument/2006/math">
+                    <m:r>
+                      <a:rPr kumimoji="1" lang="en-US" altLang="zh-CN" i="1">
+                        <a:solidFill>
+                          <a:schemeClr val="bg1">
+                            <a:lumMod val="75000"/>
+                          </a:schemeClr>
+                        </a:solidFill>
+                        <a:latin typeface="Cambria Math" panose="02040503050406030204" pitchFamily="18" charset="0"/>
+                      </a:rPr>
+                      <m:t>𝑆</m:t>
+                    </m:r>
+                    <m:r>
+                      <a:rPr kumimoji="1" lang="en-US" altLang="zh-CN" i="1">
+                        <a:solidFill>
+                          <a:schemeClr val="bg1">
+                            <a:lumMod val="75000"/>
+                          </a:schemeClr>
+                        </a:solidFill>
+                        <a:latin typeface="Cambria Math" panose="02040503050406030204" pitchFamily="18" charset="0"/>
+                      </a:rPr>
+                      <m:t>(</m:t>
+                    </m:r>
+                    <m:r>
+                      <a:rPr kumimoji="1" lang="en-US" altLang="zh-CN" i="1">
+                        <a:solidFill>
+                          <a:schemeClr val="bg1">
+                            <a:lumMod val="75000"/>
+                          </a:schemeClr>
+                        </a:solidFill>
+                        <a:latin typeface="Cambria Math" panose="02040503050406030204" pitchFamily="18" charset="0"/>
+                      </a:rPr>
+                      <m:t>𝑡</m:t>
+                    </m:r>
+                    <m:r>
+                      <a:rPr kumimoji="1" lang="en-US" altLang="zh-CN" i="1">
+                        <a:solidFill>
+                          <a:schemeClr val="bg1">
+                            <a:lumMod val="75000"/>
+                          </a:schemeClr>
+                        </a:solidFill>
+                        <a:latin typeface="Cambria Math" panose="02040503050406030204" pitchFamily="18" charset="0"/>
+                      </a:rPr>
+                      <m:t>)</m:t>
+                    </m:r>
+                  </m:oMath>
+                </a14:m>
+                <a:r>
+                  <a:rPr kumimoji="1" lang="en-US" altLang="zh-CN" dirty="0">
+                    <a:solidFill>
+                      <a:schemeClr val="bg1">
+                        <a:lumMod val="75000"/>
+                      </a:schemeClr>
+                    </a:solidFill>
+                  </a:rPr>
+                  <a:t> when </a:t>
+                </a:r>
+              </a:p>
+              <a:p>
+                <a:pPr lvl="2"/>
+                <a:r>
+                  <a:rPr kumimoji="1" lang="en-US" altLang="zh-CN" dirty="0">
+                    <a:solidFill>
+                      <a:schemeClr val="bg1">
+                        <a:lumMod val="75000"/>
+                      </a:schemeClr>
+                    </a:solidFill>
+                  </a:rPr>
+                  <a:t>event not occurs before </a:t>
+                </a:r>
+                <a14:m>
+                  <m:oMath xmlns:m="http://schemas.openxmlformats.org/officeDocument/2006/math">
+                    <m:r>
+                      <a:rPr kumimoji="1" lang="en-US" altLang="zh-CN" i="1">
+                        <a:solidFill>
+                          <a:schemeClr val="bg1">
+                            <a:lumMod val="75000"/>
+                          </a:schemeClr>
+                        </a:solidFill>
+                        <a:latin typeface="Cambria Math" panose="02040503050406030204" pitchFamily="18" charset="0"/>
+                      </a:rPr>
+                      <m:t>𝑡</m:t>
+                    </m:r>
+                  </m:oMath>
+                </a14:m>
+                <a:r>
+                  <a:rPr kumimoji="1" lang="en-US" altLang="zh-CN" dirty="0">
+                    <a:solidFill>
+                      <a:schemeClr val="bg1">
+                        <a:lumMod val="75000"/>
+                      </a:schemeClr>
+                    </a:solidFill>
+                  </a:rPr>
+                  <a:t>, i.e., </a:t>
+                </a:r>
+                <a14:m>
+                  <m:oMath xmlns:m="http://schemas.openxmlformats.org/officeDocument/2006/math">
+                    <m:r>
+                      <m:rPr>
+                        <m:sty m:val="p"/>
+                      </m:rPr>
+                      <a:rPr kumimoji="1" lang="en-US" altLang="zh-CN">
+                        <a:solidFill>
+                          <a:schemeClr val="bg1">
+                            <a:lumMod val="75000"/>
+                          </a:schemeClr>
+                        </a:solidFill>
+                        <a:latin typeface="Cambria Math" panose="02040503050406030204" pitchFamily="18" charset="0"/>
+                      </a:rPr>
+                      <m:t>z</m:t>
+                    </m:r>
+                    <m:r>
+                      <a:rPr kumimoji="1" lang="en-US" altLang="zh-CN" b="0" i="1" smtClean="0">
+                        <a:solidFill>
+                          <a:schemeClr val="bg1">
+                            <a:lumMod val="75000"/>
+                          </a:schemeClr>
+                        </a:solidFill>
+                        <a:latin typeface="Cambria Math" panose="02040503050406030204" pitchFamily="18" charset="0"/>
+                      </a:rPr>
+                      <m:t>&gt;</m:t>
+                    </m:r>
+                    <m:r>
+                      <a:rPr kumimoji="1" lang="en-US" altLang="zh-CN" i="1">
+                        <a:solidFill>
+                          <a:schemeClr val="bg1">
+                            <a:lumMod val="75000"/>
+                          </a:schemeClr>
+                        </a:solidFill>
+                        <a:latin typeface="Cambria Math" panose="02040503050406030204" pitchFamily="18" charset="0"/>
+                      </a:rPr>
+                      <m:t>𝑡</m:t>
+                    </m:r>
+                  </m:oMath>
+                </a14:m>
+                <a:r>
+                  <a:rPr kumimoji="1" lang="en-US" altLang="zh-CN" dirty="0">
+                    <a:solidFill>
+                      <a:schemeClr val="bg1">
+                        <a:lumMod val="75000"/>
+                      </a:schemeClr>
+                    </a:solidFill>
+                  </a:rPr>
+                  <a:t> for censored data.</a:t>
+                </a:r>
+                <a:endParaRPr kumimoji="1" lang="en-US" altLang="zh-CN" dirty="0"/>
+              </a:p>
+            </p:txBody>
+          </p:sp>
+        </mc:Choice>
+        <mc:Fallback>
+          <p:sp>
+            <p:nvSpPr>
+              <p:cNvPr id="3" name="内容占位符 2">
+                <a:extLst>
+                  <a:ext uri="{FF2B5EF4-FFF2-40B4-BE49-F238E27FC236}">
+                    <a16:creationId xmlns:a16="http://schemas.microsoft.com/office/drawing/2014/main" id="{8765CE1B-8230-764B-A248-43783E87F3C9}"/>
+                  </a:ext>
+                </a:extLst>
+              </p:cNvPr>
+              <p:cNvSpPr>
+                <a:spLocks noGrp="1" noRot="1" noChangeAspect="1" noMove="1" noResize="1" noEditPoints="1" noAdjustHandles="1" noChangeArrowheads="1" noChangeShapeType="1" noTextEdit="1"/>
+              </p:cNvSpPr>
+              <p:nvPr>
+                <p:ph idx="1"/>
+              </p:nvPr>
+            </p:nvSpPr>
+            <p:spPr>
+              <a:blipFill>
+                <a:blip r:embed="rId3"/>
+                <a:stretch>
+                  <a:fillRect l="-1447" t="-2459"/>
+                </a:stretch>
+              </a:blipFill>
+            </p:spPr>
+            <p:txBody>
+              <a:bodyPr/>
+              <a:lstStyle/>
+              <a:p>
+                <a:r>
+                  <a:rPr lang="zh-CN" altLang="en-US">
+                    <a:noFill/>
+                  </a:rPr>
+                  <a:t> </a:t>
+                </a:r>
+              </a:p>
+            </p:txBody>
+          </p:sp>
+        </mc:Fallback>
+      </mc:AlternateContent>
+    </p:spTree>
+    <p:extLst>
+      <p:ext uri="{BB962C8B-B14F-4D97-AF65-F5344CB8AC3E}">
+        <p14:creationId xmlns:p14="http://schemas.microsoft.com/office/powerpoint/2010/main" val="969614867"/>
+      </p:ext>
+    </p:extLst>
+  </p:cSld>
+  <p:clrMapOvr>
+    <a:masterClrMapping/>
+  </p:clrMapOvr>
+</p:sld>
+</file>
+
+<file path=ppt/slides/slide23.xml><?xml version="1.0" encoding="utf-8"?>
+<p:sld xmlns:a="http://schemas.openxmlformats.org/drawingml/2006/main" xmlns:r="http://schemas.openxmlformats.org/officeDocument/2006/relationships" xmlns:p="http://schemas.openxmlformats.org/presentationml/2006/main">
+  <p:cSld>
+    <p:spTree>
+      <p:nvGrpSpPr>
+        <p:cNvPr id="1" name=""/>
+        <p:cNvGrpSpPr/>
+        <p:nvPr/>
+      </p:nvGrpSpPr>
+      <p:grpSpPr>
+        <a:xfrm>
+          <a:off x="0" y="0"/>
+          <a:ext cx="0" cy="0"/>
+          <a:chOff x="0" y="0"/>
+          <a:chExt cx="0" cy="0"/>
+        </a:xfrm>
+      </p:grpSpPr>
+      <mc:AlternateContent xmlns:mc="http://schemas.openxmlformats.org/markup-compatibility/2006" xmlns:a14="http://schemas.microsoft.com/office/drawing/2010/main">
+        <mc:Choice Requires="a14">
+          <p:sp>
+            <p:nvSpPr>
+              <p:cNvPr id="2" name="标题 1">
+                <a:extLst>
+                  <a:ext uri="{FF2B5EF4-FFF2-40B4-BE49-F238E27FC236}">
+                    <a16:creationId xmlns:a16="http://schemas.microsoft.com/office/drawing/2014/main" id="{B5272BD6-26B4-AB4F-8ABE-802AA1404315}"/>
+                  </a:ext>
+                </a:extLst>
+              </p:cNvPr>
+              <p:cNvSpPr>
+                <a:spLocks noGrp="1"/>
+              </p:cNvSpPr>
+              <p:nvPr>
+                <p:ph type="title"/>
+              </p:nvPr>
+            </p:nvSpPr>
+            <p:spPr/>
+            <p:txBody>
+              <a:bodyPr/>
+              <a:lstStyle/>
+              <a:p>
+                <a:r>
+                  <a:rPr kumimoji="1" lang="en-US" altLang="zh-CN" dirty="0"/>
+                  <a:t>Why need </a:t>
+                </a:r>
+                <a14:m>
+                  <m:oMath xmlns:m="http://schemas.openxmlformats.org/officeDocument/2006/math">
+                    <m:sSub>
+                      <m:sSubPr>
+                        <m:ctrlPr>
+                          <a:rPr kumimoji="1" lang="en-US" altLang="zh-CN" b="1" i="1" smtClean="0">
+                            <a:latin typeface="Cambria Math" panose="02040503050406030204" pitchFamily="18" charset="0"/>
+                          </a:rPr>
+                        </m:ctrlPr>
+                      </m:sSubPr>
+                      <m:e>
+                        <m:r>
+                          <a:rPr kumimoji="1" lang="en-US" altLang="zh-CN" b="1" i="1" smtClean="0">
+                            <a:latin typeface="Cambria Math" panose="02040503050406030204" pitchFamily="18" charset="0"/>
+                          </a:rPr>
+                          <m:t>𝑳</m:t>
+                        </m:r>
+                      </m:e>
+                      <m:sub>
+                        <m:r>
+                          <a:rPr kumimoji="1" lang="en-US" altLang="zh-CN" b="1" i="1" smtClean="0">
+                            <a:latin typeface="Cambria Math" panose="02040503050406030204" pitchFamily="18" charset="0"/>
+                          </a:rPr>
+                          <m:t>𝒖𝒏𝒄𝒆𝒏𝒔𝒐𝒓𝒆𝒅</m:t>
+                        </m:r>
+                      </m:sub>
+                    </m:sSub>
+                  </m:oMath>
+                </a14:m>
+                <a:r>
+                  <a:rPr kumimoji="1" lang="en-US" altLang="zh-CN" dirty="0"/>
+                  <a:t>? (1/3)</a:t>
+                </a:r>
+                <a:endParaRPr kumimoji="1" lang="zh-CN" altLang="en-US" dirty="0"/>
+              </a:p>
+            </p:txBody>
+          </p:sp>
+        </mc:Choice>
+        <mc:Fallback xmlns="">
+          <p:sp>
+            <p:nvSpPr>
+              <p:cNvPr id="2" name="标题 1">
+                <a:extLst>
+                  <a:ext uri="{FF2B5EF4-FFF2-40B4-BE49-F238E27FC236}">
+                    <a16:creationId xmlns:a16="http://schemas.microsoft.com/office/drawing/2014/main" id="{B5272BD6-26B4-AB4F-8ABE-802AA1404315}"/>
+                  </a:ext>
+                </a:extLst>
+              </p:cNvPr>
+              <p:cNvSpPr>
+                <a:spLocks noGrp="1" noRot="1" noChangeAspect="1" noMove="1" noResize="1" noEditPoints="1" noAdjustHandles="1" noChangeArrowheads="1" noChangeShapeType="1" noTextEdit="1"/>
+              </p:cNvSpPr>
+              <p:nvPr>
+                <p:ph type="title"/>
+              </p:nvPr>
+            </p:nvSpPr>
+            <p:spPr>
+              <a:blipFill>
+                <a:blip r:embed="rId2"/>
+                <a:stretch>
+                  <a:fillRect b="-7500"/>
+                </a:stretch>
+              </a:blipFill>
+            </p:spPr>
+            <p:txBody>
+              <a:bodyPr/>
+              <a:lstStyle/>
+              <a:p>
+                <a:r>
+                  <a:rPr lang="zh-CN" altLang="en-US">
+                    <a:noFill/>
+                  </a:rPr>
+                  <a:t> </a:t>
+                </a:r>
+              </a:p>
+            </p:txBody>
+          </p:sp>
+        </mc:Fallback>
+      </mc:AlternateContent>
+      <p:pic>
+        <p:nvPicPr>
+          <p:cNvPr id="5" name="内容占位符 4">
+            <a:extLst>
+              <a:ext uri="{FF2B5EF4-FFF2-40B4-BE49-F238E27FC236}">
+                <a16:creationId xmlns:a16="http://schemas.microsoft.com/office/drawing/2014/main" id="{7EB79CF0-4E84-914D-A344-47B829766392}"/>
+              </a:ext>
+            </a:extLst>
+          </p:cNvPr>
+          <p:cNvPicPr>
+            <a:picLocks noGrp="1" noChangeAspect="1"/>
+          </p:cNvPicPr>
+          <p:nvPr>
+            <p:ph idx="1"/>
+          </p:nvPr>
+        </p:nvPicPr>
+        <p:blipFill>
+          <a:blip r:embed="rId3">
+            <a:extLst>
+              <a:ext uri="{28A0092B-C50C-407E-A947-70E740481C1C}">
+                <a14:useLocalDpi xmlns:a14="http://schemas.microsoft.com/office/drawing/2010/main" val="0"/>
+              </a:ext>
+            </a:extLst>
+          </a:blip>
+          <a:stretch>
+            <a:fillRect/>
+          </a:stretch>
+        </p:blipFill>
+        <p:spPr>
+          <a:xfrm>
+            <a:off x="279376" y="1385449"/>
+            <a:ext cx="8585248" cy="3034144"/>
+          </a:xfrm>
+        </p:spPr>
+      </p:pic>
+      <mc:AlternateContent xmlns:mc="http://schemas.openxmlformats.org/markup-compatibility/2006">
+        <mc:Choice xmlns:a14="http://schemas.microsoft.com/office/drawing/2010/main" Requires="a14">
+          <p:sp>
+            <p:nvSpPr>
+              <p:cNvPr id="6" name="矩形 5">
+                <a:extLst>
+                  <a:ext uri="{FF2B5EF4-FFF2-40B4-BE49-F238E27FC236}">
+                    <a16:creationId xmlns:a16="http://schemas.microsoft.com/office/drawing/2014/main" id="{E3258457-535B-C14C-9BC8-A9BC1B4D997E}"/>
+                  </a:ext>
+                </a:extLst>
+              </p:cNvPr>
+              <p:cNvSpPr/>
+              <p:nvPr/>
+            </p:nvSpPr>
+            <p:spPr>
+              <a:xfrm>
+                <a:off x="1127422" y="4927519"/>
+                <a:ext cx="7016934" cy="1477328"/>
+              </a:xfrm>
+              <a:prstGeom prst="rect">
+                <a:avLst/>
+              </a:prstGeom>
+            </p:spPr>
+            <p:txBody>
+              <a:bodyPr wrap="square">
+                <a:spAutoFit/>
+              </a:bodyPr>
+              <a:lstStyle/>
+              <a:p>
+                <a:pPr marL="285750" indent="-285750">
+                  <a:buFont typeface="Arial" panose="020B0604020202020204" pitchFamily="34" charset="0"/>
+                  <a:buChar char="•"/>
+                </a:pPr>
+                <a:r>
+                  <a:rPr kumimoji="1" lang="en-US" altLang="zh-CN" dirty="0">
+                    <a:latin typeface="Calisto MT" panose="02040603050505030304" pitchFamily="18" charset="0"/>
+                  </a:rPr>
+                  <a:t>We need to</a:t>
+                </a:r>
+              </a:p>
+              <a:p>
+                <a:pPr marL="742950" lvl="1" indent="-285750">
+                  <a:buFont typeface="Arial" panose="020B0604020202020204" pitchFamily="34" charset="0"/>
+                  <a:buChar char="•"/>
+                </a:pPr>
+                <a:r>
+                  <a:rPr kumimoji="1" lang="en-US" altLang="zh-CN" dirty="0">
+                    <a:latin typeface="Calisto MT" panose="02040603050505030304" pitchFamily="18" charset="0"/>
+                  </a:rPr>
+                  <a:t>Push down</a:t>
+                </a:r>
+                <a:r>
+                  <a:rPr kumimoji="1" lang="zh-CN" altLang="en-US" dirty="0">
+                    <a:latin typeface="Calisto MT" panose="02040603050505030304" pitchFamily="18" charset="0"/>
                   </a:rPr>
                   <a:t> </a:t>
                 </a:r>
@@ -7177,12 +7726,14 @@
                         <a:latin typeface="Cambria Math" panose="02040503050406030204" pitchFamily="18" charset="0"/>
                         <a:ea typeface="Cambria Math" panose="02040503050406030204" pitchFamily="18" charset="0"/>
                       </a:rPr>
-                      <m:t>↑</m:t>
+                      <m:t>↓</m:t>
                     </m:r>
                   </m:oMath>
                 </a14:m>
                 <a:r>
-                  <a:rPr kumimoji="1" lang="en-US" altLang="zh-CN" dirty="0"/>
+                  <a:rPr kumimoji="1" lang="en-US" altLang="zh-CN" dirty="0">
+                    <a:latin typeface="Calisto MT" panose="02040603050505030304" pitchFamily="18" charset="0"/>
+                  </a:rPr>
                   <a:t> the survival curve </a:t>
                 </a:r>
                 <a14:m>
@@ -7214,15 +7765,22 @@
                   </m:oMath>
                 </a14:m>
                 <a:r>
-                  <a:rPr kumimoji="1" lang="en-US" altLang="zh-CN" dirty="0"/>
-                  <a:t> when </a:t>
+                  <a:rPr kumimoji="1" lang="en-US" altLang="zh-CN" dirty="0">
+                    <a:latin typeface="Calisto MT" panose="02040603050505030304" pitchFamily="18" charset="0"/>
+                  </a:rPr>
+                  <a:t> when</a:t>
                 </a:r>
               </a:p>
               <a:p>
-                <a:pPr lvl="2"/>
-                <a:r>
-                  <a:rPr kumimoji="1" lang="en-US" altLang="zh-CN" dirty="0"/>
-                  <a:t>event not occurs before </a:t>
+                <a:pPr marL="1200150" lvl="2" indent="-285750">
+                  <a:buFont typeface="Arial" panose="020B0604020202020204" pitchFamily="34" charset="0"/>
+                  <a:buChar char="•"/>
+                </a:pPr>
+                <a:r>
+                  <a:rPr kumimoji="1" lang="en-US" altLang="zh-CN" dirty="0">
+                    <a:latin typeface="Calisto MT" panose="02040603050505030304" pitchFamily="18" charset="0"/>
+                  </a:rPr>
+                  <a:t>event occurred before </a:t>
                 </a:r>
                 <a14:m>
                   <m:oMath xmlns:m="http://schemas.openxmlformats.org/officeDocument/2006/math">
@@ -7235,7 +7793,9 @@
                   </m:oMath>
                 </a14:m>
                 <a:r>
-                  <a:rPr kumimoji="1" lang="en-US" altLang="zh-CN" dirty="0"/>
+                  <a:rPr kumimoji="1" lang="en-US" altLang="zh-CN" dirty="0">
+                    <a:latin typeface="Calisto MT" panose="02040603050505030304" pitchFamily="18" charset="0"/>
+                  </a:rPr>
                   <a:t>, i.e., </a:t>
                 </a:r>
                 <a14:m>
@@ -7250,7 +7810,136 @@
                       <m:t>z</m:t>
                     </m:r>
                     <m:r>
-                      <a:rPr kumimoji="1" lang="en-US" altLang="zh-CN" b="0" i="1" smtClean="0">
+                      <a:rPr kumimoji="1" lang="en-US" altLang="zh-CN">
+                        <a:latin typeface="Cambria Math" panose="02040503050406030204" pitchFamily="18" charset="0"/>
+                      </a:rPr>
+                      <m:t>&lt;</m:t>
+                    </m:r>
+                    <m:r>
+                      <a:rPr kumimoji="1" lang="en-US" altLang="zh-CN" i="1">
+                        <a:latin typeface="Cambria Math" panose="02040503050406030204" pitchFamily="18" charset="0"/>
+                      </a:rPr>
+                      <m:t>𝑡</m:t>
+                    </m:r>
+                  </m:oMath>
+                </a14:m>
+                <a:r>
+                  <a:rPr kumimoji="1" lang="en-US" altLang="zh-CN" dirty="0">
+                    <a:latin typeface="Calisto MT" panose="02040603050505030304" pitchFamily="18" charset="0"/>
+                  </a:rPr>
+                  <a:t> for uncensored data.</a:t>
+                </a:r>
+              </a:p>
+              <a:p>
+                <a:pPr marL="742950" lvl="1" indent="-285750">
+                  <a:buFont typeface="Arial" panose="020B0604020202020204" pitchFamily="34" charset="0"/>
+                  <a:buChar char="•"/>
+                </a:pPr>
+                <a:r>
+                  <a:rPr kumimoji="1" lang="en-US" altLang="zh-CN" dirty="0">
+                    <a:latin typeface="Calisto MT" panose="02040603050505030304" pitchFamily="18" charset="0"/>
+                  </a:rPr>
+                  <a:t>Pull up</a:t>
+                </a:r>
+                <a:r>
+                  <a:rPr kumimoji="1" lang="en-US" altLang="zh-CN" dirty="0">
+                    <a:latin typeface="Calisto MT" panose="02040603050505030304" pitchFamily="18" charset="0"/>
+                    <a:ea typeface="Cambria Math" panose="02040503050406030204" pitchFamily="18" charset="0"/>
+                  </a:rPr>
+                  <a:t> </a:t>
+                </a:r>
+                <a14:m>
+                  <m:oMath xmlns:m="http://schemas.openxmlformats.org/officeDocument/2006/math">
+                    <m:r>
+                      <a:rPr kumimoji="1" lang="en-US" altLang="zh-CN" i="1">
+                        <a:latin typeface="Cambria Math" panose="02040503050406030204" pitchFamily="18" charset="0"/>
+                        <a:ea typeface="Cambria Math" panose="02040503050406030204" pitchFamily="18" charset="0"/>
+                      </a:rPr>
+                      <m:t>↑</m:t>
+                    </m:r>
+                  </m:oMath>
+                </a14:m>
+                <a:r>
+                  <a:rPr kumimoji="1" lang="en-US" altLang="zh-CN" dirty="0">
+                    <a:latin typeface="Calisto MT" panose="02040603050505030304" pitchFamily="18" charset="0"/>
+                  </a:rPr>
+                  <a:t> the survival curve </a:t>
+                </a:r>
+                <a14:m>
+                  <m:oMath xmlns:m="http://schemas.openxmlformats.org/officeDocument/2006/math">
+                    <m:r>
+                      <a:rPr kumimoji="1" lang="en-US" altLang="zh-CN" i="1">
+                        <a:latin typeface="Cambria Math" panose="02040503050406030204" pitchFamily="18" charset="0"/>
+                      </a:rPr>
+                      <m:t>𝑆</m:t>
+                    </m:r>
+                    <m:r>
+                      <a:rPr kumimoji="1" lang="en-US" altLang="zh-CN" i="1">
+                        <a:latin typeface="Cambria Math" panose="02040503050406030204" pitchFamily="18" charset="0"/>
+                      </a:rPr>
+                      <m:t>(</m:t>
+                    </m:r>
+                    <m:r>
+                      <a:rPr kumimoji="1" lang="en-US" altLang="zh-CN" i="1">
+                        <a:latin typeface="Cambria Math" panose="02040503050406030204" pitchFamily="18" charset="0"/>
+                      </a:rPr>
+                      <m:t>𝑡</m:t>
+                    </m:r>
+                    <m:r>
+                      <a:rPr kumimoji="1" lang="en-US" altLang="zh-CN" i="1">
+                        <a:latin typeface="Cambria Math" panose="02040503050406030204" pitchFamily="18" charset="0"/>
+                      </a:rPr>
+                      <m:t>)</m:t>
+                    </m:r>
+                  </m:oMath>
+                </a14:m>
+                <a:r>
+                  <a:rPr kumimoji="1" lang="en-US" altLang="zh-CN" dirty="0">
+                    <a:latin typeface="Calisto MT" panose="02040603050505030304" pitchFamily="18" charset="0"/>
+                  </a:rPr>
+                  <a:t> when </a:t>
+                </a:r>
+              </a:p>
+              <a:p>
+                <a:pPr marL="1200150" lvl="2" indent="-285750">
+                  <a:buFont typeface="Arial" panose="020B0604020202020204" pitchFamily="34" charset="0"/>
+                  <a:buChar char="•"/>
+                </a:pPr>
+                <a:r>
+                  <a:rPr kumimoji="1" lang="en-US" altLang="zh-CN" dirty="0">
+                    <a:latin typeface="Calisto MT" panose="02040603050505030304" pitchFamily="18" charset="0"/>
+                  </a:rPr>
+                  <a:t>event not occurs before </a:t>
+                </a:r>
+                <a14:m>
+                  <m:oMath xmlns:m="http://schemas.openxmlformats.org/officeDocument/2006/math">
+                    <m:r>
+                      <a:rPr kumimoji="1" lang="en-US" altLang="zh-CN" i="1">
+                        <a:latin typeface="Cambria Math" panose="02040503050406030204" pitchFamily="18" charset="0"/>
+                      </a:rPr>
+                      <m:t>𝑡</m:t>
+                    </m:r>
+                  </m:oMath>
+                </a14:m>
+                <a:r>
+                  <a:rPr kumimoji="1" lang="en-US" altLang="zh-CN" dirty="0">
+                    <a:latin typeface="Calisto MT" panose="02040603050505030304" pitchFamily="18" charset="0"/>
+                  </a:rPr>
+                  <a:t>, i.e., </a:t>
+                </a:r>
+                <a14:m>
+                  <m:oMath xmlns:m="http://schemas.openxmlformats.org/officeDocument/2006/math">
+                    <m:r>
+                      <m:rPr>
+                        <m:sty m:val="p"/>
+                      </m:rPr>
+                      <a:rPr kumimoji="1" lang="en-US" altLang="zh-CN">
+                        <a:latin typeface="Cambria Math" panose="02040503050406030204" pitchFamily="18" charset="0"/>
+                      </a:rPr>
+                      <m:t>z</m:t>
+                    </m:r>
+                    <m:r>
+                      <a:rPr kumimoji="1" lang="en-US" altLang="zh-CN" i="1">
                         <a:latin typeface="Cambria Math" panose="02040503050406030204" pitchFamily="18" charset="0"/>
                       </a:rPr>
                       <m:t>&gt;</m:t>
@@ -7264,35 +7953,42 @@
                   </m:oMath>
                 </a14:m>
                 <a:r>
-                  <a:rPr kumimoji="1" lang="en-US" altLang="zh-CN" dirty="0"/>
+                  <a:rPr kumimoji="1" lang="en-US" altLang="zh-CN" dirty="0">
+                    <a:latin typeface="Calisto MT" panose="02040603050505030304" pitchFamily="18" charset="0"/>
+                  </a:rPr>
                   <a:t> for censored data.</a:t>
                 </a:r>
               </a:p>
             </p:txBody>
           </p:sp>
         </mc:Choice>
-        <mc:Fallback xmlns="">
+        <mc:Fallback>
           <p:sp>
             <p:nvSpPr>
-              <p:cNvPr id="3" name="内容占位符 2">
+              <p:cNvPr id="6" name="矩形 5">
                 <a:extLst>
                   <a:ext uri="{FF2B5EF4-FFF2-40B4-BE49-F238E27FC236}">
-                    <a16:creationId xmlns:a16="http://schemas.microsoft.com/office/drawing/2014/main" id="{8765CE1B-8230-764B-A248-43783E87F3C9}"/>
+                    <a16:creationId xmlns:a16="http://schemas.microsoft.com/office/drawing/2014/main" id="{E3258457-535B-C14C-9BC8-A9BC1B4D997E}"/>
                   </a:ext>
                 </a:extLst>
               </p:cNvPr>
               <p:cNvSpPr>
-                <a:spLocks noGrp="1" noRot="1" noChangeAspect="1" noMove="1" noResize="1" noEditPoints="1" noAdjustHandles="1" noChangeArrowheads="1" noChangeShapeType="1" noTextEdit="1"/>
+                <a:spLocks noRot="1" noChangeAspect="1" noMove="1" noResize="1" noEditPoints="1" noAdjustHandles="1" noChangeArrowheads="1" noChangeShapeType="1" noTextEdit="1"/>
               </p:cNvSpPr>
-              <p:nvPr>
-                <p:ph idx="1"/>
-              </p:nvPr>
+              <p:nvPr/>
             </p:nvSpPr>
             <p:spPr>
+              <a:xfrm>
+                <a:off x="1127422" y="4927519"/>
+                <a:ext cx="7016934" cy="1477328"/>
+              </a:xfrm>
+              <a:prstGeom prst="rect">
+                <a:avLst/>
+              </a:prstGeom>
               <a:blipFill>
-                <a:blip r:embed="rId3"/>
+                <a:blip r:embed="rId4"/>
                 <a:stretch>
-                  <a:fillRect l="-1447" t="-2459"/>
+                  <a:fillRect l="-542" t="-1709" b="-5128"/>
                 </a:stretch>
               </a:blipFill>
             </p:spPr>
@@ -7311,10 +8007,124 @@
           </p:sp>
         </mc:Fallback>
       </mc:AlternateContent>
+      <p:sp>
+        <p:nvSpPr>
+          <p:cNvPr id="7" name="文本框 6">
+            <a:extLst>
+              <a:ext uri="{FF2B5EF4-FFF2-40B4-BE49-F238E27FC236}">
+                <a16:creationId xmlns:a16="http://schemas.microsoft.com/office/drawing/2014/main" id="{CEEF2D60-58DF-F646-8CC0-1E43016C1D27}"/>
+              </a:ext>
+            </a:extLst>
+          </p:cNvPr>
+          <p:cNvSpPr txBox="1"/>
+          <p:nvPr/>
+        </p:nvSpPr>
+        <p:spPr>
+          <a:xfrm>
+            <a:off x="1662546" y="4285792"/>
+            <a:ext cx="2006383" cy="646331"/>
+          </a:xfrm>
+          <a:prstGeom prst="rect">
+            <a:avLst/>
+          </a:prstGeom>
+          <a:noFill/>
+        </p:spPr>
+        <p:txBody>
+          <a:bodyPr wrap="none" rtlCol="0">
+            <a:spAutoFit/>
+          </a:bodyPr>
+          <a:lstStyle/>
+          <a:p>
+            <a:r>
+              <a:rPr kumimoji="1" lang="en-US" altLang="zh-CN" dirty="0">
+                <a:solidFill>
+                  <a:schemeClr val="accent6">
+                    <a:lumMod val="75000"/>
+                  </a:schemeClr>
+                </a:solidFill>
+              </a:rPr>
+              <a:t>Uncensored Case</a:t>
+            </a:r>
+          </a:p>
+          <a:p>
+            <a:r>
+              <a:rPr kumimoji="1" lang="en-US" altLang="zh-CN" dirty="0">
+                <a:solidFill>
+                  <a:schemeClr val="accent6">
+                    <a:lumMod val="75000"/>
+                  </a:schemeClr>
+                </a:solidFill>
+              </a:rPr>
+              <a:t>(z has been known)</a:t>
+            </a:r>
+            <a:endParaRPr kumimoji="1" lang="zh-CN" altLang="en-US" dirty="0">
+              <a:solidFill>
+                <a:schemeClr val="accent6">
+                  <a:lumMod val="75000"/>
+                </a:schemeClr>
+              </a:solidFill>
+            </a:endParaRPr>
+          </a:p>
+        </p:txBody>
+      </p:sp>
+      <p:sp>
+        <p:nvSpPr>
+          <p:cNvPr id="8" name="文本框 7">
+            <a:extLst>
+              <a:ext uri="{FF2B5EF4-FFF2-40B4-BE49-F238E27FC236}">
+                <a16:creationId xmlns:a16="http://schemas.microsoft.com/office/drawing/2014/main" id="{4AEBE84A-4002-1E45-AFB5-63D2C443D52E}"/>
+              </a:ext>
+            </a:extLst>
+          </p:cNvPr>
+          <p:cNvSpPr txBox="1"/>
+          <p:nvPr/>
+        </p:nvSpPr>
+        <p:spPr>
+          <a:xfrm>
+            <a:off x="6165273" y="4281188"/>
+            <a:ext cx="1563441" cy="646331"/>
+          </a:xfrm>
+          <a:prstGeom prst="rect">
+            <a:avLst/>
+          </a:prstGeom>
+          <a:noFill/>
+        </p:spPr>
+        <p:txBody>
+          <a:bodyPr wrap="none" rtlCol="0">
+            <a:spAutoFit/>
+          </a:bodyPr>
+          <a:lstStyle/>
+          <a:p>
+            <a:r>
+              <a:rPr kumimoji="1" lang="en-US" altLang="zh-CN" dirty="0">
+                <a:solidFill>
+                  <a:srgbClr val="FF0000"/>
+                </a:solidFill>
+              </a:rPr>
+              <a:t>Censored Case</a:t>
+            </a:r>
+          </a:p>
+          <a:p>
+            <a:r>
+              <a:rPr kumimoji="1" lang="en-US" altLang="zh-CN" dirty="0">
+                <a:solidFill>
+                  <a:srgbClr val="FF0000"/>
+                </a:solidFill>
+              </a:rPr>
+              <a:t>(z is unknown)</a:t>
+            </a:r>
+            <a:endParaRPr kumimoji="1" lang="zh-CN" altLang="en-US" dirty="0">
+              <a:solidFill>
+                <a:srgbClr val="FF0000"/>
+              </a:solidFill>
+            </a:endParaRPr>
+          </a:p>
+        </p:txBody>
+      </p:sp>
     </p:spTree>
     <p:extLst>
       <p:ext uri="{BB962C8B-B14F-4D97-AF65-F5344CB8AC3E}">
-        <p14:creationId xmlns:p14="http://schemas.microsoft.com/office/powerpoint/2010/main" val="969614867"/>
+        <p14:creationId xmlns:p14="http://schemas.microsoft.com/office/powerpoint/2010/main" val="3666328741"/>
       </p:ext>
     </p:extLst>
   </p:cSld>
@@ -7324,7 +8134,7 @@
 </p:sld>
 </file>
 
-<file path=ppt/slides/slide23.xml><?xml version="1.0" encoding="utf-8"?>
+<file path=ppt/slides/slide24.xml><?xml version="1.0" encoding="utf-8"?>
 <p:sld xmlns:a="http://schemas.openxmlformats.org/drawingml/2006/main" xmlns:r="http://schemas.openxmlformats.org/officeDocument/2006/relationships" xmlns:p="http://schemas.openxmlformats.org/presentationml/2006/main">
   <p:cSld>
     <p:spTree>
@@ -7667,7 +8477,7 @@
 </p:sld>
 </file>
 
-<file path=ppt/slides/slide24.xml><?xml version="1.0" encoding="utf-8"?>
+<file path=ppt/slides/slide25.xml><?xml version="1.0" encoding="utf-8"?>
 <p:sld xmlns:a="http://schemas.openxmlformats.org/drawingml/2006/main" xmlns:r="http://schemas.openxmlformats.org/officeDocument/2006/relationships" xmlns:p="http://schemas.openxmlformats.org/presentationml/2006/main">
   <p:cSld>
     <p:spTree>
@@ -8016,7 +8826,7 @@
 </p:sld>
 </file>
 
-<file path=ppt/slides/slide25.xml><?xml version="1.0" encoding="utf-8"?>
+<file path=ppt/slides/slide26.xml><?xml version="1.0" encoding="utf-8"?>
 <p:sld xmlns:a="http://schemas.openxmlformats.org/drawingml/2006/main" xmlns:r="http://schemas.openxmlformats.org/officeDocument/2006/relationships" xmlns:p="http://schemas.openxmlformats.org/presentationml/2006/main">
   <p:cSld>
     <p:spTree>
@@ -8122,7 +8932,7 @@
 </p:sld>
 </file>
 
-<file path=ppt/slides/slide26.xml><?xml version="1.0" encoding="utf-8"?>
+<file path=ppt/slides/slide27.xml><?xml version="1.0" encoding="utf-8"?>
 <p:sld xmlns:a="http://schemas.openxmlformats.org/drawingml/2006/main" xmlns:r="http://schemas.openxmlformats.org/officeDocument/2006/relationships" xmlns:p="http://schemas.openxmlformats.org/presentationml/2006/main">
   <p:cSld>
     <p:spTree>
@@ -8281,7 +9091,7 @@
 </p:sld>
 </file>
 
-<file path=ppt/slides/slide27.xml><?xml version="1.0" encoding="utf-8"?>
+<file path=ppt/slides/slide28.xml><?xml version="1.0" encoding="utf-8"?>
 <p:sld xmlns:a="http://schemas.openxmlformats.org/drawingml/2006/main" xmlns:r="http://schemas.openxmlformats.org/officeDocument/2006/relationships" xmlns:p="http://schemas.openxmlformats.org/presentationml/2006/main">
   <p:cSld>
     <p:spTree>
@@ -8459,7 +9269,7 @@
 </p:sld>
 </file>
 
-<file path=ppt/slides/slide28.xml><?xml version="1.0" encoding="utf-8"?>
+<file path=ppt/slides/slide29.xml><?xml version="1.0" encoding="utf-8"?>
 <p:sld xmlns:a="http://schemas.openxmlformats.org/drawingml/2006/main" xmlns:r="http://schemas.openxmlformats.org/officeDocument/2006/relationships" xmlns:p="http://schemas.openxmlformats.org/presentationml/2006/main">
   <p:cSld>
     <p:spTree>
@@ -8595,105 +9405,6 @@
     <p:extLst>
       <p:ext uri="{BB962C8B-B14F-4D97-AF65-F5344CB8AC3E}">
         <p14:creationId xmlns:p14="http://schemas.microsoft.com/office/powerpoint/2010/main" val="2523974264"/>
-      </p:ext>
-    </p:extLst>
-  </p:cSld>
-  <p:clrMapOvr>
-    <a:masterClrMapping/>
-  </p:clrMapOvr>
-</p:sld>
-</file>
-
-<file path=ppt/slides/slide29.xml><?xml version="1.0" encoding="utf-8"?>
-<p:sld xmlns:a="http://schemas.openxmlformats.org/drawingml/2006/main" xmlns:r="http://schemas.openxmlformats.org/officeDocument/2006/relationships" xmlns:p="http://schemas.openxmlformats.org/presentationml/2006/main">
-  <p:cSld>
-    <p:spTree>
-      <p:nvGrpSpPr>
-        <p:cNvPr id="1" name=""/>
-        <p:cNvGrpSpPr/>
-        <p:nvPr/>
-      </p:nvGrpSpPr>
-      <p:grpSpPr>
-        <a:xfrm>
-          <a:off x="0" y="0"/>
-          <a:ext cx="0" cy="0"/>
-          <a:chOff x="0" y="0"/>
-          <a:chExt cx="0" cy="0"/>
-        </a:xfrm>
-      </p:grpSpPr>
-      <p:sp>
-        <p:nvSpPr>
-          <p:cNvPr id="2" name="标题 1">
-            <a:extLst>
-              <a:ext uri="{FF2B5EF4-FFF2-40B4-BE49-F238E27FC236}">
-                <a16:creationId xmlns:a16="http://schemas.microsoft.com/office/drawing/2014/main" id="{88EA9FC7-BEAA-EF4C-B46B-420FC4C188F4}"/>
-              </a:ext>
-            </a:extLst>
-          </p:cNvPr>
-          <p:cNvSpPr>
-            <a:spLocks noGrp="1"/>
-          </p:cNvSpPr>
-          <p:nvPr>
-            <p:ph type="title"/>
-          </p:nvPr>
-        </p:nvSpPr>
-        <p:spPr/>
-        <p:txBody>
-          <a:bodyPr/>
-          <a:lstStyle/>
-          <a:p>
-            <a:r>
-              <a:rPr kumimoji="1" lang="en-US" altLang="zh-CN" dirty="0"/>
-              <a:t>Learning</a:t>
-            </a:r>
-            <a:r>
-              <a:rPr kumimoji="1" lang="zh-CN" altLang="en-US" dirty="0"/>
-              <a:t> </a:t>
-            </a:r>
-            <a:r>
-              <a:rPr kumimoji="1" lang="en-US" altLang="zh-CN" dirty="0"/>
-              <a:t>Curves</a:t>
-            </a:r>
-            <a:endParaRPr kumimoji="1" lang="zh-CN" altLang="en-US" dirty="0"/>
-          </a:p>
-        </p:txBody>
-      </p:sp>
-      <p:pic>
-        <p:nvPicPr>
-          <p:cNvPr id="4" name="内容占位符 3">
-            <a:extLst>
-              <a:ext uri="{FF2B5EF4-FFF2-40B4-BE49-F238E27FC236}">
-                <a16:creationId xmlns:a16="http://schemas.microsoft.com/office/drawing/2014/main" id="{9162B402-F58B-6545-9EB9-49D1C656F1F0}"/>
-              </a:ext>
-            </a:extLst>
-          </p:cNvPr>
-          <p:cNvPicPr>
-            <a:picLocks noGrp="1" noChangeAspect="1"/>
-          </p:cNvPicPr>
-          <p:nvPr>
-            <p:ph idx="1"/>
-          </p:nvPr>
-        </p:nvPicPr>
-        <p:blipFill>
-          <a:blip r:embed="rId2"/>
-          <a:stretch>
-            <a:fillRect/>
-          </a:stretch>
-        </p:blipFill>
-        <p:spPr>
-          <a:xfrm>
-            <a:off x="628650" y="2859755"/>
-            <a:ext cx="7886700" cy="1976691"/>
-          </a:xfrm>
-          <a:prstGeom prst="rect">
-            <a:avLst/>
-          </a:prstGeom>
-        </p:spPr>
-      </p:pic>
-    </p:spTree>
-    <p:extLst>
-      <p:ext uri="{BB962C8B-B14F-4D97-AF65-F5344CB8AC3E}">
-        <p14:creationId xmlns:p14="http://schemas.microsoft.com/office/powerpoint/2010/main" val="3017230615"/>
       </p:ext>
     </p:extLst>
   </p:cSld>
@@ -9193,6 +9904,105 @@
           <p:cNvPr id="2" name="标题 1">
             <a:extLst>
               <a:ext uri="{FF2B5EF4-FFF2-40B4-BE49-F238E27FC236}">
+                <a16:creationId xmlns:a16="http://schemas.microsoft.com/office/drawing/2014/main" id="{88EA9FC7-BEAA-EF4C-B46B-420FC4C188F4}"/>
+              </a:ext>
+            </a:extLst>
+          </p:cNvPr>
+          <p:cNvSpPr>
+            <a:spLocks noGrp="1"/>
+          </p:cNvSpPr>
+          <p:nvPr>
+            <p:ph type="title"/>
+          </p:nvPr>
+        </p:nvSpPr>
+        <p:spPr/>
+        <p:txBody>
+          <a:bodyPr/>
+          <a:lstStyle/>
+          <a:p>
+            <a:r>
+              <a:rPr kumimoji="1" lang="en-US" altLang="zh-CN" dirty="0"/>
+              <a:t>Learning</a:t>
+            </a:r>
+            <a:r>
+              <a:rPr kumimoji="1" lang="zh-CN" altLang="en-US" dirty="0"/>
+              <a:t> </a:t>
+            </a:r>
+            <a:r>
+              <a:rPr kumimoji="1" lang="en-US" altLang="zh-CN" dirty="0"/>
+              <a:t>Curves</a:t>
+            </a:r>
+            <a:endParaRPr kumimoji="1" lang="zh-CN" altLang="en-US" dirty="0"/>
+          </a:p>
+        </p:txBody>
+      </p:sp>
+      <p:pic>
+        <p:nvPicPr>
+          <p:cNvPr id="4" name="内容占位符 3">
+            <a:extLst>
+              <a:ext uri="{FF2B5EF4-FFF2-40B4-BE49-F238E27FC236}">
+                <a16:creationId xmlns:a16="http://schemas.microsoft.com/office/drawing/2014/main" id="{9162B402-F58B-6545-9EB9-49D1C656F1F0}"/>
+              </a:ext>
+            </a:extLst>
+          </p:cNvPr>
+          <p:cNvPicPr>
+            <a:picLocks noGrp="1" noChangeAspect="1"/>
+          </p:cNvPicPr>
+          <p:nvPr>
+            <p:ph idx="1"/>
+          </p:nvPr>
+        </p:nvPicPr>
+        <p:blipFill>
+          <a:blip r:embed="rId2"/>
+          <a:stretch>
+            <a:fillRect/>
+          </a:stretch>
+        </p:blipFill>
+        <p:spPr>
+          <a:xfrm>
+            <a:off x="628650" y="2859755"/>
+            <a:ext cx="7886700" cy="1976691"/>
+          </a:xfrm>
+          <a:prstGeom prst="rect">
+            <a:avLst/>
+          </a:prstGeom>
+        </p:spPr>
+      </p:pic>
+    </p:spTree>
+    <p:extLst>
+      <p:ext uri="{BB962C8B-B14F-4D97-AF65-F5344CB8AC3E}">
+        <p14:creationId xmlns:p14="http://schemas.microsoft.com/office/powerpoint/2010/main" val="3017230615"/>
+      </p:ext>
+    </p:extLst>
+  </p:cSld>
+  <p:clrMapOvr>
+    <a:masterClrMapping/>
+  </p:clrMapOvr>
+</p:sld>
+</file>
+
+<file path=ppt/slides/slide31.xml><?xml version="1.0" encoding="utf-8"?>
+<p:sld xmlns:a="http://schemas.openxmlformats.org/drawingml/2006/main" xmlns:r="http://schemas.openxmlformats.org/officeDocument/2006/relationships" xmlns:p="http://schemas.openxmlformats.org/presentationml/2006/main">
+  <p:cSld>
+    <p:spTree>
+      <p:nvGrpSpPr>
+        <p:cNvPr id="1" name=""/>
+        <p:cNvGrpSpPr/>
+        <p:nvPr/>
+      </p:nvGrpSpPr>
+      <p:grpSpPr>
+        <a:xfrm>
+          <a:off x="0" y="0"/>
+          <a:ext cx="0" cy="0"/>
+          <a:chOff x="0" y="0"/>
+          <a:chExt cx="0" cy="0"/>
+        </a:xfrm>
+      </p:grpSpPr>
+      <p:sp>
+        <p:nvSpPr>
+          <p:cNvPr id="2" name="标题 1">
+            <a:extLst>
+              <a:ext uri="{FF2B5EF4-FFF2-40B4-BE49-F238E27FC236}">
                 <a16:creationId xmlns:a16="http://schemas.microsoft.com/office/drawing/2014/main" id="{58309985-6EF0-0A40-83D9-BC32610CA712}"/>
               </a:ext>
             </a:extLst>
@@ -9273,7 +10083,7 @@
 </p:sld>
 </file>
 
-<file path=ppt/slides/slide31.xml><?xml version="1.0" encoding="utf-8"?>
+<file path=ppt/slides/slide32.xml><?xml version="1.0" encoding="utf-8"?>
 <p:sld xmlns:a="http://schemas.openxmlformats.org/drawingml/2006/main" xmlns:r="http://schemas.openxmlformats.org/officeDocument/2006/relationships" xmlns:p="http://schemas.openxmlformats.org/presentationml/2006/main">
   <p:cSld>
     <p:spTree>
@@ -9364,7 +10174,7 @@
 </p:sld>
 </file>
 
-<file path=ppt/slides/slide32.xml><?xml version="1.0" encoding="utf-8"?>
+<file path=ppt/slides/slide33.xml><?xml version="1.0" encoding="utf-8"?>
 <p:sld xmlns:a="http://schemas.openxmlformats.org/drawingml/2006/main" xmlns:r="http://schemas.openxmlformats.org/officeDocument/2006/relationships" xmlns:p="http://schemas.openxmlformats.org/presentationml/2006/main">
   <p:cSld>
     <p:spTree>
@@ -9410,8 +10220,8 @@
           </a:p>
         </p:txBody>
       </p:sp>
-      <mc:AlternateContent xmlns:mc="http://schemas.openxmlformats.org/markup-compatibility/2006">
-        <mc:Choice xmlns:a14="http://schemas.microsoft.com/office/drawing/2010/main" Requires="a14">
+      <mc:AlternateContent xmlns:mc="http://schemas.openxmlformats.org/markup-compatibility/2006" xmlns:a14="http://schemas.microsoft.com/office/drawing/2010/main">
+        <mc:Choice Requires="a14">
           <p:sp>
             <p:nvSpPr>
               <p:cNvPr id="3" name="内容占位符 2">
@@ -9573,7 +10383,7 @@
             </p:txBody>
           </p:sp>
         </mc:Choice>
-        <mc:Fallback>
+        <mc:Fallback xmlns="">
           <p:sp>
             <p:nvSpPr>
               <p:cNvPr id="3" name="内容占位符 2">

--- a/deep-recurrent-survival-analysis.pptx
+++ b/deep-recurrent-survival-analysis.pptx
@@ -23,21 +23,24 @@
     <p:sldId id="271" r:id="rId17"/>
     <p:sldId id="272" r:id="rId18"/>
     <p:sldId id="273" r:id="rId19"/>
-    <p:sldId id="274" r:id="rId20"/>
-    <p:sldId id="275" r:id="rId21"/>
-    <p:sldId id="276" r:id="rId22"/>
-    <p:sldId id="277" r:id="rId23"/>
-    <p:sldId id="288" r:id="rId24"/>
-    <p:sldId id="278" r:id="rId25"/>
-    <p:sldId id="279" r:id="rId26"/>
-    <p:sldId id="280" r:id="rId27"/>
-    <p:sldId id="282" r:id="rId28"/>
-    <p:sldId id="281" r:id="rId29"/>
-    <p:sldId id="283" r:id="rId30"/>
-    <p:sldId id="284" r:id="rId31"/>
-    <p:sldId id="285" r:id="rId32"/>
-    <p:sldId id="287" r:id="rId33"/>
-    <p:sldId id="286" r:id="rId34"/>
+    <p:sldId id="289" r:id="rId20"/>
+    <p:sldId id="290" r:id="rId21"/>
+    <p:sldId id="275" r:id="rId22"/>
+    <p:sldId id="276" r:id="rId23"/>
+    <p:sldId id="291" r:id="rId24"/>
+    <p:sldId id="288" r:id="rId25"/>
+    <p:sldId id="277" r:id="rId26"/>
+    <p:sldId id="278" r:id="rId27"/>
+    <p:sldId id="279" r:id="rId28"/>
+    <p:sldId id="292" r:id="rId29"/>
+    <p:sldId id="280" r:id="rId30"/>
+    <p:sldId id="282" r:id="rId31"/>
+    <p:sldId id="281" r:id="rId32"/>
+    <p:sldId id="283" r:id="rId33"/>
+    <p:sldId id="284" r:id="rId34"/>
+    <p:sldId id="285" r:id="rId35"/>
+    <p:sldId id="287" r:id="rId36"/>
+    <p:sldId id="286" r:id="rId37"/>
   </p:sldIdLst>
   <p:sldSz cx="9144000" cy="6858000" type="screen4x3"/>
   <p:notesSz cx="6858000" cy="9144000"/>
@@ -277,7 +280,7 @@
           <a:p>
             <a:fld id="{28FA76F6-06BC-405D-ABEC-4A7F79F52191}" type="datetimeFigureOut">
               <a:rPr lang="en-US" smtClean="0"/>
-              <a:t>12/19/18</a:t>
+              <a:t>12/22/18</a:t>
             </a:fld>
             <a:endParaRPr lang="en-US"/>
           </a:p>
@@ -579,7 +582,7 @@
           <a:p>
             <a:fld id="{28FA76F6-06BC-405D-ABEC-4A7F79F52191}" type="datetimeFigureOut">
               <a:rPr lang="en-US" smtClean="0"/>
-              <a:t>12/19/18</a:t>
+              <a:t>12/22/18</a:t>
             </a:fld>
             <a:endParaRPr lang="en-US"/>
           </a:p>
@@ -848,7 +851,7 @@
           <a:p>
             <a:fld id="{28FA76F6-06BC-405D-ABEC-4A7F79F52191}" type="datetimeFigureOut">
               <a:rPr lang="en-US" smtClean="0"/>
-              <a:t>12/19/18</a:t>
+              <a:t>12/22/18</a:t>
             </a:fld>
             <a:endParaRPr lang="en-US"/>
           </a:p>
@@ -1084,7 +1087,7 @@
           <a:p>
             <a:fld id="{28FA76F6-06BC-405D-ABEC-4A7F79F52191}" type="datetimeFigureOut">
               <a:rPr lang="en-US" smtClean="0"/>
-              <a:t>12/19/18</a:t>
+              <a:t>12/22/18</a:t>
             </a:fld>
             <a:endParaRPr lang="en-US"/>
           </a:p>
@@ -1476,7 +1479,7 @@
           <a:p>
             <a:fld id="{28FA76F6-06BC-405D-ABEC-4A7F79F52191}" type="datetimeFigureOut">
               <a:rPr lang="en-US" smtClean="0"/>
-              <a:t>12/19/18</a:t>
+              <a:t>12/22/18</a:t>
             </a:fld>
             <a:endParaRPr lang="en-US"/>
           </a:p>
@@ -1619,7 +1622,7 @@
           <a:p>
             <a:fld id="{28FA76F6-06BC-405D-ABEC-4A7F79F52191}" type="datetimeFigureOut">
               <a:rPr lang="en-US" smtClean="0"/>
-              <a:t>12/19/18</a:t>
+              <a:t>12/22/18</a:t>
             </a:fld>
             <a:endParaRPr lang="en-US"/>
           </a:p>
@@ -1735,7 +1738,7 @@
           <a:p>
             <a:fld id="{28FA76F6-06BC-405D-ABEC-4A7F79F52191}" type="datetimeFigureOut">
               <a:rPr lang="en-US" smtClean="0"/>
-              <a:t>12/19/18</a:t>
+              <a:t>12/22/18</a:t>
             </a:fld>
             <a:endParaRPr lang="en-US"/>
           </a:p>
@@ -2033,7 +2036,7 @@
           <a:p>
             <a:fld id="{28FA76F6-06BC-405D-ABEC-4A7F79F52191}" type="datetimeFigureOut">
               <a:rPr lang="en-US" smtClean="0"/>
-              <a:t>12/19/18</a:t>
+              <a:t>12/22/18</a:t>
             </a:fld>
             <a:endParaRPr lang="en-US"/>
           </a:p>
@@ -2363,7 +2366,7 @@
             <a:fld id="{28FA76F6-06BC-405D-ABEC-4A7F79F52191}" type="datetimeFigureOut">
               <a:rPr lang="en-US" smtClean="0"/>
               <a:pPr/>
-              <a:t>12/19/18</a:t>
+              <a:t>12/22/18</a:t>
             </a:fld>
             <a:endParaRPr lang="en-US"/>
           </a:p>
@@ -3086,8 +3089,8 @@
           </a:p>
         </p:txBody>
       </p:sp>
-      <mc:AlternateContent xmlns:mc="http://schemas.openxmlformats.org/markup-compatibility/2006" xmlns:a14="http://schemas.microsoft.com/office/drawing/2010/main">
-        <mc:Choice Requires="a14">
+      <mc:AlternateContent xmlns:mc="http://schemas.openxmlformats.org/markup-compatibility/2006">
+        <mc:Choice xmlns:a14="http://schemas.microsoft.com/office/drawing/2010/main" Requires="a14">
           <p:sp>
             <p:nvSpPr>
               <p:cNvPr id="3" name="内容占位符 2">
@@ -3138,7 +3141,24 @@
                     <a:latin typeface="Cambria Math" panose="02040503050406030204" pitchFamily="18" charset="0"/>
                     <a:ea typeface="Cambria Math" panose="02040503050406030204" pitchFamily="18" charset="0"/>
                   </a:rPr>
-                  <a:t>The probability of event occurring at time </a:t>
+                  <a:t>The probability of event </a:t>
+                </a:r>
+                <a:r>
+                  <a:rPr kumimoji="1" lang="en-US" altLang="zh-CN" dirty="0">
+                    <a:solidFill>
+                      <a:srgbClr val="FF0000"/>
+                    </a:solidFill>
+                    <a:latin typeface="Cambria Math" panose="02040503050406030204" pitchFamily="18" charset="0"/>
+                    <a:ea typeface="Cambria Math" panose="02040503050406030204" pitchFamily="18" charset="0"/>
+                  </a:rPr>
+                  <a:t>occurring</a:t>
+                </a:r>
+                <a:r>
+                  <a:rPr kumimoji="1" lang="en-US" altLang="zh-CN" dirty="0">
+                    <a:latin typeface="Cambria Math" panose="02040503050406030204" pitchFamily="18" charset="0"/>
+                    <a:ea typeface="Cambria Math" panose="02040503050406030204" pitchFamily="18" charset="0"/>
+                  </a:rPr>
+                  <a:t> at time </a:t>
                 </a:r>
                 <a14:m>
                   <m:oMath xmlns:m="http://schemas.openxmlformats.org/officeDocument/2006/math">
@@ -3160,6 +3180,11 @@
                 </a:r>
                 <a:r>
                   <a:rPr kumimoji="1" lang="en-US" altLang="zh-CN" i="1" dirty="0">
+                    <a:solidFill>
+                      <a:schemeClr val="accent6">
+                        <a:lumMod val="75000"/>
+                      </a:schemeClr>
+                    </a:solidFill>
                     <a:latin typeface="Cambria Math" panose="02040503050406030204" pitchFamily="18" charset="0"/>
                     <a:ea typeface="Cambria Math" panose="02040503050406030204" pitchFamily="18" charset="0"/>
                   </a:rPr>
@@ -3322,7 +3347,7 @@
             </p:txBody>
           </p:sp>
         </mc:Choice>
-        <mc:Fallback xmlns="">
+        <mc:Fallback>
           <p:sp>
             <p:nvSpPr>
               <p:cNvPr id="3" name="内容占位符 2">
@@ -4166,12 +4191,21 @@
         </p:nvSpPr>
         <p:spPr/>
         <p:txBody>
-          <a:bodyPr/>
+          <a:bodyPr>
+            <a:normAutofit fontScale="90000"/>
+          </a:bodyPr>
           <a:lstStyle/>
           <a:p>
             <a:r>
               <a:rPr kumimoji="1" lang="en-US" altLang="zh-CN" dirty="0"/>
               <a:t>Deep Recurrent Survival Analysis</a:t>
+            </a:r>
+            <a:br>
+              <a:rPr kumimoji="1" lang="en-US" altLang="zh-CN" dirty="0"/>
+            </a:br>
+            <a:r>
+              <a:rPr kumimoji="1" lang="en-US" altLang="zh-CN" dirty="0"/>
+              <a:t>(DRSA)</a:t>
             </a:r>
             <a:endParaRPr kumimoji="1" lang="zh-CN" altLang="en-US" dirty="0"/>
           </a:p>
@@ -4463,8 +4497,8 @@
           </a:p>
         </p:txBody>
       </p:sp>
-      <mc:AlternateContent xmlns:mc="http://schemas.openxmlformats.org/markup-compatibility/2006" xmlns:a14="http://schemas.microsoft.com/office/drawing/2010/main">
-        <mc:Choice Requires="a14">
+      <mc:AlternateContent xmlns:mc="http://schemas.openxmlformats.org/markup-compatibility/2006">
+        <mc:Choice xmlns:a14="http://schemas.microsoft.com/office/drawing/2010/main" Requires="a14">
           <p:sp>
             <p:nvSpPr>
               <p:cNvPr id="3" name="内容占位符 2">
@@ -4483,11 +4517,13 @@
             </p:nvSpPr>
             <p:spPr/>
             <p:txBody>
-              <a:bodyPr/>
+              <a:bodyPr>
+                <a:normAutofit fontScale="92500" lnSpcReduction="20000"/>
+              </a:bodyPr>
               <a:lstStyle/>
               <a:p>
                 <a:r>
-                  <a:rPr kumimoji="1" lang="en-US" altLang="zh-CN" dirty="0"/>
+                  <a:rPr kumimoji="1" lang="en-US" altLang="zh-CN" b="1" dirty="0"/>
                   <a:t>Discrete</a:t>
                 </a:r>
                 <a:r>
@@ -4955,8 +4991,15 @@
                 <a:endParaRPr kumimoji="1" lang="en-US" altLang="zh-CN" dirty="0"/>
               </a:p>
               <a:p>
+                <a:pPr lvl="1"/>
                 <a:r>
                   <a:rPr kumimoji="1" lang="en-US" altLang="zh-CN" dirty="0"/>
+                  <a:t>Has been widely used in related works</a:t>
+                </a:r>
+              </a:p>
+              <a:p>
+                <a:r>
+                  <a:rPr kumimoji="1" lang="en-US" altLang="zh-CN" b="1" dirty="0"/>
                   <a:t>Hazard</a:t>
                 </a:r>
                 <a:r>
@@ -4973,31 +5016,69 @@
                 </a:r>
                 <a:r>
                   <a:rPr kumimoji="1" lang="en-US" altLang="zh-CN" dirty="0"/>
-                  <a:t>function</a:t>
+                  <a:t>function, means the event probability</a:t>
                 </a:r>
                 <a:r>
                   <a:rPr kumimoji="1" lang="zh-CN" altLang="en-US" dirty="0"/>
                   <a:t> </a:t>
                 </a:r>
                 <a:r>
+                  <a:rPr kumimoji="1" lang="en-US" altLang="zh-CN" dirty="0">
+                    <a:solidFill>
+                      <a:srgbClr val="FF0000"/>
+                    </a:solidFill>
+                  </a:rPr>
+                  <a:t>at</a:t>
+                </a:r>
+                <a:r>
+                  <a:rPr kumimoji="1" lang="zh-CN" altLang="en-US" dirty="0">
+                    <a:solidFill>
+                      <a:srgbClr val="FF0000"/>
+                    </a:solidFill>
+                  </a:rPr>
+                  <a:t> </a:t>
+                </a:r>
+                <a:r>
+                  <a:rPr kumimoji="1" lang="en-US" altLang="zh-CN" dirty="0">
+                    <a:solidFill>
+                      <a:srgbClr val="FF0000"/>
+                    </a:solidFill>
+                  </a:rPr>
+                  <a:t>that</a:t>
+                </a:r>
+                <a:r>
+                  <a:rPr kumimoji="1" lang="zh-CN" altLang="en-US" dirty="0">
+                    <a:solidFill>
+                      <a:srgbClr val="FF0000"/>
+                    </a:solidFill>
+                  </a:rPr>
+                  <a:t> </a:t>
+                </a:r>
+                <a:r>
+                  <a:rPr kumimoji="1" lang="en-US" altLang="zh-CN" dirty="0">
+                    <a:solidFill>
+                      <a:srgbClr val="FF0000"/>
+                    </a:solidFill>
+                  </a:rPr>
+                  <a:t>time</a:t>
+                </a:r>
+                <a:r>
                   <a:rPr kumimoji="1" lang="en-US" altLang="zh-CN" dirty="0"/>
-                  <a:t>at</a:t>
-                </a:r>
-                <a:r>
-                  <a:rPr kumimoji="1" lang="zh-CN" altLang="en-US" dirty="0"/>
                   <a:t> </a:t>
                 </a:r>
                 <a:r>
+                  <a:rPr kumimoji="1" lang="en-US" altLang="zh-CN" i="1" dirty="0">
+                    <a:solidFill>
+                      <a:schemeClr val="accent6">
+                        <a:lumMod val="75000"/>
+                      </a:schemeClr>
+                    </a:solidFill>
+                  </a:rPr>
+                  <a:t>given not happened before</a:t>
+                </a:r>
+                <a:r>
                   <a:rPr kumimoji="1" lang="en-US" altLang="zh-CN" dirty="0"/>
-                  <a:t>discrete</a:t>
-                </a:r>
-                <a:r>
-                  <a:rPr kumimoji="1" lang="zh-CN" altLang="en-US" dirty="0"/>
-                  <a:t> </a:t>
-                </a:r>
-                <a:r>
-                  <a:rPr kumimoji="1" lang="en-US" altLang="zh-CN" dirty="0"/>
-                  <a:t>time</a:t>
+                  <a:t>.</a:t>
                 </a:r>
               </a:p>
               <a:p>
@@ -5078,6 +5159,21 @@
                   </m:oMath>
                 </a14:m>
                 <a:r>
+                  <a:rPr kumimoji="1" lang="en-US" altLang="zh-CN" dirty="0"/>
+                  <a:t> with parameter </a:t>
+                </a:r>
+                <a14:m>
+                  <m:oMath xmlns:m="http://schemas.openxmlformats.org/officeDocument/2006/math">
+                    <m:r>
+                      <a:rPr kumimoji="1" lang="en-US" altLang="zh-CN" i="1" smtClean="0">
+                        <a:latin typeface="Cambria Math" panose="02040503050406030204" pitchFamily="18" charset="0"/>
+                        <a:ea typeface="Cambria Math" panose="02040503050406030204" pitchFamily="18" charset="0"/>
+                      </a:rPr>
+                      <m:t>𝜃</m:t>
+                    </m:r>
+                  </m:oMath>
+                </a14:m>
+                <a:r>
                   <a:rPr kumimoji="1" lang="zh-CN" altLang="en-US" dirty="0"/>
                   <a:t> </a:t>
                 </a:r>
@@ -5116,13 +5212,122 @@
                 <a:r>
                   <a:rPr kumimoji="1" lang="en-US" altLang="zh-CN" dirty="0"/>
                   <a:t>probability</a:t>
+                </a:r>
+              </a:p>
+              <a:p>
+                <a:pPr lvl="1"/>
+                <a14:m>
+                  <m:oMath xmlns:m="http://schemas.openxmlformats.org/officeDocument/2006/math">
+                    <m:sSub>
+                      <m:sSubPr>
+                        <m:ctrlPr>
+                          <a:rPr kumimoji="1" lang="en-US" altLang="zh-CN" b="0" i="1" smtClean="0">
+                            <a:latin typeface="Cambria Math" panose="02040503050406030204" pitchFamily="18" charset="0"/>
+                          </a:rPr>
+                        </m:ctrlPr>
+                      </m:sSubPr>
+                      <m:e>
+                        <m:r>
+                          <a:rPr kumimoji="1" lang="en-US" altLang="zh-CN" b="0" i="1" smtClean="0">
+                            <a:latin typeface="Cambria Math" panose="02040503050406030204" pitchFamily="18" charset="0"/>
+                          </a:rPr>
+                          <m:t>𝑟</m:t>
+                        </m:r>
+                      </m:e>
+                      <m:sub>
+                        <m:r>
+                          <a:rPr kumimoji="1" lang="en-US" altLang="zh-CN" b="0" i="1" smtClean="0">
+                            <a:latin typeface="Cambria Math" panose="02040503050406030204" pitchFamily="18" charset="0"/>
+                          </a:rPr>
+                          <m:t>𝑙</m:t>
+                        </m:r>
+                        <m:r>
+                          <a:rPr kumimoji="1" lang="en-US" altLang="zh-CN" b="0" i="1" smtClean="0">
+                            <a:latin typeface="Cambria Math" panose="02040503050406030204" pitchFamily="18" charset="0"/>
+                          </a:rPr>
+                          <m:t>−1</m:t>
+                        </m:r>
+                      </m:sub>
+                    </m:sSub>
+                  </m:oMath>
+                </a14:m>
+                <a:r>
+                  <a:rPr kumimoji="1" lang="en-US" altLang="zh-CN" dirty="0"/>
+                  <a:t> is the transmitted information through time</a:t>
+                </a:r>
+              </a:p>
+              <a:p>
+                <a:pPr lvl="1"/>
+                <a14:m>
+                  <m:oMath xmlns:m="http://schemas.openxmlformats.org/officeDocument/2006/math">
+                    <m:sSup>
+                      <m:sSupPr>
+                        <m:ctrlPr>
+                          <a:rPr kumimoji="1" lang="en-US" altLang="zh-CN" b="0" i="1" smtClean="0">
+                            <a:latin typeface="Cambria Math" panose="02040503050406030204" pitchFamily="18" charset="0"/>
+                          </a:rPr>
+                        </m:ctrlPr>
+                      </m:sSupPr>
+                      <m:e>
+                        <m:r>
+                          <a:rPr kumimoji="1" lang="en-US" altLang="zh-CN" b="0" i="1" smtClean="0">
+                            <a:latin typeface="Cambria Math" panose="02040503050406030204" pitchFamily="18" charset="0"/>
+                          </a:rPr>
+                          <m:t>𝑥</m:t>
+                        </m:r>
+                      </m:e>
+                      <m:sup>
+                        <m:r>
+                          <a:rPr kumimoji="1" lang="en-US" altLang="zh-CN" b="0" i="1" smtClean="0">
+                            <a:latin typeface="Cambria Math" panose="02040503050406030204" pitchFamily="18" charset="0"/>
+                          </a:rPr>
+                          <m:t>𝑖</m:t>
+                        </m:r>
+                      </m:sup>
+                    </m:sSup>
+                    <m:r>
+                      <a:rPr kumimoji="1" lang="en-US" altLang="zh-CN" b="0" i="1" smtClean="0">
+                        <a:latin typeface="Cambria Math" panose="02040503050406030204" pitchFamily="18" charset="0"/>
+                      </a:rPr>
+                      <m:t>, </m:t>
+                    </m:r>
+                    <m:sSub>
+                      <m:sSubPr>
+                        <m:ctrlPr>
+                          <a:rPr kumimoji="1" lang="en-US" altLang="zh-CN" b="0" i="1" smtClean="0">
+                            <a:latin typeface="Cambria Math" panose="02040503050406030204" pitchFamily="18" charset="0"/>
+                          </a:rPr>
+                        </m:ctrlPr>
+                      </m:sSubPr>
+                      <m:e>
+                        <m:r>
+                          <a:rPr kumimoji="1" lang="en-US" altLang="zh-CN" b="0" i="1" smtClean="0">
+                            <a:latin typeface="Cambria Math" panose="02040503050406030204" pitchFamily="18" charset="0"/>
+                          </a:rPr>
+                          <m:t>𝑡</m:t>
+                        </m:r>
+                      </m:e>
+                      <m:sub>
+                        <m:r>
+                          <a:rPr kumimoji="1" lang="en-US" altLang="zh-CN" b="0" i="1" smtClean="0">
+                            <a:latin typeface="Cambria Math" panose="02040503050406030204" pitchFamily="18" charset="0"/>
+                          </a:rPr>
+                          <m:t>𝑙</m:t>
+                        </m:r>
+                      </m:sub>
+                    </m:sSub>
+                  </m:oMath>
+                </a14:m>
+                <a:r>
+                  <a:rPr kumimoji="1" lang="en-US" altLang="zh-CN" dirty="0"/>
+                  <a:t> are the input to the unit</a:t>
                 </a:r>
                 <a:endParaRPr kumimoji="1" lang="zh-CN" altLang="en-US" dirty="0"/>
               </a:p>
             </p:txBody>
           </p:sp>
         </mc:Choice>
-        <mc:Fallback xmlns="">
+        <mc:Fallback>
           <p:sp>
             <p:nvSpPr>
               <p:cNvPr id="3" name="内容占位符 2">
@@ -5143,7 +5348,7 @@
               <a:blipFill>
                 <a:blip r:embed="rId2"/>
                 <a:stretch>
-                  <a:fillRect l="-1447" t="-2459"/>
+                  <a:fillRect l="-1286" t="-3825"/>
                 </a:stretch>
               </a:blipFill>
             </p:spPr>
@@ -5184,7 +5389,7 @@
         </p:blipFill>
         <p:spPr>
           <a:xfrm>
-            <a:off x="2730500" y="3755634"/>
+            <a:off x="2730500" y="3741779"/>
             <a:ext cx="3683000" cy="876300"/>
           </a:xfrm>
           <a:prstGeom prst="rect">
@@ -5222,6 +5427,38 @@
           <a:chExt cx="0" cy="0"/>
         </a:xfrm>
       </p:grpSpPr>
+      <p:pic>
+        <p:nvPicPr>
+          <p:cNvPr id="10" name="内容占位符 9">
+            <a:extLst>
+              <a:ext uri="{FF2B5EF4-FFF2-40B4-BE49-F238E27FC236}">
+                <a16:creationId xmlns:a16="http://schemas.microsoft.com/office/drawing/2014/main" id="{32847DBC-1DCC-C740-989F-A2F2FA04D2A9}"/>
+              </a:ext>
+            </a:extLst>
+          </p:cNvPr>
+          <p:cNvPicPr>
+            <a:picLocks noGrp="1" noChangeAspect="1"/>
+          </p:cNvPicPr>
+          <p:nvPr>
+            <p:ph idx="1"/>
+          </p:nvPr>
+        </p:nvPicPr>
+        <p:blipFill>
+          <a:blip r:embed="rId2"/>
+          <a:stretch>
+            <a:fillRect/>
+          </a:stretch>
+        </p:blipFill>
+        <p:spPr>
+          <a:xfrm>
+            <a:off x="1011668" y="1563549"/>
+            <a:ext cx="6045200" cy="3060700"/>
+          </a:xfrm>
+          <a:prstGeom prst="rect">
+            <a:avLst/>
+          </a:prstGeom>
+        </p:spPr>
+      </p:pic>
       <p:sp>
         <p:nvSpPr>
           <p:cNvPr id="2" name="标题 1">
@@ -5240,9 +5477,18 @@
         </p:nvSpPr>
         <p:spPr/>
         <p:txBody>
-          <a:bodyPr/>
+          <a:bodyPr>
+            <a:normAutofit fontScale="90000"/>
+          </a:bodyPr>
           <a:lstStyle/>
           <a:p>
+            <a:r>
+              <a:rPr kumimoji="1" lang="en-US" altLang="zh-CN" dirty="0"/>
+              <a:t>Relationships among</a:t>
+            </a:r>
+            <a:br>
+              <a:rPr kumimoji="1" lang="en-US" altLang="zh-CN" dirty="0"/>
+            </a:br>
             <a:r>
               <a:rPr kumimoji="1" lang="en-US" altLang="zh-CN" dirty="0"/>
               <a:t>Probability</a:t>
@@ -5259,38 +5505,6 @@
           </a:p>
         </p:txBody>
       </p:sp>
-      <p:pic>
-        <p:nvPicPr>
-          <p:cNvPr id="4" name="内容占位符 3">
-            <a:extLst>
-              <a:ext uri="{FF2B5EF4-FFF2-40B4-BE49-F238E27FC236}">
-                <a16:creationId xmlns:a16="http://schemas.microsoft.com/office/drawing/2014/main" id="{7472B8ED-6FE7-584D-8913-38C693ACECDD}"/>
-              </a:ext>
-            </a:extLst>
-          </p:cNvPr>
-          <p:cNvPicPr>
-            <a:picLocks noGrp="1" noChangeAspect="1"/>
-          </p:cNvPicPr>
-          <p:nvPr>
-            <p:ph idx="1"/>
-          </p:nvPr>
-        </p:nvPicPr>
-        <p:blipFill>
-          <a:blip r:embed="rId2"/>
-          <a:stretch>
-            <a:fillRect/>
-          </a:stretch>
-        </p:blipFill>
-        <p:spPr>
-          <a:xfrm>
-            <a:off x="1187450" y="1504373"/>
-            <a:ext cx="5689600" cy="2387600"/>
-          </a:xfrm>
-          <a:prstGeom prst="rect">
-            <a:avLst/>
-          </a:prstGeom>
-        </p:spPr>
-      </p:pic>
       <p:pic>
         <p:nvPicPr>
           <p:cNvPr id="5" name="图片 4">
@@ -5313,7 +5527,7 @@
         </p:blipFill>
         <p:spPr>
           <a:xfrm>
-            <a:off x="1847850" y="4264025"/>
+            <a:off x="1141266" y="4735083"/>
             <a:ext cx="5448300" cy="825500"/>
           </a:xfrm>
           <a:prstGeom prst="rect">
@@ -5343,7 +5557,7 @@
         </p:blipFill>
         <p:spPr>
           <a:xfrm>
-            <a:off x="2266950" y="5461577"/>
+            <a:off x="1560366" y="5683251"/>
             <a:ext cx="4610100" cy="673100"/>
           </a:xfrm>
           <a:prstGeom prst="rect">
@@ -5351,8 +5565,8 @@
           </a:prstGeom>
         </p:spPr>
       </p:pic>
-      <mc:AlternateContent xmlns:mc="http://schemas.openxmlformats.org/markup-compatibility/2006" xmlns:a14="http://schemas.microsoft.com/office/drawing/2010/main">
-        <mc:Choice Requires="a14">
+      <mc:AlternateContent xmlns:mc="http://schemas.openxmlformats.org/markup-compatibility/2006">
+        <mc:Choice xmlns:a14="http://schemas.microsoft.com/office/drawing/2010/main" Requires="a14">
           <p:sp>
             <p:nvSpPr>
               <p:cNvPr id="7" name="文本框 6">
@@ -5367,7 +5581,7 @@
             </p:nvSpPr>
             <p:spPr>
               <a:xfrm>
-                <a:off x="4572000" y="3162512"/>
+                <a:off x="4585019" y="3979328"/>
                 <a:ext cx="4240328" cy="646331"/>
               </a:xfrm>
               <a:prstGeom prst="rect">
@@ -5397,6 +5611,7 @@
               </a:bodyPr>
               <a:lstStyle/>
               <a:p>
+                <a:pPr algn="ctr"/>
                 <a:r>
                   <a:rPr kumimoji="1" lang="en-US" altLang="zh-CN" dirty="0">
                     <a:solidFill>
@@ -5407,7 +5622,7 @@
                 </a:r>
               </a:p>
               <a:p>
-                <a:pPr/>
+                <a:pPr algn="ctr"/>
                 <a14:m>
                   <m:oMathPara xmlns:m="http://schemas.openxmlformats.org/officeDocument/2006/math">
                     <m:oMathParaPr>
@@ -5868,7 +6083,7 @@
             </p:txBody>
           </p:sp>
         </mc:Choice>
-        <mc:Fallback xmlns="">
+        <mc:Fallback>
           <p:sp>
             <p:nvSpPr>
               <p:cNvPr id="7" name="文本框 6">
@@ -5885,7 +6100,7 @@
             </p:nvSpPr>
             <p:spPr>
               <a:xfrm>
-                <a:off x="4572000" y="3162512"/>
+                <a:off x="4585019" y="3979328"/>
                 <a:ext cx="4240328" cy="646331"/>
               </a:xfrm>
               <a:prstGeom prst="rect">
@@ -5894,7 +6109,7 @@
               <a:blipFill>
                 <a:blip r:embed="rId5"/>
                 <a:stretch>
-                  <a:fillRect l="-1198" t="-3846" b="-7692"/>
+                  <a:fillRect t="-1923" b="-7692"/>
                 </a:stretch>
               </a:blipFill>
               <a:ln>
@@ -5930,8 +6145,8 @@
         </p:nvSpPr>
         <p:spPr>
           <a:xfrm>
-            <a:off x="2604655" y="2341418"/>
-            <a:ext cx="4272395" cy="789709"/>
+            <a:off x="2064328" y="2008903"/>
+            <a:ext cx="5006395" cy="1177643"/>
           </a:xfrm>
           <a:prstGeom prst="roundRect">
             <a:avLst/>
@@ -5968,6 +6183,50 @@
           </a:p>
         </p:txBody>
       </p:sp>
+      <p:cxnSp>
+        <p:nvCxnSpPr>
+          <p:cNvPr id="13" name="直线箭头连接符 12">
+            <a:extLst>
+              <a:ext uri="{FF2B5EF4-FFF2-40B4-BE49-F238E27FC236}">
+                <a16:creationId xmlns:a16="http://schemas.microsoft.com/office/drawing/2014/main" id="{DCAD9E4F-8BA1-3345-9BCB-546EC755023D}"/>
+              </a:ext>
+            </a:extLst>
+          </p:cNvPr>
+          <p:cNvCxnSpPr>
+            <a:cxnSpLocks/>
+          </p:cNvCxnSpPr>
+          <p:nvPr/>
+        </p:nvCxnSpPr>
+        <p:spPr>
+          <a:xfrm flipV="1">
+            <a:off x="6774872" y="3352801"/>
+            <a:ext cx="0" cy="474125"/>
+          </a:xfrm>
+          <a:prstGeom prst="straightConnector1">
+            <a:avLst/>
+          </a:prstGeom>
+          <a:ln>
+            <a:solidFill>
+              <a:srgbClr val="FF0000"/>
+            </a:solidFill>
+            <a:tailEnd type="triangle"/>
+          </a:ln>
+        </p:spPr>
+        <p:style>
+          <a:lnRef idx="3">
+            <a:schemeClr val="accent2"/>
+          </a:lnRef>
+          <a:fillRef idx="0">
+            <a:schemeClr val="accent2"/>
+          </a:fillRef>
+          <a:effectRef idx="2">
+            <a:schemeClr val="accent2"/>
+          </a:effectRef>
+          <a:fontRef idx="minor">
+            <a:schemeClr val="tx1"/>
+          </a:fontRef>
+        </p:style>
+      </p:cxnSp>
     </p:spTree>
     <p:extLst>
       <p:ext uri="{BB962C8B-B14F-4D97-AF65-F5344CB8AC3E}">
@@ -6021,7 +6280,7 @@
           <a:p>
             <a:r>
               <a:rPr kumimoji="1" lang="en-US" altLang="zh-CN" dirty="0"/>
-              <a:t>Inference</a:t>
+              <a:t>The Recurrent Model</a:t>
             </a:r>
             <a:endParaRPr kumimoji="1" lang="zh-CN" altLang="en-US" dirty="0"/>
           </a:p>
@@ -6092,7 +6351,7 @@
           <p:cNvPr id="2" name="标题 1">
             <a:extLst>
               <a:ext uri="{FF2B5EF4-FFF2-40B4-BE49-F238E27FC236}">
-                <a16:creationId xmlns:a16="http://schemas.microsoft.com/office/drawing/2014/main" id="{EE75F1D0-F2E7-3849-A55A-93005E129438}"/>
+                <a16:creationId xmlns:a16="http://schemas.microsoft.com/office/drawing/2014/main" id="{72EC1071-3355-3141-B637-F4E6B0BAD0EE}"/>
               </a:ext>
             </a:extLst>
           </p:cNvPr>
@@ -6110,83 +6369,305 @@
           <a:p>
             <a:r>
               <a:rPr kumimoji="1" lang="en-US" altLang="zh-CN" dirty="0"/>
-              <a:t>Loss Functions</a:t>
+              <a:t>Details of Inference</a:t>
             </a:r>
             <a:endParaRPr kumimoji="1" lang="zh-CN" altLang="en-US" dirty="0"/>
           </a:p>
         </p:txBody>
       </p:sp>
-      <mc:AlternateContent xmlns:mc="http://schemas.openxmlformats.org/markup-compatibility/2006" xmlns:a14="http://schemas.microsoft.com/office/drawing/2010/main">
-        <mc:Choice Requires="a14">
+      <mc:AlternateContent xmlns:mc="http://schemas.openxmlformats.org/markup-compatibility/2006">
+        <mc:Choice xmlns:a14="http://schemas.microsoft.com/office/drawing/2010/main" Requires="a14">
           <p:sp>
             <p:nvSpPr>
-              <p:cNvPr id="3" name="内容占位符 2">
+              <p:cNvPr id="3" name="文本框 2">
                 <a:extLst>
                   <a:ext uri="{FF2B5EF4-FFF2-40B4-BE49-F238E27FC236}">
-                    <a16:creationId xmlns:a16="http://schemas.microsoft.com/office/drawing/2014/main" id="{99754BC8-6D98-0A4C-94D3-D2A259647313}"/>
+                    <a16:creationId xmlns:a16="http://schemas.microsoft.com/office/drawing/2014/main" id="{2D65F32B-28AC-DF41-A26D-BA9139BC7483}"/>
                   </a:ext>
                 </a:extLst>
               </p:cNvPr>
-              <p:cNvSpPr>
-                <a:spLocks noGrp="1"/>
-              </p:cNvSpPr>
-              <p:nvPr>
-                <p:ph idx="1"/>
-              </p:nvPr>
+              <p:cNvSpPr txBox="1"/>
+              <p:nvPr/>
             </p:nvSpPr>
-            <p:spPr/>
+            <p:spPr>
+              <a:xfrm>
+                <a:off x="841245" y="3636268"/>
+                <a:ext cx="7771087" cy="2707408"/>
+              </a:xfrm>
+              <a:prstGeom prst="rect">
+                <a:avLst/>
+              </a:prstGeom>
+              <a:noFill/>
+            </p:spPr>
             <p:txBody>
-              <a:bodyPr/>
+              <a:bodyPr wrap="square" rtlCol="0">
+                <a:spAutoFit/>
+              </a:bodyPr>
               <a:lstStyle/>
               <a:p>
-                <a:r>
-                  <a:rPr kumimoji="1" lang="en-US" altLang="zh-CN" dirty="0"/>
-                  <a:t>Uncensored data</a:t>
-                </a:r>
-              </a:p>
-              <a:p>
-                <a:pPr lvl="1"/>
-                <a:r>
-                  <a:rPr kumimoji="1" lang="en-US" altLang="zh-CN" dirty="0"/>
-                  <a:t>P.D.F. loss on the true event time </a:t>
+                <a:pPr marL="342900" indent="-342900">
+                  <a:buFont typeface="Arial" panose="020B0604020202020204" pitchFamily="34" charset="0"/>
+                  <a:buChar char="•"/>
+                </a:pPr>
+                <a:r>
+                  <a:rPr kumimoji="1" lang="en-US" altLang="zh-CN" sz="2400" dirty="0"/>
+                  <a:t>By estimating the hazard rate </a:t>
+                </a:r>
+                <a14:m>
+                  <m:oMath xmlns:m="http://schemas.openxmlformats.org/officeDocument/2006/math">
+                    <m:sSub>
+                      <m:sSubPr>
+                        <m:ctrlPr>
+                          <a:rPr kumimoji="1" lang="en-US" altLang="zh-CN" sz="2400" b="0" i="1" smtClean="0">
+                            <a:latin typeface="Cambria Math" panose="02040503050406030204" pitchFamily="18" charset="0"/>
+                          </a:rPr>
+                        </m:ctrlPr>
+                      </m:sSubPr>
+                      <m:e>
+                        <m:r>
+                          <a:rPr kumimoji="1" lang="en-US" altLang="zh-CN" sz="2400" b="0" i="1" smtClean="0">
+                            <a:latin typeface="Cambria Math" panose="02040503050406030204" pitchFamily="18" charset="0"/>
+                          </a:rPr>
+                          <m:t>h</m:t>
+                        </m:r>
+                      </m:e>
+                      <m:sub>
+                        <m:r>
+                          <a:rPr kumimoji="1" lang="en-US" altLang="zh-CN" sz="2400" b="0" i="1" smtClean="0">
+                            <a:latin typeface="Cambria Math" panose="02040503050406030204" pitchFamily="18" charset="0"/>
+                          </a:rPr>
+                          <m:t>𝑗</m:t>
+                        </m:r>
+                      </m:sub>
+                    </m:sSub>
+                    <m:r>
+                      <a:rPr kumimoji="1" lang="en-US" altLang="zh-CN" sz="2400" b="0" i="1" smtClean="0">
+                        <a:latin typeface="Cambria Math" panose="02040503050406030204" pitchFamily="18" charset="0"/>
+                      </a:rPr>
+                      <m:t>,  </m:t>
+                    </m:r>
+                    <m:r>
+                      <a:rPr kumimoji="1" lang="en-US" altLang="zh-CN" sz="2400" b="0" i="1" smtClean="0">
+                        <a:latin typeface="Cambria Math" panose="02040503050406030204" pitchFamily="18" charset="0"/>
+                      </a:rPr>
+                      <m:t>𝑗</m:t>
+                    </m:r>
+                    <m:r>
+                      <a:rPr kumimoji="1" lang="en-US" altLang="zh-CN" sz="2400" b="0" i="1" smtClean="0">
+                        <a:latin typeface="Cambria Math" panose="02040503050406030204" pitchFamily="18" charset="0"/>
+                      </a:rPr>
+                      <m:t>∈[1,</m:t>
+                    </m:r>
+                    <m:r>
+                      <a:rPr kumimoji="1" lang="en-US" altLang="zh-CN" sz="2400" b="0" i="1" smtClean="0">
+                        <a:latin typeface="Cambria Math" panose="02040503050406030204" pitchFamily="18" charset="0"/>
+                      </a:rPr>
+                      <m:t>𝑙</m:t>
+                    </m:r>
+                    <m:r>
+                      <a:rPr kumimoji="1" lang="en-US" altLang="zh-CN" sz="2400" b="0" i="1" smtClean="0">
+                        <a:latin typeface="Cambria Math" panose="02040503050406030204" pitchFamily="18" charset="0"/>
+                      </a:rPr>
+                      <m:t>]</m:t>
+                    </m:r>
+                  </m:oMath>
+                </a14:m>
+                <a:r>
+                  <a:rPr kumimoji="1" lang="en-US" altLang="zh-CN" sz="2400" dirty="0"/>
+                  <a:t>, we may get the event probability </a:t>
                 </a:r>
                 <a14:m>
                   <m:oMath xmlns:m="http://schemas.openxmlformats.org/officeDocument/2006/math">
                     <m:r>
-                      <a:rPr kumimoji="1" lang="en-US" altLang="zh-CN" b="0" i="1" smtClean="0">
+                      <a:rPr kumimoji="1" lang="en-US" altLang="zh-CN" sz="2400" b="0" i="1" smtClean="0">
+                        <a:latin typeface="Cambria Math" panose="02040503050406030204" pitchFamily="18" charset="0"/>
+                      </a:rPr>
+                      <m:t>𝑝</m:t>
+                    </m:r>
+                    <m:r>
+                      <a:rPr kumimoji="1" lang="en-US" altLang="zh-CN" sz="2400" b="0" i="1" smtClean="0">
+                        <a:latin typeface="Cambria Math" panose="02040503050406030204" pitchFamily="18" charset="0"/>
+                      </a:rPr>
+                      <m:t>(</m:t>
+                    </m:r>
+                    <m:r>
+                      <a:rPr kumimoji="1" lang="en-US" altLang="zh-CN" sz="2400" b="0" i="1" smtClean="0">
+                        <a:latin typeface="Cambria Math" panose="02040503050406030204" pitchFamily="18" charset="0"/>
+                      </a:rPr>
+                      <m:t>𝑡</m:t>
+                    </m:r>
+                    <m:r>
+                      <a:rPr kumimoji="1" lang="en-US" altLang="zh-CN" sz="2400" b="0" i="1" smtClean="0">
+                        <a:latin typeface="Cambria Math" panose="02040503050406030204" pitchFamily="18" charset="0"/>
+                      </a:rPr>
+                      <m:t>)</m:t>
+                    </m:r>
+                  </m:oMath>
+                </a14:m>
+                <a:r>
+                  <a:rPr kumimoji="1" lang="en-US" altLang="zh-CN" sz="2400" dirty="0"/>
+                  <a:t> and survival rate </a:t>
+                </a:r>
+                <a14:m>
+                  <m:oMath xmlns:m="http://schemas.openxmlformats.org/officeDocument/2006/math">
+                    <m:r>
+                      <a:rPr kumimoji="1" lang="en-US" altLang="zh-CN" sz="2400" b="0" i="1" smtClean="0">
+                        <a:latin typeface="Cambria Math" panose="02040503050406030204" pitchFamily="18" charset="0"/>
+                      </a:rPr>
+                      <m:t>𝑆</m:t>
+                    </m:r>
+                    <m:r>
+                      <a:rPr kumimoji="1" lang="en-US" altLang="zh-CN" sz="2400" b="0" i="1" smtClean="0">
+                        <a:latin typeface="Cambria Math" panose="02040503050406030204" pitchFamily="18" charset="0"/>
+                      </a:rPr>
+                      <m:t>(</m:t>
+                    </m:r>
+                    <m:r>
+                      <a:rPr kumimoji="1" lang="en-US" altLang="zh-CN" sz="2400" b="0" i="1" smtClean="0">
+                        <a:latin typeface="Cambria Math" panose="02040503050406030204" pitchFamily="18" charset="0"/>
+                      </a:rPr>
+                      <m:t>𝑡</m:t>
+                    </m:r>
+                    <m:r>
+                      <a:rPr kumimoji="1" lang="en-US" altLang="zh-CN" sz="2400" b="0" i="1" smtClean="0">
+                        <a:latin typeface="Cambria Math" panose="02040503050406030204" pitchFamily="18" charset="0"/>
+                      </a:rPr>
+                      <m:t>)</m:t>
+                    </m:r>
+                  </m:oMath>
+                </a14:m>
+                <a:r>
+                  <a:rPr kumimoji="1" lang="en-US" altLang="zh-CN" sz="2400" dirty="0"/>
+                  <a:t> through probability chain rule.</a:t>
+                </a:r>
+              </a:p>
+              <a:p>
+                <a:pPr marL="342900" indent="-342900">
+                  <a:buFont typeface="Arial" panose="020B0604020202020204" pitchFamily="34" charset="0"/>
+                  <a:buChar char="•"/>
+                </a:pPr>
+                <a:endParaRPr kumimoji="1" lang="en-US" altLang="zh-CN" sz="2400" dirty="0"/>
+              </a:p>
+              <a:p>
+                <a:pPr marL="342900" indent="-342900">
+                  <a:buFont typeface="Arial" panose="020B0604020202020204" pitchFamily="34" charset="0"/>
+                  <a:buChar char="•"/>
+                </a:pPr>
+                <a:r>
+                  <a:rPr kumimoji="1" lang="en-US" altLang="zh-CN" sz="2400" dirty="0"/>
+                  <a:t>The loss would be supervised</a:t>
+                </a:r>
+              </a:p>
+              <a:p>
+                <a:pPr marL="800100" lvl="1" indent="-342900">
+                  <a:buFont typeface="Arial" panose="020B0604020202020204" pitchFamily="34" charset="0"/>
+                  <a:buChar char="•"/>
+                </a:pPr>
+                <a:r>
+                  <a:rPr kumimoji="1" lang="en-US" altLang="zh-CN" sz="2400" dirty="0"/>
+                  <a:t>At the true event time </a:t>
+                </a:r>
+                <a14:m>
+                  <m:oMath xmlns:m="http://schemas.openxmlformats.org/officeDocument/2006/math">
+                    <m:r>
+                      <a:rPr kumimoji="1" lang="en-US" altLang="zh-CN" sz="2400" b="0" i="1" smtClean="0">
                         <a:latin typeface="Cambria Math" panose="02040503050406030204" pitchFamily="18" charset="0"/>
                       </a:rPr>
                       <m:t>𝑧</m:t>
                     </m:r>
                   </m:oMath>
                 </a14:m>
-                <a:endParaRPr kumimoji="1" lang="en-US" altLang="zh-CN" dirty="0"/>
+                <a:r>
+                  <a:rPr kumimoji="1" lang="en-US" altLang="zh-CN" sz="2400" dirty="0"/>
+                  <a:t> for the uncensored data</a:t>
+                </a:r>
+              </a:p>
+              <a:p>
+                <a:pPr marL="800100" lvl="1" indent="-342900">
+                  <a:buFont typeface="Arial" panose="020B0604020202020204" pitchFamily="34" charset="0"/>
+                  <a:buChar char="•"/>
+                </a:pPr>
+                <a:r>
+                  <a:rPr kumimoji="1" lang="en-US" altLang="zh-CN" sz="2400" dirty="0"/>
+                  <a:t>at the observing time </a:t>
+                </a:r>
+                <a14:m>
+                  <m:oMath xmlns:m="http://schemas.openxmlformats.org/officeDocument/2006/math">
+                    <m:r>
+                      <a:rPr kumimoji="1" lang="en-US" altLang="zh-CN" sz="2400" b="0" i="1" smtClean="0">
+                        <a:latin typeface="Cambria Math" panose="02040503050406030204" pitchFamily="18" charset="0"/>
+                      </a:rPr>
+                      <m:t>𝑡</m:t>
+                    </m:r>
+                    <m:r>
+                      <a:rPr kumimoji="1" lang="en-US" altLang="zh-CN" sz="2400" b="0" i="1" smtClean="0">
+                        <a:latin typeface="Cambria Math" panose="02040503050406030204" pitchFamily="18" charset="0"/>
+                      </a:rPr>
+                      <m:t>=</m:t>
+                    </m:r>
+                    <m:sSub>
+                      <m:sSubPr>
+                        <m:ctrlPr>
+                          <a:rPr kumimoji="1" lang="en-US" altLang="zh-CN" sz="2400" b="0" i="1" smtClean="0">
+                            <a:latin typeface="Cambria Math" panose="02040503050406030204" pitchFamily="18" charset="0"/>
+                          </a:rPr>
+                        </m:ctrlPr>
+                      </m:sSubPr>
+                      <m:e>
+                        <m:r>
+                          <a:rPr kumimoji="1" lang="en-US" altLang="zh-CN" sz="2400" b="0" i="1" smtClean="0">
+                            <a:latin typeface="Cambria Math" panose="02040503050406030204" pitchFamily="18" charset="0"/>
+                          </a:rPr>
+                          <m:t>𝑡</m:t>
+                        </m:r>
+                      </m:e>
+                      <m:sub>
+                        <m:r>
+                          <a:rPr kumimoji="1" lang="en-US" altLang="zh-CN" sz="2400" b="0" i="1" smtClean="0">
+                            <a:latin typeface="Cambria Math" panose="02040503050406030204" pitchFamily="18" charset="0"/>
+                          </a:rPr>
+                          <m:t>𝑙</m:t>
+                        </m:r>
+                      </m:sub>
+                    </m:sSub>
+                  </m:oMath>
+                </a14:m>
+                <a:r>
+                  <a:rPr kumimoji="1" lang="en-US" altLang="zh-CN" sz="2400" dirty="0"/>
+                  <a:t> for all the data</a:t>
+                </a:r>
+                <a:endParaRPr kumimoji="1" lang="zh-CN" altLang="en-US" sz="2400" dirty="0"/>
               </a:p>
             </p:txBody>
           </p:sp>
         </mc:Choice>
-        <mc:Fallback xmlns="">
+        <mc:Fallback>
           <p:sp>
             <p:nvSpPr>
-              <p:cNvPr id="3" name="内容占位符 2">
+              <p:cNvPr id="3" name="文本框 2">
                 <a:extLst>
                   <a:ext uri="{FF2B5EF4-FFF2-40B4-BE49-F238E27FC236}">
-                    <a16:creationId xmlns:a16="http://schemas.microsoft.com/office/drawing/2014/main" id="{99754BC8-6D98-0A4C-94D3-D2A259647313}"/>
+                    <a16:creationId xmlns:a16="http://schemas.microsoft.com/office/drawing/2014/main" id="{2D65F32B-28AC-DF41-A26D-BA9139BC7483}"/>
                   </a:ext>
                 </a:extLst>
               </p:cNvPr>
-              <p:cNvSpPr>
-                <a:spLocks noGrp="1" noRot="1" noChangeAspect="1" noMove="1" noResize="1" noEditPoints="1" noAdjustHandles="1" noChangeArrowheads="1" noChangeShapeType="1" noTextEdit="1"/>
+              <p:cNvSpPr txBox="1">
+                <a:spLocks noRot="1" noChangeAspect="1" noMove="1" noResize="1" noEditPoints="1" noAdjustHandles="1" noChangeArrowheads="1" noChangeShapeType="1" noTextEdit="1"/>
               </p:cNvSpPr>
-              <p:nvPr>
-                <p:ph idx="1"/>
-              </p:nvPr>
+              <p:nvPr/>
             </p:nvSpPr>
             <p:spPr>
+              <a:xfrm>
+                <a:off x="841245" y="3636268"/>
+                <a:ext cx="7771087" cy="2707408"/>
+              </a:xfrm>
+              <a:prstGeom prst="rect">
+                <a:avLst/>
+              </a:prstGeom>
               <a:blipFill>
                 <a:blip r:embed="rId2"/>
                 <a:stretch>
-                  <a:fillRect l="-1447" t="-2459"/>
+                  <a:fillRect l="-979" t="-930" b="-3721"/>
                 </a:stretch>
               </a:blipFill>
             </p:spPr>
@@ -6207,10 +6688,10 @@
       </mc:AlternateContent>
       <p:pic>
         <p:nvPicPr>
-          <p:cNvPr id="4" name="图片 3">
+          <p:cNvPr id="5" name="图片 4">
             <a:extLst>
               <a:ext uri="{FF2B5EF4-FFF2-40B4-BE49-F238E27FC236}">
-                <a16:creationId xmlns:a16="http://schemas.microsoft.com/office/drawing/2014/main" id="{DEEC53B0-386D-0E45-8789-4FE48EF0C0A8}"/>
+                <a16:creationId xmlns:a16="http://schemas.microsoft.com/office/drawing/2014/main" id="{4B40411E-8099-A94B-AC87-C42D5D9C44DD}"/>
               </a:ext>
             </a:extLst>
           </p:cNvPr>
@@ -6227,8 +6708,8 @@
         </p:blipFill>
         <p:spPr>
           <a:xfrm>
-            <a:off x="2051050" y="2707069"/>
-            <a:ext cx="5041900" cy="2946400"/>
+            <a:off x="2237509" y="1392198"/>
+            <a:ext cx="4668982" cy="2244070"/>
           </a:xfrm>
           <a:prstGeom prst="rect">
             <a:avLst/>
@@ -6238,7 +6719,7 @@
     </p:spTree>
     <p:extLst>
       <p:ext uri="{BB962C8B-B14F-4D97-AF65-F5344CB8AC3E}">
-        <p14:creationId xmlns:p14="http://schemas.microsoft.com/office/powerpoint/2010/main" val="3671260964"/>
+        <p14:creationId xmlns:p14="http://schemas.microsoft.com/office/powerpoint/2010/main" val="166100333"/>
       </p:ext>
     </p:extLst>
   </p:cSld>
@@ -6402,14 +6883,14 @@
           <a:p>
             <a:r>
               <a:rPr kumimoji="1" lang="en-US" altLang="zh-CN" dirty="0"/>
-              <a:t>Loss Functions (cont.)</a:t>
+              <a:t>Loss Functions (1/3)</a:t>
             </a:r>
             <a:endParaRPr kumimoji="1" lang="zh-CN" altLang="en-US" dirty="0"/>
           </a:p>
         </p:txBody>
       </p:sp>
-      <mc:AlternateContent xmlns:mc="http://schemas.openxmlformats.org/markup-compatibility/2006" xmlns:a14="http://schemas.microsoft.com/office/drawing/2010/main">
-        <mc:Choice Requires="a14">
+      <mc:AlternateContent xmlns:mc="http://schemas.openxmlformats.org/markup-compatibility/2006">
+        <mc:Choice xmlns:a14="http://schemas.microsoft.com/office/drawing/2010/main" Requires="a14">
           <p:sp>
             <p:nvSpPr>
               <p:cNvPr id="3" name="内容占位符 2">
@@ -6440,7 +6921,7 @@
                 <a:pPr lvl="1"/>
                 <a:r>
                   <a:rPr kumimoji="1" lang="en-US" altLang="zh-CN" dirty="0"/>
-                  <a:t>C.D.F. loss on the observing time </a:t>
+                  <a:t>P.D.F. loss on the true event time </a:t>
                 </a:r>
                 <a14:m>
                   <m:oMath xmlns:m="http://schemas.openxmlformats.org/officeDocument/2006/math">
@@ -6448,16 +6929,23 @@
                       <a:rPr kumimoji="1" lang="en-US" altLang="zh-CN" b="0" i="1" smtClean="0">
                         <a:latin typeface="Cambria Math" panose="02040503050406030204" pitchFamily="18" charset="0"/>
                       </a:rPr>
-                      <m:t>𝑡</m:t>
+                      <m:t>𝑧</m:t>
                     </m:r>
                   </m:oMath>
                 </a14:m>
-                <a:endParaRPr kumimoji="1" lang="en-US" altLang="zh-CN" dirty="0"/>
+                <a:endParaRPr kumimoji="1" lang="en-US" altLang="zh-CN" b="0" dirty="0"/>
+              </a:p>
+              <a:p>
+                <a:pPr lvl="1"/>
+                <a:r>
+                  <a:rPr kumimoji="1" lang="en-US" altLang="zh-CN" dirty="0"/>
+                  <a:t>Minimize the negative log likelihood</a:t>
+                </a:r>
               </a:p>
             </p:txBody>
           </p:sp>
         </mc:Choice>
-        <mc:Fallback xmlns="">
+        <mc:Fallback>
           <p:sp>
             <p:nvSpPr>
               <p:cNvPr id="3" name="内容占位符 2">
@@ -6499,10 +6987,10 @@
       </mc:AlternateContent>
       <p:pic>
         <p:nvPicPr>
-          <p:cNvPr id="5" name="图片 4">
+          <p:cNvPr id="4" name="图片 3">
             <a:extLst>
               <a:ext uri="{FF2B5EF4-FFF2-40B4-BE49-F238E27FC236}">
-                <a16:creationId xmlns:a16="http://schemas.microsoft.com/office/drawing/2014/main" id="{4AB72725-C742-EC4B-8C0B-66EB8D5C001C}"/>
+                <a16:creationId xmlns:a16="http://schemas.microsoft.com/office/drawing/2014/main" id="{DEEC53B0-386D-0E45-8789-4FE48EF0C0A8}"/>
               </a:ext>
             </a:extLst>
           </p:cNvPr>
@@ -6519,8 +7007,8 @@
         </p:blipFill>
         <p:spPr>
           <a:xfrm>
-            <a:off x="2038350" y="2787310"/>
-            <a:ext cx="5067300" cy="2120900"/>
+            <a:off x="2051050" y="2901035"/>
+            <a:ext cx="5041900" cy="2946400"/>
           </a:xfrm>
           <a:prstGeom prst="rect">
             <a:avLst/>
@@ -6530,7 +7018,7 @@
     </p:spTree>
     <p:extLst>
       <p:ext uri="{BB962C8B-B14F-4D97-AF65-F5344CB8AC3E}">
-        <p14:creationId xmlns:p14="http://schemas.microsoft.com/office/powerpoint/2010/main" val="2507188106"/>
+        <p14:creationId xmlns:p14="http://schemas.microsoft.com/office/powerpoint/2010/main" val="967189416"/>
       </p:ext>
     </p:extLst>
   </p:cSld>
@@ -6580,14 +7068,14 @@
           <a:p>
             <a:r>
               <a:rPr kumimoji="1" lang="en-US" altLang="zh-CN" dirty="0"/>
-              <a:t>Loss Functions (cont.)</a:t>
+              <a:t>Loss Functions (2/3)</a:t>
             </a:r>
             <a:endParaRPr kumimoji="1" lang="zh-CN" altLang="en-US" dirty="0"/>
           </a:p>
         </p:txBody>
       </p:sp>
-      <mc:AlternateContent xmlns:mc="http://schemas.openxmlformats.org/markup-compatibility/2006" xmlns:a14="http://schemas.microsoft.com/office/drawing/2010/main">
-        <mc:Choice Requires="a14">
+      <mc:AlternateContent xmlns:mc="http://schemas.openxmlformats.org/markup-compatibility/2006">
+        <mc:Choice xmlns:a14="http://schemas.microsoft.com/office/drawing/2010/main" Requires="a14">
           <p:sp>
             <p:nvSpPr>
               <p:cNvPr id="3" name="内容占位符 2">
@@ -6611,6 +7099,225 @@
               <a:p>
                 <a:r>
                   <a:rPr kumimoji="1" lang="en-US" altLang="zh-CN" dirty="0"/>
+                  <a:t>Uncensored data (</a:t>
+                </a:r>
+                <a14:m>
+                  <m:oMath xmlns:m="http://schemas.openxmlformats.org/officeDocument/2006/math">
+                    <m:r>
+                      <a:rPr kumimoji="1" lang="en-US" altLang="zh-CN" b="0" i="1" smtClean="0">
+                        <a:latin typeface="Cambria Math" panose="02040503050406030204" pitchFamily="18" charset="0"/>
+                      </a:rPr>
+                      <m:t>𝑧</m:t>
+                    </m:r>
+                    <m:r>
+                      <a:rPr kumimoji="1" lang="en-US" altLang="zh-CN" b="0" i="1" smtClean="0">
+                        <a:latin typeface="Cambria Math" panose="02040503050406030204" pitchFamily="18" charset="0"/>
+                      </a:rPr>
+                      <m:t>&lt;</m:t>
+                    </m:r>
+                    <m:r>
+                      <a:rPr kumimoji="1" lang="en-US" altLang="zh-CN" b="0" i="1" smtClean="0">
+                        <a:latin typeface="Cambria Math" panose="02040503050406030204" pitchFamily="18" charset="0"/>
+                      </a:rPr>
+                      <m:t>𝑡</m:t>
+                    </m:r>
+                  </m:oMath>
+                </a14:m>
+                <a:r>
+                  <a:rPr kumimoji="1" lang="en-US" altLang="zh-CN" dirty="0"/>
+                  <a:t>)</a:t>
+                </a:r>
+              </a:p>
+              <a:p>
+                <a:pPr lvl="1"/>
+                <a:r>
+                  <a:rPr kumimoji="1" lang="en-US" altLang="zh-CN" dirty="0"/>
+                  <a:t>C.D.F. loss on the observing time </a:t>
+                </a:r>
+                <a14:m>
+                  <m:oMath xmlns:m="http://schemas.openxmlformats.org/officeDocument/2006/math">
+                    <m:r>
+                      <a:rPr kumimoji="1" lang="en-US" altLang="zh-CN" b="0" i="1" smtClean="0">
+                        <a:latin typeface="Cambria Math" panose="02040503050406030204" pitchFamily="18" charset="0"/>
+                      </a:rPr>
+                      <m:t>𝑡</m:t>
+                    </m:r>
+                  </m:oMath>
+                </a14:m>
+                <a:endParaRPr kumimoji="1" lang="en-US" altLang="zh-CN" dirty="0"/>
+              </a:p>
+              <a:p>
+                <a:pPr lvl="1"/>
+                <a:r>
+                  <a:rPr kumimoji="1" lang="en-US" altLang="zh-CN" dirty="0"/>
+                  <a:t>Minimize the negative log </a:t>
+                </a:r>
+                <a:r>
+                  <a:rPr kumimoji="1" lang="en-US" altLang="zh-CN" i="1" dirty="0"/>
+                  <a:t>partial</a:t>
+                </a:r>
+                <a:r>
+                  <a:rPr kumimoji="1" lang="en-US" altLang="zh-CN" dirty="0"/>
+                  <a:t> likelihood</a:t>
+                </a:r>
+              </a:p>
+            </p:txBody>
+          </p:sp>
+        </mc:Choice>
+        <mc:Fallback>
+          <p:sp>
+            <p:nvSpPr>
+              <p:cNvPr id="3" name="内容占位符 2">
+                <a:extLst>
+                  <a:ext uri="{FF2B5EF4-FFF2-40B4-BE49-F238E27FC236}">
+                    <a16:creationId xmlns:a16="http://schemas.microsoft.com/office/drawing/2014/main" id="{99754BC8-6D98-0A4C-94D3-D2A259647313}"/>
+                  </a:ext>
+                </a:extLst>
+              </p:cNvPr>
+              <p:cNvSpPr>
+                <a:spLocks noGrp="1" noRot="1" noChangeAspect="1" noMove="1" noResize="1" noEditPoints="1" noAdjustHandles="1" noChangeArrowheads="1" noChangeShapeType="1" noTextEdit="1"/>
+              </p:cNvSpPr>
+              <p:nvPr>
+                <p:ph idx="1"/>
+              </p:nvPr>
+            </p:nvSpPr>
+            <p:spPr>
+              <a:blipFill>
+                <a:blip r:embed="rId2"/>
+                <a:stretch>
+                  <a:fillRect l="-1447" t="-2459"/>
+                </a:stretch>
+              </a:blipFill>
+            </p:spPr>
+            <p:txBody>
+              <a:bodyPr/>
+              <a:lstStyle/>
+              <a:p>
+                <a:r>
+                  <a:rPr lang="zh-CN" altLang="en-US">
+                    <a:noFill/>
+                  </a:rPr>
+                  <a:t> </a:t>
+                </a:r>
+              </a:p>
+            </p:txBody>
+          </p:sp>
+        </mc:Fallback>
+      </mc:AlternateContent>
+      <p:pic>
+        <p:nvPicPr>
+          <p:cNvPr id="5" name="图片 4">
+            <a:extLst>
+              <a:ext uri="{FF2B5EF4-FFF2-40B4-BE49-F238E27FC236}">
+                <a16:creationId xmlns:a16="http://schemas.microsoft.com/office/drawing/2014/main" id="{4AB72725-C742-EC4B-8C0B-66EB8D5C001C}"/>
+              </a:ext>
+            </a:extLst>
+          </p:cNvPr>
+          <p:cNvPicPr>
+            <a:picLocks noChangeAspect="1"/>
+          </p:cNvPicPr>
+          <p:nvPr/>
+        </p:nvPicPr>
+        <p:blipFill>
+          <a:blip r:embed="rId3"/>
+          <a:stretch>
+            <a:fillRect/>
+          </a:stretch>
+        </p:blipFill>
+        <p:spPr>
+          <a:xfrm>
+            <a:off x="1248337" y="2925859"/>
+            <a:ext cx="6647326" cy="2782214"/>
+          </a:xfrm>
+          <a:prstGeom prst="rect">
+            <a:avLst/>
+          </a:prstGeom>
+        </p:spPr>
+      </p:pic>
+    </p:spTree>
+    <p:extLst>
+      <p:ext uri="{BB962C8B-B14F-4D97-AF65-F5344CB8AC3E}">
+        <p14:creationId xmlns:p14="http://schemas.microsoft.com/office/powerpoint/2010/main" val="2507188106"/>
+      </p:ext>
+    </p:extLst>
+  </p:cSld>
+  <p:clrMapOvr>
+    <a:masterClrMapping/>
+  </p:clrMapOvr>
+</p:sld>
+</file>
+
+<file path=ppt/slides/slide22.xml><?xml version="1.0" encoding="utf-8"?>
+<p:sld xmlns:a="http://schemas.openxmlformats.org/drawingml/2006/main" xmlns:r="http://schemas.openxmlformats.org/officeDocument/2006/relationships" xmlns:p="http://schemas.openxmlformats.org/presentationml/2006/main">
+  <p:cSld>
+    <p:spTree>
+      <p:nvGrpSpPr>
+        <p:cNvPr id="1" name=""/>
+        <p:cNvGrpSpPr/>
+        <p:nvPr/>
+      </p:nvGrpSpPr>
+      <p:grpSpPr>
+        <a:xfrm>
+          <a:off x="0" y="0"/>
+          <a:ext cx="0" cy="0"/>
+          <a:chOff x="0" y="0"/>
+          <a:chExt cx="0" cy="0"/>
+        </a:xfrm>
+      </p:grpSpPr>
+      <p:sp>
+        <p:nvSpPr>
+          <p:cNvPr id="2" name="标题 1">
+            <a:extLst>
+              <a:ext uri="{FF2B5EF4-FFF2-40B4-BE49-F238E27FC236}">
+                <a16:creationId xmlns:a16="http://schemas.microsoft.com/office/drawing/2014/main" id="{EE75F1D0-F2E7-3849-A55A-93005E129438}"/>
+              </a:ext>
+            </a:extLst>
+          </p:cNvPr>
+          <p:cNvSpPr>
+            <a:spLocks noGrp="1"/>
+          </p:cNvSpPr>
+          <p:nvPr>
+            <p:ph type="title"/>
+          </p:nvPr>
+        </p:nvSpPr>
+        <p:spPr/>
+        <p:txBody>
+          <a:bodyPr/>
+          <a:lstStyle/>
+          <a:p>
+            <a:r>
+              <a:rPr kumimoji="1" lang="en-US" altLang="zh-CN" dirty="0"/>
+              <a:t>Loss Functions (3/3)</a:t>
+            </a:r>
+            <a:endParaRPr kumimoji="1" lang="zh-CN" altLang="en-US" dirty="0"/>
+          </a:p>
+        </p:txBody>
+      </p:sp>
+      <mc:AlternateContent xmlns:mc="http://schemas.openxmlformats.org/markup-compatibility/2006">
+        <mc:Choice xmlns:a14="http://schemas.microsoft.com/office/drawing/2010/main" Requires="a14">
+          <p:sp>
+            <p:nvSpPr>
+              <p:cNvPr id="3" name="内容占位符 2">
+                <a:extLst>
+                  <a:ext uri="{FF2B5EF4-FFF2-40B4-BE49-F238E27FC236}">
+                    <a16:creationId xmlns:a16="http://schemas.microsoft.com/office/drawing/2014/main" id="{99754BC8-6D98-0A4C-94D3-D2A259647313}"/>
+                  </a:ext>
+                </a:extLst>
+              </p:cNvPr>
+              <p:cNvSpPr>
+                <a:spLocks noGrp="1"/>
+              </p:cNvSpPr>
+              <p:nvPr>
+                <p:ph idx="1"/>
+              </p:nvPr>
+            </p:nvSpPr>
+            <p:spPr/>
+            <p:txBody>
+              <a:bodyPr/>
+              <a:lstStyle/>
+              <a:p>
+                <a:r>
+                  <a:rPr kumimoji="1" lang="en-US" altLang="zh-CN" dirty="0"/>
                   <a:t>Censored data (</a:t>
                 </a:r>
                 <a14:m>
@@ -6625,7 +7332,7 @@
                 </a14:m>
                 <a:r>
                   <a:rPr kumimoji="1" lang="en-US" altLang="zh-CN" dirty="0"/>
-                  <a:t> is unknown while </a:t>
+                  <a:t> is unknown since </a:t>
                 </a:r>
                 <a14:m>
                   <m:oMath xmlns:m="http://schemas.openxmlformats.org/officeDocument/2006/math">
@@ -6688,13 +7395,20 @@
                 <a:pPr lvl="1"/>
                 <a:r>
                   <a:rPr kumimoji="1" lang="en-US" altLang="zh-CN" dirty="0"/>
+                  <a:t>Minimize the negative log partial likelihood</a:t>
+                </a:r>
+              </a:p>
+              <a:p>
+                <a:pPr lvl="1"/>
+                <a:r>
+                  <a:rPr kumimoji="1" lang="en-US" altLang="zh-CN" dirty="0"/>
                   <a:t>Unbiased learning</a:t>
                 </a:r>
               </a:p>
             </p:txBody>
           </p:sp>
         </mc:Choice>
-        <mc:Fallback xmlns="">
+        <mc:Fallback>
           <p:sp>
             <p:nvSpPr>
               <p:cNvPr id="3" name="内容占位符 2">
@@ -6756,8 +7470,8 @@
         </p:blipFill>
         <p:spPr>
           <a:xfrm>
-            <a:off x="2343150" y="3325328"/>
-            <a:ext cx="4457700" cy="2070100"/>
+            <a:off x="1621019" y="3436166"/>
+            <a:ext cx="5901962" cy="2740797"/>
           </a:xfrm>
           <a:prstGeom prst="rect">
             <a:avLst/>
@@ -6777,7 +7491,7 @@
 </p:sld>
 </file>
 
-<file path=ppt/slides/slide22.xml><?xml version="1.0" encoding="utf-8"?>
+<file path=ppt/slides/slide23.xml><?xml version="1.0" encoding="utf-8"?>
 <p:sld xmlns:a="http://schemas.openxmlformats.org/drawingml/2006/main" xmlns:r="http://schemas.openxmlformats.org/officeDocument/2006/relationships" xmlns:p="http://schemas.openxmlformats.org/presentationml/2006/main">
   <p:cSld>
     <p:spTree>
@@ -6794,8 +7508,1241 @@
           <a:chExt cx="0" cy="0"/>
         </a:xfrm>
       </p:grpSpPr>
+      <p:sp>
+        <p:nvSpPr>
+          <p:cNvPr id="2" name="标题 1">
+            <a:extLst>
+              <a:ext uri="{FF2B5EF4-FFF2-40B4-BE49-F238E27FC236}">
+                <a16:creationId xmlns:a16="http://schemas.microsoft.com/office/drawing/2014/main" id="{EE75F1D0-F2E7-3849-A55A-93005E129438}"/>
+              </a:ext>
+            </a:extLst>
+          </p:cNvPr>
+          <p:cNvSpPr>
+            <a:spLocks noGrp="1"/>
+          </p:cNvSpPr>
+          <p:nvPr>
+            <p:ph type="title"/>
+          </p:nvPr>
+        </p:nvSpPr>
+        <p:spPr/>
+        <p:txBody>
+          <a:bodyPr/>
+          <a:lstStyle/>
+          <a:p>
+            <a:r>
+              <a:rPr kumimoji="1" lang="en-US" altLang="zh-CN" dirty="0"/>
+              <a:t>Loss Functions (cont.)</a:t>
+            </a:r>
+            <a:endParaRPr kumimoji="1" lang="zh-CN" altLang="en-US" dirty="0"/>
+          </a:p>
+        </p:txBody>
+      </p:sp>
+      <p:sp>
+        <p:nvSpPr>
+          <p:cNvPr id="3" name="内容占位符 2">
+            <a:extLst>
+              <a:ext uri="{FF2B5EF4-FFF2-40B4-BE49-F238E27FC236}">
+                <a16:creationId xmlns:a16="http://schemas.microsoft.com/office/drawing/2014/main" id="{99754BC8-6D98-0A4C-94D3-D2A259647313}"/>
+              </a:ext>
+            </a:extLst>
+          </p:cNvPr>
+          <p:cNvSpPr>
+            <a:spLocks noGrp="1"/>
+          </p:cNvSpPr>
+          <p:nvPr>
+            <p:ph idx="1"/>
+          </p:nvPr>
+        </p:nvSpPr>
+        <p:spPr/>
+        <p:txBody>
+          <a:bodyPr/>
+          <a:lstStyle/>
+          <a:p>
+            <a:r>
+              <a:rPr kumimoji="1" lang="en-US" altLang="zh-CN" dirty="0"/>
+              <a:t>Three losses</a:t>
+            </a:r>
+          </a:p>
+        </p:txBody>
+      </p:sp>
+      <mc:AlternateContent xmlns:mc="http://schemas.openxmlformats.org/markup-compatibility/2006">
+        <mc:Choice xmlns:a14="http://schemas.microsoft.com/office/drawing/2010/main" Requires="a14">
+          <p:sp>
+            <p:nvSpPr>
+              <p:cNvPr id="4" name="矩形 3">
+                <a:extLst>
+                  <a:ext uri="{FF2B5EF4-FFF2-40B4-BE49-F238E27FC236}">
+                    <a16:creationId xmlns:a16="http://schemas.microsoft.com/office/drawing/2014/main" id="{A3451415-36EE-A542-BFF6-03D6484A5CC1}"/>
+                  </a:ext>
+                </a:extLst>
+              </p:cNvPr>
+              <p:cNvSpPr/>
+              <p:nvPr/>
+            </p:nvSpPr>
+            <p:spPr>
+              <a:xfrm>
+                <a:off x="734291" y="3091934"/>
+                <a:ext cx="7675417" cy="707886"/>
+              </a:xfrm>
+              <a:prstGeom prst="rect">
+                <a:avLst/>
+              </a:prstGeom>
+            </p:spPr>
+            <p:txBody>
+              <a:bodyPr wrap="square">
+                <a:spAutoFit/>
+              </a:bodyPr>
+              <a:lstStyle/>
+              <a:p>
+                <a14:m>
+                  <m:oMathPara xmlns:m="http://schemas.openxmlformats.org/officeDocument/2006/math">
+                    <m:oMathParaPr>
+                      <m:jc m:val="centerGroup"/>
+                    </m:oMathParaPr>
+                    <m:oMath xmlns:m="http://schemas.openxmlformats.org/officeDocument/2006/math">
+                      <m:r>
+                        <a:rPr kumimoji="1" lang="en-US" altLang="zh-CN" sz="4000" i="1">
+                          <a:latin typeface="Cambria Math" panose="02040503050406030204" pitchFamily="18" charset="0"/>
+                        </a:rPr>
+                        <m:t>𝐿</m:t>
+                      </m:r>
+                      <m:r>
+                        <a:rPr kumimoji="1" lang="en-US" altLang="zh-CN" sz="4000" i="1">
+                          <a:latin typeface="Cambria Math" panose="02040503050406030204" pitchFamily="18" charset="0"/>
+                        </a:rPr>
+                        <m:t>=</m:t>
+                      </m:r>
+                      <m:sSub>
+                        <m:sSubPr>
+                          <m:ctrlPr>
+                            <a:rPr kumimoji="1" lang="en-US" altLang="zh-CN" sz="4000" i="1">
+                              <a:latin typeface="Cambria Math" panose="02040503050406030204" pitchFamily="18" charset="0"/>
+                            </a:rPr>
+                          </m:ctrlPr>
+                        </m:sSubPr>
+                        <m:e>
+                          <m:r>
+                            <a:rPr kumimoji="1" lang="en-US" altLang="zh-CN" sz="4000" i="1">
+                              <a:latin typeface="Cambria Math" panose="02040503050406030204" pitchFamily="18" charset="0"/>
+                            </a:rPr>
+                            <m:t>𝐿</m:t>
+                          </m:r>
+                        </m:e>
+                        <m:sub>
+                          <m:r>
+                            <a:rPr kumimoji="1" lang="en-US" altLang="zh-CN" sz="4000" i="1">
+                              <a:latin typeface="Cambria Math" panose="02040503050406030204" pitchFamily="18" charset="0"/>
+                            </a:rPr>
+                            <m:t>𝑧</m:t>
+                          </m:r>
+                        </m:sub>
+                      </m:sSub>
+                      <m:r>
+                        <a:rPr kumimoji="1" lang="en-US" altLang="zh-CN" sz="4000" i="1">
+                          <a:latin typeface="Cambria Math" panose="02040503050406030204" pitchFamily="18" charset="0"/>
+                        </a:rPr>
+                        <m:t>+</m:t>
+                      </m:r>
+                      <m:sSub>
+                        <m:sSubPr>
+                          <m:ctrlPr>
+                            <a:rPr kumimoji="1" lang="en-US" altLang="zh-CN" sz="4000" i="1">
+                              <a:latin typeface="Cambria Math" panose="02040503050406030204" pitchFamily="18" charset="0"/>
+                            </a:rPr>
+                          </m:ctrlPr>
+                        </m:sSubPr>
+                        <m:e>
+                          <m:r>
+                            <a:rPr kumimoji="1" lang="en-US" altLang="zh-CN" sz="4000" i="1">
+                              <a:latin typeface="Cambria Math" panose="02040503050406030204" pitchFamily="18" charset="0"/>
+                            </a:rPr>
+                            <m:t>𝐿</m:t>
+                          </m:r>
+                        </m:e>
+                        <m:sub>
+                          <m:r>
+                            <a:rPr kumimoji="1" lang="en-US" altLang="zh-CN" sz="4000" i="1">
+                              <a:latin typeface="Cambria Math" panose="02040503050406030204" pitchFamily="18" charset="0"/>
+                            </a:rPr>
+                            <m:t>𝑢𝑛𝑐𝑒𝑛𝑠𝑜𝑟𝑒𝑑</m:t>
+                          </m:r>
+                        </m:sub>
+                      </m:sSub>
+                      <m:r>
+                        <a:rPr kumimoji="1" lang="en-US" altLang="zh-CN" sz="4000" i="1">
+                          <a:latin typeface="Cambria Math" panose="02040503050406030204" pitchFamily="18" charset="0"/>
+                        </a:rPr>
+                        <m:t>+</m:t>
+                      </m:r>
+                      <m:sSub>
+                        <m:sSubPr>
+                          <m:ctrlPr>
+                            <a:rPr kumimoji="1" lang="en-US" altLang="zh-CN" sz="4000" i="1">
+                              <a:latin typeface="Cambria Math" panose="02040503050406030204" pitchFamily="18" charset="0"/>
+                            </a:rPr>
+                          </m:ctrlPr>
+                        </m:sSubPr>
+                        <m:e>
+                          <m:r>
+                            <a:rPr kumimoji="1" lang="en-US" altLang="zh-CN" sz="4000" i="1">
+                              <a:latin typeface="Cambria Math" panose="02040503050406030204" pitchFamily="18" charset="0"/>
+                            </a:rPr>
+                            <m:t>𝐿</m:t>
+                          </m:r>
+                        </m:e>
+                        <m:sub>
+                          <m:r>
+                            <a:rPr kumimoji="1" lang="en-US" altLang="zh-CN" sz="4000" i="1">
+                              <a:latin typeface="Cambria Math" panose="02040503050406030204" pitchFamily="18" charset="0"/>
+                            </a:rPr>
+                            <m:t>𝑐𝑒𝑛𝑠𝑜𝑟𝑒𝑑</m:t>
+                          </m:r>
+                        </m:sub>
+                      </m:sSub>
+                    </m:oMath>
+                  </m:oMathPara>
+                </a14:m>
+                <a:endParaRPr kumimoji="1" lang="en-US" altLang="zh-CN" sz="4000" dirty="0"/>
+              </a:p>
+            </p:txBody>
+          </p:sp>
+        </mc:Choice>
+        <mc:Fallback>
+          <p:sp>
+            <p:nvSpPr>
+              <p:cNvPr id="4" name="矩形 3">
+                <a:extLst>
+                  <a:ext uri="{FF2B5EF4-FFF2-40B4-BE49-F238E27FC236}">
+                    <a16:creationId xmlns:a16="http://schemas.microsoft.com/office/drawing/2014/main" id="{A3451415-36EE-A542-BFF6-03D6484A5CC1}"/>
+                  </a:ext>
+                </a:extLst>
+              </p:cNvPr>
+              <p:cNvSpPr>
+                <a:spLocks noRot="1" noChangeAspect="1" noMove="1" noResize="1" noEditPoints="1" noAdjustHandles="1" noChangeArrowheads="1" noChangeShapeType="1" noTextEdit="1"/>
+              </p:cNvSpPr>
+              <p:nvPr/>
+            </p:nvSpPr>
+            <p:spPr>
+              <a:xfrm>
+                <a:off x="734291" y="3091934"/>
+                <a:ext cx="7675417" cy="707886"/>
+              </a:xfrm>
+              <a:prstGeom prst="rect">
+                <a:avLst/>
+              </a:prstGeom>
+              <a:blipFill>
+                <a:blip r:embed="rId2"/>
+                <a:stretch>
+                  <a:fillRect b="-7018"/>
+                </a:stretch>
+              </a:blipFill>
+            </p:spPr>
+            <p:txBody>
+              <a:bodyPr/>
+              <a:lstStyle/>
+              <a:p>
+                <a:r>
+                  <a:rPr lang="zh-CN" altLang="en-US">
+                    <a:noFill/>
+                  </a:rPr>
+                  <a:t> </a:t>
+                </a:r>
+              </a:p>
+            </p:txBody>
+          </p:sp>
+        </mc:Fallback>
+      </mc:AlternateContent>
+      <p:sp>
+        <p:nvSpPr>
+          <p:cNvPr id="6" name="左大括号 5">
+            <a:extLst>
+              <a:ext uri="{FF2B5EF4-FFF2-40B4-BE49-F238E27FC236}">
+                <a16:creationId xmlns:a16="http://schemas.microsoft.com/office/drawing/2014/main" id="{F2D759E4-F9A0-4A4A-B3FC-069C1B2E8531}"/>
+              </a:ext>
+            </a:extLst>
+          </p:cNvPr>
+          <p:cNvSpPr/>
+          <p:nvPr/>
+        </p:nvSpPr>
+        <p:spPr>
+          <a:xfrm rot="5400000">
+            <a:off x="3514370" y="1189179"/>
+            <a:ext cx="457200" cy="3514569"/>
+          </a:xfrm>
+          <a:prstGeom prst="leftBrace">
+            <a:avLst/>
+          </a:prstGeom>
+          <a:ln>
+            <a:solidFill>
+              <a:schemeClr val="bg1">
+                <a:lumMod val="50000"/>
+              </a:schemeClr>
+            </a:solidFill>
+          </a:ln>
+        </p:spPr>
+        <p:style>
+          <a:lnRef idx="1">
+            <a:schemeClr val="accent1"/>
+          </a:lnRef>
+          <a:fillRef idx="0">
+            <a:schemeClr val="accent1"/>
+          </a:fillRef>
+          <a:effectRef idx="0">
+            <a:schemeClr val="accent1"/>
+          </a:effectRef>
+          <a:fontRef idx="minor">
+            <a:schemeClr val="tx1"/>
+          </a:fontRef>
+        </p:style>
+        <p:txBody>
+          <a:bodyPr rtlCol="0" anchor="ctr"/>
+          <a:lstStyle/>
+          <a:p>
+            <a:pPr algn="ctr"/>
+            <a:endParaRPr kumimoji="1" lang="zh-CN" altLang="en-US" sz="2000">
+              <a:ln>
+                <a:solidFill>
+                  <a:sysClr val="windowText" lastClr="000000"/>
+                </a:solidFill>
+              </a:ln>
+              <a:solidFill>
+                <a:schemeClr val="bg1">
+                  <a:lumMod val="50000"/>
+                </a:schemeClr>
+              </a:solidFill>
+            </a:endParaRPr>
+          </a:p>
+        </p:txBody>
+      </p:sp>
+      <p:sp>
+        <p:nvSpPr>
+          <p:cNvPr id="7" name="文本框 6">
+            <a:extLst>
+              <a:ext uri="{FF2B5EF4-FFF2-40B4-BE49-F238E27FC236}">
+                <a16:creationId xmlns:a16="http://schemas.microsoft.com/office/drawing/2014/main" id="{49AF75DD-D399-ED4D-9929-AE30EDAABB6E}"/>
+              </a:ext>
+            </a:extLst>
+          </p:cNvPr>
+          <p:cNvSpPr txBox="1"/>
+          <p:nvPr/>
+        </p:nvSpPr>
+        <p:spPr>
+          <a:xfrm>
+            <a:off x="2607979" y="2270892"/>
+            <a:ext cx="2339615" cy="461665"/>
+          </a:xfrm>
+          <a:prstGeom prst="rect">
+            <a:avLst/>
+          </a:prstGeom>
+          <a:noFill/>
+        </p:spPr>
+        <p:txBody>
+          <a:bodyPr wrap="none" rtlCol="0">
+            <a:spAutoFit/>
+          </a:bodyPr>
+          <a:lstStyle/>
+          <a:p>
+            <a:r>
+              <a:rPr kumimoji="1" lang="en-US" altLang="zh-CN" sz="2400" dirty="0">
+                <a:solidFill>
+                  <a:schemeClr val="accent6">
+                    <a:lumMod val="75000"/>
+                  </a:schemeClr>
+                </a:solidFill>
+              </a:rPr>
+              <a:t>Uncensored Data</a:t>
+            </a:r>
+            <a:endParaRPr kumimoji="1" lang="zh-CN" altLang="en-US" sz="2400" dirty="0">
+              <a:solidFill>
+                <a:schemeClr val="accent6">
+                  <a:lumMod val="75000"/>
+                </a:schemeClr>
+              </a:solidFill>
+            </a:endParaRPr>
+          </a:p>
+        </p:txBody>
+      </p:sp>
+      <p:sp>
+        <p:nvSpPr>
+          <p:cNvPr id="8" name="左大括号 7">
+            <a:extLst>
+              <a:ext uri="{FF2B5EF4-FFF2-40B4-BE49-F238E27FC236}">
+                <a16:creationId xmlns:a16="http://schemas.microsoft.com/office/drawing/2014/main" id="{C0715DD5-7C8E-C042-B654-07FC1731CA9B}"/>
+              </a:ext>
+            </a:extLst>
+          </p:cNvPr>
+          <p:cNvSpPr/>
+          <p:nvPr/>
+        </p:nvSpPr>
+        <p:spPr>
+          <a:xfrm rot="5400000">
+            <a:off x="6894883" y="2048861"/>
+            <a:ext cx="457200" cy="1824312"/>
+          </a:xfrm>
+          <a:prstGeom prst="leftBrace">
+            <a:avLst/>
+          </a:prstGeom>
+          <a:ln>
+            <a:solidFill>
+              <a:schemeClr val="bg1">
+                <a:lumMod val="50000"/>
+              </a:schemeClr>
+            </a:solidFill>
+          </a:ln>
+        </p:spPr>
+        <p:style>
+          <a:lnRef idx="1">
+            <a:schemeClr val="accent1"/>
+          </a:lnRef>
+          <a:fillRef idx="0">
+            <a:schemeClr val="accent1"/>
+          </a:fillRef>
+          <a:effectRef idx="0">
+            <a:schemeClr val="accent1"/>
+          </a:effectRef>
+          <a:fontRef idx="minor">
+            <a:schemeClr val="tx1"/>
+          </a:fontRef>
+        </p:style>
+        <p:txBody>
+          <a:bodyPr rtlCol="0" anchor="ctr"/>
+          <a:lstStyle/>
+          <a:p>
+            <a:pPr algn="ctr"/>
+            <a:endParaRPr kumimoji="1" lang="zh-CN" altLang="en-US" sz="2000">
+              <a:ln>
+                <a:solidFill>
+                  <a:sysClr val="windowText" lastClr="000000"/>
+                </a:solidFill>
+              </a:ln>
+              <a:solidFill>
+                <a:sysClr val="windowText" lastClr="000000"/>
+              </a:solidFill>
+            </a:endParaRPr>
+          </a:p>
+        </p:txBody>
+      </p:sp>
+      <p:sp>
+        <p:nvSpPr>
+          <p:cNvPr id="9" name="文本框 8">
+            <a:extLst>
+              <a:ext uri="{FF2B5EF4-FFF2-40B4-BE49-F238E27FC236}">
+                <a16:creationId xmlns:a16="http://schemas.microsoft.com/office/drawing/2014/main" id="{756F10EB-0F29-7A49-975A-D665D46CA8AD}"/>
+              </a:ext>
+            </a:extLst>
+          </p:cNvPr>
+          <p:cNvSpPr txBox="1"/>
+          <p:nvPr/>
+        </p:nvSpPr>
+        <p:spPr>
+          <a:xfrm>
+            <a:off x="6103838" y="2270892"/>
+            <a:ext cx="2039289" cy="461665"/>
+          </a:xfrm>
+          <a:prstGeom prst="rect">
+            <a:avLst/>
+          </a:prstGeom>
+          <a:noFill/>
+        </p:spPr>
+        <p:txBody>
+          <a:bodyPr wrap="square" rtlCol="0">
+            <a:spAutoFit/>
+          </a:bodyPr>
+          <a:lstStyle/>
+          <a:p>
+            <a:r>
+              <a:rPr kumimoji="1" lang="en-US" altLang="zh-CN" sz="2400" dirty="0">
+                <a:solidFill>
+                  <a:srgbClr val="FF0000"/>
+                </a:solidFill>
+              </a:rPr>
+              <a:t>Censored Data</a:t>
+            </a:r>
+            <a:endParaRPr kumimoji="1" lang="zh-CN" altLang="en-US" sz="2400" dirty="0">
+              <a:solidFill>
+                <a:srgbClr val="FF0000"/>
+              </a:solidFill>
+            </a:endParaRPr>
+          </a:p>
+        </p:txBody>
+      </p:sp>
+      <p:sp>
+        <p:nvSpPr>
+          <p:cNvPr id="10" name="左大括号 9">
+            <a:extLst>
+              <a:ext uri="{FF2B5EF4-FFF2-40B4-BE49-F238E27FC236}">
+                <a16:creationId xmlns:a16="http://schemas.microsoft.com/office/drawing/2014/main" id="{AD4787DF-964C-F041-A8F5-6DD2743C86FA}"/>
+              </a:ext>
+            </a:extLst>
+          </p:cNvPr>
+          <p:cNvSpPr/>
+          <p:nvPr/>
+        </p:nvSpPr>
+        <p:spPr>
+          <a:xfrm rot="16200000">
+            <a:off x="2115369" y="3711102"/>
+            <a:ext cx="278870" cy="538237"/>
+          </a:xfrm>
+          <a:prstGeom prst="leftBrace">
+            <a:avLst/>
+          </a:prstGeom>
+          <a:ln>
+            <a:solidFill>
+              <a:schemeClr val="bg1">
+                <a:lumMod val="50000"/>
+              </a:schemeClr>
+            </a:solidFill>
+          </a:ln>
+        </p:spPr>
+        <p:style>
+          <a:lnRef idx="1">
+            <a:schemeClr val="accent1"/>
+          </a:lnRef>
+          <a:fillRef idx="0">
+            <a:schemeClr val="accent1"/>
+          </a:fillRef>
+          <a:effectRef idx="0">
+            <a:schemeClr val="accent1"/>
+          </a:effectRef>
+          <a:fontRef idx="minor">
+            <a:schemeClr val="tx1"/>
+          </a:fontRef>
+        </p:style>
+        <p:txBody>
+          <a:bodyPr rtlCol="0" anchor="ctr"/>
+          <a:lstStyle/>
+          <a:p>
+            <a:pPr algn="ctr"/>
+            <a:endParaRPr kumimoji="1" lang="zh-CN" altLang="en-US" sz="2000">
+              <a:ln>
+                <a:solidFill>
+                  <a:sysClr val="windowText" lastClr="000000"/>
+                </a:solidFill>
+              </a:ln>
+              <a:solidFill>
+                <a:sysClr val="windowText" lastClr="000000"/>
+              </a:solidFill>
+            </a:endParaRPr>
+          </a:p>
+        </p:txBody>
+      </p:sp>
+      <p:sp>
+        <p:nvSpPr>
+          <p:cNvPr id="11" name="文本框 10">
+            <a:extLst>
+              <a:ext uri="{FF2B5EF4-FFF2-40B4-BE49-F238E27FC236}">
+                <a16:creationId xmlns:a16="http://schemas.microsoft.com/office/drawing/2014/main" id="{6E26D104-76BD-4D4F-BBAC-3F8ECADBA36F}"/>
+              </a:ext>
+            </a:extLst>
+          </p:cNvPr>
+          <p:cNvSpPr txBox="1"/>
+          <p:nvPr/>
+        </p:nvSpPr>
+        <p:spPr>
+          <a:xfrm>
+            <a:off x="1645560" y="4160035"/>
+            <a:ext cx="1430071" cy="461665"/>
+          </a:xfrm>
+          <a:prstGeom prst="rect">
+            <a:avLst/>
+          </a:prstGeom>
+          <a:noFill/>
+        </p:spPr>
+        <p:txBody>
+          <a:bodyPr wrap="none" rtlCol="0">
+            <a:spAutoFit/>
+          </a:bodyPr>
+          <a:lstStyle/>
+          <a:p>
+            <a:r>
+              <a:rPr kumimoji="1" lang="en-US" altLang="zh-CN" sz="2400" dirty="0"/>
+              <a:t>P.D.F. Loss</a:t>
+            </a:r>
+            <a:endParaRPr kumimoji="1" lang="zh-CN" altLang="en-US" sz="2400" dirty="0"/>
+          </a:p>
+        </p:txBody>
+      </p:sp>
+      <p:sp>
+        <p:nvSpPr>
+          <p:cNvPr id="12" name="左大括号 11">
+            <a:extLst>
+              <a:ext uri="{FF2B5EF4-FFF2-40B4-BE49-F238E27FC236}">
+                <a16:creationId xmlns:a16="http://schemas.microsoft.com/office/drawing/2014/main" id="{16C15AE2-DC30-6A48-B9F4-91FBADB3576C}"/>
+              </a:ext>
+            </a:extLst>
+          </p:cNvPr>
+          <p:cNvSpPr/>
+          <p:nvPr/>
+        </p:nvSpPr>
+        <p:spPr>
+          <a:xfrm rot="16200000">
+            <a:off x="5412605" y="1522446"/>
+            <a:ext cx="330517" cy="4915550"/>
+          </a:xfrm>
+          <a:prstGeom prst="leftBrace">
+            <a:avLst/>
+          </a:prstGeom>
+          <a:ln>
+            <a:solidFill>
+              <a:schemeClr val="bg1">
+                <a:lumMod val="50000"/>
+              </a:schemeClr>
+            </a:solidFill>
+          </a:ln>
+        </p:spPr>
+        <p:style>
+          <a:lnRef idx="1">
+            <a:schemeClr val="accent1"/>
+          </a:lnRef>
+          <a:fillRef idx="0">
+            <a:schemeClr val="accent1"/>
+          </a:fillRef>
+          <a:effectRef idx="0">
+            <a:schemeClr val="accent1"/>
+          </a:effectRef>
+          <a:fontRef idx="minor">
+            <a:schemeClr val="tx1"/>
+          </a:fontRef>
+        </p:style>
+        <p:txBody>
+          <a:bodyPr rtlCol="0" anchor="ctr"/>
+          <a:lstStyle/>
+          <a:p>
+            <a:pPr algn="ctr"/>
+            <a:endParaRPr kumimoji="1" lang="zh-CN" altLang="en-US" sz="2000">
+              <a:ln>
+                <a:solidFill>
+                  <a:sysClr val="windowText" lastClr="000000"/>
+                </a:solidFill>
+              </a:ln>
+              <a:solidFill>
+                <a:sysClr val="windowText" lastClr="000000"/>
+              </a:solidFill>
+            </a:endParaRPr>
+          </a:p>
+        </p:txBody>
+      </p:sp>
+      <p:sp>
+        <p:nvSpPr>
+          <p:cNvPr id="13" name="文本框 12">
+            <a:extLst>
+              <a:ext uri="{FF2B5EF4-FFF2-40B4-BE49-F238E27FC236}">
+                <a16:creationId xmlns:a16="http://schemas.microsoft.com/office/drawing/2014/main" id="{693B7803-D33F-3C40-B3F1-6C533B50901F}"/>
+              </a:ext>
+            </a:extLst>
+          </p:cNvPr>
+          <p:cNvSpPr txBox="1"/>
+          <p:nvPr/>
+        </p:nvSpPr>
+        <p:spPr>
+          <a:xfrm>
+            <a:off x="4947594" y="4160035"/>
+            <a:ext cx="1474121" cy="461665"/>
+          </a:xfrm>
+          <a:prstGeom prst="rect">
+            <a:avLst/>
+          </a:prstGeom>
+          <a:noFill/>
+        </p:spPr>
+        <p:txBody>
+          <a:bodyPr wrap="none" rtlCol="0">
+            <a:spAutoFit/>
+          </a:bodyPr>
+          <a:lstStyle/>
+          <a:p>
+            <a:r>
+              <a:rPr kumimoji="1" lang="en-US" altLang="zh-CN" sz="2400" dirty="0"/>
+              <a:t>C.D.F. Loss</a:t>
+            </a:r>
+            <a:endParaRPr kumimoji="1" lang="zh-CN" altLang="en-US" sz="2400" dirty="0"/>
+          </a:p>
+        </p:txBody>
+      </p:sp>
+    </p:spTree>
+    <p:extLst>
+      <p:ext uri="{BB962C8B-B14F-4D97-AF65-F5344CB8AC3E}">
+        <p14:creationId xmlns:p14="http://schemas.microsoft.com/office/powerpoint/2010/main" val="2581401070"/>
+      </p:ext>
+    </p:extLst>
+  </p:cSld>
+  <p:clrMapOvr>
+    <a:masterClrMapping/>
+  </p:clrMapOvr>
+</p:sld>
+</file>
+
+<file path=ppt/slides/slide24.xml><?xml version="1.0" encoding="utf-8"?>
+<p:sld xmlns:a="http://schemas.openxmlformats.org/drawingml/2006/main" xmlns:r="http://schemas.openxmlformats.org/officeDocument/2006/relationships" xmlns:p="http://schemas.openxmlformats.org/presentationml/2006/main">
+  <p:cSld>
+    <p:spTree>
+      <p:nvGrpSpPr>
+        <p:cNvPr id="1" name=""/>
+        <p:cNvGrpSpPr/>
+        <p:nvPr/>
+      </p:nvGrpSpPr>
+      <p:grpSpPr>
+        <a:xfrm>
+          <a:off x="0" y="0"/>
+          <a:ext cx="0" cy="0"/>
+          <a:chOff x="0" y="0"/>
+          <a:chExt cx="0" cy="0"/>
+        </a:xfrm>
+      </p:grpSpPr>
+      <p:sp>
+        <p:nvSpPr>
+          <p:cNvPr id="2" name="标题 1">
+            <a:extLst>
+              <a:ext uri="{FF2B5EF4-FFF2-40B4-BE49-F238E27FC236}">
+                <a16:creationId xmlns:a16="http://schemas.microsoft.com/office/drawing/2014/main" id="{B5272BD6-26B4-AB4F-8ABE-802AA1404315}"/>
+              </a:ext>
+            </a:extLst>
+          </p:cNvPr>
+          <p:cNvSpPr>
+            <a:spLocks noGrp="1"/>
+          </p:cNvSpPr>
+          <p:nvPr>
+            <p:ph type="title"/>
+          </p:nvPr>
+        </p:nvSpPr>
+        <p:spPr/>
+        <p:txBody>
+          <a:bodyPr/>
+          <a:lstStyle/>
+          <a:p>
+            <a:r>
+              <a:rPr kumimoji="1" lang="en-US" altLang="zh-CN" dirty="0"/>
+              <a:t>Intuition behind C.D.F. Losses</a:t>
+            </a:r>
+            <a:endParaRPr kumimoji="1" lang="zh-CN" altLang="en-US" dirty="0"/>
+          </a:p>
+        </p:txBody>
+      </p:sp>
+      <p:pic>
+        <p:nvPicPr>
+          <p:cNvPr id="5" name="内容占位符 4">
+            <a:extLst>
+              <a:ext uri="{FF2B5EF4-FFF2-40B4-BE49-F238E27FC236}">
+                <a16:creationId xmlns:a16="http://schemas.microsoft.com/office/drawing/2014/main" id="{7EB79CF0-4E84-914D-A344-47B829766392}"/>
+              </a:ext>
+            </a:extLst>
+          </p:cNvPr>
+          <p:cNvPicPr>
+            <a:picLocks noGrp="1" noChangeAspect="1"/>
+          </p:cNvPicPr>
+          <p:nvPr>
+            <p:ph idx="1"/>
+          </p:nvPr>
+        </p:nvPicPr>
+        <p:blipFill>
+          <a:blip r:embed="rId2">
+            <a:extLst>
+              <a:ext uri="{28A0092B-C50C-407E-A947-70E740481C1C}">
+                <a14:useLocalDpi xmlns:a14="http://schemas.microsoft.com/office/drawing/2010/main" val="0"/>
+              </a:ext>
+            </a:extLst>
+          </a:blip>
+          <a:stretch>
+            <a:fillRect/>
+          </a:stretch>
+        </p:blipFill>
+        <p:spPr>
+          <a:xfrm>
+            <a:off x="279376" y="1385449"/>
+            <a:ext cx="8585248" cy="3034144"/>
+          </a:xfrm>
+        </p:spPr>
+      </p:pic>
       <mc:AlternateContent xmlns:mc="http://schemas.openxmlformats.org/markup-compatibility/2006" xmlns:a14="http://schemas.microsoft.com/office/drawing/2010/main">
         <mc:Choice Requires="a14">
+          <p:sp>
+            <p:nvSpPr>
+              <p:cNvPr id="6" name="矩形 5">
+                <a:extLst>
+                  <a:ext uri="{FF2B5EF4-FFF2-40B4-BE49-F238E27FC236}">
+                    <a16:creationId xmlns:a16="http://schemas.microsoft.com/office/drawing/2014/main" id="{E3258457-535B-C14C-9BC8-A9BC1B4D997E}"/>
+                  </a:ext>
+                </a:extLst>
+              </p:cNvPr>
+              <p:cNvSpPr/>
+              <p:nvPr/>
+            </p:nvSpPr>
+            <p:spPr>
+              <a:xfrm>
+                <a:off x="1127422" y="4927519"/>
+                <a:ext cx="7016934" cy="1477328"/>
+              </a:xfrm>
+              <a:prstGeom prst="rect">
+                <a:avLst/>
+              </a:prstGeom>
+            </p:spPr>
+            <p:txBody>
+              <a:bodyPr wrap="square">
+                <a:spAutoFit/>
+              </a:bodyPr>
+              <a:lstStyle/>
+              <a:p>
+                <a:pPr marL="285750" indent="-285750">
+                  <a:buFont typeface="Arial" panose="020B0604020202020204" pitchFamily="34" charset="0"/>
+                  <a:buChar char="•"/>
+                </a:pPr>
+                <a:r>
+                  <a:rPr kumimoji="1" lang="en-US" altLang="zh-CN" dirty="0">
+                    <a:latin typeface="Calisto MT" panose="02040603050505030304" pitchFamily="18" charset="0"/>
+                  </a:rPr>
+                  <a:t>We need to</a:t>
+                </a:r>
+              </a:p>
+              <a:p>
+                <a:pPr marL="742950" lvl="1" indent="-285750">
+                  <a:buFont typeface="Arial" panose="020B0604020202020204" pitchFamily="34" charset="0"/>
+                  <a:buChar char="•"/>
+                </a:pPr>
+                <a:r>
+                  <a:rPr kumimoji="1" lang="en-US" altLang="zh-CN" dirty="0">
+                    <a:latin typeface="Calisto MT" panose="02040603050505030304" pitchFamily="18" charset="0"/>
+                  </a:rPr>
+                  <a:t>Push down</a:t>
+                </a:r>
+                <a:r>
+                  <a:rPr kumimoji="1" lang="zh-CN" altLang="en-US" dirty="0">
+                    <a:latin typeface="Calisto MT" panose="02040603050505030304" pitchFamily="18" charset="0"/>
+                  </a:rPr>
+                  <a:t> </a:t>
+                </a:r>
+                <a14:m>
+                  <m:oMath xmlns:m="http://schemas.openxmlformats.org/officeDocument/2006/math">
+                    <m:r>
+                      <a:rPr kumimoji="1" lang="en-US" altLang="zh-CN" i="1">
+                        <a:latin typeface="Cambria Math" panose="02040503050406030204" pitchFamily="18" charset="0"/>
+                        <a:ea typeface="Cambria Math" panose="02040503050406030204" pitchFamily="18" charset="0"/>
+                      </a:rPr>
+                      <m:t>↓</m:t>
+                    </m:r>
+                  </m:oMath>
+                </a14:m>
+                <a:r>
+                  <a:rPr kumimoji="1" lang="en-US" altLang="zh-CN" dirty="0">
+                    <a:latin typeface="Calisto MT" panose="02040603050505030304" pitchFamily="18" charset="0"/>
+                  </a:rPr>
+                  <a:t> the survival curve </a:t>
+                </a:r>
+                <a14:m>
+                  <m:oMath xmlns:m="http://schemas.openxmlformats.org/officeDocument/2006/math">
+                    <m:r>
+                      <a:rPr kumimoji="1" lang="en-US" altLang="zh-CN" i="1">
+                        <a:latin typeface="Cambria Math" panose="02040503050406030204" pitchFamily="18" charset="0"/>
+                      </a:rPr>
+                      <m:t>𝑆</m:t>
+                    </m:r>
+                    <m:r>
+                      <a:rPr kumimoji="1" lang="en-US" altLang="zh-CN" i="1">
+                        <a:latin typeface="Cambria Math" panose="02040503050406030204" pitchFamily="18" charset="0"/>
+                      </a:rPr>
+                      <m:t>(</m:t>
+                    </m:r>
+                    <m:r>
+                      <a:rPr kumimoji="1" lang="en-US" altLang="zh-CN" i="1">
+                        <a:latin typeface="Cambria Math" panose="02040503050406030204" pitchFamily="18" charset="0"/>
+                      </a:rPr>
+                      <m:t>𝑡</m:t>
+                    </m:r>
+                    <m:r>
+                      <a:rPr kumimoji="1" lang="en-US" altLang="zh-CN" i="1">
+                        <a:latin typeface="Cambria Math" panose="02040503050406030204" pitchFamily="18" charset="0"/>
+                      </a:rPr>
+                      <m:t>)</m:t>
+                    </m:r>
+                  </m:oMath>
+                </a14:m>
+                <a:r>
+                  <a:rPr kumimoji="1" lang="en-US" altLang="zh-CN" dirty="0">
+                    <a:latin typeface="Calisto MT" panose="02040603050505030304" pitchFamily="18" charset="0"/>
+                  </a:rPr>
+                  <a:t> when</a:t>
+                </a:r>
+              </a:p>
+              <a:p>
+                <a:pPr marL="1200150" lvl="2" indent="-285750">
+                  <a:buFont typeface="Arial" panose="020B0604020202020204" pitchFamily="34" charset="0"/>
+                  <a:buChar char="•"/>
+                </a:pPr>
+                <a:r>
+                  <a:rPr kumimoji="1" lang="en-US" altLang="zh-CN" dirty="0">
+                    <a:latin typeface="Calisto MT" panose="02040603050505030304" pitchFamily="18" charset="0"/>
+                  </a:rPr>
+                  <a:t>event occurred before </a:t>
+                </a:r>
+                <a14:m>
+                  <m:oMath xmlns:m="http://schemas.openxmlformats.org/officeDocument/2006/math">
+                    <m:r>
+                      <a:rPr kumimoji="1" lang="en-US" altLang="zh-CN" i="1">
+                        <a:latin typeface="Cambria Math" panose="02040503050406030204" pitchFamily="18" charset="0"/>
+                      </a:rPr>
+                      <m:t>𝑡</m:t>
+                    </m:r>
+                  </m:oMath>
+                </a14:m>
+                <a:r>
+                  <a:rPr kumimoji="1" lang="en-US" altLang="zh-CN" dirty="0">
+                    <a:latin typeface="Calisto MT" panose="02040603050505030304" pitchFamily="18" charset="0"/>
+                  </a:rPr>
+                  <a:t>, i.e., </a:t>
+                </a:r>
+                <a14:m>
+                  <m:oMath xmlns:m="http://schemas.openxmlformats.org/officeDocument/2006/math">
+                    <m:r>
+                      <m:rPr>
+                        <m:sty m:val="p"/>
+                      </m:rPr>
+                      <a:rPr kumimoji="1" lang="en-US" altLang="zh-CN">
+                        <a:latin typeface="Cambria Math" panose="02040503050406030204" pitchFamily="18" charset="0"/>
+                      </a:rPr>
+                      <m:t>z</m:t>
+                    </m:r>
+                    <m:r>
+                      <a:rPr kumimoji="1" lang="en-US" altLang="zh-CN">
+                        <a:latin typeface="Cambria Math" panose="02040503050406030204" pitchFamily="18" charset="0"/>
+                      </a:rPr>
+                      <m:t>&lt;</m:t>
+                    </m:r>
+                    <m:r>
+                      <a:rPr kumimoji="1" lang="en-US" altLang="zh-CN" i="1">
+                        <a:latin typeface="Cambria Math" panose="02040503050406030204" pitchFamily="18" charset="0"/>
+                      </a:rPr>
+                      <m:t>𝑡</m:t>
+                    </m:r>
+                  </m:oMath>
+                </a14:m>
+                <a:r>
+                  <a:rPr kumimoji="1" lang="en-US" altLang="zh-CN" dirty="0">
+                    <a:latin typeface="Calisto MT" panose="02040603050505030304" pitchFamily="18" charset="0"/>
+                  </a:rPr>
+                  <a:t> for uncensored data.</a:t>
+                </a:r>
+              </a:p>
+              <a:p>
+                <a:pPr marL="742950" lvl="1" indent="-285750">
+                  <a:buFont typeface="Arial" panose="020B0604020202020204" pitchFamily="34" charset="0"/>
+                  <a:buChar char="•"/>
+                </a:pPr>
+                <a:r>
+                  <a:rPr kumimoji="1" lang="en-US" altLang="zh-CN" dirty="0">
+                    <a:latin typeface="Calisto MT" panose="02040603050505030304" pitchFamily="18" charset="0"/>
+                  </a:rPr>
+                  <a:t>Pull up</a:t>
+                </a:r>
+                <a:r>
+                  <a:rPr kumimoji="1" lang="en-US" altLang="zh-CN" dirty="0">
+                    <a:latin typeface="Calisto MT" panose="02040603050505030304" pitchFamily="18" charset="0"/>
+                    <a:ea typeface="Cambria Math" panose="02040503050406030204" pitchFamily="18" charset="0"/>
+                  </a:rPr>
+                  <a:t> </a:t>
+                </a:r>
+                <a14:m>
+                  <m:oMath xmlns:m="http://schemas.openxmlformats.org/officeDocument/2006/math">
+                    <m:r>
+                      <a:rPr kumimoji="1" lang="en-US" altLang="zh-CN" i="1">
+                        <a:latin typeface="Cambria Math" panose="02040503050406030204" pitchFamily="18" charset="0"/>
+                        <a:ea typeface="Cambria Math" panose="02040503050406030204" pitchFamily="18" charset="0"/>
+                      </a:rPr>
+                      <m:t>↑</m:t>
+                    </m:r>
+                  </m:oMath>
+                </a14:m>
+                <a:r>
+                  <a:rPr kumimoji="1" lang="en-US" altLang="zh-CN" dirty="0">
+                    <a:latin typeface="Calisto MT" panose="02040603050505030304" pitchFamily="18" charset="0"/>
+                  </a:rPr>
+                  <a:t> the survival curve </a:t>
+                </a:r>
+                <a14:m>
+                  <m:oMath xmlns:m="http://schemas.openxmlformats.org/officeDocument/2006/math">
+                    <m:r>
+                      <a:rPr kumimoji="1" lang="en-US" altLang="zh-CN" i="1">
+                        <a:latin typeface="Cambria Math" panose="02040503050406030204" pitchFamily="18" charset="0"/>
+                      </a:rPr>
+                      <m:t>𝑆</m:t>
+                    </m:r>
+                    <m:r>
+                      <a:rPr kumimoji="1" lang="en-US" altLang="zh-CN" i="1">
+                        <a:latin typeface="Cambria Math" panose="02040503050406030204" pitchFamily="18" charset="0"/>
+                      </a:rPr>
+                      <m:t>(</m:t>
+                    </m:r>
+                    <m:r>
+                      <a:rPr kumimoji="1" lang="en-US" altLang="zh-CN" i="1">
+                        <a:latin typeface="Cambria Math" panose="02040503050406030204" pitchFamily="18" charset="0"/>
+                      </a:rPr>
+                      <m:t>𝑡</m:t>
+                    </m:r>
+                    <m:r>
+                      <a:rPr kumimoji="1" lang="en-US" altLang="zh-CN" i="1">
+                        <a:latin typeface="Cambria Math" panose="02040503050406030204" pitchFamily="18" charset="0"/>
+                      </a:rPr>
+                      <m:t>)</m:t>
+                    </m:r>
+                  </m:oMath>
+                </a14:m>
+                <a:r>
+                  <a:rPr kumimoji="1" lang="en-US" altLang="zh-CN" dirty="0">
+                    <a:latin typeface="Calisto MT" panose="02040603050505030304" pitchFamily="18" charset="0"/>
+                  </a:rPr>
+                  <a:t> when </a:t>
+                </a:r>
+              </a:p>
+              <a:p>
+                <a:pPr marL="1200150" lvl="2" indent="-285750">
+                  <a:buFont typeface="Arial" panose="020B0604020202020204" pitchFamily="34" charset="0"/>
+                  <a:buChar char="•"/>
+                </a:pPr>
+                <a:r>
+                  <a:rPr kumimoji="1" lang="en-US" altLang="zh-CN" dirty="0">
+                    <a:latin typeface="Calisto MT" panose="02040603050505030304" pitchFamily="18" charset="0"/>
+                  </a:rPr>
+                  <a:t>event not occurs before </a:t>
+                </a:r>
+                <a14:m>
+                  <m:oMath xmlns:m="http://schemas.openxmlformats.org/officeDocument/2006/math">
+                    <m:r>
+                      <a:rPr kumimoji="1" lang="en-US" altLang="zh-CN" i="1">
+                        <a:latin typeface="Cambria Math" panose="02040503050406030204" pitchFamily="18" charset="0"/>
+                      </a:rPr>
+                      <m:t>𝑡</m:t>
+                    </m:r>
+                  </m:oMath>
+                </a14:m>
+                <a:r>
+                  <a:rPr kumimoji="1" lang="en-US" altLang="zh-CN" dirty="0">
+                    <a:latin typeface="Calisto MT" panose="02040603050505030304" pitchFamily="18" charset="0"/>
+                  </a:rPr>
+                  <a:t>, i.e., </a:t>
+                </a:r>
+                <a14:m>
+                  <m:oMath xmlns:m="http://schemas.openxmlformats.org/officeDocument/2006/math">
+                    <m:r>
+                      <m:rPr>
+                        <m:sty m:val="p"/>
+                      </m:rPr>
+                      <a:rPr kumimoji="1" lang="en-US" altLang="zh-CN">
+                        <a:latin typeface="Cambria Math" panose="02040503050406030204" pitchFamily="18" charset="0"/>
+                      </a:rPr>
+                      <m:t>z</m:t>
+                    </m:r>
+                    <m:r>
+                      <a:rPr kumimoji="1" lang="en-US" altLang="zh-CN" i="1">
+                        <a:latin typeface="Cambria Math" panose="02040503050406030204" pitchFamily="18" charset="0"/>
+                      </a:rPr>
+                      <m:t>&gt;</m:t>
+                    </m:r>
+                    <m:r>
+                      <a:rPr kumimoji="1" lang="en-US" altLang="zh-CN" i="1">
+                        <a:latin typeface="Cambria Math" panose="02040503050406030204" pitchFamily="18" charset="0"/>
+                      </a:rPr>
+                      <m:t>𝑡</m:t>
+                    </m:r>
+                  </m:oMath>
+                </a14:m>
+                <a:r>
+                  <a:rPr kumimoji="1" lang="en-US" altLang="zh-CN" dirty="0">
+                    <a:latin typeface="Calisto MT" panose="02040603050505030304" pitchFamily="18" charset="0"/>
+                  </a:rPr>
+                  <a:t> for censored data.</a:t>
+                </a:r>
+              </a:p>
+            </p:txBody>
+          </p:sp>
+        </mc:Choice>
+        <mc:Fallback xmlns="">
+          <p:sp>
+            <p:nvSpPr>
+              <p:cNvPr id="6" name="矩形 5">
+                <a:extLst>
+                  <a:ext uri="{FF2B5EF4-FFF2-40B4-BE49-F238E27FC236}">
+                    <a16:creationId xmlns:a16="http://schemas.microsoft.com/office/drawing/2014/main" id="{E3258457-535B-C14C-9BC8-A9BC1B4D997E}"/>
+                  </a:ext>
+                </a:extLst>
+              </p:cNvPr>
+              <p:cNvSpPr>
+                <a:spLocks noRot="1" noChangeAspect="1" noMove="1" noResize="1" noEditPoints="1" noAdjustHandles="1" noChangeArrowheads="1" noChangeShapeType="1" noTextEdit="1"/>
+              </p:cNvSpPr>
+              <p:nvPr/>
+            </p:nvSpPr>
+            <p:spPr>
+              <a:xfrm>
+                <a:off x="1127422" y="4927519"/>
+                <a:ext cx="7016934" cy="1477328"/>
+              </a:xfrm>
+              <a:prstGeom prst="rect">
+                <a:avLst/>
+              </a:prstGeom>
+              <a:blipFill>
+                <a:blip r:embed="rId4"/>
+                <a:stretch>
+                  <a:fillRect l="-542" t="-1709" b="-5128"/>
+                </a:stretch>
+              </a:blipFill>
+            </p:spPr>
+            <p:txBody>
+              <a:bodyPr/>
+              <a:lstStyle/>
+              <a:p>
+                <a:r>
+                  <a:rPr lang="zh-CN" altLang="en-US">
+                    <a:noFill/>
+                  </a:rPr>
+                  <a:t> </a:t>
+                </a:r>
+              </a:p>
+            </p:txBody>
+          </p:sp>
+        </mc:Fallback>
+      </mc:AlternateContent>
+      <p:sp>
+        <p:nvSpPr>
+          <p:cNvPr id="7" name="文本框 6">
+            <a:extLst>
+              <a:ext uri="{FF2B5EF4-FFF2-40B4-BE49-F238E27FC236}">
+                <a16:creationId xmlns:a16="http://schemas.microsoft.com/office/drawing/2014/main" id="{CEEF2D60-58DF-F646-8CC0-1E43016C1D27}"/>
+              </a:ext>
+            </a:extLst>
+          </p:cNvPr>
+          <p:cNvSpPr txBox="1"/>
+          <p:nvPr/>
+        </p:nvSpPr>
+        <p:spPr>
+          <a:xfrm>
+            <a:off x="1662546" y="4285792"/>
+            <a:ext cx="2006383" cy="646331"/>
+          </a:xfrm>
+          <a:prstGeom prst="rect">
+            <a:avLst/>
+          </a:prstGeom>
+          <a:noFill/>
+        </p:spPr>
+        <p:txBody>
+          <a:bodyPr wrap="none" rtlCol="0">
+            <a:spAutoFit/>
+          </a:bodyPr>
+          <a:lstStyle/>
+          <a:p>
+            <a:r>
+              <a:rPr kumimoji="1" lang="en-US" altLang="zh-CN" dirty="0">
+                <a:solidFill>
+                  <a:schemeClr val="accent6">
+                    <a:lumMod val="75000"/>
+                  </a:schemeClr>
+                </a:solidFill>
+              </a:rPr>
+              <a:t>Uncensored Case</a:t>
+            </a:r>
+          </a:p>
+          <a:p>
+            <a:r>
+              <a:rPr kumimoji="1" lang="en-US" altLang="zh-CN" dirty="0">
+                <a:solidFill>
+                  <a:schemeClr val="accent6">
+                    <a:lumMod val="75000"/>
+                  </a:schemeClr>
+                </a:solidFill>
+              </a:rPr>
+              <a:t>(z has been known)</a:t>
+            </a:r>
+            <a:endParaRPr kumimoji="1" lang="zh-CN" altLang="en-US" dirty="0">
+              <a:solidFill>
+                <a:schemeClr val="accent6">
+                  <a:lumMod val="75000"/>
+                </a:schemeClr>
+              </a:solidFill>
+            </a:endParaRPr>
+          </a:p>
+        </p:txBody>
+      </p:sp>
+      <p:sp>
+        <p:nvSpPr>
+          <p:cNvPr id="8" name="文本框 7">
+            <a:extLst>
+              <a:ext uri="{FF2B5EF4-FFF2-40B4-BE49-F238E27FC236}">
+                <a16:creationId xmlns:a16="http://schemas.microsoft.com/office/drawing/2014/main" id="{4AEBE84A-4002-1E45-AFB5-63D2C443D52E}"/>
+              </a:ext>
+            </a:extLst>
+          </p:cNvPr>
+          <p:cNvSpPr txBox="1"/>
+          <p:nvPr/>
+        </p:nvSpPr>
+        <p:spPr>
+          <a:xfrm>
+            <a:off x="6165273" y="4281188"/>
+            <a:ext cx="1563441" cy="646331"/>
+          </a:xfrm>
+          <a:prstGeom prst="rect">
+            <a:avLst/>
+          </a:prstGeom>
+          <a:noFill/>
+        </p:spPr>
+        <p:txBody>
+          <a:bodyPr wrap="none" rtlCol="0">
+            <a:spAutoFit/>
+          </a:bodyPr>
+          <a:lstStyle/>
+          <a:p>
+            <a:r>
+              <a:rPr kumimoji="1" lang="en-US" altLang="zh-CN" dirty="0">
+                <a:solidFill>
+                  <a:srgbClr val="FF0000"/>
+                </a:solidFill>
+              </a:rPr>
+              <a:t>Censored Case</a:t>
+            </a:r>
+          </a:p>
+          <a:p>
+            <a:r>
+              <a:rPr kumimoji="1" lang="en-US" altLang="zh-CN" dirty="0">
+                <a:solidFill>
+                  <a:srgbClr val="FF0000"/>
+                </a:solidFill>
+              </a:rPr>
+              <a:t>(z is unknown)</a:t>
+            </a:r>
+            <a:endParaRPr kumimoji="1" lang="zh-CN" altLang="en-US" dirty="0">
+              <a:solidFill>
+                <a:srgbClr val="FF0000"/>
+              </a:solidFill>
+            </a:endParaRPr>
+          </a:p>
+        </p:txBody>
+      </p:sp>
+    </p:spTree>
+    <p:extLst>
+      <p:ext uri="{BB962C8B-B14F-4D97-AF65-F5344CB8AC3E}">
+        <p14:creationId xmlns:p14="http://schemas.microsoft.com/office/powerpoint/2010/main" val="3666328741"/>
+      </p:ext>
+    </p:extLst>
+  </p:cSld>
+  <p:clrMapOvr>
+    <a:masterClrMapping/>
+  </p:clrMapOvr>
+</p:sld>
+</file>
+
+<file path=ppt/slides/slide25.xml><?xml version="1.0" encoding="utf-8"?>
+<p:sld xmlns:a="http://schemas.openxmlformats.org/drawingml/2006/main" xmlns:r="http://schemas.openxmlformats.org/officeDocument/2006/relationships" xmlns:p="http://schemas.openxmlformats.org/presentationml/2006/main">
+  <p:cSld>
+    <p:spTree>
+      <p:nvGrpSpPr>
+        <p:cNvPr id="1" name=""/>
+        <p:cNvGrpSpPr/>
+        <p:nvPr/>
+      </p:nvGrpSpPr>
+      <p:grpSpPr>
+        <a:xfrm>
+          <a:off x="0" y="0"/>
+          <a:ext cx="0" cy="0"/>
+          <a:chOff x="0" y="0"/>
+          <a:chExt cx="0" cy="0"/>
+        </a:xfrm>
+      </p:grpSpPr>
+      <mc:AlternateContent xmlns:mc="http://schemas.openxmlformats.org/markup-compatibility/2006">
+        <mc:Choice xmlns:a14="http://schemas.microsoft.com/office/drawing/2010/main" Requires="a14">
           <p:sp>
             <p:nvSpPr>
               <p:cNvPr id="2" name="标题 1">
@@ -6852,14 +8799,14 @@
                 </a14:m>
                 <a:r>
                   <a:rPr kumimoji="1" lang="en-US" altLang="zh-CN" dirty="0"/>
-                  <a:t>? (1/3)</a:t>
+                  <a:t>?</a:t>
                 </a:r>
                 <a:endParaRPr kumimoji="1" lang="zh-CN" altLang="en-US" dirty="0"/>
               </a:p>
             </p:txBody>
           </p:sp>
         </mc:Choice>
-        <mc:Fallback xmlns="">
+        <mc:Fallback>
           <p:sp>
             <p:nvSpPr>
               <p:cNvPr id="2" name="标题 1">
@@ -7006,7 +8953,7 @@
                 </a14:m>
                 <a:r>
                   <a:rPr kumimoji="1" lang="en-US" altLang="zh-CN" dirty="0"/>
-                  <a:t> without </a:t>
+                  <a:t>, without </a:t>
                 </a:r>
                 <a14:m>
                   <m:oMath xmlns:m="http://schemas.openxmlformats.org/officeDocument/2006/math">
@@ -7041,413 +8988,6 @@
                   <a:rPr kumimoji="1" lang="en-US" altLang="zh-CN" dirty="0"/>
                   <a:t>.</a:t>
                 </a:r>
-              </a:p>
-              <a:p>
-                <a:endParaRPr kumimoji="1" lang="en-US" altLang="zh-CN" dirty="0"/>
-              </a:p>
-              <a:p>
-                <a:r>
-                  <a:rPr kumimoji="1" lang="en-US" altLang="zh-CN" dirty="0">
-                    <a:solidFill>
-                      <a:schemeClr val="bg1">
-                        <a:lumMod val="75000"/>
-                      </a:schemeClr>
-                    </a:solidFill>
-                  </a:rPr>
-                  <a:t>We need to</a:t>
-                </a:r>
-              </a:p>
-              <a:p>
-                <a:pPr lvl="1"/>
-                <a:r>
-                  <a:rPr kumimoji="1" lang="en-US" altLang="zh-CN" dirty="0">
-                    <a:solidFill>
-                      <a:schemeClr val="bg1">
-                        <a:lumMod val="75000"/>
-                      </a:schemeClr>
-                    </a:solidFill>
-                  </a:rPr>
-                  <a:t>Push down</a:t>
-                </a:r>
-                <a:r>
-                  <a:rPr kumimoji="1" lang="zh-CN" altLang="en-US" dirty="0">
-                    <a:solidFill>
-                      <a:schemeClr val="bg1">
-                        <a:lumMod val="75000"/>
-                      </a:schemeClr>
-                    </a:solidFill>
-                  </a:rPr>
-                  <a:t> </a:t>
-                </a:r>
-                <a14:m>
-                  <m:oMath xmlns:m="http://schemas.openxmlformats.org/officeDocument/2006/math">
-                    <m:r>
-                      <a:rPr kumimoji="1" lang="en-US" altLang="zh-CN" i="1" smtClean="0">
-                        <a:solidFill>
-                          <a:schemeClr val="bg1">
-                            <a:lumMod val="75000"/>
-                          </a:schemeClr>
-                        </a:solidFill>
-                        <a:latin typeface="Cambria Math" panose="02040503050406030204" pitchFamily="18" charset="0"/>
-                        <a:ea typeface="Cambria Math" panose="02040503050406030204" pitchFamily="18" charset="0"/>
-                      </a:rPr>
-                      <m:t>↓</m:t>
-                    </m:r>
-                  </m:oMath>
-                </a14:m>
-                <a:r>
-                  <a:rPr kumimoji="1" lang="en-US" altLang="zh-CN" dirty="0">
-                    <a:solidFill>
-                      <a:schemeClr val="bg1">
-                        <a:lumMod val="75000"/>
-                      </a:schemeClr>
-                    </a:solidFill>
-                  </a:rPr>
-                  <a:t> the survival curve </a:t>
-                </a:r>
-                <a14:m>
-                  <m:oMath xmlns:m="http://schemas.openxmlformats.org/officeDocument/2006/math">
-                    <m:r>
-                      <a:rPr kumimoji="1" lang="en-US" altLang="zh-CN" b="0" i="1" smtClean="0">
-                        <a:solidFill>
-                          <a:schemeClr val="bg1">
-                            <a:lumMod val="75000"/>
-                          </a:schemeClr>
-                        </a:solidFill>
-                        <a:latin typeface="Cambria Math" panose="02040503050406030204" pitchFamily="18" charset="0"/>
-                      </a:rPr>
-                      <m:t>𝑆</m:t>
-                    </m:r>
-                    <m:r>
-                      <a:rPr kumimoji="1" lang="en-US" altLang="zh-CN" b="0" i="1" smtClean="0">
-                        <a:solidFill>
-                          <a:schemeClr val="bg1">
-                            <a:lumMod val="75000"/>
-                          </a:schemeClr>
-                        </a:solidFill>
-                        <a:latin typeface="Cambria Math" panose="02040503050406030204" pitchFamily="18" charset="0"/>
-                      </a:rPr>
-                      <m:t>(</m:t>
-                    </m:r>
-                    <m:r>
-                      <a:rPr kumimoji="1" lang="en-US" altLang="zh-CN" b="0" i="1" smtClean="0">
-                        <a:solidFill>
-                          <a:schemeClr val="bg1">
-                            <a:lumMod val="75000"/>
-                          </a:schemeClr>
-                        </a:solidFill>
-                        <a:latin typeface="Cambria Math" panose="02040503050406030204" pitchFamily="18" charset="0"/>
-                      </a:rPr>
-                      <m:t>𝑡</m:t>
-                    </m:r>
-                    <m:r>
-                      <a:rPr kumimoji="1" lang="en-US" altLang="zh-CN" b="0" i="1" smtClean="0">
-                        <a:solidFill>
-                          <a:schemeClr val="bg1">
-                            <a:lumMod val="75000"/>
-                          </a:schemeClr>
-                        </a:solidFill>
-                        <a:latin typeface="Cambria Math" panose="02040503050406030204" pitchFamily="18" charset="0"/>
-                      </a:rPr>
-                      <m:t>)</m:t>
-                    </m:r>
-                  </m:oMath>
-                </a14:m>
-                <a:r>
-                  <a:rPr kumimoji="1" lang="en-US" altLang="zh-CN" dirty="0">
-                    <a:solidFill>
-                      <a:schemeClr val="bg1">
-                        <a:lumMod val="75000"/>
-                      </a:schemeClr>
-                    </a:solidFill>
-                  </a:rPr>
-                  <a:t> when</a:t>
-                </a:r>
-              </a:p>
-              <a:p>
-                <a:pPr lvl="2"/>
-                <a:r>
-                  <a:rPr kumimoji="1" lang="en-US" altLang="zh-CN" dirty="0">
-                    <a:solidFill>
-                      <a:schemeClr val="bg1">
-                        <a:lumMod val="75000"/>
-                      </a:schemeClr>
-                    </a:solidFill>
-                  </a:rPr>
-                  <a:t>event occurred before </a:t>
-                </a:r>
-                <a14:m>
-                  <m:oMath xmlns:m="http://schemas.openxmlformats.org/officeDocument/2006/math">
-                    <m:r>
-                      <a:rPr kumimoji="1" lang="en-US" altLang="zh-CN" b="0" i="1" smtClean="0">
-                        <a:solidFill>
-                          <a:schemeClr val="bg1">
-                            <a:lumMod val="75000"/>
-                          </a:schemeClr>
-                        </a:solidFill>
-                        <a:latin typeface="Cambria Math" panose="02040503050406030204" pitchFamily="18" charset="0"/>
-                      </a:rPr>
-                      <m:t>𝑡</m:t>
-                    </m:r>
-                  </m:oMath>
-                </a14:m>
-                <a:r>
-                  <a:rPr kumimoji="1" lang="en-US" altLang="zh-CN" dirty="0">
-                    <a:solidFill>
-                      <a:schemeClr val="bg1">
-                        <a:lumMod val="75000"/>
-                      </a:schemeClr>
-                    </a:solidFill>
-                  </a:rPr>
-                  <a:t>, i.e., </a:t>
-                </a:r>
-                <a14:m>
-                  <m:oMath xmlns:m="http://schemas.openxmlformats.org/officeDocument/2006/math">
-                    <m:r>
-                      <m:rPr>
-                        <m:sty m:val="p"/>
-                      </m:rPr>
-                      <a:rPr kumimoji="1" lang="en-US" altLang="zh-CN" b="0" i="0" smtClean="0">
-                        <a:solidFill>
-                          <a:schemeClr val="bg1">
-                            <a:lumMod val="75000"/>
-                          </a:schemeClr>
-                        </a:solidFill>
-                        <a:latin typeface="Cambria Math" panose="02040503050406030204" pitchFamily="18" charset="0"/>
-                      </a:rPr>
-                      <m:t>z</m:t>
-                    </m:r>
-                    <m:r>
-                      <a:rPr kumimoji="1" lang="en-US" altLang="zh-CN" b="0" i="0" smtClean="0">
-                        <a:solidFill>
-                          <a:schemeClr val="bg1">
-                            <a:lumMod val="75000"/>
-                          </a:schemeClr>
-                        </a:solidFill>
-                        <a:latin typeface="Cambria Math" panose="02040503050406030204" pitchFamily="18" charset="0"/>
-                      </a:rPr>
-                      <m:t>&lt;</m:t>
-                    </m:r>
-                    <m:r>
-                      <a:rPr kumimoji="1" lang="en-US" altLang="zh-CN" i="1">
-                        <a:solidFill>
-                          <a:schemeClr val="bg1">
-                            <a:lumMod val="75000"/>
-                          </a:schemeClr>
-                        </a:solidFill>
-                        <a:latin typeface="Cambria Math" panose="02040503050406030204" pitchFamily="18" charset="0"/>
-                      </a:rPr>
-                      <m:t>𝑡</m:t>
-                    </m:r>
-                  </m:oMath>
-                </a14:m>
-                <a:r>
-                  <a:rPr kumimoji="1" lang="en-US" altLang="zh-CN" dirty="0">
-                    <a:solidFill>
-                      <a:schemeClr val="bg1">
-                        <a:lumMod val="75000"/>
-                      </a:schemeClr>
-                    </a:solidFill>
-                  </a:rPr>
-                  <a:t> for uncensored data.</a:t>
-                </a:r>
-              </a:p>
-              <a:p>
-                <a:pPr lvl="1"/>
-                <a:r>
-                  <a:rPr kumimoji="1" lang="en-US" altLang="zh-CN" dirty="0">
-                    <a:solidFill>
-                      <a:schemeClr val="bg1">
-                        <a:lumMod val="75000"/>
-                      </a:schemeClr>
-                    </a:solidFill>
-                  </a:rPr>
-                  <a:t>Pull up</a:t>
-                </a:r>
-                <a:r>
-                  <a:rPr kumimoji="1" lang="en-US" altLang="zh-CN" dirty="0">
-                    <a:solidFill>
-                      <a:schemeClr val="bg1">
-                        <a:lumMod val="75000"/>
-                      </a:schemeClr>
-                    </a:solidFill>
-                    <a:ea typeface="Cambria Math" panose="02040503050406030204" pitchFamily="18" charset="0"/>
-                  </a:rPr>
-                  <a:t> </a:t>
-                </a:r>
-                <a14:m>
-                  <m:oMath xmlns:m="http://schemas.openxmlformats.org/officeDocument/2006/math">
-                    <m:r>
-                      <a:rPr kumimoji="1" lang="en-US" altLang="zh-CN" i="1">
-                        <a:solidFill>
-                          <a:schemeClr val="bg1">
-                            <a:lumMod val="75000"/>
-                          </a:schemeClr>
-                        </a:solidFill>
-                        <a:latin typeface="Cambria Math" panose="02040503050406030204" pitchFamily="18" charset="0"/>
-                        <a:ea typeface="Cambria Math" panose="02040503050406030204" pitchFamily="18" charset="0"/>
-                      </a:rPr>
-                      <m:t>↑</m:t>
-                    </m:r>
-                  </m:oMath>
-                </a14:m>
-                <a:r>
-                  <a:rPr kumimoji="1" lang="en-US" altLang="zh-CN" dirty="0">
-                    <a:solidFill>
-                      <a:schemeClr val="bg1">
-                        <a:lumMod val="75000"/>
-                      </a:schemeClr>
-                    </a:solidFill>
-                  </a:rPr>
-                  <a:t> the survival curve </a:t>
-                </a:r>
-                <a14:m>
-                  <m:oMath xmlns:m="http://schemas.openxmlformats.org/officeDocument/2006/math">
-                    <m:r>
-                      <a:rPr kumimoji="1" lang="en-US" altLang="zh-CN" i="1">
-                        <a:solidFill>
-                          <a:schemeClr val="bg1">
-                            <a:lumMod val="75000"/>
-                          </a:schemeClr>
-                        </a:solidFill>
-                        <a:latin typeface="Cambria Math" panose="02040503050406030204" pitchFamily="18" charset="0"/>
-                      </a:rPr>
-                      <m:t>𝑆</m:t>
-                    </m:r>
-                    <m:r>
-                      <a:rPr kumimoji="1" lang="en-US" altLang="zh-CN" i="1">
-                        <a:solidFill>
-                          <a:schemeClr val="bg1">
-                            <a:lumMod val="75000"/>
-                          </a:schemeClr>
-                        </a:solidFill>
-                        <a:latin typeface="Cambria Math" panose="02040503050406030204" pitchFamily="18" charset="0"/>
-                      </a:rPr>
-                      <m:t>(</m:t>
-                    </m:r>
-                    <m:r>
-                      <a:rPr kumimoji="1" lang="en-US" altLang="zh-CN" i="1">
-                        <a:solidFill>
-                          <a:schemeClr val="bg1">
-                            <a:lumMod val="75000"/>
-                          </a:schemeClr>
-                        </a:solidFill>
-                        <a:latin typeface="Cambria Math" panose="02040503050406030204" pitchFamily="18" charset="0"/>
-                      </a:rPr>
-                      <m:t>𝑡</m:t>
-                    </m:r>
-                    <m:r>
-                      <a:rPr kumimoji="1" lang="en-US" altLang="zh-CN" i="1">
-                        <a:solidFill>
-                          <a:schemeClr val="bg1">
-                            <a:lumMod val="75000"/>
-                          </a:schemeClr>
-                        </a:solidFill>
-                        <a:latin typeface="Cambria Math" panose="02040503050406030204" pitchFamily="18" charset="0"/>
-                      </a:rPr>
-                      <m:t>)</m:t>
-                    </m:r>
-                  </m:oMath>
-                </a14:m>
-                <a:r>
-                  <a:rPr kumimoji="1" lang="en-US" altLang="zh-CN" dirty="0">
-                    <a:solidFill>
-                      <a:schemeClr val="bg1">
-                        <a:lumMod val="75000"/>
-                      </a:schemeClr>
-                    </a:solidFill>
-                  </a:rPr>
-                  <a:t> when </a:t>
-                </a:r>
-              </a:p>
-              <a:p>
-                <a:pPr lvl="2"/>
-                <a:r>
-                  <a:rPr kumimoji="1" lang="en-US" altLang="zh-CN" dirty="0">
-                    <a:solidFill>
-                      <a:schemeClr val="bg1">
-                        <a:lumMod val="75000"/>
-                      </a:schemeClr>
-                    </a:solidFill>
-                  </a:rPr>
-                  <a:t>event not occurs before </a:t>
-                </a:r>
-                <a14:m>
-                  <m:oMath xmlns:m="http://schemas.openxmlformats.org/officeDocument/2006/math">
-                    <m:r>
-                      <a:rPr kumimoji="1" lang="en-US" altLang="zh-CN" i="1">
-                        <a:solidFill>
-                          <a:schemeClr val="bg1">
-                            <a:lumMod val="75000"/>
-                          </a:schemeClr>
-                        </a:solidFill>
-                        <a:latin typeface="Cambria Math" panose="02040503050406030204" pitchFamily="18" charset="0"/>
-                      </a:rPr>
-                      <m:t>𝑡</m:t>
-                    </m:r>
-                  </m:oMath>
-                </a14:m>
-                <a:r>
-                  <a:rPr kumimoji="1" lang="en-US" altLang="zh-CN" dirty="0">
-                    <a:solidFill>
-                      <a:schemeClr val="bg1">
-                        <a:lumMod val="75000"/>
-                      </a:schemeClr>
-                    </a:solidFill>
-                  </a:rPr>
-                  <a:t>, i.e., </a:t>
-                </a:r>
-                <a14:m>
-                  <m:oMath xmlns:m="http://schemas.openxmlformats.org/officeDocument/2006/math">
-                    <m:r>
-                      <m:rPr>
-                        <m:sty m:val="p"/>
-                      </m:rPr>
-                      <a:rPr kumimoji="1" lang="en-US" altLang="zh-CN">
-                        <a:solidFill>
-                          <a:schemeClr val="bg1">
-                            <a:lumMod val="75000"/>
-                          </a:schemeClr>
-                        </a:solidFill>
-                        <a:latin typeface="Cambria Math" panose="02040503050406030204" pitchFamily="18" charset="0"/>
-                      </a:rPr>
-                      <m:t>z</m:t>
-                    </m:r>
-                    <m:r>
-                      <a:rPr kumimoji="1" lang="en-US" altLang="zh-CN" b="0" i="1" smtClean="0">
-                        <a:solidFill>
-                          <a:schemeClr val="bg1">
-                            <a:lumMod val="75000"/>
-                          </a:schemeClr>
-                        </a:solidFill>
-                        <a:latin typeface="Cambria Math" panose="02040503050406030204" pitchFamily="18" charset="0"/>
-                      </a:rPr>
-                      <m:t>&gt;</m:t>
-                    </m:r>
-                    <m:r>
-                      <a:rPr kumimoji="1" lang="en-US" altLang="zh-CN" i="1">
-                        <a:solidFill>
-                          <a:schemeClr val="bg1">
-                            <a:lumMod val="75000"/>
-                          </a:schemeClr>
-                        </a:solidFill>
-                        <a:latin typeface="Cambria Math" panose="02040503050406030204" pitchFamily="18" charset="0"/>
-                      </a:rPr>
-                      <m:t>𝑡</m:t>
-                    </m:r>
-                  </m:oMath>
-                </a14:m>
-                <a:r>
-                  <a:rPr kumimoji="1" lang="en-US" altLang="zh-CN" dirty="0">
-                    <a:solidFill>
-                      <a:schemeClr val="bg1">
-                        <a:lumMod val="75000"/>
-                      </a:schemeClr>
-                    </a:solidFill>
-                  </a:rPr>
-                  <a:t> for censored data.</a:t>
-                </a:r>
-                <a:endParaRPr kumimoji="1" lang="en-US" altLang="zh-CN" dirty="0"/>
               </a:p>
             </p:txBody>
           </p:sp>
@@ -7492,6 +9032,350 @@
           </p:sp>
         </mc:Fallback>
       </mc:AlternateContent>
+      <p:pic>
+        <p:nvPicPr>
+          <p:cNvPr id="4" name="图片 3">
+            <a:extLst>
+              <a:ext uri="{FF2B5EF4-FFF2-40B4-BE49-F238E27FC236}">
+                <a16:creationId xmlns:a16="http://schemas.microsoft.com/office/drawing/2014/main" id="{9F4A5C12-8AB8-194F-84C9-CF7B651FC5FF}"/>
+              </a:ext>
+            </a:extLst>
+          </p:cNvPr>
+          <p:cNvPicPr>
+            <a:picLocks noChangeAspect="1"/>
+          </p:cNvPicPr>
+          <p:nvPr/>
+        </p:nvPicPr>
+        <p:blipFill>
+          <a:blip r:embed="rId4"/>
+          <a:stretch>
+            <a:fillRect/>
+          </a:stretch>
+        </p:blipFill>
+        <p:spPr>
+          <a:xfrm>
+            <a:off x="2216150" y="2892136"/>
+            <a:ext cx="4711700" cy="685800"/>
+          </a:xfrm>
+          <a:prstGeom prst="rect">
+            <a:avLst/>
+          </a:prstGeom>
+        </p:spPr>
+      </p:pic>
+      <p:pic>
+        <p:nvPicPr>
+          <p:cNvPr id="5" name="图片 4">
+            <a:extLst>
+              <a:ext uri="{FF2B5EF4-FFF2-40B4-BE49-F238E27FC236}">
+                <a16:creationId xmlns:a16="http://schemas.microsoft.com/office/drawing/2014/main" id="{856BF404-D333-0C42-AF06-9C882A31F0F6}"/>
+              </a:ext>
+            </a:extLst>
+          </p:cNvPr>
+          <p:cNvPicPr>
+            <a:picLocks noChangeAspect="1"/>
+          </p:cNvPicPr>
+          <p:nvPr/>
+        </p:nvPicPr>
+        <p:blipFill>
+          <a:blip r:embed="rId5"/>
+          <a:stretch>
+            <a:fillRect/>
+          </a:stretch>
+        </p:blipFill>
+        <p:spPr>
+          <a:xfrm>
+            <a:off x="1739900" y="3962142"/>
+            <a:ext cx="5334000" cy="723900"/>
+          </a:xfrm>
+          <a:prstGeom prst="rect">
+            <a:avLst/>
+          </a:prstGeom>
+        </p:spPr>
+      </p:pic>
+      <p:pic>
+        <p:nvPicPr>
+          <p:cNvPr id="6" name="图片 5">
+            <a:extLst>
+              <a:ext uri="{FF2B5EF4-FFF2-40B4-BE49-F238E27FC236}">
+                <a16:creationId xmlns:a16="http://schemas.microsoft.com/office/drawing/2014/main" id="{0E541B23-5E1D-8A44-AC79-C3ADEE3CA301}"/>
+              </a:ext>
+            </a:extLst>
+          </p:cNvPr>
+          <p:cNvPicPr>
+            <a:picLocks noChangeAspect="1"/>
+          </p:cNvPicPr>
+          <p:nvPr/>
+        </p:nvPicPr>
+        <p:blipFill>
+          <a:blip r:embed="rId6"/>
+          <a:stretch>
+            <a:fillRect/>
+          </a:stretch>
+        </p:blipFill>
+        <p:spPr>
+          <a:xfrm>
+            <a:off x="2070100" y="5077901"/>
+            <a:ext cx="5003800" cy="736600"/>
+          </a:xfrm>
+          <a:prstGeom prst="rect">
+            <a:avLst/>
+          </a:prstGeom>
+        </p:spPr>
+      </p:pic>
+      <p:cxnSp>
+        <p:nvCxnSpPr>
+          <p:cNvPr id="8" name="直线箭头连接符 7">
+            <a:extLst>
+              <a:ext uri="{FF2B5EF4-FFF2-40B4-BE49-F238E27FC236}">
+                <a16:creationId xmlns:a16="http://schemas.microsoft.com/office/drawing/2014/main" id="{936C4D66-2161-B545-9FDD-BA543F9B6500}"/>
+              </a:ext>
+            </a:extLst>
+          </p:cNvPr>
+          <p:cNvCxnSpPr>
+            <a:cxnSpLocks/>
+          </p:cNvCxnSpPr>
+          <p:nvPr/>
+        </p:nvCxnSpPr>
+        <p:spPr>
+          <a:xfrm>
+            <a:off x="5971310" y="4426226"/>
+            <a:ext cx="0" cy="805043"/>
+          </a:xfrm>
+          <a:prstGeom prst="straightConnector1">
+            <a:avLst/>
+          </a:prstGeom>
+          <a:ln>
+            <a:solidFill>
+              <a:srgbClr val="FF0000"/>
+            </a:solidFill>
+            <a:headEnd type="triangle"/>
+            <a:tailEnd type="triangle"/>
+          </a:ln>
+        </p:spPr>
+        <p:style>
+          <a:lnRef idx="3">
+            <a:schemeClr val="accent2"/>
+          </a:lnRef>
+          <a:fillRef idx="0">
+            <a:schemeClr val="accent2"/>
+          </a:fillRef>
+          <a:effectRef idx="2">
+            <a:schemeClr val="accent2"/>
+          </a:effectRef>
+          <a:fontRef idx="minor">
+            <a:schemeClr val="tx1"/>
+          </a:fontRef>
+        </p:style>
+      </p:cxnSp>
+      <p:cxnSp>
+        <p:nvCxnSpPr>
+          <p:cNvPr id="12" name="直线箭头连接符 11">
+            <a:extLst>
+              <a:ext uri="{FF2B5EF4-FFF2-40B4-BE49-F238E27FC236}">
+                <a16:creationId xmlns:a16="http://schemas.microsoft.com/office/drawing/2014/main" id="{50564243-8741-F64B-870A-444B9E0B3D65}"/>
+              </a:ext>
+            </a:extLst>
+          </p:cNvPr>
+          <p:cNvCxnSpPr>
+            <a:cxnSpLocks/>
+          </p:cNvCxnSpPr>
+          <p:nvPr/>
+        </p:nvCxnSpPr>
+        <p:spPr>
+          <a:xfrm>
+            <a:off x="4984023" y="4766475"/>
+            <a:ext cx="0" cy="805043"/>
+          </a:xfrm>
+          <a:prstGeom prst="straightConnector1">
+            <a:avLst/>
+          </a:prstGeom>
+          <a:ln>
+            <a:solidFill>
+              <a:srgbClr val="FF0000"/>
+            </a:solidFill>
+            <a:headEnd type="triangle"/>
+            <a:tailEnd type="triangle"/>
+          </a:ln>
+        </p:spPr>
+        <p:style>
+          <a:lnRef idx="3">
+            <a:schemeClr val="accent2"/>
+          </a:lnRef>
+          <a:fillRef idx="0">
+            <a:schemeClr val="accent2"/>
+          </a:fillRef>
+          <a:effectRef idx="2">
+            <a:schemeClr val="accent2"/>
+          </a:effectRef>
+          <a:fontRef idx="minor">
+            <a:schemeClr val="tx1"/>
+          </a:fontRef>
+        </p:style>
+      </p:cxnSp>
+      <p:cxnSp>
+        <p:nvCxnSpPr>
+          <p:cNvPr id="16" name="直线连接符 15">
+            <a:extLst>
+              <a:ext uri="{FF2B5EF4-FFF2-40B4-BE49-F238E27FC236}">
+                <a16:creationId xmlns:a16="http://schemas.microsoft.com/office/drawing/2014/main" id="{2B6F231B-B01E-0F46-AC05-AE96F2796D9F}"/>
+              </a:ext>
+            </a:extLst>
+          </p:cNvPr>
+          <p:cNvCxnSpPr/>
+          <p:nvPr/>
+        </p:nvCxnSpPr>
+        <p:spPr>
+          <a:xfrm>
+            <a:off x="5685183" y="4386470"/>
+            <a:ext cx="649356" cy="0"/>
+          </a:xfrm>
+          <a:prstGeom prst="line">
+            <a:avLst/>
+          </a:prstGeom>
+          <a:ln>
+            <a:solidFill>
+              <a:srgbClr val="FF0000"/>
+            </a:solidFill>
+          </a:ln>
+        </p:spPr>
+        <p:style>
+          <a:lnRef idx="1">
+            <a:schemeClr val="accent1"/>
+          </a:lnRef>
+          <a:fillRef idx="0">
+            <a:schemeClr val="accent1"/>
+          </a:fillRef>
+          <a:effectRef idx="0">
+            <a:schemeClr val="accent1"/>
+          </a:effectRef>
+          <a:fontRef idx="minor">
+            <a:schemeClr val="tx1"/>
+          </a:fontRef>
+        </p:style>
+      </p:cxnSp>
+      <p:cxnSp>
+        <p:nvCxnSpPr>
+          <p:cNvPr id="17" name="直线连接符 16">
+            <a:extLst>
+              <a:ext uri="{FF2B5EF4-FFF2-40B4-BE49-F238E27FC236}">
+                <a16:creationId xmlns:a16="http://schemas.microsoft.com/office/drawing/2014/main" id="{64D4EDDA-1DB0-F247-B3F2-6E179537B9EE}"/>
+              </a:ext>
+            </a:extLst>
+          </p:cNvPr>
+          <p:cNvCxnSpPr/>
+          <p:nvPr/>
+        </p:nvCxnSpPr>
+        <p:spPr>
+          <a:xfrm>
+            <a:off x="5638802" y="5466522"/>
+            <a:ext cx="649356" cy="0"/>
+          </a:xfrm>
+          <a:prstGeom prst="line">
+            <a:avLst/>
+          </a:prstGeom>
+          <a:ln>
+            <a:solidFill>
+              <a:srgbClr val="FF0000"/>
+            </a:solidFill>
+          </a:ln>
+        </p:spPr>
+        <p:style>
+          <a:lnRef idx="1">
+            <a:schemeClr val="accent1"/>
+          </a:lnRef>
+          <a:fillRef idx="0">
+            <a:schemeClr val="accent1"/>
+          </a:fillRef>
+          <a:effectRef idx="0">
+            <a:schemeClr val="accent1"/>
+          </a:effectRef>
+          <a:fontRef idx="minor">
+            <a:schemeClr val="tx1"/>
+          </a:fontRef>
+        </p:style>
+      </p:cxnSp>
+      <p:cxnSp>
+        <p:nvCxnSpPr>
+          <p:cNvPr id="18" name="直线连接符 17">
+            <a:extLst>
+              <a:ext uri="{FF2B5EF4-FFF2-40B4-BE49-F238E27FC236}">
+                <a16:creationId xmlns:a16="http://schemas.microsoft.com/office/drawing/2014/main" id="{197AC75F-D1E0-B14B-9B99-0384E9EBAC9F}"/>
+              </a:ext>
+            </a:extLst>
+          </p:cNvPr>
+          <p:cNvCxnSpPr/>
+          <p:nvPr/>
+        </p:nvCxnSpPr>
+        <p:spPr>
+          <a:xfrm>
+            <a:off x="4659345" y="4686042"/>
+            <a:ext cx="649356" cy="0"/>
+          </a:xfrm>
+          <a:prstGeom prst="line">
+            <a:avLst/>
+          </a:prstGeom>
+          <a:ln>
+            <a:solidFill>
+              <a:srgbClr val="FF0000"/>
+            </a:solidFill>
+          </a:ln>
+        </p:spPr>
+        <p:style>
+          <a:lnRef idx="1">
+            <a:schemeClr val="accent1"/>
+          </a:lnRef>
+          <a:fillRef idx="0">
+            <a:schemeClr val="accent1"/>
+          </a:fillRef>
+          <a:effectRef idx="0">
+            <a:schemeClr val="accent1"/>
+          </a:effectRef>
+          <a:fontRef idx="minor">
+            <a:schemeClr val="tx1"/>
+          </a:fontRef>
+        </p:style>
+      </p:cxnSp>
+      <p:cxnSp>
+        <p:nvCxnSpPr>
+          <p:cNvPr id="19" name="直线连接符 18">
+            <a:extLst>
+              <a:ext uri="{FF2B5EF4-FFF2-40B4-BE49-F238E27FC236}">
+                <a16:creationId xmlns:a16="http://schemas.microsoft.com/office/drawing/2014/main" id="{BD3A1F16-6C6C-0D43-93EF-C442371603D9}"/>
+              </a:ext>
+            </a:extLst>
+          </p:cNvPr>
+          <p:cNvCxnSpPr/>
+          <p:nvPr/>
+        </p:nvCxnSpPr>
+        <p:spPr>
+          <a:xfrm>
+            <a:off x="4685849" y="5807876"/>
+            <a:ext cx="649356" cy="0"/>
+          </a:xfrm>
+          <a:prstGeom prst="line">
+            <a:avLst/>
+          </a:prstGeom>
+          <a:ln>
+            <a:solidFill>
+              <a:srgbClr val="FF0000"/>
+            </a:solidFill>
+          </a:ln>
+        </p:spPr>
+        <p:style>
+          <a:lnRef idx="1">
+            <a:schemeClr val="accent1"/>
+          </a:lnRef>
+          <a:fillRef idx="0">
+            <a:schemeClr val="accent1"/>
+          </a:fillRef>
+          <a:effectRef idx="0">
+            <a:schemeClr val="accent1"/>
+          </a:effectRef>
+          <a:fontRef idx="minor">
+            <a:schemeClr val="tx1"/>
+          </a:fontRef>
+        </p:style>
+      </p:cxnSp>
     </p:spTree>
     <p:extLst>
       <p:ext uri="{BB962C8B-B14F-4D97-AF65-F5344CB8AC3E}">
@@ -7505,7 +9389,7 @@
 </p:sld>
 </file>
 
-<file path=ppt/slides/slide23.xml><?xml version="1.0" encoding="utf-8"?>
+<file path=ppt/slides/slide26.xml><?xml version="1.0" encoding="utf-8"?>
 <p:sld xmlns:a="http://schemas.openxmlformats.org/drawingml/2006/main" xmlns:r="http://schemas.openxmlformats.org/officeDocument/2006/relationships" xmlns:p="http://schemas.openxmlformats.org/presentationml/2006/main">
   <p:cSld>
     <p:spTree>
@@ -7522,8 +9406,8 @@
           <a:chExt cx="0" cy="0"/>
         </a:xfrm>
       </p:grpSpPr>
-      <mc:AlternateContent xmlns:mc="http://schemas.openxmlformats.org/markup-compatibility/2006" xmlns:a14="http://schemas.microsoft.com/office/drawing/2010/main">
-        <mc:Choice Requires="a14">
+      <mc:AlternateContent xmlns:mc="http://schemas.openxmlformats.org/markup-compatibility/2006">
+        <mc:Choice xmlns:a14="http://schemas.microsoft.com/office/drawing/2010/main" Requires="a14">
           <p:sp>
             <p:nvSpPr>
               <p:cNvPr id="2" name="标题 1">
@@ -7580,14 +9464,14 @@
                 </a14:m>
                 <a:r>
                   <a:rPr kumimoji="1" lang="en-US" altLang="zh-CN" dirty="0"/>
-                  <a:t>? (1/3)</a:t>
+                  <a:t>? (Reason 1)</a:t>
                 </a:r>
                 <a:endParaRPr kumimoji="1" lang="zh-CN" altLang="en-US" dirty="0"/>
               </a:p>
             </p:txBody>
           </p:sp>
         </mc:Choice>
-        <mc:Fallback xmlns="">
+        <mc:Fallback>
           <p:sp>
             <p:nvSpPr>
               <p:cNvPr id="2" name="标题 1">
@@ -7608,7 +9492,7 @@
               <a:blipFill>
                 <a:blip r:embed="rId2"/>
                 <a:stretch>
-                  <a:fillRect b="-7500"/>
+                  <a:fillRect l="-1608" r="-1447" b="-7500"/>
                 </a:stretch>
               </a:blipFill>
             </p:spPr>
@@ -7627,637 +9511,8 @@
           </p:sp>
         </mc:Fallback>
       </mc:AlternateContent>
-      <p:pic>
-        <p:nvPicPr>
-          <p:cNvPr id="5" name="内容占位符 4">
-            <a:extLst>
-              <a:ext uri="{FF2B5EF4-FFF2-40B4-BE49-F238E27FC236}">
-                <a16:creationId xmlns:a16="http://schemas.microsoft.com/office/drawing/2014/main" id="{7EB79CF0-4E84-914D-A344-47B829766392}"/>
-              </a:ext>
-            </a:extLst>
-          </p:cNvPr>
-          <p:cNvPicPr>
-            <a:picLocks noGrp="1" noChangeAspect="1"/>
-          </p:cNvPicPr>
-          <p:nvPr>
-            <p:ph idx="1"/>
-          </p:nvPr>
-        </p:nvPicPr>
-        <p:blipFill>
-          <a:blip r:embed="rId3">
-            <a:extLst>
-              <a:ext uri="{28A0092B-C50C-407E-A947-70E740481C1C}">
-                <a14:useLocalDpi xmlns:a14="http://schemas.microsoft.com/office/drawing/2010/main" val="0"/>
-              </a:ext>
-            </a:extLst>
-          </a:blip>
-          <a:stretch>
-            <a:fillRect/>
-          </a:stretch>
-        </p:blipFill>
-        <p:spPr>
-          <a:xfrm>
-            <a:off x="279376" y="1385449"/>
-            <a:ext cx="8585248" cy="3034144"/>
-          </a:xfrm>
-        </p:spPr>
-      </p:pic>
       <mc:AlternateContent xmlns:mc="http://schemas.openxmlformats.org/markup-compatibility/2006">
         <mc:Choice xmlns:a14="http://schemas.microsoft.com/office/drawing/2010/main" Requires="a14">
-          <p:sp>
-            <p:nvSpPr>
-              <p:cNvPr id="6" name="矩形 5">
-                <a:extLst>
-                  <a:ext uri="{FF2B5EF4-FFF2-40B4-BE49-F238E27FC236}">
-                    <a16:creationId xmlns:a16="http://schemas.microsoft.com/office/drawing/2014/main" id="{E3258457-535B-C14C-9BC8-A9BC1B4D997E}"/>
-                  </a:ext>
-                </a:extLst>
-              </p:cNvPr>
-              <p:cNvSpPr/>
-              <p:nvPr/>
-            </p:nvSpPr>
-            <p:spPr>
-              <a:xfrm>
-                <a:off x="1127422" y="4927519"/>
-                <a:ext cx="7016934" cy="1477328"/>
-              </a:xfrm>
-              <a:prstGeom prst="rect">
-                <a:avLst/>
-              </a:prstGeom>
-            </p:spPr>
-            <p:txBody>
-              <a:bodyPr wrap="square">
-                <a:spAutoFit/>
-              </a:bodyPr>
-              <a:lstStyle/>
-              <a:p>
-                <a:pPr marL="285750" indent="-285750">
-                  <a:buFont typeface="Arial" panose="020B0604020202020204" pitchFamily="34" charset="0"/>
-                  <a:buChar char="•"/>
-                </a:pPr>
-                <a:r>
-                  <a:rPr kumimoji="1" lang="en-US" altLang="zh-CN" dirty="0">
-                    <a:latin typeface="Calisto MT" panose="02040603050505030304" pitchFamily="18" charset="0"/>
-                  </a:rPr>
-                  <a:t>We need to</a:t>
-                </a:r>
-              </a:p>
-              <a:p>
-                <a:pPr marL="742950" lvl="1" indent="-285750">
-                  <a:buFont typeface="Arial" panose="020B0604020202020204" pitchFamily="34" charset="0"/>
-                  <a:buChar char="•"/>
-                </a:pPr>
-                <a:r>
-                  <a:rPr kumimoji="1" lang="en-US" altLang="zh-CN" dirty="0">
-                    <a:latin typeface="Calisto MT" panose="02040603050505030304" pitchFamily="18" charset="0"/>
-                  </a:rPr>
-                  <a:t>Push down</a:t>
-                </a:r>
-                <a:r>
-                  <a:rPr kumimoji="1" lang="zh-CN" altLang="en-US" dirty="0">
-                    <a:latin typeface="Calisto MT" panose="02040603050505030304" pitchFamily="18" charset="0"/>
-                  </a:rPr>
-                  <a:t> </a:t>
-                </a:r>
-                <a14:m>
-                  <m:oMath xmlns:m="http://schemas.openxmlformats.org/officeDocument/2006/math">
-                    <m:r>
-                      <a:rPr kumimoji="1" lang="en-US" altLang="zh-CN" i="1">
-                        <a:latin typeface="Cambria Math" panose="02040503050406030204" pitchFamily="18" charset="0"/>
-                        <a:ea typeface="Cambria Math" panose="02040503050406030204" pitchFamily="18" charset="0"/>
-                      </a:rPr>
-                      <m:t>↓</m:t>
-                    </m:r>
-                  </m:oMath>
-                </a14:m>
-                <a:r>
-                  <a:rPr kumimoji="1" lang="en-US" altLang="zh-CN" dirty="0">
-                    <a:latin typeface="Calisto MT" panose="02040603050505030304" pitchFamily="18" charset="0"/>
-                  </a:rPr>
-                  <a:t> the survival curve </a:t>
-                </a:r>
-                <a14:m>
-                  <m:oMath xmlns:m="http://schemas.openxmlformats.org/officeDocument/2006/math">
-                    <m:r>
-                      <a:rPr kumimoji="1" lang="en-US" altLang="zh-CN" i="1">
-                        <a:latin typeface="Cambria Math" panose="02040503050406030204" pitchFamily="18" charset="0"/>
-                      </a:rPr>
-                      <m:t>𝑆</m:t>
-                    </m:r>
-                    <m:r>
-                      <a:rPr kumimoji="1" lang="en-US" altLang="zh-CN" i="1">
-                        <a:latin typeface="Cambria Math" panose="02040503050406030204" pitchFamily="18" charset="0"/>
-                      </a:rPr>
-                      <m:t>(</m:t>
-                    </m:r>
-                    <m:r>
-                      <a:rPr kumimoji="1" lang="en-US" altLang="zh-CN" i="1">
-                        <a:latin typeface="Cambria Math" panose="02040503050406030204" pitchFamily="18" charset="0"/>
-                      </a:rPr>
-                      <m:t>𝑡</m:t>
-                    </m:r>
-                    <m:r>
-                      <a:rPr kumimoji="1" lang="en-US" altLang="zh-CN" i="1">
-                        <a:latin typeface="Cambria Math" panose="02040503050406030204" pitchFamily="18" charset="0"/>
-                      </a:rPr>
-                      <m:t>)</m:t>
-                    </m:r>
-                  </m:oMath>
-                </a14:m>
-                <a:r>
-                  <a:rPr kumimoji="1" lang="en-US" altLang="zh-CN" dirty="0">
-                    <a:latin typeface="Calisto MT" panose="02040603050505030304" pitchFamily="18" charset="0"/>
-                  </a:rPr>
-                  <a:t> when</a:t>
-                </a:r>
-              </a:p>
-              <a:p>
-                <a:pPr marL="1200150" lvl="2" indent="-285750">
-                  <a:buFont typeface="Arial" panose="020B0604020202020204" pitchFamily="34" charset="0"/>
-                  <a:buChar char="•"/>
-                </a:pPr>
-                <a:r>
-                  <a:rPr kumimoji="1" lang="en-US" altLang="zh-CN" dirty="0">
-                    <a:latin typeface="Calisto MT" panose="02040603050505030304" pitchFamily="18" charset="0"/>
-                  </a:rPr>
-                  <a:t>event occurred before </a:t>
-                </a:r>
-                <a14:m>
-                  <m:oMath xmlns:m="http://schemas.openxmlformats.org/officeDocument/2006/math">
-                    <m:r>
-                      <a:rPr kumimoji="1" lang="en-US" altLang="zh-CN" i="1">
-                        <a:latin typeface="Cambria Math" panose="02040503050406030204" pitchFamily="18" charset="0"/>
-                      </a:rPr>
-                      <m:t>𝑡</m:t>
-                    </m:r>
-                  </m:oMath>
-                </a14:m>
-                <a:r>
-                  <a:rPr kumimoji="1" lang="en-US" altLang="zh-CN" dirty="0">
-                    <a:latin typeface="Calisto MT" panose="02040603050505030304" pitchFamily="18" charset="0"/>
-                  </a:rPr>
-                  <a:t>, i.e., </a:t>
-                </a:r>
-                <a14:m>
-                  <m:oMath xmlns:m="http://schemas.openxmlformats.org/officeDocument/2006/math">
-                    <m:r>
-                      <m:rPr>
-                        <m:sty m:val="p"/>
-                      </m:rPr>
-                      <a:rPr kumimoji="1" lang="en-US" altLang="zh-CN">
-                        <a:latin typeface="Cambria Math" panose="02040503050406030204" pitchFamily="18" charset="0"/>
-                      </a:rPr>
-                      <m:t>z</m:t>
-                    </m:r>
-                    <m:r>
-                      <a:rPr kumimoji="1" lang="en-US" altLang="zh-CN">
-                        <a:latin typeface="Cambria Math" panose="02040503050406030204" pitchFamily="18" charset="0"/>
-                      </a:rPr>
-                      <m:t>&lt;</m:t>
-                    </m:r>
-                    <m:r>
-                      <a:rPr kumimoji="1" lang="en-US" altLang="zh-CN" i="1">
-                        <a:latin typeface="Cambria Math" panose="02040503050406030204" pitchFamily="18" charset="0"/>
-                      </a:rPr>
-                      <m:t>𝑡</m:t>
-                    </m:r>
-                  </m:oMath>
-                </a14:m>
-                <a:r>
-                  <a:rPr kumimoji="1" lang="en-US" altLang="zh-CN" dirty="0">
-                    <a:latin typeface="Calisto MT" panose="02040603050505030304" pitchFamily="18" charset="0"/>
-                  </a:rPr>
-                  <a:t> for uncensored data.</a:t>
-                </a:r>
-              </a:p>
-              <a:p>
-                <a:pPr marL="742950" lvl="1" indent="-285750">
-                  <a:buFont typeface="Arial" panose="020B0604020202020204" pitchFamily="34" charset="0"/>
-                  <a:buChar char="•"/>
-                </a:pPr>
-                <a:r>
-                  <a:rPr kumimoji="1" lang="en-US" altLang="zh-CN" dirty="0">
-                    <a:latin typeface="Calisto MT" panose="02040603050505030304" pitchFamily="18" charset="0"/>
-                  </a:rPr>
-                  <a:t>Pull up</a:t>
-                </a:r>
-                <a:r>
-                  <a:rPr kumimoji="1" lang="en-US" altLang="zh-CN" dirty="0">
-                    <a:latin typeface="Calisto MT" panose="02040603050505030304" pitchFamily="18" charset="0"/>
-                    <a:ea typeface="Cambria Math" panose="02040503050406030204" pitchFamily="18" charset="0"/>
-                  </a:rPr>
-                  <a:t> </a:t>
-                </a:r>
-                <a14:m>
-                  <m:oMath xmlns:m="http://schemas.openxmlformats.org/officeDocument/2006/math">
-                    <m:r>
-                      <a:rPr kumimoji="1" lang="en-US" altLang="zh-CN" i="1">
-                        <a:latin typeface="Cambria Math" panose="02040503050406030204" pitchFamily="18" charset="0"/>
-                        <a:ea typeface="Cambria Math" panose="02040503050406030204" pitchFamily="18" charset="0"/>
-                      </a:rPr>
-                      <m:t>↑</m:t>
-                    </m:r>
-                  </m:oMath>
-                </a14:m>
-                <a:r>
-                  <a:rPr kumimoji="1" lang="en-US" altLang="zh-CN" dirty="0">
-                    <a:latin typeface="Calisto MT" panose="02040603050505030304" pitchFamily="18" charset="0"/>
-                  </a:rPr>
-                  <a:t> the survival curve </a:t>
-                </a:r>
-                <a14:m>
-                  <m:oMath xmlns:m="http://schemas.openxmlformats.org/officeDocument/2006/math">
-                    <m:r>
-                      <a:rPr kumimoji="1" lang="en-US" altLang="zh-CN" i="1">
-                        <a:latin typeface="Cambria Math" panose="02040503050406030204" pitchFamily="18" charset="0"/>
-                      </a:rPr>
-                      <m:t>𝑆</m:t>
-                    </m:r>
-                    <m:r>
-                      <a:rPr kumimoji="1" lang="en-US" altLang="zh-CN" i="1">
-                        <a:latin typeface="Cambria Math" panose="02040503050406030204" pitchFamily="18" charset="0"/>
-                      </a:rPr>
-                      <m:t>(</m:t>
-                    </m:r>
-                    <m:r>
-                      <a:rPr kumimoji="1" lang="en-US" altLang="zh-CN" i="1">
-                        <a:latin typeface="Cambria Math" panose="02040503050406030204" pitchFamily="18" charset="0"/>
-                      </a:rPr>
-                      <m:t>𝑡</m:t>
-                    </m:r>
-                    <m:r>
-                      <a:rPr kumimoji="1" lang="en-US" altLang="zh-CN" i="1">
-                        <a:latin typeface="Cambria Math" panose="02040503050406030204" pitchFamily="18" charset="0"/>
-                      </a:rPr>
-                      <m:t>)</m:t>
-                    </m:r>
-                  </m:oMath>
-                </a14:m>
-                <a:r>
-                  <a:rPr kumimoji="1" lang="en-US" altLang="zh-CN" dirty="0">
-                    <a:latin typeface="Calisto MT" panose="02040603050505030304" pitchFamily="18" charset="0"/>
-                  </a:rPr>
-                  <a:t> when </a:t>
-                </a:r>
-              </a:p>
-              <a:p>
-                <a:pPr marL="1200150" lvl="2" indent="-285750">
-                  <a:buFont typeface="Arial" panose="020B0604020202020204" pitchFamily="34" charset="0"/>
-                  <a:buChar char="•"/>
-                </a:pPr>
-                <a:r>
-                  <a:rPr kumimoji="1" lang="en-US" altLang="zh-CN" dirty="0">
-                    <a:latin typeface="Calisto MT" panose="02040603050505030304" pitchFamily="18" charset="0"/>
-                  </a:rPr>
-                  <a:t>event not occurs before </a:t>
-                </a:r>
-                <a14:m>
-                  <m:oMath xmlns:m="http://schemas.openxmlformats.org/officeDocument/2006/math">
-                    <m:r>
-                      <a:rPr kumimoji="1" lang="en-US" altLang="zh-CN" i="1">
-                        <a:latin typeface="Cambria Math" panose="02040503050406030204" pitchFamily="18" charset="0"/>
-                      </a:rPr>
-                      <m:t>𝑡</m:t>
-                    </m:r>
-                  </m:oMath>
-                </a14:m>
-                <a:r>
-                  <a:rPr kumimoji="1" lang="en-US" altLang="zh-CN" dirty="0">
-                    <a:latin typeface="Calisto MT" panose="02040603050505030304" pitchFamily="18" charset="0"/>
-                  </a:rPr>
-                  <a:t>, i.e., </a:t>
-                </a:r>
-                <a14:m>
-                  <m:oMath xmlns:m="http://schemas.openxmlformats.org/officeDocument/2006/math">
-                    <m:r>
-                      <m:rPr>
-                        <m:sty m:val="p"/>
-                      </m:rPr>
-                      <a:rPr kumimoji="1" lang="en-US" altLang="zh-CN">
-                        <a:latin typeface="Cambria Math" panose="02040503050406030204" pitchFamily="18" charset="0"/>
-                      </a:rPr>
-                      <m:t>z</m:t>
-                    </m:r>
-                    <m:r>
-                      <a:rPr kumimoji="1" lang="en-US" altLang="zh-CN" i="1">
-                        <a:latin typeface="Cambria Math" panose="02040503050406030204" pitchFamily="18" charset="0"/>
-                      </a:rPr>
-                      <m:t>&gt;</m:t>
-                    </m:r>
-                    <m:r>
-                      <a:rPr kumimoji="1" lang="en-US" altLang="zh-CN" i="1">
-                        <a:latin typeface="Cambria Math" panose="02040503050406030204" pitchFamily="18" charset="0"/>
-                      </a:rPr>
-                      <m:t>𝑡</m:t>
-                    </m:r>
-                  </m:oMath>
-                </a14:m>
-                <a:r>
-                  <a:rPr kumimoji="1" lang="en-US" altLang="zh-CN" dirty="0">
-                    <a:latin typeface="Calisto MT" panose="02040603050505030304" pitchFamily="18" charset="0"/>
-                  </a:rPr>
-                  <a:t> for censored data.</a:t>
-                </a:r>
-              </a:p>
-            </p:txBody>
-          </p:sp>
-        </mc:Choice>
-        <mc:Fallback>
-          <p:sp>
-            <p:nvSpPr>
-              <p:cNvPr id="6" name="矩形 5">
-                <a:extLst>
-                  <a:ext uri="{FF2B5EF4-FFF2-40B4-BE49-F238E27FC236}">
-                    <a16:creationId xmlns:a16="http://schemas.microsoft.com/office/drawing/2014/main" id="{E3258457-535B-C14C-9BC8-A9BC1B4D997E}"/>
-                  </a:ext>
-                </a:extLst>
-              </p:cNvPr>
-              <p:cNvSpPr>
-                <a:spLocks noRot="1" noChangeAspect="1" noMove="1" noResize="1" noEditPoints="1" noAdjustHandles="1" noChangeArrowheads="1" noChangeShapeType="1" noTextEdit="1"/>
-              </p:cNvSpPr>
-              <p:nvPr/>
-            </p:nvSpPr>
-            <p:spPr>
-              <a:xfrm>
-                <a:off x="1127422" y="4927519"/>
-                <a:ext cx="7016934" cy="1477328"/>
-              </a:xfrm>
-              <a:prstGeom prst="rect">
-                <a:avLst/>
-              </a:prstGeom>
-              <a:blipFill>
-                <a:blip r:embed="rId4"/>
-                <a:stretch>
-                  <a:fillRect l="-542" t="-1709" b="-5128"/>
-                </a:stretch>
-              </a:blipFill>
-            </p:spPr>
-            <p:txBody>
-              <a:bodyPr/>
-              <a:lstStyle/>
-              <a:p>
-                <a:r>
-                  <a:rPr lang="zh-CN" altLang="en-US">
-                    <a:noFill/>
-                  </a:rPr>
-                  <a:t> </a:t>
-                </a:r>
-              </a:p>
-            </p:txBody>
-          </p:sp>
-        </mc:Fallback>
-      </mc:AlternateContent>
-      <p:sp>
-        <p:nvSpPr>
-          <p:cNvPr id="7" name="文本框 6">
-            <a:extLst>
-              <a:ext uri="{FF2B5EF4-FFF2-40B4-BE49-F238E27FC236}">
-                <a16:creationId xmlns:a16="http://schemas.microsoft.com/office/drawing/2014/main" id="{CEEF2D60-58DF-F646-8CC0-1E43016C1D27}"/>
-              </a:ext>
-            </a:extLst>
-          </p:cNvPr>
-          <p:cNvSpPr txBox="1"/>
-          <p:nvPr/>
-        </p:nvSpPr>
-        <p:spPr>
-          <a:xfrm>
-            <a:off x="1662546" y="4285792"/>
-            <a:ext cx="2006383" cy="646331"/>
-          </a:xfrm>
-          <a:prstGeom prst="rect">
-            <a:avLst/>
-          </a:prstGeom>
-          <a:noFill/>
-        </p:spPr>
-        <p:txBody>
-          <a:bodyPr wrap="none" rtlCol="0">
-            <a:spAutoFit/>
-          </a:bodyPr>
-          <a:lstStyle/>
-          <a:p>
-            <a:r>
-              <a:rPr kumimoji="1" lang="en-US" altLang="zh-CN" dirty="0">
-                <a:solidFill>
-                  <a:schemeClr val="accent6">
-                    <a:lumMod val="75000"/>
-                  </a:schemeClr>
-                </a:solidFill>
-              </a:rPr>
-              <a:t>Uncensored Case</a:t>
-            </a:r>
-          </a:p>
-          <a:p>
-            <a:r>
-              <a:rPr kumimoji="1" lang="en-US" altLang="zh-CN" dirty="0">
-                <a:solidFill>
-                  <a:schemeClr val="accent6">
-                    <a:lumMod val="75000"/>
-                  </a:schemeClr>
-                </a:solidFill>
-              </a:rPr>
-              <a:t>(z has been known)</a:t>
-            </a:r>
-            <a:endParaRPr kumimoji="1" lang="zh-CN" altLang="en-US" dirty="0">
-              <a:solidFill>
-                <a:schemeClr val="accent6">
-                  <a:lumMod val="75000"/>
-                </a:schemeClr>
-              </a:solidFill>
-            </a:endParaRPr>
-          </a:p>
-        </p:txBody>
-      </p:sp>
-      <p:sp>
-        <p:nvSpPr>
-          <p:cNvPr id="8" name="文本框 7">
-            <a:extLst>
-              <a:ext uri="{FF2B5EF4-FFF2-40B4-BE49-F238E27FC236}">
-                <a16:creationId xmlns:a16="http://schemas.microsoft.com/office/drawing/2014/main" id="{4AEBE84A-4002-1E45-AFB5-63D2C443D52E}"/>
-              </a:ext>
-            </a:extLst>
-          </p:cNvPr>
-          <p:cNvSpPr txBox="1"/>
-          <p:nvPr/>
-        </p:nvSpPr>
-        <p:spPr>
-          <a:xfrm>
-            <a:off x="6165273" y="4281188"/>
-            <a:ext cx="1563441" cy="646331"/>
-          </a:xfrm>
-          <a:prstGeom prst="rect">
-            <a:avLst/>
-          </a:prstGeom>
-          <a:noFill/>
-        </p:spPr>
-        <p:txBody>
-          <a:bodyPr wrap="none" rtlCol="0">
-            <a:spAutoFit/>
-          </a:bodyPr>
-          <a:lstStyle/>
-          <a:p>
-            <a:r>
-              <a:rPr kumimoji="1" lang="en-US" altLang="zh-CN" dirty="0">
-                <a:solidFill>
-                  <a:srgbClr val="FF0000"/>
-                </a:solidFill>
-              </a:rPr>
-              <a:t>Censored Case</a:t>
-            </a:r>
-          </a:p>
-          <a:p>
-            <a:r>
-              <a:rPr kumimoji="1" lang="en-US" altLang="zh-CN" dirty="0">
-                <a:solidFill>
-                  <a:srgbClr val="FF0000"/>
-                </a:solidFill>
-              </a:rPr>
-              <a:t>(z is unknown)</a:t>
-            </a:r>
-            <a:endParaRPr kumimoji="1" lang="zh-CN" altLang="en-US" dirty="0">
-              <a:solidFill>
-                <a:srgbClr val="FF0000"/>
-              </a:solidFill>
-            </a:endParaRPr>
-          </a:p>
-        </p:txBody>
-      </p:sp>
-    </p:spTree>
-    <p:extLst>
-      <p:ext uri="{BB962C8B-B14F-4D97-AF65-F5344CB8AC3E}">
-        <p14:creationId xmlns:p14="http://schemas.microsoft.com/office/powerpoint/2010/main" val="3666328741"/>
-      </p:ext>
-    </p:extLst>
-  </p:cSld>
-  <p:clrMapOvr>
-    <a:masterClrMapping/>
-  </p:clrMapOvr>
-</p:sld>
-</file>
-
-<file path=ppt/slides/slide24.xml><?xml version="1.0" encoding="utf-8"?>
-<p:sld xmlns:a="http://schemas.openxmlformats.org/drawingml/2006/main" xmlns:r="http://schemas.openxmlformats.org/officeDocument/2006/relationships" xmlns:p="http://schemas.openxmlformats.org/presentationml/2006/main">
-  <p:cSld>
-    <p:spTree>
-      <p:nvGrpSpPr>
-        <p:cNvPr id="1" name=""/>
-        <p:cNvGrpSpPr/>
-        <p:nvPr/>
-      </p:nvGrpSpPr>
-      <p:grpSpPr>
-        <a:xfrm>
-          <a:off x="0" y="0"/>
-          <a:ext cx="0" cy="0"/>
-          <a:chOff x="0" y="0"/>
-          <a:chExt cx="0" cy="0"/>
-        </a:xfrm>
-      </p:grpSpPr>
-      <mc:AlternateContent xmlns:mc="http://schemas.openxmlformats.org/markup-compatibility/2006" xmlns:a14="http://schemas.microsoft.com/office/drawing/2010/main">
-        <mc:Choice Requires="a14">
-          <p:sp>
-            <p:nvSpPr>
-              <p:cNvPr id="2" name="标题 1">
-                <a:extLst>
-                  <a:ext uri="{FF2B5EF4-FFF2-40B4-BE49-F238E27FC236}">
-                    <a16:creationId xmlns:a16="http://schemas.microsoft.com/office/drawing/2014/main" id="{B5272BD6-26B4-AB4F-8ABE-802AA1404315}"/>
-                  </a:ext>
-                </a:extLst>
-              </p:cNvPr>
-              <p:cNvSpPr>
-                <a:spLocks noGrp="1"/>
-              </p:cNvSpPr>
-              <p:nvPr>
-                <p:ph type="title"/>
-              </p:nvPr>
-            </p:nvSpPr>
-            <p:spPr/>
-            <p:txBody>
-              <a:bodyPr/>
-              <a:lstStyle/>
-              <a:p>
-                <a:r>
-                  <a:rPr kumimoji="1" lang="en-US" altLang="zh-CN" dirty="0"/>
-                  <a:t>Why need </a:t>
-                </a:r>
-                <a14:m>
-                  <m:oMath xmlns:m="http://schemas.openxmlformats.org/officeDocument/2006/math">
-                    <m:sSub>
-                      <m:sSubPr>
-                        <m:ctrlPr>
-                          <a:rPr kumimoji="1" lang="en-US" altLang="zh-CN" b="1" i="1" smtClean="0">
-                            <a:latin typeface="Cambria Math" panose="02040503050406030204" pitchFamily="18" charset="0"/>
-                          </a:rPr>
-                        </m:ctrlPr>
-                      </m:sSubPr>
-                      <m:e>
-                        <m:r>
-                          <a:rPr kumimoji="1" lang="en-US" altLang="zh-CN" b="1" i="1" smtClean="0">
-                            <a:latin typeface="Cambria Math" panose="02040503050406030204" pitchFamily="18" charset="0"/>
-                          </a:rPr>
-                          <m:t>𝑳</m:t>
-                        </m:r>
-                      </m:e>
-                      <m:sub>
-                        <m:r>
-                          <a:rPr kumimoji="1" lang="en-US" altLang="zh-CN" b="1" i="1" smtClean="0">
-                            <a:latin typeface="Cambria Math" panose="02040503050406030204" pitchFamily="18" charset="0"/>
-                          </a:rPr>
-                          <m:t>𝒖𝒏𝒄𝒆𝒏𝒔𝒐𝒓𝒆𝒅</m:t>
-                        </m:r>
-                      </m:sub>
-                    </m:sSub>
-                  </m:oMath>
-                </a14:m>
-                <a:r>
-                  <a:rPr kumimoji="1" lang="en-US" altLang="zh-CN" dirty="0"/>
-                  <a:t>? (2/3)</a:t>
-                </a:r>
-                <a:endParaRPr kumimoji="1" lang="zh-CN" altLang="en-US" dirty="0"/>
-              </a:p>
-            </p:txBody>
-          </p:sp>
-        </mc:Choice>
-        <mc:Fallback xmlns="">
-          <p:sp>
-            <p:nvSpPr>
-              <p:cNvPr id="2" name="标题 1">
-                <a:extLst>
-                  <a:ext uri="{FF2B5EF4-FFF2-40B4-BE49-F238E27FC236}">
-                    <a16:creationId xmlns:a16="http://schemas.microsoft.com/office/drawing/2014/main" id="{B5272BD6-26B4-AB4F-8ABE-802AA1404315}"/>
-                  </a:ext>
-                </a:extLst>
-              </p:cNvPr>
-              <p:cNvSpPr>
-                <a:spLocks noGrp="1" noRot="1" noChangeAspect="1" noMove="1" noResize="1" noEditPoints="1" noAdjustHandles="1" noChangeArrowheads="1" noChangeShapeType="1" noTextEdit="1"/>
-              </p:cNvSpPr>
-              <p:nvPr>
-                <p:ph type="title"/>
-              </p:nvPr>
-            </p:nvSpPr>
-            <p:spPr>
-              <a:blipFill>
-                <a:blip r:embed="rId2"/>
-                <a:stretch>
-                  <a:fillRect b="-7500"/>
-                </a:stretch>
-              </a:blipFill>
-            </p:spPr>
-            <p:txBody>
-              <a:bodyPr/>
-              <a:lstStyle/>
-              <a:p>
-                <a:r>
-                  <a:rPr lang="zh-CN" altLang="en-US">
-                    <a:noFill/>
-                  </a:rPr>
-                  <a:t> </a:t>
-                </a:r>
-              </a:p>
-            </p:txBody>
-          </p:sp>
-        </mc:Fallback>
-      </mc:AlternateContent>
-      <mc:AlternateContent xmlns:mc="http://schemas.openxmlformats.org/markup-compatibility/2006" xmlns:a14="http://schemas.microsoft.com/office/drawing/2010/main">
-        <mc:Choice Requires="a14">
           <p:sp>
             <p:nvSpPr>
               <p:cNvPr id="3" name="内容占位符 2">
@@ -8310,7 +9565,7 @@
                 </a14:m>
                 <a:r>
                   <a:rPr kumimoji="1" lang="en-US" altLang="zh-CN" dirty="0"/>
-                  <a:t> supervises at the true event time </a:t>
+                  <a:t> only supervises at the true event time </a:t>
                 </a:r>
                 <a14:m>
                   <m:oMath xmlns:m="http://schemas.openxmlformats.org/officeDocument/2006/math">
@@ -8326,6 +9581,9 @@
                   <a:rPr kumimoji="1" lang="en-US" altLang="zh-CN" dirty="0"/>
                   <a:t> of uncensored data</a:t>
                 </a:r>
+              </a:p>
+              <a:p>
+                <a:endParaRPr kumimoji="1" lang="en-US" altLang="zh-CN" dirty="0"/>
               </a:p>
               <a:p>
                 <a14:m>
@@ -8424,7 +9682,7 @@
             </p:txBody>
           </p:sp>
         </mc:Choice>
-        <mc:Fallback xmlns="">
+        <mc:Fallback>
           <p:sp>
             <p:nvSpPr>
               <p:cNvPr id="3" name="内容占位符 2">
@@ -8477,7 +9735,7 @@
 </p:sld>
 </file>
 
-<file path=ppt/slides/slide25.xml><?xml version="1.0" encoding="utf-8"?>
+<file path=ppt/slides/slide27.xml><?xml version="1.0" encoding="utf-8"?>
 <p:sld xmlns:a="http://schemas.openxmlformats.org/drawingml/2006/main" xmlns:r="http://schemas.openxmlformats.org/officeDocument/2006/relationships" xmlns:p="http://schemas.openxmlformats.org/presentationml/2006/main">
   <p:cSld>
     <p:spTree>
@@ -8494,8 +9752,8 @@
           <a:chExt cx="0" cy="0"/>
         </a:xfrm>
       </p:grpSpPr>
-      <mc:AlternateContent xmlns:mc="http://schemas.openxmlformats.org/markup-compatibility/2006" xmlns:a14="http://schemas.microsoft.com/office/drawing/2010/main">
-        <mc:Choice Requires="a14">
+      <mc:AlternateContent xmlns:mc="http://schemas.openxmlformats.org/markup-compatibility/2006">
+        <mc:Choice xmlns:a14="http://schemas.microsoft.com/office/drawing/2010/main" Requires="a14">
           <p:sp>
             <p:nvSpPr>
               <p:cNvPr id="2" name="标题 1">
@@ -8552,14 +9810,14 @@
                 </a14:m>
                 <a:r>
                   <a:rPr kumimoji="1" lang="en-US" altLang="zh-CN" dirty="0"/>
-                  <a:t>? (3/3)</a:t>
+                  <a:t>? (Reason 2)</a:t>
                 </a:r>
                 <a:endParaRPr kumimoji="1" lang="zh-CN" altLang="en-US" dirty="0"/>
               </a:p>
             </p:txBody>
           </p:sp>
         </mc:Choice>
-        <mc:Fallback xmlns="">
+        <mc:Fallback>
           <p:sp>
             <p:nvSpPr>
               <p:cNvPr id="2" name="标题 1">
@@ -8580,7 +9838,7 @@
               <a:blipFill>
                 <a:blip r:embed="rId2"/>
                 <a:stretch>
-                  <a:fillRect b="-7500"/>
+                  <a:fillRect l="-1608" r="-1447" b="-7500"/>
                 </a:stretch>
               </a:blipFill>
             </p:spPr>
@@ -8599,8 +9857,8 @@
           </p:sp>
         </mc:Fallback>
       </mc:AlternateContent>
-      <mc:AlternateContent xmlns:mc="http://schemas.openxmlformats.org/markup-compatibility/2006" xmlns:a14="http://schemas.microsoft.com/office/drawing/2010/main">
-        <mc:Choice Requires="a14">
+      <mc:AlternateContent xmlns:mc="http://schemas.openxmlformats.org/markup-compatibility/2006">
+        <mc:Choice xmlns:a14="http://schemas.microsoft.com/office/drawing/2010/main" Requires="a14">
           <p:sp>
             <p:nvSpPr>
               <p:cNvPr id="3" name="内容占位符 2">
@@ -8697,15 +9955,239 @@
                 <a:pPr lvl="1"/>
                 <a:r>
                   <a:rPr kumimoji="1" lang="en-US" altLang="zh-CN" dirty="0"/>
-                  <a:t>A binary classification loss</a:t>
-                </a:r>
+                  <a:t>A binary </a:t>
+                </a:r>
+                <a:r>
+                  <a:rPr kumimoji="1" lang="en-US" altLang="zh-CN" u="sng" dirty="0"/>
+                  <a:t>classification loss</a:t>
+                </a:r>
+                <a:r>
+                  <a:rPr kumimoji="1" lang="en-US" altLang="zh-CN" dirty="0"/>
+                  <a:t> of </a:t>
+                </a:r>
+                <a:r>
+                  <a:rPr kumimoji="1" lang="en-US" altLang="zh-CN" dirty="0">
+                    <a:solidFill>
+                      <a:srgbClr val="FF0000"/>
+                    </a:solidFill>
+                  </a:rPr>
+                  <a:t>censorship</a:t>
+                </a:r>
+                <a:r>
+                  <a:rPr kumimoji="1" lang="en-US" altLang="zh-CN" dirty="0"/>
+                  <a:t> for the observed sample </a:t>
+                </a:r>
+                <a14:m>
+                  <m:oMath xmlns:m="http://schemas.openxmlformats.org/officeDocument/2006/math">
+                    <m:d>
+                      <m:dPr>
+                        <m:ctrlPr>
+                          <a:rPr kumimoji="1" lang="en-US" altLang="zh-CN" b="0" i="1" smtClean="0">
+                            <a:latin typeface="Cambria Math" panose="02040503050406030204" pitchFamily="18" charset="0"/>
+                          </a:rPr>
+                        </m:ctrlPr>
+                      </m:dPr>
+                      <m:e>
+                        <m:sSup>
+                          <m:sSupPr>
+                            <m:ctrlPr>
+                              <a:rPr kumimoji="1" lang="en-US" altLang="zh-CN" b="0" i="1" smtClean="0">
+                                <a:latin typeface="Cambria Math" panose="02040503050406030204" pitchFamily="18" charset="0"/>
+                              </a:rPr>
+                            </m:ctrlPr>
+                          </m:sSupPr>
+                          <m:e>
+                            <m:r>
+                              <a:rPr kumimoji="1" lang="en-US" altLang="zh-CN" b="0" i="1" smtClean="0">
+                                <a:latin typeface="Cambria Math" panose="02040503050406030204" pitchFamily="18" charset="0"/>
+                              </a:rPr>
+                              <m:t>𝑥</m:t>
+                            </m:r>
+                          </m:e>
+                          <m:sup>
+                            <m:r>
+                              <a:rPr kumimoji="1" lang="en-US" altLang="zh-CN" b="0" i="1" smtClean="0">
+                                <a:latin typeface="Cambria Math" panose="02040503050406030204" pitchFamily="18" charset="0"/>
+                              </a:rPr>
+                              <m:t>𝑖</m:t>
+                            </m:r>
+                          </m:sup>
+                        </m:sSup>
+                        <m:r>
+                          <a:rPr kumimoji="1" lang="en-US" altLang="zh-CN" b="0" i="1" smtClean="0">
+                            <a:latin typeface="Cambria Math" panose="02040503050406030204" pitchFamily="18" charset="0"/>
+                          </a:rPr>
+                          <m:t>,</m:t>
+                        </m:r>
+                        <m:sSup>
+                          <m:sSupPr>
+                            <m:ctrlPr>
+                              <a:rPr kumimoji="1" lang="en-US" altLang="zh-CN" b="0" i="1" smtClean="0">
+                                <a:latin typeface="Cambria Math" panose="02040503050406030204" pitchFamily="18" charset="0"/>
+                              </a:rPr>
+                            </m:ctrlPr>
+                          </m:sSupPr>
+                          <m:e>
+                            <m:r>
+                              <a:rPr kumimoji="1" lang="en-US" altLang="zh-CN" b="0" i="1" smtClean="0">
+                                <a:latin typeface="Cambria Math" panose="02040503050406030204" pitchFamily="18" charset="0"/>
+                              </a:rPr>
+                              <m:t>𝑡</m:t>
+                            </m:r>
+                          </m:e>
+                          <m:sup>
+                            <m:r>
+                              <a:rPr kumimoji="1" lang="en-US" altLang="zh-CN" b="0" i="1" smtClean="0">
+                                <a:latin typeface="Cambria Math" panose="02040503050406030204" pitchFamily="18" charset="0"/>
+                              </a:rPr>
+                              <m:t>𝑖</m:t>
+                            </m:r>
+                          </m:sup>
+                        </m:sSup>
+                      </m:e>
+                    </m:d>
+                  </m:oMath>
+                </a14:m>
+                <a:endParaRPr kumimoji="1" lang="en-US" altLang="zh-CN" b="0" dirty="0"/>
               </a:p>
               <a:p>
                 <a:pPr lvl="1"/>
                 <a:r>
                   <a:rPr kumimoji="1" lang="en-US" altLang="zh-CN" dirty="0"/>
-                  <a:t>The commonly used metric C-index is the same as AUC metric in the binary classification tasks.</a:t>
-                </a:r>
+                  <a:t>To judge whether </a:t>
+                </a:r>
+                <a14:m>
+                  <m:oMath xmlns:m="http://schemas.openxmlformats.org/officeDocument/2006/math">
+                    <m:sSup>
+                      <m:sSupPr>
+                        <m:ctrlPr>
+                          <a:rPr kumimoji="1" lang="en-US" altLang="zh-CN" b="0" i="1" smtClean="0">
+                            <a:latin typeface="Cambria Math" panose="02040503050406030204" pitchFamily="18" charset="0"/>
+                          </a:rPr>
+                        </m:ctrlPr>
+                      </m:sSupPr>
+                      <m:e>
+                        <m:r>
+                          <a:rPr kumimoji="1" lang="en-US" altLang="zh-CN" b="0" i="1" smtClean="0">
+                            <a:latin typeface="Cambria Math" panose="02040503050406030204" pitchFamily="18" charset="0"/>
+                          </a:rPr>
+                          <m:t>𝑧</m:t>
+                        </m:r>
+                      </m:e>
+                      <m:sup>
+                        <m:r>
+                          <a:rPr kumimoji="1" lang="en-US" altLang="zh-CN" b="0" i="1" smtClean="0">
+                            <a:latin typeface="Cambria Math" panose="02040503050406030204" pitchFamily="18" charset="0"/>
+                          </a:rPr>
+                          <m:t>𝑖</m:t>
+                        </m:r>
+                      </m:sup>
+                    </m:sSup>
+                    <m:r>
+                      <a:rPr kumimoji="1" lang="en-US" altLang="zh-CN" b="0" i="1" smtClean="0">
+                        <a:latin typeface="Cambria Math" panose="02040503050406030204" pitchFamily="18" charset="0"/>
+                      </a:rPr>
+                      <m:t>≤</m:t>
+                    </m:r>
+                    <m:sSup>
+                      <m:sSupPr>
+                        <m:ctrlPr>
+                          <a:rPr kumimoji="1" lang="en-US" altLang="zh-CN" b="0" i="1" smtClean="0">
+                            <a:latin typeface="Cambria Math" panose="02040503050406030204" pitchFamily="18" charset="0"/>
+                          </a:rPr>
+                        </m:ctrlPr>
+                      </m:sSupPr>
+                      <m:e>
+                        <m:r>
+                          <a:rPr kumimoji="1" lang="en-US" altLang="zh-CN" b="0" i="1" smtClean="0">
+                            <a:latin typeface="Cambria Math" panose="02040503050406030204" pitchFamily="18" charset="0"/>
+                          </a:rPr>
+                          <m:t>𝑡</m:t>
+                        </m:r>
+                      </m:e>
+                      <m:sup>
+                        <m:r>
+                          <a:rPr kumimoji="1" lang="en-US" altLang="zh-CN" b="0" i="1" smtClean="0">
+                            <a:latin typeface="Cambria Math" panose="02040503050406030204" pitchFamily="18" charset="0"/>
+                          </a:rPr>
+                          <m:t>𝑖</m:t>
+                        </m:r>
+                      </m:sup>
+                    </m:sSup>
+                  </m:oMath>
+                </a14:m>
+                <a:r>
+                  <a:rPr kumimoji="1" lang="en-US" altLang="zh-CN" dirty="0"/>
+                  <a:t> or </a:t>
+                </a:r>
+                <a14:m>
+                  <m:oMath xmlns:m="http://schemas.openxmlformats.org/officeDocument/2006/math">
+                    <m:sSup>
+                      <m:sSupPr>
+                        <m:ctrlPr>
+                          <a:rPr kumimoji="1" lang="en-US" altLang="zh-CN" b="0" i="1" smtClean="0">
+                            <a:latin typeface="Cambria Math" panose="02040503050406030204" pitchFamily="18" charset="0"/>
+                          </a:rPr>
+                        </m:ctrlPr>
+                      </m:sSupPr>
+                      <m:e>
+                        <m:r>
+                          <a:rPr kumimoji="1" lang="en-US" altLang="zh-CN" b="0" i="1" smtClean="0">
+                            <a:latin typeface="Cambria Math" panose="02040503050406030204" pitchFamily="18" charset="0"/>
+                          </a:rPr>
+                          <m:t>𝑧</m:t>
+                        </m:r>
+                      </m:e>
+                      <m:sup>
+                        <m:r>
+                          <a:rPr kumimoji="1" lang="en-US" altLang="zh-CN" b="0" i="1" smtClean="0">
+                            <a:latin typeface="Cambria Math" panose="02040503050406030204" pitchFamily="18" charset="0"/>
+                          </a:rPr>
+                          <m:t>𝑖</m:t>
+                        </m:r>
+                      </m:sup>
+                    </m:sSup>
+                    <m:r>
+                      <a:rPr kumimoji="1" lang="en-US" altLang="zh-CN" b="0" i="1" smtClean="0">
+                        <a:latin typeface="Cambria Math" panose="02040503050406030204" pitchFamily="18" charset="0"/>
+                      </a:rPr>
+                      <m:t>&gt;</m:t>
+                    </m:r>
+                    <m:sSup>
+                      <m:sSupPr>
+                        <m:ctrlPr>
+                          <a:rPr kumimoji="1" lang="en-US" altLang="zh-CN" b="0" i="1" smtClean="0">
+                            <a:latin typeface="Cambria Math" panose="02040503050406030204" pitchFamily="18" charset="0"/>
+                          </a:rPr>
+                        </m:ctrlPr>
+                      </m:sSupPr>
+                      <m:e>
+                        <m:r>
+                          <a:rPr kumimoji="1" lang="en-US" altLang="zh-CN" b="0" i="1" smtClean="0">
+                            <a:latin typeface="Cambria Math" panose="02040503050406030204" pitchFamily="18" charset="0"/>
+                          </a:rPr>
+                          <m:t>𝑡</m:t>
+                        </m:r>
+                      </m:e>
+                      <m:sup>
+                        <m:r>
+                          <a:rPr kumimoji="1" lang="en-US" altLang="zh-CN" b="0" i="1" smtClean="0">
+                            <a:latin typeface="Cambria Math" panose="02040503050406030204" pitchFamily="18" charset="0"/>
+                          </a:rPr>
+                          <m:t>𝑖</m:t>
+                        </m:r>
+                      </m:sup>
+                    </m:sSup>
+                  </m:oMath>
+                </a14:m>
+                <a:r>
+                  <a:rPr kumimoji="1" lang="en-US" altLang="zh-CN" dirty="0"/>
+                  <a:t>.</a:t>
+                </a:r>
+              </a:p>
+              <a:p>
+                <a:pPr lvl="1"/>
+                <a:endParaRPr kumimoji="1" lang="en-US" altLang="zh-CN" dirty="0"/>
               </a:p>
               <a:p>
                 <a:endParaRPr kumimoji="1" lang="zh-CN" altLang="en-US" dirty="0"/>
@@ -8713,7 +10195,7 @@
             </p:txBody>
           </p:sp>
         </mc:Choice>
-        <mc:Fallback xmlns="">
+        <mc:Fallback>
           <p:sp>
             <p:nvSpPr>
               <p:cNvPr id="3" name="内容占位符 2">
@@ -8775,7 +10257,7 @@
         </p:blipFill>
         <p:spPr>
           <a:xfrm>
-            <a:off x="1728355" y="3893612"/>
+            <a:off x="1714500" y="4185160"/>
             <a:ext cx="5715000" cy="2514600"/>
           </a:xfrm>
           <a:prstGeom prst="rect">
@@ -8805,7 +10287,7 @@
         </p:blipFill>
         <p:spPr>
           <a:xfrm>
-            <a:off x="2926195" y="3111160"/>
+            <a:off x="2906920" y="3294063"/>
             <a:ext cx="2959100" cy="736600"/>
           </a:xfrm>
           <a:prstGeom prst="rect">
@@ -8826,7 +10308,515 @@
 </p:sld>
 </file>
 
-<file path=ppt/slides/slide26.xml><?xml version="1.0" encoding="utf-8"?>
+<file path=ppt/slides/slide28.xml><?xml version="1.0" encoding="utf-8"?>
+<p:sld xmlns:a="http://schemas.openxmlformats.org/drawingml/2006/main" xmlns:r="http://schemas.openxmlformats.org/officeDocument/2006/relationships" xmlns:p="http://schemas.openxmlformats.org/presentationml/2006/main">
+  <p:cSld>
+    <p:spTree>
+      <p:nvGrpSpPr>
+        <p:cNvPr id="1" name=""/>
+        <p:cNvGrpSpPr/>
+        <p:nvPr/>
+      </p:nvGrpSpPr>
+      <p:grpSpPr>
+        <a:xfrm>
+          <a:off x="0" y="0"/>
+          <a:ext cx="0" cy="0"/>
+          <a:chOff x="0" y="0"/>
+          <a:chExt cx="0" cy="0"/>
+        </a:xfrm>
+      </p:grpSpPr>
+      <p:sp>
+        <p:nvSpPr>
+          <p:cNvPr id="2" name="标题 1">
+            <a:extLst>
+              <a:ext uri="{FF2B5EF4-FFF2-40B4-BE49-F238E27FC236}">
+                <a16:creationId xmlns:a16="http://schemas.microsoft.com/office/drawing/2014/main" id="{E762F3C1-6D54-934A-B04F-A7512A819E36}"/>
+              </a:ext>
+            </a:extLst>
+          </p:cNvPr>
+          <p:cNvSpPr>
+            <a:spLocks noGrp="1"/>
+          </p:cNvSpPr>
+          <p:nvPr>
+            <p:ph type="title"/>
+          </p:nvPr>
+        </p:nvSpPr>
+        <p:spPr/>
+        <p:txBody>
+          <a:bodyPr/>
+          <a:lstStyle/>
+          <a:p>
+            <a:r>
+              <a:rPr kumimoji="1" lang="en-US" altLang="zh-CN" dirty="0"/>
+              <a:t>The Final Loss</a:t>
+            </a:r>
+            <a:endParaRPr kumimoji="1" lang="zh-CN" altLang="en-US" dirty="0"/>
+          </a:p>
+        </p:txBody>
+      </p:sp>
+      <mc:AlternateContent xmlns:mc="http://schemas.openxmlformats.org/markup-compatibility/2006">
+        <mc:Choice xmlns:a14="http://schemas.microsoft.com/office/drawing/2010/main" Requires="a14">
+          <p:sp>
+            <p:nvSpPr>
+              <p:cNvPr id="4" name="矩形 3">
+                <a:extLst>
+                  <a:ext uri="{FF2B5EF4-FFF2-40B4-BE49-F238E27FC236}">
+                    <a16:creationId xmlns:a16="http://schemas.microsoft.com/office/drawing/2014/main" id="{2C87F35E-F75F-0049-A767-E92BA7BB7846}"/>
+                  </a:ext>
+                </a:extLst>
+              </p:cNvPr>
+              <p:cNvSpPr/>
+              <p:nvPr/>
+            </p:nvSpPr>
+            <p:spPr>
+              <a:xfrm>
+                <a:off x="1558994" y="2478158"/>
+                <a:ext cx="6026011" cy="733342"/>
+              </a:xfrm>
+              <a:prstGeom prst="rect">
+                <a:avLst/>
+              </a:prstGeom>
+            </p:spPr>
+            <p:txBody>
+              <a:bodyPr wrap="square">
+                <a:spAutoFit/>
+              </a:bodyPr>
+              <a:lstStyle/>
+              <a:p>
+                <a:pPr algn="ctr"/>
+                <a14:m>
+                  <m:oMathPara xmlns:m="http://schemas.openxmlformats.org/officeDocument/2006/math">
+                    <m:oMathParaPr>
+                      <m:jc m:val="centerGroup"/>
+                    </m:oMathParaPr>
+                    <m:oMath xmlns:m="http://schemas.openxmlformats.org/officeDocument/2006/math">
+                      <m:func>
+                        <m:funcPr>
+                          <m:ctrlPr>
+                            <a:rPr kumimoji="1" lang="en-US" altLang="zh-CN" sz="3200" i="1">
+                              <a:latin typeface="Cambria Math" panose="02040503050406030204" pitchFamily="18" charset="0"/>
+                            </a:rPr>
+                          </m:ctrlPr>
+                        </m:funcPr>
+                        <m:fName>
+                          <m:r>
+                            <m:rPr>
+                              <m:sty m:val="p"/>
+                            </m:rPr>
+                            <a:rPr kumimoji="1" lang="en-US" altLang="zh-CN" sz="3200">
+                              <a:latin typeface="Cambria Math" panose="02040503050406030204" pitchFamily="18" charset="0"/>
+                            </a:rPr>
+                            <m:t>arg</m:t>
+                          </m:r>
+                        </m:fName>
+                        <m:e>
+                          <m:func>
+                            <m:funcPr>
+                              <m:ctrlPr>
+                                <a:rPr kumimoji="1" lang="en-US" altLang="zh-CN" sz="3200" i="1">
+                                  <a:latin typeface="Cambria Math" panose="02040503050406030204" pitchFamily="18" charset="0"/>
+                                </a:rPr>
+                              </m:ctrlPr>
+                            </m:funcPr>
+                            <m:fName>
+                              <m:limLow>
+                                <m:limLowPr>
+                                  <m:ctrlPr>
+                                    <a:rPr kumimoji="1" lang="en-US" altLang="zh-CN" sz="3200" i="1">
+                                      <a:latin typeface="Cambria Math" panose="02040503050406030204" pitchFamily="18" charset="0"/>
+                                    </a:rPr>
+                                  </m:ctrlPr>
+                                </m:limLowPr>
+                                <m:e>
+                                  <m:r>
+                                    <m:rPr>
+                                      <m:sty m:val="p"/>
+                                    </m:rPr>
+                                    <a:rPr kumimoji="1" lang="en-US" altLang="zh-CN" sz="3200">
+                                      <a:latin typeface="Cambria Math" panose="02040503050406030204" pitchFamily="18" charset="0"/>
+                                    </a:rPr>
+                                    <m:t>min</m:t>
+                                  </m:r>
+                                </m:e>
+                                <m:lim>
+                                  <m:r>
+                                    <a:rPr kumimoji="1" lang="en-US" altLang="zh-CN" sz="3200" i="1">
+                                      <a:latin typeface="Cambria Math" panose="02040503050406030204" pitchFamily="18" charset="0"/>
+                                      <a:ea typeface="Cambria Math" panose="02040503050406030204" pitchFamily="18" charset="0"/>
+                                    </a:rPr>
+                                    <m:t>𝜃</m:t>
+                                  </m:r>
+                                </m:lim>
+                              </m:limLow>
+                            </m:fName>
+                            <m:e>
+                              <m:r>
+                                <a:rPr kumimoji="1" lang="en-US" altLang="zh-CN" sz="3200" i="1">
+                                  <a:latin typeface="Cambria Math" panose="02040503050406030204" pitchFamily="18" charset="0"/>
+                                  <a:ea typeface="Cambria Math" panose="02040503050406030204" pitchFamily="18" charset="0"/>
+                                </a:rPr>
+                                <m:t>[</m:t>
+                              </m:r>
+                              <m:r>
+                                <a:rPr kumimoji="1" lang="en-US" altLang="zh-CN" sz="3200" i="1">
+                                  <a:latin typeface="Cambria Math" panose="02040503050406030204" pitchFamily="18" charset="0"/>
+                                  <a:ea typeface="Cambria Math" panose="02040503050406030204" pitchFamily="18" charset="0"/>
+                                </a:rPr>
+                                <m:t>𝛼</m:t>
+                              </m:r>
+                              <m:sSub>
+                                <m:sSubPr>
+                                  <m:ctrlPr>
+                                    <a:rPr kumimoji="1" lang="en-US" altLang="zh-CN" sz="3200" i="1">
+                                      <a:latin typeface="Cambria Math" panose="02040503050406030204" pitchFamily="18" charset="0"/>
+                                      <a:ea typeface="Cambria Math" panose="02040503050406030204" pitchFamily="18" charset="0"/>
+                                    </a:rPr>
+                                  </m:ctrlPr>
+                                </m:sSubPr>
+                                <m:e>
+                                  <m:r>
+                                    <a:rPr kumimoji="1" lang="en-US" altLang="zh-CN" sz="3200" i="1">
+                                      <a:latin typeface="Cambria Math" panose="02040503050406030204" pitchFamily="18" charset="0"/>
+                                      <a:ea typeface="Cambria Math" panose="02040503050406030204" pitchFamily="18" charset="0"/>
+                                    </a:rPr>
+                                    <m:t>𝐿</m:t>
+                                  </m:r>
+                                </m:e>
+                                <m:sub>
+                                  <m:r>
+                                    <a:rPr kumimoji="1" lang="en-US" altLang="zh-CN" sz="3200" i="1">
+                                      <a:latin typeface="Cambria Math" panose="02040503050406030204" pitchFamily="18" charset="0"/>
+                                      <a:ea typeface="Cambria Math" panose="02040503050406030204" pitchFamily="18" charset="0"/>
+                                    </a:rPr>
+                                    <m:t>𝑧</m:t>
+                                  </m:r>
+                                </m:sub>
+                              </m:sSub>
+                              <m:r>
+                                <a:rPr kumimoji="1" lang="en-US" altLang="zh-CN" sz="3200" i="1">
+                                  <a:latin typeface="Cambria Math" panose="02040503050406030204" pitchFamily="18" charset="0"/>
+                                  <a:ea typeface="Cambria Math" panose="02040503050406030204" pitchFamily="18" charset="0"/>
+                                </a:rPr>
+                                <m:t>+</m:t>
+                              </m:r>
+                              <m:d>
+                                <m:dPr>
+                                  <m:ctrlPr>
+                                    <a:rPr kumimoji="1" lang="en-US" altLang="zh-CN" sz="3200" i="1">
+                                      <a:latin typeface="Cambria Math" panose="02040503050406030204" pitchFamily="18" charset="0"/>
+                                      <a:ea typeface="Cambria Math" panose="02040503050406030204" pitchFamily="18" charset="0"/>
+                                    </a:rPr>
+                                  </m:ctrlPr>
+                                </m:dPr>
+                                <m:e>
+                                  <m:r>
+                                    <a:rPr kumimoji="1" lang="en-US" altLang="zh-CN" sz="3200" i="1">
+                                      <a:latin typeface="Cambria Math" panose="02040503050406030204" pitchFamily="18" charset="0"/>
+                                      <a:ea typeface="Cambria Math" panose="02040503050406030204" pitchFamily="18" charset="0"/>
+                                    </a:rPr>
+                                    <m:t>1−</m:t>
+                                  </m:r>
+                                  <m:r>
+                                    <a:rPr kumimoji="1" lang="en-US" altLang="zh-CN" sz="3200" i="1">
+                                      <a:latin typeface="Cambria Math" panose="02040503050406030204" pitchFamily="18" charset="0"/>
+                                      <a:ea typeface="Cambria Math" panose="02040503050406030204" pitchFamily="18" charset="0"/>
+                                    </a:rPr>
+                                    <m:t>𝛼</m:t>
+                                  </m:r>
+                                </m:e>
+                              </m:d>
+                              <m:sSub>
+                                <m:sSubPr>
+                                  <m:ctrlPr>
+                                    <a:rPr kumimoji="1" lang="en-US" altLang="zh-CN" sz="3200" i="1">
+                                      <a:latin typeface="Cambria Math" panose="02040503050406030204" pitchFamily="18" charset="0"/>
+                                      <a:ea typeface="Cambria Math" panose="02040503050406030204" pitchFamily="18" charset="0"/>
+                                    </a:rPr>
+                                  </m:ctrlPr>
+                                </m:sSubPr>
+                                <m:e>
+                                  <m:r>
+                                    <a:rPr kumimoji="1" lang="en-US" altLang="zh-CN" sz="3200" i="1">
+                                      <a:latin typeface="Cambria Math" panose="02040503050406030204" pitchFamily="18" charset="0"/>
+                                      <a:ea typeface="Cambria Math" panose="02040503050406030204" pitchFamily="18" charset="0"/>
+                                    </a:rPr>
+                                    <m:t>𝐿</m:t>
+                                  </m:r>
+                                </m:e>
+                                <m:sub>
+                                  <m:r>
+                                    <a:rPr kumimoji="1" lang="en-US" altLang="zh-CN" sz="3200" i="1">
+                                      <a:latin typeface="Cambria Math" panose="02040503050406030204" pitchFamily="18" charset="0"/>
+                                      <a:ea typeface="Cambria Math" panose="02040503050406030204" pitchFamily="18" charset="0"/>
+                                    </a:rPr>
+                                    <m:t>𝑐</m:t>
+                                  </m:r>
+                                </m:sub>
+                              </m:sSub>
+                              <m:r>
+                                <a:rPr kumimoji="1" lang="en-US" altLang="zh-CN" sz="3200" i="1">
+                                  <a:latin typeface="Cambria Math" panose="02040503050406030204" pitchFamily="18" charset="0"/>
+                                  <a:ea typeface="Cambria Math" panose="02040503050406030204" pitchFamily="18" charset="0"/>
+                                </a:rPr>
+                                <m:t>]</m:t>
+                              </m:r>
+                            </m:e>
+                          </m:func>
+                        </m:e>
+                      </m:func>
+                    </m:oMath>
+                  </m:oMathPara>
+                </a14:m>
+                <a:endParaRPr kumimoji="1" lang="zh-CN" altLang="en-US" sz="3200" dirty="0"/>
+              </a:p>
+            </p:txBody>
+          </p:sp>
+        </mc:Choice>
+        <mc:Fallback>
+          <p:sp>
+            <p:nvSpPr>
+              <p:cNvPr id="4" name="矩形 3">
+                <a:extLst>
+                  <a:ext uri="{FF2B5EF4-FFF2-40B4-BE49-F238E27FC236}">
+                    <a16:creationId xmlns:a16="http://schemas.microsoft.com/office/drawing/2014/main" id="{2C87F35E-F75F-0049-A767-E92BA7BB7846}"/>
+                  </a:ext>
+                </a:extLst>
+              </p:cNvPr>
+              <p:cNvSpPr>
+                <a:spLocks noRot="1" noChangeAspect="1" noMove="1" noResize="1" noEditPoints="1" noAdjustHandles="1" noChangeArrowheads="1" noChangeShapeType="1" noTextEdit="1"/>
+              </p:cNvSpPr>
+              <p:nvPr/>
+            </p:nvSpPr>
+            <p:spPr>
+              <a:xfrm>
+                <a:off x="1558994" y="2478158"/>
+                <a:ext cx="6026011" cy="733342"/>
+              </a:xfrm>
+              <a:prstGeom prst="rect">
+                <a:avLst/>
+              </a:prstGeom>
+              <a:blipFill>
+                <a:blip r:embed="rId2"/>
+                <a:stretch>
+                  <a:fillRect b="-5085"/>
+                </a:stretch>
+              </a:blipFill>
+            </p:spPr>
+            <p:txBody>
+              <a:bodyPr/>
+              <a:lstStyle/>
+              <a:p>
+                <a:r>
+                  <a:rPr lang="zh-CN" altLang="en-US">
+                    <a:noFill/>
+                  </a:rPr>
+                  <a:t> </a:t>
+                </a:r>
+              </a:p>
+            </p:txBody>
+          </p:sp>
+        </mc:Fallback>
+      </mc:AlternateContent>
+      <p:sp>
+        <p:nvSpPr>
+          <p:cNvPr id="5" name="文本框 4">
+            <a:extLst>
+              <a:ext uri="{FF2B5EF4-FFF2-40B4-BE49-F238E27FC236}">
+                <a16:creationId xmlns:a16="http://schemas.microsoft.com/office/drawing/2014/main" id="{2EC35E5A-0769-374B-A7BE-8DFC0E9DE265}"/>
+              </a:ext>
+            </a:extLst>
+          </p:cNvPr>
+          <p:cNvSpPr txBox="1"/>
+          <p:nvPr/>
+        </p:nvSpPr>
+        <p:spPr>
+          <a:xfrm>
+            <a:off x="3647391" y="3737113"/>
+            <a:ext cx="1043876" cy="369332"/>
+          </a:xfrm>
+          <a:prstGeom prst="rect">
+            <a:avLst/>
+          </a:prstGeom>
+          <a:noFill/>
+        </p:spPr>
+        <p:txBody>
+          <a:bodyPr wrap="none" rtlCol="0">
+            <a:spAutoFit/>
+          </a:bodyPr>
+          <a:lstStyle/>
+          <a:p>
+            <a:r>
+              <a:rPr kumimoji="1" lang="en-US" altLang="zh-CN" dirty="0"/>
+              <a:t>MLE Loss</a:t>
+            </a:r>
+            <a:endParaRPr kumimoji="1" lang="zh-CN" altLang="en-US" dirty="0"/>
+          </a:p>
+        </p:txBody>
+      </p:sp>
+      <p:cxnSp>
+        <p:nvCxnSpPr>
+          <p:cNvPr id="7" name="直线箭头连接符 6">
+            <a:extLst>
+              <a:ext uri="{FF2B5EF4-FFF2-40B4-BE49-F238E27FC236}">
+                <a16:creationId xmlns:a16="http://schemas.microsoft.com/office/drawing/2014/main" id="{EF0C6251-081C-A248-B6A7-27670EC2DF1D}"/>
+              </a:ext>
+            </a:extLst>
+          </p:cNvPr>
+          <p:cNvCxnSpPr>
+            <a:cxnSpLocks/>
+            <a:stCxn id="5" idx="0"/>
+          </p:cNvCxnSpPr>
+          <p:nvPr/>
+        </p:nvCxnSpPr>
+        <p:spPr>
+          <a:xfrm flipV="1">
+            <a:off x="4169329" y="3129750"/>
+            <a:ext cx="0" cy="607363"/>
+          </a:xfrm>
+          <a:prstGeom prst="straightConnector1">
+            <a:avLst/>
+          </a:prstGeom>
+          <a:ln>
+            <a:tailEnd type="triangle"/>
+          </a:ln>
+        </p:spPr>
+        <p:style>
+          <a:lnRef idx="1">
+            <a:schemeClr val="dk1"/>
+          </a:lnRef>
+          <a:fillRef idx="0">
+            <a:schemeClr val="dk1"/>
+          </a:fillRef>
+          <a:effectRef idx="0">
+            <a:schemeClr val="dk1"/>
+          </a:effectRef>
+          <a:fontRef idx="minor">
+            <a:schemeClr val="tx1"/>
+          </a:fontRef>
+        </p:style>
+      </p:cxnSp>
+      <p:sp>
+        <p:nvSpPr>
+          <p:cNvPr id="9" name="文本框 8">
+            <a:extLst>
+              <a:ext uri="{FF2B5EF4-FFF2-40B4-BE49-F238E27FC236}">
+                <a16:creationId xmlns:a16="http://schemas.microsoft.com/office/drawing/2014/main" id="{F07E94B4-3B8B-7146-9168-0A982AEE3D83}"/>
+              </a:ext>
+            </a:extLst>
+          </p:cNvPr>
+          <p:cNvSpPr txBox="1"/>
+          <p:nvPr/>
+        </p:nvSpPr>
+        <p:spPr>
+          <a:xfrm>
+            <a:off x="5463450" y="3737113"/>
+            <a:ext cx="1857368" cy="369332"/>
+          </a:xfrm>
+          <a:prstGeom prst="rect">
+            <a:avLst/>
+          </a:prstGeom>
+          <a:noFill/>
+        </p:spPr>
+        <p:txBody>
+          <a:bodyPr wrap="none" rtlCol="0">
+            <a:spAutoFit/>
+          </a:bodyPr>
+          <a:lstStyle/>
+          <a:p>
+            <a:r>
+              <a:rPr kumimoji="1" lang="en-US" altLang="zh-CN" dirty="0"/>
+              <a:t>Classification Loss</a:t>
+            </a:r>
+            <a:endParaRPr kumimoji="1" lang="zh-CN" altLang="en-US" dirty="0"/>
+          </a:p>
+        </p:txBody>
+      </p:sp>
+      <p:cxnSp>
+        <p:nvCxnSpPr>
+          <p:cNvPr id="10" name="直线箭头连接符 9">
+            <a:extLst>
+              <a:ext uri="{FF2B5EF4-FFF2-40B4-BE49-F238E27FC236}">
+                <a16:creationId xmlns:a16="http://schemas.microsoft.com/office/drawing/2014/main" id="{904F5DAA-36CF-F649-AD9F-2553969FFB88}"/>
+              </a:ext>
+            </a:extLst>
+          </p:cNvPr>
+          <p:cNvCxnSpPr>
+            <a:cxnSpLocks/>
+            <a:stCxn id="9" idx="0"/>
+          </p:cNvCxnSpPr>
+          <p:nvPr/>
+        </p:nvCxnSpPr>
+        <p:spPr>
+          <a:xfrm flipV="1">
+            <a:off x="6392134" y="3129750"/>
+            <a:ext cx="0" cy="607363"/>
+          </a:xfrm>
+          <a:prstGeom prst="straightConnector1">
+            <a:avLst/>
+          </a:prstGeom>
+          <a:ln>
+            <a:tailEnd type="triangle"/>
+          </a:ln>
+        </p:spPr>
+        <p:style>
+          <a:lnRef idx="1">
+            <a:schemeClr val="dk1"/>
+          </a:lnRef>
+          <a:fillRef idx="0">
+            <a:schemeClr val="dk1"/>
+          </a:fillRef>
+          <a:effectRef idx="0">
+            <a:schemeClr val="dk1"/>
+          </a:effectRef>
+          <a:fontRef idx="minor">
+            <a:schemeClr val="tx1"/>
+          </a:fontRef>
+        </p:style>
+      </p:cxnSp>
+      <p:pic>
+        <p:nvPicPr>
+          <p:cNvPr id="12" name="图片 11">
+            <a:extLst>
+              <a:ext uri="{FF2B5EF4-FFF2-40B4-BE49-F238E27FC236}">
+                <a16:creationId xmlns:a16="http://schemas.microsoft.com/office/drawing/2014/main" id="{9CF9E226-846A-D744-97BB-8480FA9C2C81}"/>
+              </a:ext>
+            </a:extLst>
+          </p:cNvPr>
+          <p:cNvPicPr>
+            <a:picLocks noChangeAspect="1"/>
+          </p:cNvPicPr>
+          <p:nvPr/>
+        </p:nvPicPr>
+        <p:blipFill>
+          <a:blip r:embed="rId3"/>
+          <a:stretch>
+            <a:fillRect/>
+          </a:stretch>
+        </p:blipFill>
+        <p:spPr>
+          <a:xfrm>
+            <a:off x="5125278" y="4024879"/>
+            <a:ext cx="2895600" cy="368300"/>
+          </a:xfrm>
+          <a:prstGeom prst="rect">
+            <a:avLst/>
+          </a:prstGeom>
+        </p:spPr>
+      </p:pic>
+    </p:spTree>
+    <p:extLst>
+      <p:ext uri="{BB962C8B-B14F-4D97-AF65-F5344CB8AC3E}">
+        <p14:creationId xmlns:p14="http://schemas.microsoft.com/office/powerpoint/2010/main" val="185362274"/>
+      </p:ext>
+    </p:extLst>
+  </p:cSld>
+  <p:clrMapOvr>
+    <a:masterClrMapping/>
+  </p:clrMapOvr>
+</p:sld>
+</file>
+
+<file path=ppt/slides/slide29.xml><?xml version="1.0" encoding="utf-8"?>
 <p:sld xmlns:a="http://schemas.openxmlformats.org/drawingml/2006/main" xmlns:r="http://schemas.openxmlformats.org/officeDocument/2006/relationships" xmlns:p="http://schemas.openxmlformats.org/presentationml/2006/main">
   <p:cSld>
     <p:spTree>
@@ -8923,488 +10913,6 @@
     <p:extLst>
       <p:ext uri="{BB962C8B-B14F-4D97-AF65-F5344CB8AC3E}">
         <p14:creationId xmlns:p14="http://schemas.microsoft.com/office/powerpoint/2010/main" val="1827106145"/>
-      </p:ext>
-    </p:extLst>
-  </p:cSld>
-  <p:clrMapOvr>
-    <a:masterClrMapping/>
-  </p:clrMapOvr>
-</p:sld>
-</file>
-
-<file path=ppt/slides/slide27.xml><?xml version="1.0" encoding="utf-8"?>
-<p:sld xmlns:a="http://schemas.openxmlformats.org/drawingml/2006/main" xmlns:r="http://schemas.openxmlformats.org/officeDocument/2006/relationships" xmlns:p="http://schemas.openxmlformats.org/presentationml/2006/main">
-  <p:cSld>
-    <p:spTree>
-      <p:nvGrpSpPr>
-        <p:cNvPr id="1" name=""/>
-        <p:cNvGrpSpPr/>
-        <p:nvPr/>
-      </p:nvGrpSpPr>
-      <p:grpSpPr>
-        <a:xfrm>
-          <a:off x="0" y="0"/>
-          <a:ext cx="0" cy="0"/>
-          <a:chOff x="0" y="0"/>
-          <a:chExt cx="0" cy="0"/>
-        </a:xfrm>
-      </p:grpSpPr>
-      <p:sp>
-        <p:nvSpPr>
-          <p:cNvPr id="2" name="标题 1">
-            <a:extLst>
-              <a:ext uri="{FF2B5EF4-FFF2-40B4-BE49-F238E27FC236}">
-                <a16:creationId xmlns:a16="http://schemas.microsoft.com/office/drawing/2014/main" id="{A79C4D3C-D135-F04C-A8C6-D558BED20F49}"/>
-              </a:ext>
-            </a:extLst>
-          </p:cNvPr>
-          <p:cNvSpPr>
-            <a:spLocks noGrp="1"/>
-          </p:cNvSpPr>
-          <p:nvPr>
-            <p:ph type="title"/>
-          </p:nvPr>
-        </p:nvSpPr>
-        <p:spPr/>
-        <p:txBody>
-          <a:bodyPr/>
-          <a:lstStyle/>
-          <a:p>
-            <a:r>
-              <a:rPr kumimoji="1" lang="en-US" altLang="zh-CN" dirty="0"/>
-              <a:t>Datasets</a:t>
-            </a:r>
-            <a:endParaRPr kumimoji="1" lang="zh-CN" altLang="en-US" dirty="0"/>
-          </a:p>
-        </p:txBody>
-      </p:sp>
-      <p:sp>
-        <p:nvSpPr>
-          <p:cNvPr id="3" name="内容占位符 2">
-            <a:extLst>
-              <a:ext uri="{FF2B5EF4-FFF2-40B4-BE49-F238E27FC236}">
-                <a16:creationId xmlns:a16="http://schemas.microsoft.com/office/drawing/2014/main" id="{AF0EC9BA-70FD-814C-8272-0AB9DFE127FC}"/>
-              </a:ext>
-            </a:extLst>
-          </p:cNvPr>
-          <p:cNvSpPr>
-            <a:spLocks noGrp="1"/>
-          </p:cNvSpPr>
-          <p:nvPr>
-            <p:ph idx="1"/>
-          </p:nvPr>
-        </p:nvSpPr>
-        <p:spPr/>
-        <p:txBody>
-          <a:bodyPr/>
-          <a:lstStyle/>
-          <a:p>
-            <a:r>
-              <a:rPr kumimoji="1" lang="en-US" altLang="zh-CN" dirty="0"/>
-              <a:t>3 real-world large-scale datasets</a:t>
-            </a:r>
-          </a:p>
-          <a:p>
-            <a:pPr lvl="1"/>
-            <a:r>
-              <a:rPr kumimoji="1" lang="en-US" altLang="zh-CN" dirty="0"/>
-              <a:t>Download link of the processed data: </a:t>
-            </a:r>
-          </a:p>
-          <a:p>
-            <a:pPr lvl="1"/>
-            <a:r>
-              <a:rPr kumimoji="1" lang="en-US" altLang="zh-CN" dirty="0">
-                <a:hlinkClick r:id="rId2"/>
-              </a:rPr>
-              <a:t>https://goo.gl/nUFND4</a:t>
-            </a:r>
-            <a:r>
-              <a:rPr kumimoji="1" lang="en-US" altLang="zh-CN" dirty="0"/>
-              <a:t>. </a:t>
-            </a:r>
-          </a:p>
-          <a:p>
-            <a:endParaRPr kumimoji="1" lang="en-US" altLang="zh-CN" dirty="0"/>
-          </a:p>
-          <a:p>
-            <a:r>
-              <a:rPr kumimoji="1" lang="en-US" altLang="zh-CN" dirty="0"/>
-              <a:t>CLINIC from medicine research</a:t>
-            </a:r>
-          </a:p>
-          <a:p>
-            <a:r>
-              <a:rPr kumimoji="1" lang="en-US" altLang="zh-CN" dirty="0"/>
-              <a:t>MUSIC from information systems</a:t>
-            </a:r>
-          </a:p>
-          <a:p>
-            <a:r>
-              <a:rPr kumimoji="1" lang="en-US" altLang="zh-CN" dirty="0"/>
-              <a:t>BIDDING from economics</a:t>
-            </a:r>
-            <a:endParaRPr kumimoji="1" lang="zh-CN" altLang="en-US" dirty="0"/>
-          </a:p>
-        </p:txBody>
-      </p:sp>
-      <p:pic>
-        <p:nvPicPr>
-          <p:cNvPr id="4" name="图片 3">
-            <a:extLst>
-              <a:ext uri="{FF2B5EF4-FFF2-40B4-BE49-F238E27FC236}">
-                <a16:creationId xmlns:a16="http://schemas.microsoft.com/office/drawing/2014/main" id="{C2871C53-742E-5D48-BE20-2C41C2704D7B}"/>
-              </a:ext>
-            </a:extLst>
-          </p:cNvPr>
-          <p:cNvPicPr>
-            <a:picLocks noChangeAspect="1"/>
-          </p:cNvPicPr>
-          <p:nvPr/>
-        </p:nvPicPr>
-        <p:blipFill>
-          <a:blip r:embed="rId3"/>
-          <a:stretch>
-            <a:fillRect/>
-          </a:stretch>
-        </p:blipFill>
-        <p:spPr>
-          <a:xfrm>
-            <a:off x="0" y="4880804"/>
-            <a:ext cx="9144000" cy="1296159"/>
-          </a:xfrm>
-          <a:prstGeom prst="rect">
-            <a:avLst/>
-          </a:prstGeom>
-        </p:spPr>
-      </p:pic>
-    </p:spTree>
-    <p:extLst>
-      <p:ext uri="{BB962C8B-B14F-4D97-AF65-F5344CB8AC3E}">
-        <p14:creationId xmlns:p14="http://schemas.microsoft.com/office/powerpoint/2010/main" val="306269542"/>
-      </p:ext>
-    </p:extLst>
-  </p:cSld>
-  <p:clrMapOvr>
-    <a:masterClrMapping/>
-  </p:clrMapOvr>
-</p:sld>
-</file>
-
-<file path=ppt/slides/slide28.xml><?xml version="1.0" encoding="utf-8"?>
-<p:sld xmlns:a="http://schemas.openxmlformats.org/drawingml/2006/main" xmlns:r="http://schemas.openxmlformats.org/officeDocument/2006/relationships" xmlns:p="http://schemas.openxmlformats.org/presentationml/2006/main">
-  <p:cSld>
-    <p:spTree>
-      <p:nvGrpSpPr>
-        <p:cNvPr id="1" name=""/>
-        <p:cNvGrpSpPr/>
-        <p:nvPr/>
-      </p:nvGrpSpPr>
-      <p:grpSpPr>
-        <a:xfrm>
-          <a:off x="0" y="0"/>
-          <a:ext cx="0" cy="0"/>
-          <a:chOff x="0" y="0"/>
-          <a:chExt cx="0" cy="0"/>
-        </a:xfrm>
-      </p:grpSpPr>
-      <p:sp>
-        <p:nvSpPr>
-          <p:cNvPr id="2" name="标题 1">
-            <a:extLst>
-              <a:ext uri="{FF2B5EF4-FFF2-40B4-BE49-F238E27FC236}">
-                <a16:creationId xmlns:a16="http://schemas.microsoft.com/office/drawing/2014/main" id="{1B3A1029-8FEE-CF49-B146-5AB781C15F83}"/>
-              </a:ext>
-            </a:extLst>
-          </p:cNvPr>
-          <p:cNvSpPr>
-            <a:spLocks noGrp="1"/>
-          </p:cNvSpPr>
-          <p:nvPr>
-            <p:ph type="title"/>
-          </p:nvPr>
-        </p:nvSpPr>
-        <p:spPr/>
-        <p:txBody>
-          <a:bodyPr/>
-          <a:lstStyle/>
-          <a:p>
-            <a:r>
-              <a:rPr kumimoji="1" lang="en-US" altLang="zh-CN" dirty="0"/>
-              <a:t>Evaluation Metrics</a:t>
-            </a:r>
-            <a:endParaRPr kumimoji="1" lang="zh-CN" altLang="en-US" dirty="0"/>
-          </a:p>
-        </p:txBody>
-      </p:sp>
-      <mc:AlternateContent xmlns:mc="http://schemas.openxmlformats.org/markup-compatibility/2006" xmlns:a14="http://schemas.microsoft.com/office/drawing/2010/main">
-        <mc:Choice Requires="a14">
-          <p:sp>
-            <p:nvSpPr>
-              <p:cNvPr id="3" name="内容占位符 2">
-                <a:extLst>
-                  <a:ext uri="{FF2B5EF4-FFF2-40B4-BE49-F238E27FC236}">
-                    <a16:creationId xmlns:a16="http://schemas.microsoft.com/office/drawing/2014/main" id="{1FA05969-0EE2-7D4C-BEB3-2ADDCC8359D3}"/>
-                  </a:ext>
-                </a:extLst>
-              </p:cNvPr>
-              <p:cNvSpPr>
-                <a:spLocks noGrp="1"/>
-              </p:cNvSpPr>
-              <p:nvPr>
-                <p:ph idx="1"/>
-              </p:nvPr>
-            </p:nvSpPr>
-            <p:spPr/>
-            <p:txBody>
-              <a:bodyPr/>
-              <a:lstStyle/>
-              <a:p>
-                <a:r>
-                  <a:rPr kumimoji="1" lang="en-US" altLang="zh-CN" dirty="0"/>
-                  <a:t>C-index</a:t>
-                </a:r>
-              </a:p>
-              <a:p>
-                <a:pPr lvl="1"/>
-                <a:r>
-                  <a:rPr kumimoji="1" lang="en-US" altLang="zh-CN" dirty="0"/>
-                  <a:t>Time-dependent concordance index</a:t>
-                </a:r>
-              </a:p>
-              <a:p>
-                <a:pPr lvl="1"/>
-                <a:r>
-                  <a:rPr kumimoji="1" lang="en-US" altLang="zh-CN" dirty="0"/>
-                  <a:t>measures the ranking performance of the censorship prediction at the given time.</a:t>
-                </a:r>
-              </a:p>
-              <a:p>
-                <a:endParaRPr kumimoji="1" lang="en-US" altLang="zh-CN" dirty="0"/>
-              </a:p>
-              <a:p>
-                <a:r>
-                  <a:rPr kumimoji="1" lang="en-US" altLang="zh-CN" dirty="0"/>
-                  <a:t>ANLP</a:t>
-                </a:r>
-              </a:p>
-              <a:p>
-                <a:pPr lvl="1"/>
-                <a:r>
-                  <a:rPr kumimoji="1" lang="en-US" altLang="zh-CN" dirty="0"/>
-                  <a:t>Averaged negative log probability</a:t>
-                </a:r>
-              </a:p>
-              <a:p>
-                <a:pPr lvl="2"/>
-                <a:r>
-                  <a:rPr kumimoji="1" lang="en-US" altLang="zh-CN" dirty="0"/>
-                  <a:t>of the true event time </a:t>
-                </a:r>
-                <a14:m>
-                  <m:oMath xmlns:m="http://schemas.openxmlformats.org/officeDocument/2006/math">
-                    <m:r>
-                      <a:rPr kumimoji="1" lang="en-US" altLang="zh-CN" b="0" i="1" smtClean="0">
-                        <a:latin typeface="Cambria Math" panose="02040503050406030204" pitchFamily="18" charset="0"/>
-                      </a:rPr>
-                      <m:t>𝑧</m:t>
-                    </m:r>
-                  </m:oMath>
-                </a14:m>
-                <a:endParaRPr kumimoji="1" lang="zh-CN" altLang="en-US" dirty="0"/>
-              </a:p>
-            </p:txBody>
-          </p:sp>
-        </mc:Choice>
-        <mc:Fallback xmlns="">
-          <p:sp>
-            <p:nvSpPr>
-              <p:cNvPr id="3" name="内容占位符 2">
-                <a:extLst>
-                  <a:ext uri="{FF2B5EF4-FFF2-40B4-BE49-F238E27FC236}">
-                    <a16:creationId xmlns:a16="http://schemas.microsoft.com/office/drawing/2014/main" id="{1FA05969-0EE2-7D4C-BEB3-2ADDCC8359D3}"/>
-                  </a:ext>
-                </a:extLst>
-              </p:cNvPr>
-              <p:cNvSpPr>
-                <a:spLocks noGrp="1" noRot="1" noChangeAspect="1" noMove="1" noResize="1" noEditPoints="1" noAdjustHandles="1" noChangeArrowheads="1" noChangeShapeType="1" noTextEdit="1"/>
-              </p:cNvSpPr>
-              <p:nvPr>
-                <p:ph idx="1"/>
-              </p:nvPr>
-            </p:nvSpPr>
-            <p:spPr>
-              <a:blipFill>
-                <a:blip r:embed="rId2"/>
-                <a:stretch>
-                  <a:fillRect l="-1447" t="-2459"/>
-                </a:stretch>
-              </a:blipFill>
-            </p:spPr>
-            <p:txBody>
-              <a:bodyPr/>
-              <a:lstStyle/>
-              <a:p>
-                <a:r>
-                  <a:rPr lang="zh-CN" altLang="en-US">
-                    <a:noFill/>
-                  </a:rPr>
-                  <a:t> </a:t>
-                </a:r>
-              </a:p>
-            </p:txBody>
-          </p:sp>
-        </mc:Fallback>
-      </mc:AlternateContent>
-    </p:spTree>
-    <p:extLst>
-      <p:ext uri="{BB962C8B-B14F-4D97-AF65-F5344CB8AC3E}">
-        <p14:creationId xmlns:p14="http://schemas.microsoft.com/office/powerpoint/2010/main" val="1248431267"/>
-      </p:ext>
-    </p:extLst>
-  </p:cSld>
-  <p:clrMapOvr>
-    <a:masterClrMapping/>
-  </p:clrMapOvr>
-</p:sld>
-</file>
-
-<file path=ppt/slides/slide29.xml><?xml version="1.0" encoding="utf-8"?>
-<p:sld xmlns:a="http://schemas.openxmlformats.org/drawingml/2006/main" xmlns:r="http://schemas.openxmlformats.org/officeDocument/2006/relationships" xmlns:p="http://schemas.openxmlformats.org/presentationml/2006/main">
-  <p:cSld>
-    <p:spTree>
-      <p:nvGrpSpPr>
-        <p:cNvPr id="1" name=""/>
-        <p:cNvGrpSpPr/>
-        <p:nvPr/>
-      </p:nvGrpSpPr>
-      <p:grpSpPr>
-        <a:xfrm>
-          <a:off x="0" y="0"/>
-          <a:ext cx="0" cy="0"/>
-          <a:chOff x="0" y="0"/>
-          <a:chExt cx="0" cy="0"/>
-        </a:xfrm>
-      </p:grpSpPr>
-      <p:sp>
-        <p:nvSpPr>
-          <p:cNvPr id="2" name="标题 1">
-            <a:extLst>
-              <a:ext uri="{FF2B5EF4-FFF2-40B4-BE49-F238E27FC236}">
-                <a16:creationId xmlns:a16="http://schemas.microsoft.com/office/drawing/2014/main" id="{40D0F2EB-1C48-F24D-A2D1-4B3DEE8D881F}"/>
-              </a:ext>
-            </a:extLst>
-          </p:cNvPr>
-          <p:cNvSpPr>
-            <a:spLocks noGrp="1"/>
-          </p:cNvSpPr>
-          <p:nvPr>
-            <p:ph type="title"/>
-          </p:nvPr>
-        </p:nvSpPr>
-        <p:spPr/>
-        <p:txBody>
-          <a:bodyPr/>
-          <a:lstStyle/>
-          <a:p>
-            <a:r>
-              <a:rPr kumimoji="1" lang="en-US" altLang="zh-CN" dirty="0"/>
-              <a:t>Experiment</a:t>
-            </a:r>
-            <a:r>
-              <a:rPr kumimoji="1" lang="zh-CN" altLang="en-US" dirty="0"/>
-              <a:t> </a:t>
-            </a:r>
-            <a:r>
-              <a:rPr kumimoji="1" lang="en-US" altLang="zh-CN" dirty="0"/>
-              <a:t>Results</a:t>
-            </a:r>
-            <a:endParaRPr kumimoji="1" lang="zh-CN" altLang="en-US" dirty="0"/>
-          </a:p>
-        </p:txBody>
-      </p:sp>
-      <p:pic>
-        <p:nvPicPr>
-          <p:cNvPr id="4" name="内容占位符 3">
-            <a:extLst>
-              <a:ext uri="{FF2B5EF4-FFF2-40B4-BE49-F238E27FC236}">
-                <a16:creationId xmlns:a16="http://schemas.microsoft.com/office/drawing/2014/main" id="{F89C1062-3446-E842-A207-725F7EE0B766}"/>
-              </a:ext>
-            </a:extLst>
-          </p:cNvPr>
-          <p:cNvPicPr>
-            <a:picLocks noGrp="1" noChangeAspect="1"/>
-          </p:cNvPicPr>
-          <p:nvPr>
-            <p:ph idx="1"/>
-          </p:nvPr>
-        </p:nvPicPr>
-        <p:blipFill>
-          <a:blip r:embed="rId2"/>
-          <a:stretch>
-            <a:fillRect/>
-          </a:stretch>
-        </p:blipFill>
-        <p:spPr>
-          <a:xfrm>
-            <a:off x="628650" y="1948880"/>
-            <a:ext cx="7886700" cy="2965257"/>
-          </a:xfrm>
-          <a:prstGeom prst="rect">
-            <a:avLst/>
-          </a:prstGeom>
-        </p:spPr>
-      </p:pic>
-      <p:sp>
-        <p:nvSpPr>
-          <p:cNvPr id="5" name="矩形 4">
-            <a:extLst>
-              <a:ext uri="{FF2B5EF4-FFF2-40B4-BE49-F238E27FC236}">
-                <a16:creationId xmlns:a16="http://schemas.microsoft.com/office/drawing/2014/main" id="{8633EF95-EE4A-FB4B-BF11-80F94075A22B}"/>
-              </a:ext>
-            </a:extLst>
-          </p:cNvPr>
-          <p:cNvSpPr/>
-          <p:nvPr/>
-        </p:nvSpPr>
-        <p:spPr>
-          <a:xfrm>
-            <a:off x="936914" y="5020363"/>
-            <a:ext cx="7578436" cy="646331"/>
-          </a:xfrm>
-          <a:prstGeom prst="rect">
-            <a:avLst/>
-          </a:prstGeom>
-        </p:spPr>
-        <p:txBody>
-          <a:bodyPr wrap="square">
-            <a:spAutoFit/>
-          </a:bodyPr>
-          <a:lstStyle/>
-          <a:p>
-            <a:r>
-              <a:rPr lang="en-US" altLang="zh-CN" dirty="0">
-                <a:solidFill>
-                  <a:srgbClr val="000000"/>
-                </a:solidFill>
-                <a:latin typeface="Helvetica" pitchFamily="2" charset="0"/>
-              </a:rPr>
-              <a:t>Performance comparison on C-index (the higher, the better) and ANLP (the lower, the better). (* indicates p- value &lt; 10−6 in significance test)</a:t>
-            </a:r>
-            <a:endParaRPr lang="en-US" altLang="zh-CN" dirty="0">
-              <a:solidFill>
-                <a:srgbClr val="000000"/>
-              </a:solidFill>
-              <a:effectLst/>
-              <a:latin typeface="Helvetica" pitchFamily="2" charset="0"/>
-            </a:endParaRPr>
-          </a:p>
-        </p:txBody>
-      </p:sp>
-    </p:spTree>
-    <p:extLst>
-      <p:ext uri="{BB962C8B-B14F-4D97-AF65-F5344CB8AC3E}">
-        <p14:creationId xmlns:p14="http://schemas.microsoft.com/office/powerpoint/2010/main" val="2523974264"/>
       </p:ext>
     </p:extLst>
   </p:cSld>
@@ -9483,7 +10991,7 @@
           <a:p>
             <a:r>
               <a:rPr kumimoji="1" lang="en-US" altLang="zh-CN" dirty="0"/>
-              <a:t>Time-to-event data</a:t>
+              <a:t>Time-to-event data analysis</a:t>
             </a:r>
           </a:p>
           <a:p>
@@ -9904,6 +11412,495 @@
           <p:cNvPr id="2" name="标题 1">
             <a:extLst>
               <a:ext uri="{FF2B5EF4-FFF2-40B4-BE49-F238E27FC236}">
+                <a16:creationId xmlns:a16="http://schemas.microsoft.com/office/drawing/2014/main" id="{A79C4D3C-D135-F04C-A8C6-D558BED20F49}"/>
+              </a:ext>
+            </a:extLst>
+          </p:cNvPr>
+          <p:cNvSpPr>
+            <a:spLocks noGrp="1"/>
+          </p:cNvSpPr>
+          <p:nvPr>
+            <p:ph type="title"/>
+          </p:nvPr>
+        </p:nvSpPr>
+        <p:spPr/>
+        <p:txBody>
+          <a:bodyPr/>
+          <a:lstStyle/>
+          <a:p>
+            <a:r>
+              <a:rPr kumimoji="1" lang="en-US" altLang="zh-CN" dirty="0"/>
+              <a:t>Datasets</a:t>
+            </a:r>
+            <a:endParaRPr kumimoji="1" lang="zh-CN" altLang="en-US" dirty="0"/>
+          </a:p>
+        </p:txBody>
+      </p:sp>
+      <p:sp>
+        <p:nvSpPr>
+          <p:cNvPr id="3" name="内容占位符 2">
+            <a:extLst>
+              <a:ext uri="{FF2B5EF4-FFF2-40B4-BE49-F238E27FC236}">
+                <a16:creationId xmlns:a16="http://schemas.microsoft.com/office/drawing/2014/main" id="{AF0EC9BA-70FD-814C-8272-0AB9DFE127FC}"/>
+              </a:ext>
+            </a:extLst>
+          </p:cNvPr>
+          <p:cNvSpPr>
+            <a:spLocks noGrp="1"/>
+          </p:cNvSpPr>
+          <p:nvPr>
+            <p:ph idx="1"/>
+          </p:nvPr>
+        </p:nvSpPr>
+        <p:spPr/>
+        <p:txBody>
+          <a:bodyPr/>
+          <a:lstStyle/>
+          <a:p>
+            <a:r>
+              <a:rPr kumimoji="1" lang="en-US" altLang="zh-CN" dirty="0"/>
+              <a:t>3 real-world large-scale datasets</a:t>
+            </a:r>
+          </a:p>
+          <a:p>
+            <a:pPr lvl="1"/>
+            <a:r>
+              <a:rPr kumimoji="1" lang="en-US" altLang="zh-CN" dirty="0"/>
+              <a:t>Download link of the processed data: </a:t>
+            </a:r>
+          </a:p>
+          <a:p>
+            <a:pPr lvl="1"/>
+            <a:r>
+              <a:rPr kumimoji="1" lang="en-US" altLang="zh-CN" dirty="0">
+                <a:hlinkClick r:id="rId2"/>
+              </a:rPr>
+              <a:t>https://goo.gl/nUFND4</a:t>
+            </a:r>
+            <a:r>
+              <a:rPr kumimoji="1" lang="en-US" altLang="zh-CN" dirty="0"/>
+              <a:t>. </a:t>
+            </a:r>
+          </a:p>
+          <a:p>
+            <a:endParaRPr kumimoji="1" lang="en-US" altLang="zh-CN" dirty="0"/>
+          </a:p>
+          <a:p>
+            <a:r>
+              <a:rPr kumimoji="1" lang="en-US" altLang="zh-CN" dirty="0"/>
+              <a:t>CLINIC from medicine research</a:t>
+            </a:r>
+          </a:p>
+          <a:p>
+            <a:r>
+              <a:rPr kumimoji="1" lang="en-US" altLang="zh-CN" dirty="0"/>
+              <a:t>MUSIC from information systems</a:t>
+            </a:r>
+          </a:p>
+          <a:p>
+            <a:r>
+              <a:rPr kumimoji="1" lang="en-US" altLang="zh-CN" dirty="0"/>
+              <a:t>BIDDING from economics</a:t>
+            </a:r>
+            <a:endParaRPr kumimoji="1" lang="zh-CN" altLang="en-US" dirty="0"/>
+          </a:p>
+        </p:txBody>
+      </p:sp>
+      <p:pic>
+        <p:nvPicPr>
+          <p:cNvPr id="4" name="图片 3">
+            <a:extLst>
+              <a:ext uri="{FF2B5EF4-FFF2-40B4-BE49-F238E27FC236}">
+                <a16:creationId xmlns:a16="http://schemas.microsoft.com/office/drawing/2014/main" id="{C2871C53-742E-5D48-BE20-2C41C2704D7B}"/>
+              </a:ext>
+            </a:extLst>
+          </p:cNvPr>
+          <p:cNvPicPr>
+            <a:picLocks noChangeAspect="1"/>
+          </p:cNvPicPr>
+          <p:nvPr/>
+        </p:nvPicPr>
+        <p:blipFill>
+          <a:blip r:embed="rId3"/>
+          <a:stretch>
+            <a:fillRect/>
+          </a:stretch>
+        </p:blipFill>
+        <p:spPr>
+          <a:xfrm>
+            <a:off x="0" y="4880804"/>
+            <a:ext cx="9144000" cy="1296159"/>
+          </a:xfrm>
+          <a:prstGeom prst="rect">
+            <a:avLst/>
+          </a:prstGeom>
+        </p:spPr>
+      </p:pic>
+    </p:spTree>
+    <p:extLst>
+      <p:ext uri="{BB962C8B-B14F-4D97-AF65-F5344CB8AC3E}">
+        <p14:creationId xmlns:p14="http://schemas.microsoft.com/office/powerpoint/2010/main" val="306269542"/>
+      </p:ext>
+    </p:extLst>
+  </p:cSld>
+  <p:clrMapOvr>
+    <a:masterClrMapping/>
+  </p:clrMapOvr>
+</p:sld>
+</file>
+
+<file path=ppt/slides/slide31.xml><?xml version="1.0" encoding="utf-8"?>
+<p:sld xmlns:a="http://schemas.openxmlformats.org/drawingml/2006/main" xmlns:r="http://schemas.openxmlformats.org/officeDocument/2006/relationships" xmlns:p="http://schemas.openxmlformats.org/presentationml/2006/main">
+  <p:cSld>
+    <p:spTree>
+      <p:nvGrpSpPr>
+        <p:cNvPr id="1" name=""/>
+        <p:cNvGrpSpPr/>
+        <p:nvPr/>
+      </p:nvGrpSpPr>
+      <p:grpSpPr>
+        <a:xfrm>
+          <a:off x="0" y="0"/>
+          <a:ext cx="0" cy="0"/>
+          <a:chOff x="0" y="0"/>
+          <a:chExt cx="0" cy="0"/>
+        </a:xfrm>
+      </p:grpSpPr>
+      <p:sp>
+        <p:nvSpPr>
+          <p:cNvPr id="2" name="标题 1">
+            <a:extLst>
+              <a:ext uri="{FF2B5EF4-FFF2-40B4-BE49-F238E27FC236}">
+                <a16:creationId xmlns:a16="http://schemas.microsoft.com/office/drawing/2014/main" id="{1B3A1029-8FEE-CF49-B146-5AB781C15F83}"/>
+              </a:ext>
+            </a:extLst>
+          </p:cNvPr>
+          <p:cNvSpPr>
+            <a:spLocks noGrp="1"/>
+          </p:cNvSpPr>
+          <p:nvPr>
+            <p:ph type="title"/>
+          </p:nvPr>
+        </p:nvSpPr>
+        <p:spPr/>
+        <p:txBody>
+          <a:bodyPr/>
+          <a:lstStyle/>
+          <a:p>
+            <a:r>
+              <a:rPr kumimoji="1" lang="en-US" altLang="zh-CN" dirty="0"/>
+              <a:t>Evaluation Metrics</a:t>
+            </a:r>
+            <a:endParaRPr kumimoji="1" lang="zh-CN" altLang="en-US" dirty="0"/>
+          </a:p>
+        </p:txBody>
+      </p:sp>
+      <mc:AlternateContent xmlns:mc="http://schemas.openxmlformats.org/markup-compatibility/2006">
+        <mc:Choice xmlns:a14="http://schemas.microsoft.com/office/drawing/2010/main" Requires="a14">
+          <p:sp>
+            <p:nvSpPr>
+              <p:cNvPr id="3" name="内容占位符 2">
+                <a:extLst>
+                  <a:ext uri="{FF2B5EF4-FFF2-40B4-BE49-F238E27FC236}">
+                    <a16:creationId xmlns:a16="http://schemas.microsoft.com/office/drawing/2014/main" id="{1FA05969-0EE2-7D4C-BEB3-2ADDCC8359D3}"/>
+                  </a:ext>
+                </a:extLst>
+              </p:cNvPr>
+              <p:cNvSpPr>
+                <a:spLocks noGrp="1"/>
+              </p:cNvSpPr>
+              <p:nvPr>
+                <p:ph idx="1"/>
+              </p:nvPr>
+            </p:nvSpPr>
+            <p:spPr/>
+            <p:txBody>
+              <a:bodyPr/>
+              <a:lstStyle/>
+              <a:p>
+                <a:r>
+                  <a:rPr kumimoji="1" lang="en-US" altLang="zh-CN" dirty="0"/>
+                  <a:t>C-index</a:t>
+                </a:r>
+              </a:p>
+              <a:p>
+                <a:pPr lvl="1"/>
+                <a:r>
+                  <a:rPr kumimoji="1" lang="en-US" altLang="zh-CN" dirty="0"/>
+                  <a:t>Time-dependent concordance index</a:t>
+                </a:r>
+              </a:p>
+              <a:p>
+                <a:pPr lvl="1"/>
+                <a:r>
+                  <a:rPr kumimoji="1" lang="en-US" altLang="zh-CN" dirty="0"/>
+                  <a:t>measures the ranking performance of the censorship prediction at the given time.</a:t>
+                </a:r>
+              </a:p>
+              <a:p>
+                <a:pPr lvl="1"/>
+                <a:r>
+                  <a:rPr kumimoji="1" lang="en-US" altLang="zh-CN" dirty="0"/>
+                  <a:t>The same as Area under ROC Curve in IR</a:t>
+                </a:r>
+              </a:p>
+              <a:p>
+                <a:endParaRPr kumimoji="1" lang="en-US" altLang="zh-CN" dirty="0"/>
+              </a:p>
+              <a:p>
+                <a:r>
+                  <a:rPr kumimoji="1" lang="en-US" altLang="zh-CN" dirty="0"/>
+                  <a:t>ANLP</a:t>
+                </a:r>
+              </a:p>
+              <a:p>
+                <a:pPr lvl="1"/>
+                <a:r>
+                  <a:rPr kumimoji="1" lang="en-US" altLang="zh-CN" dirty="0"/>
+                  <a:t>Averaged negative log probability</a:t>
+                </a:r>
+              </a:p>
+              <a:p>
+                <a:pPr lvl="2"/>
+                <a:r>
+                  <a:rPr kumimoji="1" lang="en-US" altLang="zh-CN" dirty="0"/>
+                  <a:t>of the true event time </a:t>
+                </a:r>
+                <a14:m>
+                  <m:oMath xmlns:m="http://schemas.openxmlformats.org/officeDocument/2006/math">
+                    <m:r>
+                      <a:rPr kumimoji="1" lang="en-US" altLang="zh-CN" b="0" i="1" smtClean="0">
+                        <a:latin typeface="Cambria Math" panose="02040503050406030204" pitchFamily="18" charset="0"/>
+                      </a:rPr>
+                      <m:t>𝑧</m:t>
+                    </m:r>
+                  </m:oMath>
+                </a14:m>
+                <a:endParaRPr kumimoji="1" lang="zh-CN" altLang="en-US" dirty="0"/>
+              </a:p>
+            </p:txBody>
+          </p:sp>
+        </mc:Choice>
+        <mc:Fallback>
+          <p:sp>
+            <p:nvSpPr>
+              <p:cNvPr id="3" name="内容占位符 2">
+                <a:extLst>
+                  <a:ext uri="{FF2B5EF4-FFF2-40B4-BE49-F238E27FC236}">
+                    <a16:creationId xmlns:a16="http://schemas.microsoft.com/office/drawing/2014/main" id="{1FA05969-0EE2-7D4C-BEB3-2ADDCC8359D3}"/>
+                  </a:ext>
+                </a:extLst>
+              </p:cNvPr>
+              <p:cNvSpPr>
+                <a:spLocks noGrp="1" noRot="1" noChangeAspect="1" noMove="1" noResize="1" noEditPoints="1" noAdjustHandles="1" noChangeArrowheads="1" noChangeShapeType="1" noTextEdit="1"/>
+              </p:cNvSpPr>
+              <p:nvPr>
+                <p:ph idx="1"/>
+              </p:nvPr>
+            </p:nvSpPr>
+            <p:spPr>
+              <a:blipFill>
+                <a:blip r:embed="rId2"/>
+                <a:stretch>
+                  <a:fillRect l="-1447" t="-2459"/>
+                </a:stretch>
+              </a:blipFill>
+            </p:spPr>
+            <p:txBody>
+              <a:bodyPr/>
+              <a:lstStyle/>
+              <a:p>
+                <a:r>
+                  <a:rPr lang="zh-CN" altLang="en-US">
+                    <a:noFill/>
+                  </a:rPr>
+                  <a:t> </a:t>
+                </a:r>
+              </a:p>
+            </p:txBody>
+          </p:sp>
+        </mc:Fallback>
+      </mc:AlternateContent>
+    </p:spTree>
+    <p:extLst>
+      <p:ext uri="{BB962C8B-B14F-4D97-AF65-F5344CB8AC3E}">
+        <p14:creationId xmlns:p14="http://schemas.microsoft.com/office/powerpoint/2010/main" val="1248431267"/>
+      </p:ext>
+    </p:extLst>
+  </p:cSld>
+  <p:clrMapOvr>
+    <a:masterClrMapping/>
+  </p:clrMapOvr>
+</p:sld>
+</file>
+
+<file path=ppt/slides/slide32.xml><?xml version="1.0" encoding="utf-8"?>
+<p:sld xmlns:a="http://schemas.openxmlformats.org/drawingml/2006/main" xmlns:r="http://schemas.openxmlformats.org/officeDocument/2006/relationships" xmlns:p="http://schemas.openxmlformats.org/presentationml/2006/main">
+  <p:cSld>
+    <p:spTree>
+      <p:nvGrpSpPr>
+        <p:cNvPr id="1" name=""/>
+        <p:cNvGrpSpPr/>
+        <p:nvPr/>
+      </p:nvGrpSpPr>
+      <p:grpSpPr>
+        <a:xfrm>
+          <a:off x="0" y="0"/>
+          <a:ext cx="0" cy="0"/>
+          <a:chOff x="0" y="0"/>
+          <a:chExt cx="0" cy="0"/>
+        </a:xfrm>
+      </p:grpSpPr>
+      <p:sp>
+        <p:nvSpPr>
+          <p:cNvPr id="2" name="标题 1">
+            <a:extLst>
+              <a:ext uri="{FF2B5EF4-FFF2-40B4-BE49-F238E27FC236}">
+                <a16:creationId xmlns:a16="http://schemas.microsoft.com/office/drawing/2014/main" id="{40D0F2EB-1C48-F24D-A2D1-4B3DEE8D881F}"/>
+              </a:ext>
+            </a:extLst>
+          </p:cNvPr>
+          <p:cNvSpPr>
+            <a:spLocks noGrp="1"/>
+          </p:cNvSpPr>
+          <p:nvPr>
+            <p:ph type="title"/>
+          </p:nvPr>
+        </p:nvSpPr>
+        <p:spPr/>
+        <p:txBody>
+          <a:bodyPr/>
+          <a:lstStyle/>
+          <a:p>
+            <a:r>
+              <a:rPr kumimoji="1" lang="en-US" altLang="zh-CN" dirty="0"/>
+              <a:t>Experiment</a:t>
+            </a:r>
+            <a:r>
+              <a:rPr kumimoji="1" lang="zh-CN" altLang="en-US" dirty="0"/>
+              <a:t> </a:t>
+            </a:r>
+            <a:r>
+              <a:rPr kumimoji="1" lang="en-US" altLang="zh-CN" dirty="0"/>
+              <a:t>Results</a:t>
+            </a:r>
+            <a:endParaRPr kumimoji="1" lang="zh-CN" altLang="en-US" dirty="0"/>
+          </a:p>
+        </p:txBody>
+      </p:sp>
+      <p:pic>
+        <p:nvPicPr>
+          <p:cNvPr id="4" name="内容占位符 3">
+            <a:extLst>
+              <a:ext uri="{FF2B5EF4-FFF2-40B4-BE49-F238E27FC236}">
+                <a16:creationId xmlns:a16="http://schemas.microsoft.com/office/drawing/2014/main" id="{F89C1062-3446-E842-A207-725F7EE0B766}"/>
+              </a:ext>
+            </a:extLst>
+          </p:cNvPr>
+          <p:cNvPicPr>
+            <a:picLocks noGrp="1" noChangeAspect="1"/>
+          </p:cNvPicPr>
+          <p:nvPr>
+            <p:ph idx="1"/>
+          </p:nvPr>
+        </p:nvPicPr>
+        <p:blipFill>
+          <a:blip r:embed="rId2"/>
+          <a:stretch>
+            <a:fillRect/>
+          </a:stretch>
+        </p:blipFill>
+        <p:spPr>
+          <a:xfrm>
+            <a:off x="628650" y="1948880"/>
+            <a:ext cx="7886700" cy="2965257"/>
+          </a:xfrm>
+          <a:prstGeom prst="rect">
+            <a:avLst/>
+          </a:prstGeom>
+        </p:spPr>
+      </p:pic>
+      <p:sp>
+        <p:nvSpPr>
+          <p:cNvPr id="5" name="矩形 4">
+            <a:extLst>
+              <a:ext uri="{FF2B5EF4-FFF2-40B4-BE49-F238E27FC236}">
+                <a16:creationId xmlns:a16="http://schemas.microsoft.com/office/drawing/2014/main" id="{8633EF95-EE4A-FB4B-BF11-80F94075A22B}"/>
+              </a:ext>
+            </a:extLst>
+          </p:cNvPr>
+          <p:cNvSpPr/>
+          <p:nvPr/>
+        </p:nvSpPr>
+        <p:spPr>
+          <a:xfrm>
+            <a:off x="936914" y="5020363"/>
+            <a:ext cx="7578436" cy="646331"/>
+          </a:xfrm>
+          <a:prstGeom prst="rect">
+            <a:avLst/>
+          </a:prstGeom>
+        </p:spPr>
+        <p:txBody>
+          <a:bodyPr wrap="square">
+            <a:spAutoFit/>
+          </a:bodyPr>
+          <a:lstStyle/>
+          <a:p>
+            <a:r>
+              <a:rPr lang="en-US" altLang="zh-CN" dirty="0">
+                <a:solidFill>
+                  <a:srgbClr val="000000"/>
+                </a:solidFill>
+                <a:latin typeface="Helvetica" pitchFamily="2" charset="0"/>
+              </a:rPr>
+              <a:t>Performance comparison on C-index (the higher, the better) and ANLP (the lower, the better). (* indicates p- value &lt; 10−6 in significance test)</a:t>
+            </a:r>
+            <a:endParaRPr lang="en-US" altLang="zh-CN" dirty="0">
+              <a:solidFill>
+                <a:srgbClr val="000000"/>
+              </a:solidFill>
+              <a:effectLst/>
+              <a:latin typeface="Helvetica" pitchFamily="2" charset="0"/>
+            </a:endParaRPr>
+          </a:p>
+        </p:txBody>
+      </p:sp>
+    </p:spTree>
+    <p:extLst>
+      <p:ext uri="{BB962C8B-B14F-4D97-AF65-F5344CB8AC3E}">
+        <p14:creationId xmlns:p14="http://schemas.microsoft.com/office/powerpoint/2010/main" val="2523974264"/>
+      </p:ext>
+    </p:extLst>
+  </p:cSld>
+  <p:clrMapOvr>
+    <a:masterClrMapping/>
+  </p:clrMapOvr>
+</p:sld>
+</file>
+
+<file path=ppt/slides/slide33.xml><?xml version="1.0" encoding="utf-8"?>
+<p:sld xmlns:a="http://schemas.openxmlformats.org/drawingml/2006/main" xmlns:r="http://schemas.openxmlformats.org/officeDocument/2006/relationships" xmlns:p="http://schemas.openxmlformats.org/presentationml/2006/main">
+  <p:cSld>
+    <p:spTree>
+      <p:nvGrpSpPr>
+        <p:cNvPr id="1" name=""/>
+        <p:cNvGrpSpPr/>
+        <p:nvPr/>
+      </p:nvGrpSpPr>
+      <p:grpSpPr>
+        <a:xfrm>
+          <a:off x="0" y="0"/>
+          <a:ext cx="0" cy="0"/>
+          <a:chOff x="0" y="0"/>
+          <a:chExt cx="0" cy="0"/>
+        </a:xfrm>
+      </p:grpSpPr>
+      <p:sp>
+        <p:nvSpPr>
+          <p:cNvPr id="2" name="标题 1">
+            <a:extLst>
+              <a:ext uri="{FF2B5EF4-FFF2-40B4-BE49-F238E27FC236}">
                 <a16:creationId xmlns:a16="http://schemas.microsoft.com/office/drawing/2014/main" id="{88EA9FC7-BEAA-EF4C-B46B-420FC4C188F4}"/>
               </a:ext>
             </a:extLst>
@@ -9981,7 +11978,7 @@
 </p:sld>
 </file>
 
-<file path=ppt/slides/slide31.xml><?xml version="1.0" encoding="utf-8"?>
+<file path=ppt/slides/slide34.xml><?xml version="1.0" encoding="utf-8"?>
 <p:sld xmlns:a="http://schemas.openxmlformats.org/drawingml/2006/main" xmlns:r="http://schemas.openxmlformats.org/officeDocument/2006/relationships" xmlns:p="http://schemas.openxmlformats.org/presentationml/2006/main">
   <p:cSld>
     <p:spTree>
@@ -10083,8 +12080,8 @@
 </p:sld>
 </file>
 
-<file path=ppt/slides/slide32.xml><?xml version="1.0" encoding="utf-8"?>
-<p:sld xmlns:a="http://schemas.openxmlformats.org/drawingml/2006/main" xmlns:r="http://schemas.openxmlformats.org/officeDocument/2006/relationships" xmlns:p="http://schemas.openxmlformats.org/presentationml/2006/main">
+<file path=ppt/slides/slide35.xml><?xml version="1.0" encoding="utf-8"?>
+<p:sld xmlns:a="http://schemas.openxmlformats.org/drawingml/2006/main" xmlns:r="http://schemas.openxmlformats.org/officeDocument/2006/relationships" xmlns:p="http://schemas.openxmlformats.org/presentationml/2006/main" show="0">
   <p:cSld>
     <p:spTree>
       <p:nvGrpSpPr>
@@ -10174,7 +12171,7 @@
 </p:sld>
 </file>
 
-<file path=ppt/slides/slide33.xml><?xml version="1.0" encoding="utf-8"?>
+<file path=ppt/slides/slide36.xml><?xml version="1.0" encoding="utf-8"?>
 <p:sld xmlns:a="http://schemas.openxmlformats.org/drawingml/2006/main" xmlns:r="http://schemas.openxmlformats.org/officeDocument/2006/relationships" xmlns:p="http://schemas.openxmlformats.org/presentationml/2006/main">
   <p:cSld>
     <p:spTree>
@@ -10220,8 +12217,8 @@
           </a:p>
         </p:txBody>
       </p:sp>
-      <mc:AlternateContent xmlns:mc="http://schemas.openxmlformats.org/markup-compatibility/2006" xmlns:a14="http://schemas.microsoft.com/office/drawing/2010/main">
-        <mc:Choice Requires="a14">
+      <mc:AlternateContent xmlns:mc="http://schemas.openxmlformats.org/markup-compatibility/2006">
+        <mc:Choice xmlns:a14="http://schemas.microsoft.com/office/drawing/2010/main" Requires="a14">
           <p:sp>
             <p:nvSpPr>
               <p:cNvPr id="3" name="内容占位符 2">
@@ -10260,54 +12257,52 @@
                 </a:r>
               </a:p>
               <a:p>
-                <a:pPr lvl="1"/>
-                <a:r>
-                  <a:rPr kumimoji="1" lang="en-US" altLang="zh-CN" dirty="0"/>
+                <a:pPr lvl="1">
+                  <a:spcBef>
+                    <a:spcPts val="700"/>
+                  </a:spcBef>
+                </a:pPr>
+                <a:r>
+                  <a:rPr kumimoji="1" lang="en-US" altLang="zh-CN" sz="2100" dirty="0"/>
                   <a:t>Sequential patterns over time should be considered.</a:t>
                 </a:r>
               </a:p>
               <a:p>
-                <a:pPr lvl="1"/>
-                <a:r>
-                  <a:rPr kumimoji="1" lang="en-US" altLang="zh-CN" dirty="0"/>
+                <a:pPr lvl="1">
+                  <a:spcBef>
+                    <a:spcPts val="700"/>
+                  </a:spcBef>
+                </a:pPr>
+                <a:r>
+                  <a:rPr kumimoji="1" lang="en-US" altLang="zh-CN" sz="2100" dirty="0"/>
                   <a:t>More supervision over </a:t>
                 </a:r>
                 <a14:m>
                   <m:oMath xmlns:m="http://schemas.openxmlformats.org/officeDocument/2006/math">
                     <m:r>
-                      <a:rPr kumimoji="1" lang="en-US" altLang="zh-CN" b="0" i="1" smtClean="0">
-                        <a:latin typeface="Cambria Math" panose="02040503050406030204" pitchFamily="18" charset="0"/>
-                      </a:rPr>
+                      <a:rPr kumimoji="1" lang="en-US" altLang="zh-CN" sz="2100"/>
                       <m:t>[</m:t>
                     </m:r>
                     <m:r>
-                      <a:rPr kumimoji="1" lang="en-US" altLang="zh-CN" b="0" i="1" smtClean="0">
-                        <a:latin typeface="Cambria Math" panose="02040503050406030204" pitchFamily="18" charset="0"/>
-                      </a:rPr>
+                      <a:rPr kumimoji="1" lang="en-US" altLang="zh-CN" sz="2100"/>
                       <m:t>𝑧</m:t>
                     </m:r>
                     <m:r>
-                      <a:rPr kumimoji="1" lang="en-US" altLang="zh-CN" b="0" i="1" smtClean="0">
-                        <a:latin typeface="Cambria Math" panose="02040503050406030204" pitchFamily="18" charset="0"/>
-                      </a:rPr>
+                      <a:rPr kumimoji="1" lang="en-US" altLang="zh-CN" sz="2100"/>
                       <m:t>, </m:t>
                     </m:r>
                     <m:r>
-                      <a:rPr kumimoji="1" lang="en-US" altLang="zh-CN" b="0" i="1" smtClean="0">
-                        <a:latin typeface="Cambria Math" panose="02040503050406030204" pitchFamily="18" charset="0"/>
-                      </a:rPr>
+                      <a:rPr kumimoji="1" lang="en-US" altLang="zh-CN" sz="2100"/>
                       <m:t>𝑡</m:t>
                     </m:r>
                     <m:r>
-                      <a:rPr kumimoji="1" lang="en-US" altLang="zh-CN" b="0" i="1" smtClean="0">
-                        <a:latin typeface="Cambria Math" panose="02040503050406030204" pitchFamily="18" charset="0"/>
-                      </a:rPr>
+                      <a:rPr kumimoji="1" lang="en-US" altLang="zh-CN" sz="2100"/>
                       <m:t>]</m:t>
                     </m:r>
                   </m:oMath>
                 </a14:m>
                 <a:r>
-                  <a:rPr kumimoji="1" lang="en-US" altLang="zh-CN" dirty="0"/>
+                  <a:rPr kumimoji="1" lang="en-US" altLang="zh-CN" sz="2100" dirty="0"/>
                   <a:t> should be made.</a:t>
                 </a:r>
               </a:p>
@@ -10356,23 +12351,35 @@
                 </a:r>
               </a:p>
               <a:p>
-                <a:pPr lvl="1"/>
-                <a:r>
-                  <a:rPr kumimoji="1" lang="en-US" altLang="zh-CN" dirty="0"/>
+                <a:pPr lvl="1">
+                  <a:spcBef>
+                    <a:spcPts val="700"/>
+                  </a:spcBef>
+                </a:pPr>
+                <a:r>
+                  <a:rPr kumimoji="1" lang="en-US" altLang="zh-CN" sz="2100" dirty="0"/>
                   <a:t>Utilizes recurrent neural cell predicting the conditional hazard rate;</a:t>
                 </a:r>
               </a:p>
               <a:p>
-                <a:pPr lvl="1"/>
-                <a:r>
-                  <a:rPr kumimoji="1" lang="en-US" altLang="zh-CN" dirty="0"/>
+                <a:pPr lvl="1">
+                  <a:spcBef>
+                    <a:spcPts val="700"/>
+                  </a:spcBef>
+                </a:pPr>
+                <a:r>
+                  <a:rPr kumimoji="1" lang="en-US" altLang="zh-CN" sz="2100" dirty="0"/>
                   <a:t>Estimates the true event ratio and survival rate through probability chain rule;</a:t>
                 </a:r>
               </a:p>
               <a:p>
-                <a:pPr lvl="1"/>
-                <a:r>
-                  <a:rPr kumimoji="1" lang="en-US" altLang="zh-CN" dirty="0"/>
+                <a:pPr lvl="1">
+                  <a:spcBef>
+                    <a:spcPts val="700"/>
+                  </a:spcBef>
+                </a:pPr>
+                <a:r>
+                  <a:rPr kumimoji="1" lang="en-US" altLang="zh-CN" sz="2100" dirty="0"/>
                   <a:t>Achieves significant improvements against strong baselines.</a:t>
                 </a:r>
               </a:p>
@@ -10383,7 +12390,7 @@
             </p:txBody>
           </p:sp>
         </mc:Choice>
-        <mc:Fallback xmlns="">
+        <mc:Fallback>
           <p:sp>
             <p:nvSpPr>
               <p:cNvPr id="3" name="内容占位符 2">
@@ -10404,7 +12411,7 @@
               <a:blipFill>
                 <a:blip r:embed="rId3"/>
                 <a:stretch>
-                  <a:fillRect l="-965" t="-3552" b="-1913"/>
+                  <a:fillRect l="-965" t="-3552" r="-804"/>
                 </a:stretch>
               </a:blipFill>
             </p:spPr>
@@ -10527,7 +12534,9 @@
             <a:r>
               <a:rPr lang="en-US" altLang="zh-CN" dirty="0">
                 <a:solidFill>
-                  <a:schemeClr val="accent6"/>
+                  <a:schemeClr val="accent6">
+                    <a:lumMod val="75000"/>
+                  </a:schemeClr>
                 </a:solidFill>
               </a:rPr>
               <a:t>time</a:t>
@@ -10563,7 +12572,9 @@
             <a:r>
               <a:rPr kumimoji="1" lang="en-US" altLang="zh-CN" dirty="0">
                 <a:solidFill>
-                  <a:schemeClr val="accent6"/>
+                  <a:schemeClr val="accent6">
+                    <a:lumMod val="75000"/>
+                  </a:schemeClr>
                 </a:solidFill>
               </a:rPr>
               <a:t>Time</a:t>
@@ -10599,7 +12610,9 @@
             <a:r>
               <a:rPr kumimoji="1" lang="en-US" altLang="zh-CN" dirty="0">
                 <a:solidFill>
-                  <a:schemeClr val="accent6"/>
+                  <a:schemeClr val="accent6">
+                    <a:lumMod val="75000"/>
+                  </a:schemeClr>
                 </a:solidFill>
               </a:rPr>
               <a:t>Time</a:t>
@@ -10635,7 +12648,9 @@
             <a:r>
               <a:rPr kumimoji="1" lang="en-US" altLang="zh-CN" dirty="0">
                 <a:solidFill>
-                  <a:schemeClr val="accent6"/>
+                  <a:schemeClr val="accent6">
+                    <a:lumMod val="75000"/>
+                  </a:schemeClr>
                 </a:solidFill>
               </a:rPr>
               <a:t>Time</a:t>
@@ -10721,8 +12736,8 @@
           </a:p>
         </p:txBody>
       </p:sp>
-      <mc:AlternateContent xmlns:mc="http://schemas.openxmlformats.org/markup-compatibility/2006" xmlns:a14="http://schemas.microsoft.com/office/drawing/2010/main">
-        <mc:Choice Requires="a14">
+      <mc:AlternateContent xmlns:mc="http://schemas.openxmlformats.org/markup-compatibility/2006">
+        <mc:Choice xmlns:a14="http://schemas.microsoft.com/office/drawing/2010/main" Requires="a14">
           <p:sp>
             <p:nvSpPr>
               <p:cNvPr id="3" name="内容占位符 2">
@@ -10742,27 +12757,31 @@
             <p:spPr/>
             <p:txBody>
               <a:bodyPr>
-                <a:normAutofit fontScale="85000" lnSpcReduction="10000"/>
+                <a:normAutofit lnSpcReduction="10000"/>
               </a:bodyPr>
               <a:lstStyle/>
               <a:p>
                 <a:r>
-                  <a:rPr kumimoji="1" lang="en-US" altLang="zh-CN" dirty="0"/>
+                  <a:rPr kumimoji="1" lang="en-US" altLang="zh-CN" sz="2400" dirty="0"/>
                   <a:t>Given the feature of the sample, forecast</a:t>
                 </a:r>
               </a:p>
               <a:p>
                 <a:pPr lvl="1"/>
                 <a:r>
-                  <a:rPr kumimoji="1" lang="en-US" altLang="zh-CN" dirty="0"/>
+                  <a:rPr kumimoji="1" lang="en-US" altLang="zh-CN" sz="2000" dirty="0"/>
                   <a:t>the probability of event </a:t>
                 </a:r>
                 <a:r>
-                  <a:rPr kumimoji="1" lang="en-US" altLang="zh-CN" i="1" dirty="0"/>
+                  <a:rPr kumimoji="1" lang="en-US" altLang="zh-CN" sz="2000" i="1" dirty="0">
+                    <a:solidFill>
+                      <a:srgbClr val="FF0000"/>
+                    </a:solidFill>
+                  </a:rPr>
                   <a:t>happening</a:t>
                 </a:r>
                 <a:r>
-                  <a:rPr kumimoji="1" lang="en-US" altLang="zh-CN" dirty="0"/>
+                  <a:rPr kumimoji="1" lang="en-US" altLang="zh-CN" sz="2000" dirty="0"/>
                   <a:t> at each time </a:t>
                 </a:r>
                 <a14:m>
@@ -10771,25 +12790,25 @@
                       <m:rPr>
                         <m:sty m:val="p"/>
                       </m:rPr>
-                      <a:rPr kumimoji="1" lang="en-US" altLang="zh-CN" b="0" i="0" smtClean="0">
+                      <a:rPr kumimoji="1" lang="en-US" altLang="zh-CN" sz="2000" b="0" i="0" smtClean="0">
                         <a:latin typeface="Cambria Math" panose="02040503050406030204" pitchFamily="18" charset="0"/>
                       </a:rPr>
                       <m:t>p</m:t>
                     </m:r>
                     <m:r>
-                      <a:rPr kumimoji="1" lang="en-US" altLang="zh-CN" b="0" i="1" smtClean="0">
+                      <a:rPr kumimoji="1" lang="en-US" altLang="zh-CN" sz="2000" b="0" i="1" smtClean="0">
                         <a:latin typeface="Cambria Math" panose="02040503050406030204" pitchFamily="18" charset="0"/>
                       </a:rPr>
                       <m:t>(</m:t>
                     </m:r>
                     <m:r>
-                      <a:rPr kumimoji="1" lang="en-US" altLang="zh-CN" b="0" i="1" smtClean="0">
+                      <a:rPr kumimoji="1" lang="en-US" altLang="zh-CN" sz="2000" b="0" i="1" smtClean="0">
                         <a:latin typeface="Cambria Math" panose="02040503050406030204" pitchFamily="18" charset="0"/>
                       </a:rPr>
                       <m:t>𝑧</m:t>
                     </m:r>
                     <m:r>
-                      <a:rPr kumimoji="1" lang="en-US" altLang="zh-CN" b="0" i="1" smtClean="0">
+                      <a:rPr kumimoji="1" lang="en-US" altLang="zh-CN" sz="2000" b="0" i="1" smtClean="0">
                         <a:latin typeface="Cambria Math" panose="02040503050406030204" pitchFamily="18" charset="0"/>
                       </a:rPr>
                       <m:t>)</m:t>
@@ -10797,22 +12816,26 @@
                   </m:oMath>
                 </a14:m>
                 <a:r>
-                  <a:rPr kumimoji="1" lang="en-US" altLang="zh-CN" dirty="0"/>
+                  <a:rPr kumimoji="1" lang="en-US" altLang="zh-CN" sz="2000" dirty="0"/>
                   <a:t>;</a:t>
                 </a:r>
               </a:p>
               <a:p>
                 <a:pPr lvl="1"/>
                 <a:r>
-                  <a:rPr kumimoji="1" lang="en-US" altLang="zh-CN" dirty="0"/>
+                  <a:rPr kumimoji="1" lang="en-US" altLang="zh-CN" sz="2000" dirty="0"/>
                   <a:t>the probability of event </a:t>
                 </a:r>
                 <a:r>
-                  <a:rPr kumimoji="1" lang="en-US" altLang="zh-CN" i="1" dirty="0"/>
+                  <a:rPr kumimoji="1" lang="en-US" altLang="zh-CN" sz="2000" i="1" dirty="0">
+                    <a:solidFill>
+                      <a:srgbClr val="FF0000"/>
+                    </a:solidFill>
+                  </a:rPr>
                   <a:t>happened</a:t>
                 </a:r>
                 <a:r>
-                  <a:rPr kumimoji="1" lang="en-US" altLang="zh-CN" dirty="0"/>
+                  <a:rPr kumimoji="1" lang="en-US" altLang="zh-CN" sz="2000" dirty="0"/>
                   <a:t> at that time </a:t>
                 </a:r>
                 <a14:m>
@@ -10821,7 +12844,7 @@
                       <m:rPr>
                         <m:sty m:val="p"/>
                       </m:rPr>
-                      <a:rPr kumimoji="1" lang="en-US" altLang="zh-CN" b="0" i="0" smtClean="0">
+                      <a:rPr kumimoji="1" lang="en-US" altLang="zh-CN" sz="2000" b="0" i="0" smtClean="0">
                         <a:latin typeface="Cambria Math" panose="02040503050406030204" pitchFamily="18" charset="0"/>
                       </a:rPr>
                       <m:t>W</m:t>
@@ -10829,14 +12852,14 @@
                     <m:d>
                       <m:dPr>
                         <m:ctrlPr>
-                          <a:rPr kumimoji="1" lang="en-US" altLang="zh-CN" b="0" i="1" smtClean="0">
+                          <a:rPr kumimoji="1" lang="en-US" altLang="zh-CN" sz="2000" b="0" i="1" smtClean="0">
                             <a:latin typeface="Cambria Math" panose="02040503050406030204" pitchFamily="18" charset="0"/>
                           </a:rPr>
                         </m:ctrlPr>
                       </m:dPr>
                       <m:e>
                         <m:r>
-                          <a:rPr kumimoji="1" lang="en-US" altLang="zh-CN" b="0" i="1" smtClean="0">
+                          <a:rPr kumimoji="1" lang="en-US" altLang="zh-CN" sz="2000" b="0" i="1" smtClean="0">
                             <a:latin typeface="Cambria Math" panose="02040503050406030204" pitchFamily="18" charset="0"/>
                           </a:rPr>
                           <m:t>𝑡</m:t>
@@ -10846,28 +12869,34 @@
                   </m:oMath>
                 </a14:m>
                 <a:r>
-                  <a:rPr kumimoji="1" lang="en-US" altLang="zh-CN" dirty="0"/>
+                  <a:rPr kumimoji="1" lang="en-US" altLang="zh-CN" sz="2000" dirty="0"/>
                   <a:t>;</a:t>
                 </a:r>
               </a:p>
               <a:p>
                 <a:pPr lvl="1"/>
                 <a:r>
-                  <a:rPr kumimoji="1" lang="en-US" altLang="zh-CN" dirty="0"/>
+                  <a:rPr kumimoji="1" lang="en-US" altLang="zh-CN" sz="2000" dirty="0"/>
                   <a:t>The probability of event </a:t>
                 </a:r>
                 <a:r>
-                  <a:rPr kumimoji="1" lang="en-US" altLang="zh-CN" i="1" dirty="0"/>
+                  <a:rPr kumimoji="1" lang="en-US" altLang="zh-CN" sz="2000" i="1" dirty="0">
+                    <a:solidFill>
+                      <a:schemeClr val="accent6">
+                        <a:lumMod val="75000"/>
+                      </a:schemeClr>
+                    </a:solidFill>
+                  </a:rPr>
                   <a:t>not happened </a:t>
                 </a:r>
                 <a:r>
-                  <a:rPr kumimoji="1" lang="en-US" altLang="zh-CN" dirty="0"/>
+                  <a:rPr kumimoji="1" lang="en-US" altLang="zh-CN" sz="2000" dirty="0"/>
                   <a:t>at the time </a:t>
                 </a:r>
                 <a14:m>
                   <m:oMath xmlns:m="http://schemas.openxmlformats.org/officeDocument/2006/math">
                     <m:r>
-                      <a:rPr kumimoji="1" lang="en-US" altLang="zh-CN" b="0" i="1" smtClean="0">
+                      <a:rPr kumimoji="1" lang="en-US" altLang="zh-CN" sz="2000" b="0" i="1" smtClean="0">
                         <a:latin typeface="Cambria Math" panose="02040503050406030204" pitchFamily="18" charset="0"/>
                       </a:rPr>
                       <m:t>𝑆</m:t>
@@ -10875,14 +12904,14 @@
                     <m:d>
                       <m:dPr>
                         <m:ctrlPr>
-                          <a:rPr kumimoji="1" lang="en-US" altLang="zh-CN" b="0" i="1" smtClean="0">
+                          <a:rPr kumimoji="1" lang="en-US" altLang="zh-CN" sz="2000" b="0" i="1" smtClean="0">
                             <a:latin typeface="Cambria Math" panose="02040503050406030204" pitchFamily="18" charset="0"/>
                           </a:rPr>
                         </m:ctrlPr>
                       </m:dPr>
                       <m:e>
                         <m:r>
-                          <a:rPr kumimoji="1" lang="en-US" altLang="zh-CN" b="0" i="1" smtClean="0">
+                          <a:rPr kumimoji="1" lang="en-US" altLang="zh-CN" sz="2000" b="0" i="1" smtClean="0">
                             <a:latin typeface="Cambria Math" panose="02040503050406030204" pitchFamily="18" charset="0"/>
                           </a:rPr>
                           <m:t>𝑡</m:t>
@@ -10890,62 +12919,74 @@
                       </m:e>
                     </m:d>
                     <m:r>
-                      <a:rPr kumimoji="1" lang="en-US" altLang="zh-CN" b="0" i="1" smtClean="0">
+                      <a:rPr kumimoji="1" lang="en-US" altLang="zh-CN" sz="2000" b="0" i="1" smtClean="0">
                         <a:latin typeface="Cambria Math" panose="02040503050406030204" pitchFamily="18" charset="0"/>
                       </a:rPr>
                       <m:t>.</m:t>
                     </m:r>
                   </m:oMath>
                 </a14:m>
-                <a:endParaRPr kumimoji="1" lang="en-US" altLang="zh-CN" dirty="0"/>
+                <a:endParaRPr kumimoji="1" lang="en-US" altLang="zh-CN" sz="2000" dirty="0"/>
               </a:p>
               <a:p>
                 <a:pPr lvl="1"/>
-                <a:endParaRPr kumimoji="1" lang="en-US" altLang="zh-CN" dirty="0"/>
+                <a:endParaRPr kumimoji="1" lang="en-US" altLang="zh-CN" sz="2000" dirty="0"/>
               </a:p>
               <a:p>
                 <a:r>
-                  <a:rPr kumimoji="1" lang="en-US" altLang="zh-CN" dirty="0"/>
+                  <a:rPr kumimoji="1" lang="en-US" altLang="zh-CN" sz="2400" dirty="0"/>
                   <a:t>2 goals</a:t>
                 </a:r>
               </a:p>
               <a:p>
                 <a:pPr lvl="1"/>
                 <a:r>
-                  <a:rPr kumimoji="1" lang="en-US" altLang="zh-CN" dirty="0"/>
+                  <a:rPr kumimoji="1" lang="en-US" altLang="zh-CN" sz="2000" dirty="0"/>
                   <a:t>Probability density function (P.D.F.) of the event prob. over time.</a:t>
                 </a:r>
               </a:p>
               <a:p>
                 <a:pPr lvl="1"/>
                 <a:r>
-                  <a:rPr kumimoji="1" lang="en-US" altLang="zh-CN" dirty="0"/>
+                  <a:rPr kumimoji="1" lang="en-US" altLang="zh-CN" sz="2000" dirty="0"/>
                   <a:t>Cumulative distribution function (C.D.F.) of the event </a:t>
                 </a:r>
                 <a:r>
-                  <a:rPr kumimoji="1" lang="en-US" altLang="zh-CN" i="1" dirty="0"/>
+                  <a:rPr kumimoji="1" lang="en-US" altLang="zh-CN" sz="2000" i="1" dirty="0"/>
                   <a:t>at the time</a:t>
                 </a:r>
                 <a:r>
-                  <a:rPr kumimoji="1" lang="en-US" altLang="zh-CN" dirty="0"/>
+                  <a:rPr kumimoji="1" lang="en-US" altLang="zh-CN" sz="2000" dirty="0"/>
                   <a:t>.</a:t>
                 </a:r>
               </a:p>
               <a:p>
-                <a:endParaRPr kumimoji="1" lang="en-US" altLang="zh-CN" dirty="0"/>
+                <a:endParaRPr kumimoji="1" lang="en-US" altLang="zh-CN" sz="2400" dirty="0"/>
               </a:p>
               <a:p>
                 <a:r>
-                  <a:rPr kumimoji="1" lang="en-US" altLang="zh-CN" dirty="0"/>
+                  <a:rPr kumimoji="1" lang="en-US" altLang="zh-CN" sz="2400" dirty="0"/>
                   <a:t>2 relationships between the three prob. functions</a:t>
                 </a:r>
               </a:p>
               <a:p>
                 <a:pPr lvl="1"/>
+                <a:r>
+                  <a:rPr kumimoji="1" lang="en-US" altLang="zh-CN" sz="2000" b="0" dirty="0">
+                    <a:solidFill>
+                      <a:srgbClr val="FF0000"/>
+                    </a:solidFill>
+                  </a:rPr>
+                  <a:t>Event</a:t>
+                </a:r>
+                <a:r>
+                  <a:rPr kumimoji="1" lang="en-US" altLang="zh-CN" sz="2000" b="0" dirty="0"/>
+                  <a:t> Rate: </a:t>
+                </a:r>
                 <a14:m>
                   <m:oMath xmlns:m="http://schemas.openxmlformats.org/officeDocument/2006/math">
                     <m:r>
-                      <a:rPr kumimoji="1" lang="en-US" altLang="zh-CN" b="0" i="1" smtClean="0">
+                      <a:rPr kumimoji="1" lang="en-US" altLang="zh-CN" sz="2000" b="0" i="1" smtClean="0">
                         <a:latin typeface="Cambria Math" panose="02040503050406030204" pitchFamily="18" charset="0"/>
                       </a:rPr>
                       <m:t>𝑊</m:t>
@@ -10953,14 +12994,14 @@
                     <m:d>
                       <m:dPr>
                         <m:ctrlPr>
-                          <a:rPr kumimoji="1" lang="en-US" altLang="zh-CN" b="0" i="1" smtClean="0">
+                          <a:rPr kumimoji="1" lang="en-US" altLang="zh-CN" sz="2000" b="0" i="1" smtClean="0">
                             <a:latin typeface="Cambria Math" panose="02040503050406030204" pitchFamily="18" charset="0"/>
                           </a:rPr>
                         </m:ctrlPr>
                       </m:dPr>
                       <m:e>
                         <m:r>
-                          <a:rPr kumimoji="1" lang="en-US" altLang="zh-CN" b="0" i="1" smtClean="0">
+                          <a:rPr kumimoji="1" lang="en-US" altLang="zh-CN" sz="2000" b="0" i="1" smtClean="0">
                             <a:latin typeface="Cambria Math" panose="02040503050406030204" pitchFamily="18" charset="0"/>
                           </a:rPr>
                           <m:t>𝑡</m:t>
@@ -10968,7 +13009,7 @@
                       </m:e>
                     </m:d>
                     <m:r>
-                      <a:rPr kumimoji="1" lang="en-US" altLang="zh-CN" b="0" i="1" smtClean="0">
+                      <a:rPr kumimoji="1" lang="en-US" altLang="zh-CN" sz="2000" b="0" i="1" smtClean="0">
                         <a:latin typeface="Cambria Math" panose="02040503050406030204" pitchFamily="18" charset="0"/>
                       </a:rPr>
                       <m:t>=</m:t>
@@ -10976,7 +13017,7 @@
                     <m:nary>
                       <m:naryPr>
                         <m:ctrlPr>
-                          <a:rPr kumimoji="1" lang="en-US" altLang="zh-CN" b="0" i="1" smtClean="0">
+                          <a:rPr kumimoji="1" lang="en-US" altLang="zh-CN" sz="2000" b="0" i="1" smtClean="0">
                             <a:latin typeface="Cambria Math" panose="02040503050406030204" pitchFamily="18" charset="0"/>
                           </a:rPr>
                         </m:ctrlPr>
@@ -10986,7 +13027,7 @@
                           <m:rPr>
                             <m:brk m:alnAt="23"/>
                           </m:rPr>
-                          <a:rPr kumimoji="1" lang="en-US" altLang="zh-CN" b="0" i="1" smtClean="0">
+                          <a:rPr kumimoji="1" lang="en-US" altLang="zh-CN" sz="2000" b="0" i="1" smtClean="0">
                             <a:latin typeface="Cambria Math" panose="02040503050406030204" pitchFamily="18" charset="0"/>
                           </a:rPr>
                           <m:t>0</m:t>
@@ -10994,7 +13035,7 @@
                       </m:sub>
                       <m:sup>
                         <m:r>
-                          <a:rPr kumimoji="1" lang="en-US" altLang="zh-CN" b="0" i="1" smtClean="0">
+                          <a:rPr kumimoji="1" lang="en-US" altLang="zh-CN" sz="2000" b="0" i="1" smtClean="0">
                             <a:latin typeface="Cambria Math" panose="02040503050406030204" pitchFamily="18" charset="0"/>
                           </a:rPr>
                           <m:t>𝑡</m:t>
@@ -11002,7 +13043,7 @@
                       </m:sup>
                       <m:e>
                         <m:r>
-                          <a:rPr kumimoji="1" lang="en-US" altLang="zh-CN" b="0" i="1" smtClean="0">
+                          <a:rPr kumimoji="1" lang="en-US" altLang="zh-CN" sz="2000" b="0" i="1" smtClean="0">
                             <a:latin typeface="Cambria Math" panose="02040503050406030204" pitchFamily="18" charset="0"/>
                           </a:rPr>
                           <m:t>𝑝</m:t>
@@ -11010,14 +13051,14 @@
                         <m:d>
                           <m:dPr>
                             <m:ctrlPr>
-                              <a:rPr kumimoji="1" lang="en-US" altLang="zh-CN" b="0" i="1" smtClean="0">
+                              <a:rPr kumimoji="1" lang="en-US" altLang="zh-CN" sz="2000" b="0" i="1" smtClean="0">
                                 <a:latin typeface="Cambria Math" panose="02040503050406030204" pitchFamily="18" charset="0"/>
                               </a:rPr>
                             </m:ctrlPr>
                           </m:dPr>
                           <m:e>
                             <m:r>
-                              <a:rPr kumimoji="1" lang="en-US" altLang="zh-CN" b="0" i="1" smtClean="0">
+                              <a:rPr kumimoji="1" lang="en-US" altLang="zh-CN" sz="2000" b="0" i="1" smtClean="0">
                                 <a:latin typeface="Cambria Math" panose="02040503050406030204" pitchFamily="18" charset="0"/>
                               </a:rPr>
                               <m:t>𝑧</m:t>
@@ -11025,7 +13066,7 @@
                           </m:e>
                         </m:d>
                         <m:r>
-                          <a:rPr kumimoji="1" lang="en-US" altLang="zh-CN" b="0" i="1" smtClean="0">
+                          <a:rPr kumimoji="1" lang="en-US" altLang="zh-CN" sz="2000" b="0" i="1" smtClean="0">
                             <a:latin typeface="Cambria Math" panose="02040503050406030204" pitchFamily="18" charset="0"/>
                           </a:rPr>
                           <m:t>𝑑𝑧</m:t>
@@ -11034,29 +13075,39 @@
                     </m:nary>
                   </m:oMath>
                 </a14:m>
-                <a:endParaRPr kumimoji="1" lang="en-US" altLang="zh-CN" b="0" i="1" dirty="0">
+                <a:endParaRPr kumimoji="1" lang="en-US" altLang="zh-CN" sz="2000" b="0" i="1" dirty="0">
                   <a:latin typeface="Cambria Math" panose="02040503050406030204" pitchFamily="18" charset="0"/>
                 </a:endParaRPr>
               </a:p>
               <a:p>
                 <a:pPr lvl="1"/>
                 <a:r>
-                  <a:rPr kumimoji="1" lang="en-US" altLang="zh-CN" dirty="0"/>
-                  <a:t>S</a:t>
+                  <a:rPr kumimoji="1" lang="en-US" altLang="zh-CN" sz="2000" dirty="0">
+                    <a:solidFill>
+                      <a:schemeClr val="accent6">
+                        <a:lumMod val="75000"/>
+                      </a:schemeClr>
+                    </a:solidFill>
+                  </a:rPr>
+                  <a:t>Survival</a:t>
+                </a:r>
+                <a:r>
+                  <a:rPr kumimoji="1" lang="en-US" altLang="zh-CN" sz="2000" dirty="0"/>
+                  <a:t> Rate: S</a:t>
                 </a:r>
                 <a14:m>
                   <m:oMath xmlns:m="http://schemas.openxmlformats.org/officeDocument/2006/math">
                     <m:d>
                       <m:dPr>
                         <m:ctrlPr>
-                          <a:rPr kumimoji="1" lang="en-US" altLang="zh-CN" i="1">
+                          <a:rPr kumimoji="1" lang="en-US" altLang="zh-CN" sz="2000" i="1">
                             <a:latin typeface="Cambria Math" panose="02040503050406030204" pitchFamily="18" charset="0"/>
                           </a:rPr>
                         </m:ctrlPr>
                       </m:dPr>
                       <m:e>
                         <m:r>
-                          <a:rPr kumimoji="1" lang="en-US" altLang="zh-CN" i="1">
+                          <a:rPr kumimoji="1" lang="en-US" altLang="zh-CN" sz="2000" i="1">
                             <a:latin typeface="Cambria Math" panose="02040503050406030204" pitchFamily="18" charset="0"/>
                           </a:rPr>
                           <m:t>𝑡</m:t>
@@ -11064,7 +13115,7 @@
                       </m:e>
                     </m:d>
                     <m:r>
-                      <a:rPr kumimoji="1" lang="en-US" altLang="zh-CN" i="1">
+                      <a:rPr kumimoji="1" lang="en-US" altLang="zh-CN" sz="2000" i="1">
                         <a:latin typeface="Cambria Math" panose="02040503050406030204" pitchFamily="18" charset="0"/>
                       </a:rPr>
                       <m:t>=</m:t>
@@ -11072,7 +13123,7 @@
                     <m:nary>
                       <m:naryPr>
                         <m:ctrlPr>
-                          <a:rPr kumimoji="1" lang="en-US" altLang="zh-CN" i="1">
+                          <a:rPr kumimoji="1" lang="en-US" altLang="zh-CN" sz="2000" i="1">
                             <a:latin typeface="Cambria Math" panose="02040503050406030204" pitchFamily="18" charset="0"/>
                           </a:rPr>
                         </m:ctrlPr>
@@ -11082,7 +13133,7 @@
                           <m:rPr>
                             <m:brk m:alnAt="23"/>
                           </m:rPr>
-                          <a:rPr kumimoji="1" lang="en-US" altLang="zh-CN" b="0" i="1" smtClean="0">
+                          <a:rPr kumimoji="1" lang="en-US" altLang="zh-CN" sz="2000" b="0" i="1" smtClean="0">
                             <a:latin typeface="Cambria Math" panose="02040503050406030204" pitchFamily="18" charset="0"/>
                           </a:rPr>
                           <m:t>𝑡</m:t>
@@ -11090,7 +13141,7 @@
                       </m:sub>
                       <m:sup>
                         <m:r>
-                          <a:rPr kumimoji="1" lang="en-US" altLang="zh-CN" i="1" smtClean="0">
+                          <a:rPr kumimoji="1" lang="en-US" altLang="zh-CN" sz="2000" i="1" smtClean="0">
                             <a:latin typeface="Cambria Math" panose="02040503050406030204" pitchFamily="18" charset="0"/>
                             <a:ea typeface="Cambria Math" panose="02040503050406030204" pitchFamily="18" charset="0"/>
                           </a:rPr>
@@ -11099,7 +13150,7 @@
                       </m:sup>
                       <m:e>
                         <m:r>
-                          <a:rPr kumimoji="1" lang="en-US" altLang="zh-CN" i="1">
+                          <a:rPr kumimoji="1" lang="en-US" altLang="zh-CN" sz="2000" i="1">
                             <a:latin typeface="Cambria Math" panose="02040503050406030204" pitchFamily="18" charset="0"/>
                           </a:rPr>
                           <m:t>𝑝</m:t>
@@ -11107,14 +13158,14 @@
                         <m:d>
                           <m:dPr>
                             <m:ctrlPr>
-                              <a:rPr kumimoji="1" lang="en-US" altLang="zh-CN" i="1">
+                              <a:rPr kumimoji="1" lang="en-US" altLang="zh-CN" sz="2000" i="1">
                                 <a:latin typeface="Cambria Math" panose="02040503050406030204" pitchFamily="18" charset="0"/>
                               </a:rPr>
                             </m:ctrlPr>
                           </m:dPr>
                           <m:e>
                             <m:r>
-                              <a:rPr kumimoji="1" lang="en-US" altLang="zh-CN" i="1">
+                              <a:rPr kumimoji="1" lang="en-US" altLang="zh-CN" sz="2000" i="1">
                                 <a:latin typeface="Cambria Math" panose="02040503050406030204" pitchFamily="18" charset="0"/>
                               </a:rPr>
                               <m:t>𝑧</m:t>
@@ -11122,7 +13173,7 @@
                           </m:e>
                         </m:d>
                         <m:r>
-                          <a:rPr kumimoji="1" lang="en-US" altLang="zh-CN" i="1">
+                          <a:rPr kumimoji="1" lang="en-US" altLang="zh-CN" sz="2000" i="1">
                             <a:latin typeface="Cambria Math" panose="02040503050406030204" pitchFamily="18" charset="0"/>
                           </a:rPr>
                           <m:t>𝑑𝑧</m:t>
@@ -11130,46 +13181,43 @@
                       </m:e>
                     </m:nary>
                     <m:r>
-                      <a:rPr kumimoji="1" lang="en-US" altLang="zh-CN" b="0" i="1" smtClean="0">
+                      <a:rPr kumimoji="1" lang="en-US" altLang="zh-CN" sz="2000" b="0" i="1" smtClean="0">
                         <a:latin typeface="Cambria Math" panose="02040503050406030204" pitchFamily="18" charset="0"/>
                       </a:rPr>
                       <m:t>=1−</m:t>
                     </m:r>
                     <m:r>
-                      <a:rPr kumimoji="1" lang="en-US" altLang="zh-CN" b="0" i="1" smtClean="0">
+                      <a:rPr kumimoji="1" lang="en-US" altLang="zh-CN" sz="2000" b="0" i="1" smtClean="0">
                         <a:latin typeface="Cambria Math" panose="02040503050406030204" pitchFamily="18" charset="0"/>
                       </a:rPr>
                       <m:t>𝑊</m:t>
                     </m:r>
                     <m:r>
-                      <a:rPr kumimoji="1" lang="en-US" altLang="zh-CN" b="0" i="1" smtClean="0">
+                      <a:rPr kumimoji="1" lang="en-US" altLang="zh-CN" sz="2000" b="0" i="1" smtClean="0">
                         <a:latin typeface="Cambria Math" panose="02040503050406030204" pitchFamily="18" charset="0"/>
                       </a:rPr>
                       <m:t>(</m:t>
                     </m:r>
                     <m:r>
-                      <a:rPr kumimoji="1" lang="en-US" altLang="zh-CN" b="0" i="1" smtClean="0">
+                      <a:rPr kumimoji="1" lang="en-US" altLang="zh-CN" sz="2000" b="0" i="1" smtClean="0">
                         <a:latin typeface="Cambria Math" panose="02040503050406030204" pitchFamily="18" charset="0"/>
                       </a:rPr>
                       <m:t>𝑡</m:t>
                     </m:r>
                     <m:r>
-                      <a:rPr kumimoji="1" lang="en-US" altLang="zh-CN" b="0" i="1" smtClean="0">
+                      <a:rPr kumimoji="1" lang="en-US" altLang="zh-CN" sz="2000" b="0" i="1" smtClean="0">
                         <a:latin typeface="Cambria Math" panose="02040503050406030204" pitchFamily="18" charset="0"/>
                       </a:rPr>
                       <m:t>)</m:t>
                     </m:r>
                   </m:oMath>
                 </a14:m>
-                <a:r>
-                  <a:rPr kumimoji="1" lang="en-US" altLang="zh-CN" b="0" dirty="0"/>
-                  <a:t>s</a:t>
-                </a:r>
+                <a:endParaRPr kumimoji="1" lang="en-US" altLang="zh-CN" sz="2000" b="0" dirty="0"/>
               </a:p>
             </p:txBody>
           </p:sp>
         </mc:Choice>
-        <mc:Fallback xmlns="">
+        <mc:Fallback>
           <p:sp>
             <p:nvSpPr>
               <p:cNvPr id="3" name="内容占位符 2">
@@ -11190,7 +13238,7 @@
               <a:blipFill>
                 <a:blip r:embed="rId2"/>
                 <a:stretch>
-                  <a:fillRect l="-965" t="-3005" b="-11749"/>
+                  <a:fillRect l="-965" t="-3005" b="-10929"/>
                 </a:stretch>
               </a:blipFill>
             </p:spPr>
@@ -11341,6 +13389,13 @@
             <a:r>
               <a:rPr kumimoji="1" lang="en-US" altLang="zh-CN" dirty="0"/>
               <a:t>Censorship</a:t>
+            </a:r>
+          </a:p>
+          <a:p>
+            <a:pPr lvl="1"/>
+            <a:r>
+              <a:rPr kumimoji="1" lang="en-US" altLang="zh-CN" dirty="0"/>
+              <a:t>Some clues are censored (without the true event time)</a:t>
             </a:r>
             <a:endParaRPr kumimoji="1" lang="zh-CN" altLang="en-US" dirty="0"/>
           </a:p>
@@ -12071,8 +14126,8 @@
           </a:p>
         </p:txBody>
       </p:sp>
-      <mc:AlternateContent xmlns:mc="http://schemas.openxmlformats.org/markup-compatibility/2006" xmlns:a14="http://schemas.microsoft.com/office/drawing/2010/main">
-        <mc:Choice Requires="a14">
+      <mc:AlternateContent xmlns:mc="http://schemas.openxmlformats.org/markup-compatibility/2006">
+        <mc:Choice xmlns:a14="http://schemas.microsoft.com/office/drawing/2010/main" Requires="a14">
           <p:sp>
             <p:nvSpPr>
               <p:cNvPr id="3" name="内容占位符 2">
@@ -12139,19 +14194,29 @@
                               <a:rPr kumimoji="1" lang="en-US" altLang="zh-CN" b="0" i="1" smtClean="0">
                                 <a:latin typeface="Cambria Math" panose="02040503050406030204" pitchFamily="18" charset="0"/>
                               </a:rPr>
-                              <m:t>𝑧</m:t>
+                              <m:t>𝑡</m:t>
                             </m:r>
                             <m:r>
                               <a:rPr kumimoji="1" lang="en-US" altLang="zh-CN" b="0" i="1" smtClean="0">
+                                <a:solidFill>
+                                  <a:schemeClr val="bg1">
+                                    <a:lumMod val="50000"/>
+                                  </a:schemeClr>
+                                </a:solidFill>
                                 <a:latin typeface="Cambria Math" panose="02040503050406030204" pitchFamily="18" charset="0"/>
                               </a:rPr>
                               <m:t>, </m:t>
                             </m:r>
                             <m:r>
                               <a:rPr kumimoji="1" lang="en-US" altLang="zh-CN" b="0" i="1" smtClean="0">
+                                <a:solidFill>
+                                  <a:schemeClr val="bg1">
+                                    <a:lumMod val="50000"/>
+                                  </a:schemeClr>
+                                </a:solidFill>
                                 <a:latin typeface="Cambria Math" panose="02040503050406030204" pitchFamily="18" charset="0"/>
                               </a:rPr>
-                              <m:t>𝑡</m:t>
+                              <m:t>𝑧</m:t>
                             </m:r>
                           </m:e>
                         </m:d>
@@ -12348,7 +14413,7 @@
                 </a14:m>
                 <a:r>
                   <a:rPr kumimoji="1" lang="en-US" altLang="zh-CN" dirty="0"/>
-                  <a:t> &amp; </a:t>
+                  <a:t> &amp; survival rate </a:t>
                 </a:r>
                 <a14:m>
                   <m:oMath xmlns:m="http://schemas.openxmlformats.org/officeDocument/2006/math">
@@ -12383,7 +14448,7 @@
             </p:txBody>
           </p:sp>
         </mc:Choice>
-        <mc:Fallback xmlns="">
+        <mc:Fallback>
           <p:sp>
             <p:nvSpPr>
               <p:cNvPr id="3" name="内容占位符 2">

--- a/deep-recurrent-survival-analysis.pptx
+++ b/deep-recurrent-survival-analysis.pptx
@@ -280,7 +280,7 @@
           <a:p>
             <a:fld id="{28FA76F6-06BC-405D-ABEC-4A7F79F52191}" type="datetimeFigureOut">
               <a:rPr lang="en-US" smtClean="0"/>
-              <a:t>12/22/18</a:t>
+              <a:t>12/23/18</a:t>
             </a:fld>
             <a:endParaRPr lang="en-US"/>
           </a:p>
@@ -582,7 +582,7 @@
           <a:p>
             <a:fld id="{28FA76F6-06BC-405D-ABEC-4A7F79F52191}" type="datetimeFigureOut">
               <a:rPr lang="en-US" smtClean="0"/>
-              <a:t>12/22/18</a:t>
+              <a:t>12/23/18</a:t>
             </a:fld>
             <a:endParaRPr lang="en-US"/>
           </a:p>
@@ -851,7 +851,7 @@
           <a:p>
             <a:fld id="{28FA76F6-06BC-405D-ABEC-4A7F79F52191}" type="datetimeFigureOut">
               <a:rPr lang="en-US" smtClean="0"/>
-              <a:t>12/22/18</a:t>
+              <a:t>12/23/18</a:t>
             </a:fld>
             <a:endParaRPr lang="en-US"/>
           </a:p>
@@ -1087,7 +1087,7 @@
           <a:p>
             <a:fld id="{28FA76F6-06BC-405D-ABEC-4A7F79F52191}" type="datetimeFigureOut">
               <a:rPr lang="en-US" smtClean="0"/>
-              <a:t>12/22/18</a:t>
+              <a:t>12/23/18</a:t>
             </a:fld>
             <a:endParaRPr lang="en-US"/>
           </a:p>
@@ -1479,7 +1479,7 @@
           <a:p>
             <a:fld id="{28FA76F6-06BC-405D-ABEC-4A7F79F52191}" type="datetimeFigureOut">
               <a:rPr lang="en-US" smtClean="0"/>
-              <a:t>12/22/18</a:t>
+              <a:t>12/23/18</a:t>
             </a:fld>
             <a:endParaRPr lang="en-US"/>
           </a:p>
@@ -1622,7 +1622,7 @@
           <a:p>
             <a:fld id="{28FA76F6-06BC-405D-ABEC-4A7F79F52191}" type="datetimeFigureOut">
               <a:rPr lang="en-US" smtClean="0"/>
-              <a:t>12/22/18</a:t>
+              <a:t>12/23/18</a:t>
             </a:fld>
             <a:endParaRPr lang="en-US"/>
           </a:p>
@@ -1738,7 +1738,7 @@
           <a:p>
             <a:fld id="{28FA76F6-06BC-405D-ABEC-4A7F79F52191}" type="datetimeFigureOut">
               <a:rPr lang="en-US" smtClean="0"/>
-              <a:t>12/22/18</a:t>
+              <a:t>12/23/18</a:t>
             </a:fld>
             <a:endParaRPr lang="en-US"/>
           </a:p>
@@ -2036,7 +2036,7 @@
           <a:p>
             <a:fld id="{28FA76F6-06BC-405D-ABEC-4A7F79F52191}" type="datetimeFigureOut">
               <a:rPr lang="en-US" smtClean="0"/>
-              <a:t>12/22/18</a:t>
+              <a:t>12/23/18</a:t>
             </a:fld>
             <a:endParaRPr lang="en-US"/>
           </a:p>
@@ -2366,7 +2366,7 @@
             <a:fld id="{28FA76F6-06BC-405D-ABEC-4A7F79F52191}" type="datetimeFigureOut">
               <a:rPr lang="en-US" smtClean="0"/>
               <a:pPr/>
-              <a:t>12/22/18</a:t>
+              <a:t>12/23/18</a:t>
             </a:fld>
             <a:endParaRPr lang="en-US"/>
           </a:p>
@@ -3089,8 +3089,8 @@
           </a:p>
         </p:txBody>
       </p:sp>
-      <mc:AlternateContent xmlns:mc="http://schemas.openxmlformats.org/markup-compatibility/2006">
-        <mc:Choice xmlns:a14="http://schemas.microsoft.com/office/drawing/2010/main" Requires="a14">
+      <mc:AlternateContent xmlns:mc="http://schemas.openxmlformats.org/markup-compatibility/2006" xmlns:a14="http://schemas.microsoft.com/office/drawing/2010/main">
+        <mc:Choice Requires="a14">
           <p:sp>
             <p:nvSpPr>
               <p:cNvPr id="3" name="内容占位符 2">
@@ -3347,7 +3347,7 @@
             </p:txBody>
           </p:sp>
         </mc:Choice>
-        <mc:Fallback>
+        <mc:Fallback xmlns="">
           <p:sp>
             <p:nvSpPr>
               <p:cNvPr id="3" name="内容占位符 2">
@@ -4134,12 +4134,13 @@
           <a:p>
             <a:r>
               <a:rPr kumimoji="1" lang="en-US" altLang="zh-CN" dirty="0"/>
-              <a:t>No consideration about sequential patterns over time!</a:t>
-            </a:r>
-          </a:p>
-          <a:p>
-            <a:pPr lvl="1"/>
-            <a:endParaRPr kumimoji="1" lang="zh-CN" altLang="en-US" dirty="0"/>
+              <a:t>No consideration about sequential patterns over </a:t>
+            </a:r>
+            <a:r>
+              <a:rPr kumimoji="1" lang="en-US" altLang="zh-CN"/>
+              <a:t>time!</a:t>
+            </a:r>
+            <a:endParaRPr kumimoji="1" lang="en-US" altLang="zh-CN" dirty="0"/>
           </a:p>
         </p:txBody>
       </p:sp>
@@ -4497,8 +4498,8 @@
           </a:p>
         </p:txBody>
       </p:sp>
-      <mc:AlternateContent xmlns:mc="http://schemas.openxmlformats.org/markup-compatibility/2006">
-        <mc:Choice xmlns:a14="http://schemas.microsoft.com/office/drawing/2010/main" Requires="a14">
+      <mc:AlternateContent xmlns:mc="http://schemas.openxmlformats.org/markup-compatibility/2006" xmlns:a14="http://schemas.microsoft.com/office/drawing/2010/main">
+        <mc:Choice Requires="a14">
           <p:sp>
             <p:nvSpPr>
               <p:cNvPr id="3" name="内容占位符 2">
@@ -5327,7 +5328,7 @@
             </p:txBody>
           </p:sp>
         </mc:Choice>
-        <mc:Fallback>
+        <mc:Fallback xmlns="">
           <p:sp>
             <p:nvSpPr>
               <p:cNvPr id="3" name="内容占位符 2">
@@ -5565,8 +5566,8 @@
           </a:prstGeom>
         </p:spPr>
       </p:pic>
-      <mc:AlternateContent xmlns:mc="http://schemas.openxmlformats.org/markup-compatibility/2006">
-        <mc:Choice xmlns:a14="http://schemas.microsoft.com/office/drawing/2010/main" Requires="a14">
+      <mc:AlternateContent xmlns:mc="http://schemas.openxmlformats.org/markup-compatibility/2006" xmlns:a14="http://schemas.microsoft.com/office/drawing/2010/main">
+        <mc:Choice Requires="a14">
           <p:sp>
             <p:nvSpPr>
               <p:cNvPr id="7" name="文本框 6">
@@ -6083,7 +6084,7 @@
             </p:txBody>
           </p:sp>
         </mc:Choice>
-        <mc:Fallback>
+        <mc:Fallback xmlns="">
           <p:sp>
             <p:nvSpPr>
               <p:cNvPr id="7" name="文本框 6">
@@ -6375,8 +6376,8 @@
           </a:p>
         </p:txBody>
       </p:sp>
-      <mc:AlternateContent xmlns:mc="http://schemas.openxmlformats.org/markup-compatibility/2006">
-        <mc:Choice xmlns:a14="http://schemas.microsoft.com/office/drawing/2010/main" Requires="a14">
+      <mc:AlternateContent xmlns:mc="http://schemas.openxmlformats.org/markup-compatibility/2006" xmlns:a14="http://schemas.microsoft.com/office/drawing/2010/main">
+        <mc:Choice Requires="a14">
           <p:sp>
             <p:nvSpPr>
               <p:cNvPr id="3" name="文本框 2">
@@ -6641,7 +6642,7 @@
             </p:txBody>
           </p:sp>
         </mc:Choice>
-        <mc:Fallback>
+        <mc:Fallback xmlns="">
           <p:sp>
             <p:nvSpPr>
               <p:cNvPr id="3" name="文本框 2">
@@ -6889,8 +6890,8 @@
           </a:p>
         </p:txBody>
       </p:sp>
-      <mc:AlternateContent xmlns:mc="http://schemas.openxmlformats.org/markup-compatibility/2006">
-        <mc:Choice xmlns:a14="http://schemas.microsoft.com/office/drawing/2010/main" Requires="a14">
+      <mc:AlternateContent xmlns:mc="http://schemas.openxmlformats.org/markup-compatibility/2006" xmlns:a14="http://schemas.microsoft.com/office/drawing/2010/main">
+        <mc:Choice Requires="a14">
           <p:sp>
             <p:nvSpPr>
               <p:cNvPr id="3" name="内容占位符 2">
@@ -6945,7 +6946,7 @@
             </p:txBody>
           </p:sp>
         </mc:Choice>
-        <mc:Fallback>
+        <mc:Fallback xmlns="">
           <p:sp>
             <p:nvSpPr>
               <p:cNvPr id="3" name="内容占位符 2">
@@ -7074,8 +7075,8 @@
           </a:p>
         </p:txBody>
       </p:sp>
-      <mc:AlternateContent xmlns:mc="http://schemas.openxmlformats.org/markup-compatibility/2006">
-        <mc:Choice xmlns:a14="http://schemas.microsoft.com/office/drawing/2010/main" Requires="a14">
+      <mc:AlternateContent xmlns:mc="http://schemas.openxmlformats.org/markup-compatibility/2006" xmlns:a14="http://schemas.microsoft.com/office/drawing/2010/main">
+        <mc:Choice Requires="a14">
           <p:sp>
             <p:nvSpPr>
               <p:cNvPr id="3" name="内容占位符 2">
@@ -7164,7 +7165,7 @@
             </p:txBody>
           </p:sp>
         </mc:Choice>
-        <mc:Fallback>
+        <mc:Fallback xmlns="">
           <p:sp>
             <p:nvSpPr>
               <p:cNvPr id="3" name="内容占位符 2">
@@ -7293,8 +7294,8 @@
           </a:p>
         </p:txBody>
       </p:sp>
-      <mc:AlternateContent xmlns:mc="http://schemas.openxmlformats.org/markup-compatibility/2006">
-        <mc:Choice xmlns:a14="http://schemas.microsoft.com/office/drawing/2010/main" Requires="a14">
+      <mc:AlternateContent xmlns:mc="http://schemas.openxmlformats.org/markup-compatibility/2006" xmlns:a14="http://schemas.microsoft.com/office/drawing/2010/main">
+        <mc:Choice Requires="a14">
           <p:sp>
             <p:nvSpPr>
               <p:cNvPr id="3" name="内容占位符 2">
@@ -7408,7 +7409,7 @@
             </p:txBody>
           </p:sp>
         </mc:Choice>
-        <mc:Fallback>
+        <mc:Fallback xmlns="">
           <p:sp>
             <p:nvSpPr>
               <p:cNvPr id="3" name="内容占位符 2">
@@ -7565,8 +7566,8 @@
           </a:p>
         </p:txBody>
       </p:sp>
-      <mc:AlternateContent xmlns:mc="http://schemas.openxmlformats.org/markup-compatibility/2006">
-        <mc:Choice xmlns:a14="http://schemas.microsoft.com/office/drawing/2010/main" Requires="a14">
+      <mc:AlternateContent xmlns:mc="http://schemas.openxmlformats.org/markup-compatibility/2006" xmlns:a14="http://schemas.microsoft.com/office/drawing/2010/main">
+        <mc:Choice Requires="a14">
           <p:sp>
             <p:nvSpPr>
               <p:cNvPr id="4" name="矩形 3">
@@ -7594,6 +7595,7 @@
               </a:bodyPr>
               <a:lstStyle/>
               <a:p>
+                <a:pPr/>
                 <a14:m>
                   <m:oMathPara xmlns:m="http://schemas.openxmlformats.org/officeDocument/2006/math">
                     <m:oMathParaPr>
@@ -7707,7 +7709,7 @@
             </p:txBody>
           </p:sp>
         </mc:Choice>
-        <mc:Fallback>
+        <mc:Fallback xmlns="">
           <p:sp>
             <p:nvSpPr>
               <p:cNvPr id="4" name="矩形 3">
@@ -8741,8 +8743,8 @@
           <a:chExt cx="0" cy="0"/>
         </a:xfrm>
       </p:grpSpPr>
-      <mc:AlternateContent xmlns:mc="http://schemas.openxmlformats.org/markup-compatibility/2006">
-        <mc:Choice xmlns:a14="http://schemas.microsoft.com/office/drawing/2010/main" Requires="a14">
+      <mc:AlternateContent xmlns:mc="http://schemas.openxmlformats.org/markup-compatibility/2006" xmlns:a14="http://schemas.microsoft.com/office/drawing/2010/main">
+        <mc:Choice Requires="a14">
           <p:sp>
             <p:nvSpPr>
               <p:cNvPr id="2" name="标题 1">
@@ -8806,7 +8808,7 @@
             </p:txBody>
           </p:sp>
         </mc:Choice>
-        <mc:Fallback>
+        <mc:Fallback xmlns="">
           <p:sp>
             <p:nvSpPr>
               <p:cNvPr id="2" name="标题 1">
@@ -8846,8 +8848,8 @@
           </p:sp>
         </mc:Fallback>
       </mc:AlternateContent>
-      <mc:AlternateContent xmlns:mc="http://schemas.openxmlformats.org/markup-compatibility/2006">
-        <mc:Choice xmlns:a14="http://schemas.microsoft.com/office/drawing/2010/main" Requires="a14">
+      <mc:AlternateContent xmlns:mc="http://schemas.openxmlformats.org/markup-compatibility/2006" xmlns:a14="http://schemas.microsoft.com/office/drawing/2010/main">
+        <mc:Choice Requires="a14">
           <p:sp>
             <p:nvSpPr>
               <p:cNvPr id="3" name="内容占位符 2">
@@ -8992,7 +8994,7 @@
             </p:txBody>
           </p:sp>
         </mc:Choice>
-        <mc:Fallback>
+        <mc:Fallback xmlns="">
           <p:sp>
             <p:nvSpPr>
               <p:cNvPr id="3" name="内容占位符 2">
@@ -9406,8 +9408,8 @@
           <a:chExt cx="0" cy="0"/>
         </a:xfrm>
       </p:grpSpPr>
-      <mc:AlternateContent xmlns:mc="http://schemas.openxmlformats.org/markup-compatibility/2006">
-        <mc:Choice xmlns:a14="http://schemas.microsoft.com/office/drawing/2010/main" Requires="a14">
+      <mc:AlternateContent xmlns:mc="http://schemas.openxmlformats.org/markup-compatibility/2006" xmlns:a14="http://schemas.microsoft.com/office/drawing/2010/main">
+        <mc:Choice Requires="a14">
           <p:sp>
             <p:nvSpPr>
               <p:cNvPr id="2" name="标题 1">
@@ -9471,7 +9473,7 @@
             </p:txBody>
           </p:sp>
         </mc:Choice>
-        <mc:Fallback>
+        <mc:Fallback xmlns="">
           <p:sp>
             <p:nvSpPr>
               <p:cNvPr id="2" name="标题 1">
@@ -9511,8 +9513,8 @@
           </p:sp>
         </mc:Fallback>
       </mc:AlternateContent>
-      <mc:AlternateContent xmlns:mc="http://schemas.openxmlformats.org/markup-compatibility/2006">
-        <mc:Choice xmlns:a14="http://schemas.microsoft.com/office/drawing/2010/main" Requires="a14">
+      <mc:AlternateContent xmlns:mc="http://schemas.openxmlformats.org/markup-compatibility/2006" xmlns:a14="http://schemas.microsoft.com/office/drawing/2010/main">
+        <mc:Choice Requires="a14">
           <p:sp>
             <p:nvSpPr>
               <p:cNvPr id="3" name="内容占位符 2">
@@ -9682,7 +9684,7 @@
             </p:txBody>
           </p:sp>
         </mc:Choice>
-        <mc:Fallback>
+        <mc:Fallback xmlns="">
           <p:sp>
             <p:nvSpPr>
               <p:cNvPr id="3" name="内容占位符 2">
@@ -9752,8 +9754,8 @@
           <a:chExt cx="0" cy="0"/>
         </a:xfrm>
       </p:grpSpPr>
-      <mc:AlternateContent xmlns:mc="http://schemas.openxmlformats.org/markup-compatibility/2006">
-        <mc:Choice xmlns:a14="http://schemas.microsoft.com/office/drawing/2010/main" Requires="a14">
+      <mc:AlternateContent xmlns:mc="http://schemas.openxmlformats.org/markup-compatibility/2006" xmlns:a14="http://schemas.microsoft.com/office/drawing/2010/main">
+        <mc:Choice Requires="a14">
           <p:sp>
             <p:nvSpPr>
               <p:cNvPr id="2" name="标题 1">
@@ -9817,7 +9819,7 @@
             </p:txBody>
           </p:sp>
         </mc:Choice>
-        <mc:Fallback>
+        <mc:Fallback xmlns="">
           <p:sp>
             <p:nvSpPr>
               <p:cNvPr id="2" name="标题 1">
@@ -9857,8 +9859,8 @@
           </p:sp>
         </mc:Fallback>
       </mc:AlternateContent>
-      <mc:AlternateContent xmlns:mc="http://schemas.openxmlformats.org/markup-compatibility/2006">
-        <mc:Choice xmlns:a14="http://schemas.microsoft.com/office/drawing/2010/main" Requires="a14">
+      <mc:AlternateContent xmlns:mc="http://schemas.openxmlformats.org/markup-compatibility/2006" xmlns:a14="http://schemas.microsoft.com/office/drawing/2010/main">
+        <mc:Choice Requires="a14">
           <p:sp>
             <p:nvSpPr>
               <p:cNvPr id="3" name="内容占位符 2">
@@ -10195,7 +10197,7 @@
             </p:txBody>
           </p:sp>
         </mc:Choice>
-        <mc:Fallback>
+        <mc:Fallback xmlns="">
           <p:sp>
             <p:nvSpPr>
               <p:cNvPr id="3" name="内容占位符 2">
@@ -10354,8 +10356,8 @@
           </a:p>
         </p:txBody>
       </p:sp>
-      <mc:AlternateContent xmlns:mc="http://schemas.openxmlformats.org/markup-compatibility/2006">
-        <mc:Choice xmlns:a14="http://schemas.microsoft.com/office/drawing/2010/main" Requires="a14">
+      <mc:AlternateContent xmlns:mc="http://schemas.openxmlformats.org/markup-compatibility/2006" xmlns:a14="http://schemas.microsoft.com/office/drawing/2010/main">
+        <mc:Choice Requires="a14">
           <p:sp>
             <p:nvSpPr>
               <p:cNvPr id="4" name="矩形 3">
@@ -10572,7 +10574,7 @@
             </p:txBody>
           </p:sp>
         </mc:Choice>
-        <mc:Fallback>
+        <mc:Fallback xmlns="">
           <p:sp>
             <p:nvSpPr>
               <p:cNvPr id="4" name="矩形 3">
@@ -11595,8 +11597,8 @@
           </a:p>
         </p:txBody>
       </p:sp>
-      <mc:AlternateContent xmlns:mc="http://schemas.openxmlformats.org/markup-compatibility/2006">
-        <mc:Choice xmlns:a14="http://schemas.microsoft.com/office/drawing/2010/main" Requires="a14">
+      <mc:AlternateContent xmlns:mc="http://schemas.openxmlformats.org/markup-compatibility/2006" xmlns:a14="http://schemas.microsoft.com/office/drawing/2010/main">
+        <mc:Choice Requires="a14">
           <p:sp>
             <p:nvSpPr>
               <p:cNvPr id="3" name="内容占位符 2">
@@ -11681,7 +11683,7 @@
             </p:txBody>
           </p:sp>
         </mc:Choice>
-        <mc:Fallback>
+        <mc:Fallback xmlns="">
           <p:sp>
             <p:nvSpPr>
               <p:cNvPr id="3" name="内容占位符 2">
@@ -12217,8 +12219,8 @@
           </a:p>
         </p:txBody>
       </p:sp>
-      <mc:AlternateContent xmlns:mc="http://schemas.openxmlformats.org/markup-compatibility/2006">
-        <mc:Choice xmlns:a14="http://schemas.microsoft.com/office/drawing/2010/main" Requires="a14">
+      <mc:AlternateContent xmlns:mc="http://schemas.openxmlformats.org/markup-compatibility/2006" xmlns:a14="http://schemas.microsoft.com/office/drawing/2010/main">
+        <mc:Choice Requires="a14">
           <p:sp>
             <p:nvSpPr>
               <p:cNvPr id="3" name="内容占位符 2">
@@ -12280,23 +12282,33 @@
                 <a14:m>
                   <m:oMath xmlns:m="http://schemas.openxmlformats.org/officeDocument/2006/math">
                     <m:r>
-                      <a:rPr kumimoji="1" lang="en-US" altLang="zh-CN" sz="2100"/>
+                      <a:rPr kumimoji="1" lang="en-US" altLang="zh-CN" sz="2100">
+                        <a:latin typeface="Cambria Math" panose="02040503050406030204" pitchFamily="18" charset="0"/>
+                      </a:rPr>
                       <m:t>[</m:t>
                     </m:r>
                     <m:r>
-                      <a:rPr kumimoji="1" lang="en-US" altLang="zh-CN" sz="2100"/>
+                      <a:rPr kumimoji="1" lang="en-US" altLang="zh-CN" sz="2100">
+                        <a:latin typeface="Cambria Math" panose="02040503050406030204" pitchFamily="18" charset="0"/>
+                      </a:rPr>
                       <m:t>𝑧</m:t>
                     </m:r>
                     <m:r>
-                      <a:rPr kumimoji="1" lang="en-US" altLang="zh-CN" sz="2100"/>
+                      <a:rPr kumimoji="1" lang="en-US" altLang="zh-CN" sz="2100">
+                        <a:latin typeface="Cambria Math" panose="02040503050406030204" pitchFamily="18" charset="0"/>
+                      </a:rPr>
                       <m:t>, </m:t>
                     </m:r>
                     <m:r>
-                      <a:rPr kumimoji="1" lang="en-US" altLang="zh-CN" sz="2100"/>
+                      <a:rPr kumimoji="1" lang="en-US" altLang="zh-CN" sz="2100">
+                        <a:latin typeface="Cambria Math" panose="02040503050406030204" pitchFamily="18" charset="0"/>
+                      </a:rPr>
                       <m:t>𝑡</m:t>
                     </m:r>
                     <m:r>
-                      <a:rPr kumimoji="1" lang="en-US" altLang="zh-CN" sz="2100"/>
+                      <a:rPr kumimoji="1" lang="en-US" altLang="zh-CN" sz="2100">
+                        <a:latin typeface="Cambria Math" panose="02040503050406030204" pitchFamily="18" charset="0"/>
+                      </a:rPr>
                       <m:t>]</m:t>
                     </m:r>
                   </m:oMath>
@@ -12390,7 +12402,7 @@
             </p:txBody>
           </p:sp>
         </mc:Choice>
-        <mc:Fallback>
+        <mc:Fallback xmlns="">
           <p:sp>
             <p:nvSpPr>
               <p:cNvPr id="3" name="内容占位符 2">
@@ -12736,8 +12748,8 @@
           </a:p>
         </p:txBody>
       </p:sp>
-      <mc:AlternateContent xmlns:mc="http://schemas.openxmlformats.org/markup-compatibility/2006">
-        <mc:Choice xmlns:a14="http://schemas.microsoft.com/office/drawing/2010/main" Requires="a14">
+      <mc:AlternateContent xmlns:mc="http://schemas.openxmlformats.org/markup-compatibility/2006" xmlns:a14="http://schemas.microsoft.com/office/drawing/2010/main">
+        <mc:Choice Requires="a14">
           <p:sp>
             <p:nvSpPr>
               <p:cNvPr id="3" name="内容占位符 2">
@@ -13217,7 +13229,7 @@
             </p:txBody>
           </p:sp>
         </mc:Choice>
-        <mc:Fallback>
+        <mc:Fallback xmlns="">
           <p:sp>
             <p:nvSpPr>
               <p:cNvPr id="3" name="内容占位符 2">
@@ -14126,8 +14138,8 @@
           </a:p>
         </p:txBody>
       </p:sp>
-      <mc:AlternateContent xmlns:mc="http://schemas.openxmlformats.org/markup-compatibility/2006">
-        <mc:Choice xmlns:a14="http://schemas.microsoft.com/office/drawing/2010/main" Requires="a14">
+      <mc:AlternateContent xmlns:mc="http://schemas.openxmlformats.org/markup-compatibility/2006" xmlns:a14="http://schemas.microsoft.com/office/drawing/2010/main">
+        <mc:Choice Requires="a14">
           <p:sp>
             <p:nvSpPr>
               <p:cNvPr id="3" name="内容占位符 2">
@@ -14448,7 +14460,7 @@
             </p:txBody>
           </p:sp>
         </mc:Choice>
-        <mc:Fallback>
+        <mc:Fallback xmlns="">
           <p:sp>
             <p:nvSpPr>
               <p:cNvPr id="3" name="内容占位符 2">

--- a/deep-recurrent-survival-analysis.pptx
+++ b/deep-recurrent-survival-analysis.pptx
@@ -280,7 +280,7 @@
           <a:p>
             <a:fld id="{28FA76F6-06BC-405D-ABEC-4A7F79F52191}" type="datetimeFigureOut">
               <a:rPr lang="en-US" smtClean="0"/>
-              <a:t>12/23/18</a:t>
+              <a:t>12/30/18</a:t>
             </a:fld>
             <a:endParaRPr lang="en-US"/>
           </a:p>
@@ -582,7 +582,7 @@
           <a:p>
             <a:fld id="{28FA76F6-06BC-405D-ABEC-4A7F79F52191}" type="datetimeFigureOut">
               <a:rPr lang="en-US" smtClean="0"/>
-              <a:t>12/23/18</a:t>
+              <a:t>12/30/18</a:t>
             </a:fld>
             <a:endParaRPr lang="en-US"/>
           </a:p>
@@ -851,7 +851,7 @@
           <a:p>
             <a:fld id="{28FA76F6-06BC-405D-ABEC-4A7F79F52191}" type="datetimeFigureOut">
               <a:rPr lang="en-US" smtClean="0"/>
-              <a:t>12/23/18</a:t>
+              <a:t>12/30/18</a:t>
             </a:fld>
             <a:endParaRPr lang="en-US"/>
           </a:p>
@@ -1087,7 +1087,7 @@
           <a:p>
             <a:fld id="{28FA76F6-06BC-405D-ABEC-4A7F79F52191}" type="datetimeFigureOut">
               <a:rPr lang="en-US" smtClean="0"/>
-              <a:t>12/23/18</a:t>
+              <a:t>12/30/18</a:t>
             </a:fld>
             <a:endParaRPr lang="en-US"/>
           </a:p>
@@ -1479,7 +1479,7 @@
           <a:p>
             <a:fld id="{28FA76F6-06BC-405D-ABEC-4A7F79F52191}" type="datetimeFigureOut">
               <a:rPr lang="en-US" smtClean="0"/>
-              <a:t>12/23/18</a:t>
+              <a:t>12/30/18</a:t>
             </a:fld>
             <a:endParaRPr lang="en-US"/>
           </a:p>
@@ -1622,7 +1622,7 @@
           <a:p>
             <a:fld id="{28FA76F6-06BC-405D-ABEC-4A7F79F52191}" type="datetimeFigureOut">
               <a:rPr lang="en-US" smtClean="0"/>
-              <a:t>12/23/18</a:t>
+              <a:t>12/30/18</a:t>
             </a:fld>
             <a:endParaRPr lang="en-US"/>
           </a:p>
@@ -1738,7 +1738,7 @@
           <a:p>
             <a:fld id="{28FA76F6-06BC-405D-ABEC-4A7F79F52191}" type="datetimeFigureOut">
               <a:rPr lang="en-US" smtClean="0"/>
-              <a:t>12/23/18</a:t>
+              <a:t>12/30/18</a:t>
             </a:fld>
             <a:endParaRPr lang="en-US"/>
           </a:p>
@@ -2036,7 +2036,7 @@
           <a:p>
             <a:fld id="{28FA76F6-06BC-405D-ABEC-4A7F79F52191}" type="datetimeFigureOut">
               <a:rPr lang="en-US" smtClean="0"/>
-              <a:t>12/23/18</a:t>
+              <a:t>12/30/18</a:t>
             </a:fld>
             <a:endParaRPr lang="en-US"/>
           </a:p>
@@ -2366,7 +2366,7 @@
             <a:fld id="{28FA76F6-06BC-405D-ABEC-4A7F79F52191}" type="datetimeFigureOut">
               <a:rPr lang="en-US" smtClean="0"/>
               <a:pPr/>
-              <a:t>12/23/18</a:t>
+              <a:t>12/30/18</a:t>
             </a:fld>
             <a:endParaRPr lang="en-US"/>
           </a:p>
@@ -8190,41 +8190,12 @@
           <a:chExt cx="0" cy="0"/>
         </a:xfrm>
       </p:grpSpPr>
-      <p:sp>
-        <p:nvSpPr>
-          <p:cNvPr id="2" name="标题 1">
+      <p:pic>
+        <p:nvPicPr>
+          <p:cNvPr id="35" name="内容占位符 34">
             <a:extLst>
               <a:ext uri="{FF2B5EF4-FFF2-40B4-BE49-F238E27FC236}">
-                <a16:creationId xmlns:a16="http://schemas.microsoft.com/office/drawing/2014/main" id="{B5272BD6-26B4-AB4F-8ABE-802AA1404315}"/>
-              </a:ext>
-            </a:extLst>
-          </p:cNvPr>
-          <p:cNvSpPr>
-            <a:spLocks noGrp="1"/>
-          </p:cNvSpPr>
-          <p:nvPr>
-            <p:ph type="title"/>
-          </p:nvPr>
-        </p:nvSpPr>
-        <p:spPr/>
-        <p:txBody>
-          <a:bodyPr/>
-          <a:lstStyle/>
-          <a:p>
-            <a:r>
-              <a:rPr kumimoji="1" lang="en-US" altLang="zh-CN" dirty="0"/>
-              <a:t>Intuition behind C.D.F. Losses</a:t>
-            </a:r>
-            <a:endParaRPr kumimoji="1" lang="zh-CN" altLang="en-US" dirty="0"/>
-          </a:p>
-        </p:txBody>
-      </p:sp>
-      <p:pic>
-        <p:nvPicPr>
-          <p:cNvPr id="5" name="内容占位符 4">
-            <a:extLst>
-              <a:ext uri="{FF2B5EF4-FFF2-40B4-BE49-F238E27FC236}">
-                <a16:creationId xmlns:a16="http://schemas.microsoft.com/office/drawing/2014/main" id="{7EB79CF0-4E84-914D-A344-47B829766392}"/>
+                <a16:creationId xmlns:a16="http://schemas.microsoft.com/office/drawing/2014/main" id="{97CFEA11-E901-0346-8DC9-0DF6E5FB1ADF}"/>
               </a:ext>
             </a:extLst>
           </p:cNvPr>
@@ -8249,11 +8220,40 @@
         </p:blipFill>
         <p:spPr>
           <a:xfrm>
-            <a:off x="279376" y="1385449"/>
-            <a:ext cx="8585248" cy="3034144"/>
+            <a:off x="852734" y="1371601"/>
+            <a:ext cx="7438531" cy="3094656"/>
           </a:xfrm>
         </p:spPr>
       </p:pic>
+      <p:sp>
+        <p:nvSpPr>
+          <p:cNvPr id="2" name="标题 1">
+            <a:extLst>
+              <a:ext uri="{FF2B5EF4-FFF2-40B4-BE49-F238E27FC236}">
+                <a16:creationId xmlns:a16="http://schemas.microsoft.com/office/drawing/2014/main" id="{B5272BD6-26B4-AB4F-8ABE-802AA1404315}"/>
+              </a:ext>
+            </a:extLst>
+          </p:cNvPr>
+          <p:cNvSpPr>
+            <a:spLocks noGrp="1"/>
+          </p:cNvSpPr>
+          <p:nvPr>
+            <p:ph type="title"/>
+          </p:nvPr>
+        </p:nvSpPr>
+        <p:spPr/>
+        <p:txBody>
+          <a:bodyPr/>
+          <a:lstStyle/>
+          <a:p>
+            <a:r>
+              <a:rPr kumimoji="1" lang="en-US" altLang="zh-CN" dirty="0"/>
+              <a:t>Intuition behind C.D.F. Losses</a:t>
+            </a:r>
+            <a:endParaRPr kumimoji="1" lang="zh-CN" altLang="en-US" dirty="0"/>
+          </a:p>
+        </p:txBody>
+      </p:sp>
       <mc:AlternateContent xmlns:mc="http://schemas.openxmlformats.org/markup-compatibility/2006" xmlns:a14="http://schemas.microsoft.com/office/drawing/2010/main">
         <mc:Choice Requires="a14">
           <p:sp>
@@ -8613,7 +8613,7 @@
         </p:nvSpPr>
         <p:spPr>
           <a:xfrm>
-            <a:off x="1662546" y="4285792"/>
+            <a:off x="1975536" y="4281187"/>
             <a:ext cx="2006383" cy="646331"/>
           </a:xfrm>
           <a:prstGeom prst="rect">
@@ -8673,7 +8673,7 @@
         </p:nvSpPr>
         <p:spPr>
           <a:xfrm>
-            <a:off x="6165273" y="4281188"/>
+            <a:off x="5911237" y="4281187"/>
             <a:ext cx="1563441" cy="646331"/>
           </a:xfrm>
           <a:prstGeom prst="rect">
@@ -11041,7 +11041,7 @@
             <a:pPr lvl="1"/>
             <a:r>
               <a:rPr kumimoji="1" lang="en-US" altLang="zh-CN" dirty="0"/>
-              <a:t>May have different meanings in different area.</a:t>
+              <a:t>May have different meanings in different areas.</a:t>
             </a:r>
             <a:endParaRPr kumimoji="1" lang="zh-CN" altLang="en-US" dirty="0"/>
           </a:p>

--- a/deep-recurrent-survival-analysis.pptx
+++ b/deep-recurrent-survival-analysis.pptx
@@ -22,25 +22,26 @@
     <p:sldId id="270" r:id="rId16"/>
     <p:sldId id="271" r:id="rId17"/>
     <p:sldId id="272" r:id="rId18"/>
-    <p:sldId id="273" r:id="rId19"/>
-    <p:sldId id="289" r:id="rId20"/>
-    <p:sldId id="290" r:id="rId21"/>
-    <p:sldId id="275" r:id="rId22"/>
-    <p:sldId id="276" r:id="rId23"/>
-    <p:sldId id="291" r:id="rId24"/>
-    <p:sldId id="288" r:id="rId25"/>
-    <p:sldId id="277" r:id="rId26"/>
-    <p:sldId id="278" r:id="rId27"/>
-    <p:sldId id="279" r:id="rId28"/>
-    <p:sldId id="292" r:id="rId29"/>
-    <p:sldId id="280" r:id="rId30"/>
-    <p:sldId id="282" r:id="rId31"/>
-    <p:sldId id="281" r:id="rId32"/>
-    <p:sldId id="283" r:id="rId33"/>
-    <p:sldId id="284" r:id="rId34"/>
-    <p:sldId id="285" r:id="rId35"/>
-    <p:sldId id="287" r:id="rId36"/>
-    <p:sldId id="286" r:id="rId37"/>
+    <p:sldId id="293" r:id="rId19"/>
+    <p:sldId id="273" r:id="rId20"/>
+    <p:sldId id="289" r:id="rId21"/>
+    <p:sldId id="290" r:id="rId22"/>
+    <p:sldId id="275" r:id="rId23"/>
+    <p:sldId id="276" r:id="rId24"/>
+    <p:sldId id="291" r:id="rId25"/>
+    <p:sldId id="288" r:id="rId26"/>
+    <p:sldId id="277" r:id="rId27"/>
+    <p:sldId id="278" r:id="rId28"/>
+    <p:sldId id="279" r:id="rId29"/>
+    <p:sldId id="292" r:id="rId30"/>
+    <p:sldId id="280" r:id="rId31"/>
+    <p:sldId id="282" r:id="rId32"/>
+    <p:sldId id="281" r:id="rId33"/>
+    <p:sldId id="283" r:id="rId34"/>
+    <p:sldId id="284" r:id="rId35"/>
+    <p:sldId id="285" r:id="rId36"/>
+    <p:sldId id="287" r:id="rId37"/>
+    <p:sldId id="286" r:id="rId38"/>
   </p:sldIdLst>
   <p:sldSz cx="9144000" cy="6858000" type="screen4x3"/>
   <p:notesSz cx="6858000" cy="9144000"/>
@@ -280,7 +281,7 @@
           <a:p>
             <a:fld id="{28FA76F6-06BC-405D-ABEC-4A7F79F52191}" type="datetimeFigureOut">
               <a:rPr lang="en-US" smtClean="0"/>
-              <a:t>12/30/18</a:t>
+              <a:t>1/4/19</a:t>
             </a:fld>
             <a:endParaRPr lang="en-US"/>
           </a:p>
@@ -582,7 +583,7 @@
           <a:p>
             <a:fld id="{28FA76F6-06BC-405D-ABEC-4A7F79F52191}" type="datetimeFigureOut">
               <a:rPr lang="en-US" smtClean="0"/>
-              <a:t>12/30/18</a:t>
+              <a:t>1/4/19</a:t>
             </a:fld>
             <a:endParaRPr lang="en-US"/>
           </a:p>
@@ -851,7 +852,7 @@
           <a:p>
             <a:fld id="{28FA76F6-06BC-405D-ABEC-4A7F79F52191}" type="datetimeFigureOut">
               <a:rPr lang="en-US" smtClean="0"/>
-              <a:t>12/30/18</a:t>
+              <a:t>1/4/19</a:t>
             </a:fld>
             <a:endParaRPr lang="en-US"/>
           </a:p>
@@ -1087,7 +1088,7 @@
           <a:p>
             <a:fld id="{28FA76F6-06BC-405D-ABEC-4A7F79F52191}" type="datetimeFigureOut">
               <a:rPr lang="en-US" smtClean="0"/>
-              <a:t>12/30/18</a:t>
+              <a:t>1/4/19</a:t>
             </a:fld>
             <a:endParaRPr lang="en-US"/>
           </a:p>
@@ -1479,7 +1480,7 @@
           <a:p>
             <a:fld id="{28FA76F6-06BC-405D-ABEC-4A7F79F52191}" type="datetimeFigureOut">
               <a:rPr lang="en-US" smtClean="0"/>
-              <a:t>12/30/18</a:t>
+              <a:t>1/4/19</a:t>
             </a:fld>
             <a:endParaRPr lang="en-US"/>
           </a:p>
@@ -1622,7 +1623,7 @@
           <a:p>
             <a:fld id="{28FA76F6-06BC-405D-ABEC-4A7F79F52191}" type="datetimeFigureOut">
               <a:rPr lang="en-US" smtClean="0"/>
-              <a:t>12/30/18</a:t>
+              <a:t>1/4/19</a:t>
             </a:fld>
             <a:endParaRPr lang="en-US"/>
           </a:p>
@@ -1738,7 +1739,7 @@
           <a:p>
             <a:fld id="{28FA76F6-06BC-405D-ABEC-4A7F79F52191}" type="datetimeFigureOut">
               <a:rPr lang="en-US" smtClean="0"/>
-              <a:t>12/30/18</a:t>
+              <a:t>1/4/19</a:t>
             </a:fld>
             <a:endParaRPr lang="en-US"/>
           </a:p>
@@ -2036,7 +2037,7 @@
           <a:p>
             <a:fld id="{28FA76F6-06BC-405D-ABEC-4A7F79F52191}" type="datetimeFigureOut">
               <a:rPr lang="en-US" smtClean="0"/>
-              <a:t>12/30/18</a:t>
+              <a:t>1/4/19</a:t>
             </a:fld>
             <a:endParaRPr lang="en-US"/>
           </a:p>
@@ -2366,7 +2367,7 @@
             <a:fld id="{28FA76F6-06BC-405D-ABEC-4A7F79F52191}" type="datetimeFigureOut">
               <a:rPr lang="en-US" smtClean="0"/>
               <a:pPr/>
-              <a:t>12/30/18</a:t>
+              <a:t>1/4/19</a:t>
             </a:fld>
             <a:endParaRPr lang="en-US"/>
           </a:p>
@@ -4498,8 +4499,8 @@
           </a:p>
         </p:txBody>
       </p:sp>
-      <mc:AlternateContent xmlns:mc="http://schemas.openxmlformats.org/markup-compatibility/2006" xmlns:a14="http://schemas.microsoft.com/office/drawing/2010/main">
-        <mc:Choice Requires="a14">
+      <mc:AlternateContent xmlns:mc="http://schemas.openxmlformats.org/markup-compatibility/2006">
+        <mc:Choice xmlns:a14="http://schemas.microsoft.com/office/drawing/2010/main" Requires="a14">
           <p:sp>
             <p:nvSpPr>
               <p:cNvPr id="3" name="内容占位符 2">
@@ -5083,9 +5084,304 @@
                 </a:r>
               </a:p>
               <a:p>
+                <a:pPr/>
+                <a14:m>
+                  <m:oMath xmlns:m="http://schemas.openxmlformats.org/officeDocument/2006/math">
+                    <m:sSub>
+                      <m:sSubPr>
+                        <m:ctrlPr>
+                          <a:rPr kumimoji="1" lang="en-US" altLang="zh-CN" i="1">
+                            <a:latin typeface="Cambria Math" panose="02040503050406030204" pitchFamily="18" charset="0"/>
+                          </a:rPr>
+                        </m:ctrlPr>
+                      </m:sSubPr>
+                      <m:e>
+                        <m:r>
+                          <a:rPr kumimoji="1" lang="en-US" altLang="zh-CN" i="1">
+                            <a:latin typeface="Cambria Math" panose="02040503050406030204" pitchFamily="18" charset="0"/>
+                          </a:rPr>
+                          <m:t>h</m:t>
+                        </m:r>
+                      </m:e>
+                      <m:sub>
+                        <m:r>
+                          <a:rPr kumimoji="1" lang="en-US" altLang="zh-CN" i="1">
+                            <a:latin typeface="Cambria Math" panose="02040503050406030204" pitchFamily="18" charset="0"/>
+                          </a:rPr>
+                          <m:t>𝑙</m:t>
+                        </m:r>
+                      </m:sub>
+                    </m:sSub>
+                    <m:r>
+                      <a:rPr kumimoji="1" lang="en-US" altLang="zh-CN" i="1">
+                        <a:latin typeface="Cambria Math" panose="02040503050406030204" pitchFamily="18" charset="0"/>
+                      </a:rPr>
+                      <m:t>=</m:t>
+                    </m:r>
+                    <m:func>
+                      <m:funcPr>
+                        <m:ctrlPr>
+                          <a:rPr kumimoji="1" lang="en-US" altLang="zh-CN" i="1">
+                            <a:latin typeface="Cambria Math" panose="02040503050406030204" pitchFamily="18" charset="0"/>
+                          </a:rPr>
+                        </m:ctrlPr>
+                      </m:funcPr>
+                      <m:fName>
+                        <m:r>
+                          <m:rPr>
+                            <m:sty m:val="p"/>
+                          </m:rPr>
+                          <a:rPr kumimoji="1" lang="en-US" altLang="zh-CN">
+                            <a:latin typeface="Cambria Math" panose="02040503050406030204" pitchFamily="18" charset="0"/>
+                          </a:rPr>
+                          <m:t>Pr</m:t>
+                        </m:r>
+                      </m:fName>
+                      <m:e>
+                        <m:d>
+                          <m:dPr>
+                            <m:ctrlPr>
+                              <a:rPr kumimoji="1" lang="en-US" altLang="zh-CN" i="1">
+                                <a:latin typeface="Cambria Math" panose="02040503050406030204" pitchFamily="18" charset="0"/>
+                              </a:rPr>
+                            </m:ctrlPr>
+                          </m:dPr>
+                          <m:e>
+                            <m:r>
+                              <a:rPr kumimoji="1" lang="en-US" altLang="zh-CN" i="1">
+                                <a:latin typeface="Cambria Math" panose="02040503050406030204" pitchFamily="18" charset="0"/>
+                              </a:rPr>
+                              <m:t>𝑧</m:t>
+                            </m:r>
+                            <m:r>
+                              <a:rPr kumimoji="1" lang="en-US" altLang="zh-CN" i="1">
+                                <a:latin typeface="Cambria Math" panose="02040503050406030204" pitchFamily="18" charset="0"/>
+                              </a:rPr>
+                              <m:t>∈</m:t>
+                            </m:r>
+                            <m:sSub>
+                              <m:sSubPr>
+                                <m:ctrlPr>
+                                  <a:rPr kumimoji="1" lang="en-US" altLang="zh-CN" i="1">
+                                    <a:latin typeface="Cambria Math" panose="02040503050406030204" pitchFamily="18" charset="0"/>
+                                  </a:rPr>
+                                </m:ctrlPr>
+                              </m:sSubPr>
+                              <m:e>
+                                <m:r>
+                                  <a:rPr kumimoji="1" lang="en-US" altLang="zh-CN" i="1">
+                                    <a:latin typeface="Cambria Math" panose="02040503050406030204" pitchFamily="18" charset="0"/>
+                                  </a:rPr>
+                                  <m:t>𝑉</m:t>
+                                </m:r>
+                              </m:e>
+                              <m:sub>
+                                <m:r>
+                                  <a:rPr kumimoji="1" lang="en-US" altLang="zh-CN" i="1">
+                                    <a:latin typeface="Cambria Math" panose="02040503050406030204" pitchFamily="18" charset="0"/>
+                                  </a:rPr>
+                                  <m:t>𝑙</m:t>
+                                </m:r>
+                              </m:sub>
+                            </m:sSub>
+                          </m:e>
+                          <m:e>
+                            <m:r>
+                              <a:rPr kumimoji="1" lang="en-US" altLang="zh-CN" i="1">
+                                <a:latin typeface="Cambria Math" panose="02040503050406030204" pitchFamily="18" charset="0"/>
+                              </a:rPr>
+                              <m:t>𝑧</m:t>
+                            </m:r>
+                            <m:r>
+                              <a:rPr kumimoji="1" lang="en-US" altLang="zh-CN" i="1">
+                                <a:latin typeface="Cambria Math" panose="02040503050406030204" pitchFamily="18" charset="0"/>
+                              </a:rPr>
+                              <m:t>&gt;</m:t>
+                            </m:r>
+                            <m:sSub>
+                              <m:sSubPr>
+                                <m:ctrlPr>
+                                  <a:rPr kumimoji="1" lang="en-US" altLang="zh-CN" i="1">
+                                    <a:latin typeface="Cambria Math" panose="02040503050406030204" pitchFamily="18" charset="0"/>
+                                  </a:rPr>
+                                </m:ctrlPr>
+                              </m:sSubPr>
+                              <m:e>
+                                <m:r>
+                                  <a:rPr kumimoji="1" lang="en-US" altLang="zh-CN" i="1">
+                                    <a:latin typeface="Cambria Math" panose="02040503050406030204" pitchFamily="18" charset="0"/>
+                                  </a:rPr>
+                                  <m:t>𝑡</m:t>
+                                </m:r>
+                              </m:e>
+                              <m:sub>
+                                <m:r>
+                                  <a:rPr kumimoji="1" lang="en-US" altLang="zh-CN" i="1">
+                                    <a:latin typeface="Cambria Math" panose="02040503050406030204" pitchFamily="18" charset="0"/>
+                                  </a:rPr>
+                                  <m:t>𝑙</m:t>
+                                </m:r>
+                                <m:r>
+                                  <a:rPr kumimoji="1" lang="en-US" altLang="zh-CN" i="1">
+                                    <a:latin typeface="Cambria Math" panose="02040503050406030204" pitchFamily="18" charset="0"/>
+                                  </a:rPr>
+                                  <m:t>−1</m:t>
+                                </m:r>
+                              </m:sub>
+                            </m:sSub>
+                            <m:r>
+                              <a:rPr kumimoji="1" lang="en-US" altLang="zh-CN" i="1">
+                                <a:latin typeface="Cambria Math" panose="02040503050406030204" pitchFamily="18" charset="0"/>
+                              </a:rPr>
+                              <m:t>,</m:t>
+                            </m:r>
+                            <m:r>
+                              <a:rPr kumimoji="1" lang="en-US" altLang="zh-CN" b="1" i="1">
+                                <a:latin typeface="Cambria Math" panose="02040503050406030204" pitchFamily="18" charset="0"/>
+                              </a:rPr>
+                              <m:t>𝒙</m:t>
+                            </m:r>
+                            <m:r>
+                              <a:rPr kumimoji="1" lang="en-US" altLang="zh-CN" i="1">
+                                <a:latin typeface="Cambria Math" panose="02040503050406030204" pitchFamily="18" charset="0"/>
+                              </a:rPr>
+                              <m:t>;</m:t>
+                            </m:r>
+                            <m:r>
+                              <a:rPr kumimoji="1" lang="en-US" altLang="zh-CN" b="1" i="1">
+                                <a:latin typeface="Cambria Math" panose="02040503050406030204" pitchFamily="18" charset="0"/>
+                              </a:rPr>
+                              <m:t>𝜽</m:t>
+                            </m:r>
+                          </m:e>
+                        </m:d>
+                      </m:e>
+                    </m:func>
+                    <m:r>
+                      <a:rPr kumimoji="1" lang="en-US" altLang="zh-CN" i="1">
+                        <a:latin typeface="Cambria Math" panose="02040503050406030204" pitchFamily="18" charset="0"/>
+                      </a:rPr>
+                      <m:t>=</m:t>
+                    </m:r>
+                    <m:sSub>
+                      <m:sSubPr>
+                        <m:ctrlPr>
+                          <a:rPr kumimoji="1" lang="en-US" altLang="zh-CN" i="1">
+                            <a:latin typeface="Cambria Math" panose="02040503050406030204" pitchFamily="18" charset="0"/>
+                          </a:rPr>
+                        </m:ctrlPr>
+                      </m:sSubPr>
+                      <m:e>
+                        <m:r>
+                          <a:rPr kumimoji="1" lang="en-US" altLang="zh-CN" i="1">
+                            <a:latin typeface="Cambria Math" panose="02040503050406030204" pitchFamily="18" charset="0"/>
+                          </a:rPr>
+                          <m:t>𝑓</m:t>
+                        </m:r>
+                      </m:e>
+                      <m:sub>
+                        <m:r>
+                          <a:rPr kumimoji="1" lang="en-US" altLang="zh-CN" b="1" i="1">
+                            <a:latin typeface="Cambria Math" panose="02040503050406030204" pitchFamily="18" charset="0"/>
+                          </a:rPr>
+                          <m:t>𝜽</m:t>
+                        </m:r>
+                      </m:sub>
+                    </m:sSub>
+                    <m:r>
+                      <a:rPr kumimoji="1" lang="en-US" altLang="zh-CN" i="1">
+                        <a:latin typeface="Cambria Math" panose="02040503050406030204" pitchFamily="18" charset="0"/>
+                      </a:rPr>
+                      <m:t>(</m:t>
+                    </m:r>
+                    <m:r>
+                      <a:rPr kumimoji="1" lang="en-US" altLang="zh-CN" b="1" i="1">
+                        <a:latin typeface="Cambria Math" panose="02040503050406030204" pitchFamily="18" charset="0"/>
+                      </a:rPr>
+                      <m:t>𝒙</m:t>
+                    </m:r>
+                    <m:r>
+                      <a:rPr kumimoji="1" lang="en-US" altLang="zh-CN" i="1">
+                        <a:latin typeface="Cambria Math" panose="02040503050406030204" pitchFamily="18" charset="0"/>
+                      </a:rPr>
+                      <m:t>,</m:t>
+                    </m:r>
+                    <m:sSub>
+                      <m:sSubPr>
+                        <m:ctrlPr>
+                          <a:rPr kumimoji="1" lang="en-US" altLang="zh-CN" i="1">
+                            <a:latin typeface="Cambria Math" panose="02040503050406030204" pitchFamily="18" charset="0"/>
+                          </a:rPr>
+                        </m:ctrlPr>
+                      </m:sSubPr>
+                      <m:e>
+                        <m:r>
+                          <a:rPr kumimoji="1" lang="en-US" altLang="zh-CN" i="1">
+                            <a:latin typeface="Cambria Math" panose="02040503050406030204" pitchFamily="18" charset="0"/>
+                          </a:rPr>
+                          <m:t>𝑡</m:t>
+                        </m:r>
+                      </m:e>
+                      <m:sub>
+                        <m:r>
+                          <a:rPr kumimoji="1" lang="en-US" altLang="zh-CN" i="1">
+                            <a:latin typeface="Cambria Math" panose="02040503050406030204" pitchFamily="18" charset="0"/>
+                          </a:rPr>
+                          <m:t>𝑙</m:t>
+                        </m:r>
+                      </m:sub>
+                    </m:sSub>
+                    <m:r>
+                      <a:rPr kumimoji="1" lang="en-US" altLang="zh-CN" i="1">
+                        <a:latin typeface="Cambria Math" panose="02040503050406030204" pitchFamily="18" charset="0"/>
+                      </a:rPr>
+                      <m:t>|</m:t>
+                    </m:r>
+                    <m:sSub>
+                      <m:sSubPr>
+                        <m:ctrlPr>
+                          <a:rPr kumimoji="1" lang="en-US" altLang="zh-CN" i="1">
+                            <a:latin typeface="Cambria Math" panose="02040503050406030204" pitchFamily="18" charset="0"/>
+                          </a:rPr>
+                        </m:ctrlPr>
+                      </m:sSubPr>
+                      <m:e>
+                        <m:r>
+                          <a:rPr kumimoji="1" lang="en-US" altLang="zh-CN" i="1">
+                            <a:latin typeface="Cambria Math" panose="02040503050406030204" pitchFamily="18" charset="0"/>
+                          </a:rPr>
+                          <m:t>𝑟</m:t>
+                        </m:r>
+                      </m:e>
+                      <m:sub>
+                        <m:r>
+                          <a:rPr kumimoji="1" lang="en-US" altLang="zh-CN" i="1">
+                            <a:latin typeface="Cambria Math" panose="02040503050406030204" pitchFamily="18" charset="0"/>
+                          </a:rPr>
+                          <m:t>𝑙</m:t>
+                        </m:r>
+                        <m:r>
+                          <a:rPr kumimoji="1" lang="en-US" altLang="zh-CN" i="1">
+                            <a:latin typeface="Cambria Math" panose="02040503050406030204" pitchFamily="18" charset="0"/>
+                          </a:rPr>
+                          <m:t>−1</m:t>
+                        </m:r>
+                      </m:sub>
+                    </m:sSub>
+                    <m:r>
+                      <a:rPr kumimoji="1" lang="en-US" altLang="zh-CN" i="1">
+                        <a:latin typeface="Cambria Math" panose="02040503050406030204" pitchFamily="18" charset="0"/>
+                      </a:rPr>
+                      <m:t>)</m:t>
+                    </m:r>
+                  </m:oMath>
+                </a14:m>
                 <a:endParaRPr kumimoji="1" lang="en-US" altLang="zh-CN" dirty="0"/>
               </a:p>
               <a:p>
+                <a:pPr marL="0" indent="0">
+                  <a:buNone/>
+                </a:pPr>
                 <a:endParaRPr kumimoji="1" lang="en-US" altLang="zh-CN" dirty="0"/>
               </a:p>
               <a:p>
@@ -5328,7 +5624,7 @@
             </p:txBody>
           </p:sp>
         </mc:Choice>
-        <mc:Fallback xmlns="">
+        <mc:Fallback>
           <p:sp>
             <p:nvSpPr>
               <p:cNvPr id="3" name="内容占位符 2">
@@ -5368,36 +5664,6 @@
           </p:sp>
         </mc:Fallback>
       </mc:AlternateContent>
-      <p:pic>
-        <p:nvPicPr>
-          <p:cNvPr id="4" name="图片 3">
-            <a:extLst>
-              <a:ext uri="{FF2B5EF4-FFF2-40B4-BE49-F238E27FC236}">
-                <a16:creationId xmlns:a16="http://schemas.microsoft.com/office/drawing/2014/main" id="{4B046433-4909-F84D-AC8C-6EFA5D8C2E68}"/>
-              </a:ext>
-            </a:extLst>
-          </p:cNvPr>
-          <p:cNvPicPr>
-            <a:picLocks noChangeAspect="1"/>
-          </p:cNvPicPr>
-          <p:nvPr/>
-        </p:nvPicPr>
-        <p:blipFill>
-          <a:blip r:embed="rId3"/>
-          <a:stretch>
-            <a:fillRect/>
-          </a:stretch>
-        </p:blipFill>
-        <p:spPr>
-          <a:xfrm>
-            <a:off x="2730500" y="3741779"/>
-            <a:ext cx="3683000" cy="876300"/>
-          </a:xfrm>
-          <a:prstGeom prst="rect">
-            <a:avLst/>
-          </a:prstGeom>
-        </p:spPr>
-      </p:pic>
     </p:spTree>
     <p:extLst>
       <p:ext uri="{BB962C8B-B14F-4D97-AF65-F5344CB8AC3E}">
@@ -5413,6 +5679,2471 @@
 
 <file path=ppt/slides/slide17.xml><?xml version="1.0" encoding="utf-8"?>
 <p:sld xmlns:a="http://schemas.openxmlformats.org/drawingml/2006/main" xmlns:r="http://schemas.openxmlformats.org/officeDocument/2006/relationships" xmlns:p="http://schemas.openxmlformats.org/presentationml/2006/main">
+  <p:cSld>
+    <p:spTree>
+      <p:nvGrpSpPr>
+        <p:cNvPr id="1" name=""/>
+        <p:cNvGrpSpPr/>
+        <p:nvPr/>
+      </p:nvGrpSpPr>
+      <p:grpSpPr>
+        <a:xfrm>
+          <a:off x="0" y="0"/>
+          <a:ext cx="0" cy="0"/>
+          <a:chOff x="0" y="0"/>
+          <a:chExt cx="0" cy="0"/>
+        </a:xfrm>
+      </p:grpSpPr>
+      <mc:AlternateContent xmlns:mc="http://schemas.openxmlformats.org/markup-compatibility/2006">
+        <mc:Choice xmlns:a14="http://schemas.microsoft.com/office/drawing/2010/main" Requires="a14">
+          <p:sp>
+            <p:nvSpPr>
+              <p:cNvPr id="4" name="内容占位符 3">
+                <a:extLst>
+                  <a:ext uri="{FF2B5EF4-FFF2-40B4-BE49-F238E27FC236}">
+                    <a16:creationId xmlns:a16="http://schemas.microsoft.com/office/drawing/2014/main" id="{58939473-CC14-564A-8D18-89C456D03F63}"/>
+                  </a:ext>
+                </a:extLst>
+              </p:cNvPr>
+              <p:cNvSpPr>
+                <a:spLocks noGrp="1"/>
+              </p:cNvSpPr>
+              <p:nvPr>
+                <p:ph idx="1"/>
+              </p:nvPr>
+            </p:nvSpPr>
+            <p:spPr/>
+            <p:txBody>
+              <a:bodyPr>
+                <a:normAutofit fontScale="92500"/>
+              </a:bodyPr>
+              <a:lstStyle/>
+              <a:p>
+                <a14:m>
+                  <m:oMath xmlns:m="http://schemas.openxmlformats.org/officeDocument/2006/math">
+                    <m:r>
+                      <a:rPr kumimoji="1" lang="en-US" altLang="zh-CN">
+                        <a:latin typeface="Cambria Math" panose="02040503050406030204" pitchFamily="18" charset="0"/>
+                      </a:rPr>
+                      <m:t> </m:t>
+                    </m:r>
+                    <m:r>
+                      <a:rPr kumimoji="1" lang="en-US" altLang="zh-CN" i="1">
+                        <a:latin typeface="Cambria Math" panose="02040503050406030204" pitchFamily="18" charset="0"/>
+                      </a:rPr>
+                      <m:t>𝑆</m:t>
+                    </m:r>
+                    <m:d>
+                      <m:dPr>
+                        <m:ctrlPr>
+                          <a:rPr kumimoji="1" lang="en-US" altLang="zh-CN" i="1">
+                            <a:latin typeface="Cambria Math" panose="02040503050406030204" pitchFamily="18" charset="0"/>
+                          </a:rPr>
+                        </m:ctrlPr>
+                      </m:dPr>
+                      <m:e>
+                        <m:r>
+                          <a:rPr kumimoji="1" lang="en-US" altLang="zh-CN" i="1">
+                            <a:latin typeface="Cambria Math" panose="02040503050406030204" pitchFamily="18" charset="0"/>
+                          </a:rPr>
+                          <m:t>𝑡</m:t>
+                        </m:r>
+                      </m:e>
+                      <m:e>
+                        <m:r>
+                          <a:rPr kumimoji="1" lang="en-US" altLang="zh-CN" b="1" i="1">
+                            <a:latin typeface="Cambria Math" panose="02040503050406030204" pitchFamily="18" charset="0"/>
+                          </a:rPr>
+                          <m:t>𝒙</m:t>
+                        </m:r>
+                        <m:r>
+                          <a:rPr kumimoji="1" lang="en-US" altLang="zh-CN" i="1">
+                            <a:latin typeface="Cambria Math" panose="02040503050406030204" pitchFamily="18" charset="0"/>
+                          </a:rPr>
+                          <m:t>;</m:t>
+                        </m:r>
+                        <m:r>
+                          <a:rPr kumimoji="1" lang="en-US" altLang="zh-CN" b="1" i="1">
+                            <a:latin typeface="Cambria Math" panose="02040503050406030204" pitchFamily="18" charset="0"/>
+                          </a:rPr>
+                          <m:t>𝜽</m:t>
+                        </m:r>
+                      </m:e>
+                    </m:d>
+                  </m:oMath>
+                </a14:m>
+                <a:br>
+                  <a:rPr kumimoji="1" lang="en-US" altLang="zh-CN" i="1" dirty="0">
+                    <a:latin typeface="Cambria Math" panose="02040503050406030204" pitchFamily="18" charset="0"/>
+                  </a:rPr>
+                </a:br>
+                <a14:m>
+                  <m:oMath xmlns:m="http://schemas.openxmlformats.org/officeDocument/2006/math">
+                    <m:r>
+                      <a:rPr kumimoji="1" lang="en-US" altLang="zh-CN" i="1">
+                        <a:latin typeface="Cambria Math" panose="02040503050406030204" pitchFamily="18" charset="0"/>
+                      </a:rPr>
+                      <m:t>=</m:t>
+                    </m:r>
+                    <m:func>
+                      <m:funcPr>
+                        <m:ctrlPr>
+                          <a:rPr kumimoji="1" lang="en-US" altLang="zh-CN" i="1">
+                            <a:latin typeface="Cambria Math" panose="02040503050406030204" pitchFamily="18" charset="0"/>
+                          </a:rPr>
+                        </m:ctrlPr>
+                      </m:funcPr>
+                      <m:fName>
+                        <m:r>
+                          <m:rPr>
+                            <m:sty m:val="p"/>
+                          </m:rPr>
+                          <a:rPr kumimoji="1" lang="en-US" altLang="zh-CN">
+                            <a:latin typeface="Cambria Math" panose="02040503050406030204" pitchFamily="18" charset="0"/>
+                          </a:rPr>
+                          <m:t>Pr</m:t>
+                        </m:r>
+                      </m:fName>
+                      <m:e>
+                        <m:d>
+                          <m:dPr>
+                            <m:ctrlPr>
+                              <a:rPr kumimoji="1" lang="en-US" altLang="zh-CN" i="1">
+                                <a:latin typeface="Cambria Math" panose="02040503050406030204" pitchFamily="18" charset="0"/>
+                              </a:rPr>
+                            </m:ctrlPr>
+                          </m:dPr>
+                          <m:e>
+                            <m:r>
+                              <a:rPr kumimoji="1" lang="en-US" altLang="zh-CN" i="1">
+                                <a:latin typeface="Cambria Math" panose="02040503050406030204" pitchFamily="18" charset="0"/>
+                              </a:rPr>
+                              <m:t>𝑡</m:t>
+                            </m:r>
+                            <m:r>
+                              <a:rPr kumimoji="1" lang="en-US" altLang="zh-CN" i="1">
+                                <a:latin typeface="Cambria Math" panose="02040503050406030204" pitchFamily="18" charset="0"/>
+                              </a:rPr>
+                              <m:t>&lt;</m:t>
+                            </m:r>
+                            <m:r>
+                              <a:rPr kumimoji="1" lang="en-US" altLang="zh-CN" i="1">
+                                <a:latin typeface="Cambria Math" panose="02040503050406030204" pitchFamily="18" charset="0"/>
+                              </a:rPr>
+                              <m:t>𝑧</m:t>
+                            </m:r>
+                          </m:e>
+                          <m:e>
+                            <m:r>
+                              <a:rPr kumimoji="1" lang="en-US" altLang="zh-CN" b="1" i="1">
+                                <a:latin typeface="Cambria Math" panose="02040503050406030204" pitchFamily="18" charset="0"/>
+                              </a:rPr>
+                              <m:t>𝒙</m:t>
+                            </m:r>
+                            <m:r>
+                              <a:rPr kumimoji="1" lang="en-US" altLang="zh-CN" i="1">
+                                <a:latin typeface="Cambria Math" panose="02040503050406030204" pitchFamily="18" charset="0"/>
+                              </a:rPr>
+                              <m:t>;</m:t>
+                            </m:r>
+                            <m:r>
+                              <a:rPr kumimoji="1" lang="en-US" altLang="zh-CN" b="1" i="1">
+                                <a:latin typeface="Cambria Math" panose="02040503050406030204" pitchFamily="18" charset="0"/>
+                              </a:rPr>
+                              <m:t>𝜽</m:t>
+                            </m:r>
+                          </m:e>
+                        </m:d>
+                        <m:r>
+                          <a:rPr kumimoji="1" lang="en-US" altLang="zh-CN" i="1">
+                            <a:latin typeface="Cambria Math" panose="02040503050406030204" pitchFamily="18" charset="0"/>
+                          </a:rPr>
+                          <m:t> </m:t>
+                        </m:r>
+                      </m:e>
+                    </m:func>
+                  </m:oMath>
+                </a14:m>
+                <a:br>
+                  <a:rPr kumimoji="1" lang="en-US" altLang="zh-CN" i="1" dirty="0">
+                    <a:latin typeface="Cambria Math" panose="02040503050406030204" pitchFamily="18" charset="0"/>
+                  </a:rPr>
+                </a:br>
+                <a14:m>
+                  <m:oMath xmlns:m="http://schemas.openxmlformats.org/officeDocument/2006/math">
+                    <m:r>
+                      <a:rPr kumimoji="1" lang="en-US" altLang="zh-CN" i="1">
+                        <a:latin typeface="Cambria Math" panose="02040503050406030204" pitchFamily="18" charset="0"/>
+                      </a:rPr>
+                      <m:t>=</m:t>
+                    </m:r>
+                    <m:r>
+                      <m:rPr>
+                        <m:sty m:val="p"/>
+                      </m:rPr>
+                      <a:rPr kumimoji="1" lang="en-US" altLang="zh-CN" i="1">
+                        <a:latin typeface="Cambria Math" panose="02040503050406030204" pitchFamily="18" charset="0"/>
+                      </a:rPr>
+                      <m:t>Pr</m:t>
+                    </m:r>
+                    <m:d>
+                      <m:dPr>
+                        <m:ctrlPr>
+                          <a:rPr kumimoji="1" lang="en-US" altLang="zh-CN" i="1">
+                            <a:latin typeface="Cambria Math" panose="02040503050406030204" pitchFamily="18" charset="0"/>
+                          </a:rPr>
+                        </m:ctrlPr>
+                      </m:dPr>
+                      <m:e>
+                        <m:r>
+                          <a:rPr kumimoji="1" lang="en-US" altLang="zh-CN" i="1">
+                            <a:latin typeface="Cambria Math" panose="02040503050406030204" pitchFamily="18" charset="0"/>
+                          </a:rPr>
+                          <m:t>𝑧</m:t>
+                        </m:r>
+                        <m:r>
+                          <a:rPr kumimoji="1" lang="en-US" altLang="zh-CN" i="1">
+                            <a:latin typeface="Cambria Math" panose="02040503050406030204" pitchFamily="18" charset="0"/>
+                            <a:ea typeface="Cambria Math" panose="02040503050406030204" pitchFamily="18" charset="0"/>
+                          </a:rPr>
+                          <m:t>∉</m:t>
+                        </m:r>
+                        <m:sSub>
+                          <m:sSubPr>
+                            <m:ctrlPr>
+                              <a:rPr kumimoji="1" lang="en-US" altLang="zh-CN" i="1">
+                                <a:latin typeface="Cambria Math" panose="02040503050406030204" pitchFamily="18" charset="0"/>
+                                <a:ea typeface="Cambria Math" panose="02040503050406030204" pitchFamily="18" charset="0"/>
+                              </a:rPr>
+                            </m:ctrlPr>
+                          </m:sSubPr>
+                          <m:e>
+                            <m:r>
+                              <a:rPr kumimoji="1" lang="en-US" altLang="zh-CN" i="1">
+                                <a:latin typeface="Cambria Math" panose="02040503050406030204" pitchFamily="18" charset="0"/>
+                                <a:ea typeface="Cambria Math" panose="02040503050406030204" pitchFamily="18" charset="0"/>
+                              </a:rPr>
+                              <m:t>𝑉</m:t>
+                            </m:r>
+                          </m:e>
+                          <m:sub>
+                            <m:r>
+                              <a:rPr kumimoji="1" lang="en-US" altLang="zh-CN" i="1">
+                                <a:latin typeface="Cambria Math" panose="02040503050406030204" pitchFamily="18" charset="0"/>
+                                <a:ea typeface="Cambria Math" panose="02040503050406030204" pitchFamily="18" charset="0"/>
+                              </a:rPr>
+                              <m:t>1</m:t>
+                            </m:r>
+                          </m:sub>
+                        </m:sSub>
+                        <m:r>
+                          <a:rPr kumimoji="1" lang="en-US" altLang="zh-CN" i="1">
+                            <a:latin typeface="Cambria Math" panose="02040503050406030204" pitchFamily="18" charset="0"/>
+                            <a:ea typeface="Cambria Math" panose="02040503050406030204" pitchFamily="18" charset="0"/>
+                          </a:rPr>
+                          <m:t>,</m:t>
+                        </m:r>
+                        <m:r>
+                          <a:rPr kumimoji="1" lang="en-US" altLang="zh-CN" i="1">
+                            <a:latin typeface="Cambria Math" panose="02040503050406030204" pitchFamily="18" charset="0"/>
+                          </a:rPr>
+                          <m:t>𝑧</m:t>
+                        </m:r>
+                        <m:r>
+                          <a:rPr kumimoji="1" lang="en-US" altLang="zh-CN" i="1">
+                            <a:latin typeface="Cambria Math" panose="02040503050406030204" pitchFamily="18" charset="0"/>
+                            <a:ea typeface="Cambria Math" panose="02040503050406030204" pitchFamily="18" charset="0"/>
+                          </a:rPr>
+                          <m:t>∉</m:t>
+                        </m:r>
+                        <m:sSub>
+                          <m:sSubPr>
+                            <m:ctrlPr>
+                              <a:rPr kumimoji="1" lang="en-US" altLang="zh-CN" i="1">
+                                <a:latin typeface="Cambria Math" panose="02040503050406030204" pitchFamily="18" charset="0"/>
+                                <a:ea typeface="Cambria Math" panose="02040503050406030204" pitchFamily="18" charset="0"/>
+                              </a:rPr>
+                            </m:ctrlPr>
+                          </m:sSubPr>
+                          <m:e>
+                            <m:r>
+                              <a:rPr kumimoji="1" lang="en-US" altLang="zh-CN" i="1">
+                                <a:latin typeface="Cambria Math" panose="02040503050406030204" pitchFamily="18" charset="0"/>
+                                <a:ea typeface="Cambria Math" panose="02040503050406030204" pitchFamily="18" charset="0"/>
+                              </a:rPr>
+                              <m:t>𝑉</m:t>
+                            </m:r>
+                          </m:e>
+                          <m:sub>
+                            <m:r>
+                              <a:rPr kumimoji="1" lang="en-US" altLang="zh-CN" i="1">
+                                <a:latin typeface="Cambria Math" panose="02040503050406030204" pitchFamily="18" charset="0"/>
+                                <a:ea typeface="Cambria Math" panose="02040503050406030204" pitchFamily="18" charset="0"/>
+                              </a:rPr>
+                              <m:t>2</m:t>
+                            </m:r>
+                          </m:sub>
+                        </m:sSub>
+                        <m:r>
+                          <a:rPr kumimoji="1" lang="en-US" altLang="zh-CN" i="1">
+                            <a:latin typeface="Cambria Math" panose="02040503050406030204" pitchFamily="18" charset="0"/>
+                            <a:ea typeface="Cambria Math" panose="02040503050406030204" pitchFamily="18" charset="0"/>
+                          </a:rPr>
+                          <m:t>,…,</m:t>
+                        </m:r>
+                        <m:r>
+                          <a:rPr kumimoji="1" lang="en-US" altLang="zh-CN" i="1">
+                            <a:latin typeface="Cambria Math" panose="02040503050406030204" pitchFamily="18" charset="0"/>
+                          </a:rPr>
+                          <m:t>𝑧</m:t>
+                        </m:r>
+                        <m:r>
+                          <a:rPr kumimoji="1" lang="en-US" altLang="zh-CN" i="1">
+                            <a:latin typeface="Cambria Math" panose="02040503050406030204" pitchFamily="18" charset="0"/>
+                            <a:ea typeface="Cambria Math" panose="02040503050406030204" pitchFamily="18" charset="0"/>
+                          </a:rPr>
+                          <m:t>∉</m:t>
+                        </m:r>
+                        <m:sSub>
+                          <m:sSubPr>
+                            <m:ctrlPr>
+                              <a:rPr kumimoji="1" lang="en-US" altLang="zh-CN" i="1">
+                                <a:latin typeface="Cambria Math" panose="02040503050406030204" pitchFamily="18" charset="0"/>
+                                <a:ea typeface="Cambria Math" panose="02040503050406030204" pitchFamily="18" charset="0"/>
+                              </a:rPr>
+                            </m:ctrlPr>
+                          </m:sSubPr>
+                          <m:e>
+                            <m:r>
+                              <a:rPr kumimoji="1" lang="en-US" altLang="zh-CN" i="1">
+                                <a:latin typeface="Cambria Math" panose="02040503050406030204" pitchFamily="18" charset="0"/>
+                                <a:ea typeface="Cambria Math" panose="02040503050406030204" pitchFamily="18" charset="0"/>
+                              </a:rPr>
+                              <m:t>𝑉</m:t>
+                            </m:r>
+                          </m:e>
+                          <m:sub>
+                            <m:r>
+                              <a:rPr kumimoji="1" lang="en-US" altLang="zh-CN" i="1">
+                                <a:latin typeface="Cambria Math" panose="02040503050406030204" pitchFamily="18" charset="0"/>
+                                <a:ea typeface="Cambria Math" panose="02040503050406030204" pitchFamily="18" charset="0"/>
+                              </a:rPr>
+                              <m:t>𝑙</m:t>
+                            </m:r>
+                          </m:sub>
+                        </m:sSub>
+                      </m:e>
+                      <m:e>
+                        <m:r>
+                          <a:rPr kumimoji="1" lang="en-US" altLang="zh-CN" b="1" i="1">
+                            <a:latin typeface="Cambria Math" panose="02040503050406030204" pitchFamily="18" charset="0"/>
+                            <a:ea typeface="Cambria Math" panose="02040503050406030204" pitchFamily="18" charset="0"/>
+                          </a:rPr>
+                          <m:t>𝒙</m:t>
+                        </m:r>
+                        <m:r>
+                          <a:rPr kumimoji="1" lang="en-US" altLang="zh-CN" i="1">
+                            <a:latin typeface="Cambria Math" panose="02040503050406030204" pitchFamily="18" charset="0"/>
+                            <a:ea typeface="Cambria Math" panose="02040503050406030204" pitchFamily="18" charset="0"/>
+                          </a:rPr>
+                          <m:t>;</m:t>
+                        </m:r>
+                        <m:r>
+                          <a:rPr kumimoji="1" lang="en-US" altLang="zh-CN" b="1" i="1">
+                            <a:latin typeface="Cambria Math" panose="02040503050406030204" pitchFamily="18" charset="0"/>
+                            <a:ea typeface="Cambria Math" panose="02040503050406030204" pitchFamily="18" charset="0"/>
+                          </a:rPr>
+                          <m:t>𝜽</m:t>
+                        </m:r>
+                      </m:e>
+                    </m:d>
+                  </m:oMath>
+                </a14:m>
+                <a:br>
+                  <a:rPr kumimoji="1" lang="en-US" altLang="zh-CN" b="1" i="1" dirty="0">
+                    <a:latin typeface="Cambria Math" panose="02040503050406030204" pitchFamily="18" charset="0"/>
+                    <a:ea typeface="Cambria Math" panose="02040503050406030204" pitchFamily="18" charset="0"/>
+                  </a:rPr>
+                </a:br>
+                <a14:m>
+                  <m:oMath xmlns:m="http://schemas.openxmlformats.org/officeDocument/2006/math">
+                    <m:r>
+                      <a:rPr kumimoji="1" lang="en-US" altLang="zh-CN" i="1">
+                        <a:latin typeface="Cambria Math" panose="02040503050406030204" pitchFamily="18" charset="0"/>
+                        <a:ea typeface="Cambria Math" panose="02040503050406030204" pitchFamily="18" charset="0"/>
+                      </a:rPr>
+                      <m:t>=</m:t>
+                    </m:r>
+                    <m:func>
+                      <m:funcPr>
+                        <m:ctrlPr>
+                          <a:rPr kumimoji="1" lang="en-US" altLang="zh-CN" i="1">
+                            <a:latin typeface="Cambria Math" panose="02040503050406030204" pitchFamily="18" charset="0"/>
+                            <a:ea typeface="Cambria Math" panose="02040503050406030204" pitchFamily="18" charset="0"/>
+                          </a:rPr>
+                        </m:ctrlPr>
+                      </m:funcPr>
+                      <m:fName>
+                        <m:r>
+                          <m:rPr>
+                            <m:sty m:val="p"/>
+                          </m:rPr>
+                          <a:rPr kumimoji="1" lang="en-US" altLang="zh-CN">
+                            <a:latin typeface="Cambria Math" panose="02040503050406030204" pitchFamily="18" charset="0"/>
+                            <a:ea typeface="Cambria Math" panose="02040503050406030204" pitchFamily="18" charset="0"/>
+                          </a:rPr>
+                          <m:t>Pr</m:t>
+                        </m:r>
+                      </m:fName>
+                      <m:e>
+                        <m:d>
+                          <m:dPr>
+                            <m:ctrlPr>
+                              <a:rPr kumimoji="1" lang="en-US" altLang="zh-CN" i="1">
+                                <a:latin typeface="Cambria Math" panose="02040503050406030204" pitchFamily="18" charset="0"/>
+                                <a:ea typeface="Cambria Math" panose="02040503050406030204" pitchFamily="18" charset="0"/>
+                              </a:rPr>
+                            </m:ctrlPr>
+                          </m:dPr>
+                          <m:e>
+                            <m:r>
+                              <a:rPr kumimoji="1" lang="en-US" altLang="zh-CN" i="1">
+                                <a:latin typeface="Cambria Math" panose="02040503050406030204" pitchFamily="18" charset="0"/>
+                              </a:rPr>
+                              <m:t>𝑧</m:t>
+                            </m:r>
+                            <m:r>
+                              <a:rPr kumimoji="1" lang="en-US" altLang="zh-CN" i="1">
+                                <a:latin typeface="Cambria Math" panose="02040503050406030204" pitchFamily="18" charset="0"/>
+                                <a:ea typeface="Cambria Math" panose="02040503050406030204" pitchFamily="18" charset="0"/>
+                              </a:rPr>
+                              <m:t>∉</m:t>
+                            </m:r>
+                            <m:sSub>
+                              <m:sSubPr>
+                                <m:ctrlPr>
+                                  <a:rPr kumimoji="1" lang="en-US" altLang="zh-CN" i="1">
+                                    <a:latin typeface="Cambria Math" panose="02040503050406030204" pitchFamily="18" charset="0"/>
+                                    <a:ea typeface="Cambria Math" panose="02040503050406030204" pitchFamily="18" charset="0"/>
+                                  </a:rPr>
+                                </m:ctrlPr>
+                              </m:sSubPr>
+                              <m:e>
+                                <m:r>
+                                  <a:rPr kumimoji="1" lang="en-US" altLang="zh-CN" i="1">
+                                    <a:latin typeface="Cambria Math" panose="02040503050406030204" pitchFamily="18" charset="0"/>
+                                    <a:ea typeface="Cambria Math" panose="02040503050406030204" pitchFamily="18" charset="0"/>
+                                  </a:rPr>
+                                  <m:t>𝑉</m:t>
+                                </m:r>
+                              </m:e>
+                              <m:sub>
+                                <m:r>
+                                  <a:rPr kumimoji="1" lang="en-US" altLang="zh-CN" i="1">
+                                    <a:latin typeface="Cambria Math" panose="02040503050406030204" pitchFamily="18" charset="0"/>
+                                    <a:ea typeface="Cambria Math" panose="02040503050406030204" pitchFamily="18" charset="0"/>
+                                  </a:rPr>
+                                  <m:t>1</m:t>
+                                </m:r>
+                              </m:sub>
+                            </m:sSub>
+                          </m:e>
+                          <m:e>
+                            <m:r>
+                              <a:rPr kumimoji="1" lang="en-US" altLang="zh-CN" b="1" i="1">
+                                <a:latin typeface="Cambria Math" panose="02040503050406030204" pitchFamily="18" charset="0"/>
+                                <a:ea typeface="Cambria Math" panose="02040503050406030204" pitchFamily="18" charset="0"/>
+                              </a:rPr>
+                              <m:t>𝒙</m:t>
+                            </m:r>
+                            <m:r>
+                              <a:rPr kumimoji="1" lang="en-US" altLang="zh-CN" i="1">
+                                <a:latin typeface="Cambria Math" panose="02040503050406030204" pitchFamily="18" charset="0"/>
+                                <a:ea typeface="Cambria Math" panose="02040503050406030204" pitchFamily="18" charset="0"/>
+                              </a:rPr>
+                              <m:t>;</m:t>
+                            </m:r>
+                            <m:r>
+                              <a:rPr kumimoji="1" lang="en-US" altLang="zh-CN" b="1" i="1">
+                                <a:latin typeface="Cambria Math" panose="02040503050406030204" pitchFamily="18" charset="0"/>
+                                <a:ea typeface="Cambria Math" panose="02040503050406030204" pitchFamily="18" charset="0"/>
+                              </a:rPr>
+                              <m:t>𝜽</m:t>
+                            </m:r>
+                          </m:e>
+                        </m:d>
+                        <m:r>
+                          <a:rPr kumimoji="1" lang="en-US" altLang="zh-CN" i="1">
+                            <a:latin typeface="Cambria Math" panose="02040503050406030204" pitchFamily="18" charset="0"/>
+                            <a:ea typeface="Cambria Math" panose="02040503050406030204" pitchFamily="18" charset="0"/>
+                          </a:rPr>
+                          <m:t>∙</m:t>
+                        </m:r>
+                      </m:e>
+                    </m:func>
+                    <m:func>
+                      <m:funcPr>
+                        <m:ctrlPr>
+                          <a:rPr kumimoji="1" lang="en-US" altLang="zh-CN" i="1">
+                            <a:latin typeface="Cambria Math" panose="02040503050406030204" pitchFamily="18" charset="0"/>
+                            <a:ea typeface="Cambria Math" panose="02040503050406030204" pitchFamily="18" charset="0"/>
+                          </a:rPr>
+                        </m:ctrlPr>
+                      </m:funcPr>
+                      <m:fName>
+                        <m:r>
+                          <m:rPr>
+                            <m:sty m:val="p"/>
+                          </m:rPr>
+                          <a:rPr kumimoji="1" lang="en-US" altLang="zh-CN">
+                            <a:latin typeface="Cambria Math" panose="02040503050406030204" pitchFamily="18" charset="0"/>
+                            <a:ea typeface="Cambria Math" panose="02040503050406030204" pitchFamily="18" charset="0"/>
+                          </a:rPr>
+                          <m:t>Pr</m:t>
+                        </m:r>
+                      </m:fName>
+                      <m:e>
+                        <m:d>
+                          <m:dPr>
+                            <m:ctrlPr>
+                              <a:rPr kumimoji="1" lang="en-US" altLang="zh-CN" i="1">
+                                <a:latin typeface="Cambria Math" panose="02040503050406030204" pitchFamily="18" charset="0"/>
+                                <a:ea typeface="Cambria Math" panose="02040503050406030204" pitchFamily="18" charset="0"/>
+                              </a:rPr>
+                            </m:ctrlPr>
+                          </m:dPr>
+                          <m:e>
+                            <m:r>
+                              <a:rPr kumimoji="1" lang="en-US" altLang="zh-CN" i="1">
+                                <a:latin typeface="Cambria Math" panose="02040503050406030204" pitchFamily="18" charset="0"/>
+                              </a:rPr>
+                              <m:t>𝑧</m:t>
+                            </m:r>
+                            <m:r>
+                              <a:rPr kumimoji="1" lang="en-US" altLang="zh-CN" i="1">
+                                <a:latin typeface="Cambria Math" panose="02040503050406030204" pitchFamily="18" charset="0"/>
+                                <a:ea typeface="Cambria Math" panose="02040503050406030204" pitchFamily="18" charset="0"/>
+                              </a:rPr>
+                              <m:t>∉</m:t>
+                            </m:r>
+                            <m:sSub>
+                              <m:sSubPr>
+                                <m:ctrlPr>
+                                  <a:rPr kumimoji="1" lang="en-US" altLang="zh-CN" i="1">
+                                    <a:latin typeface="Cambria Math" panose="02040503050406030204" pitchFamily="18" charset="0"/>
+                                    <a:ea typeface="Cambria Math" panose="02040503050406030204" pitchFamily="18" charset="0"/>
+                                  </a:rPr>
+                                </m:ctrlPr>
+                              </m:sSubPr>
+                              <m:e>
+                                <m:r>
+                                  <a:rPr kumimoji="1" lang="en-US" altLang="zh-CN" i="1">
+                                    <a:latin typeface="Cambria Math" panose="02040503050406030204" pitchFamily="18" charset="0"/>
+                                    <a:ea typeface="Cambria Math" panose="02040503050406030204" pitchFamily="18" charset="0"/>
+                                  </a:rPr>
+                                  <m:t>𝑉</m:t>
+                                </m:r>
+                              </m:e>
+                              <m:sub>
+                                <m:r>
+                                  <a:rPr kumimoji="1" lang="en-US" altLang="zh-CN" i="1">
+                                    <a:latin typeface="Cambria Math" panose="02040503050406030204" pitchFamily="18" charset="0"/>
+                                    <a:ea typeface="Cambria Math" panose="02040503050406030204" pitchFamily="18" charset="0"/>
+                                  </a:rPr>
+                                  <m:t>2</m:t>
+                                </m:r>
+                              </m:sub>
+                            </m:sSub>
+                          </m:e>
+                          <m:e>
+                            <m:r>
+                              <a:rPr kumimoji="1" lang="en-US" altLang="zh-CN" i="1">
+                                <a:latin typeface="Cambria Math" panose="02040503050406030204" pitchFamily="18" charset="0"/>
+                              </a:rPr>
+                              <m:t>𝑧</m:t>
+                            </m:r>
+                            <m:r>
+                              <a:rPr kumimoji="1" lang="en-US" altLang="zh-CN" i="1">
+                                <a:latin typeface="Cambria Math" panose="02040503050406030204" pitchFamily="18" charset="0"/>
+                                <a:ea typeface="Cambria Math" panose="02040503050406030204" pitchFamily="18" charset="0"/>
+                              </a:rPr>
+                              <m:t>∉</m:t>
+                            </m:r>
+                            <m:sSub>
+                              <m:sSubPr>
+                                <m:ctrlPr>
+                                  <a:rPr kumimoji="1" lang="en-US" altLang="zh-CN" i="1">
+                                    <a:latin typeface="Cambria Math" panose="02040503050406030204" pitchFamily="18" charset="0"/>
+                                    <a:ea typeface="Cambria Math" panose="02040503050406030204" pitchFamily="18" charset="0"/>
+                                  </a:rPr>
+                                </m:ctrlPr>
+                              </m:sSubPr>
+                              <m:e>
+                                <m:r>
+                                  <a:rPr kumimoji="1" lang="en-US" altLang="zh-CN" i="1">
+                                    <a:latin typeface="Cambria Math" panose="02040503050406030204" pitchFamily="18" charset="0"/>
+                                    <a:ea typeface="Cambria Math" panose="02040503050406030204" pitchFamily="18" charset="0"/>
+                                  </a:rPr>
+                                  <m:t>𝑉</m:t>
+                                </m:r>
+                              </m:e>
+                              <m:sub>
+                                <m:r>
+                                  <a:rPr kumimoji="1" lang="en-US" altLang="zh-CN" i="1">
+                                    <a:latin typeface="Cambria Math" panose="02040503050406030204" pitchFamily="18" charset="0"/>
+                                    <a:ea typeface="Cambria Math" panose="02040503050406030204" pitchFamily="18" charset="0"/>
+                                  </a:rPr>
+                                  <m:t>1</m:t>
+                                </m:r>
+                              </m:sub>
+                            </m:sSub>
+                            <m:r>
+                              <a:rPr kumimoji="1" lang="en-US" altLang="zh-CN" i="1">
+                                <a:latin typeface="Cambria Math" panose="02040503050406030204" pitchFamily="18" charset="0"/>
+                                <a:ea typeface="Cambria Math" panose="02040503050406030204" pitchFamily="18" charset="0"/>
+                              </a:rPr>
+                              <m:t>,</m:t>
+                            </m:r>
+                            <m:r>
+                              <a:rPr kumimoji="1" lang="en-US" altLang="zh-CN" b="1" i="1">
+                                <a:latin typeface="Cambria Math" panose="02040503050406030204" pitchFamily="18" charset="0"/>
+                                <a:ea typeface="Cambria Math" panose="02040503050406030204" pitchFamily="18" charset="0"/>
+                              </a:rPr>
+                              <m:t>𝒙</m:t>
+                            </m:r>
+                            <m:r>
+                              <a:rPr kumimoji="1" lang="en-US" altLang="zh-CN" i="1">
+                                <a:latin typeface="Cambria Math" panose="02040503050406030204" pitchFamily="18" charset="0"/>
+                                <a:ea typeface="Cambria Math" panose="02040503050406030204" pitchFamily="18" charset="0"/>
+                              </a:rPr>
+                              <m:t>;</m:t>
+                            </m:r>
+                            <m:r>
+                              <a:rPr kumimoji="1" lang="en-US" altLang="zh-CN" b="1" i="1">
+                                <a:latin typeface="Cambria Math" panose="02040503050406030204" pitchFamily="18" charset="0"/>
+                                <a:ea typeface="Cambria Math" panose="02040503050406030204" pitchFamily="18" charset="0"/>
+                              </a:rPr>
+                              <m:t>𝜽</m:t>
+                            </m:r>
+                          </m:e>
+                        </m:d>
+                      </m:e>
+                    </m:func>
+                    <m:r>
+                      <a:rPr kumimoji="1" lang="en-US" altLang="zh-CN" i="1">
+                        <a:latin typeface="Cambria Math" panose="02040503050406030204" pitchFamily="18" charset="0"/>
+                        <a:ea typeface="Cambria Math" panose="02040503050406030204" pitchFamily="18" charset="0"/>
+                      </a:rPr>
+                      <m:t>⋯</m:t>
+                    </m:r>
+                  </m:oMath>
+                </a14:m>
+                <a:br>
+                  <a:rPr kumimoji="1" lang="en-US" altLang="zh-CN" i="1" dirty="0">
+                    <a:latin typeface="Cambria Math" panose="02040503050406030204" pitchFamily="18" charset="0"/>
+                    <a:ea typeface="Cambria Math" panose="02040503050406030204" pitchFamily="18" charset="0"/>
+                  </a:rPr>
+                </a:br>
+                <a14:m>
+                  <m:oMath xmlns:m="http://schemas.openxmlformats.org/officeDocument/2006/math">
+                    <m:r>
+                      <a:rPr kumimoji="1" lang="en-US" altLang="zh-CN" i="1">
+                        <a:latin typeface="Cambria Math" panose="02040503050406030204" pitchFamily="18" charset="0"/>
+                        <a:ea typeface="Cambria Math" panose="02040503050406030204" pitchFamily="18" charset="0"/>
+                      </a:rPr>
+                      <m:t>         ∙</m:t>
+                    </m:r>
+                    <m:func>
+                      <m:funcPr>
+                        <m:ctrlPr>
+                          <a:rPr kumimoji="1" lang="en-US" altLang="zh-CN" i="1">
+                            <a:latin typeface="Cambria Math" panose="02040503050406030204" pitchFamily="18" charset="0"/>
+                            <a:ea typeface="Cambria Math" panose="02040503050406030204" pitchFamily="18" charset="0"/>
+                          </a:rPr>
+                        </m:ctrlPr>
+                      </m:funcPr>
+                      <m:fName>
+                        <m:r>
+                          <m:rPr>
+                            <m:sty m:val="p"/>
+                          </m:rPr>
+                          <a:rPr kumimoji="1" lang="en-US" altLang="zh-CN">
+                            <a:latin typeface="Cambria Math" panose="02040503050406030204" pitchFamily="18" charset="0"/>
+                            <a:ea typeface="Cambria Math" panose="02040503050406030204" pitchFamily="18" charset="0"/>
+                          </a:rPr>
+                          <m:t>Pr</m:t>
+                        </m:r>
+                      </m:fName>
+                      <m:e>
+                        <m:d>
+                          <m:dPr>
+                            <m:ctrlPr>
+                              <a:rPr kumimoji="1" lang="en-US" altLang="zh-CN" i="1">
+                                <a:latin typeface="Cambria Math" panose="02040503050406030204" pitchFamily="18" charset="0"/>
+                                <a:ea typeface="Cambria Math" panose="02040503050406030204" pitchFamily="18" charset="0"/>
+                              </a:rPr>
+                            </m:ctrlPr>
+                          </m:dPr>
+                          <m:e>
+                            <m:r>
+                              <a:rPr kumimoji="1" lang="en-US" altLang="zh-CN" i="1">
+                                <a:latin typeface="Cambria Math" panose="02040503050406030204" pitchFamily="18" charset="0"/>
+                              </a:rPr>
+                              <m:t>𝑧</m:t>
+                            </m:r>
+                            <m:r>
+                              <a:rPr kumimoji="1" lang="en-US" altLang="zh-CN" i="1">
+                                <a:latin typeface="Cambria Math" panose="02040503050406030204" pitchFamily="18" charset="0"/>
+                                <a:ea typeface="Cambria Math" panose="02040503050406030204" pitchFamily="18" charset="0"/>
+                              </a:rPr>
+                              <m:t>∉</m:t>
+                            </m:r>
+                            <m:sSub>
+                              <m:sSubPr>
+                                <m:ctrlPr>
+                                  <a:rPr kumimoji="1" lang="en-US" altLang="zh-CN" i="1">
+                                    <a:latin typeface="Cambria Math" panose="02040503050406030204" pitchFamily="18" charset="0"/>
+                                    <a:ea typeface="Cambria Math" panose="02040503050406030204" pitchFamily="18" charset="0"/>
+                                  </a:rPr>
+                                </m:ctrlPr>
+                              </m:sSubPr>
+                              <m:e>
+                                <m:r>
+                                  <a:rPr kumimoji="1" lang="en-US" altLang="zh-CN" i="1">
+                                    <a:latin typeface="Cambria Math" panose="02040503050406030204" pitchFamily="18" charset="0"/>
+                                    <a:ea typeface="Cambria Math" panose="02040503050406030204" pitchFamily="18" charset="0"/>
+                                  </a:rPr>
+                                  <m:t>𝑉</m:t>
+                                </m:r>
+                              </m:e>
+                              <m:sub>
+                                <m:r>
+                                  <a:rPr kumimoji="1" lang="en-US" altLang="zh-CN" i="1">
+                                    <a:latin typeface="Cambria Math" panose="02040503050406030204" pitchFamily="18" charset="0"/>
+                                    <a:ea typeface="Cambria Math" panose="02040503050406030204" pitchFamily="18" charset="0"/>
+                                  </a:rPr>
+                                  <m:t>𝑙</m:t>
+                                </m:r>
+                              </m:sub>
+                            </m:sSub>
+                          </m:e>
+                          <m:e>
+                            <m:r>
+                              <a:rPr kumimoji="1" lang="en-US" altLang="zh-CN" i="1">
+                                <a:latin typeface="Cambria Math" panose="02040503050406030204" pitchFamily="18" charset="0"/>
+                              </a:rPr>
+                              <m:t>𝑧</m:t>
+                            </m:r>
+                            <m:r>
+                              <a:rPr kumimoji="1" lang="en-US" altLang="zh-CN" i="1">
+                                <a:latin typeface="Cambria Math" panose="02040503050406030204" pitchFamily="18" charset="0"/>
+                                <a:ea typeface="Cambria Math" panose="02040503050406030204" pitchFamily="18" charset="0"/>
+                              </a:rPr>
+                              <m:t>∉</m:t>
+                            </m:r>
+                            <m:sSub>
+                              <m:sSubPr>
+                                <m:ctrlPr>
+                                  <a:rPr kumimoji="1" lang="en-US" altLang="zh-CN" i="1">
+                                    <a:latin typeface="Cambria Math" panose="02040503050406030204" pitchFamily="18" charset="0"/>
+                                    <a:ea typeface="Cambria Math" panose="02040503050406030204" pitchFamily="18" charset="0"/>
+                                  </a:rPr>
+                                </m:ctrlPr>
+                              </m:sSubPr>
+                              <m:e>
+                                <m:r>
+                                  <a:rPr kumimoji="1" lang="en-US" altLang="zh-CN" i="1">
+                                    <a:latin typeface="Cambria Math" panose="02040503050406030204" pitchFamily="18" charset="0"/>
+                                    <a:ea typeface="Cambria Math" panose="02040503050406030204" pitchFamily="18" charset="0"/>
+                                  </a:rPr>
+                                  <m:t>𝑉</m:t>
+                                </m:r>
+                              </m:e>
+                              <m:sub>
+                                <m:r>
+                                  <a:rPr kumimoji="1" lang="en-US" altLang="zh-CN" i="1">
+                                    <a:latin typeface="Cambria Math" panose="02040503050406030204" pitchFamily="18" charset="0"/>
+                                    <a:ea typeface="Cambria Math" panose="02040503050406030204" pitchFamily="18" charset="0"/>
+                                  </a:rPr>
+                                  <m:t>1</m:t>
+                                </m:r>
+                              </m:sub>
+                            </m:sSub>
+                            <m:r>
+                              <a:rPr kumimoji="1" lang="en-US" altLang="zh-CN" i="1">
+                                <a:latin typeface="Cambria Math" panose="02040503050406030204" pitchFamily="18" charset="0"/>
+                                <a:ea typeface="Cambria Math" panose="02040503050406030204" pitchFamily="18" charset="0"/>
+                              </a:rPr>
+                              <m:t>,…,</m:t>
+                            </m:r>
+                            <m:r>
+                              <a:rPr kumimoji="1" lang="en-US" altLang="zh-CN" i="1">
+                                <a:latin typeface="Cambria Math" panose="02040503050406030204" pitchFamily="18" charset="0"/>
+                              </a:rPr>
+                              <m:t>𝑧</m:t>
+                            </m:r>
+                            <m:r>
+                              <a:rPr kumimoji="1" lang="en-US" altLang="zh-CN" i="1">
+                                <a:latin typeface="Cambria Math" panose="02040503050406030204" pitchFamily="18" charset="0"/>
+                                <a:ea typeface="Cambria Math" panose="02040503050406030204" pitchFamily="18" charset="0"/>
+                              </a:rPr>
+                              <m:t>∉</m:t>
+                            </m:r>
+                            <m:sSub>
+                              <m:sSubPr>
+                                <m:ctrlPr>
+                                  <a:rPr kumimoji="1" lang="en-US" altLang="zh-CN" i="1">
+                                    <a:latin typeface="Cambria Math" panose="02040503050406030204" pitchFamily="18" charset="0"/>
+                                    <a:ea typeface="Cambria Math" panose="02040503050406030204" pitchFamily="18" charset="0"/>
+                                  </a:rPr>
+                                </m:ctrlPr>
+                              </m:sSubPr>
+                              <m:e>
+                                <m:r>
+                                  <a:rPr kumimoji="1" lang="en-US" altLang="zh-CN" i="1">
+                                    <a:latin typeface="Cambria Math" panose="02040503050406030204" pitchFamily="18" charset="0"/>
+                                    <a:ea typeface="Cambria Math" panose="02040503050406030204" pitchFamily="18" charset="0"/>
+                                  </a:rPr>
+                                  <m:t>𝑉</m:t>
+                                </m:r>
+                              </m:e>
+                              <m:sub>
+                                <m:r>
+                                  <a:rPr kumimoji="1" lang="en-US" altLang="zh-CN" i="1">
+                                    <a:latin typeface="Cambria Math" panose="02040503050406030204" pitchFamily="18" charset="0"/>
+                                    <a:ea typeface="Cambria Math" panose="02040503050406030204" pitchFamily="18" charset="0"/>
+                                  </a:rPr>
+                                  <m:t>𝑙</m:t>
+                                </m:r>
+                                <m:r>
+                                  <a:rPr kumimoji="1" lang="en-US" altLang="zh-CN" i="1">
+                                    <a:latin typeface="Cambria Math" panose="02040503050406030204" pitchFamily="18" charset="0"/>
+                                    <a:ea typeface="Cambria Math" panose="02040503050406030204" pitchFamily="18" charset="0"/>
+                                  </a:rPr>
+                                  <m:t>−1</m:t>
+                                </m:r>
+                              </m:sub>
+                            </m:sSub>
+                            <m:r>
+                              <a:rPr kumimoji="1" lang="en-US" altLang="zh-CN" i="1">
+                                <a:latin typeface="Cambria Math" panose="02040503050406030204" pitchFamily="18" charset="0"/>
+                                <a:ea typeface="Cambria Math" panose="02040503050406030204" pitchFamily="18" charset="0"/>
+                              </a:rPr>
+                              <m:t>,</m:t>
+                            </m:r>
+                            <m:r>
+                              <a:rPr kumimoji="1" lang="en-US" altLang="zh-CN" b="1" i="1">
+                                <a:latin typeface="Cambria Math" panose="02040503050406030204" pitchFamily="18" charset="0"/>
+                                <a:ea typeface="Cambria Math" panose="02040503050406030204" pitchFamily="18" charset="0"/>
+                              </a:rPr>
+                              <m:t>𝒙</m:t>
+                            </m:r>
+                            <m:r>
+                              <a:rPr kumimoji="1" lang="en-US" altLang="zh-CN" i="1">
+                                <a:latin typeface="Cambria Math" panose="02040503050406030204" pitchFamily="18" charset="0"/>
+                                <a:ea typeface="Cambria Math" panose="02040503050406030204" pitchFamily="18" charset="0"/>
+                              </a:rPr>
+                              <m:t>;</m:t>
+                            </m:r>
+                            <m:r>
+                              <a:rPr kumimoji="1" lang="en-US" altLang="zh-CN" b="1" i="1">
+                                <a:latin typeface="Cambria Math" panose="02040503050406030204" pitchFamily="18" charset="0"/>
+                                <a:ea typeface="Cambria Math" panose="02040503050406030204" pitchFamily="18" charset="0"/>
+                              </a:rPr>
+                              <m:t>𝜽</m:t>
+                            </m:r>
+                          </m:e>
+                        </m:d>
+                      </m:e>
+                    </m:func>
+                  </m:oMath>
+                </a14:m>
+                <a:br>
+                  <a:rPr kumimoji="1" lang="en-US" altLang="zh-CN" b="1" i="1" dirty="0">
+                    <a:latin typeface="Cambria Math" panose="02040503050406030204" pitchFamily="18" charset="0"/>
+                    <a:ea typeface="Cambria Math" panose="02040503050406030204" pitchFamily="18" charset="0"/>
+                  </a:rPr>
+                </a:br>
+                <a14:m>
+                  <m:oMath xmlns:m="http://schemas.openxmlformats.org/officeDocument/2006/math">
+                    <m:r>
+                      <a:rPr kumimoji="1" lang="en-US" altLang="zh-CN" i="1">
+                        <a:latin typeface="Cambria Math" panose="02040503050406030204" pitchFamily="18" charset="0"/>
+                        <a:ea typeface="Cambria Math" panose="02040503050406030204" pitchFamily="18" charset="0"/>
+                      </a:rPr>
+                      <m:t>=</m:t>
+                    </m:r>
+                    <m:nary>
+                      <m:naryPr>
+                        <m:chr m:val="∏"/>
+                        <m:supHide m:val="on"/>
+                        <m:ctrlPr>
+                          <a:rPr kumimoji="1" lang="en-US" altLang="zh-CN" i="1">
+                            <a:latin typeface="Cambria Math" panose="02040503050406030204" pitchFamily="18" charset="0"/>
+                            <a:ea typeface="Cambria Math" panose="02040503050406030204" pitchFamily="18" charset="0"/>
+                          </a:rPr>
+                        </m:ctrlPr>
+                      </m:naryPr>
+                      <m:sub>
+                        <m:r>
+                          <m:rPr>
+                            <m:brk m:alnAt="7"/>
+                          </m:rPr>
+                          <a:rPr kumimoji="1" lang="en-US" altLang="zh-CN" i="1">
+                            <a:latin typeface="Cambria Math" panose="02040503050406030204" pitchFamily="18" charset="0"/>
+                            <a:ea typeface="Cambria Math" panose="02040503050406030204" pitchFamily="18" charset="0"/>
+                          </a:rPr>
+                          <m:t>𝑘</m:t>
+                        </m:r>
+                        <m:r>
+                          <a:rPr kumimoji="1" lang="en-US" altLang="zh-CN" i="1">
+                            <a:latin typeface="Cambria Math" panose="02040503050406030204" pitchFamily="18" charset="0"/>
+                            <a:ea typeface="Cambria Math" panose="02040503050406030204" pitchFamily="18" charset="0"/>
+                          </a:rPr>
+                          <m:t>:</m:t>
+                        </m:r>
+                        <m:r>
+                          <a:rPr kumimoji="1" lang="en-US" altLang="zh-CN" i="1">
+                            <a:latin typeface="Cambria Math" panose="02040503050406030204" pitchFamily="18" charset="0"/>
+                            <a:ea typeface="Cambria Math" panose="02040503050406030204" pitchFamily="18" charset="0"/>
+                          </a:rPr>
+                          <m:t>𝑘</m:t>
+                        </m:r>
+                        <m:r>
+                          <a:rPr kumimoji="1" lang="en-US" altLang="zh-CN" i="1">
+                            <a:latin typeface="Cambria Math" panose="02040503050406030204" pitchFamily="18" charset="0"/>
+                            <a:ea typeface="Cambria Math" panose="02040503050406030204" pitchFamily="18" charset="0"/>
+                          </a:rPr>
+                          <m:t>≤</m:t>
+                        </m:r>
+                        <m:r>
+                          <a:rPr kumimoji="1" lang="en-US" altLang="zh-CN" i="1">
+                            <a:latin typeface="Cambria Math" panose="02040503050406030204" pitchFamily="18" charset="0"/>
+                            <a:ea typeface="Cambria Math" panose="02040503050406030204" pitchFamily="18" charset="0"/>
+                          </a:rPr>
+                          <m:t>𝑙</m:t>
+                        </m:r>
+                      </m:sub>
+                      <m:sup/>
+                      <m:e>
+                        <m:d>
+                          <m:dPr>
+                            <m:begChr m:val="["/>
+                            <m:endChr m:val="]"/>
+                            <m:ctrlPr>
+                              <a:rPr kumimoji="1" lang="en-US" altLang="zh-CN" i="1">
+                                <a:latin typeface="Cambria Math" panose="02040503050406030204" pitchFamily="18" charset="0"/>
+                                <a:ea typeface="Cambria Math" panose="02040503050406030204" pitchFamily="18" charset="0"/>
+                              </a:rPr>
+                            </m:ctrlPr>
+                          </m:dPr>
+                          <m:e>
+                            <m:r>
+                              <a:rPr kumimoji="1" lang="en-US" altLang="zh-CN" i="1">
+                                <a:latin typeface="Cambria Math" panose="02040503050406030204" pitchFamily="18" charset="0"/>
+                                <a:ea typeface="Cambria Math" panose="02040503050406030204" pitchFamily="18" charset="0"/>
+                              </a:rPr>
+                              <m:t>1−</m:t>
+                            </m:r>
+                            <m:r>
+                              <m:rPr>
+                                <m:sty m:val="p"/>
+                              </m:rPr>
+                              <a:rPr kumimoji="1" lang="en-US" altLang="zh-CN">
+                                <a:latin typeface="Cambria Math" panose="02040503050406030204" pitchFamily="18" charset="0"/>
+                                <a:ea typeface="Cambria Math" panose="02040503050406030204" pitchFamily="18" charset="0"/>
+                              </a:rPr>
+                              <m:t>Pr</m:t>
+                            </m:r>
+                            <m:r>
+                              <a:rPr kumimoji="1" lang="en-US" altLang="zh-CN" i="1">
+                                <a:latin typeface="Cambria Math" panose="02040503050406030204" pitchFamily="18" charset="0"/>
+                                <a:ea typeface="Cambria Math" panose="02040503050406030204" pitchFamily="18" charset="0"/>
+                              </a:rPr>
+                              <m:t>⁡(</m:t>
+                            </m:r>
+                            <m:r>
+                              <a:rPr kumimoji="1" lang="en-US" altLang="zh-CN" i="1">
+                                <a:latin typeface="Cambria Math" panose="02040503050406030204" pitchFamily="18" charset="0"/>
+                                <a:ea typeface="Cambria Math" panose="02040503050406030204" pitchFamily="18" charset="0"/>
+                              </a:rPr>
+                              <m:t>𝑧</m:t>
+                            </m:r>
+                            <m:r>
+                              <a:rPr kumimoji="1" lang="en-US" altLang="zh-CN" i="1">
+                                <a:latin typeface="Cambria Math" panose="02040503050406030204" pitchFamily="18" charset="0"/>
+                                <a:ea typeface="Cambria Math" panose="02040503050406030204" pitchFamily="18" charset="0"/>
+                              </a:rPr>
+                              <m:t>∈</m:t>
+                            </m:r>
+                            <m:sSub>
+                              <m:sSubPr>
+                                <m:ctrlPr>
+                                  <a:rPr kumimoji="1" lang="en-US" altLang="zh-CN" i="1">
+                                    <a:latin typeface="Cambria Math" panose="02040503050406030204" pitchFamily="18" charset="0"/>
+                                    <a:ea typeface="Cambria Math" panose="02040503050406030204" pitchFamily="18" charset="0"/>
+                                  </a:rPr>
+                                </m:ctrlPr>
+                              </m:sSubPr>
+                              <m:e>
+                                <m:r>
+                                  <a:rPr kumimoji="1" lang="en-US" altLang="zh-CN" i="1">
+                                    <a:latin typeface="Cambria Math" panose="02040503050406030204" pitchFamily="18" charset="0"/>
+                                    <a:ea typeface="Cambria Math" panose="02040503050406030204" pitchFamily="18" charset="0"/>
+                                  </a:rPr>
+                                  <m:t>𝑉</m:t>
+                                </m:r>
+                              </m:e>
+                              <m:sub>
+                                <m:r>
+                                  <a:rPr kumimoji="1" lang="en-US" altLang="zh-CN" i="1">
+                                    <a:latin typeface="Cambria Math" panose="02040503050406030204" pitchFamily="18" charset="0"/>
+                                    <a:ea typeface="Cambria Math" panose="02040503050406030204" pitchFamily="18" charset="0"/>
+                                  </a:rPr>
+                                  <m:t>𝑘</m:t>
+                                </m:r>
+                              </m:sub>
+                            </m:sSub>
+                            <m:r>
+                              <a:rPr kumimoji="1" lang="en-US" altLang="zh-CN" i="1">
+                                <a:latin typeface="Cambria Math" panose="02040503050406030204" pitchFamily="18" charset="0"/>
+                                <a:ea typeface="Cambria Math" panose="02040503050406030204" pitchFamily="18" charset="0"/>
+                              </a:rPr>
+                              <m:t>|</m:t>
+                            </m:r>
+                            <m:r>
+                              <a:rPr kumimoji="1" lang="en-US" altLang="zh-CN" i="1">
+                                <a:latin typeface="Cambria Math" panose="02040503050406030204" pitchFamily="18" charset="0"/>
+                                <a:ea typeface="Cambria Math" panose="02040503050406030204" pitchFamily="18" charset="0"/>
+                              </a:rPr>
+                              <m:t>𝑧</m:t>
+                            </m:r>
+                            <m:r>
+                              <a:rPr kumimoji="1" lang="en-US" altLang="zh-CN" i="1">
+                                <a:latin typeface="Cambria Math" panose="02040503050406030204" pitchFamily="18" charset="0"/>
+                                <a:ea typeface="Cambria Math" panose="02040503050406030204" pitchFamily="18" charset="0"/>
+                              </a:rPr>
+                              <m:t>&gt;</m:t>
+                            </m:r>
+                            <m:sSub>
+                              <m:sSubPr>
+                                <m:ctrlPr>
+                                  <a:rPr kumimoji="1" lang="en-US" altLang="zh-CN" i="1">
+                                    <a:latin typeface="Cambria Math" panose="02040503050406030204" pitchFamily="18" charset="0"/>
+                                    <a:ea typeface="Cambria Math" panose="02040503050406030204" pitchFamily="18" charset="0"/>
+                                  </a:rPr>
+                                </m:ctrlPr>
+                              </m:sSubPr>
+                              <m:e>
+                                <m:r>
+                                  <a:rPr kumimoji="1" lang="en-US" altLang="zh-CN" i="1">
+                                    <a:latin typeface="Cambria Math" panose="02040503050406030204" pitchFamily="18" charset="0"/>
+                                    <a:ea typeface="Cambria Math" panose="02040503050406030204" pitchFamily="18" charset="0"/>
+                                  </a:rPr>
+                                  <m:t>𝑡</m:t>
+                                </m:r>
+                              </m:e>
+                              <m:sub>
+                                <m:r>
+                                  <a:rPr kumimoji="1" lang="en-US" altLang="zh-CN" i="1">
+                                    <a:latin typeface="Cambria Math" panose="02040503050406030204" pitchFamily="18" charset="0"/>
+                                    <a:ea typeface="Cambria Math" panose="02040503050406030204" pitchFamily="18" charset="0"/>
+                                  </a:rPr>
+                                  <m:t>𝑘</m:t>
+                                </m:r>
+                                <m:r>
+                                  <a:rPr kumimoji="1" lang="en-US" altLang="zh-CN" i="1">
+                                    <a:latin typeface="Cambria Math" panose="02040503050406030204" pitchFamily="18" charset="0"/>
+                                    <a:ea typeface="Cambria Math" panose="02040503050406030204" pitchFamily="18" charset="0"/>
+                                  </a:rPr>
+                                  <m:t>−1</m:t>
+                                </m:r>
+                              </m:sub>
+                            </m:sSub>
+                            <m:r>
+                              <a:rPr kumimoji="1" lang="en-US" altLang="zh-CN" i="1">
+                                <a:latin typeface="Cambria Math" panose="02040503050406030204" pitchFamily="18" charset="0"/>
+                                <a:ea typeface="Cambria Math" panose="02040503050406030204" pitchFamily="18" charset="0"/>
+                              </a:rPr>
+                              <m:t>,</m:t>
+                            </m:r>
+                            <m:r>
+                              <a:rPr kumimoji="1" lang="en-US" altLang="zh-CN" b="1" i="1">
+                                <a:latin typeface="Cambria Math" panose="02040503050406030204" pitchFamily="18" charset="0"/>
+                                <a:ea typeface="Cambria Math" panose="02040503050406030204" pitchFamily="18" charset="0"/>
+                              </a:rPr>
+                              <m:t>𝒙</m:t>
+                            </m:r>
+                            <m:r>
+                              <a:rPr kumimoji="1" lang="en-US" altLang="zh-CN" i="1">
+                                <a:latin typeface="Cambria Math" panose="02040503050406030204" pitchFamily="18" charset="0"/>
+                                <a:ea typeface="Cambria Math" panose="02040503050406030204" pitchFamily="18" charset="0"/>
+                              </a:rPr>
+                              <m:t>;</m:t>
+                            </m:r>
+                            <m:r>
+                              <a:rPr kumimoji="1" lang="en-US" altLang="zh-CN" b="1" i="1">
+                                <a:latin typeface="Cambria Math" panose="02040503050406030204" pitchFamily="18" charset="0"/>
+                                <a:ea typeface="Cambria Math" panose="02040503050406030204" pitchFamily="18" charset="0"/>
+                              </a:rPr>
+                              <m:t>𝜽</m:t>
+                            </m:r>
+                            <m:r>
+                              <a:rPr kumimoji="1" lang="en-US" altLang="zh-CN" i="1">
+                                <a:latin typeface="Cambria Math" panose="02040503050406030204" pitchFamily="18" charset="0"/>
+                                <a:ea typeface="Cambria Math" panose="02040503050406030204" pitchFamily="18" charset="0"/>
+                              </a:rPr>
+                              <m:t>)</m:t>
+                            </m:r>
+                          </m:e>
+                        </m:d>
+                      </m:e>
+                    </m:nary>
+                  </m:oMath>
+                </a14:m>
+                <a:br>
+                  <a:rPr kumimoji="1" lang="en-US" altLang="zh-CN" i="1" dirty="0">
+                    <a:latin typeface="Cambria Math" panose="02040503050406030204" pitchFamily="18" charset="0"/>
+                    <a:ea typeface="Cambria Math" panose="02040503050406030204" pitchFamily="18" charset="0"/>
+                  </a:rPr>
+                </a:br>
+                <a14:m>
+                  <m:oMath xmlns:m="http://schemas.openxmlformats.org/officeDocument/2006/math">
+                    <m:r>
+                      <a:rPr kumimoji="1" lang="en-US" altLang="zh-CN" i="1">
+                        <a:latin typeface="Cambria Math" panose="02040503050406030204" pitchFamily="18" charset="0"/>
+                        <a:ea typeface="Cambria Math" panose="02040503050406030204" pitchFamily="18" charset="0"/>
+                      </a:rPr>
+                      <m:t>=</m:t>
+                    </m:r>
+                    <m:nary>
+                      <m:naryPr>
+                        <m:chr m:val="∏"/>
+                        <m:supHide m:val="on"/>
+                        <m:ctrlPr>
+                          <a:rPr kumimoji="1" lang="en-US" altLang="zh-CN" i="1">
+                            <a:latin typeface="Cambria Math" panose="02040503050406030204" pitchFamily="18" charset="0"/>
+                            <a:ea typeface="Cambria Math" panose="02040503050406030204" pitchFamily="18" charset="0"/>
+                          </a:rPr>
+                        </m:ctrlPr>
+                      </m:naryPr>
+                      <m:sub>
+                        <m:r>
+                          <m:rPr>
+                            <m:brk m:alnAt="7"/>
+                          </m:rPr>
+                          <a:rPr kumimoji="1" lang="en-US" altLang="zh-CN" i="1">
+                            <a:latin typeface="Cambria Math" panose="02040503050406030204" pitchFamily="18" charset="0"/>
+                            <a:ea typeface="Cambria Math" panose="02040503050406030204" pitchFamily="18" charset="0"/>
+                          </a:rPr>
+                          <m:t>𝑘</m:t>
+                        </m:r>
+                        <m:r>
+                          <a:rPr kumimoji="1" lang="en-US" altLang="zh-CN" i="1">
+                            <a:latin typeface="Cambria Math" panose="02040503050406030204" pitchFamily="18" charset="0"/>
+                            <a:ea typeface="Cambria Math" panose="02040503050406030204" pitchFamily="18" charset="0"/>
+                          </a:rPr>
+                          <m:t>:</m:t>
+                        </m:r>
+                        <m:r>
+                          <a:rPr kumimoji="1" lang="en-US" altLang="zh-CN" i="1">
+                            <a:latin typeface="Cambria Math" panose="02040503050406030204" pitchFamily="18" charset="0"/>
+                            <a:ea typeface="Cambria Math" panose="02040503050406030204" pitchFamily="18" charset="0"/>
+                          </a:rPr>
+                          <m:t>𝑘</m:t>
+                        </m:r>
+                        <m:r>
+                          <a:rPr kumimoji="1" lang="en-US" altLang="zh-CN" i="1">
+                            <a:latin typeface="Cambria Math" panose="02040503050406030204" pitchFamily="18" charset="0"/>
+                            <a:ea typeface="Cambria Math" panose="02040503050406030204" pitchFamily="18" charset="0"/>
+                          </a:rPr>
+                          <m:t>≤</m:t>
+                        </m:r>
+                        <m:r>
+                          <a:rPr kumimoji="1" lang="en-US" altLang="zh-CN" i="1">
+                            <a:latin typeface="Cambria Math" panose="02040503050406030204" pitchFamily="18" charset="0"/>
+                            <a:ea typeface="Cambria Math" panose="02040503050406030204" pitchFamily="18" charset="0"/>
+                          </a:rPr>
+                          <m:t>𝑙</m:t>
+                        </m:r>
+                      </m:sub>
+                      <m:sup/>
+                      <m:e>
+                        <m:r>
+                          <a:rPr kumimoji="1" lang="en-US" altLang="zh-CN" i="1">
+                            <a:latin typeface="Cambria Math" panose="02040503050406030204" pitchFamily="18" charset="0"/>
+                            <a:ea typeface="Cambria Math" panose="02040503050406030204" pitchFamily="18" charset="0"/>
+                          </a:rPr>
+                          <m:t>(1−</m:t>
+                        </m:r>
+                        <m:sSub>
+                          <m:sSubPr>
+                            <m:ctrlPr>
+                              <a:rPr kumimoji="1" lang="en-US" altLang="zh-CN" i="1">
+                                <a:latin typeface="Cambria Math" panose="02040503050406030204" pitchFamily="18" charset="0"/>
+                                <a:ea typeface="Cambria Math" panose="02040503050406030204" pitchFamily="18" charset="0"/>
+                              </a:rPr>
+                            </m:ctrlPr>
+                          </m:sSubPr>
+                          <m:e>
+                            <m:r>
+                              <a:rPr kumimoji="1" lang="en-US" altLang="zh-CN" i="1">
+                                <a:latin typeface="Cambria Math" panose="02040503050406030204" pitchFamily="18" charset="0"/>
+                                <a:ea typeface="Cambria Math" panose="02040503050406030204" pitchFamily="18" charset="0"/>
+                              </a:rPr>
+                              <m:t>h</m:t>
+                            </m:r>
+                          </m:e>
+                          <m:sub>
+                            <m:r>
+                              <a:rPr kumimoji="1" lang="en-US" altLang="zh-CN" i="1">
+                                <a:latin typeface="Cambria Math" panose="02040503050406030204" pitchFamily="18" charset="0"/>
+                                <a:ea typeface="Cambria Math" panose="02040503050406030204" pitchFamily="18" charset="0"/>
+                              </a:rPr>
+                              <m:t>𝑘</m:t>
+                            </m:r>
+                          </m:sub>
+                        </m:sSub>
+                        <m:r>
+                          <a:rPr kumimoji="1" lang="en-US" altLang="zh-CN" i="1">
+                            <a:latin typeface="Cambria Math" panose="02040503050406030204" pitchFamily="18" charset="0"/>
+                            <a:ea typeface="Cambria Math" panose="02040503050406030204" pitchFamily="18" charset="0"/>
+                          </a:rPr>
+                          <m:t>)</m:t>
+                        </m:r>
+                      </m:e>
+                    </m:nary>
+                  </m:oMath>
+                </a14:m>
+                <a:endParaRPr lang="en-US" altLang="zh-CN" dirty="0"/>
+              </a:p>
+              <a:p>
+                <a14:m>
+                  <m:oMath xmlns:m="http://schemas.openxmlformats.org/officeDocument/2006/math">
+                    <m:r>
+                      <a:rPr kumimoji="1" lang="en-US" altLang="zh-CN" i="1">
+                        <a:latin typeface="Cambria Math" panose="02040503050406030204" pitchFamily="18" charset="0"/>
+                      </a:rPr>
+                      <m:t>𝑊</m:t>
+                    </m:r>
+                    <m:d>
+                      <m:dPr>
+                        <m:ctrlPr>
+                          <a:rPr kumimoji="1" lang="en-US" altLang="zh-CN" i="1">
+                            <a:latin typeface="Cambria Math" panose="02040503050406030204" pitchFamily="18" charset="0"/>
+                          </a:rPr>
+                        </m:ctrlPr>
+                      </m:dPr>
+                      <m:e>
+                        <m:r>
+                          <a:rPr kumimoji="1" lang="en-US" altLang="zh-CN" i="1">
+                            <a:latin typeface="Cambria Math" panose="02040503050406030204" pitchFamily="18" charset="0"/>
+                          </a:rPr>
+                          <m:t>𝑡</m:t>
+                        </m:r>
+                      </m:e>
+                      <m:e>
+                        <m:r>
+                          <a:rPr kumimoji="1" lang="en-US" altLang="zh-CN" b="1" i="1">
+                            <a:latin typeface="Cambria Math" panose="02040503050406030204" pitchFamily="18" charset="0"/>
+                          </a:rPr>
+                          <m:t>𝒙</m:t>
+                        </m:r>
+                        <m:r>
+                          <a:rPr kumimoji="1" lang="en-US" altLang="zh-CN" b="1" i="1">
+                            <a:latin typeface="Cambria Math" panose="02040503050406030204" pitchFamily="18" charset="0"/>
+                          </a:rPr>
+                          <m:t>;</m:t>
+                        </m:r>
+                        <m:r>
+                          <a:rPr kumimoji="1" lang="en-US" altLang="zh-CN" b="1" i="1">
+                            <a:latin typeface="Cambria Math" panose="02040503050406030204" pitchFamily="18" charset="0"/>
+                          </a:rPr>
+                          <m:t>𝜽</m:t>
+                        </m:r>
+                      </m:e>
+                    </m:d>
+                    <m:r>
+                      <a:rPr kumimoji="1" lang="en-US" altLang="zh-CN" i="1">
+                        <a:latin typeface="Cambria Math" panose="02040503050406030204" pitchFamily="18" charset="0"/>
+                      </a:rPr>
+                      <m:t>=1−</m:t>
+                    </m:r>
+                    <m:r>
+                      <a:rPr kumimoji="1" lang="en-US" altLang="zh-CN" i="1">
+                        <a:latin typeface="Cambria Math" panose="02040503050406030204" pitchFamily="18" charset="0"/>
+                      </a:rPr>
+                      <m:t>𝑆</m:t>
+                    </m:r>
+                    <m:d>
+                      <m:dPr>
+                        <m:ctrlPr>
+                          <a:rPr kumimoji="1" lang="en-US" altLang="zh-CN" i="1">
+                            <a:latin typeface="Cambria Math" panose="02040503050406030204" pitchFamily="18" charset="0"/>
+                          </a:rPr>
+                        </m:ctrlPr>
+                      </m:dPr>
+                      <m:e>
+                        <m:r>
+                          <a:rPr kumimoji="1" lang="en-US" altLang="zh-CN" i="1">
+                            <a:latin typeface="Cambria Math" panose="02040503050406030204" pitchFamily="18" charset="0"/>
+                          </a:rPr>
+                          <m:t>𝑡</m:t>
+                        </m:r>
+                      </m:e>
+                      <m:e>
+                        <m:r>
+                          <a:rPr kumimoji="1" lang="en-US" altLang="zh-CN" b="1" i="1">
+                            <a:latin typeface="Cambria Math" panose="02040503050406030204" pitchFamily="18" charset="0"/>
+                          </a:rPr>
+                          <m:t>𝒙</m:t>
+                        </m:r>
+                        <m:r>
+                          <a:rPr kumimoji="1" lang="en-US" altLang="zh-CN" b="1" i="1">
+                            <a:latin typeface="Cambria Math" panose="02040503050406030204" pitchFamily="18" charset="0"/>
+                          </a:rPr>
+                          <m:t>;</m:t>
+                        </m:r>
+                        <m:r>
+                          <a:rPr kumimoji="1" lang="en-US" altLang="zh-CN" b="1" i="1">
+                            <a:latin typeface="Cambria Math" panose="02040503050406030204" pitchFamily="18" charset="0"/>
+                          </a:rPr>
+                          <m:t>𝜽</m:t>
+                        </m:r>
+                      </m:e>
+                    </m:d>
+                    <m:r>
+                      <a:rPr kumimoji="1" lang="en-US" altLang="zh-CN" i="1">
+                        <a:latin typeface="Cambria Math" panose="02040503050406030204" pitchFamily="18" charset="0"/>
+                      </a:rPr>
+                      <m:t>=</m:t>
+                    </m:r>
+                  </m:oMath>
+                </a14:m>
+                <a:r>
+                  <a:rPr kumimoji="1" lang="en-US" altLang="zh-CN" dirty="0"/>
+                  <a:t>1-</a:t>
+                </a:r>
+                <a:r>
+                  <a:rPr kumimoji="1" lang="en-US" altLang="zh-CN" sz="3200" dirty="0">
+                    <a:ea typeface="Cambria Math" panose="02040503050406030204" pitchFamily="18" charset="0"/>
+                  </a:rPr>
+                  <a:t> </a:t>
+                </a:r>
+                <a14:m>
+                  <m:oMath xmlns:m="http://schemas.openxmlformats.org/officeDocument/2006/math">
+                    <m:nary>
+                      <m:naryPr>
+                        <m:chr m:val="∏"/>
+                        <m:supHide m:val="on"/>
+                        <m:ctrlPr>
+                          <a:rPr kumimoji="1" lang="en-US" altLang="zh-CN" sz="3200" i="1">
+                            <a:latin typeface="Cambria Math" panose="02040503050406030204" pitchFamily="18" charset="0"/>
+                            <a:ea typeface="Cambria Math" panose="02040503050406030204" pitchFamily="18" charset="0"/>
+                          </a:rPr>
+                        </m:ctrlPr>
+                      </m:naryPr>
+                      <m:sub>
+                        <m:r>
+                          <m:rPr>
+                            <m:brk m:alnAt="7"/>
+                          </m:rPr>
+                          <a:rPr kumimoji="1" lang="en-US" altLang="zh-CN" sz="3200" i="1">
+                            <a:latin typeface="Cambria Math" panose="02040503050406030204" pitchFamily="18" charset="0"/>
+                            <a:ea typeface="Cambria Math" panose="02040503050406030204" pitchFamily="18" charset="0"/>
+                          </a:rPr>
+                          <m:t>𝑘</m:t>
+                        </m:r>
+                        <m:r>
+                          <a:rPr kumimoji="1" lang="en-US" altLang="zh-CN" sz="3200" i="1">
+                            <a:latin typeface="Cambria Math" panose="02040503050406030204" pitchFamily="18" charset="0"/>
+                            <a:ea typeface="Cambria Math" panose="02040503050406030204" pitchFamily="18" charset="0"/>
+                          </a:rPr>
+                          <m:t>:</m:t>
+                        </m:r>
+                        <m:r>
+                          <a:rPr kumimoji="1" lang="en-US" altLang="zh-CN" sz="3200" i="1">
+                            <a:latin typeface="Cambria Math" panose="02040503050406030204" pitchFamily="18" charset="0"/>
+                            <a:ea typeface="Cambria Math" panose="02040503050406030204" pitchFamily="18" charset="0"/>
+                          </a:rPr>
+                          <m:t>𝑘</m:t>
+                        </m:r>
+                        <m:r>
+                          <a:rPr kumimoji="1" lang="en-US" altLang="zh-CN" sz="3200" i="1">
+                            <a:latin typeface="Cambria Math" panose="02040503050406030204" pitchFamily="18" charset="0"/>
+                            <a:ea typeface="Cambria Math" panose="02040503050406030204" pitchFamily="18" charset="0"/>
+                          </a:rPr>
+                          <m:t>≤</m:t>
+                        </m:r>
+                        <m:r>
+                          <a:rPr kumimoji="1" lang="en-US" altLang="zh-CN" sz="3200" i="1">
+                            <a:latin typeface="Cambria Math" panose="02040503050406030204" pitchFamily="18" charset="0"/>
+                            <a:ea typeface="Cambria Math" panose="02040503050406030204" pitchFamily="18" charset="0"/>
+                          </a:rPr>
+                          <m:t>𝑙</m:t>
+                        </m:r>
+                      </m:sub>
+                      <m:sup/>
+                      <m:e>
+                        <m:r>
+                          <a:rPr kumimoji="1" lang="en-US" altLang="zh-CN" sz="3200" i="1">
+                            <a:latin typeface="Cambria Math" panose="02040503050406030204" pitchFamily="18" charset="0"/>
+                            <a:ea typeface="Cambria Math" panose="02040503050406030204" pitchFamily="18" charset="0"/>
+                          </a:rPr>
+                          <m:t>(1−</m:t>
+                        </m:r>
+                        <m:sSub>
+                          <m:sSubPr>
+                            <m:ctrlPr>
+                              <a:rPr kumimoji="1" lang="en-US" altLang="zh-CN" sz="3200" i="1">
+                                <a:latin typeface="Cambria Math" panose="02040503050406030204" pitchFamily="18" charset="0"/>
+                                <a:ea typeface="Cambria Math" panose="02040503050406030204" pitchFamily="18" charset="0"/>
+                              </a:rPr>
+                            </m:ctrlPr>
+                          </m:sSubPr>
+                          <m:e>
+                            <m:r>
+                              <a:rPr kumimoji="1" lang="en-US" altLang="zh-CN" sz="3200" i="1">
+                                <a:latin typeface="Cambria Math" panose="02040503050406030204" pitchFamily="18" charset="0"/>
+                                <a:ea typeface="Cambria Math" panose="02040503050406030204" pitchFamily="18" charset="0"/>
+                              </a:rPr>
+                              <m:t>h</m:t>
+                            </m:r>
+                          </m:e>
+                          <m:sub>
+                            <m:r>
+                              <a:rPr kumimoji="1" lang="en-US" altLang="zh-CN" sz="3200" i="1">
+                                <a:latin typeface="Cambria Math" panose="02040503050406030204" pitchFamily="18" charset="0"/>
+                                <a:ea typeface="Cambria Math" panose="02040503050406030204" pitchFamily="18" charset="0"/>
+                              </a:rPr>
+                              <m:t>𝑘</m:t>
+                            </m:r>
+                          </m:sub>
+                        </m:sSub>
+                        <m:r>
+                          <a:rPr kumimoji="1" lang="en-US" altLang="zh-CN" sz="3200" i="1">
+                            <a:latin typeface="Cambria Math" panose="02040503050406030204" pitchFamily="18" charset="0"/>
+                            <a:ea typeface="Cambria Math" panose="02040503050406030204" pitchFamily="18" charset="0"/>
+                          </a:rPr>
+                          <m:t>)</m:t>
+                        </m:r>
+                      </m:e>
+                    </m:nary>
+                  </m:oMath>
+                </a14:m>
+                <a:endParaRPr kumimoji="1" lang="zh-CN" altLang="en-US" dirty="0"/>
+              </a:p>
+              <a:p>
+                <a14:m>
+                  <m:oMath xmlns:m="http://schemas.openxmlformats.org/officeDocument/2006/math">
+                    <m:sSub>
+                      <m:sSubPr>
+                        <m:ctrlPr>
+                          <a:rPr kumimoji="1" lang="en-US" altLang="zh-CN" i="1">
+                            <a:latin typeface="Cambria Math" panose="02040503050406030204" pitchFamily="18" charset="0"/>
+                          </a:rPr>
+                        </m:ctrlPr>
+                      </m:sSubPr>
+                      <m:e>
+                        <m:r>
+                          <a:rPr kumimoji="1" lang="en-US" altLang="zh-CN" i="1">
+                            <a:latin typeface="Cambria Math" panose="02040503050406030204" pitchFamily="18" charset="0"/>
+                          </a:rPr>
+                          <m:t>𝑝</m:t>
+                        </m:r>
+                      </m:e>
+                      <m:sub>
+                        <m:r>
+                          <a:rPr kumimoji="1" lang="en-US" altLang="zh-CN" i="1">
+                            <a:latin typeface="Cambria Math" panose="02040503050406030204" pitchFamily="18" charset="0"/>
+                          </a:rPr>
+                          <m:t>𝑙</m:t>
+                        </m:r>
+                      </m:sub>
+                    </m:sSub>
+                    <m:r>
+                      <a:rPr kumimoji="1" lang="en-US" altLang="zh-CN" i="1">
+                        <a:latin typeface="Cambria Math" panose="02040503050406030204" pitchFamily="18" charset="0"/>
+                      </a:rPr>
+                      <m:t>=</m:t>
+                    </m:r>
+                    <m:func>
+                      <m:funcPr>
+                        <m:ctrlPr>
+                          <a:rPr kumimoji="1" lang="en-US" altLang="zh-CN" i="1">
+                            <a:latin typeface="Cambria Math" panose="02040503050406030204" pitchFamily="18" charset="0"/>
+                          </a:rPr>
+                        </m:ctrlPr>
+                      </m:funcPr>
+                      <m:fName>
+                        <m:r>
+                          <m:rPr>
+                            <m:sty m:val="p"/>
+                          </m:rPr>
+                          <a:rPr kumimoji="1" lang="en-US" altLang="zh-CN">
+                            <a:latin typeface="Cambria Math" panose="02040503050406030204" pitchFamily="18" charset="0"/>
+                          </a:rPr>
+                          <m:t>Pr</m:t>
+                        </m:r>
+                      </m:fName>
+                      <m:e>
+                        <m:d>
+                          <m:dPr>
+                            <m:ctrlPr>
+                              <a:rPr kumimoji="1" lang="en-US" altLang="zh-CN" i="1">
+                                <a:latin typeface="Cambria Math" panose="02040503050406030204" pitchFamily="18" charset="0"/>
+                              </a:rPr>
+                            </m:ctrlPr>
+                          </m:dPr>
+                          <m:e>
+                            <m:r>
+                              <a:rPr kumimoji="1" lang="en-US" altLang="zh-CN" i="1">
+                                <a:latin typeface="Cambria Math" panose="02040503050406030204" pitchFamily="18" charset="0"/>
+                              </a:rPr>
+                              <m:t>𝑧</m:t>
+                            </m:r>
+                            <m:r>
+                              <a:rPr kumimoji="1" lang="en-US" altLang="zh-CN" i="1">
+                                <a:latin typeface="Cambria Math" panose="02040503050406030204" pitchFamily="18" charset="0"/>
+                              </a:rPr>
+                              <m:t>∈</m:t>
+                            </m:r>
+                            <m:sSub>
+                              <m:sSubPr>
+                                <m:ctrlPr>
+                                  <a:rPr kumimoji="1" lang="en-US" altLang="zh-CN" i="1">
+                                    <a:latin typeface="Cambria Math" panose="02040503050406030204" pitchFamily="18" charset="0"/>
+                                  </a:rPr>
+                                </m:ctrlPr>
+                              </m:sSubPr>
+                              <m:e>
+                                <m:r>
+                                  <a:rPr kumimoji="1" lang="en-US" altLang="zh-CN" i="1">
+                                    <a:latin typeface="Cambria Math" panose="02040503050406030204" pitchFamily="18" charset="0"/>
+                                  </a:rPr>
+                                  <m:t>𝑉</m:t>
+                                </m:r>
+                              </m:e>
+                              <m:sub>
+                                <m:r>
+                                  <a:rPr kumimoji="1" lang="en-US" altLang="zh-CN" i="1">
+                                    <a:latin typeface="Cambria Math" panose="02040503050406030204" pitchFamily="18" charset="0"/>
+                                  </a:rPr>
+                                  <m:t>𝑙</m:t>
+                                </m:r>
+                              </m:sub>
+                            </m:sSub>
+                          </m:e>
+                          <m:e>
+                            <m:r>
+                              <a:rPr kumimoji="1" lang="en-US" altLang="zh-CN" b="1" i="1">
+                                <a:latin typeface="Cambria Math" panose="02040503050406030204" pitchFamily="18" charset="0"/>
+                              </a:rPr>
+                              <m:t>𝒙</m:t>
+                            </m:r>
+                            <m:r>
+                              <a:rPr kumimoji="1" lang="en-US" altLang="zh-CN" i="1">
+                                <a:latin typeface="Cambria Math" panose="02040503050406030204" pitchFamily="18" charset="0"/>
+                              </a:rPr>
+                              <m:t>;</m:t>
+                            </m:r>
+                            <m:r>
+                              <a:rPr kumimoji="1" lang="en-US" altLang="zh-CN" b="1" i="1">
+                                <a:latin typeface="Cambria Math" panose="02040503050406030204" pitchFamily="18" charset="0"/>
+                              </a:rPr>
+                              <m:t>𝜽</m:t>
+                            </m:r>
+                          </m:e>
+                        </m:d>
+                      </m:e>
+                    </m:func>
+                    <m:r>
+                      <a:rPr kumimoji="1" lang="en-US" altLang="zh-CN" i="1">
+                        <a:latin typeface="Cambria Math" panose="02040503050406030204" pitchFamily="18" charset="0"/>
+                      </a:rPr>
+                      <m:t>=</m:t>
+                    </m:r>
+                    <m:sSub>
+                      <m:sSubPr>
+                        <m:ctrlPr>
+                          <a:rPr kumimoji="1" lang="en-US" altLang="zh-CN" i="1">
+                            <a:latin typeface="Cambria Math" panose="02040503050406030204" pitchFamily="18" charset="0"/>
+                          </a:rPr>
+                        </m:ctrlPr>
+                      </m:sSubPr>
+                      <m:e>
+                        <m:r>
+                          <a:rPr kumimoji="1" lang="en-US" altLang="zh-CN" i="1">
+                            <a:latin typeface="Cambria Math" panose="02040503050406030204" pitchFamily="18" charset="0"/>
+                          </a:rPr>
+                          <m:t>h</m:t>
+                        </m:r>
+                      </m:e>
+                      <m:sub>
+                        <m:r>
+                          <a:rPr kumimoji="1" lang="en-US" altLang="zh-CN" i="1">
+                            <a:latin typeface="Cambria Math" panose="02040503050406030204" pitchFamily="18" charset="0"/>
+                          </a:rPr>
+                          <m:t>𝑙</m:t>
+                        </m:r>
+                      </m:sub>
+                    </m:sSub>
+                    <m:nary>
+                      <m:naryPr>
+                        <m:chr m:val="∏"/>
+                        <m:supHide m:val="on"/>
+                        <m:ctrlPr>
+                          <a:rPr kumimoji="1" lang="en-US" altLang="zh-CN" i="1">
+                            <a:latin typeface="Cambria Math" panose="02040503050406030204" pitchFamily="18" charset="0"/>
+                          </a:rPr>
+                        </m:ctrlPr>
+                      </m:naryPr>
+                      <m:sub>
+                        <m:r>
+                          <m:rPr>
+                            <m:brk m:alnAt="7"/>
+                          </m:rPr>
+                          <a:rPr kumimoji="1" lang="en-US" altLang="zh-CN" i="1">
+                            <a:latin typeface="Cambria Math" panose="02040503050406030204" pitchFamily="18" charset="0"/>
+                          </a:rPr>
+                          <m:t>𝑘</m:t>
+                        </m:r>
+                        <m:r>
+                          <a:rPr kumimoji="1" lang="en-US" altLang="zh-CN" i="1">
+                            <a:latin typeface="Cambria Math" panose="02040503050406030204" pitchFamily="18" charset="0"/>
+                          </a:rPr>
+                          <m:t>:</m:t>
+                        </m:r>
+                        <m:r>
+                          <a:rPr kumimoji="1" lang="en-US" altLang="zh-CN" i="1">
+                            <a:latin typeface="Cambria Math" panose="02040503050406030204" pitchFamily="18" charset="0"/>
+                          </a:rPr>
+                          <m:t>𝑘</m:t>
+                        </m:r>
+                        <m:r>
+                          <a:rPr kumimoji="1" lang="en-US" altLang="zh-CN" i="1">
+                            <a:latin typeface="Cambria Math" panose="02040503050406030204" pitchFamily="18" charset="0"/>
+                          </a:rPr>
+                          <m:t>&lt;</m:t>
+                        </m:r>
+                        <m:r>
+                          <a:rPr kumimoji="1" lang="en-US" altLang="zh-CN" i="1">
+                            <a:latin typeface="Cambria Math" panose="02040503050406030204" pitchFamily="18" charset="0"/>
+                          </a:rPr>
+                          <m:t>𝑙</m:t>
+                        </m:r>
+                      </m:sub>
+                      <m:sup/>
+                      <m:e>
+                        <m:r>
+                          <a:rPr kumimoji="1" lang="en-US" altLang="zh-CN" i="1">
+                            <a:latin typeface="Cambria Math" panose="02040503050406030204" pitchFamily="18" charset="0"/>
+                          </a:rPr>
+                          <m:t>(1−</m:t>
+                        </m:r>
+                        <m:sSub>
+                          <m:sSubPr>
+                            <m:ctrlPr>
+                              <a:rPr kumimoji="1" lang="en-US" altLang="zh-CN" i="1">
+                                <a:latin typeface="Cambria Math" panose="02040503050406030204" pitchFamily="18" charset="0"/>
+                              </a:rPr>
+                            </m:ctrlPr>
+                          </m:sSubPr>
+                          <m:e>
+                            <m:r>
+                              <a:rPr kumimoji="1" lang="en-US" altLang="zh-CN" i="1">
+                                <a:latin typeface="Cambria Math" panose="02040503050406030204" pitchFamily="18" charset="0"/>
+                              </a:rPr>
+                              <m:t>h</m:t>
+                            </m:r>
+                          </m:e>
+                          <m:sub>
+                            <m:r>
+                              <a:rPr kumimoji="1" lang="en-US" altLang="zh-CN" i="1">
+                                <a:latin typeface="Cambria Math" panose="02040503050406030204" pitchFamily="18" charset="0"/>
+                              </a:rPr>
+                              <m:t>𝑘</m:t>
+                            </m:r>
+                          </m:sub>
+                        </m:sSub>
+                        <m:r>
+                          <a:rPr kumimoji="1" lang="en-US" altLang="zh-CN" i="1">
+                            <a:latin typeface="Cambria Math" panose="02040503050406030204" pitchFamily="18" charset="0"/>
+                          </a:rPr>
+                          <m:t>)</m:t>
+                        </m:r>
+                      </m:e>
+                    </m:nary>
+                  </m:oMath>
+                </a14:m>
+                <a:endParaRPr kumimoji="1" lang="zh-CN" altLang="en-US" dirty="0"/>
+              </a:p>
+            </p:txBody>
+          </p:sp>
+        </mc:Choice>
+        <mc:Fallback>
+          <p:sp>
+            <p:nvSpPr>
+              <p:cNvPr id="4" name="内容占位符 3">
+                <a:extLst>
+                  <a:ext uri="{FF2B5EF4-FFF2-40B4-BE49-F238E27FC236}">
+                    <a16:creationId xmlns:a16="http://schemas.microsoft.com/office/drawing/2014/main" id="{58939473-CC14-564A-8D18-89C456D03F63}"/>
+                  </a:ext>
+                </a:extLst>
+              </p:cNvPr>
+              <p:cNvSpPr>
+                <a:spLocks noGrp="1" noRot="1" noChangeAspect="1" noMove="1" noResize="1" noEditPoints="1" noAdjustHandles="1" noChangeArrowheads="1" noChangeShapeType="1" noTextEdit="1"/>
+              </p:cNvSpPr>
+              <p:nvPr>
+                <p:ph idx="1"/>
+              </p:nvPr>
+            </p:nvSpPr>
+            <p:spPr>
+              <a:blipFill>
+                <a:blip r:embed="rId2"/>
+                <a:stretch>
+                  <a:fillRect l="-1447" t="-2186" b="-21038"/>
+                </a:stretch>
+              </a:blipFill>
+            </p:spPr>
+            <p:txBody>
+              <a:bodyPr/>
+              <a:lstStyle/>
+              <a:p>
+                <a:r>
+                  <a:rPr lang="zh-CN" altLang="en-US">
+                    <a:noFill/>
+                  </a:rPr>
+                  <a:t> </a:t>
+                </a:r>
+              </a:p>
+            </p:txBody>
+          </p:sp>
+        </mc:Fallback>
+      </mc:AlternateContent>
+      <p:sp>
+        <p:nvSpPr>
+          <p:cNvPr id="2" name="标题 1">
+            <a:extLst>
+              <a:ext uri="{FF2B5EF4-FFF2-40B4-BE49-F238E27FC236}">
+                <a16:creationId xmlns:a16="http://schemas.microsoft.com/office/drawing/2014/main" id="{B1EADA5E-C920-E940-BF62-DF5D3B4D2AA3}"/>
+              </a:ext>
+            </a:extLst>
+          </p:cNvPr>
+          <p:cNvSpPr>
+            <a:spLocks noGrp="1"/>
+          </p:cNvSpPr>
+          <p:nvPr>
+            <p:ph type="title"/>
+          </p:nvPr>
+        </p:nvSpPr>
+        <p:spPr/>
+        <p:txBody>
+          <a:bodyPr>
+            <a:normAutofit fontScale="90000"/>
+          </a:bodyPr>
+          <a:lstStyle/>
+          <a:p>
+            <a:r>
+              <a:rPr kumimoji="1" lang="en-US" altLang="zh-CN" dirty="0"/>
+              <a:t>Relationships among</a:t>
+            </a:r>
+            <a:br>
+              <a:rPr kumimoji="1" lang="en-US" altLang="zh-CN" dirty="0"/>
+            </a:br>
+            <a:r>
+              <a:rPr kumimoji="1" lang="en-US" altLang="zh-CN" dirty="0"/>
+              <a:t>Probability</a:t>
+            </a:r>
+            <a:r>
+              <a:rPr kumimoji="1" lang="zh-CN" altLang="en-US" dirty="0"/>
+              <a:t> </a:t>
+            </a:r>
+            <a:r>
+              <a:rPr kumimoji="1" lang="en-US" altLang="zh-CN" dirty="0"/>
+              <a:t>Functions</a:t>
+            </a:r>
+            <a:endParaRPr kumimoji="1" lang="zh-CN" altLang="en-US" dirty="0"/>
+          </a:p>
+        </p:txBody>
+      </p:sp>
+      <mc:AlternateContent xmlns:mc="http://schemas.openxmlformats.org/markup-compatibility/2006">
+        <mc:Choice xmlns:a14="http://schemas.microsoft.com/office/drawing/2010/main" Requires="a14">
+          <p:sp>
+            <p:nvSpPr>
+              <p:cNvPr id="7" name="文本框 6">
+                <a:extLst>
+                  <a:ext uri="{FF2B5EF4-FFF2-40B4-BE49-F238E27FC236}">
+                    <a16:creationId xmlns:a16="http://schemas.microsoft.com/office/drawing/2014/main" id="{66FECAB0-06F3-BB44-BD42-86B0BCC2DBD8}"/>
+                  </a:ext>
+                </a:extLst>
+              </p:cNvPr>
+              <p:cNvSpPr txBox="1"/>
+              <p:nvPr/>
+            </p:nvSpPr>
+            <p:spPr>
+              <a:xfrm>
+                <a:off x="4409601" y="4127409"/>
+                <a:ext cx="4661917" cy="707886"/>
+              </a:xfrm>
+              <a:prstGeom prst="rect">
+                <a:avLst/>
+              </a:prstGeom>
+              <a:ln>
+                <a:noFill/>
+              </a:ln>
+            </p:spPr>
+            <p:style>
+              <a:lnRef idx="2">
+                <a:schemeClr val="accent1"/>
+              </a:lnRef>
+              <a:fillRef idx="1">
+                <a:schemeClr val="lt1"/>
+              </a:fillRef>
+              <a:effectRef idx="0">
+                <a:schemeClr val="accent1"/>
+              </a:effectRef>
+              <a:fontRef idx="minor">
+                <a:schemeClr val="dk1"/>
+              </a:fontRef>
+            </p:style>
+            <p:txBody>
+              <a:bodyPr wrap="none" rtlCol="0">
+                <a:spAutoFit/>
+              </a:bodyPr>
+              <a:lstStyle/>
+              <a:p>
+                <a:pPr algn="ctr"/>
+                <a:r>
+                  <a:rPr kumimoji="1" lang="en-US" altLang="zh-CN" sz="2000" dirty="0">
+                    <a:solidFill>
+                      <a:srgbClr val="FF0000"/>
+                    </a:solidFill>
+                  </a:rPr>
+                  <a:t>Probability chain rule</a:t>
+                </a:r>
+              </a:p>
+              <a:p>
+                <a:pPr algn="ctr"/>
+                <a14:m>
+                  <m:oMathPara xmlns:m="http://schemas.openxmlformats.org/officeDocument/2006/math">
+                    <m:oMathParaPr>
+                      <m:jc m:val="centerGroup"/>
+                    </m:oMathParaPr>
+                    <m:oMath xmlns:m="http://schemas.openxmlformats.org/officeDocument/2006/math">
+                      <m:r>
+                        <a:rPr kumimoji="1" lang="en-US" altLang="zh-CN" sz="2000" b="0" i="1" smtClean="0">
+                          <a:solidFill>
+                            <a:srgbClr val="FF0000"/>
+                          </a:solidFill>
+                          <a:latin typeface="Cambria Math" panose="02040503050406030204" pitchFamily="18" charset="0"/>
+                        </a:rPr>
+                        <m:t>𝑃</m:t>
+                      </m:r>
+                      <m:d>
+                        <m:dPr>
+                          <m:ctrlPr>
+                            <a:rPr kumimoji="1" lang="en-US" altLang="zh-CN" sz="2000" b="0" i="1" smtClean="0">
+                              <a:solidFill>
+                                <a:srgbClr val="FF0000"/>
+                              </a:solidFill>
+                              <a:latin typeface="Cambria Math" panose="02040503050406030204" pitchFamily="18" charset="0"/>
+                            </a:rPr>
+                          </m:ctrlPr>
+                        </m:dPr>
+                        <m:e>
+                          <m:sSub>
+                            <m:sSubPr>
+                              <m:ctrlPr>
+                                <a:rPr kumimoji="1" lang="en-US" altLang="zh-CN" sz="2000" b="0" i="1" smtClean="0">
+                                  <a:solidFill>
+                                    <a:srgbClr val="FF0000"/>
+                                  </a:solidFill>
+                                  <a:latin typeface="Cambria Math" panose="02040503050406030204" pitchFamily="18" charset="0"/>
+                                </a:rPr>
+                              </m:ctrlPr>
+                            </m:sSubPr>
+                            <m:e>
+                              <m:r>
+                                <a:rPr kumimoji="1" lang="en-US" altLang="zh-CN" sz="2000" b="0" i="1" smtClean="0">
+                                  <a:solidFill>
+                                    <a:srgbClr val="FF0000"/>
+                                  </a:solidFill>
+                                  <a:latin typeface="Cambria Math" panose="02040503050406030204" pitchFamily="18" charset="0"/>
+                                </a:rPr>
+                                <m:t>𝑒</m:t>
+                              </m:r>
+                            </m:e>
+                            <m:sub>
+                              <m:r>
+                                <a:rPr kumimoji="1" lang="en-US" altLang="zh-CN" sz="2000" b="0" i="1" smtClean="0">
+                                  <a:solidFill>
+                                    <a:srgbClr val="FF0000"/>
+                                  </a:solidFill>
+                                  <a:latin typeface="Cambria Math" panose="02040503050406030204" pitchFamily="18" charset="0"/>
+                                </a:rPr>
+                                <m:t>1</m:t>
+                              </m:r>
+                            </m:sub>
+                          </m:sSub>
+                          <m:r>
+                            <a:rPr kumimoji="1" lang="en-US" altLang="zh-CN" sz="2000" b="0" i="1" smtClean="0">
+                              <a:solidFill>
+                                <a:srgbClr val="FF0000"/>
+                              </a:solidFill>
+                              <a:latin typeface="Cambria Math" panose="02040503050406030204" pitchFamily="18" charset="0"/>
+                            </a:rPr>
+                            <m:t>, </m:t>
+                          </m:r>
+                          <m:sSub>
+                            <m:sSubPr>
+                              <m:ctrlPr>
+                                <a:rPr kumimoji="1" lang="en-US" altLang="zh-CN" sz="2000" b="0" i="1" smtClean="0">
+                                  <a:solidFill>
+                                    <a:srgbClr val="FF0000"/>
+                                  </a:solidFill>
+                                  <a:latin typeface="Cambria Math" panose="02040503050406030204" pitchFamily="18" charset="0"/>
+                                </a:rPr>
+                              </m:ctrlPr>
+                            </m:sSubPr>
+                            <m:e>
+                              <m:r>
+                                <a:rPr kumimoji="1" lang="en-US" altLang="zh-CN" sz="2000" b="0" i="1" smtClean="0">
+                                  <a:solidFill>
+                                    <a:srgbClr val="FF0000"/>
+                                  </a:solidFill>
+                                  <a:latin typeface="Cambria Math" panose="02040503050406030204" pitchFamily="18" charset="0"/>
+                                </a:rPr>
+                                <m:t>𝑒</m:t>
+                              </m:r>
+                            </m:e>
+                            <m:sub>
+                              <m:r>
+                                <a:rPr kumimoji="1" lang="en-US" altLang="zh-CN" sz="2000" b="0" i="1" smtClean="0">
+                                  <a:solidFill>
+                                    <a:srgbClr val="FF0000"/>
+                                  </a:solidFill>
+                                  <a:latin typeface="Cambria Math" panose="02040503050406030204" pitchFamily="18" charset="0"/>
+                                </a:rPr>
+                                <m:t>2</m:t>
+                              </m:r>
+                            </m:sub>
+                          </m:sSub>
+                          <m:r>
+                            <a:rPr kumimoji="1" lang="en-US" altLang="zh-CN" sz="2000" b="0" i="1" smtClean="0">
+                              <a:solidFill>
+                                <a:srgbClr val="FF0000"/>
+                              </a:solidFill>
+                              <a:latin typeface="Cambria Math" panose="02040503050406030204" pitchFamily="18" charset="0"/>
+                            </a:rPr>
+                            <m:t>, </m:t>
+                          </m:r>
+                          <m:sSub>
+                            <m:sSubPr>
+                              <m:ctrlPr>
+                                <a:rPr kumimoji="1" lang="en-US" altLang="zh-CN" sz="2000" b="0" i="1" smtClean="0">
+                                  <a:solidFill>
+                                    <a:srgbClr val="FF0000"/>
+                                  </a:solidFill>
+                                  <a:latin typeface="Cambria Math" panose="02040503050406030204" pitchFamily="18" charset="0"/>
+                                </a:rPr>
+                              </m:ctrlPr>
+                            </m:sSubPr>
+                            <m:e>
+                              <m:r>
+                                <a:rPr kumimoji="1" lang="en-US" altLang="zh-CN" sz="2000" b="0" i="1" smtClean="0">
+                                  <a:solidFill>
+                                    <a:srgbClr val="FF0000"/>
+                                  </a:solidFill>
+                                  <a:latin typeface="Cambria Math" panose="02040503050406030204" pitchFamily="18" charset="0"/>
+                                </a:rPr>
+                                <m:t>𝑒</m:t>
+                              </m:r>
+                            </m:e>
+                            <m:sub>
+                              <m:r>
+                                <a:rPr kumimoji="1" lang="en-US" altLang="zh-CN" sz="2000" b="0" i="1" smtClean="0">
+                                  <a:solidFill>
+                                    <a:srgbClr val="FF0000"/>
+                                  </a:solidFill>
+                                  <a:latin typeface="Cambria Math" panose="02040503050406030204" pitchFamily="18" charset="0"/>
+                                </a:rPr>
+                                <m:t>3</m:t>
+                              </m:r>
+                            </m:sub>
+                          </m:sSub>
+                        </m:e>
+                      </m:d>
+                      <m:r>
+                        <a:rPr kumimoji="1" lang="en-US" altLang="zh-CN" sz="2000" b="0" i="1" smtClean="0">
+                          <a:solidFill>
+                            <a:srgbClr val="FF0000"/>
+                          </a:solidFill>
+                          <a:latin typeface="Cambria Math" panose="02040503050406030204" pitchFamily="18" charset="0"/>
+                        </a:rPr>
+                        <m:t>=</m:t>
+                      </m:r>
+                      <m:r>
+                        <a:rPr kumimoji="1" lang="en-US" altLang="zh-CN" sz="2000" b="0" i="1" smtClean="0">
+                          <a:solidFill>
+                            <a:srgbClr val="FF0000"/>
+                          </a:solidFill>
+                          <a:latin typeface="Cambria Math" panose="02040503050406030204" pitchFamily="18" charset="0"/>
+                        </a:rPr>
+                        <m:t>𝑃</m:t>
+                      </m:r>
+                      <m:d>
+                        <m:dPr>
+                          <m:ctrlPr>
+                            <a:rPr kumimoji="1" lang="en-US" altLang="zh-CN" sz="2000" b="0" i="1" smtClean="0">
+                              <a:solidFill>
+                                <a:srgbClr val="FF0000"/>
+                              </a:solidFill>
+                              <a:latin typeface="Cambria Math" panose="02040503050406030204" pitchFamily="18" charset="0"/>
+                            </a:rPr>
+                          </m:ctrlPr>
+                        </m:dPr>
+                        <m:e>
+                          <m:sSub>
+                            <m:sSubPr>
+                              <m:ctrlPr>
+                                <a:rPr kumimoji="1" lang="en-US" altLang="zh-CN" sz="2000" b="0" i="1" smtClean="0">
+                                  <a:solidFill>
+                                    <a:srgbClr val="FF0000"/>
+                                  </a:solidFill>
+                                  <a:latin typeface="Cambria Math" panose="02040503050406030204" pitchFamily="18" charset="0"/>
+                                </a:rPr>
+                              </m:ctrlPr>
+                            </m:sSubPr>
+                            <m:e>
+                              <m:r>
+                                <a:rPr kumimoji="1" lang="en-US" altLang="zh-CN" sz="2000" b="0" i="1" smtClean="0">
+                                  <a:solidFill>
+                                    <a:srgbClr val="FF0000"/>
+                                  </a:solidFill>
+                                  <a:latin typeface="Cambria Math" panose="02040503050406030204" pitchFamily="18" charset="0"/>
+                                </a:rPr>
+                                <m:t>𝑒</m:t>
+                              </m:r>
+                            </m:e>
+                            <m:sub>
+                              <m:r>
+                                <a:rPr kumimoji="1" lang="en-US" altLang="zh-CN" sz="2000" b="0" i="1" smtClean="0">
+                                  <a:solidFill>
+                                    <a:srgbClr val="FF0000"/>
+                                  </a:solidFill>
+                                  <a:latin typeface="Cambria Math" panose="02040503050406030204" pitchFamily="18" charset="0"/>
+                                </a:rPr>
+                                <m:t>3</m:t>
+                              </m:r>
+                            </m:sub>
+                          </m:sSub>
+                        </m:e>
+                        <m:e>
+                          <m:sSub>
+                            <m:sSubPr>
+                              <m:ctrlPr>
+                                <a:rPr kumimoji="1" lang="en-US" altLang="zh-CN" sz="2000" b="0" i="1" smtClean="0">
+                                  <a:solidFill>
+                                    <a:srgbClr val="FF0000"/>
+                                  </a:solidFill>
+                                  <a:latin typeface="Cambria Math" panose="02040503050406030204" pitchFamily="18" charset="0"/>
+                                </a:rPr>
+                              </m:ctrlPr>
+                            </m:sSubPr>
+                            <m:e>
+                              <m:r>
+                                <a:rPr kumimoji="1" lang="en-US" altLang="zh-CN" sz="2000" b="0" i="1" smtClean="0">
+                                  <a:solidFill>
+                                    <a:srgbClr val="FF0000"/>
+                                  </a:solidFill>
+                                  <a:latin typeface="Cambria Math" panose="02040503050406030204" pitchFamily="18" charset="0"/>
+                                </a:rPr>
+                                <m:t>𝑒</m:t>
+                              </m:r>
+                            </m:e>
+                            <m:sub>
+                              <m:r>
+                                <a:rPr kumimoji="1" lang="en-US" altLang="zh-CN" sz="2000" b="0" i="1" smtClean="0">
+                                  <a:solidFill>
+                                    <a:srgbClr val="FF0000"/>
+                                  </a:solidFill>
+                                  <a:latin typeface="Cambria Math" panose="02040503050406030204" pitchFamily="18" charset="0"/>
+                                </a:rPr>
+                                <m:t>1</m:t>
+                              </m:r>
+                            </m:sub>
+                          </m:sSub>
+                          <m:r>
+                            <a:rPr kumimoji="1" lang="en-US" altLang="zh-CN" sz="2000" b="0" i="1" smtClean="0">
+                              <a:solidFill>
+                                <a:srgbClr val="FF0000"/>
+                              </a:solidFill>
+                              <a:latin typeface="Cambria Math" panose="02040503050406030204" pitchFamily="18" charset="0"/>
+                            </a:rPr>
+                            <m:t>,</m:t>
+                          </m:r>
+                          <m:sSub>
+                            <m:sSubPr>
+                              <m:ctrlPr>
+                                <a:rPr kumimoji="1" lang="en-US" altLang="zh-CN" sz="2000" b="0" i="1" smtClean="0">
+                                  <a:solidFill>
+                                    <a:srgbClr val="FF0000"/>
+                                  </a:solidFill>
+                                  <a:latin typeface="Cambria Math" panose="02040503050406030204" pitchFamily="18" charset="0"/>
+                                </a:rPr>
+                              </m:ctrlPr>
+                            </m:sSubPr>
+                            <m:e>
+                              <m:r>
+                                <a:rPr kumimoji="1" lang="en-US" altLang="zh-CN" sz="2000" b="0" i="1" smtClean="0">
+                                  <a:solidFill>
+                                    <a:srgbClr val="FF0000"/>
+                                  </a:solidFill>
+                                  <a:latin typeface="Cambria Math" panose="02040503050406030204" pitchFamily="18" charset="0"/>
+                                </a:rPr>
+                                <m:t>𝑒</m:t>
+                              </m:r>
+                            </m:e>
+                            <m:sub>
+                              <m:r>
+                                <a:rPr kumimoji="1" lang="en-US" altLang="zh-CN" sz="2000" b="0" i="1" smtClean="0">
+                                  <a:solidFill>
+                                    <a:srgbClr val="FF0000"/>
+                                  </a:solidFill>
+                                  <a:latin typeface="Cambria Math" panose="02040503050406030204" pitchFamily="18" charset="0"/>
+                                </a:rPr>
+                                <m:t>2</m:t>
+                              </m:r>
+                            </m:sub>
+                          </m:sSub>
+                        </m:e>
+                      </m:d>
+                      <m:r>
+                        <a:rPr kumimoji="1" lang="en-US" altLang="zh-CN" sz="2000" b="0" i="1" smtClean="0">
+                          <a:solidFill>
+                            <a:srgbClr val="FF0000"/>
+                          </a:solidFill>
+                          <a:latin typeface="Cambria Math" panose="02040503050406030204" pitchFamily="18" charset="0"/>
+                        </a:rPr>
+                        <m:t>𝑃</m:t>
+                      </m:r>
+                      <m:d>
+                        <m:dPr>
+                          <m:ctrlPr>
+                            <a:rPr kumimoji="1" lang="en-US" altLang="zh-CN" sz="2000" b="0" i="1" smtClean="0">
+                              <a:solidFill>
+                                <a:srgbClr val="FF0000"/>
+                              </a:solidFill>
+                              <a:latin typeface="Cambria Math" panose="02040503050406030204" pitchFamily="18" charset="0"/>
+                            </a:rPr>
+                          </m:ctrlPr>
+                        </m:dPr>
+                        <m:e>
+                          <m:sSub>
+                            <m:sSubPr>
+                              <m:ctrlPr>
+                                <a:rPr kumimoji="1" lang="en-US" altLang="zh-CN" sz="2000" b="0" i="1" smtClean="0">
+                                  <a:solidFill>
+                                    <a:srgbClr val="FF0000"/>
+                                  </a:solidFill>
+                                  <a:latin typeface="Cambria Math" panose="02040503050406030204" pitchFamily="18" charset="0"/>
+                                </a:rPr>
+                              </m:ctrlPr>
+                            </m:sSubPr>
+                            <m:e>
+                              <m:r>
+                                <a:rPr kumimoji="1" lang="en-US" altLang="zh-CN" sz="2000" b="0" i="1" smtClean="0">
+                                  <a:solidFill>
+                                    <a:srgbClr val="FF0000"/>
+                                  </a:solidFill>
+                                  <a:latin typeface="Cambria Math" panose="02040503050406030204" pitchFamily="18" charset="0"/>
+                                </a:rPr>
+                                <m:t>𝑒</m:t>
+                              </m:r>
+                            </m:e>
+                            <m:sub>
+                              <m:r>
+                                <a:rPr kumimoji="1" lang="en-US" altLang="zh-CN" sz="2000" b="0" i="1" smtClean="0">
+                                  <a:solidFill>
+                                    <a:srgbClr val="FF0000"/>
+                                  </a:solidFill>
+                                  <a:latin typeface="Cambria Math" panose="02040503050406030204" pitchFamily="18" charset="0"/>
+                                </a:rPr>
+                                <m:t>2</m:t>
+                              </m:r>
+                            </m:sub>
+                          </m:sSub>
+                        </m:e>
+                        <m:e>
+                          <m:sSub>
+                            <m:sSubPr>
+                              <m:ctrlPr>
+                                <a:rPr kumimoji="1" lang="en-US" altLang="zh-CN" sz="2000" b="0" i="1" smtClean="0">
+                                  <a:solidFill>
+                                    <a:srgbClr val="FF0000"/>
+                                  </a:solidFill>
+                                  <a:latin typeface="Cambria Math" panose="02040503050406030204" pitchFamily="18" charset="0"/>
+                                </a:rPr>
+                              </m:ctrlPr>
+                            </m:sSubPr>
+                            <m:e>
+                              <m:r>
+                                <a:rPr kumimoji="1" lang="en-US" altLang="zh-CN" sz="2000" b="0" i="1" smtClean="0">
+                                  <a:solidFill>
+                                    <a:srgbClr val="FF0000"/>
+                                  </a:solidFill>
+                                  <a:latin typeface="Cambria Math" panose="02040503050406030204" pitchFamily="18" charset="0"/>
+                                </a:rPr>
+                                <m:t>𝑒</m:t>
+                              </m:r>
+                            </m:e>
+                            <m:sub>
+                              <m:r>
+                                <a:rPr kumimoji="1" lang="en-US" altLang="zh-CN" sz="2000" b="0" i="1" smtClean="0">
+                                  <a:solidFill>
+                                    <a:srgbClr val="FF0000"/>
+                                  </a:solidFill>
+                                  <a:latin typeface="Cambria Math" panose="02040503050406030204" pitchFamily="18" charset="0"/>
+                                </a:rPr>
+                                <m:t>1</m:t>
+                              </m:r>
+                            </m:sub>
+                          </m:sSub>
+                        </m:e>
+                      </m:d>
+                      <m:r>
+                        <a:rPr kumimoji="1" lang="en-US" altLang="zh-CN" sz="2000" b="0" i="1" smtClean="0">
+                          <a:solidFill>
+                            <a:srgbClr val="FF0000"/>
+                          </a:solidFill>
+                          <a:latin typeface="Cambria Math" panose="02040503050406030204" pitchFamily="18" charset="0"/>
+                        </a:rPr>
+                        <m:t>𝑃</m:t>
+                      </m:r>
+                      <m:r>
+                        <a:rPr kumimoji="1" lang="en-US" altLang="zh-CN" sz="2000" b="0" i="1" smtClean="0">
+                          <a:solidFill>
+                            <a:srgbClr val="FF0000"/>
+                          </a:solidFill>
+                          <a:latin typeface="Cambria Math" panose="02040503050406030204" pitchFamily="18" charset="0"/>
+                        </a:rPr>
+                        <m:t>(</m:t>
+                      </m:r>
+                      <m:sSub>
+                        <m:sSubPr>
+                          <m:ctrlPr>
+                            <a:rPr kumimoji="1" lang="en-US" altLang="zh-CN" sz="2000" b="0" i="1" smtClean="0">
+                              <a:solidFill>
+                                <a:srgbClr val="FF0000"/>
+                              </a:solidFill>
+                              <a:latin typeface="Cambria Math" panose="02040503050406030204" pitchFamily="18" charset="0"/>
+                            </a:rPr>
+                          </m:ctrlPr>
+                        </m:sSubPr>
+                        <m:e>
+                          <m:r>
+                            <a:rPr kumimoji="1" lang="en-US" altLang="zh-CN" sz="2000" b="0" i="1" smtClean="0">
+                              <a:solidFill>
+                                <a:srgbClr val="FF0000"/>
+                              </a:solidFill>
+                              <a:latin typeface="Cambria Math" panose="02040503050406030204" pitchFamily="18" charset="0"/>
+                            </a:rPr>
+                            <m:t>𝑒</m:t>
+                          </m:r>
+                        </m:e>
+                        <m:sub>
+                          <m:r>
+                            <a:rPr kumimoji="1" lang="en-US" altLang="zh-CN" sz="2000" b="0" i="1" smtClean="0">
+                              <a:solidFill>
+                                <a:srgbClr val="FF0000"/>
+                              </a:solidFill>
+                              <a:latin typeface="Cambria Math" panose="02040503050406030204" pitchFamily="18" charset="0"/>
+                            </a:rPr>
+                            <m:t>1</m:t>
+                          </m:r>
+                        </m:sub>
+                      </m:sSub>
+                      <m:r>
+                        <a:rPr kumimoji="1" lang="en-US" altLang="zh-CN" sz="2000" b="0" i="1" smtClean="0">
+                          <a:solidFill>
+                            <a:srgbClr val="FF0000"/>
+                          </a:solidFill>
+                          <a:latin typeface="Cambria Math" panose="02040503050406030204" pitchFamily="18" charset="0"/>
+                        </a:rPr>
+                        <m:t>)</m:t>
+                      </m:r>
+                    </m:oMath>
+                  </m:oMathPara>
+                </a14:m>
+                <a:endParaRPr kumimoji="1" lang="en-US" altLang="zh-CN" sz="2000" b="0" dirty="0">
+                  <a:solidFill>
+                    <a:srgbClr val="FF0000"/>
+                  </a:solidFill>
+                </a:endParaRPr>
+              </a:p>
+            </p:txBody>
+          </p:sp>
+        </mc:Choice>
+        <mc:Fallback>
+          <p:sp>
+            <p:nvSpPr>
+              <p:cNvPr id="7" name="文本框 6">
+                <a:extLst>
+                  <a:ext uri="{FF2B5EF4-FFF2-40B4-BE49-F238E27FC236}">
+                    <a16:creationId xmlns:a16="http://schemas.microsoft.com/office/drawing/2014/main" id="{66FECAB0-06F3-BB44-BD42-86B0BCC2DBD8}"/>
+                  </a:ext>
+                </a:extLst>
+              </p:cNvPr>
+              <p:cNvSpPr txBox="1">
+                <a:spLocks noRot="1" noChangeAspect="1" noMove="1" noResize="1" noEditPoints="1" noAdjustHandles="1" noChangeArrowheads="1" noChangeShapeType="1" noTextEdit="1"/>
+              </p:cNvSpPr>
+              <p:nvPr/>
+            </p:nvSpPr>
+            <p:spPr>
+              <a:xfrm>
+                <a:off x="4409601" y="4127409"/>
+                <a:ext cx="4661917" cy="707886"/>
+              </a:xfrm>
+              <a:prstGeom prst="rect">
+                <a:avLst/>
+              </a:prstGeom>
+              <a:blipFill>
+                <a:blip r:embed="rId3"/>
+                <a:stretch>
+                  <a:fillRect t="-3509" b="-5263"/>
+                </a:stretch>
+              </a:blipFill>
+              <a:ln>
+                <a:noFill/>
+              </a:ln>
+            </p:spPr>
+            <p:txBody>
+              <a:bodyPr/>
+              <a:lstStyle/>
+              <a:p>
+                <a:r>
+                  <a:rPr lang="zh-CN" altLang="en-US">
+                    <a:noFill/>
+                  </a:rPr>
+                  <a:t> </a:t>
+                </a:r>
+              </a:p>
+            </p:txBody>
+          </p:sp>
+        </mc:Fallback>
+      </mc:AlternateContent>
+      <p:sp>
+        <p:nvSpPr>
+          <p:cNvPr id="11" name="圆角矩形 10">
+            <a:extLst>
+              <a:ext uri="{FF2B5EF4-FFF2-40B4-BE49-F238E27FC236}">
+                <a16:creationId xmlns:a16="http://schemas.microsoft.com/office/drawing/2014/main" id="{C2B2B6C3-7872-0D40-AD8D-A3964C9A531E}"/>
+              </a:ext>
+            </a:extLst>
+          </p:cNvPr>
+          <p:cNvSpPr/>
+          <p:nvPr/>
+        </p:nvSpPr>
+        <p:spPr>
+          <a:xfrm>
+            <a:off x="1671422" y="2284565"/>
+            <a:ext cx="5981981" cy="1059884"/>
+          </a:xfrm>
+          <a:prstGeom prst="roundRect">
+            <a:avLst/>
+          </a:prstGeom>
+          <a:noFill/>
+          <a:ln>
+            <a:solidFill>
+              <a:srgbClr val="FF0000"/>
+            </a:solidFill>
+          </a:ln>
+        </p:spPr>
+        <p:style>
+          <a:lnRef idx="2">
+            <a:schemeClr val="accent1">
+              <a:shade val="50000"/>
+            </a:schemeClr>
+          </a:lnRef>
+          <a:fillRef idx="1">
+            <a:schemeClr val="accent1"/>
+          </a:fillRef>
+          <a:effectRef idx="0">
+            <a:schemeClr val="accent1"/>
+          </a:effectRef>
+          <a:fontRef idx="minor">
+            <a:schemeClr val="lt1"/>
+          </a:fontRef>
+        </p:style>
+        <p:txBody>
+          <a:bodyPr rtlCol="0" anchor="ctr"/>
+          <a:lstStyle/>
+          <a:p>
+            <a:pPr algn="ctr"/>
+            <a:endParaRPr kumimoji="1" lang="zh-CN" altLang="en-US"/>
+          </a:p>
+        </p:txBody>
+      </p:sp>
+      <p:cxnSp>
+        <p:nvCxnSpPr>
+          <p:cNvPr id="13" name="直线箭头连接符 12">
+            <a:extLst>
+              <a:ext uri="{FF2B5EF4-FFF2-40B4-BE49-F238E27FC236}">
+                <a16:creationId xmlns:a16="http://schemas.microsoft.com/office/drawing/2014/main" id="{DCAD9E4F-8BA1-3345-9BCB-546EC755023D}"/>
+              </a:ext>
+            </a:extLst>
+          </p:cNvPr>
+          <p:cNvCxnSpPr>
+            <a:cxnSpLocks/>
+          </p:cNvCxnSpPr>
+          <p:nvPr/>
+        </p:nvCxnSpPr>
+        <p:spPr>
+          <a:xfrm flipV="1">
+            <a:off x="7100549" y="3490586"/>
+            <a:ext cx="0" cy="474125"/>
+          </a:xfrm>
+          <a:prstGeom prst="straightConnector1">
+            <a:avLst/>
+          </a:prstGeom>
+          <a:ln>
+            <a:solidFill>
+              <a:srgbClr val="FF0000"/>
+            </a:solidFill>
+            <a:tailEnd type="triangle"/>
+          </a:ln>
+        </p:spPr>
+        <p:style>
+          <a:lnRef idx="3">
+            <a:schemeClr val="accent2"/>
+          </a:lnRef>
+          <a:fillRef idx="0">
+            <a:schemeClr val="accent2"/>
+          </a:fillRef>
+          <a:effectRef idx="2">
+            <a:schemeClr val="accent2"/>
+          </a:effectRef>
+          <a:fontRef idx="minor">
+            <a:schemeClr val="tx1"/>
+          </a:fontRef>
+        </p:style>
+      </p:cxnSp>
+    </p:spTree>
+    <p:extLst>
+      <p:ext uri="{BB962C8B-B14F-4D97-AF65-F5344CB8AC3E}">
+        <p14:creationId xmlns:p14="http://schemas.microsoft.com/office/powerpoint/2010/main" val="2174086371"/>
+      </p:ext>
+    </p:extLst>
+  </p:cSld>
+  <p:clrMapOvr>
+    <a:masterClrMapping/>
+  </p:clrMapOvr>
+</p:sld>
+</file>
+
+<file path=ppt/slides/slide18.xml><?xml version="1.0" encoding="utf-8"?>
+<p:sld xmlns:a="http://schemas.openxmlformats.org/drawingml/2006/main" xmlns:r="http://schemas.openxmlformats.org/officeDocument/2006/relationships" xmlns:p="http://schemas.openxmlformats.org/presentationml/2006/main" show="0">
   <p:cSld>
     <p:spTree>
       <p:nvGrpSpPr>
@@ -6231,7 +8962,7 @@
     </p:spTree>
     <p:extLst>
       <p:ext uri="{BB962C8B-B14F-4D97-AF65-F5344CB8AC3E}">
-        <p14:creationId xmlns:p14="http://schemas.microsoft.com/office/powerpoint/2010/main" val="2174086371"/>
+        <p14:creationId xmlns:p14="http://schemas.microsoft.com/office/powerpoint/2010/main" val="2364477166"/>
       </p:ext>
     </p:extLst>
   </p:cSld>
@@ -6241,7 +8972,7 @@
 </p:sld>
 </file>
 
-<file path=ppt/slides/slide18.xml><?xml version="1.0" encoding="utf-8"?>
+<file path=ppt/slides/slide19.xml><?xml version="1.0" encoding="utf-8"?>
 <p:sld xmlns:a="http://schemas.openxmlformats.org/drawingml/2006/main" xmlns:r="http://schemas.openxmlformats.org/officeDocument/2006/relationships" xmlns:p="http://schemas.openxmlformats.org/presentationml/2006/main">
   <p:cSld>
     <p:spTree>
@@ -6330,7 +9061,121 @@
 </p:sld>
 </file>
 
-<file path=ppt/slides/slide19.xml><?xml version="1.0" encoding="utf-8"?>
+<file path=ppt/slides/slide2.xml><?xml version="1.0" encoding="utf-8"?>
+<p:sld xmlns:a="http://schemas.openxmlformats.org/drawingml/2006/main" xmlns:r="http://schemas.openxmlformats.org/officeDocument/2006/relationships" xmlns:p="http://schemas.openxmlformats.org/presentationml/2006/main">
+  <p:cSld>
+    <p:spTree>
+      <p:nvGrpSpPr>
+        <p:cNvPr id="1" name=""/>
+        <p:cNvGrpSpPr/>
+        <p:nvPr/>
+      </p:nvGrpSpPr>
+      <p:grpSpPr>
+        <a:xfrm>
+          <a:off x="0" y="0"/>
+          <a:ext cx="0" cy="0"/>
+          <a:chOff x="0" y="0"/>
+          <a:chExt cx="0" cy="0"/>
+        </a:xfrm>
+      </p:grpSpPr>
+      <p:sp>
+        <p:nvSpPr>
+          <p:cNvPr id="2" name="标题 1">
+            <a:extLst>
+              <a:ext uri="{FF2B5EF4-FFF2-40B4-BE49-F238E27FC236}">
+                <a16:creationId xmlns:a16="http://schemas.microsoft.com/office/drawing/2014/main" id="{0BE9B420-64CA-E847-A6B4-8CBBA02445CB}"/>
+              </a:ext>
+            </a:extLst>
+          </p:cNvPr>
+          <p:cNvSpPr>
+            <a:spLocks noGrp="1"/>
+          </p:cNvSpPr>
+          <p:nvPr>
+            <p:ph type="title"/>
+          </p:nvPr>
+        </p:nvSpPr>
+        <p:spPr/>
+        <p:txBody>
+          <a:bodyPr/>
+          <a:lstStyle/>
+          <a:p>
+            <a:r>
+              <a:rPr kumimoji="1" lang="en-US" altLang="zh-CN" dirty="0"/>
+              <a:t>Table of Contents</a:t>
+            </a:r>
+            <a:endParaRPr kumimoji="1" lang="zh-CN" altLang="en-US" dirty="0"/>
+          </a:p>
+        </p:txBody>
+      </p:sp>
+      <p:sp>
+        <p:nvSpPr>
+          <p:cNvPr id="3" name="内容占位符 2">
+            <a:extLst>
+              <a:ext uri="{FF2B5EF4-FFF2-40B4-BE49-F238E27FC236}">
+                <a16:creationId xmlns:a16="http://schemas.microsoft.com/office/drawing/2014/main" id="{DEA4D7F3-49CB-314E-9CDF-BE1714FE7F45}"/>
+              </a:ext>
+            </a:extLst>
+          </p:cNvPr>
+          <p:cNvSpPr>
+            <a:spLocks noGrp="1"/>
+          </p:cNvSpPr>
+          <p:nvPr>
+            <p:ph idx="1"/>
+          </p:nvPr>
+        </p:nvSpPr>
+        <p:spPr/>
+        <p:txBody>
+          <a:bodyPr/>
+          <a:lstStyle/>
+          <a:p>
+            <a:r>
+              <a:rPr kumimoji="1" lang="en-US" altLang="zh-CN" dirty="0"/>
+              <a:t>Background</a:t>
+            </a:r>
+          </a:p>
+          <a:p>
+            <a:endParaRPr kumimoji="1" lang="en-US" altLang="zh-CN" dirty="0"/>
+          </a:p>
+          <a:p>
+            <a:r>
+              <a:rPr kumimoji="1" lang="en-US" altLang="zh-CN" dirty="0"/>
+              <a:t>Deep Recurrent Model</a:t>
+            </a:r>
+          </a:p>
+          <a:p>
+            <a:endParaRPr kumimoji="1" lang="en-US" altLang="zh-CN" dirty="0"/>
+          </a:p>
+          <a:p>
+            <a:r>
+              <a:rPr kumimoji="1" lang="en-US" altLang="zh-CN" dirty="0"/>
+              <a:t>Loss Functions</a:t>
+            </a:r>
+          </a:p>
+          <a:p>
+            <a:endParaRPr kumimoji="1" lang="en-US" altLang="zh-CN" dirty="0"/>
+          </a:p>
+          <a:p>
+            <a:r>
+              <a:rPr kumimoji="1" lang="en-US" altLang="zh-CN" dirty="0"/>
+              <a:t>Experiments</a:t>
+            </a:r>
+          </a:p>
+        </p:txBody>
+      </p:sp>
+    </p:spTree>
+    <p:extLst>
+      <p:ext uri="{BB962C8B-B14F-4D97-AF65-F5344CB8AC3E}">
+        <p14:creationId xmlns:p14="http://schemas.microsoft.com/office/powerpoint/2010/main" val="1033174952"/>
+      </p:ext>
+    </p:extLst>
+  </p:cSld>
+  <p:clrMapOvr>
+    <a:masterClrMapping/>
+  </p:clrMapOvr>
+</p:sld>
+</file>
+
+<file path=ppt/slides/slide20.xml><?xml version="1.0" encoding="utf-8"?>
 <p:sld xmlns:a="http://schemas.openxmlformats.org/drawingml/2006/main" xmlns:r="http://schemas.openxmlformats.org/officeDocument/2006/relationships" xmlns:p="http://schemas.openxmlformats.org/presentationml/2006/main">
   <p:cSld>
     <p:spTree>
@@ -6730,121 +9575,7 @@
 </p:sld>
 </file>
 
-<file path=ppt/slides/slide2.xml><?xml version="1.0" encoding="utf-8"?>
-<p:sld xmlns:a="http://schemas.openxmlformats.org/drawingml/2006/main" xmlns:r="http://schemas.openxmlformats.org/officeDocument/2006/relationships" xmlns:p="http://schemas.openxmlformats.org/presentationml/2006/main">
-  <p:cSld>
-    <p:spTree>
-      <p:nvGrpSpPr>
-        <p:cNvPr id="1" name=""/>
-        <p:cNvGrpSpPr/>
-        <p:nvPr/>
-      </p:nvGrpSpPr>
-      <p:grpSpPr>
-        <a:xfrm>
-          <a:off x="0" y="0"/>
-          <a:ext cx="0" cy="0"/>
-          <a:chOff x="0" y="0"/>
-          <a:chExt cx="0" cy="0"/>
-        </a:xfrm>
-      </p:grpSpPr>
-      <p:sp>
-        <p:nvSpPr>
-          <p:cNvPr id="2" name="标题 1">
-            <a:extLst>
-              <a:ext uri="{FF2B5EF4-FFF2-40B4-BE49-F238E27FC236}">
-                <a16:creationId xmlns:a16="http://schemas.microsoft.com/office/drawing/2014/main" id="{0BE9B420-64CA-E847-A6B4-8CBBA02445CB}"/>
-              </a:ext>
-            </a:extLst>
-          </p:cNvPr>
-          <p:cNvSpPr>
-            <a:spLocks noGrp="1"/>
-          </p:cNvSpPr>
-          <p:nvPr>
-            <p:ph type="title"/>
-          </p:nvPr>
-        </p:nvSpPr>
-        <p:spPr/>
-        <p:txBody>
-          <a:bodyPr/>
-          <a:lstStyle/>
-          <a:p>
-            <a:r>
-              <a:rPr kumimoji="1" lang="en-US" altLang="zh-CN" dirty="0"/>
-              <a:t>Table of Contents</a:t>
-            </a:r>
-            <a:endParaRPr kumimoji="1" lang="zh-CN" altLang="en-US" dirty="0"/>
-          </a:p>
-        </p:txBody>
-      </p:sp>
-      <p:sp>
-        <p:nvSpPr>
-          <p:cNvPr id="3" name="内容占位符 2">
-            <a:extLst>
-              <a:ext uri="{FF2B5EF4-FFF2-40B4-BE49-F238E27FC236}">
-                <a16:creationId xmlns:a16="http://schemas.microsoft.com/office/drawing/2014/main" id="{DEA4D7F3-49CB-314E-9CDF-BE1714FE7F45}"/>
-              </a:ext>
-            </a:extLst>
-          </p:cNvPr>
-          <p:cNvSpPr>
-            <a:spLocks noGrp="1"/>
-          </p:cNvSpPr>
-          <p:nvPr>
-            <p:ph idx="1"/>
-          </p:nvPr>
-        </p:nvSpPr>
-        <p:spPr/>
-        <p:txBody>
-          <a:bodyPr/>
-          <a:lstStyle/>
-          <a:p>
-            <a:r>
-              <a:rPr kumimoji="1" lang="en-US" altLang="zh-CN" dirty="0"/>
-              <a:t>Background</a:t>
-            </a:r>
-          </a:p>
-          <a:p>
-            <a:endParaRPr kumimoji="1" lang="en-US" altLang="zh-CN" dirty="0"/>
-          </a:p>
-          <a:p>
-            <a:r>
-              <a:rPr kumimoji="1" lang="en-US" altLang="zh-CN" dirty="0"/>
-              <a:t>Deep Recurrent Model</a:t>
-            </a:r>
-          </a:p>
-          <a:p>
-            <a:endParaRPr kumimoji="1" lang="en-US" altLang="zh-CN" dirty="0"/>
-          </a:p>
-          <a:p>
-            <a:r>
-              <a:rPr kumimoji="1" lang="en-US" altLang="zh-CN" dirty="0"/>
-              <a:t>Loss Functions</a:t>
-            </a:r>
-          </a:p>
-          <a:p>
-            <a:endParaRPr kumimoji="1" lang="en-US" altLang="zh-CN" dirty="0"/>
-          </a:p>
-          <a:p>
-            <a:r>
-              <a:rPr kumimoji="1" lang="en-US" altLang="zh-CN" dirty="0"/>
-              <a:t>Experiments</a:t>
-            </a:r>
-          </a:p>
-        </p:txBody>
-      </p:sp>
-    </p:spTree>
-    <p:extLst>
-      <p:ext uri="{BB962C8B-B14F-4D97-AF65-F5344CB8AC3E}">
-        <p14:creationId xmlns:p14="http://schemas.microsoft.com/office/powerpoint/2010/main" val="1033174952"/>
-      </p:ext>
-    </p:extLst>
-  </p:cSld>
-  <p:clrMapOvr>
-    <a:masterClrMapping/>
-  </p:clrMapOvr>
-</p:sld>
-</file>
-
-<file path=ppt/slides/slide20.xml><?xml version="1.0" encoding="utf-8"?>
+<file path=ppt/slides/slide21.xml><?xml version="1.0" encoding="utf-8"?>
 <p:sld xmlns:a="http://schemas.openxmlformats.org/drawingml/2006/main" xmlns:r="http://schemas.openxmlformats.org/officeDocument/2006/relationships" xmlns:p="http://schemas.openxmlformats.org/presentationml/2006/main">
   <p:cSld>
     <p:spTree>
@@ -7029,7 +9760,7 @@
 </p:sld>
 </file>
 
-<file path=ppt/slides/slide21.xml><?xml version="1.0" encoding="utf-8"?>
+<file path=ppt/slides/slide22.xml><?xml version="1.0" encoding="utf-8"?>
 <p:sld xmlns:a="http://schemas.openxmlformats.org/drawingml/2006/main" xmlns:r="http://schemas.openxmlformats.org/officeDocument/2006/relationships" xmlns:p="http://schemas.openxmlformats.org/presentationml/2006/main">
   <p:cSld>
     <p:spTree>
@@ -7248,7 +9979,7 @@
 </p:sld>
 </file>
 
-<file path=ppt/slides/slide22.xml><?xml version="1.0" encoding="utf-8"?>
+<file path=ppt/slides/slide23.xml><?xml version="1.0" encoding="utf-8"?>
 <p:sld xmlns:a="http://schemas.openxmlformats.org/drawingml/2006/main" xmlns:r="http://schemas.openxmlformats.org/officeDocument/2006/relationships" xmlns:p="http://schemas.openxmlformats.org/presentationml/2006/main">
   <p:cSld>
     <p:spTree>
@@ -7492,7 +10223,7 @@
 </p:sld>
 </file>
 
-<file path=ppt/slides/slide23.xml><?xml version="1.0" encoding="utf-8"?>
+<file path=ppt/slides/slide24.xml><?xml version="1.0" encoding="utf-8"?>
 <p:sld xmlns:a="http://schemas.openxmlformats.org/drawingml/2006/main" xmlns:r="http://schemas.openxmlformats.org/officeDocument/2006/relationships" xmlns:p="http://schemas.openxmlformats.org/presentationml/2006/main">
   <p:cSld>
     <p:spTree>
@@ -8173,7 +10904,7 @@
 </p:sld>
 </file>
 
-<file path=ppt/slides/slide24.xml><?xml version="1.0" encoding="utf-8"?>
+<file path=ppt/slides/slide25.xml><?xml version="1.0" encoding="utf-8"?>
 <p:sld xmlns:a="http://schemas.openxmlformats.org/drawingml/2006/main" xmlns:r="http://schemas.openxmlformats.org/officeDocument/2006/relationships" xmlns:p="http://schemas.openxmlformats.org/presentationml/2006/main">
   <p:cSld>
     <p:spTree>
@@ -8726,7 +11457,7 @@
 </p:sld>
 </file>
 
-<file path=ppt/slides/slide25.xml><?xml version="1.0" encoding="utf-8"?>
+<file path=ppt/slides/slide26.xml><?xml version="1.0" encoding="utf-8"?>
 <p:sld xmlns:a="http://schemas.openxmlformats.org/drawingml/2006/main" xmlns:r="http://schemas.openxmlformats.org/officeDocument/2006/relationships" xmlns:p="http://schemas.openxmlformats.org/presentationml/2006/main">
   <p:cSld>
     <p:spTree>
@@ -9391,7 +12122,7 @@
 </p:sld>
 </file>
 
-<file path=ppt/slides/slide26.xml><?xml version="1.0" encoding="utf-8"?>
+<file path=ppt/slides/slide27.xml><?xml version="1.0" encoding="utf-8"?>
 <p:sld xmlns:a="http://schemas.openxmlformats.org/drawingml/2006/main" xmlns:r="http://schemas.openxmlformats.org/officeDocument/2006/relationships" xmlns:p="http://schemas.openxmlformats.org/presentationml/2006/main">
   <p:cSld>
     <p:spTree>
@@ -9737,7 +12468,7 @@
 </p:sld>
 </file>
 
-<file path=ppt/slides/slide27.xml><?xml version="1.0" encoding="utf-8"?>
+<file path=ppt/slides/slide28.xml><?xml version="1.0" encoding="utf-8"?>
 <p:sld xmlns:a="http://schemas.openxmlformats.org/drawingml/2006/main" xmlns:r="http://schemas.openxmlformats.org/officeDocument/2006/relationships" xmlns:p="http://schemas.openxmlformats.org/presentationml/2006/main">
   <p:cSld>
     <p:spTree>
@@ -10310,7 +13041,7 @@
 </p:sld>
 </file>
 
-<file path=ppt/slides/slide28.xml><?xml version="1.0" encoding="utf-8"?>
+<file path=ppt/slides/slide29.xml><?xml version="1.0" encoding="utf-8"?>
 <p:sld xmlns:a="http://schemas.openxmlformats.org/drawingml/2006/main" xmlns:r="http://schemas.openxmlformats.org/officeDocument/2006/relationships" xmlns:p="http://schemas.openxmlformats.org/presentationml/2006/main">
   <p:cSld>
     <p:spTree>
@@ -10809,112 +13540,6 @@
     <p:extLst>
       <p:ext uri="{BB962C8B-B14F-4D97-AF65-F5344CB8AC3E}">
         <p14:creationId xmlns:p14="http://schemas.microsoft.com/office/powerpoint/2010/main" val="185362274"/>
-      </p:ext>
-    </p:extLst>
-  </p:cSld>
-  <p:clrMapOvr>
-    <a:masterClrMapping/>
-  </p:clrMapOvr>
-</p:sld>
-</file>
-
-<file path=ppt/slides/slide29.xml><?xml version="1.0" encoding="utf-8"?>
-<p:sld xmlns:a="http://schemas.openxmlformats.org/drawingml/2006/main" xmlns:r="http://schemas.openxmlformats.org/officeDocument/2006/relationships" xmlns:p="http://schemas.openxmlformats.org/presentationml/2006/main">
-  <p:cSld>
-    <p:spTree>
-      <p:nvGrpSpPr>
-        <p:cNvPr id="1" name=""/>
-        <p:cNvGrpSpPr/>
-        <p:nvPr/>
-      </p:nvGrpSpPr>
-      <p:grpSpPr>
-        <a:xfrm>
-          <a:off x="0" y="0"/>
-          <a:ext cx="0" cy="0"/>
-          <a:chOff x="0" y="0"/>
-          <a:chExt cx="0" cy="0"/>
-        </a:xfrm>
-      </p:grpSpPr>
-      <p:sp>
-        <p:nvSpPr>
-          <p:cNvPr id="2" name="标题 1">
-            <a:extLst>
-              <a:ext uri="{FF2B5EF4-FFF2-40B4-BE49-F238E27FC236}">
-                <a16:creationId xmlns:a16="http://schemas.microsoft.com/office/drawing/2014/main" id="{A79C4D3C-D135-F04C-A8C6-D558BED20F49}"/>
-              </a:ext>
-            </a:extLst>
-          </p:cNvPr>
-          <p:cNvSpPr>
-            <a:spLocks noGrp="1"/>
-          </p:cNvSpPr>
-          <p:nvPr>
-            <p:ph type="title"/>
-          </p:nvPr>
-        </p:nvSpPr>
-        <p:spPr/>
-        <p:txBody>
-          <a:bodyPr/>
-          <a:lstStyle/>
-          <a:p>
-            <a:r>
-              <a:rPr kumimoji="1" lang="en-US" altLang="zh-CN" dirty="0"/>
-              <a:t>Experiments</a:t>
-            </a:r>
-            <a:endParaRPr kumimoji="1" lang="zh-CN" altLang="en-US" dirty="0"/>
-          </a:p>
-        </p:txBody>
-      </p:sp>
-      <p:sp>
-        <p:nvSpPr>
-          <p:cNvPr id="3" name="内容占位符 2">
-            <a:extLst>
-              <a:ext uri="{FF2B5EF4-FFF2-40B4-BE49-F238E27FC236}">
-                <a16:creationId xmlns:a16="http://schemas.microsoft.com/office/drawing/2014/main" id="{AF0EC9BA-70FD-814C-8272-0AB9DFE127FC}"/>
-              </a:ext>
-            </a:extLst>
-          </p:cNvPr>
-          <p:cNvSpPr>
-            <a:spLocks noGrp="1"/>
-          </p:cNvSpPr>
-          <p:nvPr>
-            <p:ph idx="1"/>
-          </p:nvPr>
-        </p:nvSpPr>
-        <p:spPr/>
-        <p:txBody>
-          <a:bodyPr/>
-          <a:lstStyle/>
-          <a:p>
-            <a:r>
-              <a:rPr kumimoji="1" lang="en-US" altLang="zh-CN" dirty="0"/>
-              <a:t>3 real-world large-scale datasets</a:t>
-            </a:r>
-          </a:p>
-          <a:p>
-            <a:endParaRPr kumimoji="1" lang="en-US" altLang="zh-CN" dirty="0"/>
-          </a:p>
-          <a:p>
-            <a:r>
-              <a:rPr kumimoji="1" lang="en-US" altLang="zh-CN" dirty="0"/>
-              <a:t>2 evaluation metrics</a:t>
-            </a:r>
-          </a:p>
-          <a:p>
-            <a:endParaRPr kumimoji="1" lang="en-US" altLang="zh-CN" dirty="0"/>
-          </a:p>
-          <a:p>
-            <a:r>
-              <a:rPr kumimoji="1" lang="en-US" altLang="zh-CN" dirty="0"/>
-              <a:t>6 compared baseline models</a:t>
-            </a:r>
-            <a:endParaRPr kumimoji="1" lang="zh-CN" altLang="en-US" dirty="0"/>
-          </a:p>
-        </p:txBody>
-      </p:sp>
-    </p:spTree>
-    <p:extLst>
-      <p:ext uri="{BB962C8B-B14F-4D97-AF65-F5344CB8AC3E}">
-        <p14:creationId xmlns:p14="http://schemas.microsoft.com/office/powerpoint/2010/main" val="1827106145"/>
       </p:ext>
     </p:extLst>
   </p:cSld>
@@ -11432,6 +14057,112 @@
           <a:p>
             <a:r>
               <a:rPr kumimoji="1" lang="en-US" altLang="zh-CN" dirty="0"/>
+              <a:t>Experiments</a:t>
+            </a:r>
+            <a:endParaRPr kumimoji="1" lang="zh-CN" altLang="en-US" dirty="0"/>
+          </a:p>
+        </p:txBody>
+      </p:sp>
+      <p:sp>
+        <p:nvSpPr>
+          <p:cNvPr id="3" name="内容占位符 2">
+            <a:extLst>
+              <a:ext uri="{FF2B5EF4-FFF2-40B4-BE49-F238E27FC236}">
+                <a16:creationId xmlns:a16="http://schemas.microsoft.com/office/drawing/2014/main" id="{AF0EC9BA-70FD-814C-8272-0AB9DFE127FC}"/>
+              </a:ext>
+            </a:extLst>
+          </p:cNvPr>
+          <p:cNvSpPr>
+            <a:spLocks noGrp="1"/>
+          </p:cNvSpPr>
+          <p:nvPr>
+            <p:ph idx="1"/>
+          </p:nvPr>
+        </p:nvSpPr>
+        <p:spPr/>
+        <p:txBody>
+          <a:bodyPr/>
+          <a:lstStyle/>
+          <a:p>
+            <a:r>
+              <a:rPr kumimoji="1" lang="en-US" altLang="zh-CN" dirty="0"/>
+              <a:t>3 real-world large-scale datasets</a:t>
+            </a:r>
+          </a:p>
+          <a:p>
+            <a:endParaRPr kumimoji="1" lang="en-US" altLang="zh-CN" dirty="0"/>
+          </a:p>
+          <a:p>
+            <a:r>
+              <a:rPr kumimoji="1" lang="en-US" altLang="zh-CN" dirty="0"/>
+              <a:t>2 evaluation metrics</a:t>
+            </a:r>
+          </a:p>
+          <a:p>
+            <a:endParaRPr kumimoji="1" lang="en-US" altLang="zh-CN" dirty="0"/>
+          </a:p>
+          <a:p>
+            <a:r>
+              <a:rPr kumimoji="1" lang="en-US" altLang="zh-CN" dirty="0"/>
+              <a:t>6 compared baseline models</a:t>
+            </a:r>
+            <a:endParaRPr kumimoji="1" lang="zh-CN" altLang="en-US" dirty="0"/>
+          </a:p>
+        </p:txBody>
+      </p:sp>
+    </p:spTree>
+    <p:extLst>
+      <p:ext uri="{BB962C8B-B14F-4D97-AF65-F5344CB8AC3E}">
+        <p14:creationId xmlns:p14="http://schemas.microsoft.com/office/powerpoint/2010/main" val="1827106145"/>
+      </p:ext>
+    </p:extLst>
+  </p:cSld>
+  <p:clrMapOvr>
+    <a:masterClrMapping/>
+  </p:clrMapOvr>
+</p:sld>
+</file>
+
+<file path=ppt/slides/slide31.xml><?xml version="1.0" encoding="utf-8"?>
+<p:sld xmlns:a="http://schemas.openxmlformats.org/drawingml/2006/main" xmlns:r="http://schemas.openxmlformats.org/officeDocument/2006/relationships" xmlns:p="http://schemas.openxmlformats.org/presentationml/2006/main">
+  <p:cSld>
+    <p:spTree>
+      <p:nvGrpSpPr>
+        <p:cNvPr id="1" name=""/>
+        <p:cNvGrpSpPr/>
+        <p:nvPr/>
+      </p:nvGrpSpPr>
+      <p:grpSpPr>
+        <a:xfrm>
+          <a:off x="0" y="0"/>
+          <a:ext cx="0" cy="0"/>
+          <a:chOff x="0" y="0"/>
+          <a:chExt cx="0" cy="0"/>
+        </a:xfrm>
+      </p:grpSpPr>
+      <p:sp>
+        <p:nvSpPr>
+          <p:cNvPr id="2" name="标题 1">
+            <a:extLst>
+              <a:ext uri="{FF2B5EF4-FFF2-40B4-BE49-F238E27FC236}">
+                <a16:creationId xmlns:a16="http://schemas.microsoft.com/office/drawing/2014/main" id="{A79C4D3C-D135-F04C-A8C6-D558BED20F49}"/>
+              </a:ext>
+            </a:extLst>
+          </p:cNvPr>
+          <p:cNvSpPr>
+            <a:spLocks noGrp="1"/>
+          </p:cNvSpPr>
+          <p:nvPr>
+            <p:ph type="title"/>
+          </p:nvPr>
+        </p:nvSpPr>
+        <p:spPr/>
+        <p:txBody>
+          <a:bodyPr/>
+          <a:lstStyle/>
+          <a:p>
+            <a:r>
+              <a:rPr kumimoji="1" lang="en-US" altLang="zh-CN" dirty="0"/>
               <a:t>Datasets</a:t>
             </a:r>
             <a:endParaRPr kumimoji="1" lang="zh-CN" altLang="en-US" dirty="0"/>
@@ -11551,7 +14282,7 @@
 </p:sld>
 </file>
 
-<file path=ppt/slides/slide31.xml><?xml version="1.0" encoding="utf-8"?>
+<file path=ppt/slides/slide32.xml><?xml version="1.0" encoding="utf-8"?>
 <p:sld xmlns:a="http://schemas.openxmlformats.org/drawingml/2006/main" xmlns:r="http://schemas.openxmlformats.org/officeDocument/2006/relationships" xmlns:p="http://schemas.openxmlformats.org/presentationml/2006/main">
   <p:cSld>
     <p:spTree>
@@ -11736,7 +14467,7 @@
 </p:sld>
 </file>
 
-<file path=ppt/slides/slide32.xml><?xml version="1.0" encoding="utf-8"?>
+<file path=ppt/slides/slide33.xml><?xml version="1.0" encoding="utf-8"?>
 <p:sld xmlns:a="http://schemas.openxmlformats.org/drawingml/2006/main" xmlns:r="http://schemas.openxmlformats.org/officeDocument/2006/relationships" xmlns:p="http://schemas.openxmlformats.org/presentationml/2006/main">
   <p:cSld>
     <p:spTree>
@@ -11881,7 +14612,7 @@
 </p:sld>
 </file>
 
-<file path=ppt/slides/slide33.xml><?xml version="1.0" encoding="utf-8"?>
+<file path=ppt/slides/slide34.xml><?xml version="1.0" encoding="utf-8"?>
 <p:sld xmlns:a="http://schemas.openxmlformats.org/drawingml/2006/main" xmlns:r="http://schemas.openxmlformats.org/officeDocument/2006/relationships" xmlns:p="http://schemas.openxmlformats.org/presentationml/2006/main">
   <p:cSld>
     <p:spTree>
@@ -11980,7 +14711,7 @@
 </p:sld>
 </file>
 
-<file path=ppt/slides/slide34.xml><?xml version="1.0" encoding="utf-8"?>
+<file path=ppt/slides/slide35.xml><?xml version="1.0" encoding="utf-8"?>
 <p:sld xmlns:a="http://schemas.openxmlformats.org/drawingml/2006/main" xmlns:r="http://schemas.openxmlformats.org/officeDocument/2006/relationships" xmlns:p="http://schemas.openxmlformats.org/presentationml/2006/main">
   <p:cSld>
     <p:spTree>
@@ -12082,7 +14813,7 @@
 </p:sld>
 </file>
 
-<file path=ppt/slides/slide35.xml><?xml version="1.0" encoding="utf-8"?>
+<file path=ppt/slides/slide36.xml><?xml version="1.0" encoding="utf-8"?>
 <p:sld xmlns:a="http://schemas.openxmlformats.org/drawingml/2006/main" xmlns:r="http://schemas.openxmlformats.org/officeDocument/2006/relationships" xmlns:p="http://schemas.openxmlformats.org/presentationml/2006/main" show="0">
   <p:cSld>
     <p:spTree>
@@ -12173,7 +14904,7 @@
 </p:sld>
 </file>
 
-<file path=ppt/slides/slide36.xml><?xml version="1.0" encoding="utf-8"?>
+<file path=ppt/slides/slide37.xml><?xml version="1.0" encoding="utf-8"?>
 <p:sld xmlns:a="http://schemas.openxmlformats.org/drawingml/2006/main" xmlns:r="http://schemas.openxmlformats.org/officeDocument/2006/relationships" xmlns:p="http://schemas.openxmlformats.org/presentationml/2006/main">
   <p:cSld>
     <p:spTree>

--- a/deep-recurrent-survival-analysis.pptx
+++ b/deep-recurrent-survival-analysis.pptx
@@ -281,7 +281,7 @@
           <a:p>
             <a:fld id="{28FA76F6-06BC-405D-ABEC-4A7F79F52191}" type="datetimeFigureOut">
               <a:rPr lang="en-US" smtClean="0"/>
-              <a:t>1/4/19</a:t>
+              <a:t>1/29/19</a:t>
             </a:fld>
             <a:endParaRPr lang="en-US"/>
           </a:p>
@@ -583,7 +583,7 @@
           <a:p>
             <a:fld id="{28FA76F6-06BC-405D-ABEC-4A7F79F52191}" type="datetimeFigureOut">
               <a:rPr lang="en-US" smtClean="0"/>
-              <a:t>1/4/19</a:t>
+              <a:t>1/29/19</a:t>
             </a:fld>
             <a:endParaRPr lang="en-US"/>
           </a:p>
@@ -852,7 +852,7 @@
           <a:p>
             <a:fld id="{28FA76F6-06BC-405D-ABEC-4A7F79F52191}" type="datetimeFigureOut">
               <a:rPr lang="en-US" smtClean="0"/>
-              <a:t>1/4/19</a:t>
+              <a:t>1/29/19</a:t>
             </a:fld>
             <a:endParaRPr lang="en-US"/>
           </a:p>
@@ -1088,7 +1088,7 @@
           <a:p>
             <a:fld id="{28FA76F6-06BC-405D-ABEC-4A7F79F52191}" type="datetimeFigureOut">
               <a:rPr lang="en-US" smtClean="0"/>
-              <a:t>1/4/19</a:t>
+              <a:t>1/29/19</a:t>
             </a:fld>
             <a:endParaRPr lang="en-US"/>
           </a:p>
@@ -1480,7 +1480,7 @@
           <a:p>
             <a:fld id="{28FA76F6-06BC-405D-ABEC-4A7F79F52191}" type="datetimeFigureOut">
               <a:rPr lang="en-US" smtClean="0"/>
-              <a:t>1/4/19</a:t>
+              <a:t>1/29/19</a:t>
             </a:fld>
             <a:endParaRPr lang="en-US"/>
           </a:p>
@@ -1623,7 +1623,7 @@
           <a:p>
             <a:fld id="{28FA76F6-06BC-405D-ABEC-4A7F79F52191}" type="datetimeFigureOut">
               <a:rPr lang="en-US" smtClean="0"/>
-              <a:t>1/4/19</a:t>
+              <a:t>1/29/19</a:t>
             </a:fld>
             <a:endParaRPr lang="en-US"/>
           </a:p>
@@ -1739,7 +1739,7 @@
           <a:p>
             <a:fld id="{28FA76F6-06BC-405D-ABEC-4A7F79F52191}" type="datetimeFigureOut">
               <a:rPr lang="en-US" smtClean="0"/>
-              <a:t>1/4/19</a:t>
+              <a:t>1/29/19</a:t>
             </a:fld>
             <a:endParaRPr lang="en-US"/>
           </a:p>
@@ -2037,7 +2037,7 @@
           <a:p>
             <a:fld id="{28FA76F6-06BC-405D-ABEC-4A7F79F52191}" type="datetimeFigureOut">
               <a:rPr lang="en-US" smtClean="0"/>
-              <a:t>1/4/19</a:t>
+              <a:t>1/29/19</a:t>
             </a:fld>
             <a:endParaRPr lang="en-US"/>
           </a:p>
@@ -2367,7 +2367,7 @@
             <a:fld id="{28FA76F6-06BC-405D-ABEC-4A7F79F52191}" type="datetimeFigureOut">
               <a:rPr lang="en-US" smtClean="0"/>
               <a:pPr/>
-              <a:t>1/4/19</a:t>
+              <a:t>1/29/19</a:t>
             </a:fld>
             <a:endParaRPr lang="en-US"/>
           </a:p>
@@ -4499,8 +4499,8 @@
           </a:p>
         </p:txBody>
       </p:sp>
-      <mc:AlternateContent xmlns:mc="http://schemas.openxmlformats.org/markup-compatibility/2006">
-        <mc:Choice xmlns:a14="http://schemas.microsoft.com/office/drawing/2010/main" Requires="a14">
+      <mc:AlternateContent xmlns:mc="http://schemas.openxmlformats.org/markup-compatibility/2006" xmlns:a14="http://schemas.microsoft.com/office/drawing/2010/main">
+        <mc:Choice Requires="a14">
           <p:sp>
             <p:nvSpPr>
               <p:cNvPr id="3" name="内容占位符 2">
@@ -5084,7 +5084,6 @@
                 </a:r>
               </a:p>
               <a:p>
-                <a:pPr/>
                 <a14:m>
                   <m:oMath xmlns:m="http://schemas.openxmlformats.org/officeDocument/2006/math">
                     <m:sSub>
@@ -5624,7 +5623,7 @@
             </p:txBody>
           </p:sp>
         </mc:Choice>
-        <mc:Fallback>
+        <mc:Fallback xmlns="">
           <p:sp>
             <p:nvSpPr>
               <p:cNvPr id="3" name="内容占位符 2">
@@ -5694,8 +5693,8 @@
           <a:chExt cx="0" cy="0"/>
         </a:xfrm>
       </p:grpSpPr>
-      <mc:AlternateContent xmlns:mc="http://schemas.openxmlformats.org/markup-compatibility/2006">
-        <mc:Choice xmlns:a14="http://schemas.microsoft.com/office/drawing/2010/main" Requires="a14">
+      <mc:AlternateContent xmlns:mc="http://schemas.openxmlformats.org/markup-compatibility/2006" xmlns:a14="http://schemas.microsoft.com/office/drawing/2010/main">
+        <mc:Choice Requires="a14">
           <p:sp>
             <p:nvSpPr>
               <p:cNvPr id="4" name="内容占位符 3">
@@ -7381,7 +7380,7 @@
             </p:txBody>
           </p:sp>
         </mc:Choice>
-        <mc:Fallback>
+        <mc:Fallback xmlns="">
           <p:sp>
             <p:nvSpPr>
               <p:cNvPr id="4" name="内容占位符 3">
@@ -7467,8 +7466,8 @@
           </a:p>
         </p:txBody>
       </p:sp>
-      <mc:AlternateContent xmlns:mc="http://schemas.openxmlformats.org/markup-compatibility/2006">
-        <mc:Choice xmlns:a14="http://schemas.microsoft.com/office/drawing/2010/main" Requires="a14">
+      <mc:AlternateContent xmlns:mc="http://schemas.openxmlformats.org/markup-compatibility/2006" xmlns:a14="http://schemas.microsoft.com/office/drawing/2010/main">
+        <mc:Choice Requires="a14">
           <p:sp>
             <p:nvSpPr>
               <p:cNvPr id="7" name="文本框 6">
@@ -7985,7 +7984,7 @@
             </p:txBody>
           </p:sp>
         </mc:Choice>
-        <mc:Fallback>
+        <mc:Fallback xmlns="">
           <p:sp>
             <p:nvSpPr>
               <p:cNvPr id="7" name="文本框 6">
@@ -16352,8 +16351,8 @@
           </a:p>
         </p:txBody>
       </p:sp>
-      <mc:AlternateContent xmlns:mc="http://schemas.openxmlformats.org/markup-compatibility/2006" xmlns:a14="http://schemas.microsoft.com/office/drawing/2010/main">
-        <mc:Choice Requires="a14">
+      <mc:AlternateContent xmlns:mc="http://schemas.openxmlformats.org/markup-compatibility/2006">
+        <mc:Choice xmlns:a14="http://schemas.microsoft.com/office/drawing/2010/main" Requires="a14">
           <p:sp>
             <p:nvSpPr>
               <p:cNvPr id="3" name="内容占位符 2">
@@ -16451,7 +16450,7 @@
                 <a14:m>
                   <m:oMath xmlns:m="http://schemas.openxmlformats.org/officeDocument/2006/math">
                     <m:r>
-                      <a:rPr kumimoji="1" lang="en-US" altLang="zh-CN" i="1">
+                      <a:rPr kumimoji="1" lang="en-US" altLang="zh-CN" i="1" smtClean="0">
                         <a:latin typeface="Cambria Math" panose="02040503050406030204" pitchFamily="18" charset="0"/>
                       </a:rPr>
                       <m:t>𝑡</m:t>
@@ -16460,7 +16459,7 @@
                       <a:rPr kumimoji="1" lang="en-US" altLang="zh-CN" b="0" i="1" smtClean="0">
                         <a:latin typeface="Cambria Math" panose="02040503050406030204" pitchFamily="18" charset="0"/>
                       </a:rPr>
-                      <m:t>&gt;</m:t>
+                      <m:t>&lt;</m:t>
                     </m:r>
                     <m:r>
                       <a:rPr kumimoji="1" lang="en-US" altLang="zh-CN" b="0" i="1" smtClean="0">
@@ -16490,7 +16489,7 @@
                       <a:rPr kumimoji="1" lang="en-US" altLang="zh-CN" b="0" i="1" smtClean="0">
                         <a:latin typeface="Cambria Math" panose="02040503050406030204" pitchFamily="18" charset="0"/>
                       </a:rPr>
-                      <m:t>&lt;</m:t>
+                      <m:t>&gt;</m:t>
                     </m:r>
                     <m:r>
                       <a:rPr kumimoji="1" lang="en-US" altLang="zh-CN" i="1">
@@ -16606,7 +16605,7 @@
             </p:txBody>
           </p:sp>
         </mc:Choice>
-        <mc:Fallback xmlns="">
+        <mc:Fallback>
           <p:sp>
             <p:nvSpPr>
               <p:cNvPr id="3" name="内容占位符 2">

--- a/deep-recurrent-survival-analysis.pptx
+++ b/deep-recurrent-survival-analysis.pptx
@@ -4,6 +4,9 @@
   <p:sldMasterIdLst>
     <p:sldMasterId id="2147483648" r:id="rId1"/>
   </p:sldMasterIdLst>
+  <p:notesMasterIdLst>
+    <p:notesMasterId r:id="rId39"/>
+  </p:notesMasterIdLst>
   <p:sldIdLst>
     <p:sldId id="256" r:id="rId2"/>
     <p:sldId id="257" r:id="rId3"/>
@@ -146,6 +149,704 @@
     </p:ext>
   </p:extLst>
 </p:presentation>
+</file>
+
+<file path=ppt/notesMasters/notesMaster1.xml><?xml version="1.0" encoding="utf-8"?>
+<p:notesMaster xmlns:a="http://schemas.openxmlformats.org/drawingml/2006/main" xmlns:r="http://schemas.openxmlformats.org/officeDocument/2006/relationships" xmlns:p="http://schemas.openxmlformats.org/presentationml/2006/main">
+  <p:cSld>
+    <p:bg>
+      <p:bgRef idx="1001">
+        <a:schemeClr val="bg1"/>
+      </p:bgRef>
+    </p:bg>
+    <p:spTree>
+      <p:nvGrpSpPr>
+        <p:cNvPr id="1" name=""/>
+        <p:cNvGrpSpPr/>
+        <p:nvPr/>
+      </p:nvGrpSpPr>
+      <p:grpSpPr>
+        <a:xfrm>
+          <a:off x="0" y="0"/>
+          <a:ext cx="0" cy="0"/>
+          <a:chOff x="0" y="0"/>
+          <a:chExt cx="0" cy="0"/>
+        </a:xfrm>
+      </p:grpSpPr>
+      <p:sp>
+        <p:nvSpPr>
+          <p:cNvPr id="2" name="页眉占位符 1"/>
+          <p:cNvSpPr>
+            <a:spLocks noGrp="1"/>
+          </p:cNvSpPr>
+          <p:nvPr>
+            <p:ph type="hdr" sz="quarter"/>
+          </p:nvPr>
+        </p:nvSpPr>
+        <p:spPr>
+          <a:xfrm>
+            <a:off x="0" y="0"/>
+            <a:ext cx="2971800" cy="458788"/>
+          </a:xfrm>
+          <a:prstGeom prst="rect">
+            <a:avLst/>
+          </a:prstGeom>
+        </p:spPr>
+        <p:txBody>
+          <a:bodyPr vert="horz" lIns="91440" tIns="45720" rIns="91440" bIns="45720" rtlCol="0"/>
+          <a:lstStyle>
+            <a:lvl1pPr algn="l">
+              <a:defRPr sz="1200"/>
+            </a:lvl1pPr>
+          </a:lstStyle>
+          <a:p>
+            <a:endParaRPr kumimoji="1" lang="zh-CN" altLang="en-US"/>
+          </a:p>
+        </p:txBody>
+      </p:sp>
+      <p:sp>
+        <p:nvSpPr>
+          <p:cNvPr id="3" name="日期占位符 2"/>
+          <p:cNvSpPr>
+            <a:spLocks noGrp="1"/>
+          </p:cNvSpPr>
+          <p:nvPr>
+            <p:ph type="dt" idx="1"/>
+          </p:nvPr>
+        </p:nvSpPr>
+        <p:spPr>
+          <a:xfrm>
+            <a:off x="3884613" y="0"/>
+            <a:ext cx="2971800" cy="458788"/>
+          </a:xfrm>
+          <a:prstGeom prst="rect">
+            <a:avLst/>
+          </a:prstGeom>
+        </p:spPr>
+        <p:txBody>
+          <a:bodyPr vert="horz" lIns="91440" tIns="45720" rIns="91440" bIns="45720" rtlCol="0"/>
+          <a:lstStyle>
+            <a:lvl1pPr algn="r">
+              <a:defRPr sz="1200"/>
+            </a:lvl1pPr>
+          </a:lstStyle>
+          <a:p>
+            <a:fld id="{0097ED00-AF41-0744-9EC7-50613C5E5700}" type="datetimeFigureOut">
+              <a:rPr kumimoji="1" lang="zh-CN" altLang="en-US" smtClean="0"/>
+              <a:t>2019/1/29</a:t>
+            </a:fld>
+            <a:endParaRPr kumimoji="1" lang="zh-CN" altLang="en-US"/>
+          </a:p>
+        </p:txBody>
+      </p:sp>
+      <p:sp>
+        <p:nvSpPr>
+          <p:cNvPr id="4" name="幻灯片图像占位符 3"/>
+          <p:cNvSpPr>
+            <a:spLocks noGrp="1" noRot="1" noChangeAspect="1"/>
+          </p:cNvSpPr>
+          <p:nvPr>
+            <p:ph type="sldImg" idx="2"/>
+          </p:nvPr>
+        </p:nvSpPr>
+        <p:spPr>
+          <a:xfrm>
+            <a:off x="1371600" y="1143000"/>
+            <a:ext cx="4114800" cy="3086100"/>
+          </a:xfrm>
+          <a:prstGeom prst="rect">
+            <a:avLst/>
+          </a:prstGeom>
+          <a:noFill/>
+          <a:ln w="12700">
+            <a:solidFill>
+              <a:prstClr val="black"/>
+            </a:solidFill>
+          </a:ln>
+        </p:spPr>
+        <p:txBody>
+          <a:bodyPr vert="horz" lIns="91440" tIns="45720" rIns="91440" bIns="45720" rtlCol="0" anchor="ctr"/>
+          <a:lstStyle/>
+          <a:p>
+            <a:endParaRPr lang="zh-CN" altLang="en-US"/>
+          </a:p>
+        </p:txBody>
+      </p:sp>
+      <p:sp>
+        <p:nvSpPr>
+          <p:cNvPr id="5" name="备注占位符 4"/>
+          <p:cNvSpPr>
+            <a:spLocks noGrp="1"/>
+          </p:cNvSpPr>
+          <p:nvPr>
+            <p:ph type="body" sz="quarter" idx="3"/>
+          </p:nvPr>
+        </p:nvSpPr>
+        <p:spPr>
+          <a:xfrm>
+            <a:off x="685800" y="4400550"/>
+            <a:ext cx="5486400" cy="3600450"/>
+          </a:xfrm>
+          <a:prstGeom prst="rect">
+            <a:avLst/>
+          </a:prstGeom>
+        </p:spPr>
+        <p:txBody>
+          <a:bodyPr vert="horz" lIns="91440" tIns="45720" rIns="91440" bIns="45720" rtlCol="0"/>
+          <a:lstStyle/>
+          <a:p>
+            <a:r>
+              <a:rPr kumimoji="1" lang="zh-CN" altLang="en-US"/>
+              <a:t>编辑母版文本样式
+第二级
+第三级
+第四级
+第五级</a:t>
+            </a:r>
+          </a:p>
+        </p:txBody>
+      </p:sp>
+      <p:sp>
+        <p:nvSpPr>
+          <p:cNvPr id="6" name="页脚占位符 5"/>
+          <p:cNvSpPr>
+            <a:spLocks noGrp="1"/>
+          </p:cNvSpPr>
+          <p:nvPr>
+            <p:ph type="ftr" sz="quarter" idx="4"/>
+          </p:nvPr>
+        </p:nvSpPr>
+        <p:spPr>
+          <a:xfrm>
+            <a:off x="0" y="8685213"/>
+            <a:ext cx="2971800" cy="458787"/>
+          </a:xfrm>
+          <a:prstGeom prst="rect">
+            <a:avLst/>
+          </a:prstGeom>
+        </p:spPr>
+        <p:txBody>
+          <a:bodyPr vert="horz" lIns="91440" tIns="45720" rIns="91440" bIns="45720" rtlCol="0" anchor="b"/>
+          <a:lstStyle>
+            <a:lvl1pPr algn="l">
+              <a:defRPr sz="1200"/>
+            </a:lvl1pPr>
+          </a:lstStyle>
+          <a:p>
+            <a:endParaRPr kumimoji="1" lang="zh-CN" altLang="en-US"/>
+          </a:p>
+        </p:txBody>
+      </p:sp>
+      <p:sp>
+        <p:nvSpPr>
+          <p:cNvPr id="7" name="灯片编号占位符 6"/>
+          <p:cNvSpPr>
+            <a:spLocks noGrp="1"/>
+          </p:cNvSpPr>
+          <p:nvPr>
+            <p:ph type="sldNum" sz="quarter" idx="5"/>
+          </p:nvPr>
+        </p:nvSpPr>
+        <p:spPr>
+          <a:xfrm>
+            <a:off x="3884613" y="8685213"/>
+            <a:ext cx="2971800" cy="458787"/>
+          </a:xfrm>
+          <a:prstGeom prst="rect">
+            <a:avLst/>
+          </a:prstGeom>
+        </p:spPr>
+        <p:txBody>
+          <a:bodyPr vert="horz" lIns="91440" tIns="45720" rIns="91440" bIns="45720" rtlCol="0" anchor="b"/>
+          <a:lstStyle>
+            <a:lvl1pPr algn="r">
+              <a:defRPr sz="1200"/>
+            </a:lvl1pPr>
+          </a:lstStyle>
+          <a:p>
+            <a:fld id="{21FDA42E-093A-A34C-8138-7572D4CFC8B2}" type="slidenum">
+              <a:rPr kumimoji="1" lang="zh-CN" altLang="en-US" smtClean="0"/>
+              <a:t>‹#›</a:t>
+            </a:fld>
+            <a:endParaRPr kumimoji="1" lang="zh-CN" altLang="en-US"/>
+          </a:p>
+        </p:txBody>
+      </p:sp>
+    </p:spTree>
+    <p:extLst>
+      <p:ext uri="{BB962C8B-B14F-4D97-AF65-F5344CB8AC3E}">
+        <p14:creationId xmlns:p14="http://schemas.microsoft.com/office/powerpoint/2010/main" val="1874506926"/>
+      </p:ext>
+    </p:extLst>
+  </p:cSld>
+  <p:clrMap bg1="lt1" tx1="dk1" bg2="lt2" tx2="dk2" accent1="accent1" accent2="accent2" accent3="accent3" accent4="accent4" accent5="accent5" accent6="accent6" hlink="hlink" folHlink="folHlink"/>
+  <p:notesStyle>
+    <a:lvl1pPr marL="0" algn="l" defTabSz="914400" rtl="0" eaLnBrk="1" latinLnBrk="0" hangingPunct="1">
+      <a:defRPr sz="1200" kern="1200">
+        <a:solidFill>
+          <a:schemeClr val="tx1"/>
+        </a:solidFill>
+        <a:latin typeface="+mn-lt"/>
+        <a:ea typeface="+mn-ea"/>
+        <a:cs typeface="+mn-cs"/>
+      </a:defRPr>
+    </a:lvl1pPr>
+    <a:lvl2pPr marL="457200" algn="l" defTabSz="914400" rtl="0" eaLnBrk="1" latinLnBrk="0" hangingPunct="1">
+      <a:defRPr sz="1200" kern="1200">
+        <a:solidFill>
+          <a:schemeClr val="tx1"/>
+        </a:solidFill>
+        <a:latin typeface="+mn-lt"/>
+        <a:ea typeface="+mn-ea"/>
+        <a:cs typeface="+mn-cs"/>
+      </a:defRPr>
+    </a:lvl2pPr>
+    <a:lvl3pPr marL="914400" algn="l" defTabSz="914400" rtl="0" eaLnBrk="1" latinLnBrk="0" hangingPunct="1">
+      <a:defRPr sz="1200" kern="1200">
+        <a:solidFill>
+          <a:schemeClr val="tx1"/>
+        </a:solidFill>
+        <a:latin typeface="+mn-lt"/>
+        <a:ea typeface="+mn-ea"/>
+        <a:cs typeface="+mn-cs"/>
+      </a:defRPr>
+    </a:lvl3pPr>
+    <a:lvl4pPr marL="1371600" algn="l" defTabSz="914400" rtl="0" eaLnBrk="1" latinLnBrk="0" hangingPunct="1">
+      <a:defRPr sz="1200" kern="1200">
+        <a:solidFill>
+          <a:schemeClr val="tx1"/>
+        </a:solidFill>
+        <a:latin typeface="+mn-lt"/>
+        <a:ea typeface="+mn-ea"/>
+        <a:cs typeface="+mn-cs"/>
+      </a:defRPr>
+    </a:lvl4pPr>
+    <a:lvl5pPr marL="1828800" algn="l" defTabSz="914400" rtl="0" eaLnBrk="1" latinLnBrk="0" hangingPunct="1">
+      <a:defRPr sz="1200" kern="1200">
+        <a:solidFill>
+          <a:schemeClr val="tx1"/>
+        </a:solidFill>
+        <a:latin typeface="+mn-lt"/>
+        <a:ea typeface="+mn-ea"/>
+        <a:cs typeface="+mn-cs"/>
+      </a:defRPr>
+    </a:lvl5pPr>
+    <a:lvl6pPr marL="2286000" algn="l" defTabSz="914400" rtl="0" eaLnBrk="1" latinLnBrk="0" hangingPunct="1">
+      <a:defRPr sz="1200" kern="1200">
+        <a:solidFill>
+          <a:schemeClr val="tx1"/>
+        </a:solidFill>
+        <a:latin typeface="+mn-lt"/>
+        <a:ea typeface="+mn-ea"/>
+        <a:cs typeface="+mn-cs"/>
+      </a:defRPr>
+    </a:lvl6pPr>
+    <a:lvl7pPr marL="2743200" algn="l" defTabSz="914400" rtl="0" eaLnBrk="1" latinLnBrk="0" hangingPunct="1">
+      <a:defRPr sz="1200" kern="1200">
+        <a:solidFill>
+          <a:schemeClr val="tx1"/>
+        </a:solidFill>
+        <a:latin typeface="+mn-lt"/>
+        <a:ea typeface="+mn-ea"/>
+        <a:cs typeface="+mn-cs"/>
+      </a:defRPr>
+    </a:lvl7pPr>
+    <a:lvl8pPr marL="3200400" algn="l" defTabSz="914400" rtl="0" eaLnBrk="1" latinLnBrk="0" hangingPunct="1">
+      <a:defRPr sz="1200" kern="1200">
+        <a:solidFill>
+          <a:schemeClr val="tx1"/>
+        </a:solidFill>
+        <a:latin typeface="+mn-lt"/>
+        <a:ea typeface="+mn-ea"/>
+        <a:cs typeface="+mn-cs"/>
+      </a:defRPr>
+    </a:lvl8pPr>
+    <a:lvl9pPr marL="3657600" algn="l" defTabSz="914400" rtl="0" eaLnBrk="1" latinLnBrk="0" hangingPunct="1">
+      <a:defRPr sz="1200" kern="1200">
+        <a:solidFill>
+          <a:schemeClr val="tx1"/>
+        </a:solidFill>
+        <a:latin typeface="+mn-lt"/>
+        <a:ea typeface="+mn-ea"/>
+        <a:cs typeface="+mn-cs"/>
+      </a:defRPr>
+    </a:lvl9pPr>
+  </p:notesStyle>
+</p:notesMaster>
+</file>
+
+<file path=ppt/notesSlides/notesSlide1.xml><?xml version="1.0" encoding="utf-8"?>
+<p:notes xmlns:a="http://schemas.openxmlformats.org/drawingml/2006/main" xmlns:r="http://schemas.openxmlformats.org/officeDocument/2006/relationships" xmlns:p="http://schemas.openxmlformats.org/presentationml/2006/main">
+  <p:cSld>
+    <p:spTree>
+      <p:nvGrpSpPr>
+        <p:cNvPr id="1" name=""/>
+        <p:cNvGrpSpPr/>
+        <p:nvPr/>
+      </p:nvGrpSpPr>
+      <p:grpSpPr>
+        <a:xfrm>
+          <a:off x="0" y="0"/>
+          <a:ext cx="0" cy="0"/>
+          <a:chOff x="0" y="0"/>
+          <a:chExt cx="0" cy="0"/>
+        </a:xfrm>
+      </p:grpSpPr>
+      <p:sp>
+        <p:nvSpPr>
+          <p:cNvPr id="2" name="幻灯片图像占位符 1"/>
+          <p:cNvSpPr>
+            <a:spLocks noGrp="1" noRot="1" noChangeAspect="1"/>
+          </p:cNvSpPr>
+          <p:nvPr>
+            <p:ph type="sldImg"/>
+          </p:nvPr>
+        </p:nvSpPr>
+        <p:spPr/>
+      </p:sp>
+      <mc:AlternateContent xmlns:mc="http://schemas.openxmlformats.org/markup-compatibility/2006">
+        <mc:Choice xmlns:a14="http://schemas.microsoft.com/office/drawing/2010/main" Requires="a14">
+          <p:sp>
+            <p:nvSpPr>
+              <p:cNvPr id="3" name="备注占位符 2"/>
+              <p:cNvSpPr>
+                <a:spLocks noGrp="1"/>
+              </p:cNvSpPr>
+              <p:nvPr>
+                <p:ph type="body" idx="1"/>
+              </p:nvPr>
+            </p:nvSpPr>
+            <p:spPr/>
+            <p:txBody>
+              <a:bodyPr/>
+              <a:lstStyle/>
+              <a:p>
+                <a14:m>
+                  <m:oMath xmlns:m="http://schemas.openxmlformats.org/officeDocument/2006/math">
+                    <m:sSub>
+                      <m:sSubPr>
+                        <m:ctrlPr>
+                          <a:rPr kumimoji="1" lang="en-US" altLang="zh-CN" b="0" i="1" smtClean="0">
+                            <a:latin typeface="Cambria Math" panose="02040503050406030204" pitchFamily="18" charset="0"/>
+                          </a:rPr>
+                        </m:ctrlPr>
+                      </m:sSubPr>
+                      <m:e>
+                        <m:r>
+                          <a:rPr kumimoji="1" lang="en-US" altLang="zh-CN" b="0" i="1" smtClean="0">
+                            <a:latin typeface="Cambria Math" panose="02040503050406030204" pitchFamily="18" charset="0"/>
+                          </a:rPr>
+                          <m:t>𝑉</m:t>
+                        </m:r>
+                      </m:e>
+                      <m:sub>
+                        <m:r>
+                          <a:rPr kumimoji="1" lang="en-US" altLang="zh-CN" b="0" i="1" smtClean="0">
+                            <a:latin typeface="Cambria Math" panose="02040503050406030204" pitchFamily="18" charset="0"/>
+                          </a:rPr>
+                          <m:t>𝑙</m:t>
+                        </m:r>
+                      </m:sub>
+                    </m:sSub>
+                  </m:oMath>
+                </a14:m>
+                <a:r>
+                  <a:rPr kumimoji="1" lang="zh-CN" altLang="en-US" dirty="0"/>
+                  <a:t> </a:t>
+                </a:r>
+                <a:r>
+                  <a:rPr kumimoji="1" lang="en-US" altLang="zh-CN" dirty="0"/>
+                  <a:t>is</a:t>
+                </a:r>
+                <a:r>
+                  <a:rPr kumimoji="1" lang="zh-CN" altLang="en-US" dirty="0"/>
+                  <a:t> </a:t>
+                </a:r>
+                <a:r>
+                  <a:rPr kumimoji="1" lang="en-US" altLang="zh-CN" dirty="0"/>
+                  <a:t>the</a:t>
+                </a:r>
+                <a:r>
+                  <a:rPr kumimoji="1" lang="zh-CN" altLang="en-US" dirty="0"/>
+                  <a:t> </a:t>
+                </a:r>
+                <a14:m>
+                  <m:oMath xmlns:m="http://schemas.openxmlformats.org/officeDocument/2006/math">
+                    <m:r>
+                      <a:rPr kumimoji="1" lang="en-US" altLang="zh-CN" b="0" i="1" smtClean="0">
+                        <a:latin typeface="Cambria Math" panose="02040503050406030204" pitchFamily="18" charset="0"/>
+                      </a:rPr>
+                      <m:t>𝑙</m:t>
+                    </m:r>
+                  </m:oMath>
+                </a14:m>
+                <a:r>
+                  <a:rPr kumimoji="1" lang="en-US" altLang="zh-CN" dirty="0"/>
+                  <a:t>-</a:t>
+                </a:r>
+                <a:r>
+                  <a:rPr kumimoji="1" lang="en-US" altLang="zh-CN" dirty="0" err="1"/>
+                  <a:t>th</a:t>
+                </a:r>
+                <a:r>
+                  <a:rPr kumimoji="1" lang="zh-CN" altLang="en-US" dirty="0"/>
+                  <a:t> </a:t>
+                </a:r>
+                <a:r>
+                  <a:rPr kumimoji="1" lang="en-US" altLang="zh-CN" dirty="0"/>
+                  <a:t>time</a:t>
+                </a:r>
+                <a:r>
+                  <a:rPr kumimoji="1" lang="zh-CN" altLang="en-US" dirty="0"/>
+                  <a:t> </a:t>
+                </a:r>
+                <a:r>
+                  <a:rPr kumimoji="1" lang="en-US" altLang="zh-CN" dirty="0"/>
+                  <a:t>interval</a:t>
+                </a:r>
+                <a:r>
+                  <a:rPr kumimoji="1" lang="zh-CN" altLang="en-US" dirty="0"/>
+                  <a:t> </a:t>
+                </a:r>
+                <a:r>
+                  <a:rPr kumimoji="1" lang="en-US" altLang="zh-CN" dirty="0"/>
+                  <a:t>with</a:t>
+                </a:r>
+                <a:r>
+                  <a:rPr kumimoji="1" lang="zh-CN" altLang="en-US" dirty="0"/>
+                  <a:t> </a:t>
+                </a:r>
+                <a14:m>
+                  <m:oMath xmlns:m="http://schemas.openxmlformats.org/officeDocument/2006/math">
+                    <m:r>
+                      <a:rPr kumimoji="1" lang="en-US" altLang="zh-CN" b="0" i="1" smtClean="0">
+                        <a:latin typeface="Cambria Math" panose="02040503050406030204" pitchFamily="18" charset="0"/>
+                      </a:rPr>
+                      <m:t>[</m:t>
+                    </m:r>
+                    <m:sSub>
+                      <m:sSubPr>
+                        <m:ctrlPr>
+                          <a:rPr kumimoji="1" lang="en-US" altLang="zh-CN" b="0" i="1" smtClean="0">
+                            <a:latin typeface="Cambria Math" panose="02040503050406030204" pitchFamily="18" charset="0"/>
+                          </a:rPr>
+                        </m:ctrlPr>
+                      </m:sSubPr>
+                      <m:e>
+                        <m:r>
+                          <a:rPr kumimoji="1" lang="en-US" altLang="zh-CN" b="0" i="1" smtClean="0">
+                            <a:latin typeface="Cambria Math" panose="02040503050406030204" pitchFamily="18" charset="0"/>
+                          </a:rPr>
+                          <m:t>𝑡</m:t>
+                        </m:r>
+                      </m:e>
+                      <m:sub>
+                        <m:r>
+                          <a:rPr kumimoji="1" lang="en-US" altLang="zh-CN" b="0" i="1" smtClean="0">
+                            <a:latin typeface="Cambria Math" panose="02040503050406030204" pitchFamily="18" charset="0"/>
+                          </a:rPr>
+                          <m:t>𝑙</m:t>
+                        </m:r>
+                        <m:r>
+                          <a:rPr kumimoji="1" lang="en-US" altLang="zh-CN" b="0" i="1" smtClean="0">
+                            <a:latin typeface="Cambria Math" panose="02040503050406030204" pitchFamily="18" charset="0"/>
+                          </a:rPr>
+                          <m:t>−1</m:t>
+                        </m:r>
+                      </m:sub>
+                    </m:sSub>
+                    <m:r>
+                      <a:rPr kumimoji="1" lang="en-US" altLang="zh-CN" b="0" i="1" smtClean="0">
+                        <a:latin typeface="Cambria Math" panose="02040503050406030204" pitchFamily="18" charset="0"/>
+                      </a:rPr>
+                      <m:t>,</m:t>
+                    </m:r>
+                    <m:r>
+                      <a:rPr kumimoji="1" lang="zh-CN" altLang="en-US" b="0" i="1" smtClean="0">
+                        <a:latin typeface="Cambria Math" panose="02040503050406030204" pitchFamily="18" charset="0"/>
+                      </a:rPr>
+                      <m:t> </m:t>
+                    </m:r>
+                    <m:sSub>
+                      <m:sSubPr>
+                        <m:ctrlPr>
+                          <a:rPr kumimoji="1" lang="en-US" altLang="zh-CN" b="0" i="1" smtClean="0">
+                            <a:latin typeface="Cambria Math" panose="02040503050406030204" pitchFamily="18" charset="0"/>
+                          </a:rPr>
+                        </m:ctrlPr>
+                      </m:sSubPr>
+                      <m:e>
+                        <m:r>
+                          <a:rPr kumimoji="1" lang="en-US" altLang="zh-CN" b="0" i="1" smtClean="0">
+                            <a:latin typeface="Cambria Math" panose="02040503050406030204" pitchFamily="18" charset="0"/>
+                          </a:rPr>
+                          <m:t>𝑡</m:t>
+                        </m:r>
+                      </m:e>
+                      <m:sub>
+                        <m:r>
+                          <a:rPr kumimoji="1" lang="en-US" altLang="zh-CN" b="0" i="1" smtClean="0">
+                            <a:latin typeface="Cambria Math" panose="02040503050406030204" pitchFamily="18" charset="0"/>
+                          </a:rPr>
+                          <m:t>𝑙</m:t>
+                        </m:r>
+                      </m:sub>
+                    </m:sSub>
+                    <m:r>
+                      <a:rPr kumimoji="1" lang="en-US" altLang="zh-CN" b="0" i="1" smtClean="0">
+                        <a:latin typeface="Cambria Math" panose="02040503050406030204" pitchFamily="18" charset="0"/>
+                      </a:rPr>
+                      <m:t>]</m:t>
+                    </m:r>
+                  </m:oMath>
+                </a14:m>
+                <a:endParaRPr kumimoji="1" lang="zh-CN" altLang="en-US" dirty="0"/>
+              </a:p>
+            </p:txBody>
+          </p:sp>
+        </mc:Choice>
+        <mc:Fallback>
+          <p:sp>
+            <p:nvSpPr>
+              <p:cNvPr id="3" name="备注占位符 2"/>
+              <p:cNvSpPr>
+                <a:spLocks noGrp="1"/>
+              </p:cNvSpPr>
+              <p:nvPr>
+                <p:ph type="body" idx="1"/>
+              </p:nvPr>
+            </p:nvSpPr>
+            <p:spPr/>
+            <p:txBody>
+              <a:bodyPr/>
+              <a:lstStyle/>
+              <a:p>
+                <a:r>
+                  <a:rPr kumimoji="1" lang="en-US" altLang="zh-CN" b="0" i="0">
+                    <a:latin typeface="Cambria Math" panose="02040503050406030204" pitchFamily="18" charset="0"/>
+                  </a:rPr>
+                  <a:t>𝑉_𝑙</a:t>
+                </a:r>
+                <a:r>
+                  <a:rPr kumimoji="1" lang="zh-CN" altLang="en-US" dirty="0"/>
+                  <a:t> </a:t>
+                </a:r>
+                <a:r>
+                  <a:rPr kumimoji="1" lang="en-US" altLang="zh-CN" dirty="0"/>
+                  <a:t>is</a:t>
+                </a:r>
+                <a:r>
+                  <a:rPr kumimoji="1" lang="zh-CN" altLang="en-US" dirty="0"/>
+                  <a:t> </a:t>
+                </a:r>
+                <a:r>
+                  <a:rPr kumimoji="1" lang="en-US" altLang="zh-CN" dirty="0"/>
+                  <a:t>the</a:t>
+                </a:r>
+                <a:r>
+                  <a:rPr kumimoji="1" lang="zh-CN" altLang="en-US" dirty="0"/>
+                  <a:t> </a:t>
+                </a:r>
+                <a:r>
+                  <a:rPr kumimoji="1" lang="en-US" altLang="zh-CN" b="0" i="0">
+                    <a:latin typeface="Cambria Math" panose="02040503050406030204" pitchFamily="18" charset="0"/>
+                  </a:rPr>
+                  <a:t>𝑙</a:t>
+                </a:r>
+                <a:r>
+                  <a:rPr kumimoji="1" lang="en-US" altLang="zh-CN" dirty="0"/>
+                  <a:t>-</a:t>
+                </a:r>
+                <a:r>
+                  <a:rPr kumimoji="1" lang="en-US" altLang="zh-CN" dirty="0" err="1"/>
+                  <a:t>th</a:t>
+                </a:r>
+                <a:r>
+                  <a:rPr kumimoji="1" lang="zh-CN" altLang="en-US" dirty="0"/>
+                  <a:t> </a:t>
+                </a:r>
+                <a:r>
+                  <a:rPr kumimoji="1" lang="en-US" altLang="zh-CN" dirty="0"/>
+                  <a:t>time</a:t>
+                </a:r>
+                <a:r>
+                  <a:rPr kumimoji="1" lang="zh-CN" altLang="en-US" dirty="0"/>
+                  <a:t> </a:t>
+                </a:r>
+                <a:r>
+                  <a:rPr kumimoji="1" lang="en-US" altLang="zh-CN" dirty="0"/>
+                  <a:t>interval</a:t>
+                </a:r>
+                <a:r>
+                  <a:rPr kumimoji="1" lang="zh-CN" altLang="en-US" dirty="0"/>
+                  <a:t> </a:t>
+                </a:r>
+                <a:r>
+                  <a:rPr kumimoji="1" lang="en-US" altLang="zh-CN" dirty="0"/>
+                  <a:t>with</a:t>
+                </a:r>
+                <a:r>
+                  <a:rPr kumimoji="1" lang="zh-CN" altLang="en-US" dirty="0"/>
+                  <a:t> </a:t>
+                </a:r>
+                <a:r>
+                  <a:rPr kumimoji="1" lang="en-US" altLang="zh-CN" b="0" i="0">
+                    <a:latin typeface="Cambria Math" panose="02040503050406030204" pitchFamily="18" charset="0"/>
+                  </a:rPr>
+                  <a:t>[𝑡_(𝑙−1),</a:t>
+                </a:r>
+                <a:r>
+                  <a:rPr kumimoji="1" lang="zh-CN" altLang="en-US" b="0" i="0">
+                    <a:latin typeface="Cambria Math" panose="02040503050406030204" pitchFamily="18" charset="0"/>
+                  </a:rPr>
+                  <a:t> </a:t>
+                </a:r>
+                <a:r>
+                  <a:rPr kumimoji="1" lang="en-US" altLang="zh-CN" b="0" i="0">
+                    <a:latin typeface="Cambria Math" panose="02040503050406030204" pitchFamily="18" charset="0"/>
+                  </a:rPr>
+                  <a:t>𝑡_𝑙]</a:t>
+                </a:r>
+                <a:endParaRPr kumimoji="1" lang="zh-CN" altLang="en-US" dirty="0"/>
+              </a:p>
+            </p:txBody>
+          </p:sp>
+        </mc:Fallback>
+      </mc:AlternateContent>
+      <p:sp>
+        <p:nvSpPr>
+          <p:cNvPr id="4" name="灯片编号占位符 3"/>
+          <p:cNvSpPr>
+            <a:spLocks noGrp="1"/>
+          </p:cNvSpPr>
+          <p:nvPr>
+            <p:ph type="sldNum" sz="quarter" idx="5"/>
+          </p:nvPr>
+        </p:nvSpPr>
+        <p:spPr/>
+        <p:txBody>
+          <a:bodyPr/>
+          <a:lstStyle/>
+          <a:p>
+            <a:fld id="{21FDA42E-093A-A34C-8138-7572D4CFC8B2}" type="slidenum">
+              <a:rPr kumimoji="1" lang="zh-CN" altLang="en-US" smtClean="0"/>
+              <a:t>16</a:t>
+            </a:fld>
+            <a:endParaRPr kumimoji="1" lang="zh-CN" altLang="en-US"/>
+          </a:p>
+        </p:txBody>
+      </p:sp>
+    </p:spTree>
+    <p:extLst>
+      <p:ext uri="{BB962C8B-B14F-4D97-AF65-F5344CB8AC3E}">
+        <p14:creationId xmlns:p14="http://schemas.microsoft.com/office/powerpoint/2010/main" val="3619795895"/>
+      </p:ext>
+    </p:extLst>
+  </p:cSld>
+  <p:clrMapOvr>
+    <a:masterClrMapping/>
+  </p:clrMapOvr>
+</p:notes>
 </file>
 
 <file path=ppt/slideLayouts/slideLayout1.xml><?xml version="1.0" encoding="utf-8"?>
@@ -2816,19 +3517,51 @@
         <p:spPr/>
         <p:txBody>
           <a:bodyPr>
-            <a:normAutofit fontScale="92500" lnSpcReduction="20000"/>
+            <a:normAutofit/>
           </a:bodyPr>
           <a:lstStyle/>
           <a:p>
             <a:r>
-              <a:rPr lang="en-US" dirty="0"/>
+              <a:rPr lang="en-US" sz="1800" b="0" u="sng" dirty="0"/>
               <a:t>Kan Ren</a:t>
+            </a:r>
+            <a:r>
+              <a:rPr lang="en-US" sz="1800" b="0" dirty="0"/>
+              <a:t>, </a:t>
+            </a:r>
+            <a:r>
+              <a:rPr lang="en-US" sz="1800" b="0" dirty="0" err="1"/>
+              <a:t>Jiarui</a:t>
+            </a:r>
+            <a:r>
+              <a:rPr lang="en-US" sz="1800" b="0" dirty="0"/>
+              <a:t> Qin, Lei Zheng, </a:t>
+            </a:r>
+            <a:r>
+              <a:rPr lang="en-US" sz="1800" b="0" dirty="0" err="1"/>
+              <a:t>Zhengyu</a:t>
+            </a:r>
+            <a:r>
+              <a:rPr lang="en-US" sz="1800" b="0" dirty="0"/>
+              <a:t> Yang, </a:t>
             </a:r>
           </a:p>
           <a:p>
             <a:r>
-              <a:rPr lang="en-US" dirty="0"/>
-              <a:t>AAAI 2019</a:t>
+              <a:rPr lang="en-US" sz="1800" b="0" dirty="0" err="1"/>
+              <a:t>Weinan</a:t>
+            </a:r>
+            <a:r>
+              <a:rPr lang="en-US" sz="1800" b="0" dirty="0"/>
+              <a:t> Zhang, Lin </a:t>
+            </a:r>
+            <a:r>
+              <a:rPr lang="en-US" sz="1800" b="0" dirty="0" err="1"/>
+              <a:t>Qiu</a:t>
+            </a:r>
+            <a:r>
+              <a:rPr lang="en-US" sz="1800" b="0" dirty="0"/>
+              <a:t>, Yong Yu</a:t>
             </a:r>
           </a:p>
         </p:txBody>
@@ -2988,8 +3721,8 @@
         </p:nvSpPr>
         <p:spPr>
           <a:xfrm>
-            <a:off x="0" y="6334780"/>
-            <a:ext cx="9144000" cy="523220"/>
+            <a:off x="0" y="6519446"/>
+            <a:ext cx="3400425" cy="338554"/>
           </a:xfrm>
           <a:prstGeom prst="rect">
             <a:avLst/>
@@ -3002,26 +3735,15 @@
           <a:lstStyle/>
           <a:p>
             <a:r>
-              <a:rPr lang="en-US" altLang="zh-CN" sz="1400" dirty="0">
+              <a:rPr lang="en-US" altLang="zh-CN" sz="1600" dirty="0">
                 <a:solidFill>
                   <a:srgbClr val="000000"/>
                 </a:solidFill>
                 <a:latin typeface="Helvetica" pitchFamily="2" charset="0"/>
               </a:rPr>
-              <a:t>Kaplan, E. L., and Meier, P. 1958. Nonparametric estimation</a:t>
-            </a:r>
-          </a:p>
-          <a:p>
-            <a:r>
-              <a:rPr lang="en-US" altLang="zh-CN" sz="1400" dirty="0">
-                <a:solidFill>
-                  <a:srgbClr val="000000"/>
-                </a:solidFill>
-                <a:latin typeface="Helvetica" pitchFamily="2" charset="0"/>
-              </a:rPr>
-              <a:t>from incomplete observations. Journal of the American statistical association.</a:t>
-            </a:r>
-            <a:endParaRPr lang="en-US" altLang="zh-CN" sz="1400" dirty="0">
+              <a:t>﻿Kaplan and Meier 1958.</a:t>
+            </a:r>
+            <a:endParaRPr lang="en-US" altLang="zh-CN" sz="1600" dirty="0">
               <a:solidFill>
                 <a:srgbClr val="000000"/>
               </a:solidFill>
@@ -3388,6 +4110,42 @@
           </p:sp>
         </mc:Fallback>
       </mc:AlternateContent>
+      <p:sp>
+        <p:nvSpPr>
+          <p:cNvPr id="4" name="文本框 3">
+            <a:extLst>
+              <a:ext uri="{FF2B5EF4-FFF2-40B4-BE49-F238E27FC236}">
+                <a16:creationId xmlns:a16="http://schemas.microsoft.com/office/drawing/2014/main" id="{7B84C73E-C081-2844-9865-F71F077B90DD}"/>
+              </a:ext>
+            </a:extLst>
+          </p:cNvPr>
+          <p:cNvSpPr txBox="1"/>
+          <p:nvPr/>
+        </p:nvSpPr>
+        <p:spPr>
+          <a:xfrm>
+            <a:off x="0" y="6488668"/>
+            <a:ext cx="2985433" cy="369332"/>
+          </a:xfrm>
+          <a:prstGeom prst="rect">
+            <a:avLst/>
+          </a:prstGeom>
+          <a:noFill/>
+        </p:spPr>
+        <p:txBody>
+          <a:bodyPr wrap="none" rtlCol="0">
+            <a:spAutoFit/>
+          </a:bodyPr>
+          <a:lstStyle/>
+          <a:p>
+            <a:r>
+              <a:rPr kumimoji="1" lang="en-US" altLang="zh-CN" dirty="0"/>
+              <a:t>﻿Cox 1992; ﻿Zhang and Lu 2007.</a:t>
+            </a:r>
+            <a:endParaRPr kumimoji="1" lang="zh-CN" altLang="en-US" dirty="0"/>
+          </a:p>
+        </p:txBody>
+      </p:sp>
     </p:spTree>
     <p:extLst>
       <p:ext uri="{BB962C8B-B14F-4D97-AF65-F5344CB8AC3E}">
@@ -3539,6 +4297,45 @@
           </a:prstGeom>
         </p:spPr>
       </p:pic>
+      <p:sp>
+        <p:nvSpPr>
+          <p:cNvPr id="4" name="矩形 3">
+            <a:extLst>
+              <a:ext uri="{FF2B5EF4-FFF2-40B4-BE49-F238E27FC236}">
+                <a16:creationId xmlns:a16="http://schemas.microsoft.com/office/drawing/2014/main" id="{FEDF7313-B8F7-3F4C-BD38-538A69D22C39}"/>
+              </a:ext>
+            </a:extLst>
+          </p:cNvPr>
+          <p:cNvSpPr/>
+          <p:nvPr/>
+        </p:nvSpPr>
+        <p:spPr>
+          <a:xfrm>
+            <a:off x="0" y="6493305"/>
+            <a:ext cx="1820114" cy="369332"/>
+          </a:xfrm>
+          <a:prstGeom prst="rect">
+            <a:avLst/>
+          </a:prstGeom>
+        </p:spPr>
+        <p:txBody>
+          <a:bodyPr wrap="none">
+            <a:spAutoFit/>
+          </a:bodyPr>
+          <a:lstStyle/>
+          <a:p>
+            <a:r>
+              <a:rPr lang="zh-CN" altLang="en-US" dirty="0"/>
+              <a:t>﻿Wang et al. 2016</a:t>
+            </a:r>
+            <a:r>
+              <a:rPr lang="en-US" altLang="zh-CN" dirty="0"/>
+              <a:t>.</a:t>
+            </a:r>
+            <a:endParaRPr lang="zh-CN" altLang="en-US" dirty="0"/>
+          </a:p>
+        </p:txBody>
+      </p:sp>
     </p:spTree>
     <p:extLst>
       <p:ext uri="{BB962C8B-B14F-4D97-AF65-F5344CB8AC3E}">
@@ -3832,70 +4629,6 @@
       </mc:AlternateContent>
       <p:sp>
         <p:nvSpPr>
-          <p:cNvPr id="4" name="矩形 3">
-            <a:extLst>
-              <a:ext uri="{FF2B5EF4-FFF2-40B4-BE49-F238E27FC236}">
-                <a16:creationId xmlns:a16="http://schemas.microsoft.com/office/drawing/2014/main" id="{26E22DF8-41B9-4D48-A870-B7CAFE3D48AB}"/>
-              </a:ext>
-            </a:extLst>
-          </p:cNvPr>
-          <p:cNvSpPr/>
-          <p:nvPr/>
-        </p:nvSpPr>
-        <p:spPr>
-          <a:xfrm>
-            <a:off x="0" y="5915353"/>
-            <a:ext cx="9047018" cy="261610"/>
-          </a:xfrm>
-          <a:prstGeom prst="rect">
-            <a:avLst/>
-          </a:prstGeom>
-        </p:spPr>
-        <p:txBody>
-          <a:bodyPr wrap="square">
-            <a:spAutoFit/>
-          </a:bodyPr>
-          <a:lstStyle/>
-          <a:p>
-            <a:r>
-              <a:rPr lang="en-US" altLang="zh-CN" sz="1100" dirty="0">
-                <a:solidFill>
-                  <a:srgbClr val="000000"/>
-                </a:solidFill>
-                <a:latin typeface="Helvetica" pitchFamily="2" charset="0"/>
-              </a:rPr>
-              <a:t>1. Katzman et al. 2018. </a:t>
-            </a:r>
-            <a:r>
-              <a:rPr lang="en-US" altLang="zh-CN" sz="1100" dirty="0" err="1">
-                <a:solidFill>
-                  <a:srgbClr val="000000"/>
-                </a:solidFill>
-                <a:latin typeface="Helvetica" pitchFamily="2" charset="0"/>
-              </a:rPr>
-              <a:t>Deepsurv</a:t>
-            </a:r>
-            <a:r>
-              <a:rPr lang="en-US" altLang="zh-CN" sz="1100" dirty="0">
-                <a:solidFill>
-                  <a:srgbClr val="000000"/>
-                </a:solidFill>
-                <a:latin typeface="Helvetica" pitchFamily="2" charset="0"/>
-              </a:rPr>
-              <a:t>: personalized treatment recommender system using a cox proportional hazards deep neural network.</a:t>
-            </a:r>
-            <a:endParaRPr lang="en-US" altLang="zh-CN" sz="1100" dirty="0">
-              <a:solidFill>
-                <a:srgbClr val="000000"/>
-              </a:solidFill>
-              <a:effectLst/>
-              <a:latin typeface="Helvetica" pitchFamily="2" charset="0"/>
-            </a:endParaRPr>
-          </a:p>
-        </p:txBody>
-      </p:sp>
-      <p:sp>
-        <p:nvSpPr>
           <p:cNvPr id="5" name="矩形 4">
             <a:extLst>
               <a:ext uri="{FF2B5EF4-FFF2-40B4-BE49-F238E27FC236}">
@@ -3908,8 +4641,8 @@
         </p:nvSpPr>
         <p:spPr>
           <a:xfrm>
-            <a:off x="0" y="6170030"/>
-            <a:ext cx="8839200" cy="276999"/>
+            <a:off x="0" y="6492873"/>
+            <a:ext cx="4743450" cy="338554"/>
           </a:xfrm>
           <a:prstGeom prst="rect">
             <a:avLst/>
@@ -3922,20 +4655,14 @@
           <a:lstStyle/>
           <a:p>
             <a:r>
-              <a:rPr lang="en-US" altLang="zh-CN" sz="1200" dirty="0"/>
-              <a:t>2. Lee et al. 2018. </a:t>
-            </a:r>
-            <a:r>
-              <a:rPr lang="en-US" altLang="zh-CN" sz="1200" dirty="0" err="1"/>
-              <a:t>DeepHit</a:t>
-            </a:r>
-            <a:r>
-              <a:rPr lang="en-US" altLang="zh-CN" sz="1200" dirty="0"/>
-              <a:t>: A Deep Learning Approach to Survival Analysis with Competing Risks</a:t>
-            </a:r>
-            <a:endParaRPr lang="en-US" altLang="zh-CN" sz="1200" dirty="0">
-              <a:effectLst/>
-            </a:endParaRPr>
+              <a:rPr lang="en-US" altLang="zh-CN" sz="1600" dirty="0">
+                <a:solidFill>
+                  <a:srgbClr val="000000"/>
+                </a:solidFill>
+                <a:latin typeface="Helvetica" pitchFamily="2" charset="0"/>
+              </a:rPr>
+              <a:t>1. Katzman et al. 2018; 2. Lee et al. 2018.</a:t>
+            </a:r>
           </a:p>
         </p:txBody>
       </p:sp>
@@ -4499,8 +5226,8 @@
           </a:p>
         </p:txBody>
       </p:sp>
-      <mc:AlternateContent xmlns:mc="http://schemas.openxmlformats.org/markup-compatibility/2006" xmlns:a14="http://schemas.microsoft.com/office/drawing/2010/main">
-        <mc:Choice Requires="a14">
+      <mc:AlternateContent xmlns:mc="http://schemas.openxmlformats.org/markup-compatibility/2006">
+        <mc:Choice xmlns:a14="http://schemas.microsoft.com/office/drawing/2010/main" Requires="a14">
           <p:sp>
             <p:nvSpPr>
               <p:cNvPr id="3" name="内容占位符 2">
@@ -4520,7 +5247,7 @@
             <p:spPr/>
             <p:txBody>
               <a:bodyPr>
-                <a:normAutofit fontScale="92500" lnSpcReduction="20000"/>
+                <a:normAutofit fontScale="85000" lnSpcReduction="10000"/>
               </a:bodyPr>
               <a:lstStyle/>
               <a:p>
@@ -4544,246 +5271,17 @@
                   <a:rPr kumimoji="1" lang="en-US" altLang="zh-CN" dirty="0"/>
                   <a:t>model</a:t>
                 </a:r>
-                <a:r>
-                  <a:rPr kumimoji="1" lang="zh-CN" altLang="en-US" dirty="0"/>
-                  <a:t> </a:t>
-                </a:r>
-                <a:r>
-                  <a:rPr kumimoji="1" lang="en-US" altLang="zh-CN" dirty="0"/>
-                  <a:t>(time</a:t>
-                </a:r>
-                <a:r>
-                  <a:rPr kumimoji="1" lang="zh-CN" altLang="en-US" dirty="0"/>
-                  <a:t> </a:t>
-                </a:r>
-                <a:r>
-                  <a:rPr kumimoji="1" lang="en-US" altLang="zh-CN" dirty="0"/>
-                  <a:t>index</a:t>
-                </a:r>
-                <a:r>
-                  <a:rPr kumimoji="1" lang="zh-CN" altLang="en-US" dirty="0"/>
-                  <a:t> </a:t>
-                </a:r>
-                <a14:m>
-                  <m:oMath xmlns:m="http://schemas.openxmlformats.org/officeDocument/2006/math">
-                    <m:r>
-                      <a:rPr kumimoji="1" lang="en-US" altLang="zh-CN" b="0" i="1" smtClean="0">
-                        <a:latin typeface="Cambria Math" panose="02040503050406030204" pitchFamily="18" charset="0"/>
-                      </a:rPr>
-                      <m:t>1,2,</m:t>
-                    </m:r>
-                    <m:r>
-                      <a:rPr kumimoji="1" lang="zh-CN" altLang="en-US" b="0" i="1" smtClean="0">
-                        <a:latin typeface="Cambria Math" panose="02040503050406030204" pitchFamily="18" charset="0"/>
-                      </a:rPr>
-                      <m:t> </m:t>
-                    </m:r>
-                    <m:r>
-                      <a:rPr kumimoji="1" lang="en-US" altLang="zh-CN" b="0" i="1" smtClean="0">
-                        <a:latin typeface="Cambria Math" panose="02040503050406030204" pitchFamily="18" charset="0"/>
-                      </a:rPr>
-                      <m:t>…,</m:t>
-                    </m:r>
-                    <m:r>
-                      <a:rPr kumimoji="1" lang="zh-CN" altLang="en-US" b="0" i="1" smtClean="0">
-                        <a:latin typeface="Cambria Math" panose="02040503050406030204" pitchFamily="18" charset="0"/>
-                      </a:rPr>
-                      <m:t> </m:t>
-                    </m:r>
-                    <m:r>
-                      <a:rPr kumimoji="1" lang="en-US" altLang="zh-CN" b="0" i="1" smtClean="0">
-                        <a:latin typeface="Cambria Math" panose="02040503050406030204" pitchFamily="18" charset="0"/>
-                      </a:rPr>
-                      <m:t>𝑙</m:t>
-                    </m:r>
-                  </m:oMath>
-                </a14:m>
-                <a:r>
-                  <a:rPr kumimoji="1" lang="en-US" altLang="zh-CN" dirty="0"/>
-                  <a:t>)</a:t>
-                </a:r>
               </a:p>
               <a:p>
                 <a:pPr lvl="1"/>
-                <a14:m>
-                  <m:oMath xmlns:m="http://schemas.openxmlformats.org/officeDocument/2006/math">
-                    <m:sSub>
-                      <m:sSubPr>
-                        <m:ctrlPr>
-                          <a:rPr kumimoji="1" lang="en-US" altLang="zh-CN" b="0" i="1" smtClean="0">
-                            <a:latin typeface="Cambria Math" panose="02040503050406030204" pitchFamily="18" charset="0"/>
-                          </a:rPr>
-                        </m:ctrlPr>
-                      </m:sSubPr>
-                      <m:e>
-                        <m:r>
-                          <a:rPr kumimoji="1" lang="en-US" altLang="zh-CN" b="0" i="1" smtClean="0">
-                            <a:latin typeface="Cambria Math" panose="02040503050406030204" pitchFamily="18" charset="0"/>
-                          </a:rPr>
-                          <m:t>𝑉</m:t>
-                        </m:r>
-                      </m:e>
-                      <m:sub>
-                        <m:r>
-                          <a:rPr kumimoji="1" lang="en-US" altLang="zh-CN" b="0" i="1" smtClean="0">
-                            <a:latin typeface="Cambria Math" panose="02040503050406030204" pitchFamily="18" charset="0"/>
-                          </a:rPr>
-                          <m:t>𝑙</m:t>
-                        </m:r>
-                      </m:sub>
-                    </m:sSub>
-                  </m:oMath>
-                </a14:m>
-                <a:r>
-                  <a:rPr kumimoji="1" lang="zh-CN" altLang="en-US" dirty="0"/>
-                  <a:t> </a:t>
-                </a:r>
-                <a:r>
-                  <a:rPr kumimoji="1" lang="en-US" altLang="zh-CN" dirty="0"/>
-                  <a:t>is</a:t>
-                </a:r>
-                <a:r>
-                  <a:rPr kumimoji="1" lang="zh-CN" altLang="en-US" dirty="0"/>
-                  <a:t> </a:t>
-                </a:r>
-                <a:r>
-                  <a:rPr kumimoji="1" lang="en-US" altLang="zh-CN" dirty="0"/>
-                  <a:t>the</a:t>
-                </a:r>
-                <a:r>
-                  <a:rPr kumimoji="1" lang="zh-CN" altLang="en-US" dirty="0"/>
-                  <a:t> </a:t>
-                </a:r>
-                <a14:m>
-                  <m:oMath xmlns:m="http://schemas.openxmlformats.org/officeDocument/2006/math">
-                    <m:r>
-                      <a:rPr kumimoji="1" lang="en-US" altLang="zh-CN" b="0" i="1" smtClean="0">
-                        <a:latin typeface="Cambria Math" panose="02040503050406030204" pitchFamily="18" charset="0"/>
-                      </a:rPr>
-                      <m:t>𝑙</m:t>
-                    </m:r>
-                  </m:oMath>
-                </a14:m>
-                <a:r>
-                  <a:rPr kumimoji="1" lang="en-US" altLang="zh-CN" dirty="0"/>
-                  <a:t>-</a:t>
-                </a:r>
-                <a:r>
-                  <a:rPr kumimoji="1" lang="en-US" altLang="zh-CN" dirty="0" err="1"/>
-                  <a:t>th</a:t>
-                </a:r>
-                <a:r>
-                  <a:rPr kumimoji="1" lang="zh-CN" altLang="en-US" dirty="0"/>
-                  <a:t> </a:t>
-                </a:r>
-                <a:r>
-                  <a:rPr kumimoji="1" lang="en-US" altLang="zh-CN" dirty="0"/>
-                  <a:t>time</a:t>
-                </a:r>
-                <a:r>
-                  <a:rPr kumimoji="1" lang="zh-CN" altLang="en-US" dirty="0"/>
-                  <a:t> </a:t>
-                </a:r>
-                <a:r>
-                  <a:rPr kumimoji="1" lang="en-US" altLang="zh-CN" dirty="0"/>
-                  <a:t>interval</a:t>
-                </a:r>
-                <a:r>
-                  <a:rPr kumimoji="1" lang="zh-CN" altLang="en-US" dirty="0"/>
-                  <a:t> </a:t>
-                </a:r>
-                <a:r>
-                  <a:rPr kumimoji="1" lang="en-US" altLang="zh-CN" dirty="0"/>
-                  <a:t>with</a:t>
-                </a:r>
-                <a:r>
-                  <a:rPr kumimoji="1" lang="zh-CN" altLang="en-US" dirty="0"/>
-                  <a:t> </a:t>
-                </a:r>
-                <a14:m>
-                  <m:oMath xmlns:m="http://schemas.openxmlformats.org/officeDocument/2006/math">
-                    <m:r>
-                      <a:rPr kumimoji="1" lang="en-US" altLang="zh-CN" b="0" i="1" smtClean="0">
-                        <a:latin typeface="Cambria Math" panose="02040503050406030204" pitchFamily="18" charset="0"/>
-                      </a:rPr>
-                      <m:t>[</m:t>
-                    </m:r>
-                    <m:sSub>
-                      <m:sSubPr>
-                        <m:ctrlPr>
-                          <a:rPr kumimoji="1" lang="en-US" altLang="zh-CN" b="0" i="1" smtClean="0">
-                            <a:latin typeface="Cambria Math" panose="02040503050406030204" pitchFamily="18" charset="0"/>
-                          </a:rPr>
-                        </m:ctrlPr>
-                      </m:sSubPr>
-                      <m:e>
-                        <m:r>
-                          <a:rPr kumimoji="1" lang="en-US" altLang="zh-CN" b="0" i="1" smtClean="0">
-                            <a:latin typeface="Cambria Math" panose="02040503050406030204" pitchFamily="18" charset="0"/>
-                          </a:rPr>
-                          <m:t>𝑡</m:t>
-                        </m:r>
-                      </m:e>
-                      <m:sub>
-                        <m:r>
-                          <a:rPr kumimoji="1" lang="en-US" altLang="zh-CN" b="0" i="1" smtClean="0">
-                            <a:latin typeface="Cambria Math" panose="02040503050406030204" pitchFamily="18" charset="0"/>
-                          </a:rPr>
-                          <m:t>𝑙</m:t>
-                        </m:r>
-                        <m:r>
-                          <a:rPr kumimoji="1" lang="en-US" altLang="zh-CN" b="0" i="1" smtClean="0">
-                            <a:latin typeface="Cambria Math" panose="02040503050406030204" pitchFamily="18" charset="0"/>
-                          </a:rPr>
-                          <m:t>−1</m:t>
-                        </m:r>
-                      </m:sub>
-                    </m:sSub>
-                    <m:r>
-                      <a:rPr kumimoji="1" lang="en-US" altLang="zh-CN" b="0" i="1" smtClean="0">
-                        <a:latin typeface="Cambria Math" panose="02040503050406030204" pitchFamily="18" charset="0"/>
-                      </a:rPr>
-                      <m:t>,</m:t>
-                    </m:r>
-                    <m:r>
-                      <a:rPr kumimoji="1" lang="zh-CN" altLang="en-US" b="0" i="1" smtClean="0">
-                        <a:latin typeface="Cambria Math" panose="02040503050406030204" pitchFamily="18" charset="0"/>
-                      </a:rPr>
-                      <m:t> </m:t>
-                    </m:r>
-                    <m:sSub>
-                      <m:sSubPr>
-                        <m:ctrlPr>
-                          <a:rPr kumimoji="1" lang="en-US" altLang="zh-CN" b="0" i="1" smtClean="0">
-                            <a:latin typeface="Cambria Math" panose="02040503050406030204" pitchFamily="18" charset="0"/>
-                          </a:rPr>
-                        </m:ctrlPr>
-                      </m:sSubPr>
-                      <m:e>
-                        <m:r>
-                          <a:rPr kumimoji="1" lang="en-US" altLang="zh-CN" b="0" i="1" smtClean="0">
-                            <a:latin typeface="Cambria Math" panose="02040503050406030204" pitchFamily="18" charset="0"/>
-                          </a:rPr>
-                          <m:t>𝑡</m:t>
-                        </m:r>
-                      </m:e>
-                      <m:sub>
-                        <m:r>
-                          <a:rPr kumimoji="1" lang="en-US" altLang="zh-CN" b="0" i="1" smtClean="0">
-                            <a:latin typeface="Cambria Math" panose="02040503050406030204" pitchFamily="18" charset="0"/>
-                          </a:rPr>
-                          <m:t>𝑙</m:t>
-                        </m:r>
-                      </m:sub>
-                    </m:sSub>
-                    <m:r>
-                      <a:rPr kumimoji="1" lang="en-US" altLang="zh-CN" b="0" i="1" smtClean="0">
-                        <a:latin typeface="Cambria Math" panose="02040503050406030204" pitchFamily="18" charset="0"/>
-                      </a:rPr>
-                      <m:t>]</m:t>
-                    </m:r>
-                  </m:oMath>
-                </a14:m>
+                <a:endParaRPr kumimoji="1" lang="en-US" altLang="zh-CN" dirty="0"/>
+              </a:p>
+              <a:p>
+                <a:pPr lvl="1"/>
+                <a:endParaRPr kumimoji="1" lang="en-US" altLang="zh-CN" dirty="0"/>
+              </a:p>
+              <a:p>
+                <a:pPr lvl="1"/>
                 <a:endParaRPr kumimoji="1" lang="en-US" altLang="zh-CN" dirty="0"/>
               </a:p>
               <a:p>
@@ -4991,13 +5489,6 @@
                   </m:oMath>
                 </a14:m>
                 <a:endParaRPr kumimoji="1" lang="en-US" altLang="zh-CN" dirty="0"/>
-              </a:p>
-              <a:p>
-                <a:pPr lvl="1"/>
-                <a:r>
-                  <a:rPr kumimoji="1" lang="en-US" altLang="zh-CN" dirty="0"/>
-                  <a:t>Has been widely used in related works</a:t>
-                </a:r>
               </a:p>
               <a:p>
                 <a:r>
@@ -5386,15 +5877,7 @@
               <a:p>
                 <a:r>
                   <a:rPr kumimoji="1" lang="en-US" altLang="zh-CN" dirty="0"/>
-                  <a:t>We</a:t>
-                </a:r>
-                <a:r>
-                  <a:rPr kumimoji="1" lang="zh-CN" altLang="en-US" dirty="0"/>
-                  <a:t> </a:t>
-                </a:r>
-                <a:r>
-                  <a:rPr kumimoji="1" lang="en-US" altLang="zh-CN" dirty="0"/>
-                  <a:t>use</a:t>
+                  <a:t>Use</a:t>
                 </a:r>
                 <a:r>
                   <a:rPr kumimoji="1" lang="zh-CN" altLang="en-US" dirty="0"/>
@@ -5456,59 +5939,62 @@
                 </a14:m>
                 <a:r>
                   <a:rPr kumimoji="1" lang="en-US" altLang="zh-CN" dirty="0"/>
-                  <a:t> with parameter </a:t>
+                  <a:t> to</a:t>
+                </a:r>
+                <a:r>
+                  <a:rPr kumimoji="1" lang="zh-CN" altLang="en-US" dirty="0"/>
+                  <a:t> </a:t>
+                </a:r>
+                <a:r>
+                  <a:rPr kumimoji="1" lang="en-US" altLang="zh-CN" dirty="0"/>
+                  <a:t>model</a:t>
+                </a:r>
+                <a:r>
+                  <a:rPr kumimoji="1" lang="zh-CN" altLang="en-US" dirty="0"/>
+                  <a:t> </a:t>
+                </a:r>
+                <a:r>
+                  <a:rPr kumimoji="1" lang="en-US" altLang="zh-CN" dirty="0"/>
+                  <a:t>cond.</a:t>
+                </a:r>
+                <a:r>
+                  <a:rPr kumimoji="1" lang="zh-CN" altLang="en-US" dirty="0"/>
+                  <a:t> </a:t>
+                </a:r>
+                <a:r>
+                  <a:rPr kumimoji="1" lang="en-US" altLang="zh-CN" dirty="0"/>
+                  <a:t>probability </a:t>
                 </a:r>
                 <a14:m>
                   <m:oMath xmlns:m="http://schemas.openxmlformats.org/officeDocument/2006/math">
-                    <m:r>
-                      <a:rPr kumimoji="1" lang="en-US" altLang="zh-CN" i="1" smtClean="0">
-                        <a:latin typeface="Cambria Math" panose="02040503050406030204" pitchFamily="18" charset="0"/>
-                        <a:ea typeface="Cambria Math" panose="02040503050406030204" pitchFamily="18" charset="0"/>
-                      </a:rPr>
-                      <m:t>𝜃</m:t>
-                    </m:r>
+                    <m:sSub>
+                      <m:sSubPr>
+                        <m:ctrlPr>
+                          <a:rPr kumimoji="1" lang="en-US" altLang="zh-CN" i="1">
+                            <a:latin typeface="Cambria Math" panose="02040503050406030204" pitchFamily="18" charset="0"/>
+                          </a:rPr>
+                        </m:ctrlPr>
+                      </m:sSubPr>
+                      <m:e>
+                        <m:r>
+                          <a:rPr kumimoji="1" lang="en-US" altLang="zh-CN" i="1">
+                            <a:latin typeface="Cambria Math" panose="02040503050406030204" pitchFamily="18" charset="0"/>
+                          </a:rPr>
+                          <m:t>h</m:t>
+                        </m:r>
+                      </m:e>
+                      <m:sub>
+                        <m:r>
+                          <a:rPr kumimoji="1" lang="en-US" altLang="zh-CN" i="1">
+                            <a:latin typeface="Cambria Math" panose="02040503050406030204" pitchFamily="18" charset="0"/>
+                          </a:rPr>
+                          <m:t>𝑙</m:t>
+                        </m:r>
+                      </m:sub>
+                    </m:sSub>
                   </m:oMath>
                 </a14:m>
-                <a:r>
-                  <a:rPr kumimoji="1" lang="zh-CN" altLang="en-US" dirty="0"/>
-                  <a:t> </a:t>
-                </a:r>
-                <a:r>
-                  <a:rPr kumimoji="1" lang="en-US" altLang="zh-CN" dirty="0"/>
-                  <a:t>to</a:t>
-                </a:r>
-                <a:r>
-                  <a:rPr kumimoji="1" lang="zh-CN" altLang="en-US" dirty="0"/>
-                  <a:t> </a:t>
-                </a:r>
-                <a:r>
-                  <a:rPr kumimoji="1" lang="en-US" altLang="zh-CN" dirty="0"/>
-                  <a:t>model</a:t>
-                </a:r>
-                <a:r>
-                  <a:rPr kumimoji="1" lang="zh-CN" altLang="en-US" dirty="0"/>
-                  <a:t> </a:t>
-                </a:r>
-                <a:r>
-                  <a:rPr kumimoji="1" lang="en-US" altLang="zh-CN" dirty="0"/>
-                  <a:t>this</a:t>
-                </a:r>
-                <a:r>
-                  <a:rPr kumimoji="1" lang="zh-CN" altLang="en-US" dirty="0"/>
-                  <a:t> </a:t>
-                </a:r>
-                <a:r>
-                  <a:rPr kumimoji="1" lang="en-US" altLang="zh-CN" dirty="0"/>
-                  <a:t>conditional</a:t>
-                </a:r>
-                <a:r>
-                  <a:rPr kumimoji="1" lang="zh-CN" altLang="en-US" dirty="0"/>
-                  <a:t> </a:t>
-                </a:r>
-                <a:r>
-                  <a:rPr kumimoji="1" lang="en-US" altLang="zh-CN" dirty="0"/>
-                  <a:t>probability</a:t>
-                </a:r>
+                <a:endParaRPr kumimoji="1" lang="en-US" altLang="zh-CN" dirty="0"/>
               </a:p>
               <a:p>
                 <a:pPr lvl="1"/>
@@ -5623,7 +6109,7 @@
             </p:txBody>
           </p:sp>
         </mc:Choice>
-        <mc:Fallback xmlns="">
+        <mc:Fallback>
           <p:sp>
             <p:nvSpPr>
               <p:cNvPr id="3" name="内容占位符 2">
@@ -5642,9 +6128,9 @@
             </p:nvSpPr>
             <p:spPr>
               <a:blipFill>
-                <a:blip r:embed="rId2"/>
+                <a:blip r:embed="rId3"/>
                 <a:stretch>
-                  <a:fillRect l="-1286" t="-3825"/>
+                  <a:fillRect l="-965" t="-3005"/>
                 </a:stretch>
               </a:blipFill>
             </p:spPr>
@@ -5663,6 +6149,1480 @@
           </p:sp>
         </mc:Fallback>
       </mc:AlternateContent>
+      <p:grpSp>
+        <p:nvGrpSpPr>
+          <p:cNvPr id="4" name="组合 3">
+            <a:extLst>
+              <a:ext uri="{FF2B5EF4-FFF2-40B4-BE49-F238E27FC236}">
+                <a16:creationId xmlns:a16="http://schemas.microsoft.com/office/drawing/2014/main" id="{AD4F8B48-209C-3448-86BD-5FBBE4D7696A}"/>
+              </a:ext>
+            </a:extLst>
+          </p:cNvPr>
+          <p:cNvGrpSpPr/>
+          <p:nvPr/>
+        </p:nvGrpSpPr>
+        <p:grpSpPr>
+          <a:xfrm>
+            <a:off x="1872322" y="1699681"/>
+            <a:ext cx="5127543" cy="945076"/>
+            <a:chOff x="1000125" y="4554380"/>
+            <a:chExt cx="5127543" cy="945076"/>
+          </a:xfrm>
+        </p:grpSpPr>
+        <p:cxnSp>
+          <p:nvCxnSpPr>
+            <p:cNvPr id="5" name="直线箭头连接符 4">
+              <a:extLst>
+                <a:ext uri="{FF2B5EF4-FFF2-40B4-BE49-F238E27FC236}">
+                  <a16:creationId xmlns:a16="http://schemas.microsoft.com/office/drawing/2014/main" id="{A2B9BD71-71CE-6048-BBB5-24F7839AE926}"/>
+                </a:ext>
+              </a:extLst>
+            </p:cNvPr>
+            <p:cNvCxnSpPr>
+              <a:cxnSpLocks/>
+            </p:cNvCxnSpPr>
+            <p:nvPr/>
+          </p:nvCxnSpPr>
+          <p:spPr>
+            <a:xfrm>
+              <a:off x="1000125" y="5157788"/>
+              <a:ext cx="5127543" cy="0"/>
+            </a:xfrm>
+            <a:prstGeom prst="straightConnector1">
+              <a:avLst/>
+            </a:prstGeom>
+            <a:ln>
+              <a:tailEnd type="triangle"/>
+            </a:ln>
+          </p:spPr>
+          <p:style>
+            <a:lnRef idx="1">
+              <a:schemeClr val="dk1"/>
+            </a:lnRef>
+            <a:fillRef idx="0">
+              <a:schemeClr val="dk1"/>
+            </a:fillRef>
+            <a:effectRef idx="0">
+              <a:schemeClr val="dk1"/>
+            </a:effectRef>
+            <a:fontRef idx="minor">
+              <a:schemeClr val="tx1"/>
+            </a:fontRef>
+          </p:style>
+        </p:cxnSp>
+        <p:cxnSp>
+          <p:nvCxnSpPr>
+            <p:cNvPr id="6" name="直线连接符 5">
+              <a:extLst>
+                <a:ext uri="{FF2B5EF4-FFF2-40B4-BE49-F238E27FC236}">
+                  <a16:creationId xmlns:a16="http://schemas.microsoft.com/office/drawing/2014/main" id="{5881D314-7F8E-5B4E-9179-FCDB858F88C5}"/>
+                </a:ext>
+              </a:extLst>
+            </p:cNvPr>
+            <p:cNvCxnSpPr/>
+            <p:nvPr/>
+          </p:nvCxnSpPr>
+          <p:spPr>
+            <a:xfrm>
+              <a:off x="1198179" y="5076497"/>
+              <a:ext cx="0" cy="84082"/>
+            </a:xfrm>
+            <a:prstGeom prst="line">
+              <a:avLst/>
+            </a:prstGeom>
+          </p:spPr>
+          <p:style>
+            <a:lnRef idx="1">
+              <a:schemeClr val="dk1"/>
+            </a:lnRef>
+            <a:fillRef idx="0">
+              <a:schemeClr val="dk1"/>
+            </a:fillRef>
+            <a:effectRef idx="0">
+              <a:schemeClr val="dk1"/>
+            </a:effectRef>
+            <a:fontRef idx="minor">
+              <a:schemeClr val="tx1"/>
+            </a:fontRef>
+          </p:style>
+        </p:cxnSp>
+        <p:cxnSp>
+          <p:nvCxnSpPr>
+            <p:cNvPr id="7" name="直线连接符 6">
+              <a:extLst>
+                <a:ext uri="{FF2B5EF4-FFF2-40B4-BE49-F238E27FC236}">
+                  <a16:creationId xmlns:a16="http://schemas.microsoft.com/office/drawing/2014/main" id="{0660DBBD-95D1-6942-9796-49690F6B4C60}"/>
+                </a:ext>
+              </a:extLst>
+            </p:cNvPr>
+            <p:cNvCxnSpPr>
+              <a:cxnSpLocks/>
+            </p:cNvCxnSpPr>
+            <p:nvPr/>
+          </p:nvCxnSpPr>
+          <p:spPr>
+            <a:xfrm>
+              <a:off x="3464734" y="5068124"/>
+              <a:ext cx="0" cy="84082"/>
+            </a:xfrm>
+            <a:prstGeom prst="line">
+              <a:avLst/>
+            </a:prstGeom>
+          </p:spPr>
+          <p:style>
+            <a:lnRef idx="1">
+              <a:schemeClr val="dk1"/>
+            </a:lnRef>
+            <a:fillRef idx="0">
+              <a:schemeClr val="dk1"/>
+            </a:fillRef>
+            <a:effectRef idx="0">
+              <a:schemeClr val="dk1"/>
+            </a:effectRef>
+            <a:fontRef idx="minor">
+              <a:schemeClr val="tx1"/>
+            </a:fontRef>
+          </p:style>
+        </p:cxnSp>
+        <p:cxnSp>
+          <p:nvCxnSpPr>
+            <p:cNvPr id="8" name="直线连接符 7">
+              <a:extLst>
+                <a:ext uri="{FF2B5EF4-FFF2-40B4-BE49-F238E27FC236}">
+                  <a16:creationId xmlns:a16="http://schemas.microsoft.com/office/drawing/2014/main" id="{D7BC9560-1188-BD49-A08F-8CC50EBA1BAB}"/>
+                </a:ext>
+              </a:extLst>
+            </p:cNvPr>
+            <p:cNvCxnSpPr>
+              <a:cxnSpLocks/>
+            </p:cNvCxnSpPr>
+            <p:nvPr/>
+          </p:nvCxnSpPr>
+          <p:spPr>
+            <a:xfrm>
+              <a:off x="4221470" y="5076497"/>
+              <a:ext cx="0" cy="84082"/>
+            </a:xfrm>
+            <a:prstGeom prst="line">
+              <a:avLst/>
+            </a:prstGeom>
+          </p:spPr>
+          <p:style>
+            <a:lnRef idx="1">
+              <a:schemeClr val="dk1"/>
+            </a:lnRef>
+            <a:fillRef idx="0">
+              <a:schemeClr val="dk1"/>
+            </a:fillRef>
+            <a:effectRef idx="0">
+              <a:schemeClr val="dk1"/>
+            </a:effectRef>
+            <a:fontRef idx="minor">
+              <a:schemeClr val="tx1"/>
+            </a:fontRef>
+          </p:style>
+        </p:cxnSp>
+        <p:cxnSp>
+          <p:nvCxnSpPr>
+            <p:cNvPr id="9" name="直线连接符 8">
+              <a:extLst>
+                <a:ext uri="{FF2B5EF4-FFF2-40B4-BE49-F238E27FC236}">
+                  <a16:creationId xmlns:a16="http://schemas.microsoft.com/office/drawing/2014/main" id="{84CAD666-B180-C342-9EB1-6B595726D448}"/>
+                </a:ext>
+              </a:extLst>
+            </p:cNvPr>
+            <p:cNvCxnSpPr>
+              <a:cxnSpLocks/>
+            </p:cNvCxnSpPr>
+            <p:nvPr/>
+          </p:nvCxnSpPr>
+          <p:spPr>
+            <a:xfrm>
+              <a:off x="4978332" y="5076497"/>
+              <a:ext cx="0" cy="84082"/>
+            </a:xfrm>
+            <a:prstGeom prst="line">
+              <a:avLst/>
+            </a:prstGeom>
+          </p:spPr>
+          <p:style>
+            <a:lnRef idx="1">
+              <a:schemeClr val="dk1"/>
+            </a:lnRef>
+            <a:fillRef idx="0">
+              <a:schemeClr val="dk1"/>
+            </a:fillRef>
+            <a:effectRef idx="0">
+              <a:schemeClr val="dk1"/>
+            </a:effectRef>
+            <a:fontRef idx="minor">
+              <a:schemeClr val="tx1"/>
+            </a:fontRef>
+          </p:style>
+        </p:cxnSp>
+        <p:cxnSp>
+          <p:nvCxnSpPr>
+            <p:cNvPr id="10" name="直线连接符 9">
+              <a:extLst>
+                <a:ext uri="{FF2B5EF4-FFF2-40B4-BE49-F238E27FC236}">
+                  <a16:creationId xmlns:a16="http://schemas.microsoft.com/office/drawing/2014/main" id="{A8088B0C-9CC4-4040-B831-064DDC6D7985}"/>
+                </a:ext>
+              </a:extLst>
+            </p:cNvPr>
+            <p:cNvCxnSpPr/>
+            <p:nvPr/>
+          </p:nvCxnSpPr>
+          <p:spPr>
+            <a:xfrm>
+              <a:off x="4976785" y="5070915"/>
+              <a:ext cx="0" cy="84082"/>
+            </a:xfrm>
+            <a:prstGeom prst="line">
+              <a:avLst/>
+            </a:prstGeom>
+          </p:spPr>
+          <p:style>
+            <a:lnRef idx="1">
+              <a:schemeClr val="dk1"/>
+            </a:lnRef>
+            <a:fillRef idx="0">
+              <a:schemeClr val="dk1"/>
+            </a:fillRef>
+            <a:effectRef idx="0">
+              <a:schemeClr val="dk1"/>
+            </a:effectRef>
+            <a:fontRef idx="minor">
+              <a:schemeClr val="tx1"/>
+            </a:fontRef>
+          </p:style>
+        </p:cxnSp>
+        <p:cxnSp>
+          <p:nvCxnSpPr>
+            <p:cNvPr id="11" name="直线连接符 10">
+              <a:extLst>
+                <a:ext uri="{FF2B5EF4-FFF2-40B4-BE49-F238E27FC236}">
+                  <a16:creationId xmlns:a16="http://schemas.microsoft.com/office/drawing/2014/main" id="{156D133B-2D3C-7446-8F6A-EA3F3EDF1FA2}"/>
+                </a:ext>
+              </a:extLst>
+            </p:cNvPr>
+            <p:cNvCxnSpPr>
+              <a:cxnSpLocks/>
+            </p:cNvCxnSpPr>
+            <p:nvPr/>
+          </p:nvCxnSpPr>
+          <p:spPr>
+            <a:xfrm>
+              <a:off x="5731200" y="5068124"/>
+              <a:ext cx="0" cy="84082"/>
+            </a:xfrm>
+            <a:prstGeom prst="line">
+              <a:avLst/>
+            </a:prstGeom>
+          </p:spPr>
+          <p:style>
+            <a:lnRef idx="1">
+              <a:schemeClr val="dk1"/>
+            </a:lnRef>
+            <a:fillRef idx="0">
+              <a:schemeClr val="dk1"/>
+            </a:fillRef>
+            <a:effectRef idx="0">
+              <a:schemeClr val="dk1"/>
+            </a:effectRef>
+            <a:fontRef idx="minor">
+              <a:schemeClr val="tx1"/>
+            </a:fontRef>
+          </p:style>
+        </p:cxnSp>
+        <p:cxnSp>
+          <p:nvCxnSpPr>
+            <p:cNvPr id="12" name="直线连接符 11">
+              <a:extLst>
+                <a:ext uri="{FF2B5EF4-FFF2-40B4-BE49-F238E27FC236}">
+                  <a16:creationId xmlns:a16="http://schemas.microsoft.com/office/drawing/2014/main" id="{8FE7B66D-E592-8348-B5AD-B88AD63CFE63}"/>
+                </a:ext>
+              </a:extLst>
+            </p:cNvPr>
+            <p:cNvCxnSpPr/>
+            <p:nvPr/>
+          </p:nvCxnSpPr>
+          <p:spPr>
+            <a:xfrm>
+              <a:off x="5733270" y="5068124"/>
+              <a:ext cx="0" cy="84082"/>
+            </a:xfrm>
+            <a:prstGeom prst="line">
+              <a:avLst/>
+            </a:prstGeom>
+          </p:spPr>
+          <p:style>
+            <a:lnRef idx="1">
+              <a:schemeClr val="dk1"/>
+            </a:lnRef>
+            <a:fillRef idx="0">
+              <a:schemeClr val="dk1"/>
+            </a:fillRef>
+            <a:effectRef idx="0">
+              <a:schemeClr val="dk1"/>
+            </a:effectRef>
+            <a:fontRef idx="minor">
+              <a:schemeClr val="tx1"/>
+            </a:fontRef>
+          </p:style>
+        </p:cxnSp>
+        <p:cxnSp>
+          <p:nvCxnSpPr>
+            <p:cNvPr id="13" name="直线连接符 12">
+              <a:extLst>
+                <a:ext uri="{FF2B5EF4-FFF2-40B4-BE49-F238E27FC236}">
+                  <a16:creationId xmlns:a16="http://schemas.microsoft.com/office/drawing/2014/main" id="{26F94410-E446-7548-9D49-1EB2031DF495}"/>
+                </a:ext>
+              </a:extLst>
+            </p:cNvPr>
+            <p:cNvCxnSpPr>
+              <a:cxnSpLocks/>
+            </p:cNvCxnSpPr>
+            <p:nvPr/>
+          </p:nvCxnSpPr>
+          <p:spPr>
+            <a:xfrm>
+              <a:off x="1952594" y="5073706"/>
+              <a:ext cx="0" cy="84082"/>
+            </a:xfrm>
+            <a:prstGeom prst="line">
+              <a:avLst/>
+            </a:prstGeom>
+          </p:spPr>
+          <p:style>
+            <a:lnRef idx="1">
+              <a:schemeClr val="dk1"/>
+            </a:lnRef>
+            <a:fillRef idx="0">
+              <a:schemeClr val="dk1"/>
+            </a:fillRef>
+            <a:effectRef idx="0">
+              <a:schemeClr val="dk1"/>
+            </a:effectRef>
+            <a:fontRef idx="minor">
+              <a:schemeClr val="tx1"/>
+            </a:fontRef>
+          </p:style>
+        </p:cxnSp>
+        <p:cxnSp>
+          <p:nvCxnSpPr>
+            <p:cNvPr id="14" name="直线连接符 13">
+              <a:extLst>
+                <a:ext uri="{FF2B5EF4-FFF2-40B4-BE49-F238E27FC236}">
+                  <a16:creationId xmlns:a16="http://schemas.microsoft.com/office/drawing/2014/main" id="{3BF8E123-B70E-FE47-AEF5-FC8592399E27}"/>
+                </a:ext>
+              </a:extLst>
+            </p:cNvPr>
+            <p:cNvCxnSpPr/>
+            <p:nvPr/>
+          </p:nvCxnSpPr>
+          <p:spPr>
+            <a:xfrm>
+              <a:off x="1954664" y="5073706"/>
+              <a:ext cx="0" cy="84082"/>
+            </a:xfrm>
+            <a:prstGeom prst="line">
+              <a:avLst/>
+            </a:prstGeom>
+          </p:spPr>
+          <p:style>
+            <a:lnRef idx="1">
+              <a:schemeClr val="dk1"/>
+            </a:lnRef>
+            <a:fillRef idx="0">
+              <a:schemeClr val="dk1"/>
+            </a:fillRef>
+            <a:effectRef idx="0">
+              <a:schemeClr val="dk1"/>
+            </a:effectRef>
+            <a:fontRef idx="minor">
+              <a:schemeClr val="tx1"/>
+            </a:fontRef>
+          </p:style>
+        </p:cxnSp>
+        <p:cxnSp>
+          <p:nvCxnSpPr>
+            <p:cNvPr id="15" name="直线连接符 14">
+              <a:extLst>
+                <a:ext uri="{FF2B5EF4-FFF2-40B4-BE49-F238E27FC236}">
+                  <a16:creationId xmlns:a16="http://schemas.microsoft.com/office/drawing/2014/main" id="{80EE4C96-933E-F34B-8992-F536CF691E42}"/>
+                </a:ext>
+              </a:extLst>
+            </p:cNvPr>
+            <p:cNvCxnSpPr>
+              <a:cxnSpLocks/>
+            </p:cNvCxnSpPr>
+            <p:nvPr/>
+          </p:nvCxnSpPr>
+          <p:spPr>
+            <a:xfrm>
+              <a:off x="2709079" y="5070915"/>
+              <a:ext cx="0" cy="84082"/>
+            </a:xfrm>
+            <a:prstGeom prst="line">
+              <a:avLst/>
+            </a:prstGeom>
+          </p:spPr>
+          <p:style>
+            <a:lnRef idx="1">
+              <a:schemeClr val="dk1"/>
+            </a:lnRef>
+            <a:fillRef idx="0">
+              <a:schemeClr val="dk1"/>
+            </a:fillRef>
+            <a:effectRef idx="0">
+              <a:schemeClr val="dk1"/>
+            </a:effectRef>
+            <a:fontRef idx="minor">
+              <a:schemeClr val="tx1"/>
+            </a:fontRef>
+          </p:style>
+        </p:cxnSp>
+        <p:grpSp>
+          <p:nvGrpSpPr>
+            <p:cNvPr id="16" name="组合 15">
+              <a:extLst>
+                <a:ext uri="{FF2B5EF4-FFF2-40B4-BE49-F238E27FC236}">
+                  <a16:creationId xmlns:a16="http://schemas.microsoft.com/office/drawing/2014/main" id="{B5F841C2-E482-DF47-ACA1-B5CA409C45B3}"/>
+                </a:ext>
+              </a:extLst>
+            </p:cNvPr>
+            <p:cNvGrpSpPr/>
+            <p:nvPr/>
+          </p:nvGrpSpPr>
+          <p:grpSpPr>
+            <a:xfrm>
+              <a:off x="4222369" y="4554380"/>
+              <a:ext cx="754416" cy="497667"/>
+              <a:chOff x="1952594" y="4522391"/>
+              <a:chExt cx="754416" cy="497667"/>
+            </a:xfrm>
+          </p:grpSpPr>
+          <p:sp>
+            <p:nvSpPr>
+              <p:cNvPr id="25" name="左大括号 24">
+                <a:extLst>
+                  <a:ext uri="{FF2B5EF4-FFF2-40B4-BE49-F238E27FC236}">
+                    <a16:creationId xmlns:a16="http://schemas.microsoft.com/office/drawing/2014/main" id="{990C8A5E-FC43-8A44-B2B1-353C6166D5AC}"/>
+                  </a:ext>
+                </a:extLst>
+              </p:cNvPr>
+              <p:cNvSpPr/>
+              <p:nvPr/>
+            </p:nvSpPr>
+            <p:spPr>
+              <a:xfrm rot="5400000">
+                <a:off x="2251255" y="4564304"/>
+                <a:ext cx="157093" cy="754416"/>
+              </a:xfrm>
+              <a:prstGeom prst="leftBrace">
+                <a:avLst/>
+              </a:prstGeom>
+            </p:spPr>
+            <p:style>
+              <a:lnRef idx="1">
+                <a:schemeClr val="dk1"/>
+              </a:lnRef>
+              <a:fillRef idx="0">
+                <a:schemeClr val="dk1"/>
+              </a:fillRef>
+              <a:effectRef idx="0">
+                <a:schemeClr val="dk1"/>
+              </a:effectRef>
+              <a:fontRef idx="minor">
+                <a:schemeClr val="tx1"/>
+              </a:fontRef>
+            </p:style>
+            <p:txBody>
+              <a:bodyPr rtlCol="0" anchor="ctr"/>
+              <a:lstStyle/>
+              <a:p>
+                <a:pPr algn="ctr"/>
+                <a:endParaRPr kumimoji="1" lang="zh-CN" altLang="en-US" dirty="0"/>
+              </a:p>
+            </p:txBody>
+          </p:sp>
+          <mc:AlternateContent xmlns:mc="http://schemas.openxmlformats.org/markup-compatibility/2006">
+            <mc:Choice xmlns:a14="http://schemas.microsoft.com/office/drawing/2010/main" Requires="a14">
+              <p:sp>
+                <p:nvSpPr>
+                  <p:cNvPr id="26" name="文本框 25">
+                    <a:extLst>
+                      <a:ext uri="{FF2B5EF4-FFF2-40B4-BE49-F238E27FC236}">
+                        <a16:creationId xmlns:a16="http://schemas.microsoft.com/office/drawing/2014/main" id="{E7A54562-99B6-8D4F-9E99-DDB890BCE98D}"/>
+                      </a:ext>
+                    </a:extLst>
+                  </p:cNvPr>
+                  <p:cNvSpPr txBox="1"/>
+                  <p:nvPr/>
+                </p:nvSpPr>
+                <p:spPr>
+                  <a:xfrm>
+                    <a:off x="2116890" y="4522391"/>
+                    <a:ext cx="425822" cy="369332"/>
+                  </a:xfrm>
+                  <a:prstGeom prst="rect">
+                    <a:avLst/>
+                  </a:prstGeom>
+                  <a:noFill/>
+                </p:spPr>
+                <p:txBody>
+                  <a:bodyPr wrap="none" rtlCol="0">
+                    <a:spAutoFit/>
+                  </a:bodyPr>
+                  <a:lstStyle/>
+                  <a:p>
+                    <a14:m>
+                      <m:oMathPara xmlns:m="http://schemas.openxmlformats.org/officeDocument/2006/math">
+                        <m:oMathParaPr>
+                          <m:jc m:val="centerGroup"/>
+                        </m:oMathParaPr>
+                        <m:oMath xmlns:m="http://schemas.openxmlformats.org/officeDocument/2006/math">
+                          <m:sSub>
+                            <m:sSubPr>
+                              <m:ctrlPr>
+                                <a:rPr kumimoji="1" lang="en-US" altLang="zh-CN" b="0" i="1" smtClean="0">
+                                  <a:latin typeface="Cambria Math" panose="02040503050406030204" pitchFamily="18" charset="0"/>
+                                </a:rPr>
+                              </m:ctrlPr>
+                            </m:sSubPr>
+                            <m:e>
+                              <m:r>
+                                <a:rPr kumimoji="1" lang="en-US" altLang="zh-CN" b="0" i="1" smtClean="0">
+                                  <a:latin typeface="Cambria Math" panose="02040503050406030204" pitchFamily="18" charset="0"/>
+                                </a:rPr>
+                                <m:t>𝑉</m:t>
+                              </m:r>
+                            </m:e>
+                            <m:sub>
+                              <m:r>
+                                <a:rPr kumimoji="1" lang="en-US" altLang="zh-CN" b="0" i="1" smtClean="0">
+                                  <a:latin typeface="Cambria Math" panose="02040503050406030204" pitchFamily="18" charset="0"/>
+                                </a:rPr>
+                                <m:t>𝑙</m:t>
+                              </m:r>
+                            </m:sub>
+                          </m:sSub>
+                        </m:oMath>
+                      </m:oMathPara>
+                    </a14:m>
+                    <a:endParaRPr kumimoji="1" lang="zh-CN" altLang="en-US" dirty="0"/>
+                  </a:p>
+                </p:txBody>
+              </p:sp>
+            </mc:Choice>
+            <mc:Fallback>
+              <p:sp>
+                <p:nvSpPr>
+                  <p:cNvPr id="26" name="文本框 25">
+                    <a:extLst>
+                      <a:ext uri="{FF2B5EF4-FFF2-40B4-BE49-F238E27FC236}">
+                        <a16:creationId xmlns:a16="http://schemas.microsoft.com/office/drawing/2014/main" id="{E7A54562-99B6-8D4F-9E99-DDB890BCE98D}"/>
+                      </a:ext>
+                    </a:extLst>
+                  </p:cNvPr>
+                  <p:cNvSpPr txBox="1">
+                    <a:spLocks noRot="1" noChangeAspect="1" noMove="1" noResize="1" noEditPoints="1" noAdjustHandles="1" noChangeArrowheads="1" noChangeShapeType="1" noTextEdit="1"/>
+                  </p:cNvSpPr>
+                  <p:nvPr/>
+                </p:nvSpPr>
+                <p:spPr>
+                  <a:xfrm>
+                    <a:off x="2116890" y="4522391"/>
+                    <a:ext cx="425822" cy="369332"/>
+                  </a:xfrm>
+                  <a:prstGeom prst="rect">
+                    <a:avLst/>
+                  </a:prstGeom>
+                  <a:blipFill>
+                    <a:blip r:embed="rId4"/>
+                    <a:stretch>
+                      <a:fillRect/>
+                    </a:stretch>
+                  </a:blipFill>
+                </p:spPr>
+                <p:txBody>
+                  <a:bodyPr/>
+                  <a:lstStyle/>
+                  <a:p>
+                    <a:r>
+                      <a:rPr lang="zh-CN" altLang="en-US">
+                        <a:noFill/>
+                      </a:rPr>
+                      <a:t> </a:t>
+                    </a:r>
+                  </a:p>
+                </p:txBody>
+              </p:sp>
+            </mc:Fallback>
+          </mc:AlternateContent>
+        </p:grpSp>
+        <mc:AlternateContent xmlns:mc="http://schemas.openxmlformats.org/markup-compatibility/2006">
+          <mc:Choice xmlns:a14="http://schemas.microsoft.com/office/drawing/2010/main" Requires="a14">
+            <p:sp>
+              <p:nvSpPr>
+                <p:cNvPr id="17" name="文本框 16">
+                  <a:extLst>
+                    <a:ext uri="{FF2B5EF4-FFF2-40B4-BE49-F238E27FC236}">
+                      <a16:creationId xmlns:a16="http://schemas.microsoft.com/office/drawing/2014/main" id="{267DE9B1-7DE8-8C44-A38B-D0E1BFE52483}"/>
+                    </a:ext>
+                  </a:extLst>
+                </p:cNvPr>
+                <p:cNvSpPr txBox="1"/>
+                <p:nvPr/>
+              </p:nvSpPr>
+              <p:spPr>
+                <a:xfrm>
+                  <a:off x="1001678" y="5146331"/>
+                  <a:ext cx="400238" cy="338554"/>
+                </a:xfrm>
+                <a:prstGeom prst="rect">
+                  <a:avLst/>
+                </a:prstGeom>
+                <a:noFill/>
+              </p:spPr>
+              <p:txBody>
+                <a:bodyPr wrap="none" rtlCol="0">
+                  <a:spAutoFit/>
+                </a:bodyPr>
+                <a:lstStyle/>
+                <a:p>
+                  <a14:m>
+                    <m:oMathPara xmlns:m="http://schemas.openxmlformats.org/officeDocument/2006/math">
+                      <m:oMathParaPr>
+                        <m:jc m:val="centerGroup"/>
+                      </m:oMathParaPr>
+                      <m:oMath xmlns:m="http://schemas.openxmlformats.org/officeDocument/2006/math">
+                        <m:sSub>
+                          <m:sSubPr>
+                            <m:ctrlPr>
+                              <a:rPr kumimoji="1" lang="en-US" altLang="zh-CN" sz="1600" b="0" i="1" smtClean="0">
+                                <a:latin typeface="Cambria Math" panose="02040503050406030204" pitchFamily="18" charset="0"/>
+                              </a:rPr>
+                            </m:ctrlPr>
+                          </m:sSubPr>
+                          <m:e>
+                            <m:r>
+                              <a:rPr kumimoji="1" lang="en-US" altLang="zh-CN" sz="1600" b="0" i="1" smtClean="0">
+                                <a:latin typeface="Cambria Math" panose="02040503050406030204" pitchFamily="18" charset="0"/>
+                              </a:rPr>
+                              <m:t>𝑡</m:t>
+                            </m:r>
+                          </m:e>
+                          <m:sub>
+                            <m:r>
+                              <a:rPr kumimoji="1" lang="en-US" altLang="zh-CN" sz="1600" b="0" i="1" smtClean="0">
+                                <a:latin typeface="Cambria Math" panose="02040503050406030204" pitchFamily="18" charset="0"/>
+                              </a:rPr>
+                              <m:t>1</m:t>
+                            </m:r>
+                          </m:sub>
+                        </m:sSub>
+                      </m:oMath>
+                    </m:oMathPara>
+                  </a14:m>
+                  <a:endParaRPr kumimoji="1" lang="zh-CN" altLang="en-US" sz="1600" dirty="0"/>
+                </a:p>
+              </p:txBody>
+            </p:sp>
+          </mc:Choice>
+          <mc:Fallback>
+            <p:sp>
+              <p:nvSpPr>
+                <p:cNvPr id="17" name="文本框 16">
+                  <a:extLst>
+                    <a:ext uri="{FF2B5EF4-FFF2-40B4-BE49-F238E27FC236}">
+                      <a16:creationId xmlns:a16="http://schemas.microsoft.com/office/drawing/2014/main" id="{267DE9B1-7DE8-8C44-A38B-D0E1BFE52483}"/>
+                    </a:ext>
+                  </a:extLst>
+                </p:cNvPr>
+                <p:cNvSpPr txBox="1">
+                  <a:spLocks noRot="1" noChangeAspect="1" noMove="1" noResize="1" noEditPoints="1" noAdjustHandles="1" noChangeArrowheads="1" noChangeShapeType="1" noTextEdit="1"/>
+                </p:cNvSpPr>
+                <p:nvPr/>
+              </p:nvSpPr>
+              <p:spPr>
+                <a:xfrm>
+                  <a:off x="1001678" y="5146331"/>
+                  <a:ext cx="400238" cy="338554"/>
+                </a:xfrm>
+                <a:prstGeom prst="rect">
+                  <a:avLst/>
+                </a:prstGeom>
+                <a:blipFill>
+                  <a:blip r:embed="rId5"/>
+                  <a:stretch>
+                    <a:fillRect/>
+                  </a:stretch>
+                </a:blipFill>
+              </p:spPr>
+              <p:txBody>
+                <a:bodyPr/>
+                <a:lstStyle/>
+                <a:p>
+                  <a:r>
+                    <a:rPr lang="zh-CN" altLang="en-US">
+                      <a:noFill/>
+                    </a:rPr>
+                    <a:t> </a:t>
+                  </a:r>
+                </a:p>
+              </p:txBody>
+            </p:sp>
+          </mc:Fallback>
+        </mc:AlternateContent>
+        <mc:AlternateContent xmlns:mc="http://schemas.openxmlformats.org/markup-compatibility/2006">
+          <mc:Choice xmlns:a14="http://schemas.microsoft.com/office/drawing/2010/main" Requires="a14">
+            <p:sp>
+              <p:nvSpPr>
+                <p:cNvPr id="18" name="文本框 17">
+                  <a:extLst>
+                    <a:ext uri="{FF2B5EF4-FFF2-40B4-BE49-F238E27FC236}">
+                      <a16:creationId xmlns:a16="http://schemas.microsoft.com/office/drawing/2014/main" id="{A3250E17-5987-E140-B843-A0788CE2F136}"/>
+                    </a:ext>
+                  </a:extLst>
+                </p:cNvPr>
+                <p:cNvSpPr txBox="1"/>
+                <p:nvPr/>
+              </p:nvSpPr>
+              <p:spPr>
+                <a:xfrm>
+                  <a:off x="1750928" y="5146331"/>
+                  <a:ext cx="404983" cy="338554"/>
+                </a:xfrm>
+                <a:prstGeom prst="rect">
+                  <a:avLst/>
+                </a:prstGeom>
+                <a:noFill/>
+              </p:spPr>
+              <p:txBody>
+                <a:bodyPr wrap="none" rtlCol="0">
+                  <a:spAutoFit/>
+                </a:bodyPr>
+                <a:lstStyle/>
+                <a:p>
+                  <a14:m>
+                    <m:oMathPara xmlns:m="http://schemas.openxmlformats.org/officeDocument/2006/math">
+                      <m:oMathParaPr>
+                        <m:jc m:val="centerGroup"/>
+                      </m:oMathParaPr>
+                      <m:oMath xmlns:m="http://schemas.openxmlformats.org/officeDocument/2006/math">
+                        <m:sSub>
+                          <m:sSubPr>
+                            <m:ctrlPr>
+                              <a:rPr kumimoji="1" lang="en-US" altLang="zh-CN" sz="1600" b="0" i="1" smtClean="0">
+                                <a:latin typeface="Cambria Math" panose="02040503050406030204" pitchFamily="18" charset="0"/>
+                              </a:rPr>
+                            </m:ctrlPr>
+                          </m:sSubPr>
+                          <m:e>
+                            <m:r>
+                              <a:rPr kumimoji="1" lang="en-US" altLang="zh-CN" sz="1600" b="0" i="1" smtClean="0">
+                                <a:latin typeface="Cambria Math" panose="02040503050406030204" pitchFamily="18" charset="0"/>
+                              </a:rPr>
+                              <m:t>𝑡</m:t>
+                            </m:r>
+                          </m:e>
+                          <m:sub>
+                            <m:r>
+                              <a:rPr kumimoji="1" lang="en-US" altLang="zh-CN" sz="1600" b="0" i="1" smtClean="0">
+                                <a:latin typeface="Cambria Math" panose="02040503050406030204" pitchFamily="18" charset="0"/>
+                              </a:rPr>
+                              <m:t>2</m:t>
+                            </m:r>
+                          </m:sub>
+                        </m:sSub>
+                      </m:oMath>
+                    </m:oMathPara>
+                  </a14:m>
+                  <a:endParaRPr kumimoji="1" lang="zh-CN" altLang="en-US" sz="1600" dirty="0"/>
+                </a:p>
+              </p:txBody>
+            </p:sp>
+          </mc:Choice>
+          <mc:Fallback>
+            <p:sp>
+              <p:nvSpPr>
+                <p:cNvPr id="18" name="文本框 17">
+                  <a:extLst>
+                    <a:ext uri="{FF2B5EF4-FFF2-40B4-BE49-F238E27FC236}">
+                      <a16:creationId xmlns:a16="http://schemas.microsoft.com/office/drawing/2014/main" id="{A3250E17-5987-E140-B843-A0788CE2F136}"/>
+                    </a:ext>
+                  </a:extLst>
+                </p:cNvPr>
+                <p:cNvSpPr txBox="1">
+                  <a:spLocks noRot="1" noChangeAspect="1" noMove="1" noResize="1" noEditPoints="1" noAdjustHandles="1" noChangeArrowheads="1" noChangeShapeType="1" noTextEdit="1"/>
+                </p:cNvSpPr>
+                <p:nvPr/>
+              </p:nvSpPr>
+              <p:spPr>
+                <a:xfrm>
+                  <a:off x="1750928" y="5146331"/>
+                  <a:ext cx="404983" cy="338554"/>
+                </a:xfrm>
+                <a:prstGeom prst="rect">
+                  <a:avLst/>
+                </a:prstGeom>
+                <a:blipFill>
+                  <a:blip r:embed="rId6"/>
+                  <a:stretch>
+                    <a:fillRect/>
+                  </a:stretch>
+                </a:blipFill>
+              </p:spPr>
+              <p:txBody>
+                <a:bodyPr/>
+                <a:lstStyle/>
+                <a:p>
+                  <a:r>
+                    <a:rPr lang="zh-CN" altLang="en-US">
+                      <a:noFill/>
+                    </a:rPr>
+                    <a:t> </a:t>
+                  </a:r>
+                </a:p>
+              </p:txBody>
+            </p:sp>
+          </mc:Fallback>
+        </mc:AlternateContent>
+        <mc:AlternateContent xmlns:mc="http://schemas.openxmlformats.org/markup-compatibility/2006">
+          <mc:Choice xmlns:a14="http://schemas.microsoft.com/office/drawing/2010/main" Requires="a14">
+            <p:sp>
+              <p:nvSpPr>
+                <p:cNvPr id="19" name="文本框 18">
+                  <a:extLst>
+                    <a:ext uri="{FF2B5EF4-FFF2-40B4-BE49-F238E27FC236}">
+                      <a16:creationId xmlns:a16="http://schemas.microsoft.com/office/drawing/2014/main" id="{AE5136F9-7F0D-6345-BB44-021C77797BE9}"/>
+                    </a:ext>
+                  </a:extLst>
+                </p:cNvPr>
+                <p:cNvSpPr txBox="1"/>
+                <p:nvPr/>
+              </p:nvSpPr>
+              <p:spPr>
+                <a:xfrm>
+                  <a:off x="2510200" y="5146331"/>
+                  <a:ext cx="572016" cy="338554"/>
+                </a:xfrm>
+                <a:prstGeom prst="rect">
+                  <a:avLst/>
+                </a:prstGeom>
+                <a:noFill/>
+              </p:spPr>
+              <p:txBody>
+                <a:bodyPr wrap="none" rtlCol="0">
+                  <a:spAutoFit/>
+                </a:bodyPr>
+                <a:lstStyle/>
+                <a:p>
+                  <a14:m>
+                    <m:oMathPara xmlns:m="http://schemas.openxmlformats.org/officeDocument/2006/math">
+                      <m:oMathParaPr>
+                        <m:jc m:val="centerGroup"/>
+                      </m:oMathParaPr>
+                      <m:oMath xmlns:m="http://schemas.openxmlformats.org/officeDocument/2006/math">
+                        <m:sSub>
+                          <m:sSubPr>
+                            <m:ctrlPr>
+                              <a:rPr kumimoji="1" lang="en-US" altLang="zh-CN" sz="1600" b="0" i="1" smtClean="0">
+                                <a:latin typeface="Cambria Math" panose="02040503050406030204" pitchFamily="18" charset="0"/>
+                              </a:rPr>
+                            </m:ctrlPr>
+                          </m:sSubPr>
+                          <m:e>
+                            <m:r>
+                              <a:rPr kumimoji="1" lang="en-US" altLang="zh-CN" sz="1600" b="0" i="1" smtClean="0">
+                                <a:latin typeface="Cambria Math" panose="02040503050406030204" pitchFamily="18" charset="0"/>
+                              </a:rPr>
+                              <m:t>𝑡</m:t>
+                            </m:r>
+                          </m:e>
+                          <m:sub>
+                            <m:r>
+                              <a:rPr kumimoji="1" lang="en-US" altLang="zh-CN" sz="1600" b="0" i="1" smtClean="0">
+                                <a:latin typeface="Cambria Math" panose="02040503050406030204" pitchFamily="18" charset="0"/>
+                              </a:rPr>
+                              <m:t>𝑙</m:t>
+                            </m:r>
+                            <m:r>
+                              <a:rPr kumimoji="1" lang="en-US" altLang="zh-CN" sz="1600" b="0" i="1" smtClean="0">
+                                <a:latin typeface="Cambria Math" panose="02040503050406030204" pitchFamily="18" charset="0"/>
+                              </a:rPr>
+                              <m:t>−2</m:t>
+                            </m:r>
+                          </m:sub>
+                        </m:sSub>
+                      </m:oMath>
+                    </m:oMathPara>
+                  </a14:m>
+                  <a:endParaRPr kumimoji="1" lang="zh-CN" altLang="en-US" sz="1600" dirty="0"/>
+                </a:p>
+              </p:txBody>
+            </p:sp>
+          </mc:Choice>
+          <mc:Fallback>
+            <p:sp>
+              <p:nvSpPr>
+                <p:cNvPr id="19" name="文本框 18">
+                  <a:extLst>
+                    <a:ext uri="{FF2B5EF4-FFF2-40B4-BE49-F238E27FC236}">
+                      <a16:creationId xmlns:a16="http://schemas.microsoft.com/office/drawing/2014/main" id="{AE5136F9-7F0D-6345-BB44-021C77797BE9}"/>
+                    </a:ext>
+                  </a:extLst>
+                </p:cNvPr>
+                <p:cNvSpPr txBox="1">
+                  <a:spLocks noRot="1" noChangeAspect="1" noMove="1" noResize="1" noEditPoints="1" noAdjustHandles="1" noChangeArrowheads="1" noChangeShapeType="1" noTextEdit="1"/>
+                </p:cNvSpPr>
+                <p:nvPr/>
+              </p:nvSpPr>
+              <p:spPr>
+                <a:xfrm>
+                  <a:off x="2510200" y="5146331"/>
+                  <a:ext cx="572016" cy="338554"/>
+                </a:xfrm>
+                <a:prstGeom prst="rect">
+                  <a:avLst/>
+                </a:prstGeom>
+                <a:blipFill>
+                  <a:blip r:embed="rId7"/>
+                  <a:stretch>
+                    <a:fillRect/>
+                  </a:stretch>
+                </a:blipFill>
+              </p:spPr>
+              <p:txBody>
+                <a:bodyPr/>
+                <a:lstStyle/>
+                <a:p>
+                  <a:r>
+                    <a:rPr lang="zh-CN" altLang="en-US">
+                      <a:noFill/>
+                    </a:rPr>
+                    <a:t> </a:t>
+                  </a:r>
+                </a:p>
+              </p:txBody>
+            </p:sp>
+          </mc:Fallback>
+        </mc:AlternateContent>
+        <mc:AlternateContent xmlns:mc="http://schemas.openxmlformats.org/markup-compatibility/2006">
+          <mc:Choice xmlns:a14="http://schemas.microsoft.com/office/drawing/2010/main" Requires="a14">
+            <p:sp>
+              <p:nvSpPr>
+                <p:cNvPr id="20" name="文本框 19">
+                  <a:extLst>
+                    <a:ext uri="{FF2B5EF4-FFF2-40B4-BE49-F238E27FC236}">
+                      <a16:creationId xmlns:a16="http://schemas.microsoft.com/office/drawing/2014/main" id="{74D4B78C-6294-164C-8A23-804D2ACA5BF9}"/>
+                    </a:ext>
+                  </a:extLst>
+                </p:cNvPr>
+                <p:cNvSpPr txBox="1"/>
+                <p:nvPr/>
+              </p:nvSpPr>
+              <p:spPr>
+                <a:xfrm>
+                  <a:off x="3242657" y="5146331"/>
+                  <a:ext cx="572016" cy="338554"/>
+                </a:xfrm>
+                <a:prstGeom prst="rect">
+                  <a:avLst/>
+                </a:prstGeom>
+                <a:noFill/>
+              </p:spPr>
+              <p:txBody>
+                <a:bodyPr wrap="none" rtlCol="0">
+                  <a:spAutoFit/>
+                </a:bodyPr>
+                <a:lstStyle/>
+                <a:p>
+                  <a14:m>
+                    <m:oMathPara xmlns:m="http://schemas.openxmlformats.org/officeDocument/2006/math">
+                      <m:oMathParaPr>
+                        <m:jc m:val="centerGroup"/>
+                      </m:oMathParaPr>
+                      <m:oMath xmlns:m="http://schemas.openxmlformats.org/officeDocument/2006/math">
+                        <m:sSub>
+                          <m:sSubPr>
+                            <m:ctrlPr>
+                              <a:rPr kumimoji="1" lang="en-US" altLang="zh-CN" sz="1600" b="0" i="1" smtClean="0">
+                                <a:latin typeface="Cambria Math" panose="02040503050406030204" pitchFamily="18" charset="0"/>
+                              </a:rPr>
+                            </m:ctrlPr>
+                          </m:sSubPr>
+                          <m:e>
+                            <m:r>
+                              <a:rPr kumimoji="1" lang="en-US" altLang="zh-CN" sz="1600" b="0" i="1" smtClean="0">
+                                <a:latin typeface="Cambria Math" panose="02040503050406030204" pitchFamily="18" charset="0"/>
+                              </a:rPr>
+                              <m:t>𝑡</m:t>
+                            </m:r>
+                          </m:e>
+                          <m:sub>
+                            <m:r>
+                              <a:rPr kumimoji="1" lang="en-US" altLang="zh-CN" sz="1600" b="0" i="1" smtClean="0">
+                                <a:latin typeface="Cambria Math" panose="02040503050406030204" pitchFamily="18" charset="0"/>
+                              </a:rPr>
+                              <m:t>𝑙</m:t>
+                            </m:r>
+                            <m:r>
+                              <a:rPr kumimoji="1" lang="en-US" altLang="zh-CN" sz="1600" b="0" i="1" smtClean="0">
+                                <a:latin typeface="Cambria Math" panose="02040503050406030204" pitchFamily="18" charset="0"/>
+                              </a:rPr>
+                              <m:t>−1</m:t>
+                            </m:r>
+                          </m:sub>
+                        </m:sSub>
+                      </m:oMath>
+                    </m:oMathPara>
+                  </a14:m>
+                  <a:endParaRPr kumimoji="1" lang="zh-CN" altLang="en-US" sz="1600" dirty="0"/>
+                </a:p>
+              </p:txBody>
+            </p:sp>
+          </mc:Choice>
+          <mc:Fallback>
+            <p:sp>
+              <p:nvSpPr>
+                <p:cNvPr id="20" name="文本框 19">
+                  <a:extLst>
+                    <a:ext uri="{FF2B5EF4-FFF2-40B4-BE49-F238E27FC236}">
+                      <a16:creationId xmlns:a16="http://schemas.microsoft.com/office/drawing/2014/main" id="{74D4B78C-6294-164C-8A23-804D2ACA5BF9}"/>
+                    </a:ext>
+                  </a:extLst>
+                </p:cNvPr>
+                <p:cNvSpPr txBox="1">
+                  <a:spLocks noRot="1" noChangeAspect="1" noMove="1" noResize="1" noEditPoints="1" noAdjustHandles="1" noChangeArrowheads="1" noChangeShapeType="1" noTextEdit="1"/>
+                </p:cNvSpPr>
+                <p:nvPr/>
+              </p:nvSpPr>
+              <p:spPr>
+                <a:xfrm>
+                  <a:off x="3242657" y="5146331"/>
+                  <a:ext cx="572016" cy="338554"/>
+                </a:xfrm>
+                <a:prstGeom prst="rect">
+                  <a:avLst/>
+                </a:prstGeom>
+                <a:blipFill>
+                  <a:blip r:embed="rId8"/>
+                  <a:stretch>
+                    <a:fillRect/>
+                  </a:stretch>
+                </a:blipFill>
+              </p:spPr>
+              <p:txBody>
+                <a:bodyPr/>
+                <a:lstStyle/>
+                <a:p>
+                  <a:r>
+                    <a:rPr lang="zh-CN" altLang="en-US">
+                      <a:noFill/>
+                    </a:rPr>
+                    <a:t> </a:t>
+                  </a:r>
+                </a:p>
+              </p:txBody>
+            </p:sp>
+          </mc:Fallback>
+        </mc:AlternateContent>
+        <mc:AlternateContent xmlns:mc="http://schemas.openxmlformats.org/markup-compatibility/2006">
+          <mc:Choice xmlns:a14="http://schemas.microsoft.com/office/drawing/2010/main" Requires="a14">
+            <p:sp>
+              <p:nvSpPr>
+                <p:cNvPr id="21" name="文本框 20">
+                  <a:extLst>
+                    <a:ext uri="{FF2B5EF4-FFF2-40B4-BE49-F238E27FC236}">
+                      <a16:creationId xmlns:a16="http://schemas.microsoft.com/office/drawing/2014/main" id="{CCAC8419-AD65-E84F-8B13-E82BE588E63D}"/>
+                    </a:ext>
+                  </a:extLst>
+                </p:cNvPr>
+                <p:cNvSpPr txBox="1"/>
+                <p:nvPr/>
+              </p:nvSpPr>
+              <p:spPr>
+                <a:xfrm>
+                  <a:off x="3997072" y="5140373"/>
+                  <a:ext cx="376450" cy="338554"/>
+                </a:xfrm>
+                <a:prstGeom prst="rect">
+                  <a:avLst/>
+                </a:prstGeom>
+                <a:noFill/>
+              </p:spPr>
+              <p:txBody>
+                <a:bodyPr wrap="none" rtlCol="0">
+                  <a:spAutoFit/>
+                </a:bodyPr>
+                <a:lstStyle/>
+                <a:p>
+                  <a14:m>
+                    <m:oMathPara xmlns:m="http://schemas.openxmlformats.org/officeDocument/2006/math">
+                      <m:oMathParaPr>
+                        <m:jc m:val="centerGroup"/>
+                      </m:oMathParaPr>
+                      <m:oMath xmlns:m="http://schemas.openxmlformats.org/officeDocument/2006/math">
+                        <m:sSub>
+                          <m:sSubPr>
+                            <m:ctrlPr>
+                              <a:rPr kumimoji="1" lang="en-US" altLang="zh-CN" sz="1600" b="0" i="1" smtClean="0">
+                                <a:latin typeface="Cambria Math" panose="02040503050406030204" pitchFamily="18" charset="0"/>
+                              </a:rPr>
+                            </m:ctrlPr>
+                          </m:sSubPr>
+                          <m:e>
+                            <m:r>
+                              <a:rPr kumimoji="1" lang="en-US" altLang="zh-CN" sz="1600" b="0" i="1" smtClean="0">
+                                <a:latin typeface="Cambria Math" panose="02040503050406030204" pitchFamily="18" charset="0"/>
+                              </a:rPr>
+                              <m:t>𝑡</m:t>
+                            </m:r>
+                          </m:e>
+                          <m:sub>
+                            <m:r>
+                              <a:rPr kumimoji="1" lang="en-US" altLang="zh-CN" sz="1600" b="0" i="1" smtClean="0">
+                                <a:latin typeface="Cambria Math" panose="02040503050406030204" pitchFamily="18" charset="0"/>
+                              </a:rPr>
+                              <m:t>𝑙</m:t>
+                            </m:r>
+                          </m:sub>
+                        </m:sSub>
+                      </m:oMath>
+                    </m:oMathPara>
+                  </a14:m>
+                  <a:endParaRPr kumimoji="1" lang="zh-CN" altLang="en-US" sz="1600" dirty="0"/>
+                </a:p>
+              </p:txBody>
+            </p:sp>
+          </mc:Choice>
+          <mc:Fallback>
+            <p:sp>
+              <p:nvSpPr>
+                <p:cNvPr id="21" name="文本框 20">
+                  <a:extLst>
+                    <a:ext uri="{FF2B5EF4-FFF2-40B4-BE49-F238E27FC236}">
+                      <a16:creationId xmlns:a16="http://schemas.microsoft.com/office/drawing/2014/main" id="{CCAC8419-AD65-E84F-8B13-E82BE588E63D}"/>
+                    </a:ext>
+                  </a:extLst>
+                </p:cNvPr>
+                <p:cNvSpPr txBox="1">
+                  <a:spLocks noRot="1" noChangeAspect="1" noMove="1" noResize="1" noEditPoints="1" noAdjustHandles="1" noChangeArrowheads="1" noChangeShapeType="1" noTextEdit="1"/>
+                </p:cNvSpPr>
+                <p:nvPr/>
+              </p:nvSpPr>
+              <p:spPr>
+                <a:xfrm>
+                  <a:off x="3997072" y="5140373"/>
+                  <a:ext cx="376450" cy="338554"/>
+                </a:xfrm>
+                <a:prstGeom prst="rect">
+                  <a:avLst/>
+                </a:prstGeom>
+                <a:blipFill>
+                  <a:blip r:embed="rId9"/>
+                  <a:stretch>
+                    <a:fillRect/>
+                  </a:stretch>
+                </a:blipFill>
+              </p:spPr>
+              <p:txBody>
+                <a:bodyPr/>
+                <a:lstStyle/>
+                <a:p>
+                  <a:r>
+                    <a:rPr lang="zh-CN" altLang="en-US">
+                      <a:noFill/>
+                    </a:rPr>
+                    <a:t> </a:t>
+                  </a:r>
+                </a:p>
+              </p:txBody>
+            </p:sp>
+          </mc:Fallback>
+        </mc:AlternateContent>
+        <mc:AlternateContent xmlns:mc="http://schemas.openxmlformats.org/markup-compatibility/2006">
+          <mc:Choice xmlns:a14="http://schemas.microsoft.com/office/drawing/2010/main" Requires="a14">
+            <p:sp>
+              <p:nvSpPr>
+                <p:cNvPr id="22" name="文本框 21">
+                  <a:extLst>
+                    <a:ext uri="{FF2B5EF4-FFF2-40B4-BE49-F238E27FC236}">
+                      <a16:creationId xmlns:a16="http://schemas.microsoft.com/office/drawing/2014/main" id="{E1550B99-D4D1-7E41-9EAE-8569F876D7C0}"/>
+                    </a:ext>
+                  </a:extLst>
+                </p:cNvPr>
+                <p:cNvSpPr txBox="1"/>
+                <p:nvPr/>
+              </p:nvSpPr>
+              <p:spPr>
+                <a:xfrm>
+                  <a:off x="4797095" y="5150742"/>
+                  <a:ext cx="572016" cy="338554"/>
+                </a:xfrm>
+                <a:prstGeom prst="rect">
+                  <a:avLst/>
+                </a:prstGeom>
+                <a:noFill/>
+              </p:spPr>
+              <p:txBody>
+                <a:bodyPr wrap="none" rtlCol="0">
+                  <a:spAutoFit/>
+                </a:bodyPr>
+                <a:lstStyle/>
+                <a:p>
+                  <a14:m>
+                    <m:oMathPara xmlns:m="http://schemas.openxmlformats.org/officeDocument/2006/math">
+                      <m:oMathParaPr>
+                        <m:jc m:val="centerGroup"/>
+                      </m:oMathParaPr>
+                      <m:oMath xmlns:m="http://schemas.openxmlformats.org/officeDocument/2006/math">
+                        <m:sSub>
+                          <m:sSubPr>
+                            <m:ctrlPr>
+                              <a:rPr kumimoji="1" lang="en-US" altLang="zh-CN" sz="1600" b="0" i="1" smtClean="0">
+                                <a:latin typeface="Cambria Math" panose="02040503050406030204" pitchFamily="18" charset="0"/>
+                              </a:rPr>
+                            </m:ctrlPr>
+                          </m:sSubPr>
+                          <m:e>
+                            <m:r>
+                              <a:rPr kumimoji="1" lang="en-US" altLang="zh-CN" sz="1600" b="0" i="1" smtClean="0">
+                                <a:latin typeface="Cambria Math" panose="02040503050406030204" pitchFamily="18" charset="0"/>
+                              </a:rPr>
+                              <m:t>𝑡</m:t>
+                            </m:r>
+                          </m:e>
+                          <m:sub>
+                            <m:r>
+                              <a:rPr kumimoji="1" lang="en-US" altLang="zh-CN" sz="1600" b="0" i="1" smtClean="0">
+                                <a:latin typeface="Cambria Math" panose="02040503050406030204" pitchFamily="18" charset="0"/>
+                              </a:rPr>
+                              <m:t>𝑙</m:t>
+                            </m:r>
+                            <m:r>
+                              <a:rPr kumimoji="1" lang="en-US" altLang="zh-CN" sz="1600" b="0" i="1" smtClean="0">
+                                <a:latin typeface="Cambria Math" panose="02040503050406030204" pitchFamily="18" charset="0"/>
+                              </a:rPr>
+                              <m:t>+1</m:t>
+                            </m:r>
+                          </m:sub>
+                        </m:sSub>
+                      </m:oMath>
+                    </m:oMathPara>
+                  </a14:m>
+                  <a:endParaRPr kumimoji="1" lang="zh-CN" altLang="en-US" sz="1600" dirty="0"/>
+                </a:p>
+              </p:txBody>
+            </p:sp>
+          </mc:Choice>
+          <mc:Fallback>
+            <p:sp>
+              <p:nvSpPr>
+                <p:cNvPr id="22" name="文本框 21">
+                  <a:extLst>
+                    <a:ext uri="{FF2B5EF4-FFF2-40B4-BE49-F238E27FC236}">
+                      <a16:creationId xmlns:a16="http://schemas.microsoft.com/office/drawing/2014/main" id="{E1550B99-D4D1-7E41-9EAE-8569F876D7C0}"/>
+                    </a:ext>
+                  </a:extLst>
+                </p:cNvPr>
+                <p:cNvSpPr txBox="1">
+                  <a:spLocks noRot="1" noChangeAspect="1" noMove="1" noResize="1" noEditPoints="1" noAdjustHandles="1" noChangeArrowheads="1" noChangeShapeType="1" noTextEdit="1"/>
+                </p:cNvSpPr>
+                <p:nvPr/>
+              </p:nvSpPr>
+              <p:spPr>
+                <a:xfrm>
+                  <a:off x="4797095" y="5150742"/>
+                  <a:ext cx="572016" cy="338554"/>
+                </a:xfrm>
+                <a:prstGeom prst="rect">
+                  <a:avLst/>
+                </a:prstGeom>
+                <a:blipFill>
+                  <a:blip r:embed="rId10"/>
+                  <a:stretch>
+                    <a:fillRect/>
+                  </a:stretch>
+                </a:blipFill>
+              </p:spPr>
+              <p:txBody>
+                <a:bodyPr/>
+                <a:lstStyle/>
+                <a:p>
+                  <a:r>
+                    <a:rPr lang="zh-CN" altLang="en-US">
+                      <a:noFill/>
+                    </a:rPr>
+                    <a:t> </a:t>
+                  </a:r>
+                </a:p>
+              </p:txBody>
+            </p:sp>
+          </mc:Fallback>
+        </mc:AlternateContent>
+        <mc:AlternateContent xmlns:mc="http://schemas.openxmlformats.org/markup-compatibility/2006">
+          <mc:Choice xmlns:a14="http://schemas.microsoft.com/office/drawing/2010/main" Requires="a14">
+            <p:sp>
+              <p:nvSpPr>
+                <p:cNvPr id="23" name="文本框 22">
+                  <a:extLst>
+                    <a:ext uri="{FF2B5EF4-FFF2-40B4-BE49-F238E27FC236}">
+                      <a16:creationId xmlns:a16="http://schemas.microsoft.com/office/drawing/2014/main" id="{3D30F1DD-E56E-0E49-AEDC-D59F7E991284}"/>
+                    </a:ext>
+                  </a:extLst>
+                </p:cNvPr>
+                <p:cNvSpPr txBox="1"/>
+                <p:nvPr/>
+              </p:nvSpPr>
+              <p:spPr>
+                <a:xfrm>
+                  <a:off x="5546345" y="5160902"/>
+                  <a:ext cx="572016" cy="338554"/>
+                </a:xfrm>
+                <a:prstGeom prst="rect">
+                  <a:avLst/>
+                </a:prstGeom>
+                <a:noFill/>
+              </p:spPr>
+              <p:txBody>
+                <a:bodyPr wrap="none" rtlCol="0">
+                  <a:spAutoFit/>
+                </a:bodyPr>
+                <a:lstStyle/>
+                <a:p>
+                  <a14:m>
+                    <m:oMathPara xmlns:m="http://schemas.openxmlformats.org/officeDocument/2006/math">
+                      <m:oMathParaPr>
+                        <m:jc m:val="centerGroup"/>
+                      </m:oMathParaPr>
+                      <m:oMath xmlns:m="http://schemas.openxmlformats.org/officeDocument/2006/math">
+                        <m:sSub>
+                          <m:sSubPr>
+                            <m:ctrlPr>
+                              <a:rPr kumimoji="1" lang="en-US" altLang="zh-CN" sz="1600" b="0" i="1" smtClean="0">
+                                <a:latin typeface="Cambria Math" panose="02040503050406030204" pitchFamily="18" charset="0"/>
+                              </a:rPr>
+                            </m:ctrlPr>
+                          </m:sSubPr>
+                          <m:e>
+                            <m:r>
+                              <a:rPr kumimoji="1" lang="en-US" altLang="zh-CN" sz="1600" b="0" i="1" smtClean="0">
+                                <a:latin typeface="Cambria Math" panose="02040503050406030204" pitchFamily="18" charset="0"/>
+                              </a:rPr>
+                              <m:t>𝑡</m:t>
+                            </m:r>
+                          </m:e>
+                          <m:sub>
+                            <m:r>
+                              <a:rPr kumimoji="1" lang="en-US" altLang="zh-CN" sz="1600" b="0" i="1" smtClean="0">
+                                <a:latin typeface="Cambria Math" panose="02040503050406030204" pitchFamily="18" charset="0"/>
+                              </a:rPr>
+                              <m:t>𝑙</m:t>
+                            </m:r>
+                            <m:r>
+                              <a:rPr kumimoji="1" lang="en-US" altLang="zh-CN" sz="1600" b="0" i="1" smtClean="0">
+                                <a:latin typeface="Cambria Math" panose="02040503050406030204" pitchFamily="18" charset="0"/>
+                              </a:rPr>
+                              <m:t>+2</m:t>
+                            </m:r>
+                          </m:sub>
+                        </m:sSub>
+                      </m:oMath>
+                    </m:oMathPara>
+                  </a14:m>
+                  <a:endParaRPr kumimoji="1" lang="zh-CN" altLang="en-US" sz="1600" dirty="0"/>
+                </a:p>
+              </p:txBody>
+            </p:sp>
+          </mc:Choice>
+          <mc:Fallback>
+            <p:sp>
+              <p:nvSpPr>
+                <p:cNvPr id="23" name="文本框 22">
+                  <a:extLst>
+                    <a:ext uri="{FF2B5EF4-FFF2-40B4-BE49-F238E27FC236}">
+                      <a16:creationId xmlns:a16="http://schemas.microsoft.com/office/drawing/2014/main" id="{3D30F1DD-E56E-0E49-AEDC-D59F7E991284}"/>
+                    </a:ext>
+                  </a:extLst>
+                </p:cNvPr>
+                <p:cNvSpPr txBox="1">
+                  <a:spLocks noRot="1" noChangeAspect="1" noMove="1" noResize="1" noEditPoints="1" noAdjustHandles="1" noChangeArrowheads="1" noChangeShapeType="1" noTextEdit="1"/>
+                </p:cNvSpPr>
+                <p:nvPr/>
+              </p:nvSpPr>
+              <p:spPr>
+                <a:xfrm>
+                  <a:off x="5546345" y="5160902"/>
+                  <a:ext cx="572016" cy="338554"/>
+                </a:xfrm>
+                <a:prstGeom prst="rect">
+                  <a:avLst/>
+                </a:prstGeom>
+                <a:blipFill>
+                  <a:blip r:embed="rId11"/>
+                  <a:stretch>
+                    <a:fillRect/>
+                  </a:stretch>
+                </a:blipFill>
+              </p:spPr>
+              <p:txBody>
+                <a:bodyPr/>
+                <a:lstStyle/>
+                <a:p>
+                  <a:r>
+                    <a:rPr lang="zh-CN" altLang="en-US">
+                      <a:noFill/>
+                    </a:rPr>
+                    <a:t> </a:t>
+                  </a:r>
+                </a:p>
+              </p:txBody>
+            </p:sp>
+          </mc:Fallback>
+        </mc:AlternateContent>
+        <p:sp>
+          <p:nvSpPr>
+            <p:cNvPr id="24" name="文本框 23">
+              <a:extLst>
+                <a:ext uri="{FF2B5EF4-FFF2-40B4-BE49-F238E27FC236}">
+                  <a16:creationId xmlns:a16="http://schemas.microsoft.com/office/drawing/2014/main" id="{79E665A2-C6E6-C046-BAF3-14238628EBA8}"/>
+                </a:ext>
+              </a:extLst>
+            </p:cNvPr>
+            <p:cNvSpPr txBox="1"/>
+            <p:nvPr/>
+          </p:nvSpPr>
+          <p:spPr>
+            <a:xfrm>
+              <a:off x="2183643" y="4933872"/>
+              <a:ext cx="349012" cy="369332"/>
+            </a:xfrm>
+            <a:prstGeom prst="rect">
+              <a:avLst/>
+            </a:prstGeom>
+            <a:solidFill>
+              <a:schemeClr val="bg1"/>
+            </a:solidFill>
+          </p:spPr>
+          <p:txBody>
+            <a:bodyPr wrap="square" rtlCol="0">
+              <a:spAutoFit/>
+            </a:bodyPr>
+            <a:lstStyle/>
+            <a:p>
+              <a:pPr algn="ctr"/>
+              <a:r>
+                <a:rPr kumimoji="1" lang="en-US" altLang="zh-CN" dirty="0"/>
+                <a:t>…</a:t>
+              </a:r>
+              <a:endParaRPr kumimoji="1" lang="zh-CN" altLang="en-US" dirty="0"/>
+            </a:p>
+          </p:txBody>
+        </p:sp>
+      </p:grpSp>
     </p:spTree>
     <p:extLst>
       <p:ext uri="{BB962C8B-B14F-4D97-AF65-F5344CB8AC3E}">
@@ -9620,8 +11580,8 @@
           </a:p>
         </p:txBody>
       </p:sp>
-      <mc:AlternateContent xmlns:mc="http://schemas.openxmlformats.org/markup-compatibility/2006" xmlns:a14="http://schemas.microsoft.com/office/drawing/2010/main">
-        <mc:Choice Requires="a14">
+      <mc:AlternateContent xmlns:mc="http://schemas.openxmlformats.org/markup-compatibility/2006">
+        <mc:Choice xmlns:a14="http://schemas.microsoft.com/office/drawing/2010/main" Requires="a14">
           <p:sp>
             <p:nvSpPr>
               <p:cNvPr id="3" name="内容占位符 2">
@@ -9670,13 +11630,17 @@
                 <a:pPr lvl="1"/>
                 <a:r>
                   <a:rPr kumimoji="1" lang="en-US" altLang="zh-CN" dirty="0"/>
-                  <a:t>Minimize the negative log likelihood</a:t>
+                  <a:t>Maximize the </a:t>
+                </a:r>
+                <a:r>
+                  <a:rPr kumimoji="1" lang="en-US" altLang="zh-CN" u="sng" dirty="0"/>
+                  <a:t>log likelihood</a:t>
                 </a:r>
               </a:p>
             </p:txBody>
           </p:sp>
         </mc:Choice>
-        <mc:Fallback xmlns="">
+        <mc:Fallback>
           <p:sp>
             <p:nvSpPr>
               <p:cNvPr id="3" name="内容占位符 2">
@@ -9805,8 +11769,8 @@
           </a:p>
         </p:txBody>
       </p:sp>
-      <mc:AlternateContent xmlns:mc="http://schemas.openxmlformats.org/markup-compatibility/2006" xmlns:a14="http://schemas.microsoft.com/office/drawing/2010/main">
-        <mc:Choice Requires="a14">
+      <mc:AlternateContent xmlns:mc="http://schemas.openxmlformats.org/markup-compatibility/2006">
+        <mc:Choice xmlns:a14="http://schemas.microsoft.com/office/drawing/2010/main" Requires="a14">
           <p:sp>
             <p:nvSpPr>
               <p:cNvPr id="3" name="内容占位符 2">
@@ -9881,21 +11845,25 @@
                 <a:pPr lvl="1"/>
                 <a:r>
                   <a:rPr kumimoji="1" lang="en-US" altLang="zh-CN" dirty="0"/>
-                  <a:t>Minimize the negative log </a:t>
-                </a:r>
-                <a:r>
-                  <a:rPr kumimoji="1" lang="en-US" altLang="zh-CN" i="1" dirty="0"/>
+                  <a:t>Maximize the </a:t>
+                </a:r>
+                <a:r>
+                  <a:rPr kumimoji="1" lang="en-US" altLang="zh-CN" u="sng" dirty="0"/>
+                  <a:t>log </a:t>
+                </a:r>
+                <a:r>
+                  <a:rPr kumimoji="1" lang="en-US" altLang="zh-CN" i="1" u="sng" dirty="0"/>
                   <a:t>partial</a:t>
                 </a:r>
                 <a:r>
-                  <a:rPr kumimoji="1" lang="en-US" altLang="zh-CN" dirty="0"/>
+                  <a:rPr kumimoji="1" lang="en-US" altLang="zh-CN" u="sng" dirty="0"/>
                   <a:t> likelihood</a:t>
                 </a:r>
               </a:p>
             </p:txBody>
           </p:sp>
         </mc:Choice>
-        <mc:Fallback xmlns="">
+        <mc:Fallback>
           <p:sp>
             <p:nvSpPr>
               <p:cNvPr id="3" name="内容占位符 2">
@@ -10024,8 +11992,8 @@
           </a:p>
         </p:txBody>
       </p:sp>
-      <mc:AlternateContent xmlns:mc="http://schemas.openxmlformats.org/markup-compatibility/2006" xmlns:a14="http://schemas.microsoft.com/office/drawing/2010/main">
-        <mc:Choice Requires="a14">
+      <mc:AlternateContent xmlns:mc="http://schemas.openxmlformats.org/markup-compatibility/2006">
+        <mc:Choice xmlns:a14="http://schemas.microsoft.com/office/drawing/2010/main" Requires="a14">
           <p:sp>
             <p:nvSpPr>
               <p:cNvPr id="3" name="内容占位符 2">
@@ -10126,7 +12094,19 @@
                 <a:pPr lvl="1"/>
                 <a:r>
                   <a:rPr kumimoji="1" lang="en-US" altLang="zh-CN" dirty="0"/>
-                  <a:t>Minimize the negative log partial likelihood</a:t>
+                  <a:t>Maximize the </a:t>
+                </a:r>
+                <a:r>
+                  <a:rPr kumimoji="1" lang="en-US" altLang="zh-CN" u="sng" dirty="0"/>
+                  <a:t>log </a:t>
+                </a:r>
+                <a:r>
+                  <a:rPr kumimoji="1" lang="en-US" altLang="zh-CN" i="1" u="sng" dirty="0"/>
+                  <a:t>partial</a:t>
+                </a:r>
+                <a:r>
+                  <a:rPr kumimoji="1" lang="en-US" altLang="zh-CN" u="sng" dirty="0"/>
+                  <a:t> likelihood</a:t>
                 </a:r>
               </a:p>
               <a:p>
@@ -10139,7 +12119,7 @@
             </p:txBody>
           </p:sp>
         </mc:Choice>
-        <mc:Fallback xmlns="">
+        <mc:Fallback>
           <p:sp>
             <p:nvSpPr>
               <p:cNvPr id="3" name="内容占位符 2">
@@ -14327,8 +16307,8 @@
           </a:p>
         </p:txBody>
       </p:sp>
-      <mc:AlternateContent xmlns:mc="http://schemas.openxmlformats.org/markup-compatibility/2006" xmlns:a14="http://schemas.microsoft.com/office/drawing/2010/main">
-        <mc:Choice Requires="a14">
+      <mc:AlternateContent xmlns:mc="http://schemas.openxmlformats.org/markup-compatibility/2006">
+        <mc:Choice xmlns:a14="http://schemas.microsoft.com/office/drawing/2010/main" Requires="a14">
           <p:sp>
             <p:nvSpPr>
               <p:cNvPr id="3" name="内容占位符 2">
@@ -14352,36 +16332,6 @@
               <a:p>
                 <a:r>
                   <a:rPr kumimoji="1" lang="en-US" altLang="zh-CN" dirty="0"/>
-                  <a:t>C-index</a:t>
-                </a:r>
-              </a:p>
-              <a:p>
-                <a:pPr lvl="1"/>
-                <a:r>
-                  <a:rPr kumimoji="1" lang="en-US" altLang="zh-CN" dirty="0"/>
-                  <a:t>Time-dependent concordance index</a:t>
-                </a:r>
-              </a:p>
-              <a:p>
-                <a:pPr lvl="1"/>
-                <a:r>
-                  <a:rPr kumimoji="1" lang="en-US" altLang="zh-CN" dirty="0"/>
-                  <a:t>measures the ranking performance of the censorship prediction at the given time.</a:t>
-                </a:r>
-              </a:p>
-              <a:p>
-                <a:pPr lvl="1"/>
-                <a:r>
-                  <a:rPr kumimoji="1" lang="en-US" altLang="zh-CN" dirty="0"/>
-                  <a:t>The same as Area under ROC Curve in IR</a:t>
-                </a:r>
-              </a:p>
-              <a:p>
-                <a:endParaRPr kumimoji="1" lang="en-US" altLang="zh-CN" dirty="0"/>
-              </a:p>
-              <a:p>
-                <a:r>
-                  <a:rPr kumimoji="1" lang="en-US" altLang="zh-CN" dirty="0"/>
                   <a:t>ANLP</a:t>
                 </a:r>
               </a:p>
@@ -14408,12 +16358,43 @@
                     </m:r>
                   </m:oMath>
                 </a14:m>
-                <a:endParaRPr kumimoji="1" lang="zh-CN" altLang="en-US" dirty="0"/>
+                <a:endParaRPr kumimoji="1" lang="en-US" altLang="zh-CN" dirty="0"/>
+              </a:p>
+              <a:p>
+                <a:pPr lvl="2"/>
+                <a:endParaRPr kumimoji="1" lang="en-US" altLang="zh-CN" dirty="0"/>
+              </a:p>
+              <a:p>
+                <a:r>
+                  <a:rPr kumimoji="1" lang="en-US" altLang="zh-CN" dirty="0"/>
+                  <a:t>C-index</a:t>
+                </a:r>
+              </a:p>
+              <a:p>
+                <a:pPr lvl="1"/>
+                <a:r>
+                  <a:rPr kumimoji="1" lang="en-US" altLang="zh-CN" dirty="0"/>
+                  <a:t>Time-dependent concordance index</a:t>
+                </a:r>
+              </a:p>
+              <a:p>
+                <a:pPr lvl="1"/>
+                <a:r>
+                  <a:rPr kumimoji="1" lang="en-US" altLang="zh-CN" dirty="0"/>
+                  <a:t>measures the ranking performance of the censorship prediction at the given time.</a:t>
+                </a:r>
+              </a:p>
+              <a:p>
+                <a:pPr lvl="1"/>
+                <a:r>
+                  <a:rPr kumimoji="1" lang="en-US" altLang="zh-CN" dirty="0"/>
+                  <a:t>The same as Area under ROC Curve in IR</a:t>
+                </a:r>
               </a:p>
             </p:txBody>
           </p:sp>
         </mc:Choice>
-        <mc:Fallback xmlns="">
+        <mc:Fallback>
           <p:sp>
             <p:nvSpPr>
               <p:cNvPr id="3" name="内容占位符 2">
@@ -14949,8 +16930,8 @@
           </a:p>
         </p:txBody>
       </p:sp>
-      <mc:AlternateContent xmlns:mc="http://schemas.openxmlformats.org/markup-compatibility/2006" xmlns:a14="http://schemas.microsoft.com/office/drawing/2010/main">
-        <mc:Choice Requires="a14">
+      <mc:AlternateContent xmlns:mc="http://schemas.openxmlformats.org/markup-compatibility/2006">
+        <mc:Choice xmlns:a14="http://schemas.microsoft.com/office/drawing/2010/main" Requires="a14">
           <p:sp>
             <p:nvSpPr>
               <p:cNvPr id="3" name="内容占位符 2">
@@ -14970,7 +16951,7 @@
             <p:spPr/>
             <p:txBody>
               <a:bodyPr>
-                <a:normAutofit fontScale="85000" lnSpcReduction="20000"/>
+                <a:normAutofit fontScale="92500" lnSpcReduction="20000"/>
               </a:bodyPr>
               <a:lstStyle/>
               <a:p>
@@ -14995,7 +16976,7 @@
                   </a:spcBef>
                 </a:pPr>
                 <a:r>
-                  <a:rPr kumimoji="1" lang="en-US" altLang="zh-CN" sz="2100" dirty="0"/>
+                  <a:rPr kumimoji="1" lang="en-US" altLang="zh-CN" sz="1800" dirty="0"/>
                   <a:t>Sequential patterns over time should be considered.</a:t>
                 </a:r>
               </a:p>
@@ -15006,37 +16987,37 @@
                   </a:spcBef>
                 </a:pPr>
                 <a:r>
-                  <a:rPr kumimoji="1" lang="en-US" altLang="zh-CN" sz="2100" dirty="0"/>
+                  <a:rPr kumimoji="1" lang="en-US" altLang="zh-CN" sz="1800" dirty="0"/>
                   <a:t>More supervision over </a:t>
                 </a:r>
                 <a14:m>
                   <m:oMath xmlns:m="http://schemas.openxmlformats.org/officeDocument/2006/math">
                     <m:r>
-                      <a:rPr kumimoji="1" lang="en-US" altLang="zh-CN" sz="2100">
+                      <a:rPr kumimoji="1" lang="en-US" altLang="zh-CN" sz="1800">
                         <a:latin typeface="Cambria Math" panose="02040503050406030204" pitchFamily="18" charset="0"/>
                       </a:rPr>
                       <m:t>[</m:t>
                     </m:r>
                     <m:r>
-                      <a:rPr kumimoji="1" lang="en-US" altLang="zh-CN" sz="2100">
+                      <a:rPr kumimoji="1" lang="en-US" altLang="zh-CN" sz="1800">
                         <a:latin typeface="Cambria Math" panose="02040503050406030204" pitchFamily="18" charset="0"/>
                       </a:rPr>
                       <m:t>𝑧</m:t>
                     </m:r>
                     <m:r>
-                      <a:rPr kumimoji="1" lang="en-US" altLang="zh-CN" sz="2100">
+                      <a:rPr kumimoji="1" lang="en-US" altLang="zh-CN" sz="1800">
                         <a:latin typeface="Cambria Math" panose="02040503050406030204" pitchFamily="18" charset="0"/>
                       </a:rPr>
                       <m:t>, </m:t>
                     </m:r>
                     <m:r>
-                      <a:rPr kumimoji="1" lang="en-US" altLang="zh-CN" sz="2100">
+                      <a:rPr kumimoji="1" lang="en-US" altLang="zh-CN" sz="1800">
                         <a:latin typeface="Cambria Math" panose="02040503050406030204" pitchFamily="18" charset="0"/>
                       </a:rPr>
                       <m:t>𝑡</m:t>
                     </m:r>
                     <m:r>
-                      <a:rPr kumimoji="1" lang="en-US" altLang="zh-CN" sz="2100">
+                      <a:rPr kumimoji="1" lang="en-US" altLang="zh-CN" sz="1800">
                         <a:latin typeface="Cambria Math" panose="02040503050406030204" pitchFamily="18" charset="0"/>
                       </a:rPr>
                       <m:t>]</m:t>
@@ -15044,7 +17025,7 @@
                   </m:oMath>
                 </a14:m>
                 <a:r>
-                  <a:rPr kumimoji="1" lang="en-US" altLang="zh-CN" sz="2100" dirty="0"/>
+                  <a:rPr kumimoji="1" lang="en-US" altLang="zh-CN" sz="1800" dirty="0"/>
                   <a:t> should be made.</a:t>
                 </a:r>
               </a:p>
@@ -15099,7 +17080,7 @@
                   </a:spcBef>
                 </a:pPr>
                 <a:r>
-                  <a:rPr kumimoji="1" lang="en-US" altLang="zh-CN" sz="2100" dirty="0"/>
+                  <a:rPr kumimoji="1" lang="en-US" altLang="zh-CN" sz="1800" dirty="0"/>
                   <a:t>Utilizes recurrent neural cell predicting the conditional hazard rate;</a:t>
                 </a:r>
               </a:p>
@@ -15110,7 +17091,7 @@
                   </a:spcBef>
                 </a:pPr>
                 <a:r>
-                  <a:rPr kumimoji="1" lang="en-US" altLang="zh-CN" sz="2100" dirty="0"/>
+                  <a:rPr kumimoji="1" lang="en-US" altLang="zh-CN" sz="1800" dirty="0"/>
                   <a:t>Estimates the true event ratio and survival rate through probability chain rule;</a:t>
                 </a:r>
               </a:p>
@@ -15121,7 +17102,7 @@
                   </a:spcBef>
                 </a:pPr>
                 <a:r>
-                  <a:rPr kumimoji="1" lang="en-US" altLang="zh-CN" sz="2100" dirty="0"/>
+                  <a:rPr kumimoji="1" lang="en-US" altLang="zh-CN" sz="1800" dirty="0"/>
                   <a:t>Achieves significant improvements against strong baselines.</a:t>
                 </a:r>
               </a:p>
@@ -15132,7 +17113,7 @@
             </p:txBody>
           </p:sp>
         </mc:Choice>
-        <mc:Fallback xmlns="">
+        <mc:Fallback>
           <p:sp>
             <p:nvSpPr>
               <p:cNvPr id="3" name="内容占位符 2">
@@ -15153,7 +17134,7 @@
               <a:blipFill>
                 <a:blip r:embed="rId3"/>
                 <a:stretch>
-                  <a:fillRect l="-965" t="-3552" r="-804"/>
+                  <a:fillRect l="-1286" t="-3825"/>
                 </a:stretch>
               </a:blipFill>
             </p:spPr>
@@ -15172,6 +17153,42 @@
           </p:sp>
         </mc:Fallback>
       </mc:AlternateContent>
+      <p:pic>
+        <p:nvPicPr>
+          <p:cNvPr id="7" name="图片 6">
+            <a:extLst>
+              <a:ext uri="{FF2B5EF4-FFF2-40B4-BE49-F238E27FC236}">
+                <a16:creationId xmlns:a16="http://schemas.microsoft.com/office/drawing/2014/main" id="{65762500-F272-044F-90A9-03809ADFF71E}"/>
+              </a:ext>
+            </a:extLst>
+          </p:cNvPr>
+          <p:cNvPicPr>
+            <a:picLocks noChangeAspect="1"/>
+          </p:cNvPicPr>
+          <p:nvPr/>
+        </p:nvPicPr>
+        <p:blipFill>
+          <a:blip r:embed="rId4">
+            <a:extLst>
+              <a:ext uri="{28A0092B-C50C-407E-A947-70E740481C1C}">
+                <a14:useLocalDpi xmlns:a14="http://schemas.microsoft.com/office/drawing/2010/main" val="0"/>
+              </a:ext>
+            </a:extLst>
+          </a:blip>
+          <a:stretch>
+            <a:fillRect/>
+          </a:stretch>
+        </p:blipFill>
+        <p:spPr>
+          <a:xfrm>
+            <a:off x="6290310" y="1518557"/>
+            <a:ext cx="1905000" cy="1905000"/>
+          </a:xfrm>
+          <a:prstGeom prst="rect">
+            <a:avLst/>
+          </a:prstGeom>
+        </p:spPr>
+      </p:pic>
     </p:spTree>
     <p:extLst>
       <p:ext uri="{BB962C8B-B14F-4D97-AF65-F5344CB8AC3E}">
@@ -15250,7 +17267,7 @@
         <p:spPr/>
         <p:txBody>
           <a:bodyPr>
-            <a:normAutofit fontScale="92500" lnSpcReduction="20000"/>
+            <a:normAutofit/>
           </a:bodyPr>
           <a:lstStyle/>
           <a:p>
@@ -15298,123 +17315,6 @@
             <a:r>
               <a:rPr lang="en-US" altLang="zh-CN" dirty="0"/>
               <a:t> happen.</a:t>
-            </a:r>
-          </a:p>
-          <a:p>
-            <a:endParaRPr kumimoji="1" lang="en-US" altLang="zh-CN" dirty="0"/>
-          </a:p>
-          <a:p>
-            <a:r>
-              <a:rPr kumimoji="1" lang="en-US" altLang="zh-CN" dirty="0"/>
-              <a:t>Medicine Research</a:t>
-            </a:r>
-          </a:p>
-          <a:p>
-            <a:pPr lvl="1"/>
-            <a:r>
-              <a:rPr kumimoji="1" lang="en-US" altLang="zh-CN" dirty="0">
-                <a:solidFill>
-                  <a:schemeClr val="accent6">
-                    <a:lumMod val="75000"/>
-                  </a:schemeClr>
-                </a:solidFill>
-              </a:rPr>
-              <a:t>Time</a:t>
-            </a:r>
-            <a:r>
-              <a:rPr kumimoji="1" lang="en-US" altLang="zh-CN" dirty="0"/>
-              <a:t>: patient survival time</a:t>
-            </a:r>
-          </a:p>
-          <a:p>
-            <a:pPr lvl="1"/>
-            <a:r>
-              <a:rPr kumimoji="1" lang="en-US" altLang="zh-CN" dirty="0">
-                <a:solidFill>
-                  <a:srgbClr val="FF0000"/>
-                </a:solidFill>
-              </a:rPr>
-              <a:t>Event</a:t>
-            </a:r>
-            <a:r>
-              <a:rPr kumimoji="1" lang="en-US" altLang="zh-CN" dirty="0"/>
-              <a:t>: death</a:t>
-            </a:r>
-          </a:p>
-          <a:p>
-            <a:r>
-              <a:rPr kumimoji="1" lang="en-US" altLang="zh-CN" dirty="0"/>
-              <a:t>Engineering</a:t>
-            </a:r>
-          </a:p>
-          <a:p>
-            <a:pPr lvl="1"/>
-            <a:r>
-              <a:rPr kumimoji="1" lang="en-US" altLang="zh-CN" dirty="0">
-                <a:solidFill>
-                  <a:schemeClr val="accent6">
-                    <a:lumMod val="75000"/>
-                  </a:schemeClr>
-                </a:solidFill>
-              </a:rPr>
-              <a:t>Time</a:t>
-            </a:r>
-            <a:r>
-              <a:rPr kumimoji="1" lang="en-US" altLang="zh-CN" dirty="0"/>
-              <a:t>: reliability time</a:t>
-            </a:r>
-          </a:p>
-          <a:p>
-            <a:pPr lvl="1"/>
-            <a:r>
-              <a:rPr kumimoji="1" lang="en-US" altLang="zh-CN" dirty="0">
-                <a:solidFill>
-                  <a:srgbClr val="FF0000"/>
-                </a:solidFill>
-              </a:rPr>
-              <a:t>Event</a:t>
-            </a:r>
-            <a:r>
-              <a:rPr kumimoji="1" lang="en-US" altLang="zh-CN" dirty="0"/>
-              <a:t>: failure</a:t>
-            </a:r>
-          </a:p>
-          <a:p>
-            <a:r>
-              <a:rPr kumimoji="1" lang="en-US" altLang="zh-CN" dirty="0"/>
-              <a:t>Sociology</a:t>
-            </a:r>
-          </a:p>
-          <a:p>
-            <a:pPr lvl="1"/>
-            <a:r>
-              <a:rPr kumimoji="1" lang="en-US" altLang="zh-CN" dirty="0">
-                <a:solidFill>
-                  <a:schemeClr val="accent6">
-                    <a:lumMod val="75000"/>
-                  </a:schemeClr>
-                </a:solidFill>
-              </a:rPr>
-              <a:t>Time</a:t>
-            </a:r>
-            <a:r>
-              <a:rPr kumimoji="1" lang="en-US" altLang="zh-CN" dirty="0"/>
-              <a:t>: history time</a:t>
-            </a:r>
-          </a:p>
-          <a:p>
-            <a:pPr lvl="1"/>
-            <a:r>
-              <a:rPr kumimoji="1" lang="en-US" altLang="zh-CN" dirty="0">
-                <a:solidFill>
-                  <a:srgbClr val="FF0000"/>
-                </a:solidFill>
-              </a:rPr>
-              <a:t>Event</a:t>
-            </a:r>
-            <a:r>
-              <a:rPr kumimoji="1" lang="en-US" altLang="zh-CN" dirty="0"/>
-              <a:t>: social event</a:t>
             </a:r>
           </a:p>
         </p:txBody>
@@ -16107,11 +18007,11 @@
             </a:r>
             <a:r>
               <a:rPr kumimoji="1" lang="en-US" altLang="zh-CN" b="1" dirty="0"/>
-              <a:t>value</a:t>
+              <a:t>value </a:t>
             </a:r>
             <a:r>
               <a:rPr kumimoji="1" lang="en-US" altLang="zh-CN" dirty="0"/>
-              <a:t> of the event probability</a:t>
+              <a:t>of the event probability</a:t>
             </a:r>
           </a:p>
           <a:p>
@@ -16659,7 +18559,7 @@
         </p:nvSpPr>
         <p:spPr>
           <a:xfrm>
-            <a:off x="1343891" y="3491348"/>
+            <a:off x="1343891" y="3505636"/>
             <a:ext cx="2923309" cy="401782"/>
           </a:xfrm>
           <a:prstGeom prst="roundRect">
@@ -16868,8 +18768,8 @@
           </a:p>
         </p:txBody>
       </p:sp>
-      <mc:AlternateContent xmlns:mc="http://schemas.openxmlformats.org/markup-compatibility/2006" xmlns:a14="http://schemas.microsoft.com/office/drawing/2010/main">
-        <mc:Choice Requires="a14">
+      <mc:AlternateContent xmlns:mc="http://schemas.openxmlformats.org/markup-compatibility/2006">
+        <mc:Choice xmlns:a14="http://schemas.microsoft.com/office/drawing/2010/main" Requires="a14">
           <p:sp>
             <p:nvSpPr>
               <p:cNvPr id="3" name="内容占位符 2">
@@ -16888,7 +18788,9 @@
             </p:nvSpPr>
             <p:spPr/>
             <p:txBody>
-              <a:bodyPr/>
+              <a:bodyPr>
+                <a:normAutofit lnSpcReduction="10000"/>
+              </a:bodyPr>
               <a:lstStyle/>
               <a:p>
                 <a:r>
@@ -16920,6 +18822,12 @@
                             </m:ctrlPr>
                           </m:dPr>
                           <m:e>
+                            <m:r>
+                              <a:rPr kumimoji="1" lang="en-US" altLang="zh-CN" b="1" i="1" smtClean="0">
+                                <a:latin typeface="Cambria Math" panose="02040503050406030204" pitchFamily="18" charset="0"/>
+                              </a:rPr>
+                              <m:t>(</m:t>
+                            </m:r>
                             <m:r>
                               <a:rPr kumimoji="1" lang="en-US" altLang="zh-CN" b="1" i="1" smtClean="0">
                                 <a:latin typeface="Cambria Math" panose="02040503050406030204" pitchFamily="18" charset="0"/>
@@ -16941,9 +18849,7 @@
                             <m:r>
                               <a:rPr kumimoji="1" lang="en-US" altLang="zh-CN" b="0" i="1" smtClean="0">
                                 <a:solidFill>
-                                  <a:schemeClr val="bg1">
-                                    <a:lumMod val="50000"/>
-                                  </a:schemeClr>
+                                  <a:schemeClr val="tx1"/>
                                 </a:solidFill>
                                 <a:latin typeface="Cambria Math" panose="02040503050406030204" pitchFamily="18" charset="0"/>
                               </a:rPr>
@@ -16959,6 +18865,15 @@
                                 <a:latin typeface="Cambria Math" panose="02040503050406030204" pitchFamily="18" charset="0"/>
                               </a:rPr>
                               <m:t>𝑧</m:t>
+                            </m:r>
+                            <m:r>
+                              <a:rPr kumimoji="1" lang="en-US" altLang="zh-CN" b="0" i="1" smtClean="0">
+                                <a:solidFill>
+                                  <a:schemeClr val="tx1"/>
+                                </a:solidFill>
+                                <a:latin typeface="Cambria Math" panose="02040503050406030204" pitchFamily="18" charset="0"/>
+                              </a:rPr>
+                              <m:t>)</m:t>
                             </m:r>
                           </m:e>
                         </m:d>
@@ -17006,16 +18921,16 @@
                 <a14:m>
                   <m:oMath xmlns:m="http://schemas.openxmlformats.org/officeDocument/2006/math">
                     <m:r>
-                      <a:rPr kumimoji="1" lang="en-US" altLang="zh-CN" b="0" i="1" smtClean="0">
+                      <a:rPr kumimoji="1" lang="en-US" altLang="zh-CN" i="1">
                         <a:latin typeface="Cambria Math" panose="02040503050406030204" pitchFamily="18" charset="0"/>
                       </a:rPr>
-                      <m:t>𝑧</m:t>
+                      <m:t>𝑡</m:t>
                     </m:r>
                   </m:oMath>
                 </a14:m>
                 <a:r>
                   <a:rPr kumimoji="1" lang="en-US" altLang="zh-CN" dirty="0"/>
-                  <a:t>: true event time (unknown but only </a:t>
+                  <a:t>: observing time</a:t>
                 </a:r>
               </a:p>
               <a:p>
@@ -17026,13 +18941,115 @@
                       <a:rPr kumimoji="1" lang="en-US" altLang="zh-CN" b="0" i="1" smtClean="0">
                         <a:latin typeface="Cambria Math" panose="02040503050406030204" pitchFamily="18" charset="0"/>
                       </a:rPr>
-                      <m:t>𝑡</m:t>
+                      <m:t>𝑧</m:t>
                     </m:r>
                   </m:oMath>
                 </a14:m>
                 <a:r>
                   <a:rPr kumimoji="1" lang="en-US" altLang="zh-CN" dirty="0"/>
-                  <a:t>: observing time</a:t>
+                  <a:t>: true event time</a:t>
+                </a:r>
+              </a:p>
+              <a:p>
+                <a:pPr lvl="2"/>
+                <a14:m>
+                  <m:oMath xmlns:m="http://schemas.openxmlformats.org/officeDocument/2006/math">
+                    <m:r>
+                      <a:rPr kumimoji="1" lang="en-US" altLang="zh-CN" b="0" i="1" smtClean="0">
+                        <a:latin typeface="Cambria Math" panose="02040503050406030204" pitchFamily="18" charset="0"/>
+                      </a:rPr>
+                      <m:t>𝑧</m:t>
+                    </m:r>
+                  </m:oMath>
+                </a14:m>
+                <a:r>
+                  <a:rPr kumimoji="1" lang="en-US" altLang="zh-CN" dirty="0"/>
+                  <a:t> is known for </a:t>
+                </a:r>
+                <a:r>
+                  <a:rPr kumimoji="1" lang="en-US" altLang="zh-CN" u="sng" dirty="0"/>
+                  <a:t>uncensored</a:t>
+                </a:r>
+                <a:r>
+                  <a:rPr kumimoji="1" lang="en-US" altLang="zh-CN" dirty="0"/>
+                  <a:t> data (</a:t>
+                </a:r>
+                <a14:m>
+                  <m:oMath xmlns:m="http://schemas.openxmlformats.org/officeDocument/2006/math">
+                    <m:r>
+                      <a:rPr kumimoji="1" lang="en-US" altLang="zh-CN" i="1" smtClean="0">
+                        <a:latin typeface="Cambria Math" panose="02040503050406030204" pitchFamily="18" charset="0"/>
+                      </a:rPr>
+                      <m:t>𝑡</m:t>
+                    </m:r>
+                    <m:r>
+                      <a:rPr kumimoji="1" lang="en-US" altLang="zh-CN" b="0" i="1" smtClean="0">
+                        <a:latin typeface="Cambria Math" panose="02040503050406030204" pitchFamily="18" charset="0"/>
+                      </a:rPr>
+                      <m:t>&gt;</m:t>
+                    </m:r>
+                    <m:r>
+                      <a:rPr kumimoji="1" lang="en-US" altLang="zh-CN" i="1">
+                        <a:latin typeface="Cambria Math" panose="02040503050406030204" pitchFamily="18" charset="0"/>
+                      </a:rPr>
+                      <m:t>𝑧</m:t>
+                    </m:r>
+                  </m:oMath>
+                </a14:m>
+                <a:r>
+                  <a:rPr kumimoji="1" lang="en-US" altLang="zh-CN" dirty="0"/>
+                  <a:t>);</a:t>
+                </a:r>
+              </a:p>
+              <a:p>
+                <a:pPr lvl="2"/>
+                <a14:m>
+                  <m:oMath xmlns:m="http://schemas.openxmlformats.org/officeDocument/2006/math">
+                    <m:r>
+                      <a:rPr kumimoji="1" lang="en-US" altLang="zh-CN" i="1">
+                        <a:latin typeface="Cambria Math" panose="02040503050406030204" pitchFamily="18" charset="0"/>
+                      </a:rPr>
+                      <m:t>𝑧</m:t>
+                    </m:r>
+                  </m:oMath>
+                </a14:m>
+                <a:r>
+                  <a:rPr kumimoji="1" lang="en-US" altLang="zh-CN" dirty="0"/>
+                  <a:t> is unknown for </a:t>
+                </a:r>
+                <a:r>
+                  <a:rPr kumimoji="1" lang="en-US" altLang="zh-CN" u="sng" dirty="0"/>
+                  <a:t>censored</a:t>
+                </a:r>
+                <a:r>
+                  <a:rPr kumimoji="1" lang="en-US" altLang="zh-CN" dirty="0"/>
+                  <a:t> data (</a:t>
+                </a:r>
+                <a14:m>
+                  <m:oMath xmlns:m="http://schemas.openxmlformats.org/officeDocument/2006/math">
+                    <m:r>
+                      <a:rPr kumimoji="1" lang="en-US" altLang="zh-CN" i="1">
+                        <a:latin typeface="Cambria Math" panose="02040503050406030204" pitchFamily="18" charset="0"/>
+                      </a:rPr>
+                      <m:t>𝑡</m:t>
+                    </m:r>
+                    <m:r>
+                      <a:rPr kumimoji="1" lang="en-US" altLang="zh-CN" i="1">
+                        <a:latin typeface="Cambria Math" panose="02040503050406030204" pitchFamily="18" charset="0"/>
+                      </a:rPr>
+                      <m:t>&lt;</m:t>
+                    </m:r>
+                    <m:r>
+                      <a:rPr kumimoji="1" lang="en-US" altLang="zh-CN" i="1">
+                        <a:latin typeface="Cambria Math" panose="02040503050406030204" pitchFamily="18" charset="0"/>
+                      </a:rPr>
+                      <m:t>𝑧</m:t>
+                    </m:r>
+                  </m:oMath>
+                </a14:m>
+                <a:r>
+                  <a:rPr kumimoji="1" lang="en-US" altLang="zh-CN" dirty="0"/>
+                  <a:t>).</a:t>
                 </a:r>
               </a:p>
               <a:p>
@@ -17190,7 +19207,7 @@
             </p:txBody>
           </p:sp>
         </mc:Choice>
-        <mc:Fallback xmlns="">
+        <mc:Fallback>
           <p:sp>
             <p:nvSpPr>
               <p:cNvPr id="3" name="内容占位符 2">
@@ -17211,7 +19228,7 @@
               <a:blipFill>
                 <a:blip r:embed="rId2"/>
                 <a:stretch>
-                  <a:fillRect l="-1447" t="-2459"/>
+                  <a:fillRect l="-1447" t="-3552"/>
                 </a:stretch>
               </a:blipFill>
             </p:spPr>
@@ -17502,4 +19519,299 @@
     </a:ext>
   </a:extLst>
 </a:theme>
+</file>
+
+<file path=ppt/theme/theme2.xml><?xml version="1.0" encoding="utf-8"?>
+<a:theme xmlns:a="http://schemas.openxmlformats.org/drawingml/2006/main" name="Office 主题​​">
+  <a:themeElements>
+    <a:clrScheme name="Office">
+      <a:dk1>
+        <a:sysClr val="windowText" lastClr="000000"/>
+      </a:dk1>
+      <a:lt1>
+        <a:sysClr val="window" lastClr="FFFFFF"/>
+      </a:lt1>
+      <a:dk2>
+        <a:srgbClr val="44546A"/>
+      </a:dk2>
+      <a:lt2>
+        <a:srgbClr val="E7E6E6"/>
+      </a:lt2>
+      <a:accent1>
+        <a:srgbClr val="4472C4"/>
+      </a:accent1>
+      <a:accent2>
+        <a:srgbClr val="ED7D31"/>
+      </a:accent2>
+      <a:accent3>
+        <a:srgbClr val="A5A5A5"/>
+      </a:accent3>
+      <a:accent4>
+        <a:srgbClr val="FFC000"/>
+      </a:accent4>
+      <a:accent5>
+        <a:srgbClr val="5B9BD5"/>
+      </a:accent5>
+      <a:accent6>
+        <a:srgbClr val="70AD47"/>
+      </a:accent6>
+      <a:hlink>
+        <a:srgbClr val="0563C1"/>
+      </a:hlink>
+      <a:folHlink>
+        <a:srgbClr val="954F72"/>
+      </a:folHlink>
+    </a:clrScheme>
+    <a:fontScheme name="Office">
+      <a:majorFont>
+        <a:latin typeface="等线 Light" panose="020F0302020204030204"/>
+        <a:ea typeface=""/>
+        <a:cs typeface=""/>
+        <a:font script="Jpan" typeface="游ゴシック Light"/>
+        <a:font script="Hang" typeface="맑은 고딕"/>
+        <a:font script="Hans" typeface="等线 Light"/>
+        <a:font script="Hant" typeface="新細明體"/>
+        <a:font script="Arab" typeface="Times New Roman"/>
+        <a:font script="Hebr" typeface="Times New Roman"/>
+        <a:font script="Thai" typeface="Angsana New"/>
+        <a:font script="Ethi" typeface="Nyala"/>
+        <a:font script="Beng" typeface="Vrinda"/>
+        <a:font script="Gujr" typeface="Shruti"/>
+        <a:font script="Khmr" typeface="MoolBoran"/>
+        <a:font script="Knda" typeface="Tunga"/>
+        <a:font script="Guru" typeface="Raavi"/>
+        <a:font script="Cans" typeface="Euphemia"/>
+        <a:font script="Cher" typeface="Plantagenet Cherokee"/>
+        <a:font script="Yiii" typeface="Microsoft Yi Baiti"/>
+        <a:font script="Tibt" typeface="Microsoft Himalaya"/>
+        <a:font script="Thaa" typeface="MV Boli"/>
+        <a:font script="Deva" typeface="Mangal"/>
+        <a:font script="Telu" typeface="Gautami"/>
+        <a:font script="Taml" typeface="Latha"/>
+        <a:font script="Syrc" typeface="Estrangelo Edessa"/>
+        <a:font script="Orya" typeface="Kalinga"/>
+        <a:font script="Mlym" typeface="Kartika"/>
+        <a:font script="Laoo" typeface="DokChampa"/>
+        <a:font script="Sinh" typeface="Iskoola Pota"/>
+        <a:font script="Mong" typeface="Mongolian Baiti"/>
+        <a:font script="Viet" typeface="Times New Roman"/>
+        <a:font script="Uigh" typeface="Microsoft Uighur"/>
+        <a:font script="Geor" typeface="Sylfaen"/>
+        <a:font script="Armn" typeface="Arial"/>
+        <a:font script="Bugi" typeface="Leelawadee UI"/>
+        <a:font script="Bopo" typeface="Microsoft JhengHei"/>
+        <a:font script="Java" typeface="Javanese Text"/>
+        <a:font script="Lisu" typeface="Segoe UI"/>
+        <a:font script="Mymr" typeface="Myanmar Text"/>
+        <a:font script="Nkoo" typeface="Ebrima"/>
+        <a:font script="Olck" typeface="Nirmala UI"/>
+        <a:font script="Osma" typeface="Ebrima"/>
+        <a:font script="Phag" typeface="Phagspa"/>
+        <a:font script="Syrn" typeface="Estrangelo Edessa"/>
+        <a:font script="Syrj" typeface="Estrangelo Edessa"/>
+        <a:font script="Syre" typeface="Estrangelo Edessa"/>
+        <a:font script="Sora" typeface="Nirmala UI"/>
+        <a:font script="Tale" typeface="Microsoft Tai Le"/>
+        <a:font script="Talu" typeface="Microsoft New Tai Lue"/>
+        <a:font script="Tfng" typeface="Ebrima"/>
+      </a:majorFont>
+      <a:minorFont>
+        <a:latin typeface="等线" panose="020F0502020204030204"/>
+        <a:ea typeface=""/>
+        <a:cs typeface=""/>
+        <a:font script="Jpan" typeface="游ゴシック"/>
+        <a:font script="Hang" typeface="맑은 고딕"/>
+        <a:font script="Hans" typeface="等线"/>
+        <a:font script="Hant" typeface="新細明體"/>
+        <a:font script="Arab" typeface="Arial"/>
+        <a:font script="Hebr" typeface="Arial"/>
+        <a:font script="Thai" typeface="Cordia New"/>
+        <a:font script="Ethi" typeface="Nyala"/>
+        <a:font script="Beng" typeface="Vrinda"/>
+        <a:font script="Gujr" typeface="Shruti"/>
+        <a:font script="Khmr" typeface="DaunPenh"/>
+        <a:font script="Knda" typeface="Tunga"/>
+        <a:font script="Guru" typeface="Raavi"/>
+        <a:font script="Cans" typeface="Euphemia"/>
+        <a:font script="Cher" typeface="Plantagenet Cherokee"/>
+        <a:font script="Yiii" typeface="Microsoft Yi Baiti"/>
+        <a:font script="Tibt" typeface="Microsoft Himalaya"/>
+        <a:font script="Thaa" typeface="MV Boli"/>
+        <a:font script="Deva" typeface="Mangal"/>
+        <a:font script="Telu" typeface="Gautami"/>
+        <a:font script="Taml" typeface="Latha"/>
+        <a:font script="Syrc" typeface="Estrangelo Edessa"/>
+        <a:font script="Orya" typeface="Kalinga"/>
+        <a:font script="Mlym" typeface="Kartika"/>
+        <a:font script="Laoo" typeface="DokChampa"/>
+        <a:font script="Sinh" typeface="Iskoola Pota"/>
+        <a:font script="Mong" typeface="Mongolian Baiti"/>
+        <a:font script="Viet" typeface="Arial"/>
+        <a:font script="Uigh" typeface="Microsoft Uighur"/>
+        <a:font script="Geor" typeface="Sylfaen"/>
+        <a:font script="Armn" typeface="Arial"/>
+        <a:font script="Bugi" typeface="Leelawadee UI"/>
+        <a:font script="Bopo" typeface="Microsoft JhengHei"/>
+        <a:font script="Java" typeface="Javanese Text"/>
+        <a:font script="Lisu" typeface="Segoe UI"/>
+        <a:font script="Mymr" typeface="Myanmar Text"/>
+        <a:font script="Nkoo" typeface="Ebrima"/>
+        <a:font script="Olck" typeface="Nirmala UI"/>
+        <a:font script="Osma" typeface="Ebrima"/>
+        <a:font script="Phag" typeface="Phagspa"/>
+        <a:font script="Syrn" typeface="Estrangelo Edessa"/>
+        <a:font script="Syrj" typeface="Estrangelo Edessa"/>
+        <a:font script="Syre" typeface="Estrangelo Edessa"/>
+        <a:font script="Sora" typeface="Nirmala UI"/>
+        <a:font script="Tale" typeface="Microsoft Tai Le"/>
+        <a:font script="Talu" typeface="Microsoft New Tai Lue"/>
+        <a:font script="Tfng" typeface="Ebrima"/>
+      </a:minorFont>
+    </a:fontScheme>
+    <a:fmtScheme name="Office">
+      <a:fillStyleLst>
+        <a:solidFill>
+          <a:schemeClr val="phClr"/>
+        </a:solidFill>
+        <a:gradFill rotWithShape="1">
+          <a:gsLst>
+            <a:gs pos="0">
+              <a:schemeClr val="phClr">
+                <a:lumMod val="110000"/>
+                <a:satMod val="105000"/>
+                <a:tint val="67000"/>
+              </a:schemeClr>
+            </a:gs>
+            <a:gs pos="50000">
+              <a:schemeClr val="phClr">
+                <a:lumMod val="105000"/>
+                <a:satMod val="103000"/>
+                <a:tint val="73000"/>
+              </a:schemeClr>
+            </a:gs>
+            <a:gs pos="100000">
+              <a:schemeClr val="phClr">
+                <a:lumMod val="105000"/>
+                <a:satMod val="109000"/>
+                <a:tint val="81000"/>
+              </a:schemeClr>
+            </a:gs>
+          </a:gsLst>
+          <a:lin ang="5400000" scaled="0"/>
+        </a:gradFill>
+        <a:gradFill rotWithShape="1">
+          <a:gsLst>
+            <a:gs pos="0">
+              <a:schemeClr val="phClr">
+                <a:satMod val="103000"/>
+                <a:lumMod val="102000"/>
+                <a:tint val="94000"/>
+              </a:schemeClr>
+            </a:gs>
+            <a:gs pos="50000">
+              <a:schemeClr val="phClr">
+                <a:satMod val="110000"/>
+                <a:lumMod val="100000"/>
+                <a:shade val="100000"/>
+              </a:schemeClr>
+            </a:gs>
+            <a:gs pos="100000">
+              <a:schemeClr val="phClr">
+                <a:lumMod val="99000"/>
+                <a:satMod val="120000"/>
+                <a:shade val="78000"/>
+              </a:schemeClr>
+            </a:gs>
+          </a:gsLst>
+          <a:lin ang="5400000" scaled="0"/>
+        </a:gradFill>
+      </a:fillStyleLst>
+      <a:lnStyleLst>
+        <a:ln w="6350" cap="flat" cmpd="sng" algn="ctr">
+          <a:solidFill>
+            <a:schemeClr val="phClr"/>
+          </a:solidFill>
+          <a:prstDash val="solid"/>
+          <a:miter lim="800000"/>
+        </a:ln>
+        <a:ln w="12700" cap="flat" cmpd="sng" algn="ctr">
+          <a:solidFill>
+            <a:schemeClr val="phClr"/>
+          </a:solidFill>
+          <a:prstDash val="solid"/>
+          <a:miter lim="800000"/>
+        </a:ln>
+        <a:ln w="19050" cap="flat" cmpd="sng" algn="ctr">
+          <a:solidFill>
+            <a:schemeClr val="phClr"/>
+          </a:solidFill>
+          <a:prstDash val="solid"/>
+          <a:miter lim="800000"/>
+        </a:ln>
+      </a:lnStyleLst>
+      <a:effectStyleLst>
+        <a:effectStyle>
+          <a:effectLst/>
+        </a:effectStyle>
+        <a:effectStyle>
+          <a:effectLst/>
+        </a:effectStyle>
+        <a:effectStyle>
+          <a:effectLst>
+            <a:outerShdw blurRad="57150" dist="19050" dir="5400000" algn="ctr" rotWithShape="0">
+              <a:srgbClr val="000000">
+                <a:alpha val="63000"/>
+              </a:srgbClr>
+            </a:outerShdw>
+          </a:effectLst>
+        </a:effectStyle>
+      </a:effectStyleLst>
+      <a:bgFillStyleLst>
+        <a:solidFill>
+          <a:schemeClr val="phClr"/>
+        </a:solidFill>
+        <a:solidFill>
+          <a:schemeClr val="phClr">
+            <a:tint val="95000"/>
+            <a:satMod val="170000"/>
+          </a:schemeClr>
+        </a:solidFill>
+        <a:gradFill rotWithShape="1">
+          <a:gsLst>
+            <a:gs pos="0">
+              <a:schemeClr val="phClr">
+                <a:tint val="93000"/>
+                <a:satMod val="150000"/>
+                <a:shade val="98000"/>
+                <a:lumMod val="102000"/>
+              </a:schemeClr>
+            </a:gs>
+            <a:gs pos="50000">
+              <a:schemeClr val="phClr">
+                <a:tint val="98000"/>
+                <a:satMod val="130000"/>
+                <a:shade val="90000"/>
+                <a:lumMod val="103000"/>
+              </a:schemeClr>
+            </a:gs>
+            <a:gs pos="100000">
+              <a:schemeClr val="phClr">
+                <a:shade val="63000"/>
+                <a:satMod val="120000"/>
+              </a:schemeClr>
+            </a:gs>
+          </a:gsLst>
+          <a:lin ang="5400000" scaled="0"/>
+        </a:gradFill>
+      </a:bgFillStyleLst>
+    </a:fmtScheme>
+  </a:themeElements>
+  <a:objectDefaults/>
+  <a:extraClrSchemeLst/>
+  <a:extLst>
+    <a:ext uri="{05A4C25C-085E-4340-85A3-A5531E510DB2}">
+      <thm15:themeFamily xmlns:thm15="http://schemas.microsoft.com/office/thememl/2012/main" name="Office Theme" id="{62F939B6-93AF-4DB8-9C6B-D6C7DFDC589F}" vid="{4A3C46E8-61CC-4603-A589-7422A47A8E4A}"/>
+    </a:ext>
+  </a:extLst>
+</a:theme>
 </file>
--- a/deep-recurrent-survival-analysis.pptx
+++ b/deep-recurrent-survival-analysis.pptx
@@ -5,7 +5,7 @@
     <p:sldMasterId id="2147483648" r:id="rId1"/>
   </p:sldMasterIdLst>
   <p:notesMasterIdLst>
-    <p:notesMasterId r:id="rId39"/>
+    <p:notesMasterId r:id="rId38"/>
   </p:notesMasterIdLst>
   <p:sldIdLst>
     <p:sldId id="256" r:id="rId2"/>
@@ -25,26 +25,25 @@
     <p:sldId id="270" r:id="rId16"/>
     <p:sldId id="271" r:id="rId17"/>
     <p:sldId id="272" r:id="rId18"/>
-    <p:sldId id="293" r:id="rId19"/>
-    <p:sldId id="273" r:id="rId20"/>
-    <p:sldId id="289" r:id="rId21"/>
-    <p:sldId id="290" r:id="rId22"/>
-    <p:sldId id="275" r:id="rId23"/>
-    <p:sldId id="276" r:id="rId24"/>
-    <p:sldId id="291" r:id="rId25"/>
-    <p:sldId id="288" r:id="rId26"/>
-    <p:sldId id="277" r:id="rId27"/>
-    <p:sldId id="278" r:id="rId28"/>
-    <p:sldId id="279" r:id="rId29"/>
-    <p:sldId id="292" r:id="rId30"/>
-    <p:sldId id="280" r:id="rId31"/>
-    <p:sldId id="282" r:id="rId32"/>
-    <p:sldId id="281" r:id="rId33"/>
-    <p:sldId id="283" r:id="rId34"/>
-    <p:sldId id="284" r:id="rId35"/>
-    <p:sldId id="285" r:id="rId36"/>
-    <p:sldId id="287" r:id="rId37"/>
-    <p:sldId id="286" r:id="rId38"/>
+    <p:sldId id="273" r:id="rId19"/>
+    <p:sldId id="289" r:id="rId20"/>
+    <p:sldId id="290" r:id="rId21"/>
+    <p:sldId id="275" r:id="rId22"/>
+    <p:sldId id="276" r:id="rId23"/>
+    <p:sldId id="291" r:id="rId24"/>
+    <p:sldId id="288" r:id="rId25"/>
+    <p:sldId id="277" r:id="rId26"/>
+    <p:sldId id="278" r:id="rId27"/>
+    <p:sldId id="279" r:id="rId28"/>
+    <p:sldId id="292" r:id="rId29"/>
+    <p:sldId id="280" r:id="rId30"/>
+    <p:sldId id="282" r:id="rId31"/>
+    <p:sldId id="281" r:id="rId32"/>
+    <p:sldId id="283" r:id="rId33"/>
+    <p:sldId id="284" r:id="rId34"/>
+    <p:sldId id="285" r:id="rId35"/>
+    <p:sldId id="287" r:id="rId36"/>
+    <p:sldId id="286" r:id="rId37"/>
   </p:sldIdLst>
   <p:sldSz cx="9144000" cy="6858000" type="screen4x3"/>
   <p:notesSz cx="6858000" cy="9144000"/>
@@ -233,7 +232,7 @@
           <a:p>
             <a:fld id="{0097ED00-AF41-0744-9EC7-50613C5E5700}" type="datetimeFigureOut">
               <a:rPr kumimoji="1" lang="zh-CN" altLang="en-US" smtClean="0"/>
-              <a:t>2019/1/29</a:t>
+              <a:t>2019/1/30</a:t>
             </a:fld>
             <a:endParaRPr kumimoji="1" lang="zh-CN" altLang="en-US"/>
           </a:p>
@@ -504,8 +503,895 @@
         </p:nvSpPr>
         <p:spPr/>
       </p:sp>
-      <mc:AlternateContent xmlns:mc="http://schemas.openxmlformats.org/markup-compatibility/2006">
-        <mc:Choice xmlns:a14="http://schemas.microsoft.com/office/drawing/2010/main" Requires="a14">
+      <p:sp>
+        <p:nvSpPr>
+          <p:cNvPr id="3" name="备注占位符 2"/>
+          <p:cNvSpPr>
+            <a:spLocks noGrp="1"/>
+          </p:cNvSpPr>
+          <p:nvPr>
+            <p:ph type="body" idx="1"/>
+          </p:nvPr>
+        </p:nvSpPr>
+        <p:spPr/>
+        <p:txBody>
+          <a:bodyPr/>
+          <a:lstStyle/>
+          <a:p>
+            <a:r>
+              <a:rPr kumimoji="1" lang="en-US" altLang="zh-CN" dirty="0"/>
+              <a:t>We are all from Shanghai Jiao Tong University.</a:t>
+            </a:r>
+            <a:endParaRPr kumimoji="1" lang="zh-CN" altLang="en-US" dirty="0"/>
+          </a:p>
+        </p:txBody>
+      </p:sp>
+      <p:sp>
+        <p:nvSpPr>
+          <p:cNvPr id="4" name="灯片编号占位符 3"/>
+          <p:cNvSpPr>
+            <a:spLocks noGrp="1"/>
+          </p:cNvSpPr>
+          <p:nvPr>
+            <p:ph type="sldNum" sz="quarter" idx="5"/>
+          </p:nvPr>
+        </p:nvSpPr>
+        <p:spPr/>
+        <p:txBody>
+          <a:bodyPr/>
+          <a:lstStyle/>
+          <a:p>
+            <a:fld id="{21FDA42E-093A-A34C-8138-7572D4CFC8B2}" type="slidenum">
+              <a:rPr kumimoji="1" lang="zh-CN" altLang="en-US" smtClean="0"/>
+              <a:t>1</a:t>
+            </a:fld>
+            <a:endParaRPr kumimoji="1" lang="zh-CN" altLang="en-US"/>
+          </a:p>
+        </p:txBody>
+      </p:sp>
+    </p:spTree>
+    <p:extLst>
+      <p:ext uri="{BB962C8B-B14F-4D97-AF65-F5344CB8AC3E}">
+        <p14:creationId xmlns:p14="http://schemas.microsoft.com/office/powerpoint/2010/main" val="1817703852"/>
+      </p:ext>
+    </p:extLst>
+  </p:cSld>
+  <p:clrMapOvr>
+    <a:masterClrMapping/>
+  </p:clrMapOvr>
+</p:notes>
+</file>
+
+<file path=ppt/notesSlides/notesSlide10.xml><?xml version="1.0" encoding="utf-8"?>
+<p:notes xmlns:a="http://schemas.openxmlformats.org/drawingml/2006/main" xmlns:r="http://schemas.openxmlformats.org/officeDocument/2006/relationships" xmlns:p="http://schemas.openxmlformats.org/presentationml/2006/main">
+  <p:cSld>
+    <p:spTree>
+      <p:nvGrpSpPr>
+        <p:cNvPr id="1" name=""/>
+        <p:cNvGrpSpPr/>
+        <p:nvPr/>
+      </p:nvGrpSpPr>
+      <p:grpSpPr>
+        <a:xfrm>
+          <a:off x="0" y="0"/>
+          <a:ext cx="0" cy="0"/>
+          <a:chOff x="0" y="0"/>
+          <a:chExt cx="0" cy="0"/>
+        </a:xfrm>
+      </p:grpSpPr>
+      <p:sp>
+        <p:nvSpPr>
+          <p:cNvPr id="2" name="幻灯片图像占位符 1"/>
+          <p:cNvSpPr>
+            <a:spLocks noGrp="1" noRot="1" noChangeAspect="1"/>
+          </p:cNvSpPr>
+          <p:nvPr>
+            <p:ph type="sldImg"/>
+          </p:nvPr>
+        </p:nvSpPr>
+        <p:spPr/>
+      </p:sp>
+      <p:sp>
+        <p:nvSpPr>
+          <p:cNvPr id="3" name="备注占位符 2"/>
+          <p:cNvSpPr>
+            <a:spLocks noGrp="1"/>
+          </p:cNvSpPr>
+          <p:nvPr>
+            <p:ph type="body" idx="1"/>
+          </p:nvPr>
+        </p:nvSpPr>
+        <p:spPr/>
+        <p:txBody>
+          <a:bodyPr/>
+          <a:lstStyle/>
+          <a:p>
+            <a:r>
+              <a:rPr kumimoji="1" lang="en-US" altLang="zh-CN" dirty="0"/>
+              <a:t>The existing methods can be classified into two categories.</a:t>
+            </a:r>
+          </a:p>
+          <a:p>
+            <a:endParaRPr kumimoji="1" lang="en-US" altLang="zh-CN" dirty="0"/>
+          </a:p>
+          <a:p>
+            <a:r>
+              <a:rPr kumimoji="1" lang="en-US" altLang="zh-CN" dirty="0"/>
+              <a:t>The first category is statistical methods.</a:t>
+            </a:r>
+          </a:p>
+          <a:p>
+            <a:endParaRPr kumimoji="1" lang="en-US" altLang="zh-CN" dirty="0"/>
+          </a:p>
+          <a:p>
+            <a:r>
+              <a:rPr kumimoji="1" lang="en-US" altLang="zh-CN" dirty="0"/>
+              <a:t>The most famous one is Kaplan-Meier method, which counts the number of the survival and dead samples in the whole set, to calculate the survival rate of each sample in the same dataset.</a:t>
+            </a:r>
+            <a:endParaRPr kumimoji="1" lang="zh-CN" altLang="en-US" dirty="0"/>
+          </a:p>
+        </p:txBody>
+      </p:sp>
+      <p:sp>
+        <p:nvSpPr>
+          <p:cNvPr id="4" name="灯片编号占位符 3"/>
+          <p:cNvSpPr>
+            <a:spLocks noGrp="1"/>
+          </p:cNvSpPr>
+          <p:nvPr>
+            <p:ph type="sldNum" sz="quarter" idx="5"/>
+          </p:nvPr>
+        </p:nvSpPr>
+        <p:spPr/>
+        <p:txBody>
+          <a:bodyPr/>
+          <a:lstStyle/>
+          <a:p>
+            <a:fld id="{21FDA42E-093A-A34C-8138-7572D4CFC8B2}" type="slidenum">
+              <a:rPr kumimoji="1" lang="zh-CN" altLang="en-US" smtClean="0"/>
+              <a:t>10</a:t>
+            </a:fld>
+            <a:endParaRPr kumimoji="1" lang="zh-CN" altLang="en-US"/>
+          </a:p>
+        </p:txBody>
+      </p:sp>
+    </p:spTree>
+    <p:extLst>
+      <p:ext uri="{BB962C8B-B14F-4D97-AF65-F5344CB8AC3E}">
+        <p14:creationId xmlns:p14="http://schemas.microsoft.com/office/powerpoint/2010/main" val="1873011991"/>
+      </p:ext>
+    </p:extLst>
+  </p:cSld>
+  <p:clrMapOvr>
+    <a:masterClrMapping/>
+  </p:clrMapOvr>
+</p:notes>
+</file>
+
+<file path=ppt/notesSlides/notesSlide11.xml><?xml version="1.0" encoding="utf-8"?>
+<p:notes xmlns:a="http://schemas.openxmlformats.org/drawingml/2006/main" xmlns:r="http://schemas.openxmlformats.org/officeDocument/2006/relationships" xmlns:p="http://schemas.openxmlformats.org/presentationml/2006/main">
+  <p:cSld>
+    <p:spTree>
+      <p:nvGrpSpPr>
+        <p:cNvPr id="1" name=""/>
+        <p:cNvGrpSpPr/>
+        <p:nvPr/>
+      </p:nvGrpSpPr>
+      <p:grpSpPr>
+        <a:xfrm>
+          <a:off x="0" y="0"/>
+          <a:ext cx="0" cy="0"/>
+          <a:chOff x="0" y="0"/>
+          <a:chExt cx="0" cy="0"/>
+        </a:xfrm>
+      </p:grpSpPr>
+      <p:sp>
+        <p:nvSpPr>
+          <p:cNvPr id="2" name="幻灯片图像占位符 1"/>
+          <p:cNvSpPr>
+            <a:spLocks noGrp="1" noRot="1" noChangeAspect="1"/>
+          </p:cNvSpPr>
+          <p:nvPr>
+            <p:ph type="sldImg"/>
+          </p:nvPr>
+        </p:nvSpPr>
+        <p:spPr/>
+      </p:sp>
+      <p:sp>
+        <p:nvSpPr>
+          <p:cNvPr id="3" name="备注占位符 2"/>
+          <p:cNvSpPr>
+            <a:spLocks noGrp="1"/>
+          </p:cNvSpPr>
+          <p:nvPr>
+            <p:ph type="body" idx="1"/>
+          </p:nvPr>
+        </p:nvSpPr>
+        <p:spPr/>
+        <p:txBody>
+          <a:bodyPr/>
+          <a:lstStyle/>
+          <a:p>
+            <a:r>
+              <a:rPr kumimoji="1" lang="en-US" altLang="zh-CN" dirty="0"/>
+              <a:t>Another notable</a:t>
+            </a:r>
+            <a:r>
+              <a:rPr kumimoji="1" lang="zh-CN" altLang="en-US" dirty="0"/>
+              <a:t> </a:t>
+            </a:r>
+            <a:r>
+              <a:rPr kumimoji="1" lang="en-US" altLang="zh-CN" dirty="0"/>
+              <a:t>statistical method is Cox proportional hazard model.</a:t>
+            </a:r>
+          </a:p>
+          <a:p>
+            <a:endParaRPr kumimoji="1" lang="en-US" altLang="zh-CN" dirty="0"/>
+          </a:p>
+          <a:p>
+            <a:r>
+              <a:rPr kumimoji="1" lang="en-US" altLang="zh-CN" dirty="0"/>
+              <a:t>It predicts the hazard rate at each time, which means “the probability of event occurring given not occurred before”.</a:t>
+            </a:r>
+          </a:p>
+          <a:p>
+            <a:r>
+              <a:rPr kumimoji="1" lang="en-US" altLang="zh-CN" dirty="0"/>
+              <a:t>It calculate the hazard rate through a base hazard function \lambda, and tuned by an exponential factor </a:t>
+            </a:r>
+            <a:r>
+              <a:rPr kumimoji="1" lang="en-US" altLang="zh-CN" dirty="0" err="1"/>
+              <a:t>w.r.t</a:t>
+            </a:r>
+            <a:r>
+              <a:rPr kumimoji="1" lang="en-US" altLang="zh-CN" dirty="0"/>
+              <a:t>. the sample feature.</a:t>
+            </a:r>
+          </a:p>
+          <a:p>
+            <a:endParaRPr kumimoji="1" lang="en-US" altLang="zh-CN" dirty="0"/>
+          </a:p>
+          <a:p>
+            <a:r>
+              <a:rPr kumimoji="1" lang="en-US" altLang="zh-CN" dirty="0"/>
+              <a:t>It makes some assumptions about the base hazard function, which may not be flexible in practice.</a:t>
+            </a:r>
+            <a:endParaRPr kumimoji="1" lang="zh-CN" altLang="en-US" dirty="0"/>
+          </a:p>
+        </p:txBody>
+      </p:sp>
+      <p:sp>
+        <p:nvSpPr>
+          <p:cNvPr id="4" name="灯片编号占位符 3"/>
+          <p:cNvSpPr>
+            <a:spLocks noGrp="1"/>
+          </p:cNvSpPr>
+          <p:nvPr>
+            <p:ph type="sldNum" sz="quarter" idx="5"/>
+          </p:nvPr>
+        </p:nvSpPr>
+        <p:spPr/>
+        <p:txBody>
+          <a:bodyPr/>
+          <a:lstStyle/>
+          <a:p>
+            <a:fld id="{21FDA42E-093A-A34C-8138-7572D4CFC8B2}" type="slidenum">
+              <a:rPr kumimoji="1" lang="zh-CN" altLang="en-US" smtClean="0"/>
+              <a:t>11</a:t>
+            </a:fld>
+            <a:endParaRPr kumimoji="1" lang="zh-CN" altLang="en-US"/>
+          </a:p>
+        </p:txBody>
+      </p:sp>
+    </p:spTree>
+    <p:extLst>
+      <p:ext uri="{BB962C8B-B14F-4D97-AF65-F5344CB8AC3E}">
+        <p14:creationId xmlns:p14="http://schemas.microsoft.com/office/powerpoint/2010/main" val="2674733232"/>
+      </p:ext>
+    </p:extLst>
+  </p:cSld>
+  <p:clrMapOvr>
+    <a:masterClrMapping/>
+  </p:clrMapOvr>
+</p:notes>
+</file>
+
+<file path=ppt/notesSlides/notesSlide12.xml><?xml version="1.0" encoding="utf-8"?>
+<p:notes xmlns:a="http://schemas.openxmlformats.org/drawingml/2006/main" xmlns:r="http://schemas.openxmlformats.org/officeDocument/2006/relationships" xmlns:p="http://schemas.openxmlformats.org/presentationml/2006/main">
+  <p:cSld>
+    <p:spTree>
+      <p:nvGrpSpPr>
+        <p:cNvPr id="1" name=""/>
+        <p:cNvGrpSpPr/>
+        <p:nvPr/>
+      </p:nvGrpSpPr>
+      <p:grpSpPr>
+        <a:xfrm>
+          <a:off x="0" y="0"/>
+          <a:ext cx="0" cy="0"/>
+          <a:chOff x="0" y="0"/>
+          <a:chExt cx="0" cy="0"/>
+        </a:xfrm>
+      </p:grpSpPr>
+      <p:sp>
+        <p:nvSpPr>
+          <p:cNvPr id="2" name="幻灯片图像占位符 1"/>
+          <p:cNvSpPr>
+            <a:spLocks noGrp="1" noRot="1" noChangeAspect="1"/>
+          </p:cNvSpPr>
+          <p:nvPr>
+            <p:ph type="sldImg"/>
+          </p:nvPr>
+        </p:nvSpPr>
+        <p:spPr/>
+      </p:sp>
+      <p:sp>
+        <p:nvSpPr>
+          <p:cNvPr id="3" name="备注占位符 2"/>
+          <p:cNvSpPr>
+            <a:spLocks noGrp="1"/>
+          </p:cNvSpPr>
+          <p:nvPr>
+            <p:ph type="body" idx="1"/>
+          </p:nvPr>
+        </p:nvSpPr>
+        <p:spPr/>
+        <p:txBody>
+          <a:bodyPr/>
+          <a:lstStyle/>
+          <a:p>
+            <a:r>
+              <a:rPr kumimoji="1" lang="en-US" altLang="zh-CN" dirty="0"/>
+              <a:t>The second category is machine learning model, such as the survival tree models.</a:t>
+            </a:r>
+          </a:p>
+          <a:p>
+            <a:endParaRPr kumimoji="1" lang="en-US" altLang="zh-CN" dirty="0"/>
+          </a:p>
+          <a:p>
+            <a:r>
+              <a:rPr kumimoji="1" lang="en-US" altLang="zh-CN" dirty="0"/>
+              <a:t>These tree methods predict the event probability and survival rate based on the segmented data, all the samples in the same segmented data cluster share the same probability function.</a:t>
+            </a:r>
+          </a:p>
+          <a:p>
+            <a:endParaRPr kumimoji="1" lang="en-US" altLang="zh-CN" dirty="0"/>
+          </a:p>
+          <a:p>
+            <a:r>
+              <a:rPr kumimoji="1" lang="en-US" altLang="zh-CN" dirty="0"/>
+              <a:t>Thus this approach is too coarse-grained.</a:t>
+            </a:r>
+            <a:endParaRPr kumimoji="1" lang="zh-CN" altLang="en-US" dirty="0"/>
+          </a:p>
+        </p:txBody>
+      </p:sp>
+      <p:sp>
+        <p:nvSpPr>
+          <p:cNvPr id="4" name="灯片编号占位符 3"/>
+          <p:cNvSpPr>
+            <a:spLocks noGrp="1"/>
+          </p:cNvSpPr>
+          <p:nvPr>
+            <p:ph type="sldNum" sz="quarter" idx="5"/>
+          </p:nvPr>
+        </p:nvSpPr>
+        <p:spPr/>
+        <p:txBody>
+          <a:bodyPr/>
+          <a:lstStyle/>
+          <a:p>
+            <a:fld id="{21FDA42E-093A-A34C-8138-7572D4CFC8B2}" type="slidenum">
+              <a:rPr kumimoji="1" lang="zh-CN" altLang="en-US" smtClean="0"/>
+              <a:t>12</a:t>
+            </a:fld>
+            <a:endParaRPr kumimoji="1" lang="zh-CN" altLang="en-US"/>
+          </a:p>
+        </p:txBody>
+      </p:sp>
+    </p:spTree>
+    <p:extLst>
+      <p:ext uri="{BB962C8B-B14F-4D97-AF65-F5344CB8AC3E}">
+        <p14:creationId xmlns:p14="http://schemas.microsoft.com/office/powerpoint/2010/main" val="2976821462"/>
+      </p:ext>
+    </p:extLst>
+  </p:cSld>
+  <p:clrMapOvr>
+    <a:masterClrMapping/>
+  </p:clrMapOvr>
+</p:notes>
+</file>
+
+<file path=ppt/notesSlides/notesSlide13.xml><?xml version="1.0" encoding="utf-8"?>
+<p:notes xmlns:a="http://schemas.openxmlformats.org/drawingml/2006/main" xmlns:r="http://schemas.openxmlformats.org/officeDocument/2006/relationships" xmlns:p="http://schemas.openxmlformats.org/presentationml/2006/main">
+  <p:cSld>
+    <p:spTree>
+      <p:nvGrpSpPr>
+        <p:cNvPr id="1" name=""/>
+        <p:cNvGrpSpPr/>
+        <p:nvPr/>
+      </p:nvGrpSpPr>
+      <p:grpSpPr>
+        <a:xfrm>
+          <a:off x="0" y="0"/>
+          <a:ext cx="0" cy="0"/>
+          <a:chOff x="0" y="0"/>
+          <a:chExt cx="0" cy="0"/>
+        </a:xfrm>
+      </p:grpSpPr>
+      <p:sp>
+        <p:nvSpPr>
+          <p:cNvPr id="2" name="幻灯片图像占位符 1"/>
+          <p:cNvSpPr>
+            <a:spLocks noGrp="1" noRot="1" noChangeAspect="1"/>
+          </p:cNvSpPr>
+          <p:nvPr>
+            <p:ph type="sldImg"/>
+          </p:nvPr>
+        </p:nvSpPr>
+        <p:spPr/>
+      </p:sp>
+      <p:sp>
+        <p:nvSpPr>
+          <p:cNvPr id="3" name="备注占位符 2"/>
+          <p:cNvSpPr>
+            <a:spLocks noGrp="1"/>
+          </p:cNvSpPr>
+          <p:nvPr>
+            <p:ph type="body" idx="1"/>
+          </p:nvPr>
+        </p:nvSpPr>
+        <p:spPr/>
+        <p:txBody>
+          <a:bodyPr/>
+          <a:lstStyle/>
+          <a:p>
+            <a:r>
+              <a:rPr kumimoji="1" lang="en-US" altLang="zh-CN" dirty="0"/>
+              <a:t>Some deep learning methods have been proposed in the recent decades.</a:t>
+            </a:r>
+          </a:p>
+          <a:p>
+            <a:r>
+              <a:rPr kumimoji="1" lang="en-US" altLang="zh-CN" dirty="0"/>
+              <a:t>However, </a:t>
+            </a:r>
+            <a:r>
+              <a:rPr kumimoji="1" lang="en" altLang="zh-CN" dirty="0"/>
+              <a:t>﻿they actually utilize deep neural network as the enhanced feature extraction method and, most of these models either rely on some assumptions of the base distributions for the survival rate prediction thus they share the same problem of those statistical methods.</a:t>
+            </a:r>
+          </a:p>
+          <a:p>
+            <a:endParaRPr kumimoji="1" lang="en" altLang="zh-CN" dirty="0"/>
+          </a:p>
+          <a:p>
+            <a:endParaRPr kumimoji="1" lang="en" altLang="zh-CN" dirty="0"/>
+          </a:p>
+        </p:txBody>
+      </p:sp>
+      <p:sp>
+        <p:nvSpPr>
+          <p:cNvPr id="4" name="灯片编号占位符 3"/>
+          <p:cNvSpPr>
+            <a:spLocks noGrp="1"/>
+          </p:cNvSpPr>
+          <p:nvPr>
+            <p:ph type="sldNum" sz="quarter" idx="5"/>
+          </p:nvPr>
+        </p:nvSpPr>
+        <p:spPr/>
+        <p:txBody>
+          <a:bodyPr/>
+          <a:lstStyle/>
+          <a:p>
+            <a:fld id="{21FDA42E-093A-A34C-8138-7572D4CFC8B2}" type="slidenum">
+              <a:rPr kumimoji="1" lang="zh-CN" altLang="en-US" smtClean="0"/>
+              <a:t>13</a:t>
+            </a:fld>
+            <a:endParaRPr kumimoji="1" lang="zh-CN" altLang="en-US"/>
+          </a:p>
+        </p:txBody>
+      </p:sp>
+    </p:spTree>
+    <p:extLst>
+      <p:ext uri="{BB962C8B-B14F-4D97-AF65-F5344CB8AC3E}">
+        <p14:creationId xmlns:p14="http://schemas.microsoft.com/office/powerpoint/2010/main" val="3470764314"/>
+      </p:ext>
+    </p:extLst>
+  </p:cSld>
+  <p:clrMapOvr>
+    <a:masterClrMapping/>
+  </p:clrMapOvr>
+</p:notes>
+</file>
+
+<file path=ppt/notesSlides/notesSlide14.xml><?xml version="1.0" encoding="utf-8"?>
+<p:notes xmlns:a="http://schemas.openxmlformats.org/drawingml/2006/main" xmlns:r="http://schemas.openxmlformats.org/officeDocument/2006/relationships" xmlns:p="http://schemas.openxmlformats.org/presentationml/2006/main">
+  <p:cSld>
+    <p:spTree>
+      <p:nvGrpSpPr>
+        <p:cNvPr id="1" name=""/>
+        <p:cNvGrpSpPr/>
+        <p:nvPr/>
+      </p:nvGrpSpPr>
+      <p:grpSpPr>
+        <a:xfrm>
+          <a:off x="0" y="0"/>
+          <a:ext cx="0" cy="0"/>
+          <a:chOff x="0" y="0"/>
+          <a:chExt cx="0" cy="0"/>
+        </a:xfrm>
+      </p:grpSpPr>
+      <p:sp>
+        <p:nvSpPr>
+          <p:cNvPr id="2" name="幻灯片图像占位符 1"/>
+          <p:cNvSpPr>
+            <a:spLocks noGrp="1" noRot="1" noChangeAspect="1"/>
+          </p:cNvSpPr>
+          <p:nvPr>
+            <p:ph type="sldImg"/>
+          </p:nvPr>
+        </p:nvSpPr>
+        <p:spPr/>
+      </p:sp>
+      <p:sp>
+        <p:nvSpPr>
+          <p:cNvPr id="3" name="备注占位符 2"/>
+          <p:cNvSpPr>
+            <a:spLocks noGrp="1"/>
+          </p:cNvSpPr>
+          <p:nvPr>
+            <p:ph type="body" idx="1"/>
+          </p:nvPr>
+        </p:nvSpPr>
+        <p:spPr/>
+        <p:txBody>
+          <a:bodyPr/>
+          <a:lstStyle/>
+          <a:p>
+            <a:r>
+              <a:rPr kumimoji="1" lang="en-US" altLang="zh-CN" dirty="0"/>
+              <a:t>And we’d like to note that none of the existing methods have considered the sequential patterns for the feature over the time space.</a:t>
+            </a:r>
+            <a:endParaRPr kumimoji="1" lang="zh-CN" altLang="en-US" dirty="0"/>
+          </a:p>
+        </p:txBody>
+      </p:sp>
+      <p:sp>
+        <p:nvSpPr>
+          <p:cNvPr id="4" name="灯片编号占位符 3"/>
+          <p:cNvSpPr>
+            <a:spLocks noGrp="1"/>
+          </p:cNvSpPr>
+          <p:nvPr>
+            <p:ph type="sldNum" sz="quarter" idx="5"/>
+          </p:nvPr>
+        </p:nvSpPr>
+        <p:spPr/>
+        <p:txBody>
+          <a:bodyPr/>
+          <a:lstStyle/>
+          <a:p>
+            <a:fld id="{21FDA42E-093A-A34C-8138-7572D4CFC8B2}" type="slidenum">
+              <a:rPr kumimoji="1" lang="zh-CN" altLang="en-US" smtClean="0"/>
+              <a:t>14</a:t>
+            </a:fld>
+            <a:endParaRPr kumimoji="1" lang="zh-CN" altLang="en-US"/>
+          </a:p>
+        </p:txBody>
+      </p:sp>
+    </p:spTree>
+    <p:extLst>
+      <p:ext uri="{BB962C8B-B14F-4D97-AF65-F5344CB8AC3E}">
+        <p14:creationId xmlns:p14="http://schemas.microsoft.com/office/powerpoint/2010/main" val="872442213"/>
+      </p:ext>
+    </p:extLst>
+  </p:cSld>
+  <p:clrMapOvr>
+    <a:masterClrMapping/>
+  </p:clrMapOvr>
+</p:notes>
+</file>
+
+<file path=ppt/notesSlides/notesSlide15.xml><?xml version="1.0" encoding="utf-8"?>
+<p:notes xmlns:a="http://schemas.openxmlformats.org/drawingml/2006/main" xmlns:r="http://schemas.openxmlformats.org/officeDocument/2006/relationships" xmlns:p="http://schemas.openxmlformats.org/presentationml/2006/main">
+  <p:cSld>
+    <p:spTree>
+      <p:nvGrpSpPr>
+        <p:cNvPr id="1" name=""/>
+        <p:cNvGrpSpPr/>
+        <p:nvPr/>
+      </p:nvGrpSpPr>
+      <p:grpSpPr>
+        <a:xfrm>
+          <a:off x="0" y="0"/>
+          <a:ext cx="0" cy="0"/>
+          <a:chOff x="0" y="0"/>
+          <a:chExt cx="0" cy="0"/>
+        </a:xfrm>
+      </p:grpSpPr>
+      <p:sp>
+        <p:nvSpPr>
+          <p:cNvPr id="2" name="幻灯片图像占位符 1"/>
+          <p:cNvSpPr>
+            <a:spLocks noGrp="1" noRot="1" noChangeAspect="1"/>
+          </p:cNvSpPr>
+          <p:nvPr>
+            <p:ph type="sldImg"/>
+          </p:nvPr>
+        </p:nvSpPr>
+        <p:spPr/>
+      </p:sp>
+      <p:sp>
+        <p:nvSpPr>
+          <p:cNvPr id="3" name="备注占位符 2"/>
+          <p:cNvSpPr>
+            <a:spLocks noGrp="1"/>
+          </p:cNvSpPr>
+          <p:nvPr>
+            <p:ph type="body" idx="1"/>
+          </p:nvPr>
+        </p:nvSpPr>
+        <p:spPr/>
+        <p:txBody>
+          <a:bodyPr/>
+          <a:lstStyle/>
+          <a:p>
+            <a:r>
+              <a:rPr kumimoji="1" lang="en-US" altLang="zh-CN" dirty="0"/>
+              <a:t>In our paper, we propose deep recurrent survival analysis, shortly DRSA model.</a:t>
+            </a:r>
+          </a:p>
+          <a:p>
+            <a:endParaRPr kumimoji="1" lang="en-US" altLang="zh-CN" dirty="0"/>
+          </a:p>
+          <a:p>
+            <a:r>
+              <a:rPr kumimoji="1" lang="en-US" altLang="zh-CN" sz="1200" dirty="0"/>
+              <a:t>DRSA does not make any assumptions about distributional forms.</a:t>
+            </a:r>
+          </a:p>
+          <a:p>
+            <a:r>
+              <a:rPr kumimoji="1" lang="en-US" altLang="zh-CN" sz="1200" dirty="0"/>
+              <a:t>It captures sequential patterns in the feature-over-time space.</a:t>
+            </a:r>
+          </a:p>
+          <a:p>
+            <a:r>
+              <a:rPr kumimoji="1" lang="en-US" altLang="zh-CN" sz="1200" dirty="0"/>
+              <a:t>This is the first</a:t>
+            </a:r>
+            <a:r>
+              <a:rPr kumimoji="1" lang="zh-CN" altLang="en-US" sz="1200" dirty="0"/>
+              <a:t> </a:t>
+            </a:r>
+            <a:r>
+              <a:rPr kumimoji="1" lang="en-US" altLang="zh-CN" sz="1200" dirty="0"/>
+              <a:t>work</a:t>
+            </a:r>
+            <a:r>
+              <a:rPr kumimoji="1" lang="zh-CN" altLang="en-US" sz="1200" dirty="0"/>
+              <a:t> </a:t>
+            </a:r>
+            <a:r>
+              <a:rPr kumimoji="1" lang="en-US" altLang="zh-CN" sz="1200" dirty="0"/>
+              <a:t>utilizing</a:t>
+            </a:r>
+            <a:r>
+              <a:rPr kumimoji="1" lang="zh-CN" altLang="en-US" sz="1200" dirty="0"/>
+              <a:t> </a:t>
+            </a:r>
+            <a:r>
+              <a:rPr kumimoji="1" lang="en-US" altLang="zh-CN" sz="1200" dirty="0"/>
+              <a:t>auto-regressive</a:t>
+            </a:r>
+            <a:r>
+              <a:rPr kumimoji="1" lang="zh-CN" altLang="en-US" sz="1200" dirty="0"/>
+              <a:t> </a:t>
+            </a:r>
+            <a:r>
+              <a:rPr kumimoji="1" lang="en-US" altLang="zh-CN" sz="1200" dirty="0"/>
+              <a:t>model</a:t>
+            </a:r>
+            <a:r>
+              <a:rPr kumimoji="1" lang="zh-CN" altLang="en-US" sz="1200" dirty="0"/>
+              <a:t> </a:t>
+            </a:r>
+            <a:r>
+              <a:rPr kumimoji="1" lang="en-US" altLang="zh-CN" sz="1200" dirty="0"/>
+              <a:t>for</a:t>
+            </a:r>
+            <a:r>
+              <a:rPr kumimoji="1" lang="zh-CN" altLang="en-US" sz="1200" dirty="0"/>
+              <a:t> </a:t>
+            </a:r>
+            <a:r>
+              <a:rPr kumimoji="1" lang="en-US" altLang="zh-CN" sz="1200" dirty="0"/>
+              <a:t>Survival Analysis.</a:t>
+            </a:r>
+          </a:p>
+          <a:p>
+            <a:r>
+              <a:rPr kumimoji="1" lang="en-US" altLang="zh-CN" sz="1200" dirty="0"/>
+              <a:t>It also handles</a:t>
+            </a:r>
+            <a:r>
+              <a:rPr kumimoji="1" lang="zh-CN" altLang="en-US" sz="1200" dirty="0"/>
+              <a:t> </a:t>
+            </a:r>
+            <a:r>
+              <a:rPr kumimoji="1" lang="en-US" altLang="zh-CN" sz="1200" dirty="0"/>
+              <a:t>censorship</a:t>
+            </a:r>
+            <a:r>
+              <a:rPr kumimoji="1" lang="zh-CN" altLang="en-US" sz="1200" dirty="0"/>
+              <a:t> </a:t>
+            </a:r>
+            <a:r>
+              <a:rPr kumimoji="1" lang="en-US" altLang="zh-CN" sz="1200" dirty="0"/>
+              <a:t>with</a:t>
+            </a:r>
+            <a:r>
+              <a:rPr kumimoji="1" lang="zh-CN" altLang="en-US" sz="1200" dirty="0"/>
+              <a:t> </a:t>
+            </a:r>
+            <a:r>
+              <a:rPr kumimoji="1" lang="en-US" altLang="zh-CN" sz="1200" dirty="0"/>
+              <a:t>unbiased</a:t>
+            </a:r>
+            <a:r>
+              <a:rPr kumimoji="1" lang="zh-CN" altLang="en-US" sz="1200" dirty="0"/>
+              <a:t> </a:t>
+            </a:r>
+            <a:r>
+              <a:rPr kumimoji="1" lang="en-US" altLang="zh-CN" sz="1200" dirty="0"/>
+              <a:t>learning loss.</a:t>
+            </a:r>
+          </a:p>
+          <a:p>
+            <a:r>
+              <a:rPr kumimoji="1" lang="en-US" altLang="zh-CN" sz="1200" dirty="0"/>
+              <a:t>In the experiment, our model achieved significant</a:t>
+            </a:r>
+            <a:r>
+              <a:rPr kumimoji="1" lang="zh-CN" altLang="en-US" sz="1200" dirty="0"/>
+              <a:t> </a:t>
+            </a:r>
+            <a:r>
+              <a:rPr kumimoji="1" lang="en-US" altLang="zh-CN" sz="1200" dirty="0"/>
+              <a:t>improvement</a:t>
+            </a:r>
+            <a:r>
+              <a:rPr kumimoji="1" lang="zh-CN" altLang="en-US" sz="1200" dirty="0"/>
+              <a:t> </a:t>
+            </a:r>
+            <a:r>
+              <a:rPr kumimoji="1" lang="en-US" altLang="zh-CN" sz="1200" dirty="0"/>
+              <a:t>against</a:t>
+            </a:r>
+            <a:r>
+              <a:rPr kumimoji="1" lang="zh-CN" altLang="en-US" sz="1200" dirty="0"/>
+              <a:t> </a:t>
+            </a:r>
+            <a:r>
+              <a:rPr kumimoji="1" lang="en-US" altLang="zh-CN" sz="1200" dirty="0"/>
+              <a:t>both</a:t>
+            </a:r>
+            <a:r>
+              <a:rPr kumimoji="1" lang="zh-CN" altLang="en-US" sz="1200" dirty="0"/>
+              <a:t> </a:t>
+            </a:r>
+            <a:r>
+              <a:rPr kumimoji="1" lang="en-US" altLang="zh-CN" sz="1200" dirty="0"/>
+              <a:t>statistical</a:t>
+            </a:r>
+            <a:r>
+              <a:rPr kumimoji="1" lang="zh-CN" altLang="en-US" sz="1200" dirty="0"/>
+              <a:t> </a:t>
+            </a:r>
+            <a:r>
+              <a:rPr kumimoji="1" lang="en-US" altLang="zh-CN" sz="1200" dirty="0"/>
+              <a:t>methods</a:t>
+            </a:r>
+            <a:r>
+              <a:rPr kumimoji="1" lang="zh-CN" altLang="en-US" sz="1200" dirty="0"/>
+              <a:t> </a:t>
+            </a:r>
+            <a:r>
+              <a:rPr kumimoji="1" lang="en-US" altLang="zh-CN" sz="1200" dirty="0"/>
+              <a:t>and</a:t>
+            </a:r>
+            <a:r>
+              <a:rPr kumimoji="1" lang="zh-CN" altLang="en-US" sz="1200" dirty="0"/>
+              <a:t> </a:t>
+            </a:r>
+            <a:r>
+              <a:rPr kumimoji="1" lang="en-US" altLang="zh-CN" sz="1200" dirty="0"/>
+              <a:t>machine learning</a:t>
+            </a:r>
+            <a:r>
+              <a:rPr kumimoji="1" lang="zh-CN" altLang="en-US" sz="1200" dirty="0"/>
+              <a:t> </a:t>
+            </a:r>
+            <a:r>
+              <a:rPr kumimoji="1" lang="en-US" altLang="zh-CN" sz="1200" dirty="0"/>
+              <a:t>methods.</a:t>
+            </a:r>
+            <a:endParaRPr kumimoji="1" lang="zh-CN" altLang="en-US" sz="1200" dirty="0"/>
+          </a:p>
+          <a:p>
+            <a:endParaRPr kumimoji="1" lang="zh-CN" altLang="en-US" dirty="0"/>
+          </a:p>
+        </p:txBody>
+      </p:sp>
+      <p:sp>
+        <p:nvSpPr>
+          <p:cNvPr id="4" name="灯片编号占位符 3"/>
+          <p:cNvSpPr>
+            <a:spLocks noGrp="1"/>
+          </p:cNvSpPr>
+          <p:nvPr>
+            <p:ph type="sldNum" sz="quarter" idx="5"/>
+          </p:nvPr>
+        </p:nvSpPr>
+        <p:spPr/>
+        <p:txBody>
+          <a:bodyPr/>
+          <a:lstStyle/>
+          <a:p>
+            <a:fld id="{21FDA42E-093A-A34C-8138-7572D4CFC8B2}" type="slidenum">
+              <a:rPr kumimoji="1" lang="zh-CN" altLang="en-US" smtClean="0"/>
+              <a:t>15</a:t>
+            </a:fld>
+            <a:endParaRPr kumimoji="1" lang="zh-CN" altLang="en-US"/>
+          </a:p>
+        </p:txBody>
+      </p:sp>
+    </p:spTree>
+    <p:extLst>
+      <p:ext uri="{BB962C8B-B14F-4D97-AF65-F5344CB8AC3E}">
+        <p14:creationId xmlns:p14="http://schemas.microsoft.com/office/powerpoint/2010/main" val="2758191763"/>
+      </p:ext>
+    </p:extLst>
+  </p:cSld>
+  <p:clrMapOvr>
+    <a:masterClrMapping/>
+  </p:clrMapOvr>
+</p:notes>
+</file>
+
+<file path=ppt/notesSlides/notesSlide16.xml><?xml version="1.0" encoding="utf-8"?>
+<p:notes xmlns:a="http://schemas.openxmlformats.org/drawingml/2006/main" xmlns:r="http://schemas.openxmlformats.org/officeDocument/2006/relationships" xmlns:p="http://schemas.openxmlformats.org/presentationml/2006/main">
+  <p:cSld>
+    <p:spTree>
+      <p:nvGrpSpPr>
+        <p:cNvPr id="1" name=""/>
+        <p:cNvGrpSpPr/>
+        <p:nvPr/>
+      </p:nvGrpSpPr>
+      <p:grpSpPr>
+        <a:xfrm>
+          <a:off x="0" y="0"/>
+          <a:ext cx="0" cy="0"/>
+          <a:chOff x="0" y="0"/>
+          <a:chExt cx="0" cy="0"/>
+        </a:xfrm>
+      </p:grpSpPr>
+      <p:sp>
+        <p:nvSpPr>
+          <p:cNvPr id="2" name="幻灯片图像占位符 1"/>
+          <p:cNvSpPr>
+            <a:spLocks noGrp="1" noRot="1" noChangeAspect="1"/>
+          </p:cNvSpPr>
+          <p:nvPr>
+            <p:ph type="sldImg"/>
+          </p:nvPr>
+        </p:nvSpPr>
+        <p:spPr/>
+      </p:sp>
+      <mc:AlternateContent xmlns:mc="http://schemas.openxmlformats.org/markup-compatibility/2006" xmlns:a14="http://schemas.microsoft.com/office/drawing/2010/main">
+        <mc:Choice Requires="a14">
           <p:sp>
             <p:nvSpPr>
               <p:cNvPr id="3" name="备注占位符 2"/>
@@ -520,6 +1406,14 @@
             <p:txBody>
               <a:bodyPr/>
               <a:lstStyle/>
+              <a:p>
+                <a:r>
+                  <a:rPr kumimoji="1" lang="en-US" altLang="zh-CN" b="0" i="0" dirty="0">
+                    <a:latin typeface="Cambria Math" panose="02040503050406030204" pitchFamily="18" charset="0"/>
+                  </a:rPr>
+                  <a:t>In our method, we first split the continuous time space into discrete time space.</a:t>
+                </a:r>
+              </a:p>
               <a:p>
                 <a14:m>
                   <m:oMath xmlns:m="http://schemas.openxmlformats.org/officeDocument/2006/math">
@@ -602,7 +1496,65 @@
                 </a:r>
                 <a:r>
                   <a:rPr kumimoji="1" lang="en-US" altLang="zh-CN" dirty="0"/>
-                  <a:t>interval</a:t>
+                  <a:t>interval.</a:t>
+                </a:r>
+              </a:p>
+              <a:p>
+                <a:endParaRPr kumimoji="1" lang="en-US" altLang="zh-CN" dirty="0"/>
+              </a:p>
+              <a:p>
+                <a:r>
+                  <a:rPr kumimoji="1" lang="en-US" altLang="zh-CN" dirty="0"/>
+                  <a:t>There are two cases that </a:t>
+                </a:r>
+              </a:p>
+              <a:p>
+                <a:r>
+                  <a:rPr kumimoji="1" lang="en-US" altLang="zh-CN" dirty="0"/>
+                  <a:t>Z \in </a:t>
+                </a:r>
+                <a:r>
+                  <a:rPr kumimoji="1" lang="en-US" altLang="zh-CN" dirty="0" err="1"/>
+                  <a:t>V_l</a:t>
+                </a:r>
+                <a:r>
+                  <a:rPr kumimoji="1" lang="en-US" altLang="zh-CN" dirty="0"/>
+                  <a:t> means the event occurs during the time interval.</a:t>
+                </a:r>
+              </a:p>
+              <a:p>
+                <a:r>
+                  <a:rPr kumimoji="1" lang="en-US" altLang="zh-CN" dirty="0"/>
+                  <a:t>Z not in </a:t>
+                </a:r>
+                <a:r>
+                  <a:rPr kumimoji="1" lang="en-US" altLang="zh-CN" dirty="0" err="1"/>
+                  <a:t>V_l</a:t>
+                </a:r>
+                <a:r>
+                  <a:rPr kumimoji="1" lang="en-US" altLang="zh-CN" dirty="0"/>
+                  <a:t> means the event not occurs during the time interval.</a:t>
+                </a:r>
+              </a:p>
+              <a:p>
+                <a:endParaRPr kumimoji="1" lang="en-US" altLang="zh-CN" dirty="0"/>
+              </a:p>
+              <a:p>
+                <a:r>
+                  <a:rPr kumimoji="1" lang="en-US" altLang="zh-CN" dirty="0"/>
+                  <a:t>We predict the hazard rate h at each time, which means the event probability at the specific time given the event not happened before.</a:t>
+                </a:r>
+              </a:p>
+              <a:p>
+                <a:r>
+                  <a:rPr kumimoji="1" lang="en-US" altLang="zh-CN" dirty="0"/>
+                  <a:t>We use the recurrent cell to model the conditional probability h.</a:t>
+                </a:r>
+              </a:p>
+              <a:p>
+                <a:r>
+                  <a:rPr kumimoji="1" lang="en-US" altLang="zh-CN" dirty="0"/>
+                  <a:t>It is quite natural that the recurrent cell takes in the latent factor r from the last time step, and the feature x with the time label</a:t>
                 </a:r>
                 <a:r>
                   <a:rPr kumimoji="1" lang="zh-CN" altLang="en-US" dirty="0"/>
@@ -610,31 +1562,484 @@
                 </a:r>
                 <a:r>
                   <a:rPr kumimoji="1" lang="en-US" altLang="zh-CN" dirty="0"/>
-                  <a:t>with</a:t>
+                  <a:t>t, it will predict the hazard rate at each time.</a:t>
+                </a:r>
+                <a:endParaRPr kumimoji="1" lang="zh-CN" altLang="en-US" dirty="0"/>
+              </a:p>
+            </p:txBody>
+          </p:sp>
+        </mc:Choice>
+        <mc:Fallback xmlns="">
+          <p:sp>
+            <p:nvSpPr>
+              <p:cNvPr id="3" name="备注占位符 2"/>
+              <p:cNvSpPr>
+                <a:spLocks noGrp="1"/>
+              </p:cNvSpPr>
+              <p:nvPr>
+                <p:ph type="body" idx="1"/>
+              </p:nvPr>
+            </p:nvSpPr>
+            <p:spPr/>
+            <p:txBody>
+              <a:bodyPr/>
+              <a:lstStyle/>
+              <a:p>
+                <a:r>
+                  <a:rPr kumimoji="1" lang="en-US" altLang="zh-CN" b="0" i="0">
+                    <a:latin typeface="Cambria Math" panose="02040503050406030204" pitchFamily="18" charset="0"/>
+                  </a:rPr>
+                  <a:t>𝑉_𝑙</a:t>
                 </a:r>
                 <a:r>
                   <a:rPr kumimoji="1" lang="zh-CN" altLang="en-US" dirty="0"/>
                   <a:t> </a:t>
+                </a:r>
+                <a:r>
+                  <a:rPr kumimoji="1" lang="en-US" altLang="zh-CN" dirty="0"/>
+                  <a:t>is</a:t>
+                </a:r>
+                <a:r>
+                  <a:rPr kumimoji="1" lang="zh-CN" altLang="en-US" dirty="0"/>
+                  <a:t> </a:t>
+                </a:r>
+                <a:r>
+                  <a:rPr kumimoji="1" lang="en-US" altLang="zh-CN" dirty="0"/>
+                  <a:t>the</a:t>
+                </a:r>
+                <a:r>
+                  <a:rPr kumimoji="1" lang="zh-CN" altLang="en-US" dirty="0"/>
+                  <a:t> </a:t>
+                </a:r>
+                <a:r>
+                  <a:rPr kumimoji="1" lang="en-US" altLang="zh-CN" b="0" i="0">
+                    <a:latin typeface="Cambria Math" panose="02040503050406030204" pitchFamily="18" charset="0"/>
+                  </a:rPr>
+                  <a:t>𝑙</a:t>
+                </a:r>
+                <a:r>
+                  <a:rPr kumimoji="1" lang="en-US" altLang="zh-CN" dirty="0"/>
+                  <a:t>-</a:t>
+                </a:r>
+                <a:r>
+                  <a:rPr kumimoji="1" lang="en-US" altLang="zh-CN" dirty="0" err="1"/>
+                  <a:t>th</a:t>
+                </a:r>
+                <a:r>
+                  <a:rPr kumimoji="1" lang="zh-CN" altLang="en-US" dirty="0"/>
+                  <a:t> </a:t>
+                </a:r>
+                <a:r>
+                  <a:rPr kumimoji="1" lang="en-US" altLang="zh-CN" dirty="0"/>
+                  <a:t>time</a:t>
+                </a:r>
+                <a:r>
+                  <a:rPr kumimoji="1" lang="zh-CN" altLang="en-US" dirty="0"/>
+                  <a:t> </a:t>
+                </a:r>
+                <a:r>
+                  <a:rPr kumimoji="1" lang="en-US" altLang="zh-CN" dirty="0"/>
+                  <a:t>interval</a:t>
+                </a:r>
+                <a:r>
+                  <a:rPr kumimoji="1" lang="zh-CN" altLang="en-US" dirty="0"/>
+                  <a:t> </a:t>
+                </a:r>
+                <a:r>
+                  <a:rPr kumimoji="1" lang="en-US" altLang="zh-CN" dirty="0"/>
+                  <a:t>with</a:t>
+                </a:r>
+                <a:r>
+                  <a:rPr kumimoji="1" lang="zh-CN" altLang="en-US" dirty="0"/>
+                  <a:t> </a:t>
+                </a:r>
+                <a:r>
+                  <a:rPr kumimoji="1" lang="en-US" altLang="zh-CN" b="0" i="0">
+                    <a:latin typeface="Cambria Math" panose="02040503050406030204" pitchFamily="18" charset="0"/>
+                  </a:rPr>
+                  <a:t>[𝑡_(𝑙−1),</a:t>
+                </a:r>
+                <a:r>
+                  <a:rPr kumimoji="1" lang="zh-CN" altLang="en-US" b="0" i="0">
+                    <a:latin typeface="Cambria Math" panose="02040503050406030204" pitchFamily="18" charset="0"/>
+                  </a:rPr>
+                  <a:t> </a:t>
+                </a:r>
+                <a:r>
+                  <a:rPr kumimoji="1" lang="en-US" altLang="zh-CN" b="0" i="0">
+                    <a:latin typeface="Cambria Math" panose="02040503050406030204" pitchFamily="18" charset="0"/>
+                  </a:rPr>
+                  <a:t>𝑡_𝑙]</a:t>
+                </a:r>
+                <a:endParaRPr kumimoji="1" lang="zh-CN" altLang="en-US" dirty="0"/>
+              </a:p>
+            </p:txBody>
+          </p:sp>
+        </mc:Fallback>
+      </mc:AlternateContent>
+      <p:sp>
+        <p:nvSpPr>
+          <p:cNvPr id="4" name="灯片编号占位符 3"/>
+          <p:cNvSpPr>
+            <a:spLocks noGrp="1"/>
+          </p:cNvSpPr>
+          <p:nvPr>
+            <p:ph type="sldNum" sz="quarter" idx="5"/>
+          </p:nvPr>
+        </p:nvSpPr>
+        <p:spPr/>
+        <p:txBody>
+          <a:bodyPr/>
+          <a:lstStyle/>
+          <a:p>
+            <a:fld id="{21FDA42E-093A-A34C-8138-7572D4CFC8B2}" type="slidenum">
+              <a:rPr kumimoji="1" lang="zh-CN" altLang="en-US" smtClean="0"/>
+              <a:t>16</a:t>
+            </a:fld>
+            <a:endParaRPr kumimoji="1" lang="zh-CN" altLang="en-US"/>
+          </a:p>
+        </p:txBody>
+      </p:sp>
+    </p:spTree>
+    <p:extLst>
+      <p:ext uri="{BB962C8B-B14F-4D97-AF65-F5344CB8AC3E}">
+        <p14:creationId xmlns:p14="http://schemas.microsoft.com/office/powerpoint/2010/main" val="3619795895"/>
+      </p:ext>
+    </p:extLst>
+  </p:cSld>
+  <p:clrMapOvr>
+    <a:masterClrMapping/>
+  </p:clrMapOvr>
+</p:notes>
+</file>
+
+<file path=ppt/notesSlides/notesSlide17.xml><?xml version="1.0" encoding="utf-8"?>
+<p:notes xmlns:a="http://schemas.openxmlformats.org/drawingml/2006/main" xmlns:r="http://schemas.openxmlformats.org/officeDocument/2006/relationships" xmlns:p="http://schemas.openxmlformats.org/presentationml/2006/main">
+  <p:cSld>
+    <p:spTree>
+      <p:nvGrpSpPr>
+        <p:cNvPr id="1" name=""/>
+        <p:cNvGrpSpPr/>
+        <p:nvPr/>
+      </p:nvGrpSpPr>
+      <p:grpSpPr>
+        <a:xfrm>
+          <a:off x="0" y="0"/>
+          <a:ext cx="0" cy="0"/>
+          <a:chOff x="0" y="0"/>
+          <a:chExt cx="0" cy="0"/>
+        </a:xfrm>
+      </p:grpSpPr>
+      <p:sp>
+        <p:nvSpPr>
+          <p:cNvPr id="2" name="幻灯片图像占位符 1"/>
+          <p:cNvSpPr>
+            <a:spLocks noGrp="1" noRot="1" noChangeAspect="1"/>
+          </p:cNvSpPr>
+          <p:nvPr>
+            <p:ph type="sldImg"/>
+          </p:nvPr>
+        </p:nvSpPr>
+        <p:spPr/>
+      </p:sp>
+      <p:sp>
+        <p:nvSpPr>
+          <p:cNvPr id="3" name="备注占位符 2"/>
+          <p:cNvSpPr>
+            <a:spLocks noGrp="1"/>
+          </p:cNvSpPr>
+          <p:nvPr>
+            <p:ph type="body" idx="1"/>
+          </p:nvPr>
+        </p:nvSpPr>
+        <p:spPr/>
+        <p:txBody>
+          <a:bodyPr/>
+          <a:lstStyle/>
+          <a:p>
+            <a:r>
+              <a:rPr kumimoji="1" lang="en-US" altLang="zh-CN" dirty="0"/>
+              <a:t>Note that, the survival rate means the probability of survival ,which is probability of (t less than z).</a:t>
+            </a:r>
+          </a:p>
+          <a:p>
+            <a:r>
+              <a:rPr kumimoji="1" lang="en-US" altLang="zh-CN" dirty="0"/>
+              <a:t>Thus we can calculate the survival rate through the probability chain rule.</a:t>
+            </a:r>
+          </a:p>
+          <a:p>
+            <a:r>
+              <a:rPr kumimoji="1" lang="en-US" altLang="zh-CN" dirty="0"/>
+              <a:t>Specifically, we multiply all the conditional probability at each time.</a:t>
+            </a:r>
+          </a:p>
+          <a:p>
+            <a:r>
+              <a:rPr kumimoji="1" lang="en-US" altLang="zh-CN" dirty="0"/>
+              <a:t>Each conditional probability means that, at that time, “event not happening given that not happened before”, that is (one minus the hazard rate).</a:t>
+            </a:r>
+          </a:p>
+          <a:p>
+            <a:endParaRPr kumimoji="1" lang="en-US" altLang="zh-CN" dirty="0"/>
+          </a:p>
+          <a:p>
+            <a:r>
+              <a:rPr kumimoji="1" lang="en-US" altLang="zh-CN" dirty="0"/>
+              <a:t>Through the probability chain rule and some nature of the probability function, we can get the cumulative distribution function W and probability density function p, in a similar way.</a:t>
+            </a:r>
+          </a:p>
+        </p:txBody>
+      </p:sp>
+      <p:sp>
+        <p:nvSpPr>
+          <p:cNvPr id="4" name="灯片编号占位符 3"/>
+          <p:cNvSpPr>
+            <a:spLocks noGrp="1"/>
+          </p:cNvSpPr>
+          <p:nvPr>
+            <p:ph type="sldNum" sz="quarter" idx="5"/>
+          </p:nvPr>
+        </p:nvSpPr>
+        <p:spPr/>
+        <p:txBody>
+          <a:bodyPr/>
+          <a:lstStyle/>
+          <a:p>
+            <a:fld id="{21FDA42E-093A-A34C-8138-7572D4CFC8B2}" type="slidenum">
+              <a:rPr kumimoji="1" lang="zh-CN" altLang="en-US" smtClean="0"/>
+              <a:t>17</a:t>
+            </a:fld>
+            <a:endParaRPr kumimoji="1" lang="zh-CN" altLang="en-US"/>
+          </a:p>
+        </p:txBody>
+      </p:sp>
+    </p:spTree>
+    <p:extLst>
+      <p:ext uri="{BB962C8B-B14F-4D97-AF65-F5344CB8AC3E}">
+        <p14:creationId xmlns:p14="http://schemas.microsoft.com/office/powerpoint/2010/main" val="2596921100"/>
+      </p:ext>
+    </p:extLst>
+  </p:cSld>
+  <p:clrMapOvr>
+    <a:masterClrMapping/>
+  </p:clrMapOvr>
+</p:notes>
+</file>
+
+<file path=ppt/notesSlides/notesSlide18.xml><?xml version="1.0" encoding="utf-8"?>
+<p:notes xmlns:a="http://schemas.openxmlformats.org/drawingml/2006/main" xmlns:r="http://schemas.openxmlformats.org/officeDocument/2006/relationships" xmlns:p="http://schemas.openxmlformats.org/presentationml/2006/main">
+  <p:cSld>
+    <p:spTree>
+      <p:nvGrpSpPr>
+        <p:cNvPr id="1" name=""/>
+        <p:cNvGrpSpPr/>
+        <p:nvPr/>
+      </p:nvGrpSpPr>
+      <p:grpSpPr>
+        <a:xfrm>
+          <a:off x="0" y="0"/>
+          <a:ext cx="0" cy="0"/>
+          <a:chOff x="0" y="0"/>
+          <a:chExt cx="0" cy="0"/>
+        </a:xfrm>
+      </p:grpSpPr>
+      <p:sp>
+        <p:nvSpPr>
+          <p:cNvPr id="2" name="幻灯片图像占位符 1"/>
+          <p:cNvSpPr>
+            <a:spLocks noGrp="1" noRot="1" noChangeAspect="1"/>
+          </p:cNvSpPr>
+          <p:nvPr>
+            <p:ph type="sldImg"/>
+          </p:nvPr>
+        </p:nvSpPr>
+        <p:spPr/>
+      </p:sp>
+      <p:sp>
+        <p:nvSpPr>
+          <p:cNvPr id="3" name="备注占位符 2"/>
+          <p:cNvSpPr>
+            <a:spLocks noGrp="1"/>
+          </p:cNvSpPr>
+          <p:nvPr>
+            <p:ph type="body" idx="1"/>
+          </p:nvPr>
+        </p:nvSpPr>
+        <p:spPr/>
+        <p:txBody>
+          <a:bodyPr/>
+          <a:lstStyle/>
+          <a:p>
+            <a:r>
+              <a:rPr kumimoji="1" lang="en-US" altLang="zh-CN" dirty="0"/>
+              <a:t>This is the overall architecture of the recurrent model.</a:t>
+            </a:r>
+          </a:p>
+          <a:p>
+            <a:r>
+              <a:rPr kumimoji="1" lang="en-US" altLang="zh-CN" dirty="0"/>
+              <a:t>Each recurrent cell predicts the hazard rate, and we use these prediction results to get the survival rate S for all the samples.</a:t>
+            </a:r>
+          </a:p>
+          <a:p>
+            <a:r>
+              <a:rPr kumimoji="1" lang="en-US" altLang="zh-CN" dirty="0"/>
+              <a:t>Note that we can only calculate the probability density result of the true event time for the uncensored samples.</a:t>
+            </a:r>
+            <a:endParaRPr kumimoji="1" lang="zh-CN" altLang="en-US" dirty="0"/>
+          </a:p>
+        </p:txBody>
+      </p:sp>
+      <p:sp>
+        <p:nvSpPr>
+          <p:cNvPr id="4" name="灯片编号占位符 3"/>
+          <p:cNvSpPr>
+            <a:spLocks noGrp="1"/>
+          </p:cNvSpPr>
+          <p:nvPr>
+            <p:ph type="sldNum" sz="quarter" idx="5"/>
+          </p:nvPr>
+        </p:nvSpPr>
+        <p:spPr/>
+        <p:txBody>
+          <a:bodyPr/>
+          <a:lstStyle/>
+          <a:p>
+            <a:fld id="{21FDA42E-093A-A34C-8138-7572D4CFC8B2}" type="slidenum">
+              <a:rPr kumimoji="1" lang="zh-CN" altLang="en-US" smtClean="0"/>
+              <a:t>18</a:t>
+            </a:fld>
+            <a:endParaRPr kumimoji="1" lang="zh-CN" altLang="en-US"/>
+          </a:p>
+        </p:txBody>
+      </p:sp>
+    </p:spTree>
+    <p:extLst>
+      <p:ext uri="{BB962C8B-B14F-4D97-AF65-F5344CB8AC3E}">
+        <p14:creationId xmlns:p14="http://schemas.microsoft.com/office/powerpoint/2010/main" val="1287703692"/>
+      </p:ext>
+    </p:extLst>
+  </p:cSld>
+  <p:clrMapOvr>
+    <a:masterClrMapping/>
+  </p:clrMapOvr>
+</p:notes>
+</file>
+
+<file path=ppt/notesSlides/notesSlide19.xml><?xml version="1.0" encoding="utf-8"?>
+<p:notes xmlns:a="http://schemas.openxmlformats.org/drawingml/2006/main" xmlns:r="http://schemas.openxmlformats.org/officeDocument/2006/relationships" xmlns:p="http://schemas.openxmlformats.org/presentationml/2006/main">
+  <p:cSld>
+    <p:spTree>
+      <p:nvGrpSpPr>
+        <p:cNvPr id="1" name=""/>
+        <p:cNvGrpSpPr/>
+        <p:nvPr/>
+      </p:nvGrpSpPr>
+      <p:grpSpPr>
+        <a:xfrm>
+          <a:off x="0" y="0"/>
+          <a:ext cx="0" cy="0"/>
+          <a:chOff x="0" y="0"/>
+          <a:chExt cx="0" cy="0"/>
+        </a:xfrm>
+      </p:grpSpPr>
+      <p:sp>
+        <p:nvSpPr>
+          <p:cNvPr id="2" name="幻灯片图像占位符 1"/>
+          <p:cNvSpPr>
+            <a:spLocks noGrp="1" noRot="1" noChangeAspect="1"/>
+          </p:cNvSpPr>
+          <p:nvPr>
+            <p:ph type="sldImg"/>
+          </p:nvPr>
+        </p:nvSpPr>
+        <p:spPr/>
+      </p:sp>
+      <mc:AlternateContent xmlns:mc="http://schemas.openxmlformats.org/markup-compatibility/2006">
+        <mc:Choice xmlns:a14="http://schemas.microsoft.com/office/drawing/2010/main" Requires="a14">
+          <p:sp>
+            <p:nvSpPr>
+              <p:cNvPr id="3" name="备注占位符 2"/>
+              <p:cNvSpPr>
+                <a:spLocks noGrp="1"/>
+              </p:cNvSpPr>
+              <p:nvPr>
+                <p:ph type="body" idx="1"/>
+              </p:nvPr>
+            </p:nvSpPr>
+            <p:spPr/>
+            <p:txBody>
+              <a:bodyPr/>
+              <a:lstStyle/>
+              <a:p>
+                <a:pPr marL="0" indent="0">
+                  <a:buFont typeface="Arial" panose="020B0604020202020204" pitchFamily="34" charset="0"/>
+                  <a:buNone/>
+                </a:pPr>
+                <a:r>
+                  <a:rPr kumimoji="1" lang="en-US" altLang="zh-CN" sz="2400" dirty="0"/>
+                  <a:t>The optimization would be supervised</a:t>
+                </a:r>
+              </a:p>
+              <a:p>
+                <a:pPr marL="457200" lvl="1" indent="0">
+                  <a:buFont typeface="Arial" panose="020B0604020202020204" pitchFamily="34" charset="0"/>
+                  <a:buNone/>
+                </a:pPr>
+                <a:r>
+                  <a:rPr kumimoji="1" lang="en-US" altLang="zh-CN" sz="2400" dirty="0"/>
+                  <a:t>At the true event time </a:t>
                 </a:r>
                 <a14:m>
                   <m:oMath xmlns:m="http://schemas.openxmlformats.org/officeDocument/2006/math">
                     <m:r>
-                      <a:rPr kumimoji="1" lang="en-US" altLang="zh-CN" b="0" i="1" smtClean="0">
+                      <a:rPr kumimoji="1" lang="en-US" altLang="zh-CN" sz="2400" b="0" i="1" smtClean="0">
                         <a:latin typeface="Cambria Math" panose="02040503050406030204" pitchFamily="18" charset="0"/>
                       </a:rPr>
-                      <m:t>[</m:t>
+                      <m:t>𝑧</m:t>
+                    </m:r>
+                  </m:oMath>
+                </a14:m>
+                <a:r>
+                  <a:rPr kumimoji="1" lang="en-US" altLang="zh-CN" sz="2400" dirty="0"/>
+                  <a:t> for the uncensored data</a:t>
+                </a:r>
+              </a:p>
+              <a:p>
+                <a:pPr marL="457200" lvl="1" indent="0">
+                  <a:buFont typeface="Arial" panose="020B0604020202020204" pitchFamily="34" charset="0"/>
+                  <a:buNone/>
+                </a:pPr>
+                <a:r>
+                  <a:rPr kumimoji="1" lang="en-US" altLang="zh-CN" sz="2400" dirty="0"/>
+                  <a:t>And at the observing time </a:t>
+                </a:r>
+                <a14:m>
+                  <m:oMath xmlns:m="http://schemas.openxmlformats.org/officeDocument/2006/math">
+                    <m:r>
+                      <a:rPr kumimoji="1" lang="en-US" altLang="zh-CN" sz="2400" b="0" i="1" smtClean="0">
+                        <a:latin typeface="Cambria Math" panose="02040503050406030204" pitchFamily="18" charset="0"/>
+                      </a:rPr>
+                      <m:t>𝑡</m:t>
+                    </m:r>
+                    <m:r>
+                      <a:rPr kumimoji="1" lang="en-US" altLang="zh-CN" sz="2400" b="0" i="1" smtClean="0">
+                        <a:latin typeface="Cambria Math" panose="02040503050406030204" pitchFamily="18" charset="0"/>
+                      </a:rPr>
+                      <m:t>=</m:t>
                     </m:r>
                     <m:sSub>
                       <m:sSubPr>
                         <m:ctrlPr>
-                          <a:rPr kumimoji="1" lang="en-US" altLang="zh-CN" b="0" i="1" smtClean="0">
+                          <a:rPr kumimoji="1" lang="en-US" altLang="zh-CN" sz="2400" b="0" i="1" smtClean="0">
                             <a:latin typeface="Cambria Math" panose="02040503050406030204" pitchFamily="18" charset="0"/>
                           </a:rPr>
                         </m:ctrlPr>
                       </m:sSubPr>
                       <m:e>
                         <m:r>
-                          <a:rPr kumimoji="1" lang="en-US" altLang="zh-CN" b="0" i="1" smtClean="0">
+                          <a:rPr kumimoji="1" lang="en-US" altLang="zh-CN" sz="2400" b="0" i="1" smtClean="0">
                             <a:latin typeface="Cambria Math" panose="02040503050406030204" pitchFamily="18" charset="0"/>
                           </a:rPr>
                           <m:t>𝑡</m:t>
@@ -642,64 +2047,19 @@
                       </m:e>
                       <m:sub>
                         <m:r>
-                          <a:rPr kumimoji="1" lang="en-US" altLang="zh-CN" b="0" i="1" smtClean="0">
-                            <a:latin typeface="Cambria Math" panose="02040503050406030204" pitchFamily="18" charset="0"/>
-                          </a:rPr>
-                          <m:t>𝑙</m:t>
-                        </m:r>
-                        <m:r>
-                          <a:rPr kumimoji="1" lang="en-US" altLang="zh-CN" b="0" i="1" smtClean="0">
-                            <a:latin typeface="Cambria Math" panose="02040503050406030204" pitchFamily="18" charset="0"/>
-                          </a:rPr>
-                          <m:t>−1</m:t>
-                        </m:r>
-                      </m:sub>
-                    </m:sSub>
-                    <m:r>
-                      <a:rPr kumimoji="1" lang="en-US" altLang="zh-CN" b="0" i="1" smtClean="0">
-                        <a:latin typeface="Cambria Math" panose="02040503050406030204" pitchFamily="18" charset="0"/>
-                      </a:rPr>
-                      <m:t>,</m:t>
-                    </m:r>
-                    <m:r>
-                      <a:rPr kumimoji="1" lang="zh-CN" altLang="en-US" b="0" i="1" smtClean="0">
-                        <a:latin typeface="Cambria Math" panose="02040503050406030204" pitchFamily="18" charset="0"/>
-                      </a:rPr>
-                      <m:t> </m:t>
-                    </m:r>
-                    <m:sSub>
-                      <m:sSubPr>
-                        <m:ctrlPr>
-                          <a:rPr kumimoji="1" lang="en-US" altLang="zh-CN" b="0" i="1" smtClean="0">
-                            <a:latin typeface="Cambria Math" panose="02040503050406030204" pitchFamily="18" charset="0"/>
-                          </a:rPr>
-                        </m:ctrlPr>
-                      </m:sSubPr>
-                      <m:e>
-                        <m:r>
-                          <a:rPr kumimoji="1" lang="en-US" altLang="zh-CN" b="0" i="1" smtClean="0">
-                            <a:latin typeface="Cambria Math" panose="02040503050406030204" pitchFamily="18" charset="0"/>
-                          </a:rPr>
-                          <m:t>𝑡</m:t>
-                        </m:r>
-                      </m:e>
-                      <m:sub>
-                        <m:r>
-                          <a:rPr kumimoji="1" lang="en-US" altLang="zh-CN" b="0" i="1" smtClean="0">
+                          <a:rPr kumimoji="1" lang="en-US" altLang="zh-CN" sz="2400" b="0" i="1" smtClean="0">
                             <a:latin typeface="Cambria Math" panose="02040503050406030204" pitchFamily="18" charset="0"/>
                           </a:rPr>
                           <m:t>𝑙</m:t>
                         </m:r>
                       </m:sub>
                     </m:sSub>
-                    <m:r>
-                      <a:rPr kumimoji="1" lang="en-US" altLang="zh-CN" b="0" i="1" smtClean="0">
-                        <a:latin typeface="Cambria Math" panose="02040503050406030204" pitchFamily="18" charset="0"/>
-                      </a:rPr>
-                      <m:t>]</m:t>
-                    </m:r>
                   </m:oMath>
                 </a14:m>
+                <a:r>
+                  <a:rPr kumimoji="1" lang="en-US" altLang="zh-CN" sz="2400" dirty="0"/>
+                  <a:t> for all the data</a:t>
+                </a:r>
                 <a:endParaRPr kumimoji="1" lang="zh-CN" altLang="en-US" dirty="0"/>
               </a:p>
             </p:txBody>
@@ -721,91 +2081,53 @@
               <a:bodyPr/>
               <a:lstStyle/>
               <a:p>
-                <a:r>
-                  <a:rPr kumimoji="1" lang="en-US" altLang="zh-CN" b="0" i="0">
+                <a:pPr marL="0" indent="0">
+                  <a:buFont typeface="Arial" panose="020B0604020202020204" pitchFamily="34" charset="0"/>
+                  <a:buNone/>
+                </a:pPr>
+                <a:r>
+                  <a:rPr kumimoji="1" lang="en-US" altLang="zh-CN" sz="2400" dirty="0"/>
+                  <a:t>The optimization would be supervised</a:t>
+                </a:r>
+              </a:p>
+              <a:p>
+                <a:pPr marL="457200" lvl="1" indent="0">
+                  <a:buFont typeface="Arial" panose="020B0604020202020204" pitchFamily="34" charset="0"/>
+                  <a:buNone/>
+                </a:pPr>
+                <a:r>
+                  <a:rPr kumimoji="1" lang="en-US" altLang="zh-CN" sz="2400" dirty="0"/>
+                  <a:t>At the true event time </a:t>
+                </a:r>
+                <a:r>
+                  <a:rPr kumimoji="1" lang="en-US" altLang="zh-CN" sz="2400" b="0" i="0">
                     <a:latin typeface="Cambria Math" panose="02040503050406030204" pitchFamily="18" charset="0"/>
                   </a:rPr>
-                  <a:t>𝑉_𝑙</a:t>
-                </a:r>
-                <a:r>
-                  <a:rPr kumimoji="1" lang="zh-CN" altLang="en-US" dirty="0"/>
-                  <a:t> </a:t>
-                </a:r>
-                <a:r>
-                  <a:rPr kumimoji="1" lang="en-US" altLang="zh-CN" dirty="0"/>
-                  <a:t>is</a:t>
-                </a:r>
-                <a:r>
-                  <a:rPr kumimoji="1" lang="zh-CN" altLang="en-US" dirty="0"/>
-                  <a:t> </a:t>
-                </a:r>
-                <a:r>
-                  <a:rPr kumimoji="1" lang="en-US" altLang="zh-CN" dirty="0"/>
-                  <a:t>the</a:t>
-                </a:r>
-                <a:r>
-                  <a:rPr kumimoji="1" lang="zh-CN" altLang="en-US" dirty="0"/>
-                  <a:t> </a:t>
-                </a:r>
-                <a:r>
-                  <a:rPr kumimoji="1" lang="en-US" altLang="zh-CN" b="0" i="0">
+                  <a:t>𝑧</a:t>
+                </a:r>
+                <a:r>
+                  <a:rPr kumimoji="1" lang="en-US" altLang="zh-CN" sz="2400" dirty="0"/>
+                  <a:t> for the uncensored data</a:t>
+                </a:r>
+              </a:p>
+              <a:p>
+                <a:pPr marL="457200" lvl="1" indent="0">
+                  <a:buFont typeface="Arial" panose="020B0604020202020204" pitchFamily="34" charset="0"/>
+                  <a:buNone/>
+                </a:pPr>
+                <a:r>
+                  <a:rPr kumimoji="1" lang="en-US" altLang="zh-CN" sz="2400" dirty="0"/>
+                  <a:t>And at the observing time </a:t>
+                </a:r>
+                <a:r>
+                  <a:rPr kumimoji="1" lang="en-US" altLang="zh-CN" sz="2400" b="0" i="0">
                     <a:latin typeface="Cambria Math" panose="02040503050406030204" pitchFamily="18" charset="0"/>
                   </a:rPr>
-                  <a:t>𝑙</a:t>
-                </a:r>
-                <a:r>
-                  <a:rPr kumimoji="1" lang="en-US" altLang="zh-CN" dirty="0"/>
-                  <a:t>-</a:t>
-                </a:r>
-                <a:r>
-                  <a:rPr kumimoji="1" lang="en-US" altLang="zh-CN" dirty="0" err="1"/>
-                  <a:t>th</a:t>
-                </a:r>
-                <a:r>
-                  <a:rPr kumimoji="1" lang="zh-CN" altLang="en-US" dirty="0"/>
-                  <a:t> </a:t>
-                </a:r>
-                <a:r>
-                  <a:rPr kumimoji="1" lang="en-US" altLang="zh-CN" dirty="0"/>
-                  <a:t>time</a:t>
-                </a:r>
-                <a:r>
-                  <a:rPr kumimoji="1" lang="zh-CN" altLang="en-US" dirty="0"/>
-                  <a:t> </a:t>
-                </a:r>
-                <a:r>
-                  <a:rPr kumimoji="1" lang="en-US" altLang="zh-CN" dirty="0"/>
-                  <a:t>interval</a:t>
-                </a:r>
-                <a:r>
-                  <a:rPr kumimoji="1" lang="zh-CN" altLang="en-US" dirty="0"/>
-                  <a:t> </a:t>
-                </a:r>
-                <a:r>
-                  <a:rPr kumimoji="1" lang="en-US" altLang="zh-CN" dirty="0"/>
-                  <a:t>with</a:t>
-                </a:r>
-                <a:r>
-                  <a:rPr kumimoji="1" lang="zh-CN" altLang="en-US" dirty="0"/>
-                  <a:t> </a:t>
-                </a:r>
-                <a:r>
-                  <a:rPr kumimoji="1" lang="en-US" altLang="zh-CN" b="0" i="0">
-                    <a:latin typeface="Cambria Math" panose="02040503050406030204" pitchFamily="18" charset="0"/>
-                  </a:rPr>
-                  <a:t>[𝑡_(𝑙−1),</a:t>
-                </a:r>
-                <a:r>
-                  <a:rPr kumimoji="1" lang="zh-CN" altLang="en-US" b="0" i="0">
-                    <a:latin typeface="Cambria Math" panose="02040503050406030204" pitchFamily="18" charset="0"/>
-                  </a:rPr>
-                  <a:t> </a:t>
-                </a:r>
-                <a:r>
-                  <a:rPr kumimoji="1" lang="en-US" altLang="zh-CN" b="0" i="0">
-                    <a:latin typeface="Cambria Math" panose="02040503050406030204" pitchFamily="18" charset="0"/>
-                  </a:rPr>
-                  <a:t>𝑡_𝑙]</a:t>
+                  <a:t>𝑡=𝑡_𝑙</a:t>
+                </a:r>
+                <a:r>
+                  <a:rPr kumimoji="1" lang="en-US" altLang="zh-CN" sz="2400" dirty="0"/>
+                  <a:t> for all the data</a:t>
                 </a:r>
                 <a:endParaRPr kumimoji="1" lang="zh-CN" altLang="en-US" dirty="0"/>
               </a:p>
@@ -830,7 +2152,7 @@
           <a:p>
             <a:fld id="{21FDA42E-093A-A34C-8138-7572D4CFC8B2}" type="slidenum">
               <a:rPr kumimoji="1" lang="zh-CN" altLang="en-US" smtClean="0"/>
-              <a:t>16</a:t>
+              <a:t>19</a:t>
             </a:fld>
             <a:endParaRPr kumimoji="1" lang="zh-CN" altLang="en-US"/>
           </a:p>
@@ -839,7 +2161,2889 @@
     </p:spTree>
     <p:extLst>
       <p:ext uri="{BB962C8B-B14F-4D97-AF65-F5344CB8AC3E}">
-        <p14:creationId xmlns:p14="http://schemas.microsoft.com/office/powerpoint/2010/main" val="3619795895"/>
+        <p14:creationId xmlns:p14="http://schemas.microsoft.com/office/powerpoint/2010/main" val="1352737174"/>
+      </p:ext>
+    </p:extLst>
+  </p:cSld>
+  <p:clrMapOvr>
+    <a:masterClrMapping/>
+  </p:clrMapOvr>
+</p:notes>
+</file>
+
+<file path=ppt/notesSlides/notesSlide2.xml><?xml version="1.0" encoding="utf-8"?>
+<p:notes xmlns:a="http://schemas.openxmlformats.org/drawingml/2006/main" xmlns:r="http://schemas.openxmlformats.org/officeDocument/2006/relationships" xmlns:p="http://schemas.openxmlformats.org/presentationml/2006/main">
+  <p:cSld>
+    <p:spTree>
+      <p:nvGrpSpPr>
+        <p:cNvPr id="1" name=""/>
+        <p:cNvGrpSpPr/>
+        <p:nvPr/>
+      </p:nvGrpSpPr>
+      <p:grpSpPr>
+        <a:xfrm>
+          <a:off x="0" y="0"/>
+          <a:ext cx="0" cy="0"/>
+          <a:chOff x="0" y="0"/>
+          <a:chExt cx="0" cy="0"/>
+        </a:xfrm>
+      </p:grpSpPr>
+      <p:sp>
+        <p:nvSpPr>
+          <p:cNvPr id="2" name="幻灯片图像占位符 1"/>
+          <p:cNvSpPr>
+            <a:spLocks noGrp="1" noRot="1" noChangeAspect="1"/>
+          </p:cNvSpPr>
+          <p:nvPr>
+            <p:ph type="sldImg"/>
+          </p:nvPr>
+        </p:nvSpPr>
+        <p:spPr/>
+      </p:sp>
+      <p:sp>
+        <p:nvSpPr>
+          <p:cNvPr id="3" name="备注占位符 2"/>
+          <p:cNvSpPr>
+            <a:spLocks noGrp="1"/>
+          </p:cNvSpPr>
+          <p:nvPr>
+            <p:ph type="body" idx="1"/>
+          </p:nvPr>
+        </p:nvSpPr>
+        <p:spPr/>
+        <p:txBody>
+          <a:bodyPr/>
+          <a:lstStyle/>
+          <a:p>
+            <a:r>
+              <a:rPr kumimoji="1" lang="en-US" altLang="zh-CN" dirty="0"/>
+              <a:t>I’ll show the background and the our model in detail, and discuss something about the loss functions with the corresponding experiment results.</a:t>
+            </a:r>
+            <a:endParaRPr kumimoji="1" lang="zh-CN" altLang="en-US" dirty="0"/>
+          </a:p>
+        </p:txBody>
+      </p:sp>
+      <p:sp>
+        <p:nvSpPr>
+          <p:cNvPr id="4" name="灯片编号占位符 3"/>
+          <p:cNvSpPr>
+            <a:spLocks noGrp="1"/>
+          </p:cNvSpPr>
+          <p:nvPr>
+            <p:ph type="sldNum" sz="quarter" idx="5"/>
+          </p:nvPr>
+        </p:nvSpPr>
+        <p:spPr/>
+        <p:txBody>
+          <a:bodyPr/>
+          <a:lstStyle/>
+          <a:p>
+            <a:fld id="{21FDA42E-093A-A34C-8138-7572D4CFC8B2}" type="slidenum">
+              <a:rPr kumimoji="1" lang="zh-CN" altLang="en-US" smtClean="0"/>
+              <a:t>2</a:t>
+            </a:fld>
+            <a:endParaRPr kumimoji="1" lang="zh-CN" altLang="en-US"/>
+          </a:p>
+        </p:txBody>
+      </p:sp>
+    </p:spTree>
+    <p:extLst>
+      <p:ext uri="{BB962C8B-B14F-4D97-AF65-F5344CB8AC3E}">
+        <p14:creationId xmlns:p14="http://schemas.microsoft.com/office/powerpoint/2010/main" val="368657241"/>
+      </p:ext>
+    </p:extLst>
+  </p:cSld>
+  <p:clrMapOvr>
+    <a:masterClrMapping/>
+  </p:clrMapOvr>
+</p:notes>
+</file>
+
+<file path=ppt/notesSlides/notesSlide20.xml><?xml version="1.0" encoding="utf-8"?>
+<p:notes xmlns:a="http://schemas.openxmlformats.org/drawingml/2006/main" xmlns:r="http://schemas.openxmlformats.org/officeDocument/2006/relationships" xmlns:p="http://schemas.openxmlformats.org/presentationml/2006/main">
+  <p:cSld>
+    <p:spTree>
+      <p:nvGrpSpPr>
+        <p:cNvPr id="1" name=""/>
+        <p:cNvGrpSpPr/>
+        <p:nvPr/>
+      </p:nvGrpSpPr>
+      <p:grpSpPr>
+        <a:xfrm>
+          <a:off x="0" y="0"/>
+          <a:ext cx="0" cy="0"/>
+          <a:chOff x="0" y="0"/>
+          <a:chExt cx="0" cy="0"/>
+        </a:xfrm>
+      </p:grpSpPr>
+      <p:sp>
+        <p:nvSpPr>
+          <p:cNvPr id="2" name="幻灯片图像占位符 1"/>
+          <p:cNvSpPr>
+            <a:spLocks noGrp="1" noRot="1" noChangeAspect="1"/>
+          </p:cNvSpPr>
+          <p:nvPr>
+            <p:ph type="sldImg"/>
+          </p:nvPr>
+        </p:nvSpPr>
+        <p:spPr/>
+      </p:sp>
+      <p:sp>
+        <p:nvSpPr>
+          <p:cNvPr id="3" name="备注占位符 2"/>
+          <p:cNvSpPr>
+            <a:spLocks noGrp="1"/>
+          </p:cNvSpPr>
+          <p:nvPr>
+            <p:ph type="body" idx="1"/>
+          </p:nvPr>
+        </p:nvSpPr>
+        <p:spPr/>
+        <p:txBody>
+          <a:bodyPr/>
+          <a:lstStyle/>
+          <a:p>
+            <a:r>
+              <a:rPr kumimoji="1" lang="en-US" altLang="zh-CN" dirty="0"/>
+              <a:t>The first loss is to maximize the log-likelihood of the true event time for the uncensored data.</a:t>
+            </a:r>
+            <a:endParaRPr kumimoji="1" lang="zh-CN" altLang="en-US" dirty="0"/>
+          </a:p>
+        </p:txBody>
+      </p:sp>
+      <p:sp>
+        <p:nvSpPr>
+          <p:cNvPr id="4" name="灯片编号占位符 3"/>
+          <p:cNvSpPr>
+            <a:spLocks noGrp="1"/>
+          </p:cNvSpPr>
+          <p:nvPr>
+            <p:ph type="sldNum" sz="quarter" idx="5"/>
+          </p:nvPr>
+        </p:nvSpPr>
+        <p:spPr/>
+        <p:txBody>
+          <a:bodyPr/>
+          <a:lstStyle/>
+          <a:p>
+            <a:fld id="{21FDA42E-093A-A34C-8138-7572D4CFC8B2}" type="slidenum">
+              <a:rPr kumimoji="1" lang="zh-CN" altLang="en-US" smtClean="0"/>
+              <a:t>20</a:t>
+            </a:fld>
+            <a:endParaRPr kumimoji="1" lang="zh-CN" altLang="en-US"/>
+          </a:p>
+        </p:txBody>
+      </p:sp>
+    </p:spTree>
+    <p:extLst>
+      <p:ext uri="{BB962C8B-B14F-4D97-AF65-F5344CB8AC3E}">
+        <p14:creationId xmlns:p14="http://schemas.microsoft.com/office/powerpoint/2010/main" val="1825124373"/>
+      </p:ext>
+    </p:extLst>
+  </p:cSld>
+  <p:clrMapOvr>
+    <a:masterClrMapping/>
+  </p:clrMapOvr>
+</p:notes>
+</file>
+
+<file path=ppt/notesSlides/notesSlide21.xml><?xml version="1.0" encoding="utf-8"?>
+<p:notes xmlns:a="http://schemas.openxmlformats.org/drawingml/2006/main" xmlns:r="http://schemas.openxmlformats.org/officeDocument/2006/relationships" xmlns:p="http://schemas.openxmlformats.org/presentationml/2006/main">
+  <p:cSld>
+    <p:spTree>
+      <p:nvGrpSpPr>
+        <p:cNvPr id="1" name=""/>
+        <p:cNvGrpSpPr/>
+        <p:nvPr/>
+      </p:nvGrpSpPr>
+      <p:grpSpPr>
+        <a:xfrm>
+          <a:off x="0" y="0"/>
+          <a:ext cx="0" cy="0"/>
+          <a:chOff x="0" y="0"/>
+          <a:chExt cx="0" cy="0"/>
+        </a:xfrm>
+      </p:grpSpPr>
+      <p:sp>
+        <p:nvSpPr>
+          <p:cNvPr id="2" name="幻灯片图像占位符 1"/>
+          <p:cNvSpPr>
+            <a:spLocks noGrp="1" noRot="1" noChangeAspect="1"/>
+          </p:cNvSpPr>
+          <p:nvPr>
+            <p:ph type="sldImg"/>
+          </p:nvPr>
+        </p:nvSpPr>
+        <p:spPr/>
+      </p:sp>
+      <p:sp>
+        <p:nvSpPr>
+          <p:cNvPr id="3" name="备注占位符 2"/>
+          <p:cNvSpPr>
+            <a:spLocks noGrp="1"/>
+          </p:cNvSpPr>
+          <p:nvPr>
+            <p:ph type="body" idx="1"/>
+          </p:nvPr>
+        </p:nvSpPr>
+        <p:spPr/>
+        <p:txBody>
+          <a:bodyPr/>
+          <a:lstStyle/>
+          <a:p>
+            <a:r>
+              <a:rPr kumimoji="1" lang="en-US" altLang="zh-CN" dirty="0"/>
+              <a:t>The second loss is to maximize the log-partial likelihood of the case that true event happened before the observation time, which means t is greater than z.</a:t>
+            </a:r>
+          </a:p>
+        </p:txBody>
+      </p:sp>
+      <p:sp>
+        <p:nvSpPr>
+          <p:cNvPr id="4" name="灯片编号占位符 3"/>
+          <p:cNvSpPr>
+            <a:spLocks noGrp="1"/>
+          </p:cNvSpPr>
+          <p:nvPr>
+            <p:ph type="sldNum" sz="quarter" idx="5"/>
+          </p:nvPr>
+        </p:nvSpPr>
+        <p:spPr/>
+        <p:txBody>
+          <a:bodyPr/>
+          <a:lstStyle/>
+          <a:p>
+            <a:fld id="{21FDA42E-093A-A34C-8138-7572D4CFC8B2}" type="slidenum">
+              <a:rPr kumimoji="1" lang="zh-CN" altLang="en-US" smtClean="0"/>
+              <a:t>21</a:t>
+            </a:fld>
+            <a:endParaRPr kumimoji="1" lang="zh-CN" altLang="en-US"/>
+          </a:p>
+        </p:txBody>
+      </p:sp>
+    </p:spTree>
+    <p:extLst>
+      <p:ext uri="{BB962C8B-B14F-4D97-AF65-F5344CB8AC3E}">
+        <p14:creationId xmlns:p14="http://schemas.microsoft.com/office/powerpoint/2010/main" val="2152746449"/>
+      </p:ext>
+    </p:extLst>
+  </p:cSld>
+  <p:clrMapOvr>
+    <a:masterClrMapping/>
+  </p:clrMapOvr>
+</p:notes>
+</file>
+
+<file path=ppt/notesSlides/notesSlide22.xml><?xml version="1.0" encoding="utf-8"?>
+<p:notes xmlns:a="http://schemas.openxmlformats.org/drawingml/2006/main" xmlns:r="http://schemas.openxmlformats.org/officeDocument/2006/relationships" xmlns:p="http://schemas.openxmlformats.org/presentationml/2006/main">
+  <p:cSld>
+    <p:spTree>
+      <p:nvGrpSpPr>
+        <p:cNvPr id="1" name=""/>
+        <p:cNvGrpSpPr/>
+        <p:nvPr/>
+      </p:nvGrpSpPr>
+      <p:grpSpPr>
+        <a:xfrm>
+          <a:off x="0" y="0"/>
+          <a:ext cx="0" cy="0"/>
+          <a:chOff x="0" y="0"/>
+          <a:chExt cx="0" cy="0"/>
+        </a:xfrm>
+      </p:grpSpPr>
+      <p:sp>
+        <p:nvSpPr>
+          <p:cNvPr id="2" name="幻灯片图像占位符 1"/>
+          <p:cNvSpPr>
+            <a:spLocks noGrp="1" noRot="1" noChangeAspect="1"/>
+          </p:cNvSpPr>
+          <p:nvPr>
+            <p:ph type="sldImg"/>
+          </p:nvPr>
+        </p:nvSpPr>
+        <p:spPr/>
+      </p:sp>
+      <p:sp>
+        <p:nvSpPr>
+          <p:cNvPr id="3" name="备注占位符 2"/>
+          <p:cNvSpPr>
+            <a:spLocks noGrp="1"/>
+          </p:cNvSpPr>
+          <p:nvPr>
+            <p:ph type="body" idx="1"/>
+          </p:nvPr>
+        </p:nvSpPr>
+        <p:spPr/>
+        <p:txBody>
+          <a:bodyPr/>
+          <a:lstStyle/>
+          <a:p>
+            <a:r>
+              <a:rPr kumimoji="1" lang="en-US" altLang="zh-CN" dirty="0"/>
+              <a:t>The third loss is for the censored data.</a:t>
+            </a:r>
+          </a:p>
+          <a:p>
+            <a:r>
+              <a:rPr kumimoji="1" lang="en-US" altLang="zh-CN" dirty="0"/>
+              <a:t>Recall that for these data, the true event time z is unknown but we only know that z is greater than t.</a:t>
+            </a:r>
+          </a:p>
+          <a:p>
+            <a:r>
+              <a:rPr kumimoji="1" lang="en-US" altLang="zh-CN" dirty="0"/>
+              <a:t>So this loss is to maximize the log-partial likelihood of the case that (z is larger than t).</a:t>
+            </a:r>
+            <a:endParaRPr kumimoji="1" lang="zh-CN" altLang="en-US" dirty="0"/>
+          </a:p>
+        </p:txBody>
+      </p:sp>
+      <p:sp>
+        <p:nvSpPr>
+          <p:cNvPr id="4" name="灯片编号占位符 3"/>
+          <p:cNvSpPr>
+            <a:spLocks noGrp="1"/>
+          </p:cNvSpPr>
+          <p:nvPr>
+            <p:ph type="sldNum" sz="quarter" idx="5"/>
+          </p:nvPr>
+        </p:nvSpPr>
+        <p:spPr/>
+        <p:txBody>
+          <a:bodyPr/>
+          <a:lstStyle/>
+          <a:p>
+            <a:fld id="{21FDA42E-093A-A34C-8138-7572D4CFC8B2}" type="slidenum">
+              <a:rPr kumimoji="1" lang="zh-CN" altLang="en-US" smtClean="0"/>
+              <a:t>22</a:t>
+            </a:fld>
+            <a:endParaRPr kumimoji="1" lang="zh-CN" altLang="en-US"/>
+          </a:p>
+        </p:txBody>
+      </p:sp>
+    </p:spTree>
+    <p:extLst>
+      <p:ext uri="{BB962C8B-B14F-4D97-AF65-F5344CB8AC3E}">
+        <p14:creationId xmlns:p14="http://schemas.microsoft.com/office/powerpoint/2010/main" val="1963211371"/>
+      </p:ext>
+    </p:extLst>
+  </p:cSld>
+  <p:clrMapOvr>
+    <a:masterClrMapping/>
+  </p:clrMapOvr>
+</p:notes>
+</file>
+
+<file path=ppt/notesSlides/notesSlide23.xml><?xml version="1.0" encoding="utf-8"?>
+<p:notes xmlns:a="http://schemas.openxmlformats.org/drawingml/2006/main" xmlns:r="http://schemas.openxmlformats.org/officeDocument/2006/relationships" xmlns:p="http://schemas.openxmlformats.org/presentationml/2006/main">
+  <p:cSld>
+    <p:spTree>
+      <p:nvGrpSpPr>
+        <p:cNvPr id="1" name=""/>
+        <p:cNvGrpSpPr/>
+        <p:nvPr/>
+      </p:nvGrpSpPr>
+      <p:grpSpPr>
+        <a:xfrm>
+          <a:off x="0" y="0"/>
+          <a:ext cx="0" cy="0"/>
+          <a:chOff x="0" y="0"/>
+          <a:chExt cx="0" cy="0"/>
+        </a:xfrm>
+      </p:grpSpPr>
+      <p:sp>
+        <p:nvSpPr>
+          <p:cNvPr id="2" name="幻灯片图像占位符 1"/>
+          <p:cNvSpPr>
+            <a:spLocks noGrp="1" noRot="1" noChangeAspect="1"/>
+          </p:cNvSpPr>
+          <p:nvPr>
+            <p:ph type="sldImg"/>
+          </p:nvPr>
+        </p:nvSpPr>
+        <p:spPr/>
+      </p:sp>
+      <p:sp>
+        <p:nvSpPr>
+          <p:cNvPr id="3" name="备注占位符 2"/>
+          <p:cNvSpPr>
+            <a:spLocks noGrp="1"/>
+          </p:cNvSpPr>
+          <p:nvPr>
+            <p:ph type="body" idx="1"/>
+          </p:nvPr>
+        </p:nvSpPr>
+        <p:spPr/>
+        <p:txBody>
+          <a:bodyPr/>
+          <a:lstStyle/>
+          <a:p>
+            <a:r>
+              <a:rPr kumimoji="1" lang="en-US" altLang="zh-CN" dirty="0"/>
+              <a:t>The overall loss function combines these three losses.</a:t>
+            </a:r>
+          </a:p>
+          <a:p>
+            <a:endParaRPr kumimoji="1" lang="en-US" altLang="zh-CN" dirty="0"/>
+          </a:p>
+          <a:p>
+            <a:r>
+              <a:rPr kumimoji="1" lang="en-US" altLang="zh-CN" dirty="0"/>
+              <a:t>The first two are for the uncensored data, while the third loss is unbiased learning which is over the censored data.</a:t>
+            </a:r>
+          </a:p>
+          <a:p>
+            <a:endParaRPr kumimoji="1" lang="en-US" altLang="zh-CN" dirty="0"/>
+          </a:p>
+          <a:p>
+            <a:r>
+              <a:rPr kumimoji="1" lang="en-US" altLang="zh-CN" dirty="0"/>
+              <a:t>More specifically, the first loss is based on Probability density function, and the last two losses are based on Cumulative distribution function.</a:t>
+            </a:r>
+            <a:endParaRPr kumimoji="1" lang="zh-CN" altLang="en-US" dirty="0"/>
+          </a:p>
+        </p:txBody>
+      </p:sp>
+      <p:sp>
+        <p:nvSpPr>
+          <p:cNvPr id="4" name="灯片编号占位符 3"/>
+          <p:cNvSpPr>
+            <a:spLocks noGrp="1"/>
+          </p:cNvSpPr>
+          <p:nvPr>
+            <p:ph type="sldNum" sz="quarter" idx="5"/>
+          </p:nvPr>
+        </p:nvSpPr>
+        <p:spPr/>
+        <p:txBody>
+          <a:bodyPr/>
+          <a:lstStyle/>
+          <a:p>
+            <a:fld id="{21FDA42E-093A-A34C-8138-7572D4CFC8B2}" type="slidenum">
+              <a:rPr kumimoji="1" lang="zh-CN" altLang="en-US" smtClean="0"/>
+              <a:t>23</a:t>
+            </a:fld>
+            <a:endParaRPr kumimoji="1" lang="zh-CN" altLang="en-US"/>
+          </a:p>
+        </p:txBody>
+      </p:sp>
+    </p:spTree>
+    <p:extLst>
+      <p:ext uri="{BB962C8B-B14F-4D97-AF65-F5344CB8AC3E}">
+        <p14:creationId xmlns:p14="http://schemas.microsoft.com/office/powerpoint/2010/main" val="3523747061"/>
+      </p:ext>
+    </p:extLst>
+  </p:cSld>
+  <p:clrMapOvr>
+    <a:masterClrMapping/>
+  </p:clrMapOvr>
+</p:notes>
+</file>
+
+<file path=ppt/notesSlides/notesSlide24.xml><?xml version="1.0" encoding="utf-8"?>
+<p:notes xmlns:a="http://schemas.openxmlformats.org/drawingml/2006/main" xmlns:r="http://schemas.openxmlformats.org/officeDocument/2006/relationships" xmlns:p="http://schemas.openxmlformats.org/presentationml/2006/main">
+  <p:cSld>
+    <p:spTree>
+      <p:nvGrpSpPr>
+        <p:cNvPr id="1" name=""/>
+        <p:cNvGrpSpPr/>
+        <p:nvPr/>
+      </p:nvGrpSpPr>
+      <p:grpSpPr>
+        <a:xfrm>
+          <a:off x="0" y="0"/>
+          <a:ext cx="0" cy="0"/>
+          <a:chOff x="0" y="0"/>
+          <a:chExt cx="0" cy="0"/>
+        </a:xfrm>
+      </p:grpSpPr>
+      <p:sp>
+        <p:nvSpPr>
+          <p:cNvPr id="2" name="幻灯片图像占位符 1"/>
+          <p:cNvSpPr>
+            <a:spLocks noGrp="1" noRot="1" noChangeAspect="1"/>
+          </p:cNvSpPr>
+          <p:nvPr>
+            <p:ph type="sldImg"/>
+          </p:nvPr>
+        </p:nvSpPr>
+        <p:spPr/>
+      </p:sp>
+      <mc:AlternateContent xmlns:mc="http://schemas.openxmlformats.org/markup-compatibility/2006">
+        <mc:Choice xmlns:a14="http://schemas.microsoft.com/office/drawing/2010/main" Requires="a14">
+          <p:sp>
+            <p:nvSpPr>
+              <p:cNvPr id="3" name="备注占位符 2"/>
+              <p:cNvSpPr>
+                <a:spLocks noGrp="1"/>
+              </p:cNvSpPr>
+              <p:nvPr>
+                <p:ph type="body" idx="1"/>
+              </p:nvPr>
+            </p:nvSpPr>
+            <p:spPr/>
+            <p:txBody>
+              <a:bodyPr/>
+              <a:lstStyle/>
+              <a:p>
+                <a:r>
+                  <a:rPr kumimoji="1" lang="en-US" altLang="zh-CN" dirty="0"/>
+                  <a:t>Intuitively, the goal of the two CDF losses is to</a:t>
+                </a:r>
+              </a:p>
+              <a:p>
+                <a:endParaRPr kumimoji="1" lang="en-US" altLang="zh-CN" dirty="0"/>
+              </a:p>
+              <a:p>
+                <a:pPr marL="742950" lvl="1" indent="-285750">
+                  <a:buFont typeface="Arial" panose="020B0604020202020204" pitchFamily="34" charset="0"/>
+                  <a:buChar char="•"/>
+                </a:pPr>
+                <a:r>
+                  <a:rPr kumimoji="1" lang="en-US" altLang="zh-CN" dirty="0">
+                    <a:latin typeface="Calisto MT" panose="02040603050505030304" pitchFamily="18" charset="0"/>
+                  </a:rPr>
+                  <a:t>Push down</a:t>
+                </a:r>
+                <a:r>
+                  <a:rPr kumimoji="1" lang="zh-CN" altLang="en-US" dirty="0">
+                    <a:latin typeface="Calisto MT" panose="02040603050505030304" pitchFamily="18" charset="0"/>
+                  </a:rPr>
+                  <a:t> </a:t>
+                </a:r>
+                <a14:m>
+                  <m:oMath xmlns:m="http://schemas.openxmlformats.org/officeDocument/2006/math">
+                    <m:r>
+                      <a:rPr kumimoji="1" lang="en-US" altLang="zh-CN" i="1">
+                        <a:latin typeface="Cambria Math" panose="02040503050406030204" pitchFamily="18" charset="0"/>
+                        <a:ea typeface="Cambria Math" panose="02040503050406030204" pitchFamily="18" charset="0"/>
+                      </a:rPr>
+                      <m:t>↓</m:t>
+                    </m:r>
+                  </m:oMath>
+                </a14:m>
+                <a:r>
+                  <a:rPr kumimoji="1" lang="en-US" altLang="zh-CN" dirty="0">
+                    <a:latin typeface="Calisto MT" panose="02040603050505030304" pitchFamily="18" charset="0"/>
+                  </a:rPr>
+                  <a:t> the survival curve </a:t>
+                </a:r>
+                <a14:m>
+                  <m:oMath xmlns:m="http://schemas.openxmlformats.org/officeDocument/2006/math">
+                    <m:r>
+                      <a:rPr kumimoji="1" lang="en-US" altLang="zh-CN" i="1">
+                        <a:latin typeface="Cambria Math" panose="02040503050406030204" pitchFamily="18" charset="0"/>
+                      </a:rPr>
+                      <m:t>𝑆</m:t>
+                    </m:r>
+                    <m:r>
+                      <a:rPr kumimoji="1" lang="en-US" altLang="zh-CN" i="1">
+                        <a:latin typeface="Cambria Math" panose="02040503050406030204" pitchFamily="18" charset="0"/>
+                      </a:rPr>
+                      <m:t>(</m:t>
+                    </m:r>
+                    <m:r>
+                      <a:rPr kumimoji="1" lang="en-US" altLang="zh-CN" i="1">
+                        <a:latin typeface="Cambria Math" panose="02040503050406030204" pitchFamily="18" charset="0"/>
+                      </a:rPr>
+                      <m:t>𝑡</m:t>
+                    </m:r>
+                    <m:r>
+                      <a:rPr kumimoji="1" lang="en-US" altLang="zh-CN" i="1">
+                        <a:latin typeface="Cambria Math" panose="02040503050406030204" pitchFamily="18" charset="0"/>
+                      </a:rPr>
+                      <m:t>)</m:t>
+                    </m:r>
+                  </m:oMath>
+                </a14:m>
+                <a:r>
+                  <a:rPr kumimoji="1" lang="en-US" altLang="zh-CN" dirty="0">
+                    <a:latin typeface="Calisto MT" panose="02040603050505030304" pitchFamily="18" charset="0"/>
+                  </a:rPr>
+                  <a:t> when</a:t>
+                </a:r>
+              </a:p>
+              <a:p>
+                <a:pPr marL="1200150" lvl="2" indent="-285750">
+                  <a:buFont typeface="Arial" panose="020B0604020202020204" pitchFamily="34" charset="0"/>
+                  <a:buChar char="•"/>
+                </a:pPr>
+                <a:r>
+                  <a:rPr kumimoji="1" lang="en-US" altLang="zh-CN" dirty="0">
+                    <a:latin typeface="Calisto MT" panose="02040603050505030304" pitchFamily="18" charset="0"/>
+                  </a:rPr>
+                  <a:t>The event occurred before </a:t>
+                </a:r>
+                <a14:m>
+                  <m:oMath xmlns:m="http://schemas.openxmlformats.org/officeDocument/2006/math">
+                    <m:r>
+                      <a:rPr kumimoji="1" lang="en-US" altLang="zh-CN" i="1">
+                        <a:latin typeface="Cambria Math" panose="02040503050406030204" pitchFamily="18" charset="0"/>
+                      </a:rPr>
+                      <m:t>𝑡</m:t>
+                    </m:r>
+                  </m:oMath>
+                </a14:m>
+                <a:r>
+                  <a:rPr kumimoji="1" lang="en-US" altLang="zh-CN" dirty="0">
+                    <a:latin typeface="Calisto MT" panose="02040603050505030304" pitchFamily="18" charset="0"/>
+                  </a:rPr>
+                  <a:t>, i.e., </a:t>
+                </a:r>
+                <a14:m>
+                  <m:oMath xmlns:m="http://schemas.openxmlformats.org/officeDocument/2006/math">
+                    <m:r>
+                      <m:rPr>
+                        <m:sty m:val="p"/>
+                      </m:rPr>
+                      <a:rPr kumimoji="1" lang="en-US" altLang="zh-CN">
+                        <a:latin typeface="Cambria Math" panose="02040503050406030204" pitchFamily="18" charset="0"/>
+                      </a:rPr>
+                      <m:t>z</m:t>
+                    </m:r>
+                    <m:r>
+                      <a:rPr kumimoji="1" lang="en-US" altLang="zh-CN">
+                        <a:latin typeface="Cambria Math" panose="02040503050406030204" pitchFamily="18" charset="0"/>
+                      </a:rPr>
+                      <m:t>&lt;</m:t>
+                    </m:r>
+                    <m:r>
+                      <a:rPr kumimoji="1" lang="en-US" altLang="zh-CN" i="1">
+                        <a:latin typeface="Cambria Math" panose="02040503050406030204" pitchFamily="18" charset="0"/>
+                      </a:rPr>
+                      <m:t>𝑡</m:t>
+                    </m:r>
+                  </m:oMath>
+                </a14:m>
+                <a:r>
+                  <a:rPr kumimoji="1" lang="en-US" altLang="zh-CN" dirty="0">
+                    <a:latin typeface="Calisto MT" panose="02040603050505030304" pitchFamily="18" charset="0"/>
+                  </a:rPr>
+                  <a:t> for uncensored data.</a:t>
+                </a:r>
+              </a:p>
+              <a:p>
+                <a:pPr marL="742950" lvl="1" indent="-285750">
+                  <a:buFont typeface="Arial" panose="020B0604020202020204" pitchFamily="34" charset="0"/>
+                  <a:buChar char="•"/>
+                </a:pPr>
+                <a:r>
+                  <a:rPr kumimoji="1" lang="en-US" altLang="zh-CN" dirty="0">
+                    <a:latin typeface="Calisto MT" panose="02040603050505030304" pitchFamily="18" charset="0"/>
+                  </a:rPr>
+                  <a:t>And Pull up</a:t>
+                </a:r>
+                <a:r>
+                  <a:rPr kumimoji="1" lang="en-US" altLang="zh-CN" dirty="0">
+                    <a:latin typeface="Calisto MT" panose="02040603050505030304" pitchFamily="18" charset="0"/>
+                    <a:ea typeface="Cambria Math" panose="02040503050406030204" pitchFamily="18" charset="0"/>
+                  </a:rPr>
+                  <a:t> </a:t>
+                </a:r>
+                <a14:m>
+                  <m:oMath xmlns:m="http://schemas.openxmlformats.org/officeDocument/2006/math">
+                    <m:r>
+                      <a:rPr kumimoji="1" lang="en-US" altLang="zh-CN" i="1">
+                        <a:latin typeface="Cambria Math" panose="02040503050406030204" pitchFamily="18" charset="0"/>
+                        <a:ea typeface="Cambria Math" panose="02040503050406030204" pitchFamily="18" charset="0"/>
+                      </a:rPr>
+                      <m:t>↑</m:t>
+                    </m:r>
+                  </m:oMath>
+                </a14:m>
+                <a:r>
+                  <a:rPr kumimoji="1" lang="en-US" altLang="zh-CN" dirty="0">
+                    <a:latin typeface="Calisto MT" panose="02040603050505030304" pitchFamily="18" charset="0"/>
+                  </a:rPr>
+                  <a:t> the survival curve </a:t>
+                </a:r>
+                <a14:m>
+                  <m:oMath xmlns:m="http://schemas.openxmlformats.org/officeDocument/2006/math">
+                    <m:r>
+                      <a:rPr kumimoji="1" lang="en-US" altLang="zh-CN" i="1">
+                        <a:latin typeface="Cambria Math" panose="02040503050406030204" pitchFamily="18" charset="0"/>
+                      </a:rPr>
+                      <m:t>𝑆</m:t>
+                    </m:r>
+                    <m:r>
+                      <a:rPr kumimoji="1" lang="en-US" altLang="zh-CN" i="1">
+                        <a:latin typeface="Cambria Math" panose="02040503050406030204" pitchFamily="18" charset="0"/>
+                      </a:rPr>
+                      <m:t>(</m:t>
+                    </m:r>
+                    <m:r>
+                      <a:rPr kumimoji="1" lang="en-US" altLang="zh-CN" i="1">
+                        <a:latin typeface="Cambria Math" panose="02040503050406030204" pitchFamily="18" charset="0"/>
+                      </a:rPr>
+                      <m:t>𝑡</m:t>
+                    </m:r>
+                    <m:r>
+                      <a:rPr kumimoji="1" lang="en-US" altLang="zh-CN" i="1">
+                        <a:latin typeface="Cambria Math" panose="02040503050406030204" pitchFamily="18" charset="0"/>
+                      </a:rPr>
+                      <m:t>)</m:t>
+                    </m:r>
+                  </m:oMath>
+                </a14:m>
+                <a:r>
+                  <a:rPr kumimoji="1" lang="en-US" altLang="zh-CN" dirty="0">
+                    <a:latin typeface="Calisto MT" panose="02040603050505030304" pitchFamily="18" charset="0"/>
+                  </a:rPr>
+                  <a:t> when </a:t>
+                </a:r>
+              </a:p>
+              <a:p>
+                <a:pPr marL="1200150" lvl="2" indent="-285750">
+                  <a:buFont typeface="Arial" panose="020B0604020202020204" pitchFamily="34" charset="0"/>
+                  <a:buChar char="•"/>
+                </a:pPr>
+                <a:r>
+                  <a:rPr kumimoji="1" lang="en-US" altLang="zh-CN" dirty="0">
+                    <a:latin typeface="Calisto MT" panose="02040603050505030304" pitchFamily="18" charset="0"/>
+                  </a:rPr>
+                  <a:t>The event not occurs before </a:t>
+                </a:r>
+                <a14:m>
+                  <m:oMath xmlns:m="http://schemas.openxmlformats.org/officeDocument/2006/math">
+                    <m:r>
+                      <a:rPr kumimoji="1" lang="en-US" altLang="zh-CN" i="1">
+                        <a:latin typeface="Cambria Math" panose="02040503050406030204" pitchFamily="18" charset="0"/>
+                      </a:rPr>
+                      <m:t>𝑡</m:t>
+                    </m:r>
+                  </m:oMath>
+                </a14:m>
+                <a:r>
+                  <a:rPr kumimoji="1" lang="en-US" altLang="zh-CN" dirty="0">
+                    <a:latin typeface="Calisto MT" panose="02040603050505030304" pitchFamily="18" charset="0"/>
+                  </a:rPr>
+                  <a:t>, i.e., </a:t>
+                </a:r>
+                <a14:m>
+                  <m:oMath xmlns:m="http://schemas.openxmlformats.org/officeDocument/2006/math">
+                    <m:r>
+                      <m:rPr>
+                        <m:sty m:val="p"/>
+                      </m:rPr>
+                      <a:rPr kumimoji="1" lang="en-US" altLang="zh-CN">
+                        <a:latin typeface="Cambria Math" panose="02040503050406030204" pitchFamily="18" charset="0"/>
+                      </a:rPr>
+                      <m:t>z</m:t>
+                    </m:r>
+                    <m:r>
+                      <a:rPr kumimoji="1" lang="en-US" altLang="zh-CN" i="1">
+                        <a:latin typeface="Cambria Math" panose="02040503050406030204" pitchFamily="18" charset="0"/>
+                      </a:rPr>
+                      <m:t>&gt;</m:t>
+                    </m:r>
+                    <m:r>
+                      <a:rPr kumimoji="1" lang="en-US" altLang="zh-CN" i="1">
+                        <a:latin typeface="Cambria Math" panose="02040503050406030204" pitchFamily="18" charset="0"/>
+                      </a:rPr>
+                      <m:t>𝑡</m:t>
+                    </m:r>
+                  </m:oMath>
+                </a14:m>
+                <a:r>
+                  <a:rPr kumimoji="1" lang="en-US" altLang="zh-CN" dirty="0">
+                    <a:latin typeface="Calisto MT" panose="02040603050505030304" pitchFamily="18" charset="0"/>
+                  </a:rPr>
+                  <a:t> for censored data.</a:t>
+                </a:r>
+                <a:endParaRPr kumimoji="1" lang="zh-CN" altLang="en-US" dirty="0"/>
+              </a:p>
+            </p:txBody>
+          </p:sp>
+        </mc:Choice>
+        <mc:Fallback>
+          <p:sp>
+            <p:nvSpPr>
+              <p:cNvPr id="3" name="备注占位符 2"/>
+              <p:cNvSpPr>
+                <a:spLocks noGrp="1"/>
+              </p:cNvSpPr>
+              <p:nvPr>
+                <p:ph type="body" idx="1"/>
+              </p:nvPr>
+            </p:nvSpPr>
+            <p:spPr/>
+            <p:txBody>
+              <a:bodyPr/>
+              <a:lstStyle/>
+              <a:p>
+                <a:r>
+                  <a:rPr kumimoji="1" lang="en-US" altLang="zh-CN" dirty="0"/>
+                  <a:t>Intuitively, the goal of the two CDF losses is to</a:t>
+                </a:r>
+              </a:p>
+              <a:p>
+                <a:endParaRPr kumimoji="1" lang="en-US" altLang="zh-CN" dirty="0"/>
+              </a:p>
+              <a:p>
+                <a:pPr marL="742950" lvl="1" indent="-285750">
+                  <a:buFont typeface="Arial" panose="020B0604020202020204" pitchFamily="34" charset="0"/>
+                  <a:buChar char="•"/>
+                </a:pPr>
+                <a:r>
+                  <a:rPr kumimoji="1" lang="en-US" altLang="zh-CN" dirty="0">
+                    <a:latin typeface="Calisto MT" panose="02040603050505030304" pitchFamily="18" charset="0"/>
+                  </a:rPr>
+                  <a:t>Push down</a:t>
+                </a:r>
+                <a:r>
+                  <a:rPr kumimoji="1" lang="zh-CN" altLang="en-US" dirty="0">
+                    <a:latin typeface="Calisto MT" panose="02040603050505030304" pitchFamily="18" charset="0"/>
+                  </a:rPr>
+                  <a:t> </a:t>
+                </a:r>
+                <a:r>
+                  <a:rPr kumimoji="1" lang="en-US" altLang="zh-CN" i="0">
+                    <a:latin typeface="Cambria Math" panose="02040503050406030204" pitchFamily="18" charset="0"/>
+                    <a:ea typeface="Cambria Math" panose="02040503050406030204" pitchFamily="18" charset="0"/>
+                  </a:rPr>
+                  <a:t>↓</a:t>
+                </a:r>
+                <a:r>
+                  <a:rPr kumimoji="1" lang="en-US" altLang="zh-CN" dirty="0">
+                    <a:latin typeface="Calisto MT" panose="02040603050505030304" pitchFamily="18" charset="0"/>
+                  </a:rPr>
+                  <a:t> the survival curve </a:t>
+                </a:r>
+                <a:r>
+                  <a:rPr kumimoji="1" lang="en-US" altLang="zh-CN" i="0">
+                    <a:latin typeface="Cambria Math" panose="02040503050406030204" pitchFamily="18" charset="0"/>
+                  </a:rPr>
+                  <a:t>𝑆(𝑡)</a:t>
+                </a:r>
+                <a:r>
+                  <a:rPr kumimoji="1" lang="en-US" altLang="zh-CN" dirty="0">
+                    <a:latin typeface="Calisto MT" panose="02040603050505030304" pitchFamily="18" charset="0"/>
+                  </a:rPr>
+                  <a:t> when</a:t>
+                </a:r>
+              </a:p>
+              <a:p>
+                <a:pPr marL="1200150" lvl="2" indent="-285750">
+                  <a:buFont typeface="Arial" panose="020B0604020202020204" pitchFamily="34" charset="0"/>
+                  <a:buChar char="•"/>
+                </a:pPr>
+                <a:r>
+                  <a:rPr kumimoji="1" lang="en-US" altLang="zh-CN" dirty="0">
+                    <a:latin typeface="Calisto MT" panose="02040603050505030304" pitchFamily="18" charset="0"/>
+                  </a:rPr>
+                  <a:t>The event occurred before </a:t>
+                </a:r>
+                <a:r>
+                  <a:rPr kumimoji="1" lang="en-US" altLang="zh-CN" i="0">
+                    <a:latin typeface="Cambria Math" panose="02040503050406030204" pitchFamily="18" charset="0"/>
+                  </a:rPr>
+                  <a:t>𝑡</a:t>
+                </a:r>
+                <a:r>
+                  <a:rPr kumimoji="1" lang="en-US" altLang="zh-CN" dirty="0">
+                    <a:latin typeface="Calisto MT" panose="02040603050505030304" pitchFamily="18" charset="0"/>
+                  </a:rPr>
+                  <a:t>, i.e., </a:t>
+                </a:r>
+                <a:r>
+                  <a:rPr kumimoji="1" lang="en-US" altLang="zh-CN" i="0">
+                    <a:latin typeface="Cambria Math" panose="02040503050406030204" pitchFamily="18" charset="0"/>
+                  </a:rPr>
+                  <a:t>z&lt;𝑡</a:t>
+                </a:r>
+                <a:r>
+                  <a:rPr kumimoji="1" lang="en-US" altLang="zh-CN" dirty="0">
+                    <a:latin typeface="Calisto MT" panose="02040603050505030304" pitchFamily="18" charset="0"/>
+                  </a:rPr>
+                  <a:t> for uncensored data.</a:t>
+                </a:r>
+              </a:p>
+              <a:p>
+                <a:pPr marL="742950" lvl="1" indent="-285750">
+                  <a:buFont typeface="Arial" panose="020B0604020202020204" pitchFamily="34" charset="0"/>
+                  <a:buChar char="•"/>
+                </a:pPr>
+                <a:r>
+                  <a:rPr kumimoji="1" lang="en-US" altLang="zh-CN" dirty="0">
+                    <a:latin typeface="Calisto MT" panose="02040603050505030304" pitchFamily="18" charset="0"/>
+                  </a:rPr>
+                  <a:t>And Pull up</a:t>
+                </a:r>
+                <a:r>
+                  <a:rPr kumimoji="1" lang="en-US" altLang="zh-CN" dirty="0">
+                    <a:latin typeface="Calisto MT" panose="02040603050505030304" pitchFamily="18" charset="0"/>
+                    <a:ea typeface="Cambria Math" panose="02040503050406030204" pitchFamily="18" charset="0"/>
+                  </a:rPr>
+                  <a:t> </a:t>
+                </a:r>
+                <a:r>
+                  <a:rPr kumimoji="1" lang="en-US" altLang="zh-CN" i="0">
+                    <a:latin typeface="Cambria Math" panose="02040503050406030204" pitchFamily="18" charset="0"/>
+                    <a:ea typeface="Cambria Math" panose="02040503050406030204" pitchFamily="18" charset="0"/>
+                  </a:rPr>
+                  <a:t>↑</a:t>
+                </a:r>
+                <a:r>
+                  <a:rPr kumimoji="1" lang="en-US" altLang="zh-CN" dirty="0">
+                    <a:latin typeface="Calisto MT" panose="02040603050505030304" pitchFamily="18" charset="0"/>
+                  </a:rPr>
+                  <a:t> the survival curve </a:t>
+                </a:r>
+                <a:r>
+                  <a:rPr kumimoji="1" lang="en-US" altLang="zh-CN" i="0">
+                    <a:latin typeface="Cambria Math" panose="02040503050406030204" pitchFamily="18" charset="0"/>
+                  </a:rPr>
+                  <a:t>𝑆(𝑡)</a:t>
+                </a:r>
+                <a:r>
+                  <a:rPr kumimoji="1" lang="en-US" altLang="zh-CN" dirty="0">
+                    <a:latin typeface="Calisto MT" panose="02040603050505030304" pitchFamily="18" charset="0"/>
+                  </a:rPr>
+                  <a:t> when </a:t>
+                </a:r>
+              </a:p>
+              <a:p>
+                <a:pPr marL="1200150" lvl="2" indent="-285750">
+                  <a:buFont typeface="Arial" panose="020B0604020202020204" pitchFamily="34" charset="0"/>
+                  <a:buChar char="•"/>
+                </a:pPr>
+                <a:r>
+                  <a:rPr kumimoji="1" lang="en-US" altLang="zh-CN" dirty="0">
+                    <a:latin typeface="Calisto MT" panose="02040603050505030304" pitchFamily="18" charset="0"/>
+                  </a:rPr>
+                  <a:t>The event not occurs before </a:t>
+                </a:r>
+                <a:r>
+                  <a:rPr kumimoji="1" lang="en-US" altLang="zh-CN" i="0">
+                    <a:latin typeface="Cambria Math" panose="02040503050406030204" pitchFamily="18" charset="0"/>
+                  </a:rPr>
+                  <a:t>𝑡</a:t>
+                </a:r>
+                <a:r>
+                  <a:rPr kumimoji="1" lang="en-US" altLang="zh-CN" dirty="0">
+                    <a:latin typeface="Calisto MT" panose="02040603050505030304" pitchFamily="18" charset="0"/>
+                  </a:rPr>
+                  <a:t>, i.e., </a:t>
+                </a:r>
+                <a:r>
+                  <a:rPr kumimoji="1" lang="en-US" altLang="zh-CN" i="0">
+                    <a:latin typeface="Cambria Math" panose="02040503050406030204" pitchFamily="18" charset="0"/>
+                  </a:rPr>
+                  <a:t>z&gt;𝑡</a:t>
+                </a:r>
+                <a:r>
+                  <a:rPr kumimoji="1" lang="en-US" altLang="zh-CN" dirty="0">
+                    <a:latin typeface="Calisto MT" panose="02040603050505030304" pitchFamily="18" charset="0"/>
+                  </a:rPr>
+                  <a:t> for censored data.</a:t>
+                </a:r>
+                <a:endParaRPr kumimoji="1" lang="zh-CN" altLang="en-US" dirty="0"/>
+              </a:p>
+            </p:txBody>
+          </p:sp>
+        </mc:Fallback>
+      </mc:AlternateContent>
+      <p:sp>
+        <p:nvSpPr>
+          <p:cNvPr id="4" name="灯片编号占位符 3"/>
+          <p:cNvSpPr>
+            <a:spLocks noGrp="1"/>
+          </p:cNvSpPr>
+          <p:nvPr>
+            <p:ph type="sldNum" sz="quarter" idx="5"/>
+          </p:nvPr>
+        </p:nvSpPr>
+        <p:spPr/>
+        <p:txBody>
+          <a:bodyPr/>
+          <a:lstStyle/>
+          <a:p>
+            <a:fld id="{21FDA42E-093A-A34C-8138-7572D4CFC8B2}" type="slidenum">
+              <a:rPr kumimoji="1" lang="zh-CN" altLang="en-US" smtClean="0"/>
+              <a:t>24</a:t>
+            </a:fld>
+            <a:endParaRPr kumimoji="1" lang="zh-CN" altLang="en-US"/>
+          </a:p>
+        </p:txBody>
+      </p:sp>
+    </p:spTree>
+    <p:extLst>
+      <p:ext uri="{BB962C8B-B14F-4D97-AF65-F5344CB8AC3E}">
+        <p14:creationId xmlns:p14="http://schemas.microsoft.com/office/powerpoint/2010/main" val="1774660883"/>
+      </p:ext>
+    </p:extLst>
+  </p:cSld>
+  <p:clrMapOvr>
+    <a:masterClrMapping/>
+  </p:clrMapOvr>
+</p:notes>
+</file>
+
+<file path=ppt/notesSlides/notesSlide25.xml><?xml version="1.0" encoding="utf-8"?>
+<p:notes xmlns:a="http://schemas.openxmlformats.org/drawingml/2006/main" xmlns:r="http://schemas.openxmlformats.org/officeDocument/2006/relationships" xmlns:p="http://schemas.openxmlformats.org/presentationml/2006/main">
+  <p:cSld>
+    <p:spTree>
+      <p:nvGrpSpPr>
+        <p:cNvPr id="1" name=""/>
+        <p:cNvGrpSpPr/>
+        <p:nvPr/>
+      </p:nvGrpSpPr>
+      <p:grpSpPr>
+        <a:xfrm>
+          <a:off x="0" y="0"/>
+          <a:ext cx="0" cy="0"/>
+          <a:chOff x="0" y="0"/>
+          <a:chExt cx="0" cy="0"/>
+        </a:xfrm>
+      </p:grpSpPr>
+      <p:sp>
+        <p:nvSpPr>
+          <p:cNvPr id="2" name="幻灯片图像占位符 1"/>
+          <p:cNvSpPr>
+            <a:spLocks noGrp="1" noRot="1" noChangeAspect="1"/>
+          </p:cNvSpPr>
+          <p:nvPr>
+            <p:ph type="sldImg"/>
+          </p:nvPr>
+        </p:nvSpPr>
+        <p:spPr/>
+      </p:sp>
+      <p:sp>
+        <p:nvSpPr>
+          <p:cNvPr id="3" name="备注占位符 2"/>
+          <p:cNvSpPr>
+            <a:spLocks noGrp="1"/>
+          </p:cNvSpPr>
+          <p:nvPr>
+            <p:ph type="body" idx="1"/>
+          </p:nvPr>
+        </p:nvSpPr>
+        <p:spPr/>
+        <p:txBody>
+          <a:bodyPr/>
+          <a:lstStyle/>
+          <a:p>
+            <a:r>
+              <a:rPr kumimoji="1" lang="en-US" altLang="zh-CN" dirty="0"/>
+              <a:t>We conduct an extensive experiment over three real-world large-scale datasets.</a:t>
+            </a:r>
+          </a:p>
+          <a:p>
+            <a:r>
+              <a:rPr kumimoji="1" lang="en-US" altLang="zh-CN" dirty="0"/>
+              <a:t>We compare our method with six baseline models including state-of-the-arts.</a:t>
+            </a:r>
+            <a:endParaRPr kumimoji="1" lang="zh-CN" altLang="en-US" dirty="0"/>
+          </a:p>
+        </p:txBody>
+      </p:sp>
+      <p:sp>
+        <p:nvSpPr>
+          <p:cNvPr id="4" name="灯片编号占位符 3"/>
+          <p:cNvSpPr>
+            <a:spLocks noGrp="1"/>
+          </p:cNvSpPr>
+          <p:nvPr>
+            <p:ph type="sldNum" sz="quarter" idx="5"/>
+          </p:nvPr>
+        </p:nvSpPr>
+        <p:spPr/>
+        <p:txBody>
+          <a:bodyPr/>
+          <a:lstStyle/>
+          <a:p>
+            <a:fld id="{21FDA42E-093A-A34C-8138-7572D4CFC8B2}" type="slidenum">
+              <a:rPr kumimoji="1" lang="zh-CN" altLang="en-US" smtClean="0"/>
+              <a:t>29</a:t>
+            </a:fld>
+            <a:endParaRPr kumimoji="1" lang="zh-CN" altLang="en-US"/>
+          </a:p>
+        </p:txBody>
+      </p:sp>
+    </p:spTree>
+    <p:extLst>
+      <p:ext uri="{BB962C8B-B14F-4D97-AF65-F5344CB8AC3E}">
+        <p14:creationId xmlns:p14="http://schemas.microsoft.com/office/powerpoint/2010/main" val="4138578238"/>
+      </p:ext>
+    </p:extLst>
+  </p:cSld>
+  <p:clrMapOvr>
+    <a:masterClrMapping/>
+  </p:clrMapOvr>
+</p:notes>
+</file>
+
+<file path=ppt/notesSlides/notesSlide26.xml><?xml version="1.0" encoding="utf-8"?>
+<p:notes xmlns:a="http://schemas.openxmlformats.org/drawingml/2006/main" xmlns:r="http://schemas.openxmlformats.org/officeDocument/2006/relationships" xmlns:p="http://schemas.openxmlformats.org/presentationml/2006/main">
+  <p:cSld>
+    <p:spTree>
+      <p:nvGrpSpPr>
+        <p:cNvPr id="1" name=""/>
+        <p:cNvGrpSpPr/>
+        <p:nvPr/>
+      </p:nvGrpSpPr>
+      <p:grpSpPr>
+        <a:xfrm>
+          <a:off x="0" y="0"/>
+          <a:ext cx="0" cy="0"/>
+          <a:chOff x="0" y="0"/>
+          <a:chExt cx="0" cy="0"/>
+        </a:xfrm>
+      </p:grpSpPr>
+      <p:sp>
+        <p:nvSpPr>
+          <p:cNvPr id="2" name="幻灯片图像占位符 1"/>
+          <p:cNvSpPr>
+            <a:spLocks noGrp="1" noRot="1" noChangeAspect="1"/>
+          </p:cNvSpPr>
+          <p:nvPr>
+            <p:ph type="sldImg"/>
+          </p:nvPr>
+        </p:nvSpPr>
+        <p:spPr/>
+      </p:sp>
+      <p:sp>
+        <p:nvSpPr>
+          <p:cNvPr id="3" name="备注占位符 2"/>
+          <p:cNvSpPr>
+            <a:spLocks noGrp="1"/>
+          </p:cNvSpPr>
+          <p:nvPr>
+            <p:ph type="body" idx="1"/>
+          </p:nvPr>
+        </p:nvSpPr>
+        <p:spPr/>
+        <p:txBody>
+          <a:bodyPr/>
+          <a:lstStyle/>
+          <a:p>
+            <a:r>
+              <a:rPr kumimoji="1" lang="en-US" altLang="zh-CN" dirty="0"/>
+              <a:t>We have published the used datasets for further research.</a:t>
+            </a:r>
+            <a:endParaRPr kumimoji="1" lang="zh-CN" altLang="en-US" dirty="0"/>
+          </a:p>
+        </p:txBody>
+      </p:sp>
+      <p:sp>
+        <p:nvSpPr>
+          <p:cNvPr id="4" name="灯片编号占位符 3"/>
+          <p:cNvSpPr>
+            <a:spLocks noGrp="1"/>
+          </p:cNvSpPr>
+          <p:nvPr>
+            <p:ph type="sldNum" sz="quarter" idx="5"/>
+          </p:nvPr>
+        </p:nvSpPr>
+        <p:spPr/>
+        <p:txBody>
+          <a:bodyPr/>
+          <a:lstStyle/>
+          <a:p>
+            <a:fld id="{21FDA42E-093A-A34C-8138-7572D4CFC8B2}" type="slidenum">
+              <a:rPr kumimoji="1" lang="zh-CN" altLang="en-US" smtClean="0"/>
+              <a:t>30</a:t>
+            </a:fld>
+            <a:endParaRPr kumimoji="1" lang="zh-CN" altLang="en-US"/>
+          </a:p>
+        </p:txBody>
+      </p:sp>
+    </p:spTree>
+    <p:extLst>
+      <p:ext uri="{BB962C8B-B14F-4D97-AF65-F5344CB8AC3E}">
+        <p14:creationId xmlns:p14="http://schemas.microsoft.com/office/powerpoint/2010/main" val="3258957265"/>
+      </p:ext>
+    </p:extLst>
+  </p:cSld>
+  <p:clrMapOvr>
+    <a:masterClrMapping/>
+  </p:clrMapOvr>
+</p:notes>
+</file>
+
+<file path=ppt/notesSlides/notesSlide27.xml><?xml version="1.0" encoding="utf-8"?>
+<p:notes xmlns:a="http://schemas.openxmlformats.org/drawingml/2006/main" xmlns:r="http://schemas.openxmlformats.org/officeDocument/2006/relationships" xmlns:p="http://schemas.openxmlformats.org/presentationml/2006/main">
+  <p:cSld>
+    <p:spTree>
+      <p:nvGrpSpPr>
+        <p:cNvPr id="1" name=""/>
+        <p:cNvGrpSpPr/>
+        <p:nvPr/>
+      </p:nvGrpSpPr>
+      <p:grpSpPr>
+        <a:xfrm>
+          <a:off x="0" y="0"/>
+          <a:ext cx="0" cy="0"/>
+          <a:chOff x="0" y="0"/>
+          <a:chExt cx="0" cy="0"/>
+        </a:xfrm>
+      </p:grpSpPr>
+      <p:sp>
+        <p:nvSpPr>
+          <p:cNvPr id="2" name="幻灯片图像占位符 1"/>
+          <p:cNvSpPr>
+            <a:spLocks noGrp="1" noRot="1" noChangeAspect="1"/>
+          </p:cNvSpPr>
+          <p:nvPr>
+            <p:ph type="sldImg"/>
+          </p:nvPr>
+        </p:nvSpPr>
+        <p:spPr/>
+      </p:sp>
+      <p:sp>
+        <p:nvSpPr>
+          <p:cNvPr id="3" name="备注占位符 2"/>
+          <p:cNvSpPr>
+            <a:spLocks noGrp="1"/>
+          </p:cNvSpPr>
+          <p:nvPr>
+            <p:ph type="body" idx="1"/>
+          </p:nvPr>
+        </p:nvSpPr>
+        <p:spPr/>
+        <p:txBody>
+          <a:bodyPr/>
+          <a:lstStyle/>
+          <a:p>
+            <a:r>
+              <a:rPr kumimoji="1" lang="en-US" altLang="zh-CN" dirty="0"/>
+              <a:t>In the experiment, two evaluation metrics have been adopted.</a:t>
+            </a:r>
+          </a:p>
+          <a:p>
+            <a:r>
+              <a:rPr kumimoji="1" lang="en-US" altLang="zh-CN" dirty="0"/>
+              <a:t>The first is to measure the likelihood of the true event time;</a:t>
+            </a:r>
+          </a:p>
+          <a:p>
+            <a:r>
+              <a:rPr kumimoji="1" lang="en-US" altLang="zh-CN" dirty="0"/>
+              <a:t>The second is to measure the classification performance of survival or not survival at the given time for the test samples, which is the most widely used metric in survival analysis problem.</a:t>
+            </a:r>
+            <a:endParaRPr kumimoji="1" lang="zh-CN" altLang="en-US" dirty="0"/>
+          </a:p>
+        </p:txBody>
+      </p:sp>
+      <p:sp>
+        <p:nvSpPr>
+          <p:cNvPr id="4" name="灯片编号占位符 3"/>
+          <p:cNvSpPr>
+            <a:spLocks noGrp="1"/>
+          </p:cNvSpPr>
+          <p:nvPr>
+            <p:ph type="sldNum" sz="quarter" idx="5"/>
+          </p:nvPr>
+        </p:nvSpPr>
+        <p:spPr/>
+        <p:txBody>
+          <a:bodyPr/>
+          <a:lstStyle/>
+          <a:p>
+            <a:fld id="{21FDA42E-093A-A34C-8138-7572D4CFC8B2}" type="slidenum">
+              <a:rPr kumimoji="1" lang="zh-CN" altLang="en-US" smtClean="0"/>
+              <a:t>31</a:t>
+            </a:fld>
+            <a:endParaRPr kumimoji="1" lang="zh-CN" altLang="en-US"/>
+          </a:p>
+        </p:txBody>
+      </p:sp>
+    </p:spTree>
+    <p:extLst>
+      <p:ext uri="{BB962C8B-B14F-4D97-AF65-F5344CB8AC3E}">
+        <p14:creationId xmlns:p14="http://schemas.microsoft.com/office/powerpoint/2010/main" val="3719461142"/>
+      </p:ext>
+    </p:extLst>
+  </p:cSld>
+  <p:clrMapOvr>
+    <a:masterClrMapping/>
+  </p:clrMapOvr>
+</p:notes>
+</file>
+
+<file path=ppt/notesSlides/notesSlide28.xml><?xml version="1.0" encoding="utf-8"?>
+<p:notes xmlns:a="http://schemas.openxmlformats.org/drawingml/2006/main" xmlns:r="http://schemas.openxmlformats.org/officeDocument/2006/relationships" xmlns:p="http://schemas.openxmlformats.org/presentationml/2006/main">
+  <p:cSld>
+    <p:spTree>
+      <p:nvGrpSpPr>
+        <p:cNvPr id="1" name=""/>
+        <p:cNvGrpSpPr/>
+        <p:nvPr/>
+      </p:nvGrpSpPr>
+      <p:grpSpPr>
+        <a:xfrm>
+          <a:off x="0" y="0"/>
+          <a:ext cx="0" cy="0"/>
+          <a:chOff x="0" y="0"/>
+          <a:chExt cx="0" cy="0"/>
+        </a:xfrm>
+      </p:grpSpPr>
+      <p:sp>
+        <p:nvSpPr>
+          <p:cNvPr id="2" name="幻灯片图像占位符 1"/>
+          <p:cNvSpPr>
+            <a:spLocks noGrp="1" noRot="1" noChangeAspect="1"/>
+          </p:cNvSpPr>
+          <p:nvPr>
+            <p:ph type="sldImg"/>
+          </p:nvPr>
+        </p:nvSpPr>
+        <p:spPr/>
+      </p:sp>
+      <p:sp>
+        <p:nvSpPr>
+          <p:cNvPr id="3" name="备注占位符 2"/>
+          <p:cNvSpPr>
+            <a:spLocks noGrp="1"/>
+          </p:cNvSpPr>
+          <p:nvPr>
+            <p:ph type="body" idx="1"/>
+          </p:nvPr>
+        </p:nvSpPr>
+        <p:spPr/>
+        <p:txBody>
+          <a:bodyPr/>
+          <a:lstStyle/>
+          <a:p>
+            <a:r>
+              <a:rPr kumimoji="1" lang="en-US" altLang="zh-CN" dirty="0"/>
+              <a:t>From the result table, our model shows significant improvement over all the datasets against these strong baselines.</a:t>
+            </a:r>
+            <a:endParaRPr kumimoji="1" lang="zh-CN" altLang="en-US" dirty="0"/>
+          </a:p>
+        </p:txBody>
+      </p:sp>
+      <p:sp>
+        <p:nvSpPr>
+          <p:cNvPr id="4" name="灯片编号占位符 3"/>
+          <p:cNvSpPr>
+            <a:spLocks noGrp="1"/>
+          </p:cNvSpPr>
+          <p:nvPr>
+            <p:ph type="sldNum" sz="quarter" idx="5"/>
+          </p:nvPr>
+        </p:nvSpPr>
+        <p:spPr/>
+        <p:txBody>
+          <a:bodyPr/>
+          <a:lstStyle/>
+          <a:p>
+            <a:fld id="{21FDA42E-093A-A34C-8138-7572D4CFC8B2}" type="slidenum">
+              <a:rPr kumimoji="1" lang="zh-CN" altLang="en-US" smtClean="0"/>
+              <a:t>32</a:t>
+            </a:fld>
+            <a:endParaRPr kumimoji="1" lang="zh-CN" altLang="en-US"/>
+          </a:p>
+        </p:txBody>
+      </p:sp>
+    </p:spTree>
+    <p:extLst>
+      <p:ext uri="{BB962C8B-B14F-4D97-AF65-F5344CB8AC3E}">
+        <p14:creationId xmlns:p14="http://schemas.microsoft.com/office/powerpoint/2010/main" val="477698520"/>
+      </p:ext>
+    </p:extLst>
+  </p:cSld>
+  <p:clrMapOvr>
+    <a:masterClrMapping/>
+  </p:clrMapOvr>
+</p:notes>
+</file>
+
+<file path=ppt/notesSlides/notesSlide29.xml><?xml version="1.0" encoding="utf-8"?>
+<p:notes xmlns:a="http://schemas.openxmlformats.org/drawingml/2006/main" xmlns:r="http://schemas.openxmlformats.org/officeDocument/2006/relationships" xmlns:p="http://schemas.openxmlformats.org/presentationml/2006/main">
+  <p:cSld>
+    <p:spTree>
+      <p:nvGrpSpPr>
+        <p:cNvPr id="1" name=""/>
+        <p:cNvGrpSpPr/>
+        <p:nvPr/>
+      </p:nvGrpSpPr>
+      <p:grpSpPr>
+        <a:xfrm>
+          <a:off x="0" y="0"/>
+          <a:ext cx="0" cy="0"/>
+          <a:chOff x="0" y="0"/>
+          <a:chExt cx="0" cy="0"/>
+        </a:xfrm>
+      </p:grpSpPr>
+      <p:sp>
+        <p:nvSpPr>
+          <p:cNvPr id="2" name="幻灯片图像占位符 1"/>
+          <p:cNvSpPr>
+            <a:spLocks noGrp="1" noRot="1" noChangeAspect="1"/>
+          </p:cNvSpPr>
+          <p:nvPr>
+            <p:ph type="sldImg"/>
+          </p:nvPr>
+        </p:nvSpPr>
+        <p:spPr/>
+      </p:sp>
+      <p:sp>
+        <p:nvSpPr>
+          <p:cNvPr id="3" name="备注占位符 2"/>
+          <p:cNvSpPr>
+            <a:spLocks noGrp="1"/>
+          </p:cNvSpPr>
+          <p:nvPr>
+            <p:ph type="body" idx="1"/>
+          </p:nvPr>
+        </p:nvSpPr>
+        <p:spPr/>
+        <p:txBody>
+          <a:bodyPr/>
+          <a:lstStyle/>
+          <a:p>
+            <a:r>
+              <a:rPr kumimoji="1" lang="en-US" altLang="zh-CN" dirty="0"/>
+              <a:t>Our DRSA model also converge very quickly in about one iteration over the whole training dataset.</a:t>
+            </a:r>
+            <a:endParaRPr kumimoji="1" lang="zh-CN" altLang="en-US" dirty="0"/>
+          </a:p>
+        </p:txBody>
+      </p:sp>
+      <p:sp>
+        <p:nvSpPr>
+          <p:cNvPr id="4" name="灯片编号占位符 3"/>
+          <p:cNvSpPr>
+            <a:spLocks noGrp="1"/>
+          </p:cNvSpPr>
+          <p:nvPr>
+            <p:ph type="sldNum" sz="quarter" idx="5"/>
+          </p:nvPr>
+        </p:nvSpPr>
+        <p:spPr/>
+        <p:txBody>
+          <a:bodyPr/>
+          <a:lstStyle/>
+          <a:p>
+            <a:fld id="{21FDA42E-093A-A34C-8138-7572D4CFC8B2}" type="slidenum">
+              <a:rPr kumimoji="1" lang="zh-CN" altLang="en-US" smtClean="0"/>
+              <a:t>33</a:t>
+            </a:fld>
+            <a:endParaRPr kumimoji="1" lang="zh-CN" altLang="en-US"/>
+          </a:p>
+        </p:txBody>
+      </p:sp>
+    </p:spTree>
+    <p:extLst>
+      <p:ext uri="{BB962C8B-B14F-4D97-AF65-F5344CB8AC3E}">
+        <p14:creationId xmlns:p14="http://schemas.microsoft.com/office/powerpoint/2010/main" val="622788605"/>
+      </p:ext>
+    </p:extLst>
+  </p:cSld>
+  <p:clrMapOvr>
+    <a:masterClrMapping/>
+  </p:clrMapOvr>
+</p:notes>
+</file>
+
+<file path=ppt/notesSlides/notesSlide3.xml><?xml version="1.0" encoding="utf-8"?>
+<p:notes xmlns:a="http://schemas.openxmlformats.org/drawingml/2006/main" xmlns:r="http://schemas.openxmlformats.org/officeDocument/2006/relationships" xmlns:p="http://schemas.openxmlformats.org/presentationml/2006/main">
+  <p:cSld>
+    <p:spTree>
+      <p:nvGrpSpPr>
+        <p:cNvPr id="1" name=""/>
+        <p:cNvGrpSpPr/>
+        <p:nvPr/>
+      </p:nvGrpSpPr>
+      <p:grpSpPr>
+        <a:xfrm>
+          <a:off x="0" y="0"/>
+          <a:ext cx="0" cy="0"/>
+          <a:chOff x="0" y="0"/>
+          <a:chExt cx="0" cy="0"/>
+        </a:xfrm>
+      </p:grpSpPr>
+      <p:sp>
+        <p:nvSpPr>
+          <p:cNvPr id="2" name="幻灯片图像占位符 1"/>
+          <p:cNvSpPr>
+            <a:spLocks noGrp="1" noRot="1" noChangeAspect="1"/>
+          </p:cNvSpPr>
+          <p:nvPr>
+            <p:ph type="sldImg"/>
+          </p:nvPr>
+        </p:nvSpPr>
+        <p:spPr/>
+      </p:sp>
+      <p:sp>
+        <p:nvSpPr>
+          <p:cNvPr id="3" name="备注占位符 2"/>
+          <p:cNvSpPr>
+            <a:spLocks noGrp="1"/>
+          </p:cNvSpPr>
+          <p:nvPr>
+            <p:ph type="body" idx="1"/>
+          </p:nvPr>
+        </p:nvSpPr>
+        <p:spPr/>
+        <p:txBody>
+          <a:bodyPr/>
+          <a:lstStyle/>
+          <a:p>
+            <a:r>
+              <a:rPr kumimoji="1" lang="en-US" altLang="zh-CN" dirty="0">
+                <a:latin typeface="Arial" panose="020B0604020202020204" pitchFamily="34" charset="0"/>
+                <a:cs typeface="Arial" panose="020B0604020202020204" pitchFamily="34" charset="0"/>
+              </a:rPr>
+              <a:t>Time-to-event data distribute every where in our daily life.</a:t>
+            </a:r>
+          </a:p>
+          <a:p>
+            <a:r>
+              <a:rPr kumimoji="1" lang="en-US" altLang="zh-CN" dirty="0">
+                <a:latin typeface="Arial" panose="020B0604020202020204" pitchFamily="34" charset="0"/>
+                <a:cs typeface="Arial" panose="020B0604020202020204" pitchFamily="34" charset="0"/>
+              </a:rPr>
+              <a:t>And “event” and “time” may have different meanings in different fields.</a:t>
+            </a:r>
+          </a:p>
+          <a:p>
+            <a:endParaRPr kumimoji="1" lang="en-US" altLang="zh-CN" dirty="0">
+              <a:latin typeface="Arial" panose="020B0604020202020204" pitchFamily="34" charset="0"/>
+              <a:cs typeface="Arial" panose="020B0604020202020204" pitchFamily="34" charset="0"/>
+            </a:endParaRPr>
+          </a:p>
+          <a:p>
+            <a:r>
+              <a:rPr kumimoji="1" lang="en-US" altLang="zh-CN" dirty="0">
+                <a:latin typeface="Arial" panose="020B0604020202020204" pitchFamily="34" charset="0"/>
+                <a:cs typeface="Arial" panose="020B0604020202020204" pitchFamily="34" charset="0"/>
+              </a:rPr>
+              <a:t>In medical research, time-to-event (T2E) means the patient’s survival time to the disease/death event.</a:t>
+            </a:r>
+          </a:p>
+          <a:p>
+            <a:r>
+              <a:rPr kumimoji="1" lang="en-US" altLang="zh-CN" dirty="0">
+                <a:latin typeface="Arial" panose="020B0604020202020204" pitchFamily="34" charset="0"/>
+                <a:cs typeface="Arial" panose="020B0604020202020204" pitchFamily="34" charset="0"/>
+              </a:rPr>
+              <a:t>In information systems, T2E probably means the duration time until the user’s next visit.</a:t>
+            </a:r>
+          </a:p>
+          <a:p>
+            <a:r>
+              <a:rPr kumimoji="1" lang="en-US" altLang="zh-CN" dirty="0">
+                <a:latin typeface="Arial" panose="020B0604020202020204" pitchFamily="34" charset="0"/>
+                <a:cs typeface="Arial" panose="020B0604020202020204" pitchFamily="34" charset="0"/>
+              </a:rPr>
+              <a:t>In second-price auction of bidding, it means the bid price to win the auction.</a:t>
+            </a:r>
+            <a:endParaRPr kumimoji="1" lang="zh-CN" altLang="en-US" dirty="0">
+              <a:latin typeface="Arial" panose="020B0604020202020204" pitchFamily="34" charset="0"/>
+              <a:cs typeface="Arial" panose="020B0604020202020204" pitchFamily="34" charset="0"/>
+            </a:endParaRPr>
+          </a:p>
+        </p:txBody>
+      </p:sp>
+      <p:sp>
+        <p:nvSpPr>
+          <p:cNvPr id="4" name="灯片编号占位符 3"/>
+          <p:cNvSpPr>
+            <a:spLocks noGrp="1"/>
+          </p:cNvSpPr>
+          <p:nvPr>
+            <p:ph type="sldNum" sz="quarter" idx="5"/>
+          </p:nvPr>
+        </p:nvSpPr>
+        <p:spPr/>
+        <p:txBody>
+          <a:bodyPr/>
+          <a:lstStyle/>
+          <a:p>
+            <a:fld id="{21FDA42E-093A-A34C-8138-7572D4CFC8B2}" type="slidenum">
+              <a:rPr kumimoji="1" lang="zh-CN" altLang="en-US" smtClean="0"/>
+              <a:t>3</a:t>
+            </a:fld>
+            <a:endParaRPr kumimoji="1" lang="zh-CN" altLang="en-US"/>
+          </a:p>
+        </p:txBody>
+      </p:sp>
+    </p:spTree>
+    <p:extLst>
+      <p:ext uri="{BB962C8B-B14F-4D97-AF65-F5344CB8AC3E}">
+        <p14:creationId xmlns:p14="http://schemas.microsoft.com/office/powerpoint/2010/main" val="3752828937"/>
+      </p:ext>
+    </p:extLst>
+  </p:cSld>
+  <p:clrMapOvr>
+    <a:masterClrMapping/>
+  </p:clrMapOvr>
+</p:notes>
+</file>
+
+<file path=ppt/notesSlides/notesSlide30.xml><?xml version="1.0" encoding="utf-8"?>
+<p:notes xmlns:a="http://schemas.openxmlformats.org/drawingml/2006/main" xmlns:r="http://schemas.openxmlformats.org/officeDocument/2006/relationships" xmlns:p="http://schemas.openxmlformats.org/presentationml/2006/main">
+  <p:cSld>
+    <p:spTree>
+      <p:nvGrpSpPr>
+        <p:cNvPr id="1" name=""/>
+        <p:cNvGrpSpPr/>
+        <p:nvPr/>
+      </p:nvGrpSpPr>
+      <p:grpSpPr>
+        <a:xfrm>
+          <a:off x="0" y="0"/>
+          <a:ext cx="0" cy="0"/>
+          <a:chOff x="0" y="0"/>
+          <a:chExt cx="0" cy="0"/>
+        </a:xfrm>
+      </p:grpSpPr>
+      <p:sp>
+        <p:nvSpPr>
+          <p:cNvPr id="2" name="幻灯片图像占位符 1"/>
+          <p:cNvSpPr>
+            <a:spLocks noGrp="1" noRot="1" noChangeAspect="1"/>
+          </p:cNvSpPr>
+          <p:nvPr>
+            <p:ph type="sldImg"/>
+          </p:nvPr>
+        </p:nvSpPr>
+        <p:spPr/>
+      </p:sp>
+      <p:sp>
+        <p:nvSpPr>
+          <p:cNvPr id="3" name="备注占位符 2"/>
+          <p:cNvSpPr>
+            <a:spLocks noGrp="1"/>
+          </p:cNvSpPr>
+          <p:nvPr>
+            <p:ph type="body" idx="1"/>
+          </p:nvPr>
+        </p:nvSpPr>
+        <p:spPr/>
+        <p:txBody>
+          <a:bodyPr/>
+          <a:lstStyle/>
+          <a:p>
+            <a:r>
+              <a:rPr kumimoji="1" lang="en-US" altLang="zh-CN" dirty="0"/>
+              <a:t>We also illustrate the predicted PDF and CDF results from the compared models.</a:t>
+            </a:r>
+          </a:p>
+          <a:p>
+            <a:endParaRPr kumimoji="1" lang="en-US" altLang="zh-CN" dirty="0"/>
+          </a:p>
+          <a:p>
+            <a:r>
+              <a:rPr kumimoji="1" lang="en-US" altLang="zh-CN" dirty="0"/>
+              <a:t>We can easily find that our DRSA model accurately predicts the true event time and attribute the highest probability at that </a:t>
+            </a:r>
+            <a:r>
+              <a:rPr kumimoji="1" lang="en-US" altLang="zh-CN"/>
+              <a:t>time point.</a:t>
+            </a:r>
+            <a:endParaRPr kumimoji="1" lang="en-US" altLang="zh-CN" dirty="0"/>
+          </a:p>
+          <a:p>
+            <a:r>
+              <a:rPr kumimoji="1" lang="en-US" altLang="zh-CN" dirty="0"/>
+              <a:t>This demonstration reflects the effectiveness of our DRSA model.</a:t>
+            </a:r>
+            <a:endParaRPr kumimoji="1" lang="zh-CN" altLang="en-US" dirty="0"/>
+          </a:p>
+        </p:txBody>
+      </p:sp>
+      <p:sp>
+        <p:nvSpPr>
+          <p:cNvPr id="4" name="灯片编号占位符 3"/>
+          <p:cNvSpPr>
+            <a:spLocks noGrp="1"/>
+          </p:cNvSpPr>
+          <p:nvPr>
+            <p:ph type="sldNum" sz="quarter" idx="5"/>
+          </p:nvPr>
+        </p:nvSpPr>
+        <p:spPr/>
+        <p:txBody>
+          <a:bodyPr/>
+          <a:lstStyle/>
+          <a:p>
+            <a:fld id="{21FDA42E-093A-A34C-8138-7572D4CFC8B2}" type="slidenum">
+              <a:rPr kumimoji="1" lang="zh-CN" altLang="en-US" smtClean="0"/>
+              <a:t>34</a:t>
+            </a:fld>
+            <a:endParaRPr kumimoji="1" lang="zh-CN" altLang="en-US"/>
+          </a:p>
+        </p:txBody>
+      </p:sp>
+    </p:spTree>
+    <p:extLst>
+      <p:ext uri="{BB962C8B-B14F-4D97-AF65-F5344CB8AC3E}">
+        <p14:creationId xmlns:p14="http://schemas.microsoft.com/office/powerpoint/2010/main" val="2703509682"/>
+      </p:ext>
+    </p:extLst>
+  </p:cSld>
+  <p:clrMapOvr>
+    <a:masterClrMapping/>
+  </p:clrMapOvr>
+</p:notes>
+</file>
+
+<file path=ppt/notesSlides/notesSlide31.xml><?xml version="1.0" encoding="utf-8"?>
+<p:notes xmlns:a="http://schemas.openxmlformats.org/drawingml/2006/main" xmlns:r="http://schemas.openxmlformats.org/officeDocument/2006/relationships" xmlns:p="http://schemas.openxmlformats.org/presentationml/2006/main">
+  <p:cSld>
+    <p:spTree>
+      <p:nvGrpSpPr>
+        <p:cNvPr id="1" name=""/>
+        <p:cNvGrpSpPr/>
+        <p:nvPr/>
+      </p:nvGrpSpPr>
+      <p:grpSpPr>
+        <a:xfrm>
+          <a:off x="0" y="0"/>
+          <a:ext cx="0" cy="0"/>
+          <a:chOff x="0" y="0"/>
+          <a:chExt cx="0" cy="0"/>
+        </a:xfrm>
+      </p:grpSpPr>
+      <p:sp>
+        <p:nvSpPr>
+          <p:cNvPr id="2" name="幻灯片图像占位符 1"/>
+          <p:cNvSpPr>
+            <a:spLocks noGrp="1" noRot="1" noChangeAspect="1"/>
+          </p:cNvSpPr>
+          <p:nvPr>
+            <p:ph type="sldImg"/>
+          </p:nvPr>
+        </p:nvSpPr>
+        <p:spPr/>
+      </p:sp>
+      <p:sp>
+        <p:nvSpPr>
+          <p:cNvPr id="3" name="备注占位符 2"/>
+          <p:cNvSpPr>
+            <a:spLocks noGrp="1"/>
+          </p:cNvSpPr>
+          <p:nvPr>
+            <p:ph type="body" idx="1"/>
+          </p:nvPr>
+        </p:nvSpPr>
+        <p:spPr/>
+        <p:txBody>
+          <a:bodyPr/>
+          <a:lstStyle/>
+          <a:p>
+            <a:r>
+              <a:rPr kumimoji="1" lang="en-US" altLang="zh-CN" dirty="0"/>
+              <a:t>Finally we conclude that the sequential patterns over time should be considered in survival analysis.</a:t>
+            </a:r>
+          </a:p>
+          <a:p>
+            <a:r>
+              <a:rPr kumimoji="1" lang="en-US" altLang="zh-CN" dirty="0"/>
+              <a:t>We have proposed the first work using auto-regressive model for this task.</a:t>
+            </a:r>
+          </a:p>
+          <a:p>
+            <a:r>
+              <a:rPr kumimoji="1" lang="en-US" altLang="zh-CN" dirty="0"/>
+              <a:t>We also published our code and the data and you can scan this QR code to get the public </a:t>
+            </a:r>
+            <a:r>
+              <a:rPr kumimoji="1" lang="en-US" altLang="zh-CN" dirty="0" err="1"/>
+              <a:t>Github</a:t>
+            </a:r>
+            <a:r>
+              <a:rPr kumimoji="1" lang="en-US" altLang="zh-CN" dirty="0"/>
+              <a:t> repository.</a:t>
+            </a:r>
+          </a:p>
+          <a:p>
+            <a:endParaRPr kumimoji="1" lang="en-US" altLang="zh-CN" dirty="0"/>
+          </a:p>
+          <a:p>
+            <a:r>
+              <a:rPr kumimoji="1" lang="en-US" altLang="zh-CN" dirty="0"/>
+              <a:t>Thank you for your attention!</a:t>
+            </a:r>
+            <a:endParaRPr kumimoji="1" lang="zh-CN" altLang="en-US" dirty="0"/>
+          </a:p>
+        </p:txBody>
+      </p:sp>
+      <p:sp>
+        <p:nvSpPr>
+          <p:cNvPr id="4" name="灯片编号占位符 3"/>
+          <p:cNvSpPr>
+            <a:spLocks noGrp="1"/>
+          </p:cNvSpPr>
+          <p:nvPr>
+            <p:ph type="sldNum" sz="quarter" idx="5"/>
+          </p:nvPr>
+        </p:nvSpPr>
+        <p:spPr/>
+        <p:txBody>
+          <a:bodyPr/>
+          <a:lstStyle/>
+          <a:p>
+            <a:fld id="{21FDA42E-093A-A34C-8138-7572D4CFC8B2}" type="slidenum">
+              <a:rPr kumimoji="1" lang="zh-CN" altLang="en-US" smtClean="0"/>
+              <a:t>36</a:t>
+            </a:fld>
+            <a:endParaRPr kumimoji="1" lang="zh-CN" altLang="en-US"/>
+          </a:p>
+        </p:txBody>
+      </p:sp>
+    </p:spTree>
+    <p:extLst>
+      <p:ext uri="{BB962C8B-B14F-4D97-AF65-F5344CB8AC3E}">
+        <p14:creationId xmlns:p14="http://schemas.microsoft.com/office/powerpoint/2010/main" val="1127726298"/>
+      </p:ext>
+    </p:extLst>
+  </p:cSld>
+  <p:clrMapOvr>
+    <a:masterClrMapping/>
+  </p:clrMapOvr>
+</p:notes>
+</file>
+
+<file path=ppt/notesSlides/notesSlide4.xml><?xml version="1.0" encoding="utf-8"?>
+<p:notes xmlns:a="http://schemas.openxmlformats.org/drawingml/2006/main" xmlns:r="http://schemas.openxmlformats.org/officeDocument/2006/relationships" xmlns:p="http://schemas.openxmlformats.org/presentationml/2006/main">
+  <p:cSld>
+    <p:spTree>
+      <p:nvGrpSpPr>
+        <p:cNvPr id="1" name=""/>
+        <p:cNvGrpSpPr/>
+        <p:nvPr/>
+      </p:nvGrpSpPr>
+      <p:grpSpPr>
+        <a:xfrm>
+          <a:off x="0" y="0"/>
+          <a:ext cx="0" cy="0"/>
+          <a:chOff x="0" y="0"/>
+          <a:chExt cx="0" cy="0"/>
+        </a:xfrm>
+      </p:grpSpPr>
+      <p:sp>
+        <p:nvSpPr>
+          <p:cNvPr id="2" name="幻灯片图像占位符 1"/>
+          <p:cNvSpPr>
+            <a:spLocks noGrp="1" noRot="1" noChangeAspect="1"/>
+          </p:cNvSpPr>
+          <p:nvPr>
+            <p:ph type="sldImg"/>
+          </p:nvPr>
+        </p:nvSpPr>
+        <p:spPr/>
+      </p:sp>
+      <p:sp>
+        <p:nvSpPr>
+          <p:cNvPr id="3" name="备注占位符 2"/>
+          <p:cNvSpPr>
+            <a:spLocks noGrp="1"/>
+          </p:cNvSpPr>
+          <p:nvPr>
+            <p:ph type="body" idx="1"/>
+          </p:nvPr>
+        </p:nvSpPr>
+        <p:spPr/>
+        <p:txBody>
+          <a:bodyPr/>
+          <a:lstStyle/>
+          <a:p>
+            <a:r>
+              <a:rPr kumimoji="1" lang="en-US" altLang="zh-CN" dirty="0"/>
+              <a:t>Thus people use survival analysis to represent the “time-to-event data analysis”, it is to analyze the expected duration of time until one or more events happen.</a:t>
+            </a:r>
+            <a:endParaRPr kumimoji="1" lang="zh-CN" altLang="en-US" dirty="0"/>
+          </a:p>
+        </p:txBody>
+      </p:sp>
+      <p:sp>
+        <p:nvSpPr>
+          <p:cNvPr id="4" name="灯片编号占位符 3"/>
+          <p:cNvSpPr>
+            <a:spLocks noGrp="1"/>
+          </p:cNvSpPr>
+          <p:nvPr>
+            <p:ph type="sldNum" sz="quarter" idx="5"/>
+          </p:nvPr>
+        </p:nvSpPr>
+        <p:spPr/>
+        <p:txBody>
+          <a:bodyPr/>
+          <a:lstStyle/>
+          <a:p>
+            <a:fld id="{21FDA42E-093A-A34C-8138-7572D4CFC8B2}" type="slidenum">
+              <a:rPr kumimoji="1" lang="zh-CN" altLang="en-US" smtClean="0"/>
+              <a:t>4</a:t>
+            </a:fld>
+            <a:endParaRPr kumimoji="1" lang="zh-CN" altLang="en-US"/>
+          </a:p>
+        </p:txBody>
+      </p:sp>
+    </p:spTree>
+    <p:extLst>
+      <p:ext uri="{BB962C8B-B14F-4D97-AF65-F5344CB8AC3E}">
+        <p14:creationId xmlns:p14="http://schemas.microsoft.com/office/powerpoint/2010/main" val="3436631521"/>
+      </p:ext>
+    </p:extLst>
+  </p:cSld>
+  <p:clrMapOvr>
+    <a:masterClrMapping/>
+  </p:clrMapOvr>
+</p:notes>
+</file>
+
+<file path=ppt/notesSlides/notesSlide5.xml><?xml version="1.0" encoding="utf-8"?>
+<p:notes xmlns:a="http://schemas.openxmlformats.org/drawingml/2006/main" xmlns:r="http://schemas.openxmlformats.org/officeDocument/2006/relationships" xmlns:p="http://schemas.openxmlformats.org/presentationml/2006/main">
+  <p:cSld>
+    <p:spTree>
+      <p:nvGrpSpPr>
+        <p:cNvPr id="1" name=""/>
+        <p:cNvGrpSpPr/>
+        <p:nvPr/>
+      </p:nvGrpSpPr>
+      <p:grpSpPr>
+        <a:xfrm>
+          <a:off x="0" y="0"/>
+          <a:ext cx="0" cy="0"/>
+          <a:chOff x="0" y="0"/>
+          <a:chExt cx="0" cy="0"/>
+        </a:xfrm>
+      </p:grpSpPr>
+      <p:sp>
+        <p:nvSpPr>
+          <p:cNvPr id="2" name="幻灯片图像占位符 1"/>
+          <p:cNvSpPr>
+            <a:spLocks noGrp="1" noRot="1" noChangeAspect="1"/>
+          </p:cNvSpPr>
+          <p:nvPr>
+            <p:ph type="sldImg"/>
+          </p:nvPr>
+        </p:nvSpPr>
+        <p:spPr/>
+      </p:sp>
+      <mc:AlternateContent xmlns:mc="http://schemas.openxmlformats.org/markup-compatibility/2006">
+        <mc:Choice xmlns:a14="http://schemas.microsoft.com/office/drawing/2010/main" Requires="a14">
+          <p:sp>
+            <p:nvSpPr>
+              <p:cNvPr id="3" name="备注占位符 2"/>
+              <p:cNvSpPr>
+                <a:spLocks noGrp="1"/>
+              </p:cNvSpPr>
+              <p:nvPr>
+                <p:ph type="body" idx="1"/>
+              </p:nvPr>
+            </p:nvSpPr>
+            <p:spPr/>
+            <p:txBody>
+              <a:bodyPr/>
+              <a:lstStyle/>
+              <a:p>
+                <a:r>
+                  <a:rPr kumimoji="1" lang="en-US" altLang="zh-CN" dirty="0"/>
+                  <a:t>Given the feature of the observing sample, the task of survival analysis is to forecast three probabilities.</a:t>
+                </a:r>
+              </a:p>
+              <a:p>
+                <a:r>
+                  <a:rPr kumimoji="1" lang="en-US" altLang="zh-CN" dirty="0"/>
+                  <a:t>They are</a:t>
+                </a:r>
+              </a:p>
+              <a:p>
+                <a:pPr lvl="1"/>
+                <a:r>
+                  <a:rPr kumimoji="1" lang="en-US" altLang="zh-CN" sz="2000" dirty="0"/>
+                  <a:t>the probability of event </a:t>
+                </a:r>
+                <a:r>
+                  <a:rPr kumimoji="1" lang="en-US" altLang="zh-CN" sz="2000" i="1" dirty="0">
+                    <a:solidFill>
+                      <a:srgbClr val="FF0000"/>
+                    </a:solidFill>
+                  </a:rPr>
+                  <a:t>happening</a:t>
+                </a:r>
+                <a:r>
+                  <a:rPr kumimoji="1" lang="en-US" altLang="zh-CN" sz="2000" dirty="0"/>
+                  <a:t> at each time: </a:t>
+                </a:r>
+                <a14:m>
+                  <m:oMath xmlns:m="http://schemas.openxmlformats.org/officeDocument/2006/math">
+                    <m:r>
+                      <m:rPr>
+                        <m:sty m:val="p"/>
+                      </m:rPr>
+                      <a:rPr kumimoji="1" lang="en-US" altLang="zh-CN" sz="2000" b="0" i="0" smtClean="0">
+                        <a:latin typeface="Cambria Math" panose="02040503050406030204" pitchFamily="18" charset="0"/>
+                      </a:rPr>
+                      <m:t>p</m:t>
+                    </m:r>
+                    <m:r>
+                      <a:rPr kumimoji="1" lang="en-US" altLang="zh-CN" sz="2000" b="0" i="1" smtClean="0">
+                        <a:latin typeface="Cambria Math" panose="02040503050406030204" pitchFamily="18" charset="0"/>
+                      </a:rPr>
+                      <m:t>(</m:t>
+                    </m:r>
+                    <m:r>
+                      <a:rPr kumimoji="1" lang="en-US" altLang="zh-CN" sz="2000" b="0" i="1" smtClean="0">
+                        <a:latin typeface="Cambria Math" panose="02040503050406030204" pitchFamily="18" charset="0"/>
+                      </a:rPr>
+                      <m:t>𝑧</m:t>
+                    </m:r>
+                    <m:r>
+                      <a:rPr kumimoji="1" lang="en-US" altLang="zh-CN" sz="2000" b="0" i="1" smtClean="0">
+                        <a:latin typeface="Cambria Math" panose="02040503050406030204" pitchFamily="18" charset="0"/>
+                      </a:rPr>
+                      <m:t>)</m:t>
+                    </m:r>
+                  </m:oMath>
+                </a14:m>
+                <a:endParaRPr kumimoji="1" lang="en-US" altLang="zh-CN" sz="2000" dirty="0"/>
+              </a:p>
+              <a:p>
+                <a:pPr lvl="1"/>
+                <a:r>
+                  <a:rPr kumimoji="1" lang="en-US" altLang="zh-CN" sz="2000" dirty="0"/>
+                  <a:t>the probability of event </a:t>
+                </a:r>
+                <a:r>
+                  <a:rPr kumimoji="1" lang="en-US" altLang="zh-CN" sz="2000" i="1" dirty="0">
+                    <a:solidFill>
+                      <a:srgbClr val="FF0000"/>
+                    </a:solidFill>
+                  </a:rPr>
+                  <a:t>happened</a:t>
+                </a:r>
+                <a:r>
+                  <a:rPr kumimoji="1" lang="en-US" altLang="zh-CN" sz="2000" dirty="0"/>
+                  <a:t> at that time: </a:t>
+                </a:r>
+                <a14:m>
+                  <m:oMath xmlns:m="http://schemas.openxmlformats.org/officeDocument/2006/math">
+                    <m:r>
+                      <m:rPr>
+                        <m:sty m:val="p"/>
+                      </m:rPr>
+                      <a:rPr kumimoji="1" lang="en-US" altLang="zh-CN" sz="2000" b="0" i="0" smtClean="0">
+                        <a:latin typeface="Cambria Math" panose="02040503050406030204" pitchFamily="18" charset="0"/>
+                      </a:rPr>
+                      <m:t>W</m:t>
+                    </m:r>
+                    <m:d>
+                      <m:dPr>
+                        <m:ctrlPr>
+                          <a:rPr kumimoji="1" lang="en-US" altLang="zh-CN" sz="2000" b="0" i="1" smtClean="0">
+                            <a:latin typeface="Cambria Math" panose="02040503050406030204" pitchFamily="18" charset="0"/>
+                          </a:rPr>
+                        </m:ctrlPr>
+                      </m:dPr>
+                      <m:e>
+                        <m:r>
+                          <a:rPr kumimoji="1" lang="en-US" altLang="zh-CN" sz="2000" b="0" i="1" smtClean="0">
+                            <a:latin typeface="Cambria Math" panose="02040503050406030204" pitchFamily="18" charset="0"/>
+                          </a:rPr>
+                          <m:t>𝑡</m:t>
+                        </m:r>
+                      </m:e>
+                    </m:d>
+                  </m:oMath>
+                </a14:m>
+                <a:endParaRPr kumimoji="1" lang="en-US" altLang="zh-CN" sz="2000" dirty="0"/>
+              </a:p>
+              <a:p>
+                <a:pPr lvl="1"/>
+                <a:r>
+                  <a:rPr kumimoji="1" lang="en-US" altLang="zh-CN" sz="2000" dirty="0"/>
+                  <a:t>The probability of event </a:t>
+                </a:r>
+                <a:r>
+                  <a:rPr kumimoji="1" lang="en-US" altLang="zh-CN" sz="2000" i="1" dirty="0">
+                    <a:solidFill>
+                      <a:schemeClr val="accent6">
+                        <a:lumMod val="75000"/>
+                      </a:schemeClr>
+                    </a:solidFill>
+                  </a:rPr>
+                  <a:t>not happened </a:t>
+                </a:r>
+                <a:r>
+                  <a:rPr kumimoji="1" lang="en-US" altLang="zh-CN" sz="2000" dirty="0"/>
+                  <a:t>at the time: </a:t>
+                </a:r>
+                <a14:m>
+                  <m:oMath xmlns:m="http://schemas.openxmlformats.org/officeDocument/2006/math">
+                    <m:r>
+                      <a:rPr kumimoji="1" lang="en-US" altLang="zh-CN" sz="2000" b="0" i="1" smtClean="0">
+                        <a:latin typeface="Cambria Math" panose="02040503050406030204" pitchFamily="18" charset="0"/>
+                      </a:rPr>
+                      <m:t>𝑆</m:t>
+                    </m:r>
+                    <m:d>
+                      <m:dPr>
+                        <m:ctrlPr>
+                          <a:rPr kumimoji="1" lang="en-US" altLang="zh-CN" sz="2000" b="0" i="1" smtClean="0">
+                            <a:latin typeface="Cambria Math" panose="02040503050406030204" pitchFamily="18" charset="0"/>
+                          </a:rPr>
+                        </m:ctrlPr>
+                      </m:dPr>
+                      <m:e>
+                        <m:r>
+                          <a:rPr kumimoji="1" lang="en-US" altLang="zh-CN" sz="2000" b="0" i="1" smtClean="0">
+                            <a:latin typeface="Cambria Math" panose="02040503050406030204" pitchFamily="18" charset="0"/>
+                          </a:rPr>
+                          <m:t>𝑡</m:t>
+                        </m:r>
+                      </m:e>
+                    </m:d>
+                  </m:oMath>
+                </a14:m>
+                <a:endParaRPr kumimoji="1" lang="en-US" altLang="zh-CN" sz="2000" dirty="0"/>
+              </a:p>
+              <a:p>
+                <a:endParaRPr kumimoji="1" lang="en-US" altLang="zh-CN" dirty="0"/>
+              </a:p>
+              <a:p>
+                <a:pPr lvl="0"/>
+                <a:r>
+                  <a:rPr kumimoji="1" lang="en-US" altLang="zh-CN" dirty="0"/>
+                  <a:t>Overall speaking, there are two goals of survival analysis, </a:t>
+                </a:r>
+              </a:p>
+              <a:p>
+                <a:pPr lvl="0"/>
+                <a:r>
+                  <a:rPr kumimoji="1" lang="en-US" altLang="zh-CN" dirty="0"/>
+                  <a:t>	the 1st is the </a:t>
+                </a:r>
+                <a:r>
+                  <a:rPr kumimoji="1" lang="en-US" altLang="zh-CN" sz="2000" dirty="0"/>
+                  <a:t>Probability density function (P.D.F.) of the event probability, over time.</a:t>
+                </a:r>
+              </a:p>
+              <a:p>
+                <a:pPr lvl="0"/>
+                <a:r>
+                  <a:rPr kumimoji="1" lang="en-US" altLang="zh-CN" sz="2000" dirty="0"/>
+                  <a:t>	the 2nd is the Cumulative distribution function (C.D.F.) of the event </a:t>
+                </a:r>
+                <a:r>
+                  <a:rPr kumimoji="1" lang="en-US" altLang="zh-CN" sz="2000" i="1" dirty="0"/>
+                  <a:t>at the time</a:t>
+                </a:r>
+                <a:r>
+                  <a:rPr kumimoji="1" lang="en-US" altLang="zh-CN" sz="2000" dirty="0"/>
+                  <a:t>.</a:t>
+                </a:r>
+              </a:p>
+              <a:p>
+                <a:pPr lvl="0"/>
+                <a:endParaRPr kumimoji="1" lang="en-US" altLang="zh-CN" sz="2000" dirty="0"/>
+              </a:p>
+              <a:p>
+                <a:pPr lvl="0"/>
+                <a:r>
+                  <a:rPr kumimoji="1" lang="en-US" altLang="zh-CN" sz="2000" dirty="0"/>
+                  <a:t>Note that the PDF and CDF can be calculated from each other.</a:t>
+                </a:r>
+              </a:p>
+              <a:p>
+                <a:pPr lvl="0"/>
+                <a:r>
+                  <a:rPr kumimoji="1" lang="en-US" altLang="zh-CN" sz="2000" dirty="0"/>
+                  <a:t>And the survival rate function S is the inverse of the CDF function W.</a:t>
+                </a:r>
+              </a:p>
+            </p:txBody>
+          </p:sp>
+        </mc:Choice>
+        <mc:Fallback>
+          <p:sp>
+            <p:nvSpPr>
+              <p:cNvPr id="3" name="备注占位符 2"/>
+              <p:cNvSpPr>
+                <a:spLocks noGrp="1"/>
+              </p:cNvSpPr>
+              <p:nvPr>
+                <p:ph type="body" idx="1"/>
+              </p:nvPr>
+            </p:nvSpPr>
+            <p:spPr/>
+            <p:txBody>
+              <a:bodyPr/>
+              <a:lstStyle/>
+              <a:p>
+                <a:r>
+                  <a:rPr kumimoji="1" lang="en-US" altLang="zh-CN" dirty="0"/>
+                  <a:t>Given the feature of the observing sample, the task of survival analysis is to forecast three probabilities.</a:t>
+                </a:r>
+              </a:p>
+              <a:p>
+                <a:r>
+                  <a:rPr kumimoji="1" lang="en-US" altLang="zh-CN" dirty="0"/>
+                  <a:t>They are</a:t>
+                </a:r>
+              </a:p>
+              <a:p>
+                <a:pPr lvl="1"/>
+                <a:r>
+                  <a:rPr kumimoji="1" lang="en-US" altLang="zh-CN" sz="2000" dirty="0"/>
+                  <a:t>the probability of event </a:t>
+                </a:r>
+                <a:r>
+                  <a:rPr kumimoji="1" lang="en-US" altLang="zh-CN" sz="2000" i="1" dirty="0">
+                    <a:solidFill>
+                      <a:srgbClr val="FF0000"/>
+                    </a:solidFill>
+                  </a:rPr>
+                  <a:t>happening</a:t>
+                </a:r>
+                <a:r>
+                  <a:rPr kumimoji="1" lang="en-US" altLang="zh-CN" sz="2000" dirty="0"/>
+                  <a:t> at each time: </a:t>
+                </a:r>
+                <a:r>
+                  <a:rPr kumimoji="1" lang="en-US" altLang="zh-CN" sz="2000" b="0" i="0">
+                    <a:latin typeface="Cambria Math" panose="02040503050406030204" pitchFamily="18" charset="0"/>
+                  </a:rPr>
+                  <a:t>p(𝑧)</a:t>
+                </a:r>
+                <a:endParaRPr kumimoji="1" lang="en-US" altLang="zh-CN" sz="2000" dirty="0"/>
+              </a:p>
+              <a:p>
+                <a:pPr lvl="1"/>
+                <a:r>
+                  <a:rPr kumimoji="1" lang="en-US" altLang="zh-CN" sz="2000" dirty="0"/>
+                  <a:t>the probability of event </a:t>
+                </a:r>
+                <a:r>
+                  <a:rPr kumimoji="1" lang="en-US" altLang="zh-CN" sz="2000" i="1" dirty="0">
+                    <a:solidFill>
+                      <a:srgbClr val="FF0000"/>
+                    </a:solidFill>
+                  </a:rPr>
+                  <a:t>happened</a:t>
+                </a:r>
+                <a:r>
+                  <a:rPr kumimoji="1" lang="en-US" altLang="zh-CN" sz="2000" dirty="0"/>
+                  <a:t> at that time: </a:t>
+                </a:r>
+                <a:r>
+                  <a:rPr kumimoji="1" lang="en-US" altLang="zh-CN" sz="2000" b="0" i="0">
+                    <a:latin typeface="Cambria Math" panose="02040503050406030204" pitchFamily="18" charset="0"/>
+                  </a:rPr>
+                  <a:t>W(𝑡)</a:t>
+                </a:r>
+                <a:endParaRPr kumimoji="1" lang="en-US" altLang="zh-CN" sz="2000" dirty="0"/>
+              </a:p>
+              <a:p>
+                <a:pPr lvl="1"/>
+                <a:r>
+                  <a:rPr kumimoji="1" lang="en-US" altLang="zh-CN" sz="2000" dirty="0"/>
+                  <a:t>The probability of event </a:t>
+                </a:r>
+                <a:r>
+                  <a:rPr kumimoji="1" lang="en-US" altLang="zh-CN" sz="2000" i="1" dirty="0">
+                    <a:solidFill>
+                      <a:schemeClr val="accent6">
+                        <a:lumMod val="75000"/>
+                      </a:schemeClr>
+                    </a:solidFill>
+                  </a:rPr>
+                  <a:t>not happened </a:t>
+                </a:r>
+                <a:r>
+                  <a:rPr kumimoji="1" lang="en-US" altLang="zh-CN" sz="2000" dirty="0"/>
+                  <a:t>at the time: </a:t>
+                </a:r>
+                <a:r>
+                  <a:rPr kumimoji="1" lang="en-US" altLang="zh-CN" sz="2000" b="0" i="0">
+                    <a:latin typeface="Cambria Math" panose="02040503050406030204" pitchFamily="18" charset="0"/>
+                  </a:rPr>
+                  <a:t>𝑆(𝑡)</a:t>
+                </a:r>
+                <a:endParaRPr kumimoji="1" lang="en-US" altLang="zh-CN" sz="2000" dirty="0"/>
+              </a:p>
+              <a:p>
+                <a:endParaRPr kumimoji="1" lang="en-US" altLang="zh-CN" dirty="0"/>
+              </a:p>
+              <a:p>
+                <a:pPr lvl="0"/>
+                <a:r>
+                  <a:rPr kumimoji="1" lang="en-US" altLang="zh-CN" dirty="0"/>
+                  <a:t>Overall speaking, there are two goals of survival analysis, </a:t>
+                </a:r>
+              </a:p>
+              <a:p>
+                <a:pPr lvl="0"/>
+                <a:r>
+                  <a:rPr kumimoji="1" lang="en-US" altLang="zh-CN" dirty="0"/>
+                  <a:t>	the 1st is the </a:t>
+                </a:r>
+                <a:r>
+                  <a:rPr kumimoji="1" lang="en-US" altLang="zh-CN" sz="2000" dirty="0"/>
+                  <a:t>Probability density function (P.D.F.) of the event probability, over time.</a:t>
+                </a:r>
+              </a:p>
+              <a:p>
+                <a:pPr lvl="0"/>
+                <a:r>
+                  <a:rPr kumimoji="1" lang="en-US" altLang="zh-CN" sz="2000" dirty="0"/>
+                  <a:t>	the 2nd is the Cumulative distribution function (C.D.F.) of the event </a:t>
+                </a:r>
+                <a:r>
+                  <a:rPr kumimoji="1" lang="en-US" altLang="zh-CN" sz="2000" i="1" dirty="0"/>
+                  <a:t>at the time</a:t>
+                </a:r>
+                <a:r>
+                  <a:rPr kumimoji="1" lang="en-US" altLang="zh-CN" sz="2000" dirty="0"/>
+                  <a:t>.</a:t>
+                </a:r>
+              </a:p>
+              <a:p>
+                <a:pPr lvl="0"/>
+                <a:endParaRPr kumimoji="1" lang="en-US" altLang="zh-CN" sz="2000" dirty="0"/>
+              </a:p>
+              <a:p>
+                <a:pPr lvl="0"/>
+                <a:r>
+                  <a:rPr kumimoji="1" lang="en-US" altLang="zh-CN" sz="2000" dirty="0"/>
+                  <a:t>Note that the PDF and CDF can be calculated from each other.</a:t>
+                </a:r>
+              </a:p>
+              <a:p>
+                <a:pPr lvl="0"/>
+                <a:r>
+                  <a:rPr kumimoji="1" lang="en-US" altLang="zh-CN" sz="2000" dirty="0"/>
+                  <a:t>And the survival rate function S is the inverse of the CDF function W.</a:t>
+                </a:r>
+              </a:p>
+            </p:txBody>
+          </p:sp>
+        </mc:Fallback>
+      </mc:AlternateContent>
+      <p:sp>
+        <p:nvSpPr>
+          <p:cNvPr id="4" name="灯片编号占位符 3"/>
+          <p:cNvSpPr>
+            <a:spLocks noGrp="1"/>
+          </p:cNvSpPr>
+          <p:nvPr>
+            <p:ph type="sldNum" sz="quarter" idx="5"/>
+          </p:nvPr>
+        </p:nvSpPr>
+        <p:spPr/>
+        <p:txBody>
+          <a:bodyPr/>
+          <a:lstStyle/>
+          <a:p>
+            <a:fld id="{21FDA42E-093A-A34C-8138-7572D4CFC8B2}" type="slidenum">
+              <a:rPr kumimoji="1" lang="zh-CN" altLang="en-US" smtClean="0"/>
+              <a:t>5</a:t>
+            </a:fld>
+            <a:endParaRPr kumimoji="1" lang="zh-CN" altLang="en-US"/>
+          </a:p>
+        </p:txBody>
+      </p:sp>
+    </p:spTree>
+    <p:extLst>
+      <p:ext uri="{BB962C8B-B14F-4D97-AF65-F5344CB8AC3E}">
+        <p14:creationId xmlns:p14="http://schemas.microsoft.com/office/powerpoint/2010/main" val="3110956895"/>
+      </p:ext>
+    </p:extLst>
+  </p:cSld>
+  <p:clrMapOvr>
+    <a:masterClrMapping/>
+  </p:clrMapOvr>
+</p:notes>
+</file>
+
+<file path=ppt/notesSlides/notesSlide6.xml><?xml version="1.0" encoding="utf-8"?>
+<p:notes xmlns:a="http://schemas.openxmlformats.org/drawingml/2006/main" xmlns:r="http://schemas.openxmlformats.org/officeDocument/2006/relationships" xmlns:p="http://schemas.openxmlformats.org/presentationml/2006/main">
+  <p:cSld>
+    <p:spTree>
+      <p:nvGrpSpPr>
+        <p:cNvPr id="1" name=""/>
+        <p:cNvGrpSpPr/>
+        <p:nvPr/>
+      </p:nvGrpSpPr>
+      <p:grpSpPr>
+        <a:xfrm>
+          <a:off x="0" y="0"/>
+          <a:ext cx="0" cy="0"/>
+          <a:chOff x="0" y="0"/>
+          <a:chExt cx="0" cy="0"/>
+        </a:xfrm>
+      </p:grpSpPr>
+      <p:sp>
+        <p:nvSpPr>
+          <p:cNvPr id="2" name="幻灯片图像占位符 1"/>
+          <p:cNvSpPr>
+            <a:spLocks noGrp="1" noRot="1" noChangeAspect="1"/>
+          </p:cNvSpPr>
+          <p:nvPr>
+            <p:ph type="sldImg"/>
+          </p:nvPr>
+        </p:nvSpPr>
+        <p:spPr/>
+      </p:sp>
+      <p:sp>
+        <p:nvSpPr>
+          <p:cNvPr id="3" name="备注占位符 2"/>
+          <p:cNvSpPr>
+            <a:spLocks noGrp="1"/>
+          </p:cNvSpPr>
+          <p:nvPr>
+            <p:ph type="body" idx="1"/>
+          </p:nvPr>
+        </p:nvSpPr>
+        <p:spPr/>
+        <p:txBody>
+          <a:bodyPr/>
+          <a:lstStyle/>
+          <a:p>
+            <a:r>
+              <a:rPr kumimoji="1" lang="en-US" altLang="zh-CN" dirty="0"/>
+              <a:t>There are three challenges in survival analysis.</a:t>
+            </a:r>
+          </a:p>
+          <a:p>
+            <a:endParaRPr kumimoji="1" lang="en-US" altLang="zh-CN" dirty="0"/>
+          </a:p>
+          <a:p>
+            <a:r>
+              <a:rPr kumimoji="1" lang="en-US" altLang="zh-CN" dirty="0"/>
+              <a:t>First, there is no ground truth. We don’t know the true form of the PDF function, or the value of the event probability at each time.</a:t>
+            </a:r>
+          </a:p>
+          <a:p>
+            <a:r>
+              <a:rPr kumimoji="1" lang="en-US" altLang="zh-CN" dirty="0"/>
+              <a:t>Second, the event data are quite sparse.</a:t>
+            </a:r>
+          </a:p>
+          <a:p>
+            <a:endParaRPr kumimoji="1" lang="en-US" altLang="zh-CN" dirty="0"/>
+          </a:p>
+          <a:p>
+            <a:r>
+              <a:rPr kumimoji="1" lang="en-US" altLang="zh-CN" dirty="0"/>
+              <a:t>The third challenge is the censorship issue.</a:t>
+            </a:r>
+            <a:endParaRPr kumimoji="1" lang="zh-CN" altLang="en-US" dirty="0"/>
+          </a:p>
+        </p:txBody>
+      </p:sp>
+      <p:sp>
+        <p:nvSpPr>
+          <p:cNvPr id="4" name="灯片编号占位符 3"/>
+          <p:cNvSpPr>
+            <a:spLocks noGrp="1"/>
+          </p:cNvSpPr>
+          <p:nvPr>
+            <p:ph type="sldNum" sz="quarter" idx="5"/>
+          </p:nvPr>
+        </p:nvSpPr>
+        <p:spPr/>
+        <p:txBody>
+          <a:bodyPr/>
+          <a:lstStyle/>
+          <a:p>
+            <a:fld id="{21FDA42E-093A-A34C-8138-7572D4CFC8B2}" type="slidenum">
+              <a:rPr kumimoji="1" lang="zh-CN" altLang="en-US" smtClean="0"/>
+              <a:t>6</a:t>
+            </a:fld>
+            <a:endParaRPr kumimoji="1" lang="zh-CN" altLang="en-US"/>
+          </a:p>
+        </p:txBody>
+      </p:sp>
+    </p:spTree>
+    <p:extLst>
+      <p:ext uri="{BB962C8B-B14F-4D97-AF65-F5344CB8AC3E}">
+        <p14:creationId xmlns:p14="http://schemas.microsoft.com/office/powerpoint/2010/main" val="3677140862"/>
+      </p:ext>
+    </p:extLst>
+  </p:cSld>
+  <p:clrMapOvr>
+    <a:masterClrMapping/>
+  </p:clrMapOvr>
+</p:notes>
+</file>
+
+<file path=ppt/notesSlides/notesSlide7.xml><?xml version="1.0" encoding="utf-8"?>
+<p:notes xmlns:a="http://schemas.openxmlformats.org/drawingml/2006/main" xmlns:r="http://schemas.openxmlformats.org/officeDocument/2006/relationships" xmlns:p="http://schemas.openxmlformats.org/presentationml/2006/main">
+  <p:cSld>
+    <p:spTree>
+      <p:nvGrpSpPr>
+        <p:cNvPr id="1" name=""/>
+        <p:cNvGrpSpPr/>
+        <p:nvPr/>
+      </p:nvGrpSpPr>
+      <p:grpSpPr>
+        <a:xfrm>
+          <a:off x="0" y="0"/>
+          <a:ext cx="0" cy="0"/>
+          <a:chOff x="0" y="0"/>
+          <a:chExt cx="0" cy="0"/>
+        </a:xfrm>
+      </p:grpSpPr>
+      <p:sp>
+        <p:nvSpPr>
+          <p:cNvPr id="2" name="幻灯片图像占位符 1"/>
+          <p:cNvSpPr>
+            <a:spLocks noGrp="1" noRot="1" noChangeAspect="1"/>
+          </p:cNvSpPr>
+          <p:nvPr>
+            <p:ph type="sldImg"/>
+          </p:nvPr>
+        </p:nvSpPr>
+        <p:spPr/>
+      </p:sp>
+      <p:sp>
+        <p:nvSpPr>
+          <p:cNvPr id="3" name="备注占位符 2"/>
+          <p:cNvSpPr>
+            <a:spLocks noGrp="1"/>
+          </p:cNvSpPr>
+          <p:nvPr>
+            <p:ph type="body" idx="1"/>
+          </p:nvPr>
+        </p:nvSpPr>
+        <p:spPr/>
+        <p:txBody>
+          <a:bodyPr/>
+          <a:lstStyle/>
+          <a:p>
+            <a:r>
+              <a:rPr kumimoji="1" lang="en-US" altLang="zh-CN" dirty="0"/>
+              <a:t>When observing the sample, due to some problems of the observation procedure, there are some censorship in the data.</a:t>
+            </a:r>
+          </a:p>
+          <a:p>
+            <a:endParaRPr kumimoji="1" lang="en-US" altLang="zh-CN" dirty="0"/>
+          </a:p>
+          <a:p>
+            <a:r>
+              <a:rPr kumimoji="1" lang="en-US" altLang="zh-CN" dirty="0"/>
+              <a:t>From the start of the observing study to the end of the study.</a:t>
+            </a:r>
+          </a:p>
+          <a:p>
+            <a:endParaRPr kumimoji="1" lang="en-US" altLang="zh-CN" dirty="0"/>
+          </a:p>
+          <a:p>
+            <a:r>
+              <a:rPr kumimoji="1" lang="en-US" altLang="zh-CN" dirty="0"/>
+              <a:t>If the event happens during the observation, it will be tracked in the log, that is </a:t>
+            </a:r>
+            <a:r>
+              <a:rPr kumimoji="1" lang="en-US" altLang="zh-CN" b="1" dirty="0"/>
+              <a:t>uncensored</a:t>
+            </a:r>
+            <a:r>
+              <a:rPr kumimoji="1" lang="en-US" altLang="zh-CN" dirty="0"/>
+              <a:t> data.</a:t>
+            </a:r>
+          </a:p>
+          <a:p>
+            <a:r>
+              <a:rPr kumimoji="1" lang="en-US" altLang="zh-CN" dirty="0"/>
+              <a:t>If the event would happened after the end of study, we do not know the true event time, that means </a:t>
+            </a:r>
+            <a:r>
+              <a:rPr kumimoji="1" lang="en-US" altLang="zh-CN" b="1" dirty="0"/>
+              <a:t>right censored</a:t>
+            </a:r>
+            <a:r>
+              <a:rPr kumimoji="1" lang="en-US" altLang="zh-CN" b="0" dirty="0"/>
+              <a:t>.</a:t>
+            </a:r>
+          </a:p>
+          <a:p>
+            <a:r>
+              <a:rPr kumimoji="1" lang="en-US" altLang="zh-CN" b="0" dirty="0"/>
+              <a:t>If the event happened before the start of the study, </a:t>
+            </a:r>
+            <a:r>
+              <a:rPr kumimoji="1" lang="en-US" altLang="zh-CN" dirty="0"/>
+              <a:t>we either do not know the true event time, but it is </a:t>
+            </a:r>
+            <a:r>
+              <a:rPr kumimoji="1" lang="en-US" altLang="zh-CN" b="1" dirty="0"/>
+              <a:t>left censorship</a:t>
+            </a:r>
+            <a:r>
+              <a:rPr kumimoji="1" lang="en-US" altLang="zh-CN" b="0" dirty="0"/>
+              <a:t>.</a:t>
+            </a:r>
+          </a:p>
+          <a:p>
+            <a:r>
+              <a:rPr kumimoji="1" lang="en-US" altLang="zh-CN" b="0" dirty="0"/>
+              <a:t>If the event log is lost during the study, that means </a:t>
+            </a:r>
+            <a:r>
+              <a:rPr kumimoji="1" lang="en-US" altLang="zh-CN" b="1" dirty="0"/>
+              <a:t>interval censored</a:t>
+            </a:r>
+            <a:r>
+              <a:rPr kumimoji="1" lang="en-US" altLang="zh-CN" b="0" dirty="0"/>
+              <a:t>.</a:t>
+            </a:r>
+            <a:endParaRPr kumimoji="1" lang="zh-CN" altLang="en-US" dirty="0"/>
+          </a:p>
+        </p:txBody>
+      </p:sp>
+      <p:sp>
+        <p:nvSpPr>
+          <p:cNvPr id="4" name="灯片编号占位符 3"/>
+          <p:cNvSpPr>
+            <a:spLocks noGrp="1"/>
+          </p:cNvSpPr>
+          <p:nvPr>
+            <p:ph type="sldNum" sz="quarter" idx="5"/>
+          </p:nvPr>
+        </p:nvSpPr>
+        <p:spPr/>
+        <p:txBody>
+          <a:bodyPr/>
+          <a:lstStyle/>
+          <a:p>
+            <a:fld id="{21FDA42E-093A-A34C-8138-7572D4CFC8B2}" type="slidenum">
+              <a:rPr kumimoji="1" lang="zh-CN" altLang="en-US" smtClean="0"/>
+              <a:t>7</a:t>
+            </a:fld>
+            <a:endParaRPr kumimoji="1" lang="zh-CN" altLang="en-US"/>
+          </a:p>
+        </p:txBody>
+      </p:sp>
+    </p:spTree>
+    <p:extLst>
+      <p:ext uri="{BB962C8B-B14F-4D97-AF65-F5344CB8AC3E}">
+        <p14:creationId xmlns:p14="http://schemas.microsoft.com/office/powerpoint/2010/main" val="3148623621"/>
+      </p:ext>
+    </p:extLst>
+  </p:cSld>
+  <p:clrMapOvr>
+    <a:masterClrMapping/>
+  </p:clrMapOvr>
+</p:notes>
+</file>
+
+<file path=ppt/notesSlides/notesSlide8.xml><?xml version="1.0" encoding="utf-8"?>
+<p:notes xmlns:a="http://schemas.openxmlformats.org/drawingml/2006/main" xmlns:r="http://schemas.openxmlformats.org/officeDocument/2006/relationships" xmlns:p="http://schemas.openxmlformats.org/presentationml/2006/main">
+  <p:cSld>
+    <p:spTree>
+      <p:nvGrpSpPr>
+        <p:cNvPr id="1" name=""/>
+        <p:cNvGrpSpPr/>
+        <p:nvPr/>
+      </p:nvGrpSpPr>
+      <p:grpSpPr>
+        <a:xfrm>
+          <a:off x="0" y="0"/>
+          <a:ext cx="0" cy="0"/>
+          <a:chOff x="0" y="0"/>
+          <a:chExt cx="0" cy="0"/>
+        </a:xfrm>
+      </p:grpSpPr>
+      <p:sp>
+        <p:nvSpPr>
+          <p:cNvPr id="2" name="幻灯片图像占位符 1"/>
+          <p:cNvSpPr>
+            <a:spLocks noGrp="1" noRot="1" noChangeAspect="1"/>
+          </p:cNvSpPr>
+          <p:nvPr>
+            <p:ph type="sldImg"/>
+          </p:nvPr>
+        </p:nvSpPr>
+        <p:spPr/>
+      </p:sp>
+      <p:sp>
+        <p:nvSpPr>
+          <p:cNvPr id="3" name="备注占位符 2"/>
+          <p:cNvSpPr>
+            <a:spLocks noGrp="1"/>
+          </p:cNvSpPr>
+          <p:nvPr>
+            <p:ph type="body" idx="1"/>
+          </p:nvPr>
+        </p:nvSpPr>
+        <p:spPr/>
+        <p:txBody>
+          <a:bodyPr/>
+          <a:lstStyle/>
+          <a:p>
+            <a:r>
+              <a:rPr kumimoji="1" lang="en-US" altLang="zh-CN" dirty="0"/>
+              <a:t>So for the censored samples, we only have the log of the observing time t, without knowing the true event time z.</a:t>
+            </a:r>
+          </a:p>
+          <a:p>
+            <a:r>
+              <a:rPr kumimoji="1" lang="en-US" altLang="zh-CN" dirty="0"/>
+              <a:t>In most papers, and also in our paper, we focus on the “right censored” data.</a:t>
+            </a:r>
+          </a:p>
+          <a:p>
+            <a:endParaRPr kumimoji="1" lang="en-US" altLang="zh-CN" dirty="0"/>
+          </a:p>
+          <a:p>
+            <a:r>
+              <a:rPr kumimoji="1" lang="en-US" altLang="zh-CN" dirty="0"/>
+              <a:t>Note that, for those right censored data, the observing time t is less than the true event time z.</a:t>
+            </a:r>
+            <a:endParaRPr kumimoji="1" lang="zh-CN" altLang="en-US" dirty="0"/>
+          </a:p>
+        </p:txBody>
+      </p:sp>
+      <p:sp>
+        <p:nvSpPr>
+          <p:cNvPr id="4" name="灯片编号占位符 3"/>
+          <p:cNvSpPr>
+            <a:spLocks noGrp="1"/>
+          </p:cNvSpPr>
+          <p:nvPr>
+            <p:ph type="sldNum" sz="quarter" idx="5"/>
+          </p:nvPr>
+        </p:nvSpPr>
+        <p:spPr/>
+        <p:txBody>
+          <a:bodyPr/>
+          <a:lstStyle/>
+          <a:p>
+            <a:fld id="{21FDA42E-093A-A34C-8138-7572D4CFC8B2}" type="slidenum">
+              <a:rPr kumimoji="1" lang="zh-CN" altLang="en-US" smtClean="0"/>
+              <a:t>8</a:t>
+            </a:fld>
+            <a:endParaRPr kumimoji="1" lang="zh-CN" altLang="en-US"/>
+          </a:p>
+        </p:txBody>
+      </p:sp>
+    </p:spTree>
+    <p:extLst>
+      <p:ext uri="{BB962C8B-B14F-4D97-AF65-F5344CB8AC3E}">
+        <p14:creationId xmlns:p14="http://schemas.microsoft.com/office/powerpoint/2010/main" val="2121941663"/>
+      </p:ext>
+    </p:extLst>
+  </p:cSld>
+  <p:clrMapOvr>
+    <a:masterClrMapping/>
+  </p:clrMapOvr>
+</p:notes>
+</file>
+
+<file path=ppt/notesSlides/notesSlide9.xml><?xml version="1.0" encoding="utf-8"?>
+<p:notes xmlns:a="http://schemas.openxmlformats.org/drawingml/2006/main" xmlns:r="http://schemas.openxmlformats.org/officeDocument/2006/relationships" xmlns:p="http://schemas.openxmlformats.org/presentationml/2006/main">
+  <p:cSld>
+    <p:spTree>
+      <p:nvGrpSpPr>
+        <p:cNvPr id="1" name=""/>
+        <p:cNvGrpSpPr/>
+        <p:nvPr/>
+      </p:nvGrpSpPr>
+      <p:grpSpPr>
+        <a:xfrm>
+          <a:off x="0" y="0"/>
+          <a:ext cx="0" cy="0"/>
+          <a:chOff x="0" y="0"/>
+          <a:chExt cx="0" cy="0"/>
+        </a:xfrm>
+      </p:grpSpPr>
+      <p:sp>
+        <p:nvSpPr>
+          <p:cNvPr id="2" name="幻灯片图像占位符 1"/>
+          <p:cNvSpPr>
+            <a:spLocks noGrp="1" noRot="1" noChangeAspect="1"/>
+          </p:cNvSpPr>
+          <p:nvPr>
+            <p:ph type="sldImg"/>
+          </p:nvPr>
+        </p:nvSpPr>
+        <p:spPr/>
+      </p:sp>
+      <p:sp>
+        <p:nvSpPr>
+          <p:cNvPr id="3" name="备注占位符 2"/>
+          <p:cNvSpPr>
+            <a:spLocks noGrp="1"/>
+          </p:cNvSpPr>
+          <p:nvPr>
+            <p:ph type="body" idx="1"/>
+          </p:nvPr>
+        </p:nvSpPr>
+        <p:spPr/>
+        <p:txBody>
+          <a:bodyPr/>
+          <a:lstStyle/>
+          <a:p>
+            <a:r>
+              <a:rPr kumimoji="1" lang="en-US" altLang="zh-CN" dirty="0"/>
+              <a:t>The data is formed as a set of triples, each triple contains the sample feature x and the observing time t.</a:t>
+            </a:r>
+          </a:p>
+          <a:p>
+            <a:r>
+              <a:rPr kumimoji="1" lang="en-US" altLang="zh-CN" dirty="0"/>
+              <a:t>For the uncensored data, we have known the true event time z and z is less than t.</a:t>
+            </a:r>
+          </a:p>
+          <a:p>
+            <a:r>
+              <a:rPr kumimoji="1" lang="en-US" altLang="zh-CN" dirty="0"/>
+              <a:t>For the censored data, we do not know the true event time z, we only know that z is greater than t.</a:t>
+            </a:r>
+          </a:p>
+          <a:p>
+            <a:endParaRPr kumimoji="1" lang="en-US" altLang="zh-CN" dirty="0"/>
+          </a:p>
+          <a:p>
+            <a:r>
+              <a:rPr kumimoji="1" lang="en-US" altLang="zh-CN" dirty="0"/>
+              <a:t>The survival analysis model </a:t>
+            </a:r>
+          </a:p>
+          <a:p>
+            <a:r>
+              <a:rPr kumimoji="1" lang="en-US" altLang="zh-CN" dirty="0"/>
+              <a:t>	takes in the sample feature x, </a:t>
+            </a:r>
+          </a:p>
+          <a:p>
+            <a:r>
+              <a:rPr kumimoji="1" lang="en-US" altLang="zh-CN" dirty="0"/>
+              <a:t>	and output the probability density function of event time p(z)</a:t>
+            </a:r>
+          </a:p>
+          <a:p>
+            <a:r>
+              <a:rPr kumimoji="1" lang="en-US" altLang="zh-CN" dirty="0"/>
+              <a:t>	and the cumulative density function W and survival rate function S.</a:t>
+            </a:r>
+            <a:endParaRPr kumimoji="1" lang="zh-CN" altLang="en-US" dirty="0"/>
+          </a:p>
+        </p:txBody>
+      </p:sp>
+      <p:sp>
+        <p:nvSpPr>
+          <p:cNvPr id="4" name="灯片编号占位符 3"/>
+          <p:cNvSpPr>
+            <a:spLocks noGrp="1"/>
+          </p:cNvSpPr>
+          <p:nvPr>
+            <p:ph type="sldNum" sz="quarter" idx="5"/>
+          </p:nvPr>
+        </p:nvSpPr>
+        <p:spPr/>
+        <p:txBody>
+          <a:bodyPr/>
+          <a:lstStyle/>
+          <a:p>
+            <a:fld id="{21FDA42E-093A-A34C-8138-7572D4CFC8B2}" type="slidenum">
+              <a:rPr kumimoji="1" lang="zh-CN" altLang="en-US" smtClean="0"/>
+              <a:t>9</a:t>
+            </a:fld>
+            <a:endParaRPr kumimoji="1" lang="zh-CN" altLang="en-US"/>
+          </a:p>
+        </p:txBody>
+      </p:sp>
+    </p:spTree>
+    <p:extLst>
+      <p:ext uri="{BB962C8B-B14F-4D97-AF65-F5344CB8AC3E}">
+        <p14:creationId xmlns:p14="http://schemas.microsoft.com/office/powerpoint/2010/main" val="2493875494"/>
       </p:ext>
     </p:extLst>
   </p:cSld>
@@ -982,7 +5186,7 @@
           <a:p>
             <a:fld id="{28FA76F6-06BC-405D-ABEC-4A7F79F52191}" type="datetimeFigureOut">
               <a:rPr lang="en-US" smtClean="0"/>
-              <a:t>1/29/19</a:t>
+              <a:t>1/30/19</a:t>
             </a:fld>
             <a:endParaRPr lang="en-US"/>
           </a:p>
@@ -1284,7 +5488,7 @@
           <a:p>
             <a:fld id="{28FA76F6-06BC-405D-ABEC-4A7F79F52191}" type="datetimeFigureOut">
               <a:rPr lang="en-US" smtClean="0"/>
-              <a:t>1/29/19</a:t>
+              <a:t>1/30/19</a:t>
             </a:fld>
             <a:endParaRPr lang="en-US"/>
           </a:p>
@@ -1553,7 +5757,7 @@
           <a:p>
             <a:fld id="{28FA76F6-06BC-405D-ABEC-4A7F79F52191}" type="datetimeFigureOut">
               <a:rPr lang="en-US" smtClean="0"/>
-              <a:t>1/29/19</a:t>
+              <a:t>1/30/19</a:t>
             </a:fld>
             <a:endParaRPr lang="en-US"/>
           </a:p>
@@ -1789,7 +5993,7 @@
           <a:p>
             <a:fld id="{28FA76F6-06BC-405D-ABEC-4A7F79F52191}" type="datetimeFigureOut">
               <a:rPr lang="en-US" smtClean="0"/>
-              <a:t>1/29/19</a:t>
+              <a:t>1/30/19</a:t>
             </a:fld>
             <a:endParaRPr lang="en-US"/>
           </a:p>
@@ -2181,7 +6385,7 @@
           <a:p>
             <a:fld id="{28FA76F6-06BC-405D-ABEC-4A7F79F52191}" type="datetimeFigureOut">
               <a:rPr lang="en-US" smtClean="0"/>
-              <a:t>1/29/19</a:t>
+              <a:t>1/30/19</a:t>
             </a:fld>
             <a:endParaRPr lang="en-US"/>
           </a:p>
@@ -2324,7 +6528,7 @@
           <a:p>
             <a:fld id="{28FA76F6-06BC-405D-ABEC-4A7F79F52191}" type="datetimeFigureOut">
               <a:rPr lang="en-US" smtClean="0"/>
-              <a:t>1/29/19</a:t>
+              <a:t>1/30/19</a:t>
             </a:fld>
             <a:endParaRPr lang="en-US"/>
           </a:p>
@@ -2440,7 +6644,7 @@
           <a:p>
             <a:fld id="{28FA76F6-06BC-405D-ABEC-4A7F79F52191}" type="datetimeFigureOut">
               <a:rPr lang="en-US" smtClean="0"/>
-              <a:t>1/29/19</a:t>
+              <a:t>1/30/19</a:t>
             </a:fld>
             <a:endParaRPr lang="en-US"/>
           </a:p>
@@ -2738,7 +6942,7 @@
           <a:p>
             <a:fld id="{28FA76F6-06BC-405D-ABEC-4A7F79F52191}" type="datetimeFigureOut">
               <a:rPr lang="en-US" smtClean="0"/>
-              <a:t>1/29/19</a:t>
+              <a:t>1/30/19</a:t>
             </a:fld>
             <a:endParaRPr lang="en-US"/>
           </a:p>
@@ -3068,7 +7272,7 @@
             <a:fld id="{28FA76F6-06BC-405D-ABEC-4A7F79F52191}" type="datetimeFigureOut">
               <a:rPr lang="en-US" smtClean="0"/>
               <a:pPr/>
-              <a:t>1/29/19</a:t>
+              <a:t>1/30/19</a:t>
             </a:fld>
             <a:endParaRPr lang="en-US"/>
           </a:p>
@@ -3686,7 +7890,7 @@
           <p:nvPr/>
         </p:nvPicPr>
         <p:blipFill>
-          <a:blip r:embed="rId2">
+          <a:blip r:embed="rId3">
             <a:extLst>
               <a:ext uri="{28A0092B-C50C-407E-A947-70E740481C1C}">
                 <a14:useLocalDpi xmlns:a14="http://schemas.microsoft.com/office/drawing/2010/main" val="0"/>
@@ -3699,7 +7903,7 @@
         </p:blipFill>
         <p:spPr>
           <a:xfrm>
-            <a:off x="2540000" y="2710251"/>
+            <a:off x="2540000" y="2791531"/>
             <a:ext cx="4064000" cy="3733800"/>
           </a:xfrm>
           <a:prstGeom prst="rect">
@@ -4089,7 +8293,7 @@
             </p:nvSpPr>
             <p:spPr>
               <a:blipFill>
-                <a:blip r:embed="rId2"/>
+                <a:blip r:embed="rId3"/>
                 <a:stretch>
                   <a:fillRect l="-1447" t="-2459"/>
                 </a:stretch>
@@ -4276,7 +8480,7 @@
           <p:nvPr/>
         </p:nvPicPr>
         <p:blipFill>
-          <a:blip r:embed="rId2">
+          <a:blip r:embed="rId3">
             <a:extLst>
               <a:ext uri="{28A0092B-C50C-407E-A947-70E740481C1C}">
                 <a14:useLocalDpi xmlns:a14="http://schemas.microsoft.com/office/drawing/2010/main" val="0"/>
@@ -4606,7 +8810,7 @@
             </p:nvSpPr>
             <p:spPr>
               <a:blipFill>
-                <a:blip r:embed="rId2"/>
+                <a:blip r:embed="rId3"/>
                 <a:stretch>
                   <a:fillRect l="-1447" t="-2459"/>
                 </a:stretch>
@@ -5837,10 +10041,10 @@
                       </m:sSubPr>
                       <m:e>
                         <m:r>
-                          <a:rPr kumimoji="1" lang="en-US" altLang="zh-CN" i="1">
+                          <a:rPr kumimoji="1" lang="en-US" altLang="zh-CN" b="1" i="1">
                             <a:latin typeface="Cambria Math" panose="02040503050406030204" pitchFamily="18" charset="0"/>
                           </a:rPr>
-                          <m:t>𝑟</m:t>
+                          <m:t>𝒓</m:t>
                         </m:r>
                       </m:e>
                       <m:sub>
@@ -6646,8 +10850,8 @@
               </a:p>
             </p:txBody>
           </p:sp>
-          <mc:AlternateContent xmlns:mc="http://schemas.openxmlformats.org/markup-compatibility/2006">
-            <mc:Choice xmlns:a14="http://schemas.microsoft.com/office/drawing/2010/main" Requires="a14">
+          <mc:AlternateContent xmlns:mc="http://schemas.openxmlformats.org/markup-compatibility/2006" xmlns:a14="http://schemas.microsoft.com/office/drawing/2010/main">
+            <mc:Choice Requires="a14">
               <p:sp>
                 <p:nvSpPr>
                   <p:cNvPr id="26" name="文本框 25">
@@ -6676,6 +10880,7 @@
                   </a:bodyPr>
                   <a:lstStyle/>
                   <a:p>
+                    <a:pPr/>
                     <a14:m>
                       <m:oMathPara xmlns:m="http://schemas.openxmlformats.org/officeDocument/2006/math">
                         <m:oMathParaPr>
@@ -6715,7 +10920,7 @@
                 </p:txBody>
               </p:sp>
             </mc:Choice>
-            <mc:Fallback>
+            <mc:Fallback xmlns="">
               <p:sp>
                 <p:nvSpPr>
                   <p:cNvPr id="26" name="文本框 25">
@@ -6761,8 +10966,8 @@
             </mc:Fallback>
           </mc:AlternateContent>
         </p:grpSp>
-        <mc:AlternateContent xmlns:mc="http://schemas.openxmlformats.org/markup-compatibility/2006">
-          <mc:Choice xmlns:a14="http://schemas.microsoft.com/office/drawing/2010/main" Requires="a14">
+        <mc:AlternateContent xmlns:mc="http://schemas.openxmlformats.org/markup-compatibility/2006" xmlns:a14="http://schemas.microsoft.com/office/drawing/2010/main">
+          <mc:Choice Requires="a14">
             <p:sp>
               <p:nvSpPr>
                 <p:cNvPr id="17" name="文本框 16">
@@ -6791,6 +10996,7 @@
                 </a:bodyPr>
                 <a:lstStyle/>
                 <a:p>
+                  <a:pPr/>
                   <a14:m>
                     <m:oMathPara xmlns:m="http://schemas.openxmlformats.org/officeDocument/2006/math">
                       <m:oMathParaPr>
@@ -6830,7 +11036,7 @@
               </p:txBody>
             </p:sp>
           </mc:Choice>
-          <mc:Fallback>
+          <mc:Fallback xmlns="">
             <p:sp>
               <p:nvSpPr>
                 <p:cNvPr id="17" name="文本框 16">
@@ -6875,8 +11081,8 @@
             </p:sp>
           </mc:Fallback>
         </mc:AlternateContent>
-        <mc:AlternateContent xmlns:mc="http://schemas.openxmlformats.org/markup-compatibility/2006">
-          <mc:Choice xmlns:a14="http://schemas.microsoft.com/office/drawing/2010/main" Requires="a14">
+        <mc:AlternateContent xmlns:mc="http://schemas.openxmlformats.org/markup-compatibility/2006" xmlns:a14="http://schemas.microsoft.com/office/drawing/2010/main">
+          <mc:Choice Requires="a14">
             <p:sp>
               <p:nvSpPr>
                 <p:cNvPr id="18" name="文本框 17">
@@ -6905,6 +11111,7 @@
                 </a:bodyPr>
                 <a:lstStyle/>
                 <a:p>
+                  <a:pPr/>
                   <a14:m>
                     <m:oMathPara xmlns:m="http://schemas.openxmlformats.org/officeDocument/2006/math">
                       <m:oMathParaPr>
@@ -6944,7 +11151,7 @@
               </p:txBody>
             </p:sp>
           </mc:Choice>
-          <mc:Fallback>
+          <mc:Fallback xmlns="">
             <p:sp>
               <p:nvSpPr>
                 <p:cNvPr id="18" name="文本框 17">
@@ -6989,8 +11196,8 @@
             </p:sp>
           </mc:Fallback>
         </mc:AlternateContent>
-        <mc:AlternateContent xmlns:mc="http://schemas.openxmlformats.org/markup-compatibility/2006">
-          <mc:Choice xmlns:a14="http://schemas.microsoft.com/office/drawing/2010/main" Requires="a14">
+        <mc:AlternateContent xmlns:mc="http://schemas.openxmlformats.org/markup-compatibility/2006" xmlns:a14="http://schemas.microsoft.com/office/drawing/2010/main">
+          <mc:Choice Requires="a14">
             <p:sp>
               <p:nvSpPr>
                 <p:cNvPr id="19" name="文本框 18">
@@ -7019,6 +11226,7 @@
                 </a:bodyPr>
                 <a:lstStyle/>
                 <a:p>
+                  <a:pPr/>
                   <a14:m>
                     <m:oMathPara xmlns:m="http://schemas.openxmlformats.org/officeDocument/2006/math">
                       <m:oMathParaPr>
@@ -7064,7 +11272,7 @@
               </p:txBody>
             </p:sp>
           </mc:Choice>
-          <mc:Fallback>
+          <mc:Fallback xmlns="">
             <p:sp>
               <p:nvSpPr>
                 <p:cNvPr id="19" name="文本框 18">
@@ -7109,8 +11317,8 @@
             </p:sp>
           </mc:Fallback>
         </mc:AlternateContent>
-        <mc:AlternateContent xmlns:mc="http://schemas.openxmlformats.org/markup-compatibility/2006">
-          <mc:Choice xmlns:a14="http://schemas.microsoft.com/office/drawing/2010/main" Requires="a14">
+        <mc:AlternateContent xmlns:mc="http://schemas.openxmlformats.org/markup-compatibility/2006" xmlns:a14="http://schemas.microsoft.com/office/drawing/2010/main">
+          <mc:Choice Requires="a14">
             <p:sp>
               <p:nvSpPr>
                 <p:cNvPr id="20" name="文本框 19">
@@ -7139,6 +11347,7 @@
                 </a:bodyPr>
                 <a:lstStyle/>
                 <a:p>
+                  <a:pPr/>
                   <a14:m>
                     <m:oMathPara xmlns:m="http://schemas.openxmlformats.org/officeDocument/2006/math">
                       <m:oMathParaPr>
@@ -7184,7 +11393,7 @@
               </p:txBody>
             </p:sp>
           </mc:Choice>
-          <mc:Fallback>
+          <mc:Fallback xmlns="">
             <p:sp>
               <p:nvSpPr>
                 <p:cNvPr id="20" name="文本框 19">
@@ -7229,8 +11438,8 @@
             </p:sp>
           </mc:Fallback>
         </mc:AlternateContent>
-        <mc:AlternateContent xmlns:mc="http://schemas.openxmlformats.org/markup-compatibility/2006">
-          <mc:Choice xmlns:a14="http://schemas.microsoft.com/office/drawing/2010/main" Requires="a14">
+        <mc:AlternateContent xmlns:mc="http://schemas.openxmlformats.org/markup-compatibility/2006" xmlns:a14="http://schemas.microsoft.com/office/drawing/2010/main">
+          <mc:Choice Requires="a14">
             <p:sp>
               <p:nvSpPr>
                 <p:cNvPr id="21" name="文本框 20">
@@ -7259,6 +11468,7 @@
                 </a:bodyPr>
                 <a:lstStyle/>
                 <a:p>
+                  <a:pPr/>
                   <a14:m>
                     <m:oMathPara xmlns:m="http://schemas.openxmlformats.org/officeDocument/2006/math">
                       <m:oMathParaPr>
@@ -7298,7 +11508,7 @@
               </p:txBody>
             </p:sp>
           </mc:Choice>
-          <mc:Fallback>
+          <mc:Fallback xmlns="">
             <p:sp>
               <p:nvSpPr>
                 <p:cNvPr id="21" name="文本框 20">
@@ -7343,8 +11553,8 @@
             </p:sp>
           </mc:Fallback>
         </mc:AlternateContent>
-        <mc:AlternateContent xmlns:mc="http://schemas.openxmlformats.org/markup-compatibility/2006">
-          <mc:Choice xmlns:a14="http://schemas.microsoft.com/office/drawing/2010/main" Requires="a14">
+        <mc:AlternateContent xmlns:mc="http://schemas.openxmlformats.org/markup-compatibility/2006" xmlns:a14="http://schemas.microsoft.com/office/drawing/2010/main">
+          <mc:Choice Requires="a14">
             <p:sp>
               <p:nvSpPr>
                 <p:cNvPr id="22" name="文本框 21">
@@ -7373,6 +11583,7 @@
                 </a:bodyPr>
                 <a:lstStyle/>
                 <a:p>
+                  <a:pPr/>
                   <a14:m>
                     <m:oMathPara xmlns:m="http://schemas.openxmlformats.org/officeDocument/2006/math">
                       <m:oMathParaPr>
@@ -7418,7 +11629,7 @@
               </p:txBody>
             </p:sp>
           </mc:Choice>
-          <mc:Fallback>
+          <mc:Fallback xmlns="">
             <p:sp>
               <p:nvSpPr>
                 <p:cNvPr id="22" name="文本框 21">
@@ -7463,8 +11674,8 @@
             </p:sp>
           </mc:Fallback>
         </mc:AlternateContent>
-        <mc:AlternateContent xmlns:mc="http://schemas.openxmlformats.org/markup-compatibility/2006">
-          <mc:Choice xmlns:a14="http://schemas.microsoft.com/office/drawing/2010/main" Requires="a14">
+        <mc:AlternateContent xmlns:mc="http://schemas.openxmlformats.org/markup-compatibility/2006" xmlns:a14="http://schemas.microsoft.com/office/drawing/2010/main">
+          <mc:Choice Requires="a14">
             <p:sp>
               <p:nvSpPr>
                 <p:cNvPr id="23" name="文本框 22">
@@ -7493,6 +11704,7 @@
                 </a:bodyPr>
                 <a:lstStyle/>
                 <a:p>
+                  <a:pPr/>
                   <a14:m>
                     <m:oMathPara xmlns:m="http://schemas.openxmlformats.org/officeDocument/2006/math">
                       <m:oMathParaPr>
@@ -7538,7 +11750,7 @@
               </p:txBody>
             </p:sp>
           </mc:Choice>
-          <mc:Fallback>
+          <mc:Fallback xmlns="">
             <p:sp>
               <p:nvSpPr>
                 <p:cNvPr id="23" name="文本框 22">
@@ -7653,8 +11865,8 @@
           <a:chExt cx="0" cy="0"/>
         </a:xfrm>
       </p:grpSpPr>
-      <mc:AlternateContent xmlns:mc="http://schemas.openxmlformats.org/markup-compatibility/2006" xmlns:a14="http://schemas.microsoft.com/office/drawing/2010/main">
-        <mc:Choice Requires="a14">
+      <mc:AlternateContent xmlns:mc="http://schemas.openxmlformats.org/markup-compatibility/2006">
+        <mc:Choice xmlns:a14="http://schemas.microsoft.com/office/drawing/2010/main" Requires="a14">
           <p:sp>
             <p:nvSpPr>
               <p:cNvPr id="4" name="内容占位符 3">
@@ -7681,7 +11893,7 @@
                 <a14:m>
                   <m:oMath xmlns:m="http://schemas.openxmlformats.org/officeDocument/2006/math">
                     <m:r>
-                      <a:rPr kumimoji="1" lang="en-US" altLang="zh-CN">
+                      <a:rPr kumimoji="1" lang="en-US" altLang="zh-CN" smtClean="0">
                         <a:latin typeface="Cambria Math" panose="02040503050406030204" pitchFamily="18" charset="0"/>
                       </a:rPr>
                       <m:t> </m:t>
@@ -7701,12 +11913,31 @@
                         </m:ctrlPr>
                       </m:dPr>
                       <m:e>
-                        <m:r>
-                          <a:rPr kumimoji="1" lang="en-US" altLang="zh-CN" i="1">
-                            <a:latin typeface="Cambria Math" panose="02040503050406030204" pitchFamily="18" charset="0"/>
-                          </a:rPr>
-                          <m:t>𝑡</m:t>
-                        </m:r>
+                        <m:sSub>
+                          <m:sSubPr>
+                            <m:ctrlPr>
+                              <a:rPr kumimoji="1" lang="en-US" altLang="zh-CN" b="0" i="1" smtClean="0">
+                                <a:latin typeface="Cambria Math" panose="02040503050406030204" pitchFamily="18" charset="0"/>
+                              </a:rPr>
+                            </m:ctrlPr>
+                          </m:sSubPr>
+                          <m:e>
+                            <m:r>
+                              <a:rPr kumimoji="1" lang="en-US" altLang="zh-CN" b="0" i="1" smtClean="0">
+                                <a:latin typeface="Cambria Math" panose="02040503050406030204" pitchFamily="18" charset="0"/>
+                              </a:rPr>
+                              <m:t>𝑡</m:t>
+                            </m:r>
+                          </m:e>
+                          <m:sub>
+                            <m:r>
+                              <a:rPr kumimoji="1" lang="en-US" altLang="zh-CN" b="0" i="1" smtClean="0">
+                                <a:latin typeface="Cambria Math" panose="02040503050406030204" pitchFamily="18" charset="0"/>
+                              </a:rPr>
+                              <m:t>𝑙</m:t>
+                            </m:r>
+                          </m:sub>
+                        </m:sSub>
                       </m:e>
                       <m:e>
                         <m:r>
@@ -7773,12 +12004,31 @@
                             </m:ctrlPr>
                           </m:dPr>
                           <m:e>
-                            <m:r>
-                              <a:rPr kumimoji="1" lang="en-US" altLang="zh-CN" i="1">
-                                <a:latin typeface="Cambria Math" panose="02040503050406030204" pitchFamily="18" charset="0"/>
-                              </a:rPr>
-                              <m:t>𝑡</m:t>
-                            </m:r>
+                            <m:sSub>
+                              <m:sSubPr>
+                                <m:ctrlPr>
+                                  <a:rPr kumimoji="1" lang="en-US" altLang="zh-CN" b="0" i="1" smtClean="0">
+                                    <a:latin typeface="Cambria Math" panose="02040503050406030204" pitchFamily="18" charset="0"/>
+                                  </a:rPr>
+                                </m:ctrlPr>
+                              </m:sSubPr>
+                              <m:e>
+                                <m:r>
+                                  <a:rPr kumimoji="1" lang="en-US" altLang="zh-CN" i="1">
+                                    <a:latin typeface="Cambria Math" panose="02040503050406030204" pitchFamily="18" charset="0"/>
+                                  </a:rPr>
+                                  <m:t>𝑡</m:t>
+                                </m:r>
+                              </m:e>
+                              <m:sub>
+                                <m:r>
+                                  <a:rPr kumimoji="1" lang="en-US" altLang="zh-CN" b="0" i="1" smtClean="0">
+                                    <a:latin typeface="Cambria Math" panose="02040503050406030204" pitchFamily="18" charset="0"/>
+                                  </a:rPr>
+                                  <m:t>𝑙</m:t>
+                                </m:r>
+                              </m:sub>
+                            </m:sSub>
                             <m:r>
                               <a:rPr kumimoji="1" lang="en-US" altLang="zh-CN" i="1">
                                 <a:latin typeface="Cambria Math" panose="02040503050406030204" pitchFamily="18" charset="0"/>
@@ -8894,12 +13144,31 @@
                         </m:ctrlPr>
                       </m:dPr>
                       <m:e>
-                        <m:r>
-                          <a:rPr kumimoji="1" lang="en-US" altLang="zh-CN" i="1">
-                            <a:latin typeface="Cambria Math" panose="02040503050406030204" pitchFamily="18" charset="0"/>
-                          </a:rPr>
-                          <m:t>𝑡</m:t>
-                        </m:r>
+                        <m:sSub>
+                          <m:sSubPr>
+                            <m:ctrlPr>
+                              <a:rPr kumimoji="1" lang="en-US" altLang="zh-CN" b="0" i="1" smtClean="0">
+                                <a:latin typeface="Cambria Math" panose="02040503050406030204" pitchFamily="18" charset="0"/>
+                              </a:rPr>
+                            </m:ctrlPr>
+                          </m:sSubPr>
+                          <m:e>
+                            <m:r>
+                              <a:rPr kumimoji="1" lang="en-US" altLang="zh-CN" i="1">
+                                <a:latin typeface="Cambria Math" panose="02040503050406030204" pitchFamily="18" charset="0"/>
+                              </a:rPr>
+                              <m:t>𝑡</m:t>
+                            </m:r>
+                          </m:e>
+                          <m:sub>
+                            <m:r>
+                              <a:rPr kumimoji="1" lang="en-US" altLang="zh-CN" b="0" i="1" smtClean="0">
+                                <a:latin typeface="Cambria Math" panose="02040503050406030204" pitchFamily="18" charset="0"/>
+                              </a:rPr>
+                              <m:t>𝑙</m:t>
+                            </m:r>
+                          </m:sub>
+                        </m:sSub>
                       </m:e>
                       <m:e>
                         <m:r>
@@ -9340,7 +13609,7 @@
             </p:txBody>
           </p:sp>
         </mc:Choice>
-        <mc:Fallback xmlns="">
+        <mc:Fallback>
           <p:sp>
             <p:nvSpPr>
               <p:cNvPr id="4" name="内容占位符 3">
@@ -9359,7 +13628,7 @@
             </p:nvSpPr>
             <p:spPr>
               <a:blipFill>
-                <a:blip r:embed="rId2"/>
+                <a:blip r:embed="rId3"/>
                 <a:stretch>
                   <a:fillRect l="-1447" t="-2186" b="-21038"/>
                 </a:stretch>
@@ -9968,7 +14237,7 @@
                 <a:avLst/>
               </a:prstGeom>
               <a:blipFill>
-                <a:blip r:embed="rId3"/>
+                <a:blip r:embed="rId4"/>
                 <a:stretch>
                   <a:fillRect t="-3509" b="-5263"/>
                 </a:stretch>
@@ -10102,7 +14371,7 @@
 </file>
 
 <file path=ppt/slides/slide18.xml><?xml version="1.0" encoding="utf-8"?>
-<p:sld xmlns:a="http://schemas.openxmlformats.org/drawingml/2006/main" xmlns:r="http://schemas.openxmlformats.org/officeDocument/2006/relationships" xmlns:p="http://schemas.openxmlformats.org/presentationml/2006/main" show="0">
+<p:sld xmlns:a="http://schemas.openxmlformats.org/drawingml/2006/main" xmlns:r="http://schemas.openxmlformats.org/officeDocument/2006/relationships" xmlns:p="http://schemas.openxmlformats.org/presentationml/2006/main">
   <p:cSld>
     <p:spTree>
       <p:nvGrpSpPr>
@@ -10118,44 +14387,12 @@
           <a:chExt cx="0" cy="0"/>
         </a:xfrm>
       </p:grpSpPr>
-      <p:pic>
-        <p:nvPicPr>
-          <p:cNvPr id="10" name="内容占位符 9">
-            <a:extLst>
-              <a:ext uri="{FF2B5EF4-FFF2-40B4-BE49-F238E27FC236}">
-                <a16:creationId xmlns:a16="http://schemas.microsoft.com/office/drawing/2014/main" id="{32847DBC-1DCC-C740-989F-A2F2FA04D2A9}"/>
-              </a:ext>
-            </a:extLst>
-          </p:cNvPr>
-          <p:cNvPicPr>
-            <a:picLocks noGrp="1" noChangeAspect="1"/>
-          </p:cNvPicPr>
-          <p:nvPr>
-            <p:ph idx="1"/>
-          </p:nvPr>
-        </p:nvPicPr>
-        <p:blipFill>
-          <a:blip r:embed="rId2"/>
-          <a:stretch>
-            <a:fillRect/>
-          </a:stretch>
-        </p:blipFill>
-        <p:spPr>
-          <a:xfrm>
-            <a:off x="1011668" y="1563549"/>
-            <a:ext cx="6045200" cy="3060700"/>
-          </a:xfrm>
-          <a:prstGeom prst="rect">
-            <a:avLst/>
-          </a:prstGeom>
-        </p:spPr>
-      </p:pic>
       <p:sp>
         <p:nvSpPr>
           <p:cNvPr id="2" name="标题 1">
             <a:extLst>
               <a:ext uri="{FF2B5EF4-FFF2-40B4-BE49-F238E27FC236}">
-                <a16:creationId xmlns:a16="http://schemas.microsoft.com/office/drawing/2014/main" id="{B1EADA5E-C920-E940-BF62-DF5D3B4D2AA3}"/>
+                <a16:creationId xmlns:a16="http://schemas.microsoft.com/office/drawing/2014/main" id="{72EC1071-3355-3141-B637-F4E6B0BAD0EE}"/>
               </a:ext>
             </a:extLst>
           </p:cNvPr>
@@ -10168,29 +14405,12 @@
         </p:nvSpPr>
         <p:spPr/>
         <p:txBody>
-          <a:bodyPr>
-            <a:normAutofit fontScale="90000"/>
-          </a:bodyPr>
+          <a:bodyPr/>
           <a:lstStyle/>
           <a:p>
             <a:r>
               <a:rPr kumimoji="1" lang="en-US" altLang="zh-CN" dirty="0"/>
-              <a:t>Relationships among</a:t>
-            </a:r>
-            <a:br>
-              <a:rPr kumimoji="1" lang="en-US" altLang="zh-CN" dirty="0"/>
-            </a:br>
-            <a:r>
-              <a:rPr kumimoji="1" lang="en-US" altLang="zh-CN" dirty="0"/>
-              <a:t>Probability</a:t>
-            </a:r>
-            <a:r>
-              <a:rPr kumimoji="1" lang="zh-CN" altLang="en-US" dirty="0"/>
-              <a:t> </a:t>
-            </a:r>
-            <a:r>
-              <a:rPr kumimoji="1" lang="en-US" altLang="zh-CN" dirty="0"/>
-              <a:t>Functions</a:t>
+              <a:t>The Recurrent Model</a:t>
             </a:r>
             <a:endParaRPr kumimoji="1" lang="zh-CN" altLang="en-US" dirty="0"/>
           </a:p>
@@ -10198,10 +14418,10 @@
       </p:sp>
       <p:pic>
         <p:nvPicPr>
-          <p:cNvPr id="5" name="图片 4">
+          <p:cNvPr id="8" name="图片 7">
             <a:extLst>
               <a:ext uri="{FF2B5EF4-FFF2-40B4-BE49-F238E27FC236}">
-                <a16:creationId xmlns:a16="http://schemas.microsoft.com/office/drawing/2014/main" id="{E4384853-8092-BB43-B8B9-ECD56F4A685E}"/>
+                <a16:creationId xmlns:a16="http://schemas.microsoft.com/office/drawing/2014/main" id="{2EA0C4F7-D4D8-424C-9D30-D8CB0FD2622C}"/>
               </a:ext>
             </a:extLst>
           </p:cNvPr>
@@ -10218,710 +14438,18 @@
         </p:blipFill>
         <p:spPr>
           <a:xfrm>
-            <a:off x="1141266" y="4735083"/>
-            <a:ext cx="5448300" cy="825500"/>
+            <a:off x="0" y="1782048"/>
+            <a:ext cx="9144000" cy="4394915"/>
           </a:xfrm>
           <a:prstGeom prst="rect">
             <a:avLst/>
           </a:prstGeom>
         </p:spPr>
       </p:pic>
-      <p:pic>
-        <p:nvPicPr>
-          <p:cNvPr id="6" name="图片 5">
-            <a:extLst>
-              <a:ext uri="{FF2B5EF4-FFF2-40B4-BE49-F238E27FC236}">
-                <a16:creationId xmlns:a16="http://schemas.microsoft.com/office/drawing/2014/main" id="{D47D998A-8135-B44D-8021-C39BB15CF46A}"/>
-              </a:ext>
-            </a:extLst>
-          </p:cNvPr>
-          <p:cNvPicPr>
-            <a:picLocks noChangeAspect="1"/>
-          </p:cNvPicPr>
-          <p:nvPr/>
-        </p:nvPicPr>
-        <p:blipFill>
-          <a:blip r:embed="rId4"/>
-          <a:stretch>
-            <a:fillRect/>
-          </a:stretch>
-        </p:blipFill>
-        <p:spPr>
-          <a:xfrm>
-            <a:off x="1560366" y="5683251"/>
-            <a:ext cx="4610100" cy="673100"/>
-          </a:xfrm>
-          <a:prstGeom prst="rect">
-            <a:avLst/>
-          </a:prstGeom>
-        </p:spPr>
-      </p:pic>
-      <mc:AlternateContent xmlns:mc="http://schemas.openxmlformats.org/markup-compatibility/2006" xmlns:a14="http://schemas.microsoft.com/office/drawing/2010/main">
-        <mc:Choice Requires="a14">
-          <p:sp>
-            <p:nvSpPr>
-              <p:cNvPr id="7" name="文本框 6">
-                <a:extLst>
-                  <a:ext uri="{FF2B5EF4-FFF2-40B4-BE49-F238E27FC236}">
-                    <a16:creationId xmlns:a16="http://schemas.microsoft.com/office/drawing/2014/main" id="{66FECAB0-06F3-BB44-BD42-86B0BCC2DBD8}"/>
-                  </a:ext>
-                </a:extLst>
-              </p:cNvPr>
-              <p:cNvSpPr txBox="1"/>
-              <p:nvPr/>
-            </p:nvSpPr>
-            <p:spPr>
-              <a:xfrm>
-                <a:off x="4585019" y="3979328"/>
-                <a:ext cx="4240328" cy="646331"/>
-              </a:xfrm>
-              <a:prstGeom prst="rect">
-                <a:avLst/>
-              </a:prstGeom>
-              <a:ln>
-                <a:noFill/>
-              </a:ln>
-            </p:spPr>
-            <p:style>
-              <a:lnRef idx="2">
-                <a:schemeClr val="accent1"/>
-              </a:lnRef>
-              <a:fillRef idx="1">
-                <a:schemeClr val="lt1"/>
-              </a:fillRef>
-              <a:effectRef idx="0">
-                <a:schemeClr val="accent1"/>
-              </a:effectRef>
-              <a:fontRef idx="minor">
-                <a:schemeClr val="dk1"/>
-              </a:fontRef>
-            </p:style>
-            <p:txBody>
-              <a:bodyPr wrap="none" rtlCol="0">
-                <a:spAutoFit/>
-              </a:bodyPr>
-              <a:lstStyle/>
-              <a:p>
-                <a:pPr algn="ctr"/>
-                <a:r>
-                  <a:rPr kumimoji="1" lang="en-US" altLang="zh-CN" dirty="0">
-                    <a:solidFill>
-                      <a:srgbClr val="FF0000"/>
-                    </a:solidFill>
-                  </a:rPr>
-                  <a:t>Probability chain rule</a:t>
-                </a:r>
-              </a:p>
-              <a:p>
-                <a:pPr algn="ctr"/>
-                <a14:m>
-                  <m:oMathPara xmlns:m="http://schemas.openxmlformats.org/officeDocument/2006/math">
-                    <m:oMathParaPr>
-                      <m:jc m:val="centerGroup"/>
-                    </m:oMathParaPr>
-                    <m:oMath xmlns:m="http://schemas.openxmlformats.org/officeDocument/2006/math">
-                      <m:r>
-                        <a:rPr kumimoji="1" lang="en-US" altLang="zh-CN" b="0" i="1" smtClean="0">
-                          <a:solidFill>
-                            <a:srgbClr val="FF0000"/>
-                          </a:solidFill>
-                          <a:latin typeface="Cambria Math" panose="02040503050406030204" pitchFamily="18" charset="0"/>
-                        </a:rPr>
-                        <m:t>𝑃</m:t>
-                      </m:r>
-                      <m:d>
-                        <m:dPr>
-                          <m:ctrlPr>
-                            <a:rPr kumimoji="1" lang="en-US" altLang="zh-CN" b="0" i="1" smtClean="0">
-                              <a:solidFill>
-                                <a:srgbClr val="FF0000"/>
-                              </a:solidFill>
-                              <a:latin typeface="Cambria Math" panose="02040503050406030204" pitchFamily="18" charset="0"/>
-                            </a:rPr>
-                          </m:ctrlPr>
-                        </m:dPr>
-                        <m:e>
-                          <m:sSub>
-                            <m:sSubPr>
-                              <m:ctrlPr>
-                                <a:rPr kumimoji="1" lang="en-US" altLang="zh-CN" b="0" i="1" smtClean="0">
-                                  <a:solidFill>
-                                    <a:srgbClr val="FF0000"/>
-                                  </a:solidFill>
-                                  <a:latin typeface="Cambria Math" panose="02040503050406030204" pitchFamily="18" charset="0"/>
-                                </a:rPr>
-                              </m:ctrlPr>
-                            </m:sSubPr>
-                            <m:e>
-                              <m:r>
-                                <a:rPr kumimoji="1" lang="en-US" altLang="zh-CN" b="0" i="1" smtClean="0">
-                                  <a:solidFill>
-                                    <a:srgbClr val="FF0000"/>
-                                  </a:solidFill>
-                                  <a:latin typeface="Cambria Math" panose="02040503050406030204" pitchFamily="18" charset="0"/>
-                                </a:rPr>
-                                <m:t>𝑒</m:t>
-                              </m:r>
-                            </m:e>
-                            <m:sub>
-                              <m:r>
-                                <a:rPr kumimoji="1" lang="en-US" altLang="zh-CN" b="0" i="1" smtClean="0">
-                                  <a:solidFill>
-                                    <a:srgbClr val="FF0000"/>
-                                  </a:solidFill>
-                                  <a:latin typeface="Cambria Math" panose="02040503050406030204" pitchFamily="18" charset="0"/>
-                                </a:rPr>
-                                <m:t>1</m:t>
-                              </m:r>
-                            </m:sub>
-                          </m:sSub>
-                          <m:r>
-                            <a:rPr kumimoji="1" lang="en-US" altLang="zh-CN" b="0" i="1" smtClean="0">
-                              <a:solidFill>
-                                <a:srgbClr val="FF0000"/>
-                              </a:solidFill>
-                              <a:latin typeface="Cambria Math" panose="02040503050406030204" pitchFamily="18" charset="0"/>
-                            </a:rPr>
-                            <m:t>, </m:t>
-                          </m:r>
-                          <m:sSub>
-                            <m:sSubPr>
-                              <m:ctrlPr>
-                                <a:rPr kumimoji="1" lang="en-US" altLang="zh-CN" b="0" i="1" smtClean="0">
-                                  <a:solidFill>
-                                    <a:srgbClr val="FF0000"/>
-                                  </a:solidFill>
-                                  <a:latin typeface="Cambria Math" panose="02040503050406030204" pitchFamily="18" charset="0"/>
-                                </a:rPr>
-                              </m:ctrlPr>
-                            </m:sSubPr>
-                            <m:e>
-                              <m:r>
-                                <a:rPr kumimoji="1" lang="en-US" altLang="zh-CN" b="0" i="1" smtClean="0">
-                                  <a:solidFill>
-                                    <a:srgbClr val="FF0000"/>
-                                  </a:solidFill>
-                                  <a:latin typeface="Cambria Math" panose="02040503050406030204" pitchFamily="18" charset="0"/>
-                                </a:rPr>
-                                <m:t>𝑒</m:t>
-                              </m:r>
-                            </m:e>
-                            <m:sub>
-                              <m:r>
-                                <a:rPr kumimoji="1" lang="en-US" altLang="zh-CN" b="0" i="1" smtClean="0">
-                                  <a:solidFill>
-                                    <a:srgbClr val="FF0000"/>
-                                  </a:solidFill>
-                                  <a:latin typeface="Cambria Math" panose="02040503050406030204" pitchFamily="18" charset="0"/>
-                                </a:rPr>
-                                <m:t>2</m:t>
-                              </m:r>
-                            </m:sub>
-                          </m:sSub>
-                          <m:r>
-                            <a:rPr kumimoji="1" lang="en-US" altLang="zh-CN" b="0" i="1" smtClean="0">
-                              <a:solidFill>
-                                <a:srgbClr val="FF0000"/>
-                              </a:solidFill>
-                              <a:latin typeface="Cambria Math" panose="02040503050406030204" pitchFamily="18" charset="0"/>
-                            </a:rPr>
-                            <m:t>, </m:t>
-                          </m:r>
-                          <m:sSub>
-                            <m:sSubPr>
-                              <m:ctrlPr>
-                                <a:rPr kumimoji="1" lang="en-US" altLang="zh-CN" b="0" i="1" smtClean="0">
-                                  <a:solidFill>
-                                    <a:srgbClr val="FF0000"/>
-                                  </a:solidFill>
-                                  <a:latin typeface="Cambria Math" panose="02040503050406030204" pitchFamily="18" charset="0"/>
-                                </a:rPr>
-                              </m:ctrlPr>
-                            </m:sSubPr>
-                            <m:e>
-                              <m:r>
-                                <a:rPr kumimoji="1" lang="en-US" altLang="zh-CN" b="0" i="1" smtClean="0">
-                                  <a:solidFill>
-                                    <a:srgbClr val="FF0000"/>
-                                  </a:solidFill>
-                                  <a:latin typeface="Cambria Math" panose="02040503050406030204" pitchFamily="18" charset="0"/>
-                                </a:rPr>
-                                <m:t>𝑒</m:t>
-                              </m:r>
-                            </m:e>
-                            <m:sub>
-                              <m:r>
-                                <a:rPr kumimoji="1" lang="en-US" altLang="zh-CN" b="0" i="1" smtClean="0">
-                                  <a:solidFill>
-                                    <a:srgbClr val="FF0000"/>
-                                  </a:solidFill>
-                                  <a:latin typeface="Cambria Math" panose="02040503050406030204" pitchFamily="18" charset="0"/>
-                                </a:rPr>
-                                <m:t>3</m:t>
-                              </m:r>
-                            </m:sub>
-                          </m:sSub>
-                        </m:e>
-                      </m:d>
-                      <m:r>
-                        <a:rPr kumimoji="1" lang="en-US" altLang="zh-CN" b="0" i="1" smtClean="0">
-                          <a:solidFill>
-                            <a:srgbClr val="FF0000"/>
-                          </a:solidFill>
-                          <a:latin typeface="Cambria Math" panose="02040503050406030204" pitchFamily="18" charset="0"/>
-                        </a:rPr>
-                        <m:t>=</m:t>
-                      </m:r>
-                      <m:r>
-                        <a:rPr kumimoji="1" lang="en-US" altLang="zh-CN" b="0" i="1" smtClean="0">
-                          <a:solidFill>
-                            <a:srgbClr val="FF0000"/>
-                          </a:solidFill>
-                          <a:latin typeface="Cambria Math" panose="02040503050406030204" pitchFamily="18" charset="0"/>
-                        </a:rPr>
-                        <m:t>𝑃</m:t>
-                      </m:r>
-                      <m:d>
-                        <m:dPr>
-                          <m:ctrlPr>
-                            <a:rPr kumimoji="1" lang="en-US" altLang="zh-CN" b="0" i="1" smtClean="0">
-                              <a:solidFill>
-                                <a:srgbClr val="FF0000"/>
-                              </a:solidFill>
-                              <a:latin typeface="Cambria Math" panose="02040503050406030204" pitchFamily="18" charset="0"/>
-                            </a:rPr>
-                          </m:ctrlPr>
-                        </m:dPr>
-                        <m:e>
-                          <m:sSub>
-                            <m:sSubPr>
-                              <m:ctrlPr>
-                                <a:rPr kumimoji="1" lang="en-US" altLang="zh-CN" b="0" i="1" smtClean="0">
-                                  <a:solidFill>
-                                    <a:srgbClr val="FF0000"/>
-                                  </a:solidFill>
-                                  <a:latin typeface="Cambria Math" panose="02040503050406030204" pitchFamily="18" charset="0"/>
-                                </a:rPr>
-                              </m:ctrlPr>
-                            </m:sSubPr>
-                            <m:e>
-                              <m:r>
-                                <a:rPr kumimoji="1" lang="en-US" altLang="zh-CN" b="0" i="1" smtClean="0">
-                                  <a:solidFill>
-                                    <a:srgbClr val="FF0000"/>
-                                  </a:solidFill>
-                                  <a:latin typeface="Cambria Math" panose="02040503050406030204" pitchFamily="18" charset="0"/>
-                                </a:rPr>
-                                <m:t>𝑒</m:t>
-                              </m:r>
-                            </m:e>
-                            <m:sub>
-                              <m:r>
-                                <a:rPr kumimoji="1" lang="en-US" altLang="zh-CN" b="0" i="1" smtClean="0">
-                                  <a:solidFill>
-                                    <a:srgbClr val="FF0000"/>
-                                  </a:solidFill>
-                                  <a:latin typeface="Cambria Math" panose="02040503050406030204" pitchFamily="18" charset="0"/>
-                                </a:rPr>
-                                <m:t>3</m:t>
-                              </m:r>
-                            </m:sub>
-                          </m:sSub>
-                        </m:e>
-                        <m:e>
-                          <m:sSub>
-                            <m:sSubPr>
-                              <m:ctrlPr>
-                                <a:rPr kumimoji="1" lang="en-US" altLang="zh-CN" b="0" i="1" smtClean="0">
-                                  <a:solidFill>
-                                    <a:srgbClr val="FF0000"/>
-                                  </a:solidFill>
-                                  <a:latin typeface="Cambria Math" panose="02040503050406030204" pitchFamily="18" charset="0"/>
-                                </a:rPr>
-                              </m:ctrlPr>
-                            </m:sSubPr>
-                            <m:e>
-                              <m:r>
-                                <a:rPr kumimoji="1" lang="en-US" altLang="zh-CN" b="0" i="1" smtClean="0">
-                                  <a:solidFill>
-                                    <a:srgbClr val="FF0000"/>
-                                  </a:solidFill>
-                                  <a:latin typeface="Cambria Math" panose="02040503050406030204" pitchFamily="18" charset="0"/>
-                                </a:rPr>
-                                <m:t>𝑒</m:t>
-                              </m:r>
-                            </m:e>
-                            <m:sub>
-                              <m:r>
-                                <a:rPr kumimoji="1" lang="en-US" altLang="zh-CN" b="0" i="1" smtClean="0">
-                                  <a:solidFill>
-                                    <a:srgbClr val="FF0000"/>
-                                  </a:solidFill>
-                                  <a:latin typeface="Cambria Math" panose="02040503050406030204" pitchFamily="18" charset="0"/>
-                                </a:rPr>
-                                <m:t>1</m:t>
-                              </m:r>
-                            </m:sub>
-                          </m:sSub>
-                          <m:r>
-                            <a:rPr kumimoji="1" lang="en-US" altLang="zh-CN" b="0" i="1" smtClean="0">
-                              <a:solidFill>
-                                <a:srgbClr val="FF0000"/>
-                              </a:solidFill>
-                              <a:latin typeface="Cambria Math" panose="02040503050406030204" pitchFamily="18" charset="0"/>
-                            </a:rPr>
-                            <m:t>,</m:t>
-                          </m:r>
-                          <m:sSub>
-                            <m:sSubPr>
-                              <m:ctrlPr>
-                                <a:rPr kumimoji="1" lang="en-US" altLang="zh-CN" b="0" i="1" smtClean="0">
-                                  <a:solidFill>
-                                    <a:srgbClr val="FF0000"/>
-                                  </a:solidFill>
-                                  <a:latin typeface="Cambria Math" panose="02040503050406030204" pitchFamily="18" charset="0"/>
-                                </a:rPr>
-                              </m:ctrlPr>
-                            </m:sSubPr>
-                            <m:e>
-                              <m:r>
-                                <a:rPr kumimoji="1" lang="en-US" altLang="zh-CN" b="0" i="1" smtClean="0">
-                                  <a:solidFill>
-                                    <a:srgbClr val="FF0000"/>
-                                  </a:solidFill>
-                                  <a:latin typeface="Cambria Math" panose="02040503050406030204" pitchFamily="18" charset="0"/>
-                                </a:rPr>
-                                <m:t>𝑒</m:t>
-                              </m:r>
-                            </m:e>
-                            <m:sub>
-                              <m:r>
-                                <a:rPr kumimoji="1" lang="en-US" altLang="zh-CN" b="0" i="1" smtClean="0">
-                                  <a:solidFill>
-                                    <a:srgbClr val="FF0000"/>
-                                  </a:solidFill>
-                                  <a:latin typeface="Cambria Math" panose="02040503050406030204" pitchFamily="18" charset="0"/>
-                                </a:rPr>
-                                <m:t>2</m:t>
-                              </m:r>
-                            </m:sub>
-                          </m:sSub>
-                        </m:e>
-                      </m:d>
-                      <m:r>
-                        <a:rPr kumimoji="1" lang="en-US" altLang="zh-CN" b="0" i="1" smtClean="0">
-                          <a:solidFill>
-                            <a:srgbClr val="FF0000"/>
-                          </a:solidFill>
-                          <a:latin typeface="Cambria Math" panose="02040503050406030204" pitchFamily="18" charset="0"/>
-                        </a:rPr>
-                        <m:t>𝑃</m:t>
-                      </m:r>
-                      <m:d>
-                        <m:dPr>
-                          <m:ctrlPr>
-                            <a:rPr kumimoji="1" lang="en-US" altLang="zh-CN" b="0" i="1" smtClean="0">
-                              <a:solidFill>
-                                <a:srgbClr val="FF0000"/>
-                              </a:solidFill>
-                              <a:latin typeface="Cambria Math" panose="02040503050406030204" pitchFamily="18" charset="0"/>
-                            </a:rPr>
-                          </m:ctrlPr>
-                        </m:dPr>
-                        <m:e>
-                          <m:sSub>
-                            <m:sSubPr>
-                              <m:ctrlPr>
-                                <a:rPr kumimoji="1" lang="en-US" altLang="zh-CN" b="0" i="1" smtClean="0">
-                                  <a:solidFill>
-                                    <a:srgbClr val="FF0000"/>
-                                  </a:solidFill>
-                                  <a:latin typeface="Cambria Math" panose="02040503050406030204" pitchFamily="18" charset="0"/>
-                                </a:rPr>
-                              </m:ctrlPr>
-                            </m:sSubPr>
-                            <m:e>
-                              <m:r>
-                                <a:rPr kumimoji="1" lang="en-US" altLang="zh-CN" b="0" i="1" smtClean="0">
-                                  <a:solidFill>
-                                    <a:srgbClr val="FF0000"/>
-                                  </a:solidFill>
-                                  <a:latin typeface="Cambria Math" panose="02040503050406030204" pitchFamily="18" charset="0"/>
-                                </a:rPr>
-                                <m:t>𝑒</m:t>
-                              </m:r>
-                            </m:e>
-                            <m:sub>
-                              <m:r>
-                                <a:rPr kumimoji="1" lang="en-US" altLang="zh-CN" b="0" i="1" smtClean="0">
-                                  <a:solidFill>
-                                    <a:srgbClr val="FF0000"/>
-                                  </a:solidFill>
-                                  <a:latin typeface="Cambria Math" panose="02040503050406030204" pitchFamily="18" charset="0"/>
-                                </a:rPr>
-                                <m:t>2</m:t>
-                              </m:r>
-                            </m:sub>
-                          </m:sSub>
-                        </m:e>
-                        <m:e>
-                          <m:sSub>
-                            <m:sSubPr>
-                              <m:ctrlPr>
-                                <a:rPr kumimoji="1" lang="en-US" altLang="zh-CN" b="0" i="1" smtClean="0">
-                                  <a:solidFill>
-                                    <a:srgbClr val="FF0000"/>
-                                  </a:solidFill>
-                                  <a:latin typeface="Cambria Math" panose="02040503050406030204" pitchFamily="18" charset="0"/>
-                                </a:rPr>
-                              </m:ctrlPr>
-                            </m:sSubPr>
-                            <m:e>
-                              <m:r>
-                                <a:rPr kumimoji="1" lang="en-US" altLang="zh-CN" b="0" i="1" smtClean="0">
-                                  <a:solidFill>
-                                    <a:srgbClr val="FF0000"/>
-                                  </a:solidFill>
-                                  <a:latin typeface="Cambria Math" panose="02040503050406030204" pitchFamily="18" charset="0"/>
-                                </a:rPr>
-                                <m:t>𝑒</m:t>
-                              </m:r>
-                            </m:e>
-                            <m:sub>
-                              <m:r>
-                                <a:rPr kumimoji="1" lang="en-US" altLang="zh-CN" b="0" i="1" smtClean="0">
-                                  <a:solidFill>
-                                    <a:srgbClr val="FF0000"/>
-                                  </a:solidFill>
-                                  <a:latin typeface="Cambria Math" panose="02040503050406030204" pitchFamily="18" charset="0"/>
-                                </a:rPr>
-                                <m:t>1</m:t>
-                              </m:r>
-                            </m:sub>
-                          </m:sSub>
-                        </m:e>
-                      </m:d>
-                      <m:r>
-                        <a:rPr kumimoji="1" lang="en-US" altLang="zh-CN" b="0" i="1" smtClean="0">
-                          <a:solidFill>
-                            <a:srgbClr val="FF0000"/>
-                          </a:solidFill>
-                          <a:latin typeface="Cambria Math" panose="02040503050406030204" pitchFamily="18" charset="0"/>
-                        </a:rPr>
-                        <m:t>𝑃</m:t>
-                      </m:r>
-                      <m:r>
-                        <a:rPr kumimoji="1" lang="en-US" altLang="zh-CN" b="0" i="1" smtClean="0">
-                          <a:solidFill>
-                            <a:srgbClr val="FF0000"/>
-                          </a:solidFill>
-                          <a:latin typeface="Cambria Math" panose="02040503050406030204" pitchFamily="18" charset="0"/>
-                        </a:rPr>
-                        <m:t>(</m:t>
-                      </m:r>
-                      <m:sSub>
-                        <m:sSubPr>
-                          <m:ctrlPr>
-                            <a:rPr kumimoji="1" lang="en-US" altLang="zh-CN" b="0" i="1" smtClean="0">
-                              <a:solidFill>
-                                <a:srgbClr val="FF0000"/>
-                              </a:solidFill>
-                              <a:latin typeface="Cambria Math" panose="02040503050406030204" pitchFamily="18" charset="0"/>
-                            </a:rPr>
-                          </m:ctrlPr>
-                        </m:sSubPr>
-                        <m:e>
-                          <m:r>
-                            <a:rPr kumimoji="1" lang="en-US" altLang="zh-CN" b="0" i="1" smtClean="0">
-                              <a:solidFill>
-                                <a:srgbClr val="FF0000"/>
-                              </a:solidFill>
-                              <a:latin typeface="Cambria Math" panose="02040503050406030204" pitchFamily="18" charset="0"/>
-                            </a:rPr>
-                            <m:t>𝑒</m:t>
-                          </m:r>
-                        </m:e>
-                        <m:sub>
-                          <m:r>
-                            <a:rPr kumimoji="1" lang="en-US" altLang="zh-CN" b="0" i="1" smtClean="0">
-                              <a:solidFill>
-                                <a:srgbClr val="FF0000"/>
-                              </a:solidFill>
-                              <a:latin typeface="Cambria Math" panose="02040503050406030204" pitchFamily="18" charset="0"/>
-                            </a:rPr>
-                            <m:t>1</m:t>
-                          </m:r>
-                        </m:sub>
-                      </m:sSub>
-                      <m:r>
-                        <a:rPr kumimoji="1" lang="en-US" altLang="zh-CN" b="0" i="1" smtClean="0">
-                          <a:solidFill>
-                            <a:srgbClr val="FF0000"/>
-                          </a:solidFill>
-                          <a:latin typeface="Cambria Math" panose="02040503050406030204" pitchFamily="18" charset="0"/>
-                        </a:rPr>
-                        <m:t>)</m:t>
-                      </m:r>
-                    </m:oMath>
-                  </m:oMathPara>
-                </a14:m>
-                <a:endParaRPr kumimoji="1" lang="en-US" altLang="zh-CN" b="0" dirty="0">
-                  <a:solidFill>
-                    <a:srgbClr val="FF0000"/>
-                  </a:solidFill>
-                </a:endParaRPr>
-              </a:p>
-            </p:txBody>
-          </p:sp>
-        </mc:Choice>
-        <mc:Fallback xmlns="">
-          <p:sp>
-            <p:nvSpPr>
-              <p:cNvPr id="7" name="文本框 6">
-                <a:extLst>
-                  <a:ext uri="{FF2B5EF4-FFF2-40B4-BE49-F238E27FC236}">
-                    <a16:creationId xmlns:a16="http://schemas.microsoft.com/office/drawing/2014/main" id="{66FECAB0-06F3-BB44-BD42-86B0BCC2DBD8}"/>
-                  </a:ext>
-                </a:extLst>
-              </p:cNvPr>
-              <p:cNvSpPr txBox="1">
-                <a:spLocks noRot="1" noChangeAspect="1" noMove="1" noResize="1" noEditPoints="1" noAdjustHandles="1" noChangeArrowheads="1" noChangeShapeType="1" noTextEdit="1"/>
-              </p:cNvSpPr>
-              <p:nvPr/>
-            </p:nvSpPr>
-            <p:spPr>
-              <a:xfrm>
-                <a:off x="4585019" y="3979328"/>
-                <a:ext cx="4240328" cy="646331"/>
-              </a:xfrm>
-              <a:prstGeom prst="rect">
-                <a:avLst/>
-              </a:prstGeom>
-              <a:blipFill>
-                <a:blip r:embed="rId5"/>
-                <a:stretch>
-                  <a:fillRect t="-1923" b="-7692"/>
-                </a:stretch>
-              </a:blipFill>
-              <a:ln>
-                <a:noFill/>
-              </a:ln>
-            </p:spPr>
-            <p:txBody>
-              <a:bodyPr/>
-              <a:lstStyle/>
-              <a:p>
-                <a:r>
-                  <a:rPr lang="zh-CN" altLang="en-US">
-                    <a:noFill/>
-                  </a:rPr>
-                  <a:t> </a:t>
-                </a:r>
-              </a:p>
-            </p:txBody>
-          </p:sp>
-        </mc:Fallback>
-      </mc:AlternateContent>
-      <p:sp>
-        <p:nvSpPr>
-          <p:cNvPr id="11" name="圆角矩形 10">
-            <a:extLst>
-              <a:ext uri="{FF2B5EF4-FFF2-40B4-BE49-F238E27FC236}">
-                <a16:creationId xmlns:a16="http://schemas.microsoft.com/office/drawing/2014/main" id="{C2B2B6C3-7872-0D40-AD8D-A3964C9A531E}"/>
-              </a:ext>
-            </a:extLst>
-          </p:cNvPr>
-          <p:cNvSpPr/>
-          <p:nvPr/>
-        </p:nvSpPr>
-        <p:spPr>
-          <a:xfrm>
-            <a:off x="2064328" y="2008903"/>
-            <a:ext cx="5006395" cy="1177643"/>
-          </a:xfrm>
-          <a:prstGeom prst="roundRect">
-            <a:avLst/>
-          </a:prstGeom>
-          <a:noFill/>
-          <a:ln>
-            <a:solidFill>
-              <a:srgbClr val="FF0000"/>
-            </a:solidFill>
-          </a:ln>
-        </p:spPr>
-        <p:style>
-          <a:lnRef idx="2">
-            <a:schemeClr val="accent1">
-              <a:shade val="50000"/>
-            </a:schemeClr>
-          </a:lnRef>
-          <a:fillRef idx="1">
-            <a:schemeClr val="accent1"/>
-          </a:fillRef>
-          <a:effectRef idx="0">
-            <a:schemeClr val="accent1"/>
-          </a:effectRef>
-          <a:fontRef idx="minor">
-            <a:schemeClr val="lt1"/>
-          </a:fontRef>
-        </p:style>
-        <p:txBody>
-          <a:bodyPr rtlCol="0" anchor="ctr"/>
-          <a:lstStyle/>
-          <a:p>
-            <a:pPr algn="ctr"/>
-            <a:endParaRPr kumimoji="1" lang="zh-CN" altLang="en-US"/>
-          </a:p>
-        </p:txBody>
-      </p:sp>
-      <p:cxnSp>
-        <p:nvCxnSpPr>
-          <p:cNvPr id="13" name="直线箭头连接符 12">
-            <a:extLst>
-              <a:ext uri="{FF2B5EF4-FFF2-40B4-BE49-F238E27FC236}">
-                <a16:creationId xmlns:a16="http://schemas.microsoft.com/office/drawing/2014/main" id="{DCAD9E4F-8BA1-3345-9BCB-546EC755023D}"/>
-              </a:ext>
-            </a:extLst>
-          </p:cNvPr>
-          <p:cNvCxnSpPr>
-            <a:cxnSpLocks/>
-          </p:cNvCxnSpPr>
-          <p:nvPr/>
-        </p:nvCxnSpPr>
-        <p:spPr>
-          <a:xfrm flipV="1">
-            <a:off x="6774872" y="3352801"/>
-            <a:ext cx="0" cy="474125"/>
-          </a:xfrm>
-          <a:prstGeom prst="straightConnector1">
-            <a:avLst/>
-          </a:prstGeom>
-          <a:ln>
-            <a:solidFill>
-              <a:srgbClr val="FF0000"/>
-            </a:solidFill>
-            <a:tailEnd type="triangle"/>
-          </a:ln>
-        </p:spPr>
-        <p:style>
-          <a:lnRef idx="3">
-            <a:schemeClr val="accent2"/>
-          </a:lnRef>
-          <a:fillRef idx="0">
-            <a:schemeClr val="accent2"/>
-          </a:fillRef>
-          <a:effectRef idx="2">
-            <a:schemeClr val="accent2"/>
-          </a:effectRef>
-          <a:fontRef idx="minor">
-            <a:schemeClr val="tx1"/>
-          </a:fontRef>
-        </p:style>
-      </p:cxnSp>
     </p:spTree>
     <p:extLst>
       <p:ext uri="{BB962C8B-B14F-4D97-AF65-F5344CB8AC3E}">
-        <p14:creationId xmlns:p14="http://schemas.microsoft.com/office/powerpoint/2010/main" val="2364477166"/>
+        <p14:creationId xmlns:p14="http://schemas.microsoft.com/office/powerpoint/2010/main" val="1374716716"/>
       </p:ext>
     </p:extLst>
   </p:cSld>
@@ -10971,217 +14499,14 @@
           <a:p>
             <a:r>
               <a:rPr kumimoji="1" lang="en-US" altLang="zh-CN" dirty="0"/>
-              <a:t>The Recurrent Model</a:t>
+              <a:t>Details of Inference</a:t>
             </a:r>
             <a:endParaRPr kumimoji="1" lang="zh-CN" altLang="en-US" dirty="0"/>
           </a:p>
         </p:txBody>
       </p:sp>
-      <p:pic>
-        <p:nvPicPr>
-          <p:cNvPr id="8" name="图片 7">
-            <a:extLst>
-              <a:ext uri="{FF2B5EF4-FFF2-40B4-BE49-F238E27FC236}">
-                <a16:creationId xmlns:a16="http://schemas.microsoft.com/office/drawing/2014/main" id="{2EA0C4F7-D4D8-424C-9D30-D8CB0FD2622C}"/>
-              </a:ext>
-            </a:extLst>
-          </p:cNvPr>
-          <p:cNvPicPr>
-            <a:picLocks noChangeAspect="1"/>
-          </p:cNvPicPr>
-          <p:nvPr/>
-        </p:nvPicPr>
-        <p:blipFill>
-          <a:blip r:embed="rId2"/>
-          <a:stretch>
-            <a:fillRect/>
-          </a:stretch>
-        </p:blipFill>
-        <p:spPr>
-          <a:xfrm>
-            <a:off x="0" y="1782048"/>
-            <a:ext cx="9144000" cy="4394915"/>
-          </a:xfrm>
-          <a:prstGeom prst="rect">
-            <a:avLst/>
-          </a:prstGeom>
-        </p:spPr>
-      </p:pic>
-    </p:spTree>
-    <p:extLst>
-      <p:ext uri="{BB962C8B-B14F-4D97-AF65-F5344CB8AC3E}">
-        <p14:creationId xmlns:p14="http://schemas.microsoft.com/office/powerpoint/2010/main" val="1374716716"/>
-      </p:ext>
-    </p:extLst>
-  </p:cSld>
-  <p:clrMapOvr>
-    <a:masterClrMapping/>
-  </p:clrMapOvr>
-</p:sld>
-</file>
-
-<file path=ppt/slides/slide2.xml><?xml version="1.0" encoding="utf-8"?>
-<p:sld xmlns:a="http://schemas.openxmlformats.org/drawingml/2006/main" xmlns:r="http://schemas.openxmlformats.org/officeDocument/2006/relationships" xmlns:p="http://schemas.openxmlformats.org/presentationml/2006/main">
-  <p:cSld>
-    <p:spTree>
-      <p:nvGrpSpPr>
-        <p:cNvPr id="1" name=""/>
-        <p:cNvGrpSpPr/>
-        <p:nvPr/>
-      </p:nvGrpSpPr>
-      <p:grpSpPr>
-        <a:xfrm>
-          <a:off x="0" y="0"/>
-          <a:ext cx="0" cy="0"/>
-          <a:chOff x="0" y="0"/>
-          <a:chExt cx="0" cy="0"/>
-        </a:xfrm>
-      </p:grpSpPr>
-      <p:sp>
-        <p:nvSpPr>
-          <p:cNvPr id="2" name="标题 1">
-            <a:extLst>
-              <a:ext uri="{FF2B5EF4-FFF2-40B4-BE49-F238E27FC236}">
-                <a16:creationId xmlns:a16="http://schemas.microsoft.com/office/drawing/2014/main" id="{0BE9B420-64CA-E847-A6B4-8CBBA02445CB}"/>
-              </a:ext>
-            </a:extLst>
-          </p:cNvPr>
-          <p:cNvSpPr>
-            <a:spLocks noGrp="1"/>
-          </p:cNvSpPr>
-          <p:nvPr>
-            <p:ph type="title"/>
-          </p:nvPr>
-        </p:nvSpPr>
-        <p:spPr/>
-        <p:txBody>
-          <a:bodyPr/>
-          <a:lstStyle/>
-          <a:p>
-            <a:r>
-              <a:rPr kumimoji="1" lang="en-US" altLang="zh-CN" dirty="0"/>
-              <a:t>Table of Contents</a:t>
-            </a:r>
-            <a:endParaRPr kumimoji="1" lang="zh-CN" altLang="en-US" dirty="0"/>
-          </a:p>
-        </p:txBody>
-      </p:sp>
-      <p:sp>
-        <p:nvSpPr>
-          <p:cNvPr id="3" name="内容占位符 2">
-            <a:extLst>
-              <a:ext uri="{FF2B5EF4-FFF2-40B4-BE49-F238E27FC236}">
-                <a16:creationId xmlns:a16="http://schemas.microsoft.com/office/drawing/2014/main" id="{DEA4D7F3-49CB-314E-9CDF-BE1714FE7F45}"/>
-              </a:ext>
-            </a:extLst>
-          </p:cNvPr>
-          <p:cNvSpPr>
-            <a:spLocks noGrp="1"/>
-          </p:cNvSpPr>
-          <p:nvPr>
-            <p:ph idx="1"/>
-          </p:nvPr>
-        </p:nvSpPr>
-        <p:spPr/>
-        <p:txBody>
-          <a:bodyPr/>
-          <a:lstStyle/>
-          <a:p>
-            <a:r>
-              <a:rPr kumimoji="1" lang="en-US" altLang="zh-CN" dirty="0"/>
-              <a:t>Background</a:t>
-            </a:r>
-          </a:p>
-          <a:p>
-            <a:endParaRPr kumimoji="1" lang="en-US" altLang="zh-CN" dirty="0"/>
-          </a:p>
-          <a:p>
-            <a:r>
-              <a:rPr kumimoji="1" lang="en-US" altLang="zh-CN" dirty="0"/>
-              <a:t>Deep Recurrent Model</a:t>
-            </a:r>
-          </a:p>
-          <a:p>
-            <a:endParaRPr kumimoji="1" lang="en-US" altLang="zh-CN" dirty="0"/>
-          </a:p>
-          <a:p>
-            <a:r>
-              <a:rPr kumimoji="1" lang="en-US" altLang="zh-CN" dirty="0"/>
-              <a:t>Loss Functions</a:t>
-            </a:r>
-          </a:p>
-          <a:p>
-            <a:endParaRPr kumimoji="1" lang="en-US" altLang="zh-CN" dirty="0"/>
-          </a:p>
-          <a:p>
-            <a:r>
-              <a:rPr kumimoji="1" lang="en-US" altLang="zh-CN" dirty="0"/>
-              <a:t>Experiments</a:t>
-            </a:r>
-          </a:p>
-        </p:txBody>
-      </p:sp>
-    </p:spTree>
-    <p:extLst>
-      <p:ext uri="{BB962C8B-B14F-4D97-AF65-F5344CB8AC3E}">
-        <p14:creationId xmlns:p14="http://schemas.microsoft.com/office/powerpoint/2010/main" val="1033174952"/>
-      </p:ext>
-    </p:extLst>
-  </p:cSld>
-  <p:clrMapOvr>
-    <a:masterClrMapping/>
-  </p:clrMapOvr>
-</p:sld>
-</file>
-
-<file path=ppt/slides/slide20.xml><?xml version="1.0" encoding="utf-8"?>
-<p:sld xmlns:a="http://schemas.openxmlformats.org/drawingml/2006/main" xmlns:r="http://schemas.openxmlformats.org/officeDocument/2006/relationships" xmlns:p="http://schemas.openxmlformats.org/presentationml/2006/main">
-  <p:cSld>
-    <p:spTree>
-      <p:nvGrpSpPr>
-        <p:cNvPr id="1" name=""/>
-        <p:cNvGrpSpPr/>
-        <p:nvPr/>
-      </p:nvGrpSpPr>
-      <p:grpSpPr>
-        <a:xfrm>
-          <a:off x="0" y="0"/>
-          <a:ext cx="0" cy="0"/>
-          <a:chOff x="0" y="0"/>
-          <a:chExt cx="0" cy="0"/>
-        </a:xfrm>
-      </p:grpSpPr>
-      <p:sp>
-        <p:nvSpPr>
-          <p:cNvPr id="2" name="标题 1">
-            <a:extLst>
-              <a:ext uri="{FF2B5EF4-FFF2-40B4-BE49-F238E27FC236}">
-                <a16:creationId xmlns:a16="http://schemas.microsoft.com/office/drawing/2014/main" id="{72EC1071-3355-3141-B637-F4E6B0BAD0EE}"/>
-              </a:ext>
-            </a:extLst>
-          </p:cNvPr>
-          <p:cNvSpPr>
-            <a:spLocks noGrp="1"/>
-          </p:cNvSpPr>
-          <p:nvPr>
-            <p:ph type="title"/>
-          </p:nvPr>
-        </p:nvSpPr>
-        <p:spPr/>
-        <p:txBody>
-          <a:bodyPr/>
-          <a:lstStyle/>
-          <a:p>
-            <a:r>
-              <a:rPr kumimoji="1" lang="en-US" altLang="zh-CN" dirty="0"/>
-              <a:t>Details of Inference</a:t>
-            </a:r>
-            <a:endParaRPr kumimoji="1" lang="zh-CN" altLang="en-US" dirty="0"/>
-          </a:p>
-        </p:txBody>
-      </p:sp>
-      <mc:AlternateContent xmlns:mc="http://schemas.openxmlformats.org/markup-compatibility/2006" xmlns:a14="http://schemas.microsoft.com/office/drawing/2010/main">
-        <mc:Choice Requires="a14">
+      <mc:AlternateContent xmlns:mc="http://schemas.openxmlformats.org/markup-compatibility/2006">
+        <mc:Choice xmlns:a14="http://schemas.microsoft.com/office/drawing/2010/main" Requires="a14">
           <p:sp>
             <p:nvSpPr>
               <p:cNvPr id="3" name="文本框 2">
@@ -11360,7 +14685,7 @@
                 </a:pPr>
                 <a:r>
                   <a:rPr kumimoji="1" lang="en-US" altLang="zh-CN" sz="2400" dirty="0"/>
-                  <a:t>The loss would be supervised</a:t>
+                  <a:t>The optimization would be supervised</a:t>
                 </a:r>
               </a:p>
               <a:p>
@@ -11446,7 +14771,7 @@
             </p:txBody>
           </p:sp>
         </mc:Choice>
-        <mc:Fallback xmlns="">
+        <mc:Fallback>
           <p:sp>
             <p:nvSpPr>
               <p:cNvPr id="3" name="文本框 2">
@@ -11470,7 +14795,7 @@
                 <a:avLst/>
               </a:prstGeom>
               <a:blipFill>
-                <a:blip r:embed="rId2"/>
+                <a:blip r:embed="rId3"/>
                 <a:stretch>
                   <a:fillRect l="-979" t="-930" b="-3721"/>
                 </a:stretch>
@@ -11506,7 +14831,7 @@
           <p:nvPr/>
         </p:nvPicPr>
         <p:blipFill>
-          <a:blip r:embed="rId3"/>
+          <a:blip r:embed="rId4"/>
           <a:stretch>
             <a:fillRect/>
           </a:stretch>
@@ -11525,6 +14850,309 @@
     <p:extLst>
       <p:ext uri="{BB962C8B-B14F-4D97-AF65-F5344CB8AC3E}">
         <p14:creationId xmlns:p14="http://schemas.microsoft.com/office/powerpoint/2010/main" val="166100333"/>
+      </p:ext>
+    </p:extLst>
+  </p:cSld>
+  <p:clrMapOvr>
+    <a:masterClrMapping/>
+  </p:clrMapOvr>
+</p:sld>
+</file>
+
+<file path=ppt/slides/slide2.xml><?xml version="1.0" encoding="utf-8"?>
+<p:sld xmlns:a="http://schemas.openxmlformats.org/drawingml/2006/main" xmlns:r="http://schemas.openxmlformats.org/officeDocument/2006/relationships" xmlns:p="http://schemas.openxmlformats.org/presentationml/2006/main">
+  <p:cSld>
+    <p:spTree>
+      <p:nvGrpSpPr>
+        <p:cNvPr id="1" name=""/>
+        <p:cNvGrpSpPr/>
+        <p:nvPr/>
+      </p:nvGrpSpPr>
+      <p:grpSpPr>
+        <a:xfrm>
+          <a:off x="0" y="0"/>
+          <a:ext cx="0" cy="0"/>
+          <a:chOff x="0" y="0"/>
+          <a:chExt cx="0" cy="0"/>
+        </a:xfrm>
+      </p:grpSpPr>
+      <p:sp>
+        <p:nvSpPr>
+          <p:cNvPr id="2" name="标题 1">
+            <a:extLst>
+              <a:ext uri="{FF2B5EF4-FFF2-40B4-BE49-F238E27FC236}">
+                <a16:creationId xmlns:a16="http://schemas.microsoft.com/office/drawing/2014/main" id="{0BE9B420-64CA-E847-A6B4-8CBBA02445CB}"/>
+              </a:ext>
+            </a:extLst>
+          </p:cNvPr>
+          <p:cNvSpPr>
+            <a:spLocks noGrp="1"/>
+          </p:cNvSpPr>
+          <p:nvPr>
+            <p:ph type="title"/>
+          </p:nvPr>
+        </p:nvSpPr>
+        <p:spPr/>
+        <p:txBody>
+          <a:bodyPr/>
+          <a:lstStyle/>
+          <a:p>
+            <a:r>
+              <a:rPr kumimoji="1" lang="en-US" altLang="zh-CN" dirty="0"/>
+              <a:t>Table of Contents</a:t>
+            </a:r>
+            <a:endParaRPr kumimoji="1" lang="zh-CN" altLang="en-US" dirty="0"/>
+          </a:p>
+        </p:txBody>
+      </p:sp>
+      <p:sp>
+        <p:nvSpPr>
+          <p:cNvPr id="3" name="内容占位符 2">
+            <a:extLst>
+              <a:ext uri="{FF2B5EF4-FFF2-40B4-BE49-F238E27FC236}">
+                <a16:creationId xmlns:a16="http://schemas.microsoft.com/office/drawing/2014/main" id="{DEA4D7F3-49CB-314E-9CDF-BE1714FE7F45}"/>
+              </a:ext>
+            </a:extLst>
+          </p:cNvPr>
+          <p:cNvSpPr>
+            <a:spLocks noGrp="1"/>
+          </p:cNvSpPr>
+          <p:nvPr>
+            <p:ph idx="1"/>
+          </p:nvPr>
+        </p:nvSpPr>
+        <p:spPr/>
+        <p:txBody>
+          <a:bodyPr/>
+          <a:lstStyle/>
+          <a:p>
+            <a:r>
+              <a:rPr kumimoji="1" lang="en-US" altLang="zh-CN" dirty="0"/>
+              <a:t>Background</a:t>
+            </a:r>
+          </a:p>
+          <a:p>
+            <a:endParaRPr kumimoji="1" lang="en-US" altLang="zh-CN" dirty="0"/>
+          </a:p>
+          <a:p>
+            <a:r>
+              <a:rPr kumimoji="1" lang="en-US" altLang="zh-CN" dirty="0"/>
+              <a:t>Deep Recurrent Model</a:t>
+            </a:r>
+          </a:p>
+          <a:p>
+            <a:endParaRPr kumimoji="1" lang="en-US" altLang="zh-CN" dirty="0"/>
+          </a:p>
+          <a:p>
+            <a:r>
+              <a:rPr kumimoji="1" lang="en-US" altLang="zh-CN" dirty="0"/>
+              <a:t>Loss Functions</a:t>
+            </a:r>
+          </a:p>
+          <a:p>
+            <a:endParaRPr kumimoji="1" lang="en-US" altLang="zh-CN" dirty="0"/>
+          </a:p>
+          <a:p>
+            <a:r>
+              <a:rPr kumimoji="1" lang="en-US" altLang="zh-CN" dirty="0"/>
+              <a:t>Experiments</a:t>
+            </a:r>
+          </a:p>
+        </p:txBody>
+      </p:sp>
+    </p:spTree>
+    <p:extLst>
+      <p:ext uri="{BB962C8B-B14F-4D97-AF65-F5344CB8AC3E}">
+        <p14:creationId xmlns:p14="http://schemas.microsoft.com/office/powerpoint/2010/main" val="1033174952"/>
+      </p:ext>
+    </p:extLst>
+  </p:cSld>
+  <p:clrMapOvr>
+    <a:masterClrMapping/>
+  </p:clrMapOvr>
+</p:sld>
+</file>
+
+<file path=ppt/slides/slide20.xml><?xml version="1.0" encoding="utf-8"?>
+<p:sld xmlns:a="http://schemas.openxmlformats.org/drawingml/2006/main" xmlns:r="http://schemas.openxmlformats.org/officeDocument/2006/relationships" xmlns:p="http://schemas.openxmlformats.org/presentationml/2006/main">
+  <p:cSld>
+    <p:spTree>
+      <p:nvGrpSpPr>
+        <p:cNvPr id="1" name=""/>
+        <p:cNvGrpSpPr/>
+        <p:nvPr/>
+      </p:nvGrpSpPr>
+      <p:grpSpPr>
+        <a:xfrm>
+          <a:off x="0" y="0"/>
+          <a:ext cx="0" cy="0"/>
+          <a:chOff x="0" y="0"/>
+          <a:chExt cx="0" cy="0"/>
+        </a:xfrm>
+      </p:grpSpPr>
+      <p:sp>
+        <p:nvSpPr>
+          <p:cNvPr id="2" name="标题 1">
+            <a:extLst>
+              <a:ext uri="{FF2B5EF4-FFF2-40B4-BE49-F238E27FC236}">
+                <a16:creationId xmlns:a16="http://schemas.microsoft.com/office/drawing/2014/main" id="{EE75F1D0-F2E7-3849-A55A-93005E129438}"/>
+              </a:ext>
+            </a:extLst>
+          </p:cNvPr>
+          <p:cNvSpPr>
+            <a:spLocks noGrp="1"/>
+          </p:cNvSpPr>
+          <p:nvPr>
+            <p:ph type="title"/>
+          </p:nvPr>
+        </p:nvSpPr>
+        <p:spPr/>
+        <p:txBody>
+          <a:bodyPr/>
+          <a:lstStyle/>
+          <a:p>
+            <a:r>
+              <a:rPr kumimoji="1" lang="en-US" altLang="zh-CN" dirty="0"/>
+              <a:t>Loss Functions (1/3)</a:t>
+            </a:r>
+            <a:endParaRPr kumimoji="1" lang="zh-CN" altLang="en-US" dirty="0"/>
+          </a:p>
+        </p:txBody>
+      </p:sp>
+      <mc:AlternateContent xmlns:mc="http://schemas.openxmlformats.org/markup-compatibility/2006" xmlns:a14="http://schemas.microsoft.com/office/drawing/2010/main">
+        <mc:Choice Requires="a14">
+          <p:sp>
+            <p:nvSpPr>
+              <p:cNvPr id="3" name="内容占位符 2">
+                <a:extLst>
+                  <a:ext uri="{FF2B5EF4-FFF2-40B4-BE49-F238E27FC236}">
+                    <a16:creationId xmlns:a16="http://schemas.microsoft.com/office/drawing/2014/main" id="{99754BC8-6D98-0A4C-94D3-D2A259647313}"/>
+                  </a:ext>
+                </a:extLst>
+              </p:cNvPr>
+              <p:cNvSpPr>
+                <a:spLocks noGrp="1"/>
+              </p:cNvSpPr>
+              <p:nvPr>
+                <p:ph idx="1"/>
+              </p:nvPr>
+            </p:nvSpPr>
+            <p:spPr/>
+            <p:txBody>
+              <a:bodyPr/>
+              <a:lstStyle/>
+              <a:p>
+                <a:r>
+                  <a:rPr kumimoji="1" lang="en-US" altLang="zh-CN" dirty="0"/>
+                  <a:t>Uncensored data</a:t>
+                </a:r>
+              </a:p>
+              <a:p>
+                <a:pPr lvl="1"/>
+                <a:r>
+                  <a:rPr kumimoji="1" lang="en-US" altLang="zh-CN" dirty="0"/>
+                  <a:t>P.D.F. loss on the true event time </a:t>
+                </a:r>
+                <a14:m>
+                  <m:oMath xmlns:m="http://schemas.openxmlformats.org/officeDocument/2006/math">
+                    <m:r>
+                      <a:rPr kumimoji="1" lang="en-US" altLang="zh-CN" b="0" i="1" smtClean="0">
+                        <a:latin typeface="Cambria Math" panose="02040503050406030204" pitchFamily="18" charset="0"/>
+                      </a:rPr>
+                      <m:t>𝑧</m:t>
+                    </m:r>
+                  </m:oMath>
+                </a14:m>
+                <a:endParaRPr kumimoji="1" lang="en-US" altLang="zh-CN" b="0" dirty="0"/>
+              </a:p>
+              <a:p>
+                <a:pPr lvl="1"/>
+                <a:r>
+                  <a:rPr kumimoji="1" lang="en-US" altLang="zh-CN" dirty="0"/>
+                  <a:t>Maximize the </a:t>
+                </a:r>
+                <a:r>
+                  <a:rPr kumimoji="1" lang="en-US" altLang="zh-CN" u="sng" dirty="0"/>
+                  <a:t>log likelihood</a:t>
+                </a:r>
+              </a:p>
+            </p:txBody>
+          </p:sp>
+        </mc:Choice>
+        <mc:Fallback xmlns="">
+          <p:sp>
+            <p:nvSpPr>
+              <p:cNvPr id="3" name="内容占位符 2">
+                <a:extLst>
+                  <a:ext uri="{FF2B5EF4-FFF2-40B4-BE49-F238E27FC236}">
+                    <a16:creationId xmlns:a16="http://schemas.microsoft.com/office/drawing/2014/main" id="{99754BC8-6D98-0A4C-94D3-D2A259647313}"/>
+                  </a:ext>
+                </a:extLst>
+              </p:cNvPr>
+              <p:cNvSpPr>
+                <a:spLocks noGrp="1" noRot="1" noChangeAspect="1" noMove="1" noResize="1" noEditPoints="1" noAdjustHandles="1" noChangeArrowheads="1" noChangeShapeType="1" noTextEdit="1"/>
+              </p:cNvSpPr>
+              <p:nvPr>
+                <p:ph idx="1"/>
+              </p:nvPr>
+            </p:nvSpPr>
+            <p:spPr>
+              <a:blipFill>
+                <a:blip r:embed="rId3"/>
+                <a:stretch>
+                  <a:fillRect l="-1447" t="-2459"/>
+                </a:stretch>
+              </a:blipFill>
+            </p:spPr>
+            <p:txBody>
+              <a:bodyPr/>
+              <a:lstStyle/>
+              <a:p>
+                <a:r>
+                  <a:rPr lang="zh-CN" altLang="en-US">
+                    <a:noFill/>
+                  </a:rPr>
+                  <a:t> </a:t>
+                </a:r>
+              </a:p>
+            </p:txBody>
+          </p:sp>
+        </mc:Fallback>
+      </mc:AlternateContent>
+      <p:pic>
+        <p:nvPicPr>
+          <p:cNvPr id="4" name="图片 3">
+            <a:extLst>
+              <a:ext uri="{FF2B5EF4-FFF2-40B4-BE49-F238E27FC236}">
+                <a16:creationId xmlns:a16="http://schemas.microsoft.com/office/drawing/2014/main" id="{DEEC53B0-386D-0E45-8789-4FE48EF0C0A8}"/>
+              </a:ext>
+            </a:extLst>
+          </p:cNvPr>
+          <p:cNvPicPr>
+            <a:picLocks noChangeAspect="1"/>
+          </p:cNvPicPr>
+          <p:nvPr/>
+        </p:nvPicPr>
+        <p:blipFill>
+          <a:blip r:embed="rId4"/>
+          <a:stretch>
+            <a:fillRect/>
+          </a:stretch>
+        </p:blipFill>
+        <p:spPr>
+          <a:xfrm>
+            <a:off x="2051050" y="2901035"/>
+            <a:ext cx="5041900" cy="2946400"/>
+          </a:xfrm>
+          <a:prstGeom prst="rect">
+            <a:avLst/>
+          </a:prstGeom>
+        </p:spPr>
+      </p:pic>
+    </p:spTree>
+    <p:extLst>
+      <p:ext uri="{BB962C8B-B14F-4D97-AF65-F5344CB8AC3E}">
+        <p14:creationId xmlns:p14="http://schemas.microsoft.com/office/powerpoint/2010/main" val="967189416"/>
       </p:ext>
     </p:extLst>
   </p:cSld>
@@ -11574,14 +15202,14 @@
           <a:p>
             <a:r>
               <a:rPr kumimoji="1" lang="en-US" altLang="zh-CN" dirty="0"/>
-              <a:t>Loss Functions (1/3)</a:t>
+              <a:t>Loss Functions (2/3)</a:t>
             </a:r>
             <a:endParaRPr kumimoji="1" lang="zh-CN" altLang="en-US" dirty="0"/>
           </a:p>
         </p:txBody>
       </p:sp>
-      <mc:AlternateContent xmlns:mc="http://schemas.openxmlformats.org/markup-compatibility/2006">
-        <mc:Choice xmlns:a14="http://schemas.microsoft.com/office/drawing/2010/main" Requires="a14">
+      <mc:AlternateContent xmlns:mc="http://schemas.openxmlformats.org/markup-compatibility/2006" xmlns:a14="http://schemas.microsoft.com/office/drawing/2010/main">
+        <mc:Choice Requires="a14">
           <p:sp>
             <p:nvSpPr>
               <p:cNvPr id="3" name="内容占位符 2">
@@ -11605,14 +15233,7 @@
               <a:p>
                 <a:r>
                   <a:rPr kumimoji="1" lang="en-US" altLang="zh-CN" dirty="0"/>
-                  <a:t>Uncensored data</a:t>
-                </a:r>
-              </a:p>
-              <a:p>
-                <a:pPr lvl="1"/>
-                <a:r>
-                  <a:rPr kumimoji="1" lang="en-US" altLang="zh-CN" dirty="0"/>
-                  <a:t>P.D.F. loss on the true event time </a:t>
+                  <a:t>Uncensored data (</a:t>
                 </a:r>
                 <a14:m>
                   <m:oMath xmlns:m="http://schemas.openxmlformats.org/officeDocument/2006/math">
@@ -11622,25 +15243,66 @@
                       </a:rPr>
                       <m:t>𝑧</m:t>
                     </m:r>
+                    <m:r>
+                      <a:rPr kumimoji="1" lang="en-US" altLang="zh-CN" b="0" i="1" smtClean="0">
+                        <a:latin typeface="Cambria Math" panose="02040503050406030204" pitchFamily="18" charset="0"/>
+                      </a:rPr>
+                      <m:t>&lt;</m:t>
+                    </m:r>
+                    <m:r>
+                      <a:rPr kumimoji="1" lang="en-US" altLang="zh-CN" b="0" i="1" smtClean="0">
+                        <a:latin typeface="Cambria Math" panose="02040503050406030204" pitchFamily="18" charset="0"/>
+                      </a:rPr>
+                      <m:t>𝑡</m:t>
+                    </m:r>
                   </m:oMath>
                 </a14:m>
-                <a:endParaRPr kumimoji="1" lang="en-US" altLang="zh-CN" b="0" dirty="0"/>
+                <a:r>
+                  <a:rPr kumimoji="1" lang="en-US" altLang="zh-CN" dirty="0"/>
+                  <a:t>)</a:t>
+                </a:r>
               </a:p>
               <a:p>
                 <a:pPr lvl="1"/>
                 <a:r>
                   <a:rPr kumimoji="1" lang="en-US" altLang="zh-CN" dirty="0"/>
+                  <a:t>C.D.F. loss on the observing time </a:t>
+                </a:r>
+                <a14:m>
+                  <m:oMath xmlns:m="http://schemas.openxmlformats.org/officeDocument/2006/math">
+                    <m:r>
+                      <a:rPr kumimoji="1" lang="en-US" altLang="zh-CN" b="0" i="1" smtClean="0">
+                        <a:latin typeface="Cambria Math" panose="02040503050406030204" pitchFamily="18" charset="0"/>
+                      </a:rPr>
+                      <m:t>𝑡</m:t>
+                    </m:r>
+                  </m:oMath>
+                </a14:m>
+                <a:endParaRPr kumimoji="1" lang="en-US" altLang="zh-CN" dirty="0"/>
+              </a:p>
+              <a:p>
+                <a:pPr lvl="1"/>
+                <a:r>
+                  <a:rPr kumimoji="1" lang="en-US" altLang="zh-CN" dirty="0"/>
                   <a:t>Maximize the </a:t>
                 </a:r>
                 <a:r>
                   <a:rPr kumimoji="1" lang="en-US" altLang="zh-CN" u="sng" dirty="0"/>
-                  <a:t>log likelihood</a:t>
+                  <a:t>log </a:t>
+                </a:r>
+                <a:r>
+                  <a:rPr kumimoji="1" lang="en-US" altLang="zh-CN" i="1" u="sng" dirty="0"/>
+                  <a:t>partial</a:t>
+                </a:r>
+                <a:r>
+                  <a:rPr kumimoji="1" lang="en-US" altLang="zh-CN" u="sng" dirty="0"/>
+                  <a:t> likelihood</a:t>
                 </a:r>
               </a:p>
             </p:txBody>
           </p:sp>
         </mc:Choice>
-        <mc:Fallback>
+        <mc:Fallback xmlns="">
           <p:sp>
             <p:nvSpPr>
               <p:cNvPr id="3" name="内容占位符 2">
@@ -11659,7 +15321,7 @@
             </p:nvSpPr>
             <p:spPr>
               <a:blipFill>
-                <a:blip r:embed="rId2"/>
+                <a:blip r:embed="rId3"/>
                 <a:stretch>
                   <a:fillRect l="-1447" t="-2459"/>
                 </a:stretch>
@@ -11682,10 +15344,10 @@
       </mc:AlternateContent>
       <p:pic>
         <p:nvPicPr>
-          <p:cNvPr id="4" name="图片 3">
+          <p:cNvPr id="5" name="图片 4">
             <a:extLst>
               <a:ext uri="{FF2B5EF4-FFF2-40B4-BE49-F238E27FC236}">
-                <a16:creationId xmlns:a16="http://schemas.microsoft.com/office/drawing/2014/main" id="{DEEC53B0-386D-0E45-8789-4FE48EF0C0A8}"/>
+                <a16:creationId xmlns:a16="http://schemas.microsoft.com/office/drawing/2014/main" id="{4AB72725-C742-EC4B-8C0B-66EB8D5C001C}"/>
               </a:ext>
             </a:extLst>
           </p:cNvPr>
@@ -11695,15 +15357,15 @@
           <p:nvPr/>
         </p:nvPicPr>
         <p:blipFill>
-          <a:blip r:embed="rId3"/>
+          <a:blip r:embed="rId4"/>
           <a:stretch>
             <a:fillRect/>
           </a:stretch>
         </p:blipFill>
         <p:spPr>
           <a:xfrm>
-            <a:off x="2051050" y="2901035"/>
-            <a:ext cx="5041900" cy="2946400"/>
+            <a:off x="1248337" y="2925859"/>
+            <a:ext cx="6647326" cy="2782214"/>
           </a:xfrm>
           <a:prstGeom prst="rect">
             <a:avLst/>
@@ -11713,7 +15375,7 @@
     </p:spTree>
     <p:extLst>
       <p:ext uri="{BB962C8B-B14F-4D97-AF65-F5344CB8AC3E}">
-        <p14:creationId xmlns:p14="http://schemas.microsoft.com/office/powerpoint/2010/main" val="967189416"/>
+        <p14:creationId xmlns:p14="http://schemas.microsoft.com/office/powerpoint/2010/main" val="2507188106"/>
       </p:ext>
     </p:extLst>
   </p:cSld>
@@ -11763,237 +15425,14 @@
           <a:p>
             <a:r>
               <a:rPr kumimoji="1" lang="en-US" altLang="zh-CN" dirty="0"/>
-              <a:t>Loss Functions (2/3)</a:t>
+              <a:t>Loss Functions (3/3)</a:t>
             </a:r>
             <a:endParaRPr kumimoji="1" lang="zh-CN" altLang="en-US" dirty="0"/>
           </a:p>
         </p:txBody>
       </p:sp>
-      <mc:AlternateContent xmlns:mc="http://schemas.openxmlformats.org/markup-compatibility/2006">
-        <mc:Choice xmlns:a14="http://schemas.microsoft.com/office/drawing/2010/main" Requires="a14">
-          <p:sp>
-            <p:nvSpPr>
-              <p:cNvPr id="3" name="内容占位符 2">
-                <a:extLst>
-                  <a:ext uri="{FF2B5EF4-FFF2-40B4-BE49-F238E27FC236}">
-                    <a16:creationId xmlns:a16="http://schemas.microsoft.com/office/drawing/2014/main" id="{99754BC8-6D98-0A4C-94D3-D2A259647313}"/>
-                  </a:ext>
-                </a:extLst>
-              </p:cNvPr>
-              <p:cNvSpPr>
-                <a:spLocks noGrp="1"/>
-              </p:cNvSpPr>
-              <p:nvPr>
-                <p:ph idx="1"/>
-              </p:nvPr>
-            </p:nvSpPr>
-            <p:spPr/>
-            <p:txBody>
-              <a:bodyPr/>
-              <a:lstStyle/>
-              <a:p>
-                <a:r>
-                  <a:rPr kumimoji="1" lang="en-US" altLang="zh-CN" dirty="0"/>
-                  <a:t>Uncensored data (</a:t>
-                </a:r>
-                <a14:m>
-                  <m:oMath xmlns:m="http://schemas.openxmlformats.org/officeDocument/2006/math">
-                    <m:r>
-                      <a:rPr kumimoji="1" lang="en-US" altLang="zh-CN" b="0" i="1" smtClean="0">
-                        <a:latin typeface="Cambria Math" panose="02040503050406030204" pitchFamily="18" charset="0"/>
-                      </a:rPr>
-                      <m:t>𝑧</m:t>
-                    </m:r>
-                    <m:r>
-                      <a:rPr kumimoji="1" lang="en-US" altLang="zh-CN" b="0" i="1" smtClean="0">
-                        <a:latin typeface="Cambria Math" panose="02040503050406030204" pitchFamily="18" charset="0"/>
-                      </a:rPr>
-                      <m:t>&lt;</m:t>
-                    </m:r>
-                    <m:r>
-                      <a:rPr kumimoji="1" lang="en-US" altLang="zh-CN" b="0" i="1" smtClean="0">
-                        <a:latin typeface="Cambria Math" panose="02040503050406030204" pitchFamily="18" charset="0"/>
-                      </a:rPr>
-                      <m:t>𝑡</m:t>
-                    </m:r>
-                  </m:oMath>
-                </a14:m>
-                <a:r>
-                  <a:rPr kumimoji="1" lang="en-US" altLang="zh-CN" dirty="0"/>
-                  <a:t>)</a:t>
-                </a:r>
-              </a:p>
-              <a:p>
-                <a:pPr lvl="1"/>
-                <a:r>
-                  <a:rPr kumimoji="1" lang="en-US" altLang="zh-CN" dirty="0"/>
-                  <a:t>C.D.F. loss on the observing time </a:t>
-                </a:r>
-                <a14:m>
-                  <m:oMath xmlns:m="http://schemas.openxmlformats.org/officeDocument/2006/math">
-                    <m:r>
-                      <a:rPr kumimoji="1" lang="en-US" altLang="zh-CN" b="0" i="1" smtClean="0">
-                        <a:latin typeface="Cambria Math" panose="02040503050406030204" pitchFamily="18" charset="0"/>
-                      </a:rPr>
-                      <m:t>𝑡</m:t>
-                    </m:r>
-                  </m:oMath>
-                </a14:m>
-                <a:endParaRPr kumimoji="1" lang="en-US" altLang="zh-CN" dirty="0"/>
-              </a:p>
-              <a:p>
-                <a:pPr lvl="1"/>
-                <a:r>
-                  <a:rPr kumimoji="1" lang="en-US" altLang="zh-CN" dirty="0"/>
-                  <a:t>Maximize the </a:t>
-                </a:r>
-                <a:r>
-                  <a:rPr kumimoji="1" lang="en-US" altLang="zh-CN" u="sng" dirty="0"/>
-                  <a:t>log </a:t>
-                </a:r>
-                <a:r>
-                  <a:rPr kumimoji="1" lang="en-US" altLang="zh-CN" i="1" u="sng" dirty="0"/>
-                  <a:t>partial</a:t>
-                </a:r>
-                <a:r>
-                  <a:rPr kumimoji="1" lang="en-US" altLang="zh-CN" u="sng" dirty="0"/>
-                  <a:t> likelihood</a:t>
-                </a:r>
-              </a:p>
-            </p:txBody>
-          </p:sp>
-        </mc:Choice>
-        <mc:Fallback>
-          <p:sp>
-            <p:nvSpPr>
-              <p:cNvPr id="3" name="内容占位符 2">
-                <a:extLst>
-                  <a:ext uri="{FF2B5EF4-FFF2-40B4-BE49-F238E27FC236}">
-                    <a16:creationId xmlns:a16="http://schemas.microsoft.com/office/drawing/2014/main" id="{99754BC8-6D98-0A4C-94D3-D2A259647313}"/>
-                  </a:ext>
-                </a:extLst>
-              </p:cNvPr>
-              <p:cNvSpPr>
-                <a:spLocks noGrp="1" noRot="1" noChangeAspect="1" noMove="1" noResize="1" noEditPoints="1" noAdjustHandles="1" noChangeArrowheads="1" noChangeShapeType="1" noTextEdit="1"/>
-              </p:cNvSpPr>
-              <p:nvPr>
-                <p:ph idx="1"/>
-              </p:nvPr>
-            </p:nvSpPr>
-            <p:spPr>
-              <a:blipFill>
-                <a:blip r:embed="rId2"/>
-                <a:stretch>
-                  <a:fillRect l="-1447" t="-2459"/>
-                </a:stretch>
-              </a:blipFill>
-            </p:spPr>
-            <p:txBody>
-              <a:bodyPr/>
-              <a:lstStyle/>
-              <a:p>
-                <a:r>
-                  <a:rPr lang="zh-CN" altLang="en-US">
-                    <a:noFill/>
-                  </a:rPr>
-                  <a:t> </a:t>
-                </a:r>
-              </a:p>
-            </p:txBody>
-          </p:sp>
-        </mc:Fallback>
-      </mc:AlternateContent>
-      <p:pic>
-        <p:nvPicPr>
-          <p:cNvPr id="5" name="图片 4">
-            <a:extLst>
-              <a:ext uri="{FF2B5EF4-FFF2-40B4-BE49-F238E27FC236}">
-                <a16:creationId xmlns:a16="http://schemas.microsoft.com/office/drawing/2014/main" id="{4AB72725-C742-EC4B-8C0B-66EB8D5C001C}"/>
-              </a:ext>
-            </a:extLst>
-          </p:cNvPr>
-          <p:cNvPicPr>
-            <a:picLocks noChangeAspect="1"/>
-          </p:cNvPicPr>
-          <p:nvPr/>
-        </p:nvPicPr>
-        <p:blipFill>
-          <a:blip r:embed="rId3"/>
-          <a:stretch>
-            <a:fillRect/>
-          </a:stretch>
-        </p:blipFill>
-        <p:spPr>
-          <a:xfrm>
-            <a:off x="1248337" y="2925859"/>
-            <a:ext cx="6647326" cy="2782214"/>
-          </a:xfrm>
-          <a:prstGeom prst="rect">
-            <a:avLst/>
-          </a:prstGeom>
-        </p:spPr>
-      </p:pic>
-    </p:spTree>
-    <p:extLst>
-      <p:ext uri="{BB962C8B-B14F-4D97-AF65-F5344CB8AC3E}">
-        <p14:creationId xmlns:p14="http://schemas.microsoft.com/office/powerpoint/2010/main" val="2507188106"/>
-      </p:ext>
-    </p:extLst>
-  </p:cSld>
-  <p:clrMapOvr>
-    <a:masterClrMapping/>
-  </p:clrMapOvr>
-</p:sld>
-</file>
-
-<file path=ppt/slides/slide23.xml><?xml version="1.0" encoding="utf-8"?>
-<p:sld xmlns:a="http://schemas.openxmlformats.org/drawingml/2006/main" xmlns:r="http://schemas.openxmlformats.org/officeDocument/2006/relationships" xmlns:p="http://schemas.openxmlformats.org/presentationml/2006/main">
-  <p:cSld>
-    <p:spTree>
-      <p:nvGrpSpPr>
-        <p:cNvPr id="1" name=""/>
-        <p:cNvGrpSpPr/>
-        <p:nvPr/>
-      </p:nvGrpSpPr>
-      <p:grpSpPr>
-        <a:xfrm>
-          <a:off x="0" y="0"/>
-          <a:ext cx="0" cy="0"/>
-          <a:chOff x="0" y="0"/>
-          <a:chExt cx="0" cy="0"/>
-        </a:xfrm>
-      </p:grpSpPr>
-      <p:sp>
-        <p:nvSpPr>
-          <p:cNvPr id="2" name="标题 1">
-            <a:extLst>
-              <a:ext uri="{FF2B5EF4-FFF2-40B4-BE49-F238E27FC236}">
-                <a16:creationId xmlns:a16="http://schemas.microsoft.com/office/drawing/2014/main" id="{EE75F1D0-F2E7-3849-A55A-93005E129438}"/>
-              </a:ext>
-            </a:extLst>
-          </p:cNvPr>
-          <p:cNvSpPr>
-            <a:spLocks noGrp="1"/>
-          </p:cNvSpPr>
-          <p:nvPr>
-            <p:ph type="title"/>
-          </p:nvPr>
-        </p:nvSpPr>
-        <p:spPr/>
-        <p:txBody>
-          <a:bodyPr/>
-          <a:lstStyle/>
-          <a:p>
-            <a:r>
-              <a:rPr kumimoji="1" lang="en-US" altLang="zh-CN" dirty="0"/>
-              <a:t>Loss Functions (3/3)</a:t>
-            </a:r>
-            <a:endParaRPr kumimoji="1" lang="zh-CN" altLang="en-US" dirty="0"/>
-          </a:p>
-        </p:txBody>
-      </p:sp>
-      <mc:AlternateContent xmlns:mc="http://schemas.openxmlformats.org/markup-compatibility/2006">
-        <mc:Choice xmlns:a14="http://schemas.microsoft.com/office/drawing/2010/main" Requires="a14">
+      <mc:AlternateContent xmlns:mc="http://schemas.openxmlformats.org/markup-compatibility/2006" xmlns:a14="http://schemas.microsoft.com/office/drawing/2010/main">
+        <mc:Choice Requires="a14">
           <p:sp>
             <p:nvSpPr>
               <p:cNvPr id="3" name="内容占位符 2">
@@ -12119,7 +15558,7 @@
             </p:txBody>
           </p:sp>
         </mc:Choice>
-        <mc:Fallback>
+        <mc:Fallback xmlns="">
           <p:sp>
             <p:nvSpPr>
               <p:cNvPr id="3" name="内容占位符 2">
@@ -12138,7 +15577,7 @@
             </p:nvSpPr>
             <p:spPr>
               <a:blipFill>
-                <a:blip r:embed="rId2"/>
+                <a:blip r:embed="rId3"/>
                 <a:stretch>
                   <a:fillRect l="-1447" t="-2459"/>
                 </a:stretch>
@@ -12174,7 +15613,7 @@
           <p:nvPr/>
         </p:nvPicPr>
         <p:blipFill>
-          <a:blip r:embed="rId3"/>
+          <a:blip r:embed="rId4"/>
           <a:stretch>
             <a:fillRect/>
           </a:stretch>
@@ -12202,7 +15641,7 @@
 </p:sld>
 </file>
 
-<file path=ppt/slides/slide24.xml><?xml version="1.0" encoding="utf-8"?>
+<file path=ppt/slides/slide23.xml><?xml version="1.0" encoding="utf-8"?>
 <p:sld xmlns:a="http://schemas.openxmlformats.org/drawingml/2006/main" xmlns:r="http://schemas.openxmlformats.org/officeDocument/2006/relationships" xmlns:p="http://schemas.openxmlformats.org/presentationml/2006/main">
   <p:cSld>
     <p:spTree>
@@ -12443,7 +15882,7 @@
                 <a:avLst/>
               </a:prstGeom>
               <a:blipFill>
-                <a:blip r:embed="rId2"/>
+                <a:blip r:embed="rId3"/>
                 <a:stretch>
                   <a:fillRect b="-7018"/>
                 </a:stretch>
@@ -12883,7 +16322,7 @@
 </p:sld>
 </file>
 
-<file path=ppt/slides/slide25.xml><?xml version="1.0" encoding="utf-8"?>
+<file path=ppt/slides/slide24.xml><?xml version="1.0" encoding="utf-8"?>
 <p:sld xmlns:a="http://schemas.openxmlformats.org/drawingml/2006/main" xmlns:r="http://schemas.openxmlformats.org/officeDocument/2006/relationships" xmlns:p="http://schemas.openxmlformats.org/presentationml/2006/main">
   <p:cSld>
     <p:spTree>
@@ -12917,7 +16356,7 @@
           </p:nvPr>
         </p:nvPicPr>
         <p:blipFill>
-          <a:blip r:embed="rId2">
+          <a:blip r:embed="rId3">
             <a:extLst>
               <a:ext uri="{28A0092B-C50C-407E-A947-70E740481C1C}">
                 <a14:useLocalDpi xmlns:a14="http://schemas.microsoft.com/office/drawing/2010/main" val="0"/>
@@ -13436,8 +16875,8 @@
 </p:sld>
 </file>
 
-<file path=ppt/slides/slide26.xml><?xml version="1.0" encoding="utf-8"?>
-<p:sld xmlns:a="http://schemas.openxmlformats.org/drawingml/2006/main" xmlns:r="http://schemas.openxmlformats.org/officeDocument/2006/relationships" xmlns:p="http://schemas.openxmlformats.org/presentationml/2006/main">
+<file path=ppt/slides/slide25.xml><?xml version="1.0" encoding="utf-8"?>
+<p:sld xmlns:a="http://schemas.openxmlformats.org/drawingml/2006/main" xmlns:r="http://schemas.openxmlformats.org/officeDocument/2006/relationships" xmlns:p="http://schemas.openxmlformats.org/presentationml/2006/main" show="0">
   <p:cSld>
     <p:spTree>
       <p:nvGrpSpPr>
@@ -14101,8 +17540,8 @@
 </p:sld>
 </file>
 
-<file path=ppt/slides/slide27.xml><?xml version="1.0" encoding="utf-8"?>
-<p:sld xmlns:a="http://schemas.openxmlformats.org/drawingml/2006/main" xmlns:r="http://schemas.openxmlformats.org/officeDocument/2006/relationships" xmlns:p="http://schemas.openxmlformats.org/presentationml/2006/main">
+<file path=ppt/slides/slide26.xml><?xml version="1.0" encoding="utf-8"?>
+<p:sld xmlns:a="http://schemas.openxmlformats.org/drawingml/2006/main" xmlns:r="http://schemas.openxmlformats.org/officeDocument/2006/relationships" xmlns:p="http://schemas.openxmlformats.org/presentationml/2006/main" show="0">
   <p:cSld>
     <p:spTree>
       <p:nvGrpSpPr>
@@ -14447,8 +17886,8 @@
 </p:sld>
 </file>
 
-<file path=ppt/slides/slide28.xml><?xml version="1.0" encoding="utf-8"?>
-<p:sld xmlns:a="http://schemas.openxmlformats.org/drawingml/2006/main" xmlns:r="http://schemas.openxmlformats.org/officeDocument/2006/relationships" xmlns:p="http://schemas.openxmlformats.org/presentationml/2006/main">
+<file path=ppt/slides/slide27.xml><?xml version="1.0" encoding="utf-8"?>
+<p:sld xmlns:a="http://schemas.openxmlformats.org/drawingml/2006/main" xmlns:r="http://schemas.openxmlformats.org/officeDocument/2006/relationships" xmlns:p="http://schemas.openxmlformats.org/presentationml/2006/main" show="0">
   <p:cSld>
     <p:spTree>
       <p:nvGrpSpPr>
@@ -15020,8 +18459,8 @@
 </p:sld>
 </file>
 
-<file path=ppt/slides/slide29.xml><?xml version="1.0" encoding="utf-8"?>
-<p:sld xmlns:a="http://schemas.openxmlformats.org/drawingml/2006/main" xmlns:r="http://schemas.openxmlformats.org/officeDocument/2006/relationships" xmlns:p="http://schemas.openxmlformats.org/presentationml/2006/main">
+<file path=ppt/slides/slide28.xml><?xml version="1.0" encoding="utf-8"?>
+<p:sld xmlns:a="http://schemas.openxmlformats.org/drawingml/2006/main" xmlns:r="http://schemas.openxmlformats.org/officeDocument/2006/relationships" xmlns:p="http://schemas.openxmlformats.org/presentationml/2006/main" show="0">
   <p:cSld>
     <p:spTree>
       <p:nvGrpSpPr>
@@ -15519,6 +18958,112 @@
     <p:extLst>
       <p:ext uri="{BB962C8B-B14F-4D97-AF65-F5344CB8AC3E}">
         <p14:creationId xmlns:p14="http://schemas.microsoft.com/office/powerpoint/2010/main" val="185362274"/>
+      </p:ext>
+    </p:extLst>
+  </p:cSld>
+  <p:clrMapOvr>
+    <a:masterClrMapping/>
+  </p:clrMapOvr>
+</p:sld>
+</file>
+
+<file path=ppt/slides/slide29.xml><?xml version="1.0" encoding="utf-8"?>
+<p:sld xmlns:a="http://schemas.openxmlformats.org/drawingml/2006/main" xmlns:r="http://schemas.openxmlformats.org/officeDocument/2006/relationships" xmlns:p="http://schemas.openxmlformats.org/presentationml/2006/main">
+  <p:cSld>
+    <p:spTree>
+      <p:nvGrpSpPr>
+        <p:cNvPr id="1" name=""/>
+        <p:cNvGrpSpPr/>
+        <p:nvPr/>
+      </p:nvGrpSpPr>
+      <p:grpSpPr>
+        <a:xfrm>
+          <a:off x="0" y="0"/>
+          <a:ext cx="0" cy="0"/>
+          <a:chOff x="0" y="0"/>
+          <a:chExt cx="0" cy="0"/>
+        </a:xfrm>
+      </p:grpSpPr>
+      <p:sp>
+        <p:nvSpPr>
+          <p:cNvPr id="2" name="标题 1">
+            <a:extLst>
+              <a:ext uri="{FF2B5EF4-FFF2-40B4-BE49-F238E27FC236}">
+                <a16:creationId xmlns:a16="http://schemas.microsoft.com/office/drawing/2014/main" id="{A79C4D3C-D135-F04C-A8C6-D558BED20F49}"/>
+              </a:ext>
+            </a:extLst>
+          </p:cNvPr>
+          <p:cNvSpPr>
+            <a:spLocks noGrp="1"/>
+          </p:cNvSpPr>
+          <p:nvPr>
+            <p:ph type="title"/>
+          </p:nvPr>
+        </p:nvSpPr>
+        <p:spPr/>
+        <p:txBody>
+          <a:bodyPr/>
+          <a:lstStyle/>
+          <a:p>
+            <a:r>
+              <a:rPr kumimoji="1" lang="en-US" altLang="zh-CN" dirty="0"/>
+              <a:t>Experiments</a:t>
+            </a:r>
+            <a:endParaRPr kumimoji="1" lang="zh-CN" altLang="en-US" dirty="0"/>
+          </a:p>
+        </p:txBody>
+      </p:sp>
+      <p:sp>
+        <p:nvSpPr>
+          <p:cNvPr id="3" name="内容占位符 2">
+            <a:extLst>
+              <a:ext uri="{FF2B5EF4-FFF2-40B4-BE49-F238E27FC236}">
+                <a16:creationId xmlns:a16="http://schemas.microsoft.com/office/drawing/2014/main" id="{AF0EC9BA-70FD-814C-8272-0AB9DFE127FC}"/>
+              </a:ext>
+            </a:extLst>
+          </p:cNvPr>
+          <p:cNvSpPr>
+            <a:spLocks noGrp="1"/>
+          </p:cNvSpPr>
+          <p:nvPr>
+            <p:ph idx="1"/>
+          </p:nvPr>
+        </p:nvSpPr>
+        <p:spPr/>
+        <p:txBody>
+          <a:bodyPr/>
+          <a:lstStyle/>
+          <a:p>
+            <a:r>
+              <a:rPr kumimoji="1" lang="en-US" altLang="zh-CN" dirty="0"/>
+              <a:t>3 real-world large-scale datasets</a:t>
+            </a:r>
+          </a:p>
+          <a:p>
+            <a:endParaRPr kumimoji="1" lang="en-US" altLang="zh-CN" dirty="0"/>
+          </a:p>
+          <a:p>
+            <a:r>
+              <a:rPr kumimoji="1" lang="en-US" altLang="zh-CN" dirty="0"/>
+              <a:t>2 evaluation metrics</a:t>
+            </a:r>
+          </a:p>
+          <a:p>
+            <a:endParaRPr kumimoji="1" lang="en-US" altLang="zh-CN" dirty="0"/>
+          </a:p>
+          <a:p>
+            <a:r>
+              <a:rPr kumimoji="1" lang="en-US" altLang="zh-CN" dirty="0"/>
+              <a:t>6 compared baseline models</a:t>
+            </a:r>
+            <a:endParaRPr kumimoji="1" lang="zh-CN" altLang="en-US" dirty="0"/>
+          </a:p>
+        </p:txBody>
+      </p:sp>
+    </p:spTree>
+    <p:extLst>
+      <p:ext uri="{BB962C8B-B14F-4D97-AF65-F5344CB8AC3E}">
+        <p14:creationId xmlns:p14="http://schemas.microsoft.com/office/powerpoint/2010/main" val="1827106145"/>
       </p:ext>
     </p:extLst>
   </p:cSld>
@@ -16036,7 +19581,7 @@
           <a:p>
             <a:r>
               <a:rPr kumimoji="1" lang="en-US" altLang="zh-CN" dirty="0"/>
-              <a:t>Experiments</a:t>
+              <a:t>Datasets</a:t>
             </a:r>
             <a:endParaRPr kumimoji="1" lang="zh-CN" altLang="en-US" dirty="0"/>
           </a:p>
@@ -16069,112 +19614,6 @@
             </a:r>
           </a:p>
           <a:p>
-            <a:endParaRPr kumimoji="1" lang="en-US" altLang="zh-CN" dirty="0"/>
-          </a:p>
-          <a:p>
-            <a:r>
-              <a:rPr kumimoji="1" lang="en-US" altLang="zh-CN" dirty="0"/>
-              <a:t>2 evaluation metrics</a:t>
-            </a:r>
-          </a:p>
-          <a:p>
-            <a:endParaRPr kumimoji="1" lang="en-US" altLang="zh-CN" dirty="0"/>
-          </a:p>
-          <a:p>
-            <a:r>
-              <a:rPr kumimoji="1" lang="en-US" altLang="zh-CN" dirty="0"/>
-              <a:t>6 compared baseline models</a:t>
-            </a:r>
-            <a:endParaRPr kumimoji="1" lang="zh-CN" altLang="en-US" dirty="0"/>
-          </a:p>
-        </p:txBody>
-      </p:sp>
-    </p:spTree>
-    <p:extLst>
-      <p:ext uri="{BB962C8B-B14F-4D97-AF65-F5344CB8AC3E}">
-        <p14:creationId xmlns:p14="http://schemas.microsoft.com/office/powerpoint/2010/main" val="1827106145"/>
-      </p:ext>
-    </p:extLst>
-  </p:cSld>
-  <p:clrMapOvr>
-    <a:masterClrMapping/>
-  </p:clrMapOvr>
-</p:sld>
-</file>
-
-<file path=ppt/slides/slide31.xml><?xml version="1.0" encoding="utf-8"?>
-<p:sld xmlns:a="http://schemas.openxmlformats.org/drawingml/2006/main" xmlns:r="http://schemas.openxmlformats.org/officeDocument/2006/relationships" xmlns:p="http://schemas.openxmlformats.org/presentationml/2006/main">
-  <p:cSld>
-    <p:spTree>
-      <p:nvGrpSpPr>
-        <p:cNvPr id="1" name=""/>
-        <p:cNvGrpSpPr/>
-        <p:nvPr/>
-      </p:nvGrpSpPr>
-      <p:grpSpPr>
-        <a:xfrm>
-          <a:off x="0" y="0"/>
-          <a:ext cx="0" cy="0"/>
-          <a:chOff x="0" y="0"/>
-          <a:chExt cx="0" cy="0"/>
-        </a:xfrm>
-      </p:grpSpPr>
-      <p:sp>
-        <p:nvSpPr>
-          <p:cNvPr id="2" name="标题 1">
-            <a:extLst>
-              <a:ext uri="{FF2B5EF4-FFF2-40B4-BE49-F238E27FC236}">
-                <a16:creationId xmlns:a16="http://schemas.microsoft.com/office/drawing/2014/main" id="{A79C4D3C-D135-F04C-A8C6-D558BED20F49}"/>
-              </a:ext>
-            </a:extLst>
-          </p:cNvPr>
-          <p:cNvSpPr>
-            <a:spLocks noGrp="1"/>
-          </p:cNvSpPr>
-          <p:nvPr>
-            <p:ph type="title"/>
-          </p:nvPr>
-        </p:nvSpPr>
-        <p:spPr/>
-        <p:txBody>
-          <a:bodyPr/>
-          <a:lstStyle/>
-          <a:p>
-            <a:r>
-              <a:rPr kumimoji="1" lang="en-US" altLang="zh-CN" dirty="0"/>
-              <a:t>Datasets</a:t>
-            </a:r>
-            <a:endParaRPr kumimoji="1" lang="zh-CN" altLang="en-US" dirty="0"/>
-          </a:p>
-        </p:txBody>
-      </p:sp>
-      <p:sp>
-        <p:nvSpPr>
-          <p:cNvPr id="3" name="内容占位符 2">
-            <a:extLst>
-              <a:ext uri="{FF2B5EF4-FFF2-40B4-BE49-F238E27FC236}">
-                <a16:creationId xmlns:a16="http://schemas.microsoft.com/office/drawing/2014/main" id="{AF0EC9BA-70FD-814C-8272-0AB9DFE127FC}"/>
-              </a:ext>
-            </a:extLst>
-          </p:cNvPr>
-          <p:cNvSpPr>
-            <a:spLocks noGrp="1"/>
-          </p:cNvSpPr>
-          <p:nvPr>
-            <p:ph idx="1"/>
-          </p:nvPr>
-        </p:nvSpPr>
-        <p:spPr/>
-        <p:txBody>
-          <a:bodyPr/>
-          <a:lstStyle/>
-          <a:p>
-            <a:r>
-              <a:rPr kumimoji="1" lang="en-US" altLang="zh-CN" dirty="0"/>
-              <a:t>3 real-world large-scale datasets</a:t>
-            </a:r>
-          </a:p>
-          <a:p>
             <a:pPr lvl="1"/>
             <a:r>
               <a:rPr kumimoji="1" lang="en-US" altLang="zh-CN" dirty="0"/>
@@ -16185,13 +19624,13 @@
             <a:pPr lvl="1"/>
             <a:r>
               <a:rPr kumimoji="1" lang="en-US" altLang="zh-CN" dirty="0">
-                <a:hlinkClick r:id="rId2"/>
+                <a:hlinkClick r:id="rId3"/>
               </a:rPr>
               <a:t>https://goo.gl/nUFND4</a:t>
             </a:r>
             <a:r>
               <a:rPr kumimoji="1" lang="en-US" altLang="zh-CN" dirty="0"/>
-              <a:t>. </a:t>
+              <a:t>.</a:t>
             </a:r>
           </a:p>
           <a:p>
@@ -16233,7 +19672,7 @@
           <p:nvPr/>
         </p:nvPicPr>
         <p:blipFill>
-          <a:blip r:embed="rId3"/>
+          <a:blip r:embed="rId4"/>
           <a:stretch>
             <a:fillRect/>
           </a:stretch>
@@ -16261,7 +19700,7 @@
 </p:sld>
 </file>
 
-<file path=ppt/slides/slide32.xml><?xml version="1.0" encoding="utf-8"?>
+<file path=ppt/slides/slide31.xml><?xml version="1.0" encoding="utf-8"?>
 <p:sld xmlns:a="http://schemas.openxmlformats.org/drawingml/2006/main" xmlns:r="http://schemas.openxmlformats.org/officeDocument/2006/relationships" xmlns:p="http://schemas.openxmlformats.org/presentationml/2006/main">
   <p:cSld>
     <p:spTree>
@@ -16307,8 +19746,8 @@
           </a:p>
         </p:txBody>
       </p:sp>
-      <mc:AlternateContent xmlns:mc="http://schemas.openxmlformats.org/markup-compatibility/2006">
-        <mc:Choice xmlns:a14="http://schemas.microsoft.com/office/drawing/2010/main" Requires="a14">
+      <mc:AlternateContent xmlns:mc="http://schemas.openxmlformats.org/markup-compatibility/2006" xmlns:a14="http://schemas.microsoft.com/office/drawing/2010/main">
+        <mc:Choice Requires="a14">
           <p:sp>
             <p:nvSpPr>
               <p:cNvPr id="3" name="内容占位符 2">
@@ -16394,7 +19833,7 @@
             </p:txBody>
           </p:sp>
         </mc:Choice>
-        <mc:Fallback>
+        <mc:Fallback xmlns="">
           <p:sp>
             <p:nvSpPr>
               <p:cNvPr id="3" name="内容占位符 2">
@@ -16413,7 +19852,7 @@
             </p:nvSpPr>
             <p:spPr>
               <a:blipFill>
-                <a:blip r:embed="rId2"/>
+                <a:blip r:embed="rId3"/>
                 <a:stretch>
                   <a:fillRect l="-1447" t="-2459"/>
                 </a:stretch>
@@ -16447,7 +19886,7 @@
 </p:sld>
 </file>
 
-<file path=ppt/slides/slide33.xml><?xml version="1.0" encoding="utf-8"?>
+<file path=ppt/slides/slide32.xml><?xml version="1.0" encoding="utf-8"?>
 <p:sld xmlns:a="http://schemas.openxmlformats.org/drawingml/2006/main" xmlns:r="http://schemas.openxmlformats.org/officeDocument/2006/relationships" xmlns:p="http://schemas.openxmlformats.org/presentationml/2006/main">
   <p:cSld>
     <p:spTree>
@@ -16518,7 +19957,7 @@
           </p:nvPr>
         </p:nvPicPr>
         <p:blipFill>
-          <a:blip r:embed="rId2"/>
+          <a:blip r:embed="rId3"/>
           <a:stretch>
             <a:fillRect/>
           </a:stretch>
@@ -16567,7 +20006,25 @@
                 </a:solidFill>
                 <a:latin typeface="Helvetica" pitchFamily="2" charset="0"/>
               </a:rPr>
-              <a:t>Performance comparison on C-index (the higher, the better) and ANLP (the lower, the better). (* indicates p- value &lt; 10−6 in significance test)</a:t>
+              <a:t>Performance comparison on C-index (the higher, the better) and ANLP (the lower, the better). (* indicates p- value &lt; 10−6 in </a:t>
+            </a:r>
+            <a:r>
+              <a:rPr lang="en-US" altLang="zh-CN" u="sng" dirty="0">
+                <a:solidFill>
+                  <a:srgbClr val="000000"/>
+                </a:solidFill>
+                <a:latin typeface="Helvetica" pitchFamily="2" charset="0"/>
+              </a:rPr>
+              <a:t>significance test</a:t>
+            </a:r>
+            <a:r>
+              <a:rPr lang="en-US" altLang="zh-CN" dirty="0">
+                <a:solidFill>
+                  <a:srgbClr val="000000"/>
+                </a:solidFill>
+                <a:latin typeface="Helvetica" pitchFamily="2" charset="0"/>
+              </a:rPr>
+              <a:t>)</a:t>
             </a:r>
             <a:endParaRPr lang="en-US" altLang="zh-CN" dirty="0">
               <a:solidFill>
@@ -16592,7 +20049,7 @@
 </p:sld>
 </file>
 
-<file path=ppt/slides/slide34.xml><?xml version="1.0" encoding="utf-8"?>
+<file path=ppt/slides/slide33.xml><?xml version="1.0" encoding="utf-8"?>
 <p:sld xmlns:a="http://schemas.openxmlformats.org/drawingml/2006/main" xmlns:r="http://schemas.openxmlformats.org/officeDocument/2006/relationships" xmlns:p="http://schemas.openxmlformats.org/presentationml/2006/main">
   <p:cSld>
     <p:spTree>
@@ -16663,7 +20120,7 @@
           </p:nvPr>
         </p:nvPicPr>
         <p:blipFill>
-          <a:blip r:embed="rId2"/>
+          <a:blip r:embed="rId3"/>
           <a:stretch>
             <a:fillRect/>
           </a:stretch>
@@ -16691,7 +20148,7 @@
 </p:sld>
 </file>
 
-<file path=ppt/slides/slide35.xml><?xml version="1.0" encoding="utf-8"?>
+<file path=ppt/slides/slide34.xml><?xml version="1.0" encoding="utf-8"?>
 <p:sld xmlns:a="http://schemas.openxmlformats.org/drawingml/2006/main" xmlns:r="http://schemas.openxmlformats.org/officeDocument/2006/relationships" xmlns:p="http://schemas.openxmlformats.org/presentationml/2006/main">
   <p:cSld>
     <p:spTree>
@@ -16762,7 +20219,7 @@
           </p:nvPr>
         </p:nvPicPr>
         <p:blipFill>
-          <a:blip r:embed="rId2">
+          <a:blip r:embed="rId3">
             <a:extLst>
               <a:ext uri="{28A0092B-C50C-407E-A947-70E740481C1C}">
                 <a14:useLocalDpi xmlns:a14="http://schemas.microsoft.com/office/drawing/2010/main" val="0"/>
@@ -16793,7 +20250,7 @@
 </p:sld>
 </file>
 
-<file path=ppt/slides/slide36.xml><?xml version="1.0" encoding="utf-8"?>
+<file path=ppt/slides/slide35.xml><?xml version="1.0" encoding="utf-8"?>
 <p:sld xmlns:a="http://schemas.openxmlformats.org/drawingml/2006/main" xmlns:r="http://schemas.openxmlformats.org/officeDocument/2006/relationships" xmlns:p="http://schemas.openxmlformats.org/presentationml/2006/main" show="0">
   <p:cSld>
     <p:spTree>
@@ -16884,7 +20341,7 @@
 </p:sld>
 </file>
 
-<file path=ppt/slides/slide37.xml><?xml version="1.0" encoding="utf-8"?>
+<file path=ppt/slides/slide36.xml><?xml version="1.0" encoding="utf-8"?>
 <p:sld xmlns:a="http://schemas.openxmlformats.org/drawingml/2006/main" xmlns:r="http://schemas.openxmlformats.org/officeDocument/2006/relationships" xmlns:p="http://schemas.openxmlformats.org/presentationml/2006/main">
   <p:cSld>
     <p:spTree>
@@ -16930,8 +20387,8 @@
           </a:p>
         </p:txBody>
       </p:sp>
-      <mc:AlternateContent xmlns:mc="http://schemas.openxmlformats.org/markup-compatibility/2006">
-        <mc:Choice xmlns:a14="http://schemas.microsoft.com/office/drawing/2010/main" Requires="a14">
+      <mc:AlternateContent xmlns:mc="http://schemas.openxmlformats.org/markup-compatibility/2006" xmlns:a14="http://schemas.microsoft.com/office/drawing/2010/main">
+        <mc:Choice Requires="a14">
           <p:sp>
             <p:nvSpPr>
               <p:cNvPr id="3" name="内容占位符 2">
@@ -17064,7 +20521,7 @@
                 </a:r>
                 <a:r>
                   <a:rPr kumimoji="1" lang="en-US" altLang="zh-CN" dirty="0">
-                    <a:hlinkClick r:id="rId2"/>
+                    <a:hlinkClick r:id="rId3"/>
                   </a:rPr>
                   <a:t>https://github.com/rk2900/drsa</a:t>
                 </a:r>
@@ -17113,7 +20570,7 @@
             </p:txBody>
           </p:sp>
         </mc:Choice>
-        <mc:Fallback>
+        <mc:Fallback xmlns="">
           <p:sp>
             <p:nvSpPr>
               <p:cNvPr id="3" name="内容占位符 2">
@@ -17132,7 +20589,7 @@
             </p:nvSpPr>
             <p:spPr>
               <a:blipFill>
-                <a:blip r:embed="rId3"/>
+                <a:blip r:embed="rId4"/>
                 <a:stretch>
                   <a:fillRect l="-1286" t="-3825"/>
                 </a:stretch>
@@ -17168,7 +20625,7 @@
           <p:nvPr/>
         </p:nvPicPr>
         <p:blipFill>
-          <a:blip r:embed="rId4">
+          <a:blip r:embed="rId5">
             <a:extLst>
               <a:ext uri="{28A0092B-C50C-407E-A947-70E740481C1C}">
                 <a14:useLocalDpi xmlns:a14="http://schemas.microsoft.com/office/drawing/2010/main" val="0"/>
@@ -17378,8 +20835,8 @@
           </a:p>
         </p:txBody>
       </p:sp>
-      <mc:AlternateContent xmlns:mc="http://schemas.openxmlformats.org/markup-compatibility/2006" xmlns:a14="http://schemas.microsoft.com/office/drawing/2010/main">
-        <mc:Choice Requires="a14">
+      <mc:AlternateContent xmlns:mc="http://schemas.openxmlformats.org/markup-compatibility/2006">
+        <mc:Choice xmlns:a14="http://schemas.microsoft.com/office/drawing/2010/main" Requires="a14">
           <p:sp>
             <p:nvSpPr>
               <p:cNvPr id="3" name="内容占位符 2">
@@ -17424,7 +20881,7 @@
                 </a:r>
                 <a:r>
                   <a:rPr kumimoji="1" lang="en-US" altLang="zh-CN" sz="2000" dirty="0"/>
-                  <a:t> at each time </a:t>
+                  <a:t> at each time: </a:t>
                 </a:r>
                 <a14:m>
                   <m:oMath xmlns:m="http://schemas.openxmlformats.org/officeDocument/2006/math">
@@ -17457,10 +20914,7 @@
                     </m:r>
                   </m:oMath>
                 </a14:m>
-                <a:r>
-                  <a:rPr kumimoji="1" lang="en-US" altLang="zh-CN" sz="2000" dirty="0"/>
-                  <a:t>;</a:t>
-                </a:r>
+                <a:endParaRPr kumimoji="1" lang="en-US" altLang="zh-CN" sz="2000" dirty="0"/>
               </a:p>
               <a:p>
                 <a:pPr lvl="1"/>
@@ -17478,7 +20932,7 @@
                 </a:r>
                 <a:r>
                   <a:rPr kumimoji="1" lang="en-US" altLang="zh-CN" sz="2000" dirty="0"/>
-                  <a:t> at that time </a:t>
+                  <a:t> at that time: </a:t>
                 </a:r>
                 <a14:m>
                   <m:oMath xmlns:m="http://schemas.openxmlformats.org/officeDocument/2006/math">
@@ -17510,16 +20964,13 @@
                     </m:d>
                   </m:oMath>
                 </a14:m>
-                <a:r>
-                  <a:rPr kumimoji="1" lang="en-US" altLang="zh-CN" sz="2000" dirty="0"/>
-                  <a:t>;</a:t>
-                </a:r>
+                <a:endParaRPr kumimoji="1" lang="en-US" altLang="zh-CN" sz="2000" dirty="0"/>
               </a:p>
               <a:p>
                 <a:pPr lvl="1"/>
                 <a:r>
                   <a:rPr kumimoji="1" lang="en-US" altLang="zh-CN" sz="2000" dirty="0"/>
-                  <a:t>The probability of event </a:t>
+                  <a:t>the probability of event </a:t>
                 </a:r>
                 <a:r>
                   <a:rPr kumimoji="1" lang="en-US" altLang="zh-CN" sz="2000" i="1" dirty="0">
@@ -17533,7 +20984,7 @@
                 </a:r>
                 <a:r>
                   <a:rPr kumimoji="1" lang="en-US" altLang="zh-CN" sz="2000" dirty="0"/>
-                  <a:t>at the time </a:t>
+                  <a:t>at the time: </a:t>
                 </a:r>
                 <a14:m>
                   <m:oMath xmlns:m="http://schemas.openxmlformats.org/officeDocument/2006/math">
@@ -17560,12 +21011,6 @@
                         </m:r>
                       </m:e>
                     </m:d>
-                    <m:r>
-                      <a:rPr kumimoji="1" lang="en-US" altLang="zh-CN" sz="2000" b="0" i="1" smtClean="0">
-                        <a:latin typeface="Cambria Math" panose="02040503050406030204" pitchFamily="18" charset="0"/>
-                      </a:rPr>
-                      <m:t>.</m:t>
-                    </m:r>
                   </m:oMath>
                 </a14:m>
                 <a:endParaRPr kumimoji="1" lang="en-US" altLang="zh-CN" sz="2000" dirty="0"/>
@@ -17629,6 +21074,9 @@
                   <m:oMath xmlns:m="http://schemas.openxmlformats.org/officeDocument/2006/math">
                     <m:r>
                       <a:rPr kumimoji="1" lang="en-US" altLang="zh-CN" sz="2000" b="0" i="1" smtClean="0">
+                        <a:solidFill>
+                          <a:srgbClr val="FF0000"/>
+                        </a:solidFill>
                         <a:latin typeface="Cambria Math" panose="02040503050406030204" pitchFamily="18" charset="0"/>
                       </a:rPr>
                       <m:t>𝑊</m:t>
@@ -17637,6 +21085,9 @@
                       <m:dPr>
                         <m:ctrlPr>
                           <a:rPr kumimoji="1" lang="en-US" altLang="zh-CN" sz="2000" b="0" i="1" smtClean="0">
+                            <a:solidFill>
+                              <a:srgbClr val="FF0000"/>
+                            </a:solidFill>
                             <a:latin typeface="Cambria Math" panose="02040503050406030204" pitchFamily="18" charset="0"/>
                           </a:rPr>
                         </m:ctrlPr>
@@ -17644,6 +21095,9 @@
                       <m:e>
                         <m:r>
                           <a:rPr kumimoji="1" lang="en-US" altLang="zh-CN" sz="2000" b="0" i="1" smtClean="0">
+                            <a:solidFill>
+                              <a:srgbClr val="FF0000"/>
+                            </a:solidFill>
                             <a:latin typeface="Cambria Math" panose="02040503050406030204" pitchFamily="18" charset="0"/>
                           </a:rPr>
                           <m:t>𝑡</m:t>
@@ -17735,7 +21189,17 @@
                 </a:r>
                 <a:r>
                   <a:rPr kumimoji="1" lang="en-US" altLang="zh-CN" sz="2000" dirty="0"/>
-                  <a:t> Rate: S</a:t>
+                  <a:t> Rate: </a:t>
+                </a:r>
+                <a:r>
+                  <a:rPr kumimoji="1" lang="en-US" altLang="zh-CN" sz="2000" dirty="0">
+                    <a:solidFill>
+                      <a:schemeClr val="accent6">
+                        <a:lumMod val="75000"/>
+                      </a:schemeClr>
+                    </a:solidFill>
+                  </a:rPr>
+                  <a:t>S</a:t>
                 </a:r>
                 <a14:m>
                   <m:oMath xmlns:m="http://schemas.openxmlformats.org/officeDocument/2006/math">
@@ -17743,6 +21207,11 @@
                       <m:dPr>
                         <m:ctrlPr>
                           <a:rPr kumimoji="1" lang="en-US" altLang="zh-CN" sz="2000" i="1">
+                            <a:solidFill>
+                              <a:schemeClr val="accent6">
+                                <a:lumMod val="75000"/>
+                              </a:schemeClr>
+                            </a:solidFill>
                             <a:latin typeface="Cambria Math" panose="02040503050406030204" pitchFamily="18" charset="0"/>
                           </a:rPr>
                         </m:ctrlPr>
@@ -17750,6 +21219,11 @@
                       <m:e>
                         <m:r>
                           <a:rPr kumimoji="1" lang="en-US" altLang="zh-CN" sz="2000" i="1">
+                            <a:solidFill>
+                              <a:schemeClr val="accent6">
+                                <a:lumMod val="75000"/>
+                              </a:schemeClr>
+                            </a:solidFill>
                             <a:latin typeface="Cambria Math" panose="02040503050406030204" pitchFamily="18" charset="0"/>
                           </a:rPr>
                           <m:t>𝑡</m:t>
@@ -17830,24 +21304,36 @@
                     </m:r>
                     <m:r>
                       <a:rPr kumimoji="1" lang="en-US" altLang="zh-CN" sz="2000" b="0" i="1" smtClean="0">
+                        <a:solidFill>
+                          <a:srgbClr val="FF0000"/>
+                        </a:solidFill>
                         <a:latin typeface="Cambria Math" panose="02040503050406030204" pitchFamily="18" charset="0"/>
                       </a:rPr>
                       <m:t>𝑊</m:t>
                     </m:r>
                     <m:r>
                       <a:rPr kumimoji="1" lang="en-US" altLang="zh-CN" sz="2000" b="0" i="1" smtClean="0">
+                        <a:solidFill>
+                          <a:srgbClr val="FF0000"/>
+                        </a:solidFill>
                         <a:latin typeface="Cambria Math" panose="02040503050406030204" pitchFamily="18" charset="0"/>
                       </a:rPr>
                       <m:t>(</m:t>
                     </m:r>
                     <m:r>
                       <a:rPr kumimoji="1" lang="en-US" altLang="zh-CN" sz="2000" b="0" i="1" smtClean="0">
+                        <a:solidFill>
+                          <a:srgbClr val="FF0000"/>
+                        </a:solidFill>
                         <a:latin typeface="Cambria Math" panose="02040503050406030204" pitchFamily="18" charset="0"/>
                       </a:rPr>
                       <m:t>𝑡</m:t>
                     </m:r>
                     <m:r>
                       <a:rPr kumimoji="1" lang="en-US" altLang="zh-CN" sz="2000" b="0" i="1" smtClean="0">
+                        <a:solidFill>
+                          <a:srgbClr val="FF0000"/>
+                        </a:solidFill>
                         <a:latin typeface="Cambria Math" panose="02040503050406030204" pitchFamily="18" charset="0"/>
                       </a:rPr>
                       <m:t>)</m:t>
@@ -17859,7 +21345,7 @@
             </p:txBody>
           </p:sp>
         </mc:Choice>
-        <mc:Fallback xmlns="">
+        <mc:Fallback>
           <p:sp>
             <p:nvSpPr>
               <p:cNvPr id="3" name="内容占位符 2">
@@ -17878,7 +21364,7 @@
             </p:nvSpPr>
             <p:spPr>
               <a:blipFill>
-                <a:blip r:embed="rId2"/>
+                <a:blip r:embed="rId3"/>
                 <a:stretch>
                   <a:fillRect l="-965" t="-3005" b="-10929"/>
                 </a:stretch>
@@ -18174,7 +21660,7 @@
           </p:nvPr>
         </p:nvPicPr>
         <p:blipFill>
-          <a:blip r:embed="rId2">
+          <a:blip r:embed="rId3">
             <a:extLst>
               <a:ext uri="{28A0092B-C50C-407E-A947-70E740481C1C}">
                 <a14:useLocalDpi xmlns:a14="http://schemas.microsoft.com/office/drawing/2010/main" val="0"/>
@@ -18251,8 +21737,8 @@
           </a:p>
         </p:txBody>
       </p:sp>
-      <mc:AlternateContent xmlns:mc="http://schemas.openxmlformats.org/markup-compatibility/2006">
-        <mc:Choice xmlns:a14="http://schemas.microsoft.com/office/drawing/2010/main" Requires="a14">
+      <mc:AlternateContent xmlns:mc="http://schemas.openxmlformats.org/markup-compatibility/2006" xmlns:a14="http://schemas.microsoft.com/office/drawing/2010/main">
+        <mc:Choice Requires="a14">
           <p:sp>
             <p:nvSpPr>
               <p:cNvPr id="3" name="内容占位符 2">
@@ -18505,7 +21991,7 @@
             </p:txBody>
           </p:sp>
         </mc:Choice>
-        <mc:Fallback>
+        <mc:Fallback xmlns="">
           <p:sp>
             <p:nvSpPr>
               <p:cNvPr id="3" name="内容占位符 2">
@@ -18524,7 +22010,7 @@
             </p:nvSpPr>
             <p:spPr>
               <a:blipFill>
-                <a:blip r:embed="rId2"/>
+                <a:blip r:embed="rId3"/>
                 <a:stretch>
                   <a:fillRect l="-1447" t="-2732"/>
                 </a:stretch>
@@ -18789,7 +22275,7 @@
             <p:spPr/>
             <p:txBody>
               <a:bodyPr>
-                <a:normAutofit lnSpcReduction="10000"/>
+                <a:normAutofit fontScale="92500"/>
               </a:bodyPr>
               <a:lstStyle/>
               <a:p>
@@ -19182,20 +22668,67 @@
                       </a:rPr>
                       <m:t>𝑆</m:t>
                     </m:r>
+                    <m:d>
+                      <m:dPr>
+                        <m:ctrlPr>
+                          <a:rPr kumimoji="1" lang="en-US" altLang="zh-CN" b="0" i="1" smtClean="0">
+                            <a:latin typeface="Cambria Math" panose="02040503050406030204" pitchFamily="18" charset="0"/>
+                          </a:rPr>
+                        </m:ctrlPr>
+                      </m:dPr>
+                      <m:e>
+                        <m:r>
+                          <a:rPr kumimoji="1" lang="en-US" altLang="zh-CN" b="0" i="1" smtClean="0">
+                            <a:latin typeface="Cambria Math" panose="02040503050406030204" pitchFamily="18" charset="0"/>
+                          </a:rPr>
+                          <m:t>𝑡</m:t>
+                        </m:r>
+                      </m:e>
+                    </m:d>
                     <m:r>
                       <a:rPr kumimoji="1" lang="en-US" altLang="zh-CN" b="0" i="1" smtClean="0">
+                        <a:latin typeface="Cambria Math" panose="02040503050406030204" pitchFamily="18" charset="0"/>
+                      </a:rPr>
+                      <m:t>=</m:t>
+                    </m:r>
+                    <m:r>
+                      <a:rPr kumimoji="1" lang="en-US" altLang="zh-CN" i="1">
+                        <a:latin typeface="Cambria Math" panose="02040503050406030204" pitchFamily="18" charset="0"/>
+                      </a:rPr>
+                      <m:t>1−</m:t>
+                    </m:r>
+                    <m:r>
+                      <a:rPr kumimoji="1" lang="en-US" altLang="zh-CN" i="1" smtClean="0">
+                        <a:solidFill>
+                          <a:schemeClr val="tx1"/>
+                        </a:solidFill>
+                        <a:latin typeface="Cambria Math" panose="02040503050406030204" pitchFamily="18" charset="0"/>
+                      </a:rPr>
+                      <m:t>𝑊</m:t>
+                    </m:r>
+                    <m:r>
+                      <a:rPr kumimoji="1" lang="en-US" altLang="zh-CN" i="1" smtClean="0">
+                        <a:solidFill>
+                          <a:schemeClr val="tx1"/>
+                        </a:solidFill>
                         <a:latin typeface="Cambria Math" panose="02040503050406030204" pitchFamily="18" charset="0"/>
                       </a:rPr>
                       <m:t>(</m:t>
                     </m:r>
                     <m:r>
-                      <a:rPr kumimoji="1" lang="en-US" altLang="zh-CN" b="0" i="1" smtClean="0">
+                      <a:rPr kumimoji="1" lang="en-US" altLang="zh-CN" i="1" smtClean="0">
+                        <a:solidFill>
+                          <a:schemeClr val="tx1"/>
+                        </a:solidFill>
                         <a:latin typeface="Cambria Math" panose="02040503050406030204" pitchFamily="18" charset="0"/>
                       </a:rPr>
                       <m:t>𝑡</m:t>
                     </m:r>
                     <m:r>
-                      <a:rPr kumimoji="1" lang="en-US" altLang="zh-CN" b="0" i="1" smtClean="0">
+                      <a:rPr kumimoji="1" lang="en-US" altLang="zh-CN" i="1" smtClean="0">
+                        <a:solidFill>
+                          <a:schemeClr val="tx1"/>
+                        </a:solidFill>
                         <a:latin typeface="Cambria Math" panose="02040503050406030204" pitchFamily="18" charset="0"/>
                       </a:rPr>
                       <m:t>)</m:t>
@@ -19226,9 +22759,9 @@
             </p:nvSpPr>
             <p:spPr>
               <a:blipFill>
-                <a:blip r:embed="rId2"/>
+                <a:blip r:embed="rId3"/>
                 <a:stretch>
-                  <a:fillRect l="-1447" t="-3552"/>
+                  <a:fillRect l="-1286" t="-2186" b="-1913"/>
                 </a:stretch>
               </a:blipFill>
             </p:spPr>

--- a/deep-recurrent-survival-analysis.pptx
+++ b/deep-recurrent-survival-analysis.pptx
@@ -851,7 +851,7 @@
           <a:p>
             <a:r>
               <a:rPr kumimoji="1" lang="en-US" altLang="zh-CN" dirty="0"/>
-              <a:t>These tree methods predict the event probability and survival rate based on the segmented data, all the samples in the same segmented data cluster share the same probability function.</a:t>
+              <a:t>These tree methods predict the event probability and survival rate based on the segmented data, all the samples in the same segmented cluster share the same probability function.</a:t>
             </a:r>
           </a:p>
           <a:p>
@@ -2305,6 +2305,15 @@
           <a:p>
             <a:r>
               <a:rPr kumimoji="1" lang="en-US" altLang="zh-CN" dirty="0"/>
+              <a:t>We adopted three losses.</a:t>
+            </a:r>
+          </a:p>
+          <a:p>
+            <a:endParaRPr kumimoji="1" lang="en-US" altLang="zh-CN" b="1" dirty="0"/>
+          </a:p>
+          <a:p>
+            <a:r>
+              <a:rPr kumimoji="1" lang="en-US" altLang="zh-CN" dirty="0"/>
               <a:t>The first loss is to maximize the log-likelihood of the true event time for the uncensored data.</a:t>
             </a:r>
             <a:endParaRPr kumimoji="1" lang="zh-CN" altLang="en-US" dirty="0"/>
@@ -2669,480 +2678,59 @@
         </p:nvSpPr>
         <p:spPr/>
       </p:sp>
-      <mc:AlternateContent xmlns:mc="http://schemas.openxmlformats.org/markup-compatibility/2006">
-        <mc:Choice xmlns:a14="http://schemas.microsoft.com/office/drawing/2010/main" Requires="a14">
-          <p:sp>
-            <p:nvSpPr>
-              <p:cNvPr id="3" name="备注占位符 2"/>
-              <p:cNvSpPr>
-                <a:spLocks noGrp="1"/>
-              </p:cNvSpPr>
-              <p:nvPr>
-                <p:ph type="body" idx="1"/>
-              </p:nvPr>
-            </p:nvSpPr>
-            <p:spPr/>
-            <p:txBody>
-              <a:bodyPr/>
-              <a:lstStyle/>
-              <a:p>
-                <a:r>
-                  <a:rPr kumimoji="1" lang="en-US" altLang="zh-CN" dirty="0"/>
-                  <a:t>Intuitively, the goal of the two CDF losses is to</a:t>
-                </a:r>
-              </a:p>
-              <a:p>
-                <a:endParaRPr kumimoji="1" lang="en-US" altLang="zh-CN" dirty="0"/>
-              </a:p>
-              <a:p>
-                <a:pPr marL="742950" lvl="1" indent="-285750">
-                  <a:buFont typeface="Arial" panose="020B0604020202020204" pitchFamily="34" charset="0"/>
-                  <a:buChar char="•"/>
-                </a:pPr>
-                <a:r>
-                  <a:rPr kumimoji="1" lang="en-US" altLang="zh-CN" dirty="0">
-                    <a:latin typeface="Calisto MT" panose="02040603050505030304" pitchFamily="18" charset="0"/>
-                  </a:rPr>
-                  <a:t>Push down</a:t>
-                </a:r>
-                <a:r>
-                  <a:rPr kumimoji="1" lang="zh-CN" altLang="en-US" dirty="0">
-                    <a:latin typeface="Calisto MT" panose="02040603050505030304" pitchFamily="18" charset="0"/>
-                  </a:rPr>
-                  <a:t> </a:t>
-                </a:r>
-                <a14:m>
-                  <m:oMath xmlns:m="http://schemas.openxmlformats.org/officeDocument/2006/math">
-                    <m:r>
-                      <a:rPr kumimoji="1" lang="en-US" altLang="zh-CN" i="1">
-                        <a:latin typeface="Cambria Math" panose="02040503050406030204" pitchFamily="18" charset="0"/>
-                        <a:ea typeface="Cambria Math" panose="02040503050406030204" pitchFamily="18" charset="0"/>
-                      </a:rPr>
-                      <m:t>↓</m:t>
-                    </m:r>
-                  </m:oMath>
-                </a14:m>
-                <a:r>
-                  <a:rPr kumimoji="1" lang="en-US" altLang="zh-CN" dirty="0">
-                    <a:latin typeface="Calisto MT" panose="02040603050505030304" pitchFamily="18" charset="0"/>
-                  </a:rPr>
-                  <a:t> the survival curve </a:t>
-                </a:r>
-                <a14:m>
-                  <m:oMath xmlns:m="http://schemas.openxmlformats.org/officeDocument/2006/math">
-                    <m:r>
-                      <a:rPr kumimoji="1" lang="en-US" altLang="zh-CN" i="1">
-                        <a:latin typeface="Cambria Math" panose="02040503050406030204" pitchFamily="18" charset="0"/>
-                      </a:rPr>
-                      <m:t>𝑆</m:t>
-                    </m:r>
-                    <m:r>
-                      <a:rPr kumimoji="1" lang="en-US" altLang="zh-CN" i="1">
-                        <a:latin typeface="Cambria Math" panose="02040503050406030204" pitchFamily="18" charset="0"/>
-                      </a:rPr>
-                      <m:t>(</m:t>
-                    </m:r>
-                    <m:r>
-                      <a:rPr kumimoji="1" lang="en-US" altLang="zh-CN" i="1">
-                        <a:latin typeface="Cambria Math" panose="02040503050406030204" pitchFamily="18" charset="0"/>
-                      </a:rPr>
-                      <m:t>𝑡</m:t>
-                    </m:r>
-                    <m:r>
-                      <a:rPr kumimoji="1" lang="en-US" altLang="zh-CN" i="1">
-                        <a:latin typeface="Cambria Math" panose="02040503050406030204" pitchFamily="18" charset="0"/>
-                      </a:rPr>
-                      <m:t>)</m:t>
-                    </m:r>
-                  </m:oMath>
-                </a14:m>
-                <a:r>
-                  <a:rPr kumimoji="1" lang="en-US" altLang="zh-CN" dirty="0">
-                    <a:latin typeface="Calisto MT" panose="02040603050505030304" pitchFamily="18" charset="0"/>
-                  </a:rPr>
-                  <a:t> when</a:t>
-                </a:r>
-              </a:p>
-              <a:p>
-                <a:pPr marL="1200150" lvl="2" indent="-285750">
-                  <a:buFont typeface="Arial" panose="020B0604020202020204" pitchFamily="34" charset="0"/>
-                  <a:buChar char="•"/>
-                </a:pPr>
-                <a:r>
-                  <a:rPr kumimoji="1" lang="en-US" altLang="zh-CN" dirty="0">
-                    <a:latin typeface="Calisto MT" panose="02040603050505030304" pitchFamily="18" charset="0"/>
-                  </a:rPr>
-                  <a:t>The event occurred before </a:t>
-                </a:r>
-                <a14:m>
-                  <m:oMath xmlns:m="http://schemas.openxmlformats.org/officeDocument/2006/math">
-                    <m:r>
-                      <a:rPr kumimoji="1" lang="en-US" altLang="zh-CN" i="1">
-                        <a:latin typeface="Cambria Math" panose="02040503050406030204" pitchFamily="18" charset="0"/>
-                      </a:rPr>
-                      <m:t>𝑡</m:t>
-                    </m:r>
-                  </m:oMath>
-                </a14:m>
-                <a:r>
-                  <a:rPr kumimoji="1" lang="en-US" altLang="zh-CN" dirty="0">
-                    <a:latin typeface="Calisto MT" panose="02040603050505030304" pitchFamily="18" charset="0"/>
-                  </a:rPr>
-                  <a:t>, i.e., </a:t>
-                </a:r>
-                <a14:m>
-                  <m:oMath xmlns:m="http://schemas.openxmlformats.org/officeDocument/2006/math">
-                    <m:r>
-                      <m:rPr>
-                        <m:sty m:val="p"/>
-                      </m:rPr>
-                      <a:rPr kumimoji="1" lang="en-US" altLang="zh-CN">
-                        <a:latin typeface="Cambria Math" panose="02040503050406030204" pitchFamily="18" charset="0"/>
-                      </a:rPr>
-                      <m:t>z</m:t>
-                    </m:r>
-                    <m:r>
-                      <a:rPr kumimoji="1" lang="en-US" altLang="zh-CN">
-                        <a:latin typeface="Cambria Math" panose="02040503050406030204" pitchFamily="18" charset="0"/>
-                      </a:rPr>
-                      <m:t>&lt;</m:t>
-                    </m:r>
-                    <m:r>
-                      <a:rPr kumimoji="1" lang="en-US" altLang="zh-CN" i="1">
-                        <a:latin typeface="Cambria Math" panose="02040503050406030204" pitchFamily="18" charset="0"/>
-                      </a:rPr>
-                      <m:t>𝑡</m:t>
-                    </m:r>
-                  </m:oMath>
-                </a14:m>
-                <a:r>
-                  <a:rPr kumimoji="1" lang="en-US" altLang="zh-CN" dirty="0">
-                    <a:latin typeface="Calisto MT" panose="02040603050505030304" pitchFamily="18" charset="0"/>
-                  </a:rPr>
-                  <a:t> for uncensored data.</a:t>
-                </a:r>
-              </a:p>
-              <a:p>
-                <a:pPr marL="742950" lvl="1" indent="-285750">
-                  <a:buFont typeface="Arial" panose="020B0604020202020204" pitchFamily="34" charset="0"/>
-                  <a:buChar char="•"/>
-                </a:pPr>
-                <a:r>
-                  <a:rPr kumimoji="1" lang="en-US" altLang="zh-CN" dirty="0">
-                    <a:latin typeface="Calisto MT" panose="02040603050505030304" pitchFamily="18" charset="0"/>
-                  </a:rPr>
-                  <a:t>And Pull up</a:t>
-                </a:r>
-                <a:r>
-                  <a:rPr kumimoji="1" lang="en-US" altLang="zh-CN" dirty="0">
-                    <a:latin typeface="Calisto MT" panose="02040603050505030304" pitchFamily="18" charset="0"/>
-                    <a:ea typeface="Cambria Math" panose="02040503050406030204" pitchFamily="18" charset="0"/>
-                  </a:rPr>
-                  <a:t> </a:t>
-                </a:r>
-                <a14:m>
-                  <m:oMath xmlns:m="http://schemas.openxmlformats.org/officeDocument/2006/math">
-                    <m:r>
-                      <a:rPr kumimoji="1" lang="en-US" altLang="zh-CN" i="1">
-                        <a:latin typeface="Cambria Math" panose="02040503050406030204" pitchFamily="18" charset="0"/>
-                        <a:ea typeface="Cambria Math" panose="02040503050406030204" pitchFamily="18" charset="0"/>
-                      </a:rPr>
-                      <m:t>↑</m:t>
-                    </m:r>
-                  </m:oMath>
-                </a14:m>
-                <a:r>
-                  <a:rPr kumimoji="1" lang="en-US" altLang="zh-CN" dirty="0">
-                    <a:latin typeface="Calisto MT" panose="02040603050505030304" pitchFamily="18" charset="0"/>
-                  </a:rPr>
-                  <a:t> the survival curve </a:t>
-                </a:r>
-                <a14:m>
-                  <m:oMath xmlns:m="http://schemas.openxmlformats.org/officeDocument/2006/math">
-                    <m:r>
-                      <a:rPr kumimoji="1" lang="en-US" altLang="zh-CN" i="1">
-                        <a:latin typeface="Cambria Math" panose="02040503050406030204" pitchFamily="18" charset="0"/>
-                      </a:rPr>
-                      <m:t>𝑆</m:t>
-                    </m:r>
-                    <m:r>
-                      <a:rPr kumimoji="1" lang="en-US" altLang="zh-CN" i="1">
-                        <a:latin typeface="Cambria Math" panose="02040503050406030204" pitchFamily="18" charset="0"/>
-                      </a:rPr>
-                      <m:t>(</m:t>
-                    </m:r>
-                    <m:r>
-                      <a:rPr kumimoji="1" lang="en-US" altLang="zh-CN" i="1">
-                        <a:latin typeface="Cambria Math" panose="02040503050406030204" pitchFamily="18" charset="0"/>
-                      </a:rPr>
-                      <m:t>𝑡</m:t>
-                    </m:r>
-                    <m:r>
-                      <a:rPr kumimoji="1" lang="en-US" altLang="zh-CN" i="1">
-                        <a:latin typeface="Cambria Math" panose="02040503050406030204" pitchFamily="18" charset="0"/>
-                      </a:rPr>
-                      <m:t>)</m:t>
-                    </m:r>
-                  </m:oMath>
-                </a14:m>
-                <a:r>
-                  <a:rPr kumimoji="1" lang="en-US" altLang="zh-CN" dirty="0">
-                    <a:latin typeface="Calisto MT" panose="02040603050505030304" pitchFamily="18" charset="0"/>
-                  </a:rPr>
-                  <a:t> when </a:t>
-                </a:r>
-              </a:p>
-              <a:p>
-                <a:pPr marL="1200150" lvl="2" indent="-285750">
-                  <a:buFont typeface="Arial" panose="020B0604020202020204" pitchFamily="34" charset="0"/>
-                  <a:buChar char="•"/>
-                </a:pPr>
-                <a:r>
-                  <a:rPr kumimoji="1" lang="en-US" altLang="zh-CN" dirty="0">
-                    <a:latin typeface="Calisto MT" panose="02040603050505030304" pitchFamily="18" charset="0"/>
-                  </a:rPr>
-                  <a:t>The event not occurs before </a:t>
-                </a:r>
-                <a14:m>
-                  <m:oMath xmlns:m="http://schemas.openxmlformats.org/officeDocument/2006/math">
-                    <m:r>
-                      <a:rPr kumimoji="1" lang="en-US" altLang="zh-CN" i="1">
-                        <a:latin typeface="Cambria Math" panose="02040503050406030204" pitchFamily="18" charset="0"/>
-                      </a:rPr>
-                      <m:t>𝑡</m:t>
-                    </m:r>
-                  </m:oMath>
-                </a14:m>
-                <a:r>
-                  <a:rPr kumimoji="1" lang="en-US" altLang="zh-CN" dirty="0">
-                    <a:latin typeface="Calisto MT" panose="02040603050505030304" pitchFamily="18" charset="0"/>
-                  </a:rPr>
-                  <a:t>, i.e., </a:t>
-                </a:r>
-                <a14:m>
-                  <m:oMath xmlns:m="http://schemas.openxmlformats.org/officeDocument/2006/math">
-                    <m:r>
-                      <m:rPr>
-                        <m:sty m:val="p"/>
-                      </m:rPr>
-                      <a:rPr kumimoji="1" lang="en-US" altLang="zh-CN">
-                        <a:latin typeface="Cambria Math" panose="02040503050406030204" pitchFamily="18" charset="0"/>
-                      </a:rPr>
-                      <m:t>z</m:t>
-                    </m:r>
-                    <m:r>
-                      <a:rPr kumimoji="1" lang="en-US" altLang="zh-CN" i="1">
-                        <a:latin typeface="Cambria Math" panose="02040503050406030204" pitchFamily="18" charset="0"/>
-                      </a:rPr>
-                      <m:t>&gt;</m:t>
-                    </m:r>
-                    <m:r>
-                      <a:rPr kumimoji="1" lang="en-US" altLang="zh-CN" i="1">
-                        <a:latin typeface="Cambria Math" panose="02040503050406030204" pitchFamily="18" charset="0"/>
-                      </a:rPr>
-                      <m:t>𝑡</m:t>
-                    </m:r>
-                  </m:oMath>
-                </a14:m>
-                <a:r>
-                  <a:rPr kumimoji="1" lang="en-US" altLang="zh-CN" dirty="0">
-                    <a:latin typeface="Calisto MT" panose="02040603050505030304" pitchFamily="18" charset="0"/>
-                  </a:rPr>
-                  <a:t> for censored data.</a:t>
-                </a:r>
-                <a:endParaRPr kumimoji="1" lang="zh-CN" altLang="en-US" dirty="0"/>
-              </a:p>
-            </p:txBody>
-          </p:sp>
-        </mc:Choice>
-        <mc:Fallback>
-          <p:sp>
-            <p:nvSpPr>
-              <p:cNvPr id="3" name="备注占位符 2"/>
-              <p:cNvSpPr>
-                <a:spLocks noGrp="1"/>
-              </p:cNvSpPr>
-              <p:nvPr>
-                <p:ph type="body" idx="1"/>
-              </p:nvPr>
-            </p:nvSpPr>
-            <p:spPr/>
-            <p:txBody>
-              <a:bodyPr/>
-              <a:lstStyle/>
-              <a:p>
-                <a:r>
-                  <a:rPr kumimoji="1" lang="en-US" altLang="zh-CN" dirty="0"/>
-                  <a:t>Intuitively, the goal of the two CDF losses is to</a:t>
-                </a:r>
-              </a:p>
-              <a:p>
-                <a:endParaRPr kumimoji="1" lang="en-US" altLang="zh-CN" dirty="0"/>
-              </a:p>
-              <a:p>
-                <a:pPr marL="742950" lvl="1" indent="-285750">
-                  <a:buFont typeface="Arial" panose="020B0604020202020204" pitchFamily="34" charset="0"/>
-                  <a:buChar char="•"/>
-                </a:pPr>
-                <a:r>
-                  <a:rPr kumimoji="1" lang="en-US" altLang="zh-CN" dirty="0">
-                    <a:latin typeface="Calisto MT" panose="02040603050505030304" pitchFamily="18" charset="0"/>
-                  </a:rPr>
-                  <a:t>Push down</a:t>
-                </a:r>
-                <a:r>
-                  <a:rPr kumimoji="1" lang="zh-CN" altLang="en-US" dirty="0">
-                    <a:latin typeface="Calisto MT" panose="02040603050505030304" pitchFamily="18" charset="0"/>
-                  </a:rPr>
-                  <a:t> </a:t>
-                </a:r>
-                <a:r>
-                  <a:rPr kumimoji="1" lang="en-US" altLang="zh-CN" i="0">
-                    <a:latin typeface="Cambria Math" panose="02040503050406030204" pitchFamily="18" charset="0"/>
-                    <a:ea typeface="Cambria Math" panose="02040503050406030204" pitchFamily="18" charset="0"/>
-                  </a:rPr>
-                  <a:t>↓</a:t>
-                </a:r>
-                <a:r>
-                  <a:rPr kumimoji="1" lang="en-US" altLang="zh-CN" dirty="0">
-                    <a:latin typeface="Calisto MT" panose="02040603050505030304" pitchFamily="18" charset="0"/>
-                  </a:rPr>
-                  <a:t> the survival curve </a:t>
-                </a:r>
-                <a:r>
-                  <a:rPr kumimoji="1" lang="en-US" altLang="zh-CN" i="0">
-                    <a:latin typeface="Cambria Math" panose="02040503050406030204" pitchFamily="18" charset="0"/>
-                  </a:rPr>
-                  <a:t>𝑆(𝑡)</a:t>
-                </a:r>
-                <a:r>
-                  <a:rPr kumimoji="1" lang="en-US" altLang="zh-CN" dirty="0">
-                    <a:latin typeface="Calisto MT" panose="02040603050505030304" pitchFamily="18" charset="0"/>
-                  </a:rPr>
-                  <a:t> when</a:t>
-                </a:r>
-              </a:p>
-              <a:p>
-                <a:pPr marL="1200150" lvl="2" indent="-285750">
-                  <a:buFont typeface="Arial" panose="020B0604020202020204" pitchFamily="34" charset="0"/>
-                  <a:buChar char="•"/>
-                </a:pPr>
-                <a:r>
-                  <a:rPr kumimoji="1" lang="en-US" altLang="zh-CN" dirty="0">
-                    <a:latin typeface="Calisto MT" panose="02040603050505030304" pitchFamily="18" charset="0"/>
-                  </a:rPr>
-                  <a:t>The event occurred before </a:t>
-                </a:r>
-                <a:r>
-                  <a:rPr kumimoji="1" lang="en-US" altLang="zh-CN" i="0">
-                    <a:latin typeface="Cambria Math" panose="02040503050406030204" pitchFamily="18" charset="0"/>
-                  </a:rPr>
-                  <a:t>𝑡</a:t>
-                </a:r>
-                <a:r>
-                  <a:rPr kumimoji="1" lang="en-US" altLang="zh-CN" dirty="0">
-                    <a:latin typeface="Calisto MT" panose="02040603050505030304" pitchFamily="18" charset="0"/>
-                  </a:rPr>
-                  <a:t>, i.e., </a:t>
-                </a:r>
-                <a:r>
-                  <a:rPr kumimoji="1" lang="en-US" altLang="zh-CN" i="0">
-                    <a:latin typeface="Cambria Math" panose="02040503050406030204" pitchFamily="18" charset="0"/>
-                  </a:rPr>
-                  <a:t>z&lt;𝑡</a:t>
-                </a:r>
-                <a:r>
-                  <a:rPr kumimoji="1" lang="en-US" altLang="zh-CN" dirty="0">
-                    <a:latin typeface="Calisto MT" panose="02040603050505030304" pitchFamily="18" charset="0"/>
-                  </a:rPr>
-                  <a:t> for uncensored data.</a:t>
-                </a:r>
-              </a:p>
-              <a:p>
-                <a:pPr marL="742950" lvl="1" indent="-285750">
-                  <a:buFont typeface="Arial" panose="020B0604020202020204" pitchFamily="34" charset="0"/>
-                  <a:buChar char="•"/>
-                </a:pPr>
-                <a:r>
-                  <a:rPr kumimoji="1" lang="en-US" altLang="zh-CN" dirty="0">
-                    <a:latin typeface="Calisto MT" panose="02040603050505030304" pitchFamily="18" charset="0"/>
-                  </a:rPr>
-                  <a:t>And Pull up</a:t>
-                </a:r>
-                <a:r>
-                  <a:rPr kumimoji="1" lang="en-US" altLang="zh-CN" dirty="0">
-                    <a:latin typeface="Calisto MT" panose="02040603050505030304" pitchFamily="18" charset="0"/>
-                    <a:ea typeface="Cambria Math" panose="02040503050406030204" pitchFamily="18" charset="0"/>
-                  </a:rPr>
-                  <a:t> </a:t>
-                </a:r>
-                <a:r>
-                  <a:rPr kumimoji="1" lang="en-US" altLang="zh-CN" i="0">
-                    <a:latin typeface="Cambria Math" panose="02040503050406030204" pitchFamily="18" charset="0"/>
-                    <a:ea typeface="Cambria Math" panose="02040503050406030204" pitchFamily="18" charset="0"/>
-                  </a:rPr>
-                  <a:t>↑</a:t>
-                </a:r>
-                <a:r>
-                  <a:rPr kumimoji="1" lang="en-US" altLang="zh-CN" dirty="0">
-                    <a:latin typeface="Calisto MT" panose="02040603050505030304" pitchFamily="18" charset="0"/>
-                  </a:rPr>
-                  <a:t> the survival curve </a:t>
-                </a:r>
-                <a:r>
-                  <a:rPr kumimoji="1" lang="en-US" altLang="zh-CN" i="0">
-                    <a:latin typeface="Cambria Math" panose="02040503050406030204" pitchFamily="18" charset="0"/>
-                  </a:rPr>
-                  <a:t>𝑆(𝑡)</a:t>
-                </a:r>
-                <a:r>
-                  <a:rPr kumimoji="1" lang="en-US" altLang="zh-CN" dirty="0">
-                    <a:latin typeface="Calisto MT" panose="02040603050505030304" pitchFamily="18" charset="0"/>
-                  </a:rPr>
-                  <a:t> when </a:t>
-                </a:r>
-              </a:p>
-              <a:p>
-                <a:pPr marL="1200150" lvl="2" indent="-285750">
-                  <a:buFont typeface="Arial" panose="020B0604020202020204" pitchFamily="34" charset="0"/>
-                  <a:buChar char="•"/>
-                </a:pPr>
-                <a:r>
-                  <a:rPr kumimoji="1" lang="en-US" altLang="zh-CN" dirty="0">
-                    <a:latin typeface="Calisto MT" panose="02040603050505030304" pitchFamily="18" charset="0"/>
-                  </a:rPr>
-                  <a:t>The event not occurs before </a:t>
-                </a:r>
-                <a:r>
-                  <a:rPr kumimoji="1" lang="en-US" altLang="zh-CN" i="0">
-                    <a:latin typeface="Cambria Math" panose="02040503050406030204" pitchFamily="18" charset="0"/>
-                  </a:rPr>
-                  <a:t>𝑡</a:t>
-                </a:r>
-                <a:r>
-                  <a:rPr kumimoji="1" lang="en-US" altLang="zh-CN" dirty="0">
-                    <a:latin typeface="Calisto MT" panose="02040603050505030304" pitchFamily="18" charset="0"/>
-                  </a:rPr>
-                  <a:t>, i.e., </a:t>
-                </a:r>
-                <a:r>
-                  <a:rPr kumimoji="1" lang="en-US" altLang="zh-CN" i="0">
-                    <a:latin typeface="Cambria Math" panose="02040503050406030204" pitchFamily="18" charset="0"/>
-                  </a:rPr>
-                  <a:t>z&gt;𝑡</a:t>
-                </a:r>
-                <a:r>
-                  <a:rPr kumimoji="1" lang="en-US" altLang="zh-CN" dirty="0">
-                    <a:latin typeface="Calisto MT" panose="02040603050505030304" pitchFamily="18" charset="0"/>
-                  </a:rPr>
-                  <a:t> for censored data.</a:t>
-                </a:r>
-                <a:endParaRPr kumimoji="1" lang="zh-CN" altLang="en-US" dirty="0"/>
-              </a:p>
-            </p:txBody>
-          </p:sp>
-        </mc:Fallback>
-      </mc:AlternateContent>
+      <p:sp>
+        <p:nvSpPr>
+          <p:cNvPr id="3" name="备注占位符 2"/>
+          <p:cNvSpPr>
+            <a:spLocks noGrp="1"/>
+          </p:cNvSpPr>
+          <p:nvPr>
+            <p:ph type="body" idx="1"/>
+          </p:nvPr>
+        </p:nvSpPr>
+        <p:spPr/>
+        <p:txBody>
+          <a:bodyPr/>
+          <a:lstStyle/>
+          <a:p>
+            <a:r>
+              <a:rPr kumimoji="1" lang="en-US" altLang="zh-CN" dirty="0"/>
+              <a:t>Intuitively, the goal of the two CDF losses is two-fold.</a:t>
+            </a:r>
+          </a:p>
+          <a:p>
+            <a:endParaRPr kumimoji="1" lang="en-US" altLang="zh-CN" dirty="0"/>
+          </a:p>
+          <a:p>
+            <a:r>
+              <a:rPr kumimoji="1" lang="en-US" altLang="zh-CN" dirty="0"/>
+              <a:t>The left figure shows an example of uncensored case, here z is smaller than t.</a:t>
+            </a:r>
+          </a:p>
+          <a:p>
+            <a:r>
+              <a:rPr kumimoji="1" lang="en-US" altLang="zh-CN" dirty="0"/>
+              <a:t>We need to pull up the survival curve before z, and push down the curve during the time from z to t.</a:t>
+            </a:r>
+          </a:p>
+          <a:p>
+            <a:endParaRPr kumimoji="1" lang="en-US" altLang="zh-CN" dirty="0"/>
+          </a:p>
+          <a:p>
+            <a:r>
+              <a:rPr kumimoji="1" lang="en-US" altLang="zh-CN" dirty="0"/>
+              <a:t>The right figure shows a censored case, where z is unknown but greater than t.</a:t>
+            </a:r>
+          </a:p>
+          <a:p>
+            <a:r>
+              <a:rPr kumimoji="1" lang="en-US" altLang="zh-CN" dirty="0"/>
+              <a:t>So we only need to pull up the survival curve over the whole time range.</a:t>
+            </a:r>
+            <a:endParaRPr kumimoji="1" lang="zh-CN" altLang="en-US" dirty="0"/>
+          </a:p>
+        </p:txBody>
+      </p:sp>
       <p:sp>
         <p:nvSpPr>
           <p:cNvPr id="4" name="灯片编号占位符 3"/>
@@ -3419,7 +3007,7 @@
           <a:p>
             <a:r>
               <a:rPr kumimoji="1" lang="en-US" altLang="zh-CN" dirty="0"/>
-              <a:t>The second is to measure the classification performance of survival or not survival at the given time for the test samples, which is the most widely used metric in survival analysis problem.</a:t>
+              <a:t>The second is to measure the classification performance of survival or not survival at the given time for the test samples, which is the most widely used metric in the related works.</a:t>
             </a:r>
             <a:endParaRPr kumimoji="1" lang="zh-CN" altLang="en-US" dirty="0"/>
           </a:p>
@@ -3828,13 +3416,8 @@
           <a:p>
             <a:r>
               <a:rPr kumimoji="1" lang="en-US" altLang="zh-CN" dirty="0"/>
-              <a:t>We can easily find that our DRSA model accurately predicts the true event time and attribute the highest probability at that </a:t>
-            </a:r>
-            <a:r>
-              <a:rPr kumimoji="1" lang="en-US" altLang="zh-CN"/>
-              <a:t>time point.</a:t>
-            </a:r>
-            <a:endParaRPr kumimoji="1" lang="en-US" altLang="zh-CN" dirty="0"/>
+              <a:t>We can easily find that our DRSA model accurately predicts the true event time and attributes the highest probability at that time point.</a:t>
+            </a:r>
           </a:p>
           <a:p>
             <a:r>
@@ -4718,7 +4301,7 @@
           <a:p>
             <a:r>
               <a:rPr kumimoji="1" lang="en-US" altLang="zh-CN" dirty="0"/>
-              <a:t>From the start of the observing study to the end of the study.</a:t>
+              <a:t>We observe the samples from the start of the study to the end of the study.</a:t>
             </a:r>
           </a:p>
           <a:p>
@@ -14460,7 +14043,7 @@
 </file>
 
 <file path=ppt/slides/slide19.xml><?xml version="1.0" encoding="utf-8"?>
-<p:sld xmlns:a="http://schemas.openxmlformats.org/drawingml/2006/main" xmlns:r="http://schemas.openxmlformats.org/officeDocument/2006/relationships" xmlns:p="http://schemas.openxmlformats.org/presentationml/2006/main">
+<p:sld xmlns:a="http://schemas.openxmlformats.org/drawingml/2006/main" xmlns:r="http://schemas.openxmlformats.org/officeDocument/2006/relationships" xmlns:p="http://schemas.openxmlformats.org/presentationml/2006/main" show="0">
   <p:cSld>
     <p:spTree>
       <p:nvGrpSpPr>
